--- a/SQLSat Dallas 2019/SQLSat Dallas 2019 SQL Security Principals and Permissions 101.pptx
+++ b/SQLSat Dallas 2019/SQLSat Dallas 2019 SQL Security Principals and Permissions 101.pptx
@@ -18,61 +18,61 @@
     <p:sldId id="331" r:id="rId12"/>
     <p:sldId id="335" r:id="rId13"/>
     <p:sldId id="389" r:id="rId14"/>
-    <p:sldId id="353" r:id="rId15"/>
-    <p:sldId id="334" r:id="rId16"/>
-    <p:sldId id="336" r:id="rId17"/>
-    <p:sldId id="333" r:id="rId18"/>
-    <p:sldId id="326" r:id="rId19"/>
-    <p:sldId id="327" r:id="rId20"/>
-    <p:sldId id="330" r:id="rId21"/>
-    <p:sldId id="364" r:id="rId22"/>
-    <p:sldId id="365" r:id="rId23"/>
-    <p:sldId id="352" r:id="rId24"/>
-    <p:sldId id="367" r:id="rId25"/>
-    <p:sldId id="418" r:id="rId26"/>
-    <p:sldId id="369" r:id="rId27"/>
-    <p:sldId id="419" r:id="rId28"/>
-    <p:sldId id="358" r:id="rId29"/>
-    <p:sldId id="400" r:id="rId30"/>
-    <p:sldId id="360" r:id="rId31"/>
-    <p:sldId id="416" r:id="rId32"/>
-    <p:sldId id="415" r:id="rId33"/>
-    <p:sldId id="398" r:id="rId34"/>
-    <p:sldId id="420" r:id="rId35"/>
-    <p:sldId id="403" r:id="rId36"/>
-    <p:sldId id="407" r:id="rId37"/>
-    <p:sldId id="421" r:id="rId38"/>
-    <p:sldId id="343" r:id="rId39"/>
-    <p:sldId id="340" r:id="rId40"/>
-    <p:sldId id="344" r:id="rId41"/>
-    <p:sldId id="422" r:id="rId42"/>
-    <p:sldId id="372" r:id="rId43"/>
-    <p:sldId id="373" r:id="rId44"/>
-    <p:sldId id="423" r:id="rId45"/>
-    <p:sldId id="425" r:id="rId46"/>
-    <p:sldId id="426" r:id="rId47"/>
-    <p:sldId id="408" r:id="rId48"/>
-    <p:sldId id="345" r:id="rId49"/>
-    <p:sldId id="362" r:id="rId50"/>
-    <p:sldId id="348" r:id="rId51"/>
-    <p:sldId id="346" r:id="rId52"/>
-    <p:sldId id="409" r:id="rId53"/>
-    <p:sldId id="355" r:id="rId54"/>
-    <p:sldId id="384" r:id="rId55"/>
-    <p:sldId id="332" r:id="rId56"/>
-    <p:sldId id="337" r:id="rId57"/>
-    <p:sldId id="338" r:id="rId58"/>
-    <p:sldId id="341" r:id="rId59"/>
-    <p:sldId id="342" r:id="rId60"/>
-    <p:sldId id="350" r:id="rId61"/>
-    <p:sldId id="388" r:id="rId62"/>
-    <p:sldId id="410" r:id="rId63"/>
-    <p:sldId id="417" r:id="rId64"/>
-    <p:sldId id="351" r:id="rId65"/>
-    <p:sldId id="359" r:id="rId66"/>
-    <p:sldId id="381" r:id="rId67"/>
-    <p:sldId id="329" r:id="rId68"/>
-    <p:sldId id="347" r:id="rId69"/>
+    <p:sldId id="427" r:id="rId15"/>
+    <p:sldId id="353" r:id="rId16"/>
+    <p:sldId id="334" r:id="rId17"/>
+    <p:sldId id="336" r:id="rId18"/>
+    <p:sldId id="333" r:id="rId19"/>
+    <p:sldId id="326" r:id="rId20"/>
+    <p:sldId id="327" r:id="rId21"/>
+    <p:sldId id="330" r:id="rId22"/>
+    <p:sldId id="364" r:id="rId23"/>
+    <p:sldId id="365" r:id="rId24"/>
+    <p:sldId id="352" r:id="rId25"/>
+    <p:sldId id="367" r:id="rId26"/>
+    <p:sldId id="418" r:id="rId27"/>
+    <p:sldId id="369" r:id="rId28"/>
+    <p:sldId id="419" r:id="rId29"/>
+    <p:sldId id="358" r:id="rId30"/>
+    <p:sldId id="400" r:id="rId31"/>
+    <p:sldId id="360" r:id="rId32"/>
+    <p:sldId id="416" r:id="rId33"/>
+    <p:sldId id="415" r:id="rId34"/>
+    <p:sldId id="398" r:id="rId35"/>
+    <p:sldId id="420" r:id="rId36"/>
+    <p:sldId id="403" r:id="rId37"/>
+    <p:sldId id="407" r:id="rId38"/>
+    <p:sldId id="421" r:id="rId39"/>
+    <p:sldId id="343" r:id="rId40"/>
+    <p:sldId id="340" r:id="rId41"/>
+    <p:sldId id="344" r:id="rId42"/>
+    <p:sldId id="422" r:id="rId43"/>
+    <p:sldId id="372" r:id="rId44"/>
+    <p:sldId id="373" r:id="rId45"/>
+    <p:sldId id="423" r:id="rId46"/>
+    <p:sldId id="425" r:id="rId47"/>
+    <p:sldId id="426" r:id="rId48"/>
+    <p:sldId id="408" r:id="rId49"/>
+    <p:sldId id="345" r:id="rId50"/>
+    <p:sldId id="362" r:id="rId51"/>
+    <p:sldId id="348" r:id="rId52"/>
+    <p:sldId id="346" r:id="rId53"/>
+    <p:sldId id="409" r:id="rId54"/>
+    <p:sldId id="355" r:id="rId55"/>
+    <p:sldId id="384" r:id="rId56"/>
+    <p:sldId id="332" r:id="rId57"/>
+    <p:sldId id="337" r:id="rId58"/>
+    <p:sldId id="338" r:id="rId59"/>
+    <p:sldId id="341" r:id="rId60"/>
+    <p:sldId id="342" r:id="rId61"/>
+    <p:sldId id="350" r:id="rId62"/>
+    <p:sldId id="388" r:id="rId63"/>
+    <p:sldId id="410" r:id="rId64"/>
+    <p:sldId id="417" r:id="rId65"/>
+    <p:sldId id="351" r:id="rId66"/>
+    <p:sldId id="359" r:id="rId67"/>
+    <p:sldId id="381" r:id="rId68"/>
+    <p:sldId id="329" r:id="rId69"/>
     <p:sldId id="387" r:id="rId70"/>
     <p:sldId id="328" r:id="rId71"/>
     <p:sldId id="414" r:id="rId72"/>
@@ -292,7 +292,7 @@
             <a:fld id="{18501692-B899-4C77-BF47-5D6E94D5293B}" type="datetimeFigureOut">
               <a:rPr lang="en-US" smtClean="0"/>
               <a:pPr/>
-              <a:t>5/29/2019</a:t>
+              <a:t>5/31/2019</a:t>
             </a:fld>
             <a:endParaRPr lang="en-US"/>
           </a:p>
@@ -1251,7 +1251,7 @@
           <a:p>
             <a:fld id="{B0BAAF0B-5B5D-46CB-A0DF-7B87FBC32D55}" type="datetimeFigureOut">
               <a:rPr lang="en-US" smtClean="0"/>
-              <a:t>5/29/2019</a:t>
+              <a:t>5/31/2019</a:t>
             </a:fld>
             <a:endParaRPr lang="en-US"/>
           </a:p>
@@ -1421,7 +1421,7 @@
           <a:p>
             <a:fld id="{B0BAAF0B-5B5D-46CB-A0DF-7B87FBC32D55}" type="datetimeFigureOut">
               <a:rPr lang="en-US" smtClean="0"/>
-              <a:t>5/29/2019</a:t>
+              <a:t>5/31/2019</a:t>
             </a:fld>
             <a:endParaRPr lang="en-US"/>
           </a:p>
@@ -1667,7 +1667,7 @@
           <a:p>
             <a:fld id="{B0BAAF0B-5B5D-46CB-A0DF-7B87FBC32D55}" type="datetimeFigureOut">
               <a:rPr lang="en-US" smtClean="0"/>
-              <a:t>5/29/2019</a:t>
+              <a:t>5/31/2019</a:t>
             </a:fld>
             <a:endParaRPr lang="en-US"/>
           </a:p>
@@ -1899,7 +1899,7 @@
           <a:p>
             <a:fld id="{B0BAAF0B-5B5D-46CB-A0DF-7B87FBC32D55}" type="datetimeFigureOut">
               <a:rPr lang="en-US" smtClean="0"/>
-              <a:t>5/29/2019</a:t>
+              <a:t>5/31/2019</a:t>
             </a:fld>
             <a:endParaRPr lang="en-US"/>
           </a:p>
@@ -2266,7 +2266,7 @@
           <a:p>
             <a:fld id="{B0BAAF0B-5B5D-46CB-A0DF-7B87FBC32D55}" type="datetimeFigureOut">
               <a:rPr lang="en-US" smtClean="0"/>
-              <a:t>5/29/2019</a:t>
+              <a:t>5/31/2019</a:t>
             </a:fld>
             <a:endParaRPr lang="en-US"/>
           </a:p>
@@ -2384,7 +2384,7 @@
           <a:p>
             <a:fld id="{B0BAAF0B-5B5D-46CB-A0DF-7B87FBC32D55}" type="datetimeFigureOut">
               <a:rPr lang="en-US" smtClean="0"/>
-              <a:t>5/29/2019</a:t>
+              <a:t>5/31/2019</a:t>
             </a:fld>
             <a:endParaRPr lang="en-US"/>
           </a:p>
@@ -2479,7 +2479,7 @@
           <a:p>
             <a:fld id="{B0BAAF0B-5B5D-46CB-A0DF-7B87FBC32D55}" type="datetimeFigureOut">
               <a:rPr lang="en-US" smtClean="0"/>
-              <a:t>5/29/2019</a:t>
+              <a:t>5/31/2019</a:t>
             </a:fld>
             <a:endParaRPr lang="en-US"/>
           </a:p>
@@ -2756,7 +2756,7 @@
           <a:p>
             <a:fld id="{B0BAAF0B-5B5D-46CB-A0DF-7B87FBC32D55}" type="datetimeFigureOut">
               <a:rPr lang="en-US" smtClean="0"/>
-              <a:t>5/29/2019</a:t>
+              <a:t>5/31/2019</a:t>
             </a:fld>
             <a:endParaRPr lang="en-US"/>
           </a:p>
@@ -3013,7 +3013,7 @@
           <a:p>
             <a:fld id="{B0BAAF0B-5B5D-46CB-A0DF-7B87FBC32D55}" type="datetimeFigureOut">
               <a:rPr lang="en-US" smtClean="0"/>
-              <a:t>5/29/2019</a:t>
+              <a:t>5/31/2019</a:t>
             </a:fld>
             <a:endParaRPr lang="en-US"/>
           </a:p>
@@ -3213,7 +3213,7 @@
           <a:p>
             <a:fld id="{B0BAAF0B-5B5D-46CB-A0DF-7B87FBC32D55}" type="datetimeFigureOut">
               <a:rPr lang="en-US" smtClean="0"/>
-              <a:t>5/29/2019</a:t>
+              <a:t>5/31/2019</a:t>
             </a:fld>
             <a:endParaRPr lang="en-US"/>
           </a:p>
@@ -3393,7 +3393,7 @@
           <a:p>
             <a:fld id="{B0BAAF0B-5B5D-46CB-A0DF-7B87FBC32D55}" type="datetimeFigureOut">
               <a:rPr lang="en-US" smtClean="0"/>
-              <a:t>5/29/2019</a:t>
+              <a:t>5/31/2019</a:t>
             </a:fld>
             <a:endParaRPr lang="en-US"/>
           </a:p>
@@ -3730,7 +3730,7 @@
           <a:p>
             <a:fld id="{3FAA6659-066F-4E7F-BD92-0981E5430CBE}" type="datetimeFigureOut">
               <a:rPr lang="en-US" smtClean="0"/>
-              <a:t>5/29/2019</a:t>
+              <a:t>5/31/2019</a:t>
             </a:fld>
             <a:endParaRPr lang="en-US"/>
           </a:p>
@@ -3898,7 +3898,7 @@
           <a:p>
             <a:fld id="{3FAA6659-066F-4E7F-BD92-0981E5430CBE}" type="datetimeFigureOut">
               <a:rPr lang="en-US" smtClean="0"/>
-              <a:t>5/29/2019</a:t>
+              <a:t>5/31/2019</a:t>
             </a:fld>
             <a:endParaRPr lang="en-US"/>
           </a:p>
@@ -4143,7 +4143,7 @@
           <a:p>
             <a:fld id="{3FAA6659-066F-4E7F-BD92-0981E5430CBE}" type="datetimeFigureOut">
               <a:rPr lang="en-US" smtClean="0"/>
-              <a:t>5/29/2019</a:t>
+              <a:t>5/31/2019</a:t>
             </a:fld>
             <a:endParaRPr lang="en-US"/>
           </a:p>
@@ -4372,7 +4372,7 @@
           <a:p>
             <a:fld id="{3FAA6659-066F-4E7F-BD92-0981E5430CBE}" type="datetimeFigureOut">
               <a:rPr lang="en-US" smtClean="0"/>
-              <a:t>5/29/2019</a:t>
+              <a:t>5/31/2019</a:t>
             </a:fld>
             <a:endParaRPr lang="en-US"/>
           </a:p>
@@ -4736,7 +4736,7 @@
           <a:p>
             <a:fld id="{3FAA6659-066F-4E7F-BD92-0981E5430CBE}" type="datetimeFigureOut">
               <a:rPr lang="en-US" smtClean="0"/>
-              <a:t>5/29/2019</a:t>
+              <a:t>5/31/2019</a:t>
             </a:fld>
             <a:endParaRPr lang="en-US"/>
           </a:p>
@@ -4853,7 +4853,7 @@
           <a:p>
             <a:fld id="{3FAA6659-066F-4E7F-BD92-0981E5430CBE}" type="datetimeFigureOut">
               <a:rPr lang="en-US" smtClean="0"/>
-              <a:t>5/29/2019</a:t>
+              <a:t>5/31/2019</a:t>
             </a:fld>
             <a:endParaRPr lang="en-US"/>
           </a:p>
@@ -4948,7 +4948,7 @@
           <a:p>
             <a:fld id="{3FAA6659-066F-4E7F-BD92-0981E5430CBE}" type="datetimeFigureOut">
               <a:rPr lang="en-US" smtClean="0"/>
-              <a:t>5/29/2019</a:t>
+              <a:t>5/31/2019</a:t>
             </a:fld>
             <a:endParaRPr lang="en-US"/>
           </a:p>
@@ -5253,7 +5253,7 @@
           <a:p>
             <a:fld id="{3FAA6659-066F-4E7F-BD92-0981E5430CBE}" type="datetimeFigureOut">
               <a:rPr lang="en-US" smtClean="0"/>
-              <a:t>5/29/2019</a:t>
+              <a:t>5/31/2019</a:t>
             </a:fld>
             <a:endParaRPr lang="en-US"/>
           </a:p>
@@ -5505,7 +5505,7 @@
           <a:p>
             <a:fld id="{3FAA6659-066F-4E7F-BD92-0981E5430CBE}" type="datetimeFigureOut">
               <a:rPr lang="en-US" smtClean="0"/>
-              <a:t>5/29/2019</a:t>
+              <a:t>5/31/2019</a:t>
             </a:fld>
             <a:endParaRPr lang="en-US"/>
           </a:p>
@@ -5673,7 +5673,7 @@
           <a:p>
             <a:fld id="{3FAA6659-066F-4E7F-BD92-0981E5430CBE}" type="datetimeFigureOut">
               <a:rPr lang="en-US" smtClean="0"/>
-              <a:t>5/29/2019</a:t>
+              <a:t>5/31/2019</a:t>
             </a:fld>
             <a:endParaRPr lang="en-US"/>
           </a:p>
@@ -5851,7 +5851,7 @@
           <a:p>
             <a:fld id="{3FAA6659-066F-4E7F-BD92-0981E5430CBE}" type="datetimeFigureOut">
               <a:rPr lang="en-US" smtClean="0"/>
-              <a:t>5/29/2019</a:t>
+              <a:t>5/31/2019</a:t>
             </a:fld>
             <a:endParaRPr lang="en-US"/>
           </a:p>
@@ -7416,7 +7416,7 @@
           <a:p>
             <a:fld id="{C764DE79-268F-4C1A-8933-263129D2AF90}" type="datetimeFigureOut">
               <a:rPr lang="en-US" dirty="0"/>
-              <a:t>5/29/2019</a:t>
+              <a:t>5/31/2019</a:t>
             </a:fld>
             <a:endParaRPr lang="en-US" dirty="0"/>
           </a:p>
@@ -7956,7 +7956,7 @@
           <a:p>
             <a:fld id="{3FAA6659-066F-4E7F-BD92-0981E5430CBE}" type="datetimeFigureOut">
               <a:rPr lang="en-US" smtClean="0"/>
-              <a:t>5/29/2019</a:t>
+              <a:t>5/31/2019</a:t>
             </a:fld>
             <a:endParaRPr lang="en-US"/>
           </a:p>
@@ -8541,6 +8541,157 @@
         </p:nvSpPr>
         <p:spPr>
           <a:xfrm>
+            <a:off x="1600200" y="1066801"/>
+            <a:ext cx="9372600" cy="5191125"/>
+          </a:xfrm>
+        </p:spPr>
+        <p:txBody>
+          <a:bodyPr>
+            <a:normAutofit/>
+          </a:bodyPr>
+          <a:lstStyle/>
+          <a:p>
+            <a:pPr>
+              <a:buFont typeface="Arial" pitchFamily="34" charset="0"/>
+              <a:buChar char="•"/>
+            </a:pPr>
+            <a:r>
+              <a:rPr lang="en-US" sz="2800" dirty="0"/>
+              <a:t>A SQL Server Login is a server-level security principal </a:t>
+            </a:r>
+          </a:p>
+          <a:p>
+            <a:pPr>
+              <a:buFont typeface="Arial" pitchFamily="34" charset="0"/>
+              <a:buChar char="•"/>
+            </a:pPr>
+            <a:r>
+              <a:rPr lang="en-US" sz="2800" dirty="0"/>
+              <a:t>A User is a database-level principal</a:t>
+            </a:r>
+          </a:p>
+          <a:p>
+            <a:pPr>
+              <a:buFont typeface="Arial" pitchFamily="34" charset="0"/>
+              <a:buChar char="•"/>
+            </a:pPr>
+            <a:endParaRPr lang="en-US" sz="2800" dirty="0"/>
+          </a:p>
+          <a:p>
+            <a:pPr>
+              <a:buFont typeface="Arial" pitchFamily="34" charset="0"/>
+              <a:buChar char="•"/>
+            </a:pPr>
+            <a:r>
+              <a:rPr lang="en-US" sz="2800" dirty="0"/>
+              <a:t>Logins are given a default database.  </a:t>
+            </a:r>
+          </a:p>
+          <a:p>
+            <a:pPr>
+              <a:buFont typeface="Arial" pitchFamily="34" charset="0"/>
+              <a:buChar char="•"/>
+            </a:pPr>
+            <a:endParaRPr lang="en-US" sz="2800" dirty="0"/>
+          </a:p>
+          <a:p>
+            <a:pPr>
+              <a:buFont typeface="Arial" pitchFamily="34" charset="0"/>
+              <a:buChar char="•"/>
+            </a:pPr>
+            <a:r>
+              <a:rPr lang="en-US" sz="2800" dirty="0"/>
+              <a:t>CONNECT will fail if the Default Database is not accessible. </a:t>
+            </a:r>
+          </a:p>
+          <a:p>
+            <a:pPr lvl="1">
+              <a:buFont typeface="Arial" pitchFamily="34" charset="0"/>
+              <a:buChar char="•"/>
+            </a:pPr>
+            <a:r>
+              <a:rPr lang="en-US" sz="2400" dirty="0"/>
+              <a:t>Best practice- set Default Database to the intended User Database, or to TempDB, which is always there, but not persistent.</a:t>
+            </a:r>
+          </a:p>
+        </p:txBody>
+      </p:sp>
+      <p:sp>
+        <p:nvSpPr>
+          <p:cNvPr id="8" name="Title 1"/>
+          <p:cNvSpPr>
+            <a:spLocks noGrp="1"/>
+          </p:cNvSpPr>
+          <p:nvPr>
+            <p:ph type="title"/>
+          </p:nvPr>
+        </p:nvSpPr>
+        <p:spPr>
+          <a:xfrm>
+            <a:off x="0" y="0"/>
+            <a:ext cx="12192000" cy="762000"/>
+          </a:xfrm>
+        </p:spPr>
+        <p:txBody>
+          <a:bodyPr>
+            <a:normAutofit/>
+          </a:bodyPr>
+          <a:lstStyle/>
+          <a:p>
+            <a:pPr algn="ctr"/>
+            <a:r>
+              <a:rPr lang="en-US" b="1" cap="all" dirty="0">
+                <a:solidFill>
+                  <a:srgbClr val="3D156F"/>
+                </a:solidFill>
+              </a:rPr>
+              <a:t>Logins</a:t>
+            </a:r>
+          </a:p>
+        </p:txBody>
+      </p:sp>
+    </p:spTree>
+    <p:extLst>
+      <p:ext uri="{BB962C8B-B14F-4D97-AF65-F5344CB8AC3E}">
+        <p14:creationId xmlns:p14="http://schemas.microsoft.com/office/powerpoint/2010/main" val="1615262561"/>
+      </p:ext>
+    </p:extLst>
+  </p:cSld>
+  <p:clrMapOvr>
+    <a:masterClrMapping/>
+  </p:clrMapOvr>
+</p:sld>
+</file>
+
+<file path=ppt/slides/slide11.xml><?xml version="1.0" encoding="utf-8"?>
+<p:sld xmlns:a="http://schemas.openxmlformats.org/drawingml/2006/main" xmlns:r="http://schemas.openxmlformats.org/officeDocument/2006/relationships" xmlns:p="http://schemas.openxmlformats.org/presentationml/2006/main" showMasterSp="0">
+  <p:cSld>
+    <p:spTree>
+      <p:nvGrpSpPr>
+        <p:cNvPr id="1" name=""/>
+        <p:cNvGrpSpPr/>
+        <p:nvPr/>
+      </p:nvGrpSpPr>
+      <p:grpSpPr>
+        <a:xfrm>
+          <a:off x="0" y="0"/>
+          <a:ext cx="0" cy="0"/>
+          <a:chOff x="0" y="0"/>
+          <a:chExt cx="0" cy="0"/>
+        </a:xfrm>
+      </p:grpSpPr>
+      <p:sp>
+        <p:nvSpPr>
+          <p:cNvPr id="2" name="Content Placeholder 1"/>
+          <p:cNvSpPr>
+            <a:spLocks noGrp="1"/>
+          </p:cNvSpPr>
+          <p:nvPr>
+            <p:ph idx="4294967295"/>
+          </p:nvPr>
+        </p:nvSpPr>
+        <p:spPr>
+          <a:xfrm>
             <a:off x="1524000" y="828676"/>
             <a:ext cx="9753600" cy="5191125"/>
           </a:xfrm>
@@ -8806,7 +8957,7 @@
 </p:sld>
 </file>
 
-<file path=ppt/slides/slide11.xml><?xml version="1.0" encoding="utf-8"?>
+<file path=ppt/slides/slide12.xml><?xml version="1.0" encoding="utf-8"?>
 <p:sld xmlns:a="http://schemas.openxmlformats.org/drawingml/2006/main" xmlns:r="http://schemas.openxmlformats.org/officeDocument/2006/relationships" xmlns:p="http://schemas.openxmlformats.org/presentationml/2006/main" showMasterSp="0">
   <p:cSld>
     <p:spTree>
@@ -9157,7 +9308,7 @@
 </p:sld>
 </file>
 
-<file path=ppt/slides/slide12.xml><?xml version="1.0" encoding="utf-8"?>
+<file path=ppt/slides/slide13.xml><?xml version="1.0" encoding="utf-8"?>
 <p:sld xmlns:a="http://schemas.openxmlformats.org/drawingml/2006/main" xmlns:r="http://schemas.openxmlformats.org/officeDocument/2006/relationships" xmlns:p="http://schemas.openxmlformats.org/presentationml/2006/main" showMasterSp="0">
   <p:cSld>
     <p:spTree>
@@ -9437,333 +9588,6 @@
     <p:extLst>
       <p:ext uri="{BB962C8B-B14F-4D97-AF65-F5344CB8AC3E}">
         <p14:creationId xmlns:p14="http://schemas.microsoft.com/office/powerpoint/2010/main" val="3903692201"/>
-      </p:ext>
-    </p:extLst>
-  </p:cSld>
-  <p:clrMapOvr>
-    <a:masterClrMapping/>
-  </p:clrMapOvr>
-</p:sld>
-</file>
-
-<file path=ppt/slides/slide13.xml><?xml version="1.0" encoding="utf-8"?>
-<p:sld xmlns:a="http://schemas.openxmlformats.org/drawingml/2006/main" xmlns:r="http://schemas.openxmlformats.org/officeDocument/2006/relationships" xmlns:p="http://schemas.openxmlformats.org/presentationml/2006/main" showMasterSp="0">
-  <p:cSld>
-    <p:spTree>
-      <p:nvGrpSpPr>
-        <p:cNvPr id="1" name=""/>
-        <p:cNvGrpSpPr/>
-        <p:nvPr/>
-      </p:nvGrpSpPr>
-      <p:grpSpPr>
-        <a:xfrm>
-          <a:off x="0" y="0"/>
-          <a:ext cx="0" cy="0"/>
-          <a:chOff x="0" y="0"/>
-          <a:chExt cx="0" cy="0"/>
-        </a:xfrm>
-      </p:grpSpPr>
-      <p:sp>
-        <p:nvSpPr>
-          <p:cNvPr id="2" name="Content Placeholder 1"/>
-          <p:cNvSpPr>
-            <a:spLocks noGrp="1"/>
-          </p:cNvSpPr>
-          <p:nvPr>
-            <p:ph idx="4294967295"/>
-          </p:nvPr>
-        </p:nvSpPr>
-        <p:spPr>
-          <a:xfrm>
-            <a:off x="762000" y="914401"/>
-            <a:ext cx="9906000" cy="5638799"/>
-          </a:xfrm>
-        </p:spPr>
-        <p:txBody>
-          <a:bodyPr>
-            <a:normAutofit fontScale="92500" lnSpcReduction="20000"/>
-          </a:bodyPr>
-          <a:lstStyle/>
-          <a:p>
-            <a:pPr>
-              <a:buFont typeface="Arial" pitchFamily="34" charset="0"/>
-              <a:buChar char="•"/>
-            </a:pPr>
-            <a:r>
-              <a:rPr lang="en-US" sz="3200" b="0" dirty="0"/>
-              <a:t>Windows Authentication is the </a:t>
-            </a:r>
-            <a:r>
-              <a:rPr lang="en-US" sz="3200" dirty="0"/>
-              <a:t>default</a:t>
-            </a:r>
-            <a:r>
-              <a:rPr lang="en-US" sz="3200" b="0" dirty="0"/>
-              <a:t> security model for SQL Server, by default the </a:t>
-            </a:r>
-            <a:r>
-              <a:rPr lang="en-US" sz="3200" b="0" i="1" dirty="0"/>
-              <a:t>only </a:t>
-            </a:r>
-            <a:r>
-              <a:rPr lang="en-US" sz="3200" b="0" dirty="0"/>
-              <a:t>security model, and cannot be disabled.</a:t>
-            </a:r>
-          </a:p>
-          <a:p>
-            <a:pPr>
-              <a:buFont typeface="Arial" pitchFamily="34" charset="0"/>
-              <a:buChar char="•"/>
-            </a:pPr>
-            <a:endParaRPr lang="en-US" sz="3200" b="0" dirty="0"/>
-          </a:p>
-          <a:p>
-            <a:pPr>
-              <a:buFont typeface="Arial" pitchFamily="34" charset="0"/>
-              <a:buChar char="•"/>
-            </a:pPr>
-            <a:r>
-              <a:rPr lang="en-US" sz="3200" b="0" dirty="0"/>
-              <a:t>The Windows Authentication model creates Server Logins that are linked to Local Windows or Domain Accounts</a:t>
-            </a:r>
-          </a:p>
-          <a:p>
-            <a:pPr lvl="1">
-              <a:buFont typeface="Arial" pitchFamily="34" charset="0"/>
-              <a:buChar char="•"/>
-            </a:pPr>
-            <a:r>
-              <a:rPr lang="en-US" sz="2800" b="0" dirty="0"/>
-              <a:t>Preferably linked to AD Security Groups, not individuals</a:t>
-            </a:r>
-            <a:r>
-              <a:rPr lang="en-US" sz="2800" dirty="0"/>
-              <a:t>, </a:t>
-            </a:r>
-            <a:br>
-              <a:rPr lang="en-US" sz="2800" dirty="0"/>
-            </a:br>
-            <a:r>
-              <a:rPr lang="en-US" sz="2800" dirty="0"/>
-              <a:t>	so this membership is also managed by your existing 	security infrastructure.</a:t>
-            </a:r>
-            <a:endParaRPr lang="en-US" sz="2800" b="0" dirty="0"/>
-          </a:p>
-          <a:p>
-            <a:pPr>
-              <a:buFont typeface="Arial" pitchFamily="34" charset="0"/>
-              <a:buChar char="•"/>
-            </a:pPr>
-            <a:endParaRPr lang="en-US" sz="3200" b="0" dirty="0"/>
-          </a:p>
-          <a:p>
-            <a:pPr>
-              <a:buFont typeface="Arial" pitchFamily="34" charset="0"/>
-              <a:buChar char="•"/>
-            </a:pPr>
-            <a:r>
-              <a:rPr lang="en-US" sz="3200" b="0" dirty="0"/>
-              <a:t>Choosing </a:t>
-            </a:r>
-            <a:r>
-              <a:rPr lang="en-US" sz="3200" dirty="0"/>
-              <a:t>Mixed Mode </a:t>
-            </a:r>
-            <a:r>
-              <a:rPr lang="en-US" sz="3200" b="0" dirty="0"/>
-              <a:t>as a server option enables SQL Logins and allows the “</a:t>
-            </a:r>
-            <a:r>
-              <a:rPr lang="en-US" sz="3200" b="0" dirty="0" err="1"/>
-              <a:t>sa</a:t>
-            </a:r>
-            <a:r>
-              <a:rPr lang="en-US" sz="3200" b="0" dirty="0"/>
-              <a:t>” account to be enabled.</a:t>
-            </a:r>
-          </a:p>
-        </p:txBody>
-      </p:sp>
-      <p:sp>
-        <p:nvSpPr>
-          <p:cNvPr id="8" name="Text Placeholder 2"/>
-          <p:cNvSpPr txBox="1">
-            <a:spLocks/>
-          </p:cNvSpPr>
-          <p:nvPr/>
-        </p:nvSpPr>
-        <p:spPr>
-          <a:xfrm>
-            <a:off x="0" y="0"/>
-            <a:ext cx="12192000" cy="762000"/>
-          </a:xfrm>
-          <a:prstGeom prst="rect">
-            <a:avLst/>
-          </a:prstGeom>
-        </p:spPr>
-        <p:txBody>
-          <a:bodyPr vert="horz" lIns="91440" tIns="45720" rIns="91440" bIns="45720" rtlCol="0">
-            <a:normAutofit/>
-          </a:bodyPr>
-          <a:lstStyle>
-            <a:lvl1pPr marL="342900" indent="-342900" algn="l" defTabSz="457200" rtl="0" eaLnBrk="1" latinLnBrk="0" hangingPunct="1">
-              <a:spcBef>
-                <a:spcPct val="20000"/>
-              </a:spcBef>
-              <a:buFont typeface="Wingdings" charset="2"/>
-              <a:buChar char="§"/>
-              <a:defRPr sz="3000" kern="1200">
-                <a:solidFill>
-                  <a:schemeClr val="tx2"/>
-                </a:solidFill>
-                <a:latin typeface="+mn-lt"/>
-                <a:ea typeface="+mn-ea"/>
-                <a:cs typeface="+mn-cs"/>
-              </a:defRPr>
-            </a:lvl1pPr>
-            <a:lvl2pPr marL="742950" indent="-285750" algn="l" defTabSz="457200" rtl="0" eaLnBrk="1" latinLnBrk="0" hangingPunct="1">
-              <a:spcBef>
-                <a:spcPct val="20000"/>
-              </a:spcBef>
-              <a:buFont typeface="Wingdings" charset="2"/>
-              <a:buChar char="§"/>
-              <a:defRPr sz="2600" kern="1200">
-                <a:solidFill>
-                  <a:schemeClr val="tx2"/>
-                </a:solidFill>
-                <a:latin typeface="+mn-lt"/>
-                <a:ea typeface="+mn-ea"/>
-                <a:cs typeface="+mn-cs"/>
-              </a:defRPr>
-            </a:lvl2pPr>
-            <a:lvl3pPr marL="1143000" indent="-228600" algn="l" defTabSz="457200" rtl="0" eaLnBrk="1" latinLnBrk="0" hangingPunct="1">
-              <a:spcBef>
-                <a:spcPct val="20000"/>
-              </a:spcBef>
-              <a:buFont typeface="Wingdings" charset="2"/>
-              <a:buChar char="§"/>
-              <a:defRPr sz="2200" kern="1200">
-                <a:solidFill>
-                  <a:schemeClr val="tx2"/>
-                </a:solidFill>
-                <a:latin typeface="+mn-lt"/>
-                <a:ea typeface="+mn-ea"/>
-                <a:cs typeface="+mn-cs"/>
-              </a:defRPr>
-            </a:lvl3pPr>
-            <a:lvl4pPr marL="1600200" indent="-228600" algn="l" defTabSz="457200" rtl="0" eaLnBrk="1" latinLnBrk="0" hangingPunct="1">
-              <a:spcBef>
-                <a:spcPct val="20000"/>
-              </a:spcBef>
-              <a:buFont typeface="Wingdings" charset="2"/>
-              <a:buChar char="§"/>
-              <a:defRPr sz="2000" kern="1200">
-                <a:solidFill>
-                  <a:schemeClr val="tx2"/>
-                </a:solidFill>
-                <a:latin typeface="+mn-lt"/>
-                <a:ea typeface="+mn-ea"/>
-                <a:cs typeface="+mn-cs"/>
-              </a:defRPr>
-            </a:lvl4pPr>
-            <a:lvl5pPr marL="2057400" indent="-228600" algn="l" defTabSz="457200" rtl="0" eaLnBrk="1" latinLnBrk="0" hangingPunct="1">
-              <a:spcBef>
-                <a:spcPct val="20000"/>
-              </a:spcBef>
-              <a:buFont typeface="Wingdings" charset="2"/>
-              <a:buChar char="§"/>
-              <a:defRPr sz="1800" kern="1200">
-                <a:solidFill>
-                  <a:schemeClr val="tx2"/>
-                </a:solidFill>
-                <a:latin typeface="+mn-lt"/>
-                <a:ea typeface="+mn-ea"/>
-                <a:cs typeface="+mn-cs"/>
-              </a:defRPr>
-            </a:lvl5pPr>
-            <a:lvl6pPr marL="2514600" indent="-228600" algn="l" defTabSz="457200" rtl="0" eaLnBrk="1" latinLnBrk="0" hangingPunct="1">
-              <a:spcBef>
-                <a:spcPct val="20000"/>
-              </a:spcBef>
-              <a:buFont typeface="Arial"/>
-              <a:buChar char="•"/>
-              <a:defRPr sz="2000" kern="1200">
-                <a:solidFill>
-                  <a:schemeClr val="tx1"/>
-                </a:solidFill>
-                <a:latin typeface="+mn-lt"/>
-                <a:ea typeface="+mn-ea"/>
-                <a:cs typeface="+mn-cs"/>
-              </a:defRPr>
-            </a:lvl6pPr>
-            <a:lvl7pPr marL="2971800" indent="-228600" algn="l" defTabSz="457200" rtl="0" eaLnBrk="1" latinLnBrk="0" hangingPunct="1">
-              <a:spcBef>
-                <a:spcPct val="20000"/>
-              </a:spcBef>
-              <a:buFont typeface="Arial"/>
-              <a:buChar char="•"/>
-              <a:defRPr sz="2000" kern="1200">
-                <a:solidFill>
-                  <a:schemeClr val="tx1"/>
-                </a:solidFill>
-                <a:latin typeface="+mn-lt"/>
-                <a:ea typeface="+mn-ea"/>
-                <a:cs typeface="+mn-cs"/>
-              </a:defRPr>
-            </a:lvl7pPr>
-            <a:lvl8pPr marL="3429000" indent="-228600" algn="l" defTabSz="457200" rtl="0" eaLnBrk="1" latinLnBrk="0" hangingPunct="1">
-              <a:spcBef>
-                <a:spcPct val="20000"/>
-              </a:spcBef>
-              <a:buFont typeface="Arial"/>
-              <a:buChar char="•"/>
-              <a:defRPr sz="2000" kern="1200">
-                <a:solidFill>
-                  <a:schemeClr val="tx1"/>
-                </a:solidFill>
-                <a:latin typeface="+mn-lt"/>
-                <a:ea typeface="+mn-ea"/>
-                <a:cs typeface="+mn-cs"/>
-              </a:defRPr>
-            </a:lvl8pPr>
-            <a:lvl9pPr marL="3886200" indent="-228600" algn="l" defTabSz="457200" rtl="0" eaLnBrk="1" latinLnBrk="0" hangingPunct="1">
-              <a:spcBef>
-                <a:spcPct val="20000"/>
-              </a:spcBef>
-              <a:buFont typeface="Arial"/>
-              <a:buChar char="•"/>
-              <a:defRPr sz="2000" kern="1200">
-                <a:solidFill>
-                  <a:schemeClr val="tx1"/>
-                </a:solidFill>
-                <a:latin typeface="+mn-lt"/>
-                <a:ea typeface="+mn-ea"/>
-                <a:cs typeface="+mn-cs"/>
-              </a:defRPr>
-            </a:lvl9pPr>
-          </a:lstStyle>
-          <a:p>
-            <a:pPr marL="0" indent="0" algn="ctr">
-              <a:buNone/>
-            </a:pPr>
-            <a:r>
-              <a:rPr lang="en-US" sz="4000" b="1" cap="all" dirty="0">
-                <a:solidFill>
-                  <a:srgbClr val="3D156F"/>
-                </a:solidFill>
-                <a:latin typeface="+mj-lt"/>
-                <a:ea typeface="+mj-ea"/>
-                <a:cs typeface="+mj-cs"/>
-              </a:rPr>
-              <a:t>Windows vs SQL Auth</a:t>
-            </a:r>
-          </a:p>
-        </p:txBody>
-      </p:sp>
-    </p:spTree>
-    <p:extLst>
-      <p:ext uri="{BB962C8B-B14F-4D97-AF65-F5344CB8AC3E}">
-        <p14:creationId xmlns:p14="http://schemas.microsoft.com/office/powerpoint/2010/main" val="3963717532"/>
       </p:ext>
     </p:extLst>
   </p:cSld>
@@ -9802,34 +9626,112 @@
         </p:nvSpPr>
         <p:spPr>
           <a:xfrm>
-            <a:off x="1524000" y="828676"/>
-            <a:ext cx="9067800" cy="5191125"/>
+            <a:off x="762000" y="914401"/>
+            <a:ext cx="9906000" cy="5638799"/>
           </a:xfrm>
         </p:spPr>
         <p:txBody>
-          <a:bodyPr/>
+          <a:bodyPr>
+            <a:normAutofit fontScale="92500" lnSpcReduction="20000"/>
+          </a:bodyPr>
           <a:lstStyle/>
           <a:p>
-            <a:r>
-              <a:rPr lang="en-US" b="0" dirty="0"/>
-              <a:t>From an Internet-facing server, Kerberos may be required to authenticate a Windows User directly from the application server to the SQL Server.</a:t>
-            </a:r>
-          </a:p>
-          <a:p>
-            <a:pPr lvl="1"/>
-            <a:r>
-              <a:rPr lang="en-US" dirty="0"/>
-              <a:t>Can increase the complexity of an application </a:t>
-            </a:r>
-            <a:r>
-              <a:rPr lang="en-US" dirty="0" err="1"/>
-              <a:t>loadout</a:t>
-            </a:r>
-            <a:r>
-              <a:rPr lang="en-US" dirty="0"/>
-              <a:t>, but this is the Enterprise approach.</a:t>
-            </a:r>
-            <a:endParaRPr lang="en-US" b="0" dirty="0"/>
+            <a:pPr>
+              <a:buFont typeface="Arial" pitchFamily="34" charset="0"/>
+              <a:buChar char="•"/>
+            </a:pPr>
+            <a:r>
+              <a:rPr lang="en-US" sz="3200" b="0" dirty="0"/>
+              <a:t>Windows Authentication is the </a:t>
+            </a:r>
+            <a:r>
+              <a:rPr lang="en-US" sz="3200" dirty="0"/>
+              <a:t>default</a:t>
+            </a:r>
+            <a:r>
+              <a:rPr lang="en-US" sz="3200" b="0" dirty="0"/>
+              <a:t> security model for SQL Server, by default the </a:t>
+            </a:r>
+            <a:r>
+              <a:rPr lang="en-US" sz="3200" b="0" i="1" dirty="0"/>
+              <a:t>only </a:t>
+            </a:r>
+            <a:r>
+              <a:rPr lang="en-US" sz="3200" b="0" dirty="0"/>
+              <a:t>security model, and cannot be disabled.</a:t>
+            </a:r>
+          </a:p>
+          <a:p>
+            <a:pPr>
+              <a:buFont typeface="Arial" pitchFamily="34" charset="0"/>
+              <a:buChar char="•"/>
+            </a:pPr>
+            <a:endParaRPr lang="en-US" sz="3200" b="0" dirty="0"/>
+          </a:p>
+          <a:p>
+            <a:pPr>
+              <a:buFont typeface="Arial" pitchFamily="34" charset="0"/>
+              <a:buChar char="•"/>
+            </a:pPr>
+            <a:r>
+              <a:rPr lang="en-US" sz="3200" b="0" dirty="0"/>
+              <a:t>The Windows Authentication model creates Server Logins that are linked to Local Windows or Domain Accounts</a:t>
+            </a:r>
+          </a:p>
+          <a:p>
+            <a:pPr lvl="1">
+              <a:buFont typeface="Arial" pitchFamily="34" charset="0"/>
+              <a:buChar char="•"/>
+            </a:pPr>
+            <a:r>
+              <a:rPr lang="en-US" sz="2800" b="0" dirty="0"/>
+              <a:t>Preferably linked to AD Security Groups, not individuals</a:t>
+            </a:r>
+            <a:r>
+              <a:rPr lang="en-US" sz="2800" dirty="0"/>
+              <a:t>, </a:t>
+            </a:r>
+            <a:br>
+              <a:rPr lang="en-US" sz="2800" dirty="0"/>
+            </a:br>
+            <a:r>
+              <a:rPr lang="en-US" sz="2800" dirty="0"/>
+              <a:t>	so this membership is also managed by your existing 	security infrastructure.</a:t>
+            </a:r>
+            <a:endParaRPr lang="en-US" sz="2800" b="0" dirty="0"/>
+          </a:p>
+          <a:p>
+            <a:pPr>
+              <a:buFont typeface="Arial" pitchFamily="34" charset="0"/>
+              <a:buChar char="•"/>
+            </a:pPr>
+            <a:endParaRPr lang="en-US" sz="3200" b="0" dirty="0"/>
+          </a:p>
+          <a:p>
+            <a:pPr>
+              <a:buFont typeface="Arial" pitchFamily="34" charset="0"/>
+              <a:buChar char="•"/>
+            </a:pPr>
+            <a:r>
+              <a:rPr lang="en-US" sz="3200" b="0" dirty="0"/>
+              <a:t>Choosing </a:t>
+            </a:r>
+            <a:r>
+              <a:rPr lang="en-US" sz="3200" dirty="0"/>
+              <a:t>Mixed Mode </a:t>
+            </a:r>
+            <a:r>
+              <a:rPr lang="en-US" sz="3200" b="0" dirty="0"/>
+              <a:t>as a server option enables SQL Logins and allows the “</a:t>
+            </a:r>
+            <a:r>
+              <a:rPr lang="en-US" sz="3200" b="0" dirty="0" err="1"/>
+              <a:t>sa</a:t>
+            </a:r>
+            <a:r>
+              <a:rPr lang="en-US" sz="3200" b="0" dirty="0"/>
+              <a:t>” account to be enabled.</a:t>
+            </a:r>
           </a:p>
         </p:txBody>
       </p:sp>
@@ -10004,6 +9906,255 @@
                 <a:ea typeface="+mj-ea"/>
                 <a:cs typeface="+mj-cs"/>
               </a:rPr>
+              <a:t>Windows vs SQL Auth</a:t>
+            </a:r>
+          </a:p>
+        </p:txBody>
+      </p:sp>
+    </p:spTree>
+    <p:extLst>
+      <p:ext uri="{BB962C8B-B14F-4D97-AF65-F5344CB8AC3E}">
+        <p14:creationId xmlns:p14="http://schemas.microsoft.com/office/powerpoint/2010/main" val="3963717532"/>
+      </p:ext>
+    </p:extLst>
+  </p:cSld>
+  <p:clrMapOvr>
+    <a:masterClrMapping/>
+  </p:clrMapOvr>
+</p:sld>
+</file>
+
+<file path=ppt/slides/slide15.xml><?xml version="1.0" encoding="utf-8"?>
+<p:sld xmlns:a="http://schemas.openxmlformats.org/drawingml/2006/main" xmlns:r="http://schemas.openxmlformats.org/officeDocument/2006/relationships" xmlns:p="http://schemas.openxmlformats.org/presentationml/2006/main" showMasterSp="0">
+  <p:cSld>
+    <p:spTree>
+      <p:nvGrpSpPr>
+        <p:cNvPr id="1" name=""/>
+        <p:cNvGrpSpPr/>
+        <p:nvPr/>
+      </p:nvGrpSpPr>
+      <p:grpSpPr>
+        <a:xfrm>
+          <a:off x="0" y="0"/>
+          <a:ext cx="0" cy="0"/>
+          <a:chOff x="0" y="0"/>
+          <a:chExt cx="0" cy="0"/>
+        </a:xfrm>
+      </p:grpSpPr>
+      <p:sp>
+        <p:nvSpPr>
+          <p:cNvPr id="2" name="Content Placeholder 1"/>
+          <p:cNvSpPr>
+            <a:spLocks noGrp="1"/>
+          </p:cNvSpPr>
+          <p:nvPr>
+            <p:ph idx="4294967295"/>
+          </p:nvPr>
+        </p:nvSpPr>
+        <p:spPr>
+          <a:xfrm>
+            <a:off x="1524000" y="828676"/>
+            <a:ext cx="9067800" cy="5191125"/>
+          </a:xfrm>
+        </p:spPr>
+        <p:txBody>
+          <a:bodyPr/>
+          <a:lstStyle/>
+          <a:p>
+            <a:r>
+              <a:rPr lang="en-US" b="0" dirty="0"/>
+              <a:t>From an Internet-facing server, Kerberos may be required to authenticate a Windows User directly from the application server to the SQL Server.</a:t>
+            </a:r>
+          </a:p>
+          <a:p>
+            <a:pPr lvl="1"/>
+            <a:r>
+              <a:rPr lang="en-US" dirty="0"/>
+              <a:t>Can increase the complexity of an application </a:t>
+            </a:r>
+            <a:r>
+              <a:rPr lang="en-US" dirty="0" err="1"/>
+              <a:t>loadout</a:t>
+            </a:r>
+            <a:r>
+              <a:rPr lang="en-US" dirty="0"/>
+              <a:t>, but this is the Enterprise approach.</a:t>
+            </a:r>
+            <a:endParaRPr lang="en-US" b="0" dirty="0"/>
+          </a:p>
+        </p:txBody>
+      </p:sp>
+      <p:sp>
+        <p:nvSpPr>
+          <p:cNvPr id="8" name="Text Placeholder 2"/>
+          <p:cNvSpPr txBox="1">
+            <a:spLocks/>
+          </p:cNvSpPr>
+          <p:nvPr/>
+        </p:nvSpPr>
+        <p:spPr>
+          <a:xfrm>
+            <a:off x="0" y="0"/>
+            <a:ext cx="12192000" cy="762000"/>
+          </a:xfrm>
+          <a:prstGeom prst="rect">
+            <a:avLst/>
+          </a:prstGeom>
+        </p:spPr>
+        <p:txBody>
+          <a:bodyPr vert="horz" lIns="91440" tIns="45720" rIns="91440" bIns="45720" rtlCol="0">
+            <a:normAutofit/>
+          </a:bodyPr>
+          <a:lstStyle>
+            <a:lvl1pPr marL="342900" indent="-342900" algn="l" defTabSz="457200" rtl="0" eaLnBrk="1" latinLnBrk="0" hangingPunct="1">
+              <a:spcBef>
+                <a:spcPct val="20000"/>
+              </a:spcBef>
+              <a:buFont typeface="Wingdings" charset="2"/>
+              <a:buChar char="§"/>
+              <a:defRPr sz="3000" kern="1200">
+                <a:solidFill>
+                  <a:schemeClr val="tx2"/>
+                </a:solidFill>
+                <a:latin typeface="+mn-lt"/>
+                <a:ea typeface="+mn-ea"/>
+                <a:cs typeface="+mn-cs"/>
+              </a:defRPr>
+            </a:lvl1pPr>
+            <a:lvl2pPr marL="742950" indent="-285750" algn="l" defTabSz="457200" rtl="0" eaLnBrk="1" latinLnBrk="0" hangingPunct="1">
+              <a:spcBef>
+                <a:spcPct val="20000"/>
+              </a:spcBef>
+              <a:buFont typeface="Wingdings" charset="2"/>
+              <a:buChar char="§"/>
+              <a:defRPr sz="2600" kern="1200">
+                <a:solidFill>
+                  <a:schemeClr val="tx2"/>
+                </a:solidFill>
+                <a:latin typeface="+mn-lt"/>
+                <a:ea typeface="+mn-ea"/>
+                <a:cs typeface="+mn-cs"/>
+              </a:defRPr>
+            </a:lvl2pPr>
+            <a:lvl3pPr marL="1143000" indent="-228600" algn="l" defTabSz="457200" rtl="0" eaLnBrk="1" latinLnBrk="0" hangingPunct="1">
+              <a:spcBef>
+                <a:spcPct val="20000"/>
+              </a:spcBef>
+              <a:buFont typeface="Wingdings" charset="2"/>
+              <a:buChar char="§"/>
+              <a:defRPr sz="2200" kern="1200">
+                <a:solidFill>
+                  <a:schemeClr val="tx2"/>
+                </a:solidFill>
+                <a:latin typeface="+mn-lt"/>
+                <a:ea typeface="+mn-ea"/>
+                <a:cs typeface="+mn-cs"/>
+              </a:defRPr>
+            </a:lvl3pPr>
+            <a:lvl4pPr marL="1600200" indent="-228600" algn="l" defTabSz="457200" rtl="0" eaLnBrk="1" latinLnBrk="0" hangingPunct="1">
+              <a:spcBef>
+                <a:spcPct val="20000"/>
+              </a:spcBef>
+              <a:buFont typeface="Wingdings" charset="2"/>
+              <a:buChar char="§"/>
+              <a:defRPr sz="2000" kern="1200">
+                <a:solidFill>
+                  <a:schemeClr val="tx2"/>
+                </a:solidFill>
+                <a:latin typeface="+mn-lt"/>
+                <a:ea typeface="+mn-ea"/>
+                <a:cs typeface="+mn-cs"/>
+              </a:defRPr>
+            </a:lvl4pPr>
+            <a:lvl5pPr marL="2057400" indent="-228600" algn="l" defTabSz="457200" rtl="0" eaLnBrk="1" latinLnBrk="0" hangingPunct="1">
+              <a:spcBef>
+                <a:spcPct val="20000"/>
+              </a:spcBef>
+              <a:buFont typeface="Wingdings" charset="2"/>
+              <a:buChar char="§"/>
+              <a:defRPr sz="1800" kern="1200">
+                <a:solidFill>
+                  <a:schemeClr val="tx2"/>
+                </a:solidFill>
+                <a:latin typeface="+mn-lt"/>
+                <a:ea typeface="+mn-ea"/>
+                <a:cs typeface="+mn-cs"/>
+              </a:defRPr>
+            </a:lvl5pPr>
+            <a:lvl6pPr marL="2514600" indent="-228600" algn="l" defTabSz="457200" rtl="0" eaLnBrk="1" latinLnBrk="0" hangingPunct="1">
+              <a:spcBef>
+                <a:spcPct val="20000"/>
+              </a:spcBef>
+              <a:buFont typeface="Arial"/>
+              <a:buChar char="•"/>
+              <a:defRPr sz="2000" kern="1200">
+                <a:solidFill>
+                  <a:schemeClr val="tx1"/>
+                </a:solidFill>
+                <a:latin typeface="+mn-lt"/>
+                <a:ea typeface="+mn-ea"/>
+                <a:cs typeface="+mn-cs"/>
+              </a:defRPr>
+            </a:lvl6pPr>
+            <a:lvl7pPr marL="2971800" indent="-228600" algn="l" defTabSz="457200" rtl="0" eaLnBrk="1" latinLnBrk="0" hangingPunct="1">
+              <a:spcBef>
+                <a:spcPct val="20000"/>
+              </a:spcBef>
+              <a:buFont typeface="Arial"/>
+              <a:buChar char="•"/>
+              <a:defRPr sz="2000" kern="1200">
+                <a:solidFill>
+                  <a:schemeClr val="tx1"/>
+                </a:solidFill>
+                <a:latin typeface="+mn-lt"/>
+                <a:ea typeface="+mn-ea"/>
+                <a:cs typeface="+mn-cs"/>
+              </a:defRPr>
+            </a:lvl7pPr>
+            <a:lvl8pPr marL="3429000" indent="-228600" algn="l" defTabSz="457200" rtl="0" eaLnBrk="1" latinLnBrk="0" hangingPunct="1">
+              <a:spcBef>
+                <a:spcPct val="20000"/>
+              </a:spcBef>
+              <a:buFont typeface="Arial"/>
+              <a:buChar char="•"/>
+              <a:defRPr sz="2000" kern="1200">
+                <a:solidFill>
+                  <a:schemeClr val="tx1"/>
+                </a:solidFill>
+                <a:latin typeface="+mn-lt"/>
+                <a:ea typeface="+mn-ea"/>
+                <a:cs typeface="+mn-cs"/>
+              </a:defRPr>
+            </a:lvl8pPr>
+            <a:lvl9pPr marL="3886200" indent="-228600" algn="l" defTabSz="457200" rtl="0" eaLnBrk="1" latinLnBrk="0" hangingPunct="1">
+              <a:spcBef>
+                <a:spcPct val="20000"/>
+              </a:spcBef>
+              <a:buFont typeface="Arial"/>
+              <a:buChar char="•"/>
+              <a:defRPr sz="2000" kern="1200">
+                <a:solidFill>
+                  <a:schemeClr val="tx1"/>
+                </a:solidFill>
+                <a:latin typeface="+mn-lt"/>
+                <a:ea typeface="+mn-ea"/>
+                <a:cs typeface="+mn-cs"/>
+              </a:defRPr>
+            </a:lvl9pPr>
+          </a:lstStyle>
+          <a:p>
+            <a:pPr marL="0" indent="0" algn="ctr">
+              <a:buNone/>
+            </a:pPr>
+            <a:r>
+              <a:rPr lang="en-US" sz="4000" b="1" cap="all" dirty="0">
+                <a:solidFill>
+                  <a:srgbClr val="3D156F"/>
+                </a:solidFill>
+                <a:latin typeface="+mj-lt"/>
+                <a:ea typeface="+mj-ea"/>
+                <a:cs typeface="+mj-cs"/>
+              </a:rPr>
               <a:t>Apps + windows </a:t>
             </a:r>
             <a:r>
@@ -10041,7 +10192,7 @@
 </p:sld>
 </file>
 
-<file path=ppt/slides/slide15.xml><?xml version="1.0" encoding="utf-8"?>
+<file path=ppt/slides/slide16.xml><?xml version="1.0" encoding="utf-8"?>
 <p:sld xmlns:a="http://schemas.openxmlformats.org/drawingml/2006/main" xmlns:r="http://schemas.openxmlformats.org/officeDocument/2006/relationships" xmlns:p="http://schemas.openxmlformats.org/presentationml/2006/main">
   <p:cSld>
     <p:spTree>
@@ -10331,7 +10482,7 @@
 </p:sld>
 </file>
 
-<file path=ppt/slides/slide16.xml><?xml version="1.0" encoding="utf-8"?>
+<file path=ppt/slides/slide17.xml><?xml version="1.0" encoding="utf-8"?>
 <p:sld xmlns:a="http://schemas.openxmlformats.org/drawingml/2006/main" xmlns:r="http://schemas.openxmlformats.org/officeDocument/2006/relationships" xmlns:p="http://schemas.openxmlformats.org/presentationml/2006/main">
   <p:cSld>
     <p:spTree>
@@ -10778,7 +10929,7 @@
 </p:sld>
 </file>
 
-<file path=ppt/slides/slide17.xml><?xml version="1.0" encoding="utf-8"?>
+<file path=ppt/slides/slide18.xml><?xml version="1.0" encoding="utf-8"?>
 <p:sld xmlns:a="http://schemas.openxmlformats.org/drawingml/2006/main" xmlns:r="http://schemas.openxmlformats.org/officeDocument/2006/relationships" xmlns:p="http://schemas.openxmlformats.org/presentationml/2006/main" showMasterSp="0">
   <p:cSld>
     <p:spTree>
@@ -11236,7 +11387,7 @@
 </p:sld>
 </file>
 
-<file path=ppt/slides/slide18.xml><?xml version="1.0" encoding="utf-8"?>
+<file path=ppt/slides/slide19.xml><?xml version="1.0" encoding="utf-8"?>
 <p:sld xmlns:a="http://schemas.openxmlformats.org/drawingml/2006/main" xmlns:r="http://schemas.openxmlformats.org/officeDocument/2006/relationships" xmlns:p="http://schemas.openxmlformats.org/presentationml/2006/main">
   <p:cSld>
     <p:spTree>
@@ -11561,563 +11712,6 @@
     <p:extLst>
       <p:ext uri="{BB962C8B-B14F-4D97-AF65-F5344CB8AC3E}">
         <p14:creationId xmlns:p14="http://schemas.microsoft.com/office/powerpoint/2010/main" val="2931603478"/>
-      </p:ext>
-    </p:extLst>
-  </p:cSld>
-  <p:clrMapOvr>
-    <a:masterClrMapping/>
-  </p:clrMapOvr>
-  <p:timing>
-    <p:tnLst>
-      <p:par>
-        <p:cTn id="1" dur="indefinite" restart="never" nodeType="tmRoot">
-          <p:childTnLst>
-            <p:seq concurrent="1" nextAc="seek">
-              <p:cTn id="2" dur="indefinite" nodeType="mainSeq">
-                <p:childTnLst>
-                  <p:par>
-                    <p:cTn id="3" fill="hold">
-                      <p:stCondLst>
-                        <p:cond delay="indefinite"/>
-                      </p:stCondLst>
-                      <p:childTnLst>
-                        <p:par>
-                          <p:cTn id="4" fill="hold">
-                            <p:stCondLst>
-                              <p:cond delay="0"/>
-                            </p:stCondLst>
-                            <p:childTnLst>
-                              <p:par>
-                                <p:cTn id="5" presetID="1" presetClass="entr" presetSubtype="0" fill="hold" nodeType="clickEffect">
-                                  <p:stCondLst>
-                                    <p:cond delay="0"/>
-                                  </p:stCondLst>
-                                  <p:childTnLst>
-                                    <p:set>
-                                      <p:cBhvr>
-                                        <p:cTn id="6" dur="1" fill="hold">
-                                          <p:stCondLst>
-                                            <p:cond delay="0"/>
-                                          </p:stCondLst>
-                                        </p:cTn>
-                                        <p:tgtEl>
-                                          <p:spTgt spid="4"/>
-                                        </p:tgtEl>
-                                        <p:attrNameLst>
-                                          <p:attrName>style.visibility</p:attrName>
-                                        </p:attrNameLst>
-                                      </p:cBhvr>
-                                      <p:to>
-                                        <p:strVal val="visible"/>
-                                      </p:to>
-                                    </p:set>
-                                  </p:childTnLst>
-                                </p:cTn>
-                              </p:par>
-                            </p:childTnLst>
-                          </p:cTn>
-                        </p:par>
-                      </p:childTnLst>
-                    </p:cTn>
-                  </p:par>
-                  <p:par>
-                    <p:cTn id="7" fill="hold">
-                      <p:stCondLst>
-                        <p:cond delay="indefinite"/>
-                      </p:stCondLst>
-                      <p:childTnLst>
-                        <p:par>
-                          <p:cTn id="8" fill="hold">
-                            <p:stCondLst>
-                              <p:cond delay="0"/>
-                            </p:stCondLst>
-                            <p:childTnLst>
-                              <p:par>
-                                <p:cTn id="9" presetID="2" presetClass="entr" presetSubtype="4" fill="hold" nodeType="clickEffect">
-                                  <p:stCondLst>
-                                    <p:cond delay="0"/>
-                                  </p:stCondLst>
-                                  <p:childTnLst>
-                                    <p:set>
-                                      <p:cBhvr>
-                                        <p:cTn id="10" dur="1" fill="hold">
-                                          <p:stCondLst>
-                                            <p:cond delay="0"/>
-                                          </p:stCondLst>
-                                        </p:cTn>
-                                        <p:tgtEl>
-                                          <p:spTgt spid="5"/>
-                                        </p:tgtEl>
-                                        <p:attrNameLst>
-                                          <p:attrName>style.visibility</p:attrName>
-                                        </p:attrNameLst>
-                                      </p:cBhvr>
-                                      <p:to>
-                                        <p:strVal val="visible"/>
-                                      </p:to>
-                                    </p:set>
-                                    <p:anim calcmode="lin" valueType="num">
-                                      <p:cBhvr additive="base">
-                                        <p:cTn id="11" dur="500" fill="hold"/>
-                                        <p:tgtEl>
-                                          <p:spTgt spid="5"/>
-                                        </p:tgtEl>
-                                        <p:attrNameLst>
-                                          <p:attrName>ppt_x</p:attrName>
-                                        </p:attrNameLst>
-                                      </p:cBhvr>
-                                      <p:tavLst>
-                                        <p:tav tm="0">
-                                          <p:val>
-                                            <p:strVal val="#ppt_x"/>
-                                          </p:val>
-                                        </p:tav>
-                                        <p:tav tm="100000">
-                                          <p:val>
-                                            <p:strVal val="#ppt_x"/>
-                                          </p:val>
-                                        </p:tav>
-                                      </p:tavLst>
-                                    </p:anim>
-                                    <p:anim calcmode="lin" valueType="num">
-                                      <p:cBhvr additive="base">
-                                        <p:cTn id="12" dur="500" fill="hold"/>
-                                        <p:tgtEl>
-                                          <p:spTgt spid="5"/>
-                                        </p:tgtEl>
-                                        <p:attrNameLst>
-                                          <p:attrName>ppt_y</p:attrName>
-                                        </p:attrNameLst>
-                                      </p:cBhvr>
-                                      <p:tavLst>
-                                        <p:tav tm="0">
-                                          <p:val>
-                                            <p:strVal val="1+#ppt_h/2"/>
-                                          </p:val>
-                                        </p:tav>
-                                        <p:tav tm="100000">
-                                          <p:val>
-                                            <p:strVal val="#ppt_y"/>
-                                          </p:val>
-                                        </p:tav>
-                                      </p:tavLst>
-                                    </p:anim>
-                                  </p:childTnLst>
-                                </p:cTn>
-                              </p:par>
-                            </p:childTnLst>
-                          </p:cTn>
-                        </p:par>
-                      </p:childTnLst>
-                    </p:cTn>
-                  </p:par>
-                </p:childTnLst>
-              </p:cTn>
-              <p:prevCondLst>
-                <p:cond evt="onPrev" delay="0">
-                  <p:tgtEl>
-                    <p:sldTgt/>
-                  </p:tgtEl>
-                </p:cond>
-              </p:prevCondLst>
-              <p:nextCondLst>
-                <p:cond evt="onNext" delay="0">
-                  <p:tgtEl>
-                    <p:sldTgt/>
-                  </p:tgtEl>
-                </p:cond>
-              </p:nextCondLst>
-            </p:seq>
-          </p:childTnLst>
-        </p:cTn>
-      </p:par>
-    </p:tnLst>
-  </p:timing>
-</p:sld>
-</file>
-
-<file path=ppt/slides/slide19.xml><?xml version="1.0" encoding="utf-8"?>
-<p:sld xmlns:a="http://schemas.openxmlformats.org/drawingml/2006/main" xmlns:r="http://schemas.openxmlformats.org/officeDocument/2006/relationships" xmlns:p="http://schemas.openxmlformats.org/presentationml/2006/main">
-  <p:cSld>
-    <p:spTree>
-      <p:nvGrpSpPr>
-        <p:cNvPr id="1" name=""/>
-        <p:cNvGrpSpPr/>
-        <p:nvPr/>
-      </p:nvGrpSpPr>
-      <p:grpSpPr>
-        <a:xfrm>
-          <a:off x="0" y="0"/>
-          <a:ext cx="0" cy="0"/>
-          <a:chOff x="0" y="0"/>
-          <a:chExt cx="0" cy="0"/>
-        </a:xfrm>
-      </p:grpSpPr>
-      <p:sp>
-        <p:nvSpPr>
-          <p:cNvPr id="2" name="Content Placeholder 1"/>
-          <p:cNvSpPr>
-            <a:spLocks noGrp="1"/>
-          </p:cNvSpPr>
-          <p:nvPr>
-            <p:ph idx="4294967295"/>
-          </p:nvPr>
-        </p:nvSpPr>
-        <p:spPr>
-          <a:xfrm>
-            <a:off x="1524000" y="828676"/>
-            <a:ext cx="8229600" cy="5191125"/>
-          </a:xfrm>
-        </p:spPr>
-        <p:txBody>
-          <a:bodyPr>
-            <a:normAutofit/>
-          </a:bodyPr>
-          <a:lstStyle/>
-          <a:p>
-            <a:r>
-              <a:rPr lang="en-US" sz="2800" dirty="0"/>
-              <a:t>Fix: SQL Auth Login becomes disconnected from its Database User</a:t>
-            </a:r>
-          </a:p>
-          <a:p>
-            <a:r>
-              <a:rPr lang="en-US" sz="2800" b="1" dirty="0"/>
-              <a:t>Toolbox: fix orphaned </a:t>
-            </a:r>
-            <a:r>
-              <a:rPr lang="en-US" sz="2800" b="1" dirty="0" err="1"/>
-              <a:t>sid.sql</a:t>
-            </a:r>
-            <a:endParaRPr lang="en-US" sz="2800" b="1" dirty="0"/>
-          </a:p>
-        </p:txBody>
-      </p:sp>
-      <p:pic>
-        <p:nvPicPr>
-          <p:cNvPr id="4" name="Picture 3"/>
-          <p:cNvPicPr>
-            <a:picLocks noChangeAspect="1"/>
-          </p:cNvPicPr>
-          <p:nvPr/>
-        </p:nvPicPr>
-        <p:blipFill>
-          <a:blip r:embed="rId2"/>
-          <a:stretch>
-            <a:fillRect/>
-          </a:stretch>
-        </p:blipFill>
-        <p:spPr>
-          <a:xfrm>
-            <a:off x="88900" y="2877570"/>
-            <a:ext cx="6281635" cy="2816718"/>
-          </a:xfrm>
-          <a:prstGeom prst="rect">
-            <a:avLst/>
-          </a:prstGeom>
-        </p:spPr>
-      </p:pic>
-      <p:pic>
-        <p:nvPicPr>
-          <p:cNvPr id="5" name="Picture 4"/>
-          <p:cNvPicPr>
-            <a:picLocks noChangeAspect="1"/>
-          </p:cNvPicPr>
-          <p:nvPr/>
-        </p:nvPicPr>
-        <p:blipFill>
-          <a:blip r:embed="rId3"/>
-          <a:stretch>
-            <a:fillRect/>
-          </a:stretch>
-        </p:blipFill>
-        <p:spPr>
-          <a:xfrm>
-            <a:off x="5638800" y="2890271"/>
-            <a:ext cx="6311900" cy="3593918"/>
-          </a:xfrm>
-          <a:prstGeom prst="rect">
-            <a:avLst/>
-          </a:prstGeom>
-        </p:spPr>
-      </p:pic>
-      <p:pic>
-        <p:nvPicPr>
-          <p:cNvPr id="6" name="Picture 5"/>
-          <p:cNvPicPr>
-            <a:picLocks noChangeAspect="1"/>
-          </p:cNvPicPr>
-          <p:nvPr/>
-        </p:nvPicPr>
-        <p:blipFill>
-          <a:blip r:embed="rId4"/>
-          <a:stretch>
-            <a:fillRect/>
-          </a:stretch>
-        </p:blipFill>
-        <p:spPr>
-          <a:xfrm>
-            <a:off x="76200" y="2438400"/>
-            <a:ext cx="8404800" cy="451871"/>
-          </a:xfrm>
-          <a:prstGeom prst="rect">
-            <a:avLst/>
-          </a:prstGeom>
-        </p:spPr>
-      </p:pic>
-      <p:sp>
-        <p:nvSpPr>
-          <p:cNvPr id="11" name="Text Placeholder 2"/>
-          <p:cNvSpPr txBox="1">
-            <a:spLocks/>
-          </p:cNvSpPr>
-          <p:nvPr/>
-        </p:nvSpPr>
-        <p:spPr>
-          <a:xfrm>
-            <a:off x="0" y="0"/>
-            <a:ext cx="12192000" cy="762000"/>
-          </a:xfrm>
-          <a:prstGeom prst="rect">
-            <a:avLst/>
-          </a:prstGeom>
-        </p:spPr>
-        <p:txBody>
-          <a:bodyPr vert="horz" lIns="91440" tIns="45720" rIns="91440" bIns="45720" rtlCol="0">
-            <a:normAutofit/>
-          </a:bodyPr>
-          <a:lstStyle>
-            <a:lvl1pPr marL="342900" indent="-342900" algn="l" defTabSz="457200" rtl="0" eaLnBrk="1" latinLnBrk="0" hangingPunct="1">
-              <a:spcBef>
-                <a:spcPct val="20000"/>
-              </a:spcBef>
-              <a:buFont typeface="Wingdings" charset="2"/>
-              <a:buChar char="§"/>
-              <a:defRPr sz="3000" kern="1200">
-                <a:solidFill>
-                  <a:schemeClr val="tx2"/>
-                </a:solidFill>
-                <a:latin typeface="+mn-lt"/>
-                <a:ea typeface="+mn-ea"/>
-                <a:cs typeface="+mn-cs"/>
-              </a:defRPr>
-            </a:lvl1pPr>
-            <a:lvl2pPr marL="742950" indent="-285750" algn="l" defTabSz="457200" rtl="0" eaLnBrk="1" latinLnBrk="0" hangingPunct="1">
-              <a:spcBef>
-                <a:spcPct val="20000"/>
-              </a:spcBef>
-              <a:buFont typeface="Wingdings" charset="2"/>
-              <a:buChar char="§"/>
-              <a:defRPr sz="2600" kern="1200">
-                <a:solidFill>
-                  <a:schemeClr val="tx2"/>
-                </a:solidFill>
-                <a:latin typeface="+mn-lt"/>
-                <a:ea typeface="+mn-ea"/>
-                <a:cs typeface="+mn-cs"/>
-              </a:defRPr>
-            </a:lvl2pPr>
-            <a:lvl3pPr marL="1143000" indent="-228600" algn="l" defTabSz="457200" rtl="0" eaLnBrk="1" latinLnBrk="0" hangingPunct="1">
-              <a:spcBef>
-                <a:spcPct val="20000"/>
-              </a:spcBef>
-              <a:buFont typeface="Wingdings" charset="2"/>
-              <a:buChar char="§"/>
-              <a:defRPr sz="2200" kern="1200">
-                <a:solidFill>
-                  <a:schemeClr val="tx2"/>
-                </a:solidFill>
-                <a:latin typeface="+mn-lt"/>
-                <a:ea typeface="+mn-ea"/>
-                <a:cs typeface="+mn-cs"/>
-              </a:defRPr>
-            </a:lvl3pPr>
-            <a:lvl4pPr marL="1600200" indent="-228600" algn="l" defTabSz="457200" rtl="0" eaLnBrk="1" latinLnBrk="0" hangingPunct="1">
-              <a:spcBef>
-                <a:spcPct val="20000"/>
-              </a:spcBef>
-              <a:buFont typeface="Wingdings" charset="2"/>
-              <a:buChar char="§"/>
-              <a:defRPr sz="2000" kern="1200">
-                <a:solidFill>
-                  <a:schemeClr val="tx2"/>
-                </a:solidFill>
-                <a:latin typeface="+mn-lt"/>
-                <a:ea typeface="+mn-ea"/>
-                <a:cs typeface="+mn-cs"/>
-              </a:defRPr>
-            </a:lvl4pPr>
-            <a:lvl5pPr marL="2057400" indent="-228600" algn="l" defTabSz="457200" rtl="0" eaLnBrk="1" latinLnBrk="0" hangingPunct="1">
-              <a:spcBef>
-                <a:spcPct val="20000"/>
-              </a:spcBef>
-              <a:buFont typeface="Wingdings" charset="2"/>
-              <a:buChar char="§"/>
-              <a:defRPr sz="1800" kern="1200">
-                <a:solidFill>
-                  <a:schemeClr val="tx2"/>
-                </a:solidFill>
-                <a:latin typeface="+mn-lt"/>
-                <a:ea typeface="+mn-ea"/>
-                <a:cs typeface="+mn-cs"/>
-              </a:defRPr>
-            </a:lvl5pPr>
-            <a:lvl6pPr marL="2514600" indent="-228600" algn="l" defTabSz="457200" rtl="0" eaLnBrk="1" latinLnBrk="0" hangingPunct="1">
-              <a:spcBef>
-                <a:spcPct val="20000"/>
-              </a:spcBef>
-              <a:buFont typeface="Arial"/>
-              <a:buChar char="•"/>
-              <a:defRPr sz="2000" kern="1200">
-                <a:solidFill>
-                  <a:schemeClr val="tx1"/>
-                </a:solidFill>
-                <a:latin typeface="+mn-lt"/>
-                <a:ea typeface="+mn-ea"/>
-                <a:cs typeface="+mn-cs"/>
-              </a:defRPr>
-            </a:lvl6pPr>
-            <a:lvl7pPr marL="2971800" indent="-228600" algn="l" defTabSz="457200" rtl="0" eaLnBrk="1" latinLnBrk="0" hangingPunct="1">
-              <a:spcBef>
-                <a:spcPct val="20000"/>
-              </a:spcBef>
-              <a:buFont typeface="Arial"/>
-              <a:buChar char="•"/>
-              <a:defRPr sz="2000" kern="1200">
-                <a:solidFill>
-                  <a:schemeClr val="tx1"/>
-                </a:solidFill>
-                <a:latin typeface="+mn-lt"/>
-                <a:ea typeface="+mn-ea"/>
-                <a:cs typeface="+mn-cs"/>
-              </a:defRPr>
-            </a:lvl7pPr>
-            <a:lvl8pPr marL="3429000" indent="-228600" algn="l" defTabSz="457200" rtl="0" eaLnBrk="1" latinLnBrk="0" hangingPunct="1">
-              <a:spcBef>
-                <a:spcPct val="20000"/>
-              </a:spcBef>
-              <a:buFont typeface="Arial"/>
-              <a:buChar char="•"/>
-              <a:defRPr sz="2000" kern="1200">
-                <a:solidFill>
-                  <a:schemeClr val="tx1"/>
-                </a:solidFill>
-                <a:latin typeface="+mn-lt"/>
-                <a:ea typeface="+mn-ea"/>
-                <a:cs typeface="+mn-cs"/>
-              </a:defRPr>
-            </a:lvl8pPr>
-            <a:lvl9pPr marL="3886200" indent="-228600" algn="l" defTabSz="457200" rtl="0" eaLnBrk="1" latinLnBrk="0" hangingPunct="1">
-              <a:spcBef>
-                <a:spcPct val="20000"/>
-              </a:spcBef>
-              <a:buFont typeface="Arial"/>
-              <a:buChar char="•"/>
-              <a:defRPr sz="2000" kern="1200">
-                <a:solidFill>
-                  <a:schemeClr val="tx1"/>
-                </a:solidFill>
-                <a:latin typeface="+mn-lt"/>
-                <a:ea typeface="+mn-ea"/>
-                <a:cs typeface="+mn-cs"/>
-              </a:defRPr>
-            </a:lvl9pPr>
-          </a:lstStyle>
-          <a:p>
-            <a:pPr marL="0" indent="0" algn="ctr">
-              <a:buNone/>
-            </a:pPr>
-            <a:r>
-              <a:rPr lang="en-US" sz="4000" b="1" cap="all" dirty="0">
-                <a:solidFill>
-                  <a:srgbClr val="3D156F"/>
-                </a:solidFill>
-                <a:latin typeface="+mj-lt"/>
-                <a:ea typeface="+mj-ea"/>
-                <a:cs typeface="+mj-cs"/>
-              </a:rPr>
-              <a:t>Fix orphaned </a:t>
-            </a:r>
-            <a:r>
-              <a:rPr lang="en-US" sz="4000" b="1" cap="all" dirty="0" err="1">
-                <a:solidFill>
-                  <a:srgbClr val="3D156F"/>
-                </a:solidFill>
-                <a:latin typeface="+mj-lt"/>
-                <a:ea typeface="+mj-ea"/>
-                <a:cs typeface="+mj-cs"/>
-              </a:rPr>
-              <a:t>sid</a:t>
-            </a:r>
-            <a:endParaRPr lang="en-US" sz="4000" b="1" cap="all" dirty="0">
-              <a:solidFill>
-                <a:srgbClr val="3D156F"/>
-              </a:solidFill>
-              <a:latin typeface="+mj-lt"/>
-              <a:ea typeface="+mj-ea"/>
-              <a:cs typeface="+mj-cs"/>
-            </a:endParaRPr>
-          </a:p>
-        </p:txBody>
-      </p:sp>
-      <p:sp>
-        <p:nvSpPr>
-          <p:cNvPr id="3" name="Rectangle 2">
-            <a:extLst>
-              <a:ext uri="{FF2B5EF4-FFF2-40B4-BE49-F238E27FC236}">
-                <a16:creationId xmlns:a16="http://schemas.microsoft.com/office/drawing/2014/main" id="{97703ACA-B0BC-4DE7-8A7D-F48303E2576B}"/>
-              </a:ext>
-            </a:extLst>
-          </p:cNvPr>
-          <p:cNvSpPr/>
-          <p:nvPr/>
-        </p:nvSpPr>
-        <p:spPr>
-          <a:xfrm>
-            <a:off x="6096000" y="2890271"/>
-            <a:ext cx="5791200" cy="310129"/>
-          </a:xfrm>
-          <a:prstGeom prst="rect">
-            <a:avLst/>
-          </a:prstGeom>
-          <a:noFill/>
-          <a:ln w="9525" cap="flat" cmpd="sng" algn="ctr">
-            <a:solidFill>
-              <a:schemeClr val="accent6"/>
-            </a:solidFill>
-            <a:prstDash val="solid"/>
-            <a:round/>
-            <a:headEnd type="none" w="med" len="med"/>
-            <a:tailEnd type="none" w="med" len="med"/>
-          </a:ln>
-        </p:spPr>
-        <p:style>
-          <a:lnRef idx="0">
-            <a:scrgbClr r="0" g="0" b="0"/>
-          </a:lnRef>
-          <a:fillRef idx="0">
-            <a:scrgbClr r="0" g="0" b="0"/>
-          </a:fillRef>
-          <a:effectRef idx="0">
-            <a:scrgbClr r="0" g="0" b="0"/>
-          </a:effectRef>
-          <a:fontRef idx="minor">
-            <a:schemeClr val="accent6"/>
-          </a:fontRef>
-        </p:style>
-        <p:txBody>
-          <a:bodyPr rtlCol="0" anchor="ctr"/>
-          <a:lstStyle/>
-          <a:p>
-            <a:pPr algn="ctr"/>
-            <a:endParaRPr lang="en-US"/>
-          </a:p>
-        </p:txBody>
-      </p:sp>
-    </p:spTree>
-    <p:extLst>
-      <p:ext uri="{BB962C8B-B14F-4D97-AF65-F5344CB8AC3E}">
-        <p14:creationId xmlns:p14="http://schemas.microsoft.com/office/powerpoint/2010/main" val="669846693"/>
       </p:ext>
     </p:extLst>
   </p:cSld>
@@ -12883,79 +12477,109 @@
         </p:nvSpPr>
         <p:spPr>
           <a:xfrm>
-            <a:off x="457200" y="990600"/>
-            <a:ext cx="10820400" cy="5486400"/>
+            <a:off x="1524000" y="828676"/>
+            <a:ext cx="8229600" cy="5191125"/>
           </a:xfrm>
         </p:spPr>
         <p:txBody>
-          <a:bodyPr/>
+          <a:bodyPr>
+            <a:normAutofit/>
+          </a:bodyPr>
           <a:lstStyle/>
           <a:p>
             <a:r>
-              <a:rPr lang="en-US" dirty="0"/>
-              <a:t>It is not possible to reverse-engineer a SQL Authenticated Login’s password.</a:t>
-            </a:r>
-          </a:p>
-          <a:p>
-            <a:r>
-              <a:rPr lang="en-US" dirty="0"/>
-              <a:t>When migration applications from one SQL Server instance to another, migration of SQL Logins is accomplished by:</a:t>
-            </a:r>
-          </a:p>
-          <a:p>
-            <a:pPr lvl="1"/>
-            <a:r>
-              <a:rPr lang="en-US" dirty="0" err="1"/>
-              <a:t>Backup+restore</a:t>
-            </a:r>
-            <a:r>
-              <a:rPr lang="en-US" dirty="0"/>
-              <a:t> of the master database</a:t>
-            </a:r>
-            <a:br>
-              <a:rPr lang="en-US" dirty="0"/>
-            </a:br>
-            <a:r>
-              <a:rPr lang="en-US" dirty="0"/>
-              <a:t>-OR-</a:t>
-            </a:r>
-          </a:p>
-          <a:p>
-            <a:pPr lvl="1"/>
-            <a:r>
-              <a:rPr lang="en-US" dirty="0"/>
-              <a:t>Creating SQL Logins with same SID but new password (not desirable)</a:t>
-            </a:r>
-            <a:br>
-              <a:rPr lang="en-US" dirty="0"/>
-            </a:br>
-            <a:r>
-              <a:rPr lang="en-US" dirty="0"/>
-              <a:t>-OR-</a:t>
-            </a:r>
-          </a:p>
-          <a:p>
-            <a:pPr lvl="1"/>
-            <a:r>
-              <a:rPr lang="en-US" dirty="0"/>
-              <a:t>Generating a hash of the password and same SID (most desirable)	</a:t>
-            </a:r>
-            <a:r>
-              <a:rPr lang="en-US" dirty="0">
-                <a:hlinkClick r:id="rId2"/>
-              </a:rPr>
-              <a:t>http://support.microsoft.com/kb/918992</a:t>
-            </a:r>
-            <a:r>
-              <a:rPr lang="en-US" dirty="0"/>
-              <a:t> </a:t>
-            </a:r>
+              <a:rPr lang="en-US" sz="2800" dirty="0"/>
+              <a:t>Fix: SQL Auth Login becomes disconnected from its Database User</a:t>
+            </a:r>
+          </a:p>
+          <a:p>
+            <a:r>
+              <a:rPr lang="en-US" sz="2800" b="1" dirty="0"/>
+              <a:t>Toolbox: fix orphaned </a:t>
+            </a:r>
+            <a:r>
+              <a:rPr lang="en-US" sz="2800" b="1" dirty="0" err="1"/>
+              <a:t>sid.sql</a:t>
+            </a:r>
+            <a:endParaRPr lang="en-US" sz="2800" b="1" dirty="0"/>
           </a:p>
         </p:txBody>
       </p:sp>
+      <p:pic>
+        <p:nvPicPr>
+          <p:cNvPr id="4" name="Picture 3"/>
+          <p:cNvPicPr>
+            <a:picLocks noChangeAspect="1"/>
+          </p:cNvPicPr>
+          <p:nvPr/>
+        </p:nvPicPr>
+        <p:blipFill>
+          <a:blip r:embed="rId2"/>
+          <a:stretch>
+            <a:fillRect/>
+          </a:stretch>
+        </p:blipFill>
+        <p:spPr>
+          <a:xfrm>
+            <a:off x="88900" y="2877570"/>
+            <a:ext cx="6281635" cy="2816718"/>
+          </a:xfrm>
+          <a:prstGeom prst="rect">
+            <a:avLst/>
+          </a:prstGeom>
+        </p:spPr>
+      </p:pic>
+      <p:pic>
+        <p:nvPicPr>
+          <p:cNvPr id="5" name="Picture 4"/>
+          <p:cNvPicPr>
+            <a:picLocks noChangeAspect="1"/>
+          </p:cNvPicPr>
+          <p:nvPr/>
+        </p:nvPicPr>
+        <p:blipFill>
+          <a:blip r:embed="rId3"/>
+          <a:stretch>
+            <a:fillRect/>
+          </a:stretch>
+        </p:blipFill>
+        <p:spPr>
+          <a:xfrm>
+            <a:off x="5638800" y="2890271"/>
+            <a:ext cx="6311900" cy="3593918"/>
+          </a:xfrm>
+          <a:prstGeom prst="rect">
+            <a:avLst/>
+          </a:prstGeom>
+        </p:spPr>
+      </p:pic>
+      <p:pic>
+        <p:nvPicPr>
+          <p:cNvPr id="6" name="Picture 5"/>
+          <p:cNvPicPr>
+            <a:picLocks noChangeAspect="1"/>
+          </p:cNvPicPr>
+          <p:nvPr/>
+        </p:nvPicPr>
+        <p:blipFill>
+          <a:blip r:embed="rId4"/>
+          <a:stretch>
+            <a:fillRect/>
+          </a:stretch>
+        </p:blipFill>
+        <p:spPr>
+          <a:xfrm>
+            <a:off x="76200" y="2438400"/>
+            <a:ext cx="8404800" cy="451871"/>
+          </a:xfrm>
+          <a:prstGeom prst="rect">
+            <a:avLst/>
+          </a:prstGeom>
+        </p:spPr>
+      </p:pic>
       <p:sp>
         <p:nvSpPr>
-          <p:cNvPr id="8" name="Text Placeholder 2"/>
+          <p:cNvPr id="11" name="Text Placeholder 2"/>
           <p:cNvSpPr txBox="1">
             <a:spLocks/>
           </p:cNvSpPr>
@@ -12964,7 +12588,7 @@
         <p:spPr>
           <a:xfrm>
             <a:off x="0" y="0"/>
-            <a:ext cx="12268200" cy="762000"/>
+            <a:ext cx="12192000" cy="762000"/>
           </a:xfrm>
           <a:prstGeom prst="rect">
             <a:avLst/>
@@ -13116,7 +12740,7 @@
               <a:buNone/>
             </a:pPr>
             <a:r>
-              <a:rPr lang="en-US" sz="4000" b="1" cap="all" dirty="0" err="1">
+              <a:rPr lang="en-US" sz="4000" b="1" cap="all" dirty="0">
                 <a:solidFill>
                   <a:srgbClr val="3D156F"/>
                 </a:solidFill>
@@ -13124,10 +12748,10 @@
                 <a:ea typeface="+mj-ea"/>
                 <a:cs typeface="+mj-cs"/>
               </a:rPr>
-              <a:t>Sql</a:t>
-            </a:r>
-            <a:r>
-              <a:rPr lang="en-US" sz="4000" b="1" cap="all" dirty="0">
+              <a:t>Fix orphaned </a:t>
+            </a:r>
+            <a:r>
+              <a:rPr lang="en-US" sz="4000" b="1" cap="all" dirty="0" err="1">
                 <a:solidFill>
                   <a:srgbClr val="3D156F"/>
                 </a:solidFill>
@@ -13135,21 +12759,249 @@
                 <a:ea typeface="+mj-ea"/>
                 <a:cs typeface="+mj-cs"/>
               </a:rPr>
-              <a:t> login migration</a:t>
-            </a:r>
+              <a:t>sid</a:t>
+            </a:r>
+            <a:endParaRPr lang="en-US" sz="4000" b="1" cap="all" dirty="0">
+              <a:solidFill>
+                <a:srgbClr val="3D156F"/>
+              </a:solidFill>
+              <a:latin typeface="+mj-lt"/>
+              <a:ea typeface="+mj-ea"/>
+              <a:cs typeface="+mj-cs"/>
+            </a:endParaRPr>
+          </a:p>
+        </p:txBody>
+      </p:sp>
+      <p:sp>
+        <p:nvSpPr>
+          <p:cNvPr id="3" name="Rectangle 2">
+            <a:extLst>
+              <a:ext uri="{FF2B5EF4-FFF2-40B4-BE49-F238E27FC236}">
+                <a16:creationId xmlns:a16="http://schemas.microsoft.com/office/drawing/2014/main" id="{97703ACA-B0BC-4DE7-8A7D-F48303E2576B}"/>
+              </a:ext>
+            </a:extLst>
+          </p:cNvPr>
+          <p:cNvSpPr/>
+          <p:nvPr/>
+        </p:nvSpPr>
+        <p:spPr>
+          <a:xfrm>
+            <a:off x="6096000" y="2890271"/>
+            <a:ext cx="5791200" cy="310129"/>
+          </a:xfrm>
+          <a:prstGeom prst="rect">
+            <a:avLst/>
+          </a:prstGeom>
+          <a:noFill/>
+          <a:ln w="9525" cap="flat" cmpd="sng" algn="ctr">
+            <a:solidFill>
+              <a:schemeClr val="accent6"/>
+            </a:solidFill>
+            <a:prstDash val="solid"/>
+            <a:round/>
+            <a:headEnd type="none" w="med" len="med"/>
+            <a:tailEnd type="none" w="med" len="med"/>
+          </a:ln>
+        </p:spPr>
+        <p:style>
+          <a:lnRef idx="0">
+            <a:scrgbClr r="0" g="0" b="0"/>
+          </a:lnRef>
+          <a:fillRef idx="0">
+            <a:scrgbClr r="0" g="0" b="0"/>
+          </a:fillRef>
+          <a:effectRef idx="0">
+            <a:scrgbClr r="0" g="0" b="0"/>
+          </a:effectRef>
+          <a:fontRef idx="minor">
+            <a:schemeClr val="accent6"/>
+          </a:fontRef>
+        </p:style>
+        <p:txBody>
+          <a:bodyPr rtlCol="0" anchor="ctr"/>
+          <a:lstStyle/>
+          <a:p>
+            <a:pPr algn="ctr"/>
+            <a:endParaRPr lang="en-US"/>
           </a:p>
         </p:txBody>
       </p:sp>
     </p:spTree>
     <p:extLst>
       <p:ext uri="{BB962C8B-B14F-4D97-AF65-F5344CB8AC3E}">
-        <p14:creationId xmlns:p14="http://schemas.microsoft.com/office/powerpoint/2010/main" val="3494640216"/>
+        <p14:creationId xmlns:p14="http://schemas.microsoft.com/office/powerpoint/2010/main" val="669846693"/>
       </p:ext>
     </p:extLst>
   </p:cSld>
   <p:clrMapOvr>
     <a:masterClrMapping/>
   </p:clrMapOvr>
+  <p:timing>
+    <p:tnLst>
+      <p:par>
+        <p:cTn id="1" dur="indefinite" restart="never" nodeType="tmRoot">
+          <p:childTnLst>
+            <p:seq concurrent="1" nextAc="seek">
+              <p:cTn id="2" dur="indefinite" nodeType="mainSeq">
+                <p:childTnLst>
+                  <p:par>
+                    <p:cTn id="3" fill="hold">
+                      <p:stCondLst>
+                        <p:cond delay="indefinite"/>
+                      </p:stCondLst>
+                      <p:childTnLst>
+                        <p:par>
+                          <p:cTn id="4" fill="hold">
+                            <p:stCondLst>
+                              <p:cond delay="0"/>
+                            </p:stCondLst>
+                            <p:childTnLst>
+                              <p:par>
+                                <p:cTn id="5" presetID="1" presetClass="entr" presetSubtype="0" fill="hold" nodeType="clickEffect">
+                                  <p:stCondLst>
+                                    <p:cond delay="0"/>
+                                  </p:stCondLst>
+                                  <p:childTnLst>
+                                    <p:set>
+                                      <p:cBhvr>
+                                        <p:cTn id="6" dur="1" fill="hold">
+                                          <p:stCondLst>
+                                            <p:cond delay="0"/>
+                                          </p:stCondLst>
+                                        </p:cTn>
+                                        <p:tgtEl>
+                                          <p:spTgt spid="4"/>
+                                        </p:tgtEl>
+                                        <p:attrNameLst>
+                                          <p:attrName>style.visibility</p:attrName>
+                                        </p:attrNameLst>
+                                      </p:cBhvr>
+                                      <p:to>
+                                        <p:strVal val="visible"/>
+                                      </p:to>
+                                    </p:set>
+                                  </p:childTnLst>
+                                </p:cTn>
+                              </p:par>
+                            </p:childTnLst>
+                          </p:cTn>
+                        </p:par>
+                      </p:childTnLst>
+                    </p:cTn>
+                  </p:par>
+                  <p:par>
+                    <p:cTn id="7" fill="hold">
+                      <p:stCondLst>
+                        <p:cond delay="indefinite"/>
+                      </p:stCondLst>
+                      <p:childTnLst>
+                        <p:par>
+                          <p:cTn id="8" fill="hold">
+                            <p:stCondLst>
+                              <p:cond delay="0"/>
+                            </p:stCondLst>
+                            <p:childTnLst>
+                              <p:par>
+                                <p:cTn id="9" presetID="2" presetClass="entr" presetSubtype="4" fill="hold" nodeType="clickEffect">
+                                  <p:stCondLst>
+                                    <p:cond delay="0"/>
+                                  </p:stCondLst>
+                                  <p:childTnLst>
+                                    <p:set>
+                                      <p:cBhvr>
+                                        <p:cTn id="10" dur="1" fill="hold">
+                                          <p:stCondLst>
+                                            <p:cond delay="0"/>
+                                          </p:stCondLst>
+                                        </p:cTn>
+                                        <p:tgtEl>
+                                          <p:spTgt spid="5"/>
+                                        </p:tgtEl>
+                                        <p:attrNameLst>
+                                          <p:attrName>style.visibility</p:attrName>
+                                        </p:attrNameLst>
+                                      </p:cBhvr>
+                                      <p:to>
+                                        <p:strVal val="visible"/>
+                                      </p:to>
+                                    </p:set>
+                                    <p:anim calcmode="lin" valueType="num">
+                                      <p:cBhvr additive="base">
+                                        <p:cTn id="11" dur="500" fill="hold"/>
+                                        <p:tgtEl>
+                                          <p:spTgt spid="5"/>
+                                        </p:tgtEl>
+                                        <p:attrNameLst>
+                                          <p:attrName>ppt_x</p:attrName>
+                                        </p:attrNameLst>
+                                      </p:cBhvr>
+                                      <p:tavLst>
+                                        <p:tav tm="0">
+                                          <p:val>
+                                            <p:strVal val="#ppt_x"/>
+                                          </p:val>
+                                        </p:tav>
+                                        <p:tav tm="100000">
+                                          <p:val>
+                                            <p:strVal val="#ppt_x"/>
+                                          </p:val>
+                                        </p:tav>
+                                      </p:tavLst>
+                                    </p:anim>
+                                    <p:anim calcmode="lin" valueType="num">
+                                      <p:cBhvr additive="base">
+                                        <p:cTn id="12" dur="500" fill="hold"/>
+                                        <p:tgtEl>
+                                          <p:spTgt spid="5"/>
+                                        </p:tgtEl>
+                                        <p:attrNameLst>
+                                          <p:attrName>ppt_y</p:attrName>
+                                        </p:attrNameLst>
+                                      </p:cBhvr>
+                                      <p:tavLst>
+                                        <p:tav tm="0">
+                                          <p:val>
+                                            <p:strVal val="1+#ppt_h/2"/>
+                                          </p:val>
+                                        </p:tav>
+                                        <p:tav tm="100000">
+                                          <p:val>
+                                            <p:strVal val="#ppt_y"/>
+                                          </p:val>
+                                        </p:tav>
+                                      </p:tavLst>
+                                    </p:anim>
+                                  </p:childTnLst>
+                                </p:cTn>
+                              </p:par>
+                            </p:childTnLst>
+                          </p:cTn>
+                        </p:par>
+                      </p:childTnLst>
+                    </p:cTn>
+                  </p:par>
+                </p:childTnLst>
+              </p:cTn>
+              <p:prevCondLst>
+                <p:cond evt="onPrev" delay="0">
+                  <p:tgtEl>
+                    <p:sldTgt/>
+                  </p:tgtEl>
+                </p:cond>
+              </p:prevCondLst>
+              <p:nextCondLst>
+                <p:cond evt="onNext" delay="0">
+                  <p:tgtEl>
+                    <p:sldTgt/>
+                  </p:tgtEl>
+                </p:cond>
+              </p:nextCondLst>
+            </p:seq>
+          </p:childTnLst>
+        </p:cTn>
+      </p:par>
+    </p:tnLst>
+  </p:timing>
 </p:sld>
 </file>
 
@@ -13192,33 +13044,62 @@
           <a:p>
             <a:r>
               <a:rPr lang="en-US" dirty="0"/>
-              <a:t>Creation of the SQL Login with its existing password AND SID is critical.</a:t>
+              <a:t>It is not possible to reverse-engineer a SQL Authenticated Login’s password.</a:t>
             </a:r>
           </a:p>
           <a:p>
             <a:r>
               <a:rPr lang="en-US" dirty="0"/>
-              <a:t>This is also important for setting up new Availability Groups, as the Logins need to match the database on every replica.</a:t>
-            </a:r>
-          </a:p>
-          <a:p>
+              <a:t>When migration applications from one SQL Server instance to another, migration of SQL Logins is accomplished by:</a:t>
+            </a:r>
+          </a:p>
+          <a:p>
+            <a:pPr lvl="1"/>
+            <a:r>
+              <a:rPr lang="en-US" dirty="0" err="1"/>
+              <a:t>Backup+restore</a:t>
+            </a:r>
             <a:r>
               <a:rPr lang="en-US" dirty="0"/>
-              <a:t>A regular proactive check for all SQL Server instances in Availability Groups: </a:t>
+              <a:t> of the master database</a:t>
+            </a:r>
+            <a:br>
+              <a:rPr lang="en-US" dirty="0"/>
+            </a:br>
+            <a:r>
+              <a:rPr lang="en-US" dirty="0"/>
+              <a:t>-OR-</a:t>
             </a:r>
           </a:p>
           <a:p>
             <a:pPr lvl="1"/>
             <a:r>
               <a:rPr lang="en-US" dirty="0"/>
-              <a:t>Check that all SQL Logins exist</a:t>
+              <a:t>Creating SQL Logins with same SID but new password (not desirable)</a:t>
+            </a:r>
+            <a:br>
+              <a:rPr lang="en-US" dirty="0"/>
+            </a:br>
+            <a:r>
+              <a:rPr lang="en-US" dirty="0"/>
+              <a:t>-OR-</a:t>
             </a:r>
           </a:p>
           <a:p>
             <a:pPr lvl="1"/>
             <a:r>
               <a:rPr lang="en-US" dirty="0"/>
-              <a:t>AND that they have the same SID, not just the same NAME</a:t>
+              <a:t>Generating a hash of the password and same SID (most desirable)	</a:t>
+            </a:r>
+            <a:r>
+              <a:rPr lang="en-US" dirty="0">
+                <a:hlinkClick r:id="rId2"/>
+              </a:rPr>
+              <a:t>http://support.microsoft.com/kb/918992</a:t>
+            </a:r>
+            <a:r>
+              <a:rPr lang="en-US" dirty="0"/>
+              <a:t> </a:t>
             </a:r>
           </a:p>
         </p:txBody>
@@ -13405,7 +13286,7 @@
                 <a:ea typeface="+mj-ea"/>
                 <a:cs typeface="+mj-cs"/>
               </a:rPr>
-              <a:t> login SIDS</a:t>
+              <a:t> login migration</a:t>
             </a:r>
           </a:p>
         </p:txBody>
@@ -13413,7 +13294,7 @@
     </p:spTree>
     <p:extLst>
       <p:ext uri="{BB962C8B-B14F-4D97-AF65-F5344CB8AC3E}">
-        <p14:creationId xmlns:p14="http://schemas.microsoft.com/office/powerpoint/2010/main" val="4042746011"/>
+        <p14:creationId xmlns:p14="http://schemas.microsoft.com/office/powerpoint/2010/main" val="3494640216"/>
       </p:ext>
     </p:extLst>
   </p:cSld>
@@ -13424,7 +13305,7 @@
 </file>
 
 <file path=ppt/slides/slide22.xml><?xml version="1.0" encoding="utf-8"?>
-<p:sld xmlns:a="http://schemas.openxmlformats.org/drawingml/2006/main" xmlns:r="http://schemas.openxmlformats.org/officeDocument/2006/relationships" xmlns:p="http://schemas.openxmlformats.org/presentationml/2006/main" showMasterSp="0">
+<p:sld xmlns:a="http://schemas.openxmlformats.org/drawingml/2006/main" xmlns:r="http://schemas.openxmlformats.org/officeDocument/2006/relationships" xmlns:p="http://schemas.openxmlformats.org/presentationml/2006/main">
   <p:cSld>
     <p:spTree>
       <p:nvGrpSpPr>
@@ -13452,61 +13333,43 @@
         </p:nvSpPr>
         <p:spPr>
           <a:xfrm>
-            <a:off x="1524000" y="828676"/>
-            <a:ext cx="9220200" cy="5876924"/>
+            <a:off x="457200" y="990600"/>
+            <a:ext cx="10820400" cy="5486400"/>
           </a:xfrm>
         </p:spPr>
         <p:txBody>
-          <a:bodyPr>
-            <a:normAutofit fontScale="92500" lnSpcReduction="20000"/>
-          </a:bodyPr>
+          <a:bodyPr/>
           <a:lstStyle/>
           <a:p>
             <a:r>
-              <a:rPr lang="en-US" sz="3200" b="0" dirty="0"/>
-              <a:t>Not very common architecture but notable.</a:t>
-            </a:r>
-          </a:p>
-          <a:p>
-            <a:endParaRPr lang="en-US" sz="3200" b="0" dirty="0"/>
-          </a:p>
-          <a:p>
-            <a:r>
-              <a:rPr lang="en-US" sz="3200" b="0" dirty="0"/>
-              <a:t>Moves authentication from the Server level directly to the Database level.</a:t>
-            </a:r>
-          </a:p>
-          <a:p>
-            <a:endParaRPr lang="en-US" sz="3200" b="0" dirty="0"/>
-          </a:p>
-          <a:p>
-            <a:r>
-              <a:rPr lang="en-US" sz="3200" b="0" dirty="0"/>
-              <a:t>A contained database owner, for example an Application owner, has full control over security in the database.  </a:t>
+              <a:rPr lang="en-US" dirty="0"/>
+              <a:t>Creation of the SQL Login with its existing password AND SID is critical.</a:t>
+            </a:r>
+          </a:p>
+          <a:p>
+            <a:r>
+              <a:rPr lang="en-US" dirty="0"/>
+              <a:t>This is also important for setting up new Availability Groups, as the Logins need to match the database on every replica.</a:t>
+            </a:r>
+          </a:p>
+          <a:p>
+            <a:r>
+              <a:rPr lang="en-US" dirty="0"/>
+              <a:t>A regular proactive check for all SQL Server instances in Availability Groups: </a:t>
             </a:r>
           </a:p>
           <a:p>
             <a:pPr lvl="1"/>
             <a:r>
-              <a:rPr lang="en-US" sz="2800" b="0" dirty="0"/>
-              <a:t>No server-level (or </a:t>
-            </a:r>
-            <a:r>
-              <a:rPr lang="en-US" sz="2800" b="0" dirty="0" err="1"/>
-              <a:t>sysadmin</a:t>
-            </a:r>
-            <a:r>
-              <a:rPr lang="en-US" sz="2800" b="0" dirty="0"/>
-              <a:t>) permissions necessary to administer a Contained Database.</a:t>
-            </a:r>
-          </a:p>
-          <a:p>
-            <a:endParaRPr lang="en-US" sz="3200" b="0" dirty="0"/>
-          </a:p>
-          <a:p>
-            <a:r>
-              <a:rPr lang="en-US" sz="3200" b="0" dirty="0"/>
-              <a:t>The database has no configuration dependencies on the instance, it can be easily moved to another instance.</a:t>
+              <a:rPr lang="en-US" dirty="0"/>
+              <a:t>Check that all SQL Logins exist</a:t>
+            </a:r>
+          </a:p>
+          <a:p>
+            <a:pPr lvl="1"/>
+            <a:r>
+              <a:rPr lang="en-US" dirty="0"/>
+              <a:t>AND that they have the same SID, not just the same NAME</a:t>
             </a:r>
           </a:p>
         </p:txBody>
@@ -13522,7 +13385,7 @@
         <p:spPr>
           <a:xfrm>
             <a:off x="0" y="0"/>
-            <a:ext cx="12192000" cy="762000"/>
+            <a:ext cx="12268200" cy="762000"/>
           </a:xfrm>
           <a:prstGeom prst="rect">
             <a:avLst/>
@@ -13674,7 +13537,7 @@
               <a:buNone/>
             </a:pPr>
             <a:r>
-              <a:rPr lang="en-US" sz="4000" b="1" cap="all" dirty="0">
+              <a:rPr lang="en-US" sz="4000" b="1" cap="all" dirty="0" err="1">
                 <a:solidFill>
                   <a:srgbClr val="3D156F"/>
                 </a:solidFill>
@@ -13682,7 +13545,18 @@
                 <a:ea typeface="+mj-ea"/>
                 <a:cs typeface="+mj-cs"/>
               </a:rPr>
-              <a:t>Contained databases</a:t>
+              <a:t>Sql</a:t>
+            </a:r>
+            <a:r>
+              <a:rPr lang="en-US" sz="4000" b="1" cap="all" dirty="0">
+                <a:solidFill>
+                  <a:srgbClr val="3D156F"/>
+                </a:solidFill>
+                <a:latin typeface="+mj-lt"/>
+                <a:ea typeface="+mj-ea"/>
+                <a:cs typeface="+mj-cs"/>
+              </a:rPr>
+              <a:t> login SIDS</a:t>
             </a:r>
           </a:p>
         </p:txBody>
@@ -13690,7 +13564,7 @@
     </p:spTree>
     <p:extLst>
       <p:ext uri="{BB962C8B-B14F-4D97-AF65-F5344CB8AC3E}">
-        <p14:creationId xmlns:p14="http://schemas.microsoft.com/office/powerpoint/2010/main" val="2330470530"/>
+        <p14:creationId xmlns:p14="http://schemas.microsoft.com/office/powerpoint/2010/main" val="4042746011"/>
       </p:ext>
     </p:extLst>
   </p:cSld>
@@ -13729,322 +13603,62 @@
         </p:nvSpPr>
         <p:spPr>
           <a:xfrm>
-            <a:off x="1524000" y="1066801"/>
-            <a:ext cx="8915400" cy="5191125"/>
+            <a:off x="1524000" y="828676"/>
+            <a:ext cx="9220200" cy="5876924"/>
           </a:xfrm>
         </p:spPr>
         <p:txBody>
           <a:bodyPr>
-            <a:normAutofit/>
+            <a:normAutofit fontScale="92500" lnSpcReduction="20000"/>
           </a:bodyPr>
           <a:lstStyle/>
           <a:p>
             <a:r>
-              <a:rPr lang="en-US" b="0" dirty="0"/>
-              <a:t>What this means is that this syntax on a contained database, </a:t>
-            </a:r>
-          </a:p>
-          <a:p>
-            <a:pPr marL="0" indent="0">
-              <a:buNone/>
-            </a:pPr>
-            <a:r>
-              <a:rPr lang="en-US" dirty="0"/>
-              <a:t>	</a:t>
-            </a:r>
-            <a:r>
-              <a:rPr lang="en-US" b="0" dirty="0"/>
-              <a:t>which heretofore made no sense, </a:t>
-            </a:r>
-            <a:br>
-              <a:rPr lang="en-US" b="0" dirty="0"/>
-            </a:br>
-            <a:r>
-              <a:rPr lang="en-US" b="0" dirty="0"/>
-              <a:t>	is perfectly valid:</a:t>
-            </a:r>
-          </a:p>
-          <a:p>
-            <a:endParaRPr lang="en-US" dirty="0"/>
-          </a:p>
-          <a:p>
-            <a:pPr marL="0" indent="0">
-              <a:buNone/>
-            </a:pPr>
-            <a:r>
-              <a:rPr lang="en-US" sz="2200" dirty="0">
-                <a:solidFill>
-                  <a:srgbClr val="0000FF"/>
-                </a:solidFill>
-                <a:highlight>
-                  <a:srgbClr val="FFFFFF"/>
-                </a:highlight>
-                <a:latin typeface="Consolas" panose="020B0609020204030204" pitchFamily="49" charset="0"/>
-              </a:rPr>
-              <a:t>USE</a:t>
-            </a:r>
-            <a:r>
-              <a:rPr lang="en-US" sz="2200" dirty="0">
-                <a:solidFill>
-                  <a:srgbClr val="000000"/>
-                </a:solidFill>
-                <a:highlight>
-                  <a:srgbClr val="FFFFFF"/>
-                </a:highlight>
-                <a:latin typeface="Consolas" panose="020B0609020204030204" pitchFamily="49" charset="0"/>
-              </a:rPr>
-              <a:t> [</a:t>
-            </a:r>
-            <a:r>
-              <a:rPr lang="en-US" sz="2200" dirty="0" err="1">
-                <a:solidFill>
-                  <a:srgbClr val="000000"/>
-                </a:solidFill>
-                <a:highlight>
-                  <a:srgbClr val="FFFFFF"/>
-                </a:highlight>
-                <a:latin typeface="Consolas" panose="020B0609020204030204" pitchFamily="49" charset="0"/>
-              </a:rPr>
-              <a:t>SomeUserDatabase</a:t>
-            </a:r>
-            <a:r>
-              <a:rPr lang="en-US" sz="2200" dirty="0">
-                <a:solidFill>
-                  <a:srgbClr val="000000"/>
-                </a:solidFill>
-                <a:highlight>
-                  <a:srgbClr val="FFFFFF"/>
-                </a:highlight>
-                <a:latin typeface="Consolas" panose="020B0609020204030204" pitchFamily="49" charset="0"/>
-              </a:rPr>
-              <a:t>]</a:t>
-            </a:r>
-            <a:r>
-              <a:rPr lang="en-US" sz="2200" dirty="0">
-                <a:solidFill>
-                  <a:srgbClr val="808080"/>
-                </a:solidFill>
-                <a:highlight>
-                  <a:srgbClr val="FFFFFF"/>
-                </a:highlight>
-                <a:latin typeface="Consolas" panose="020B0609020204030204" pitchFamily="49" charset="0"/>
-              </a:rPr>
-              <a:t>;</a:t>
-            </a:r>
-            <a:endParaRPr lang="en-US" sz="2200" dirty="0">
-              <a:solidFill>
-                <a:srgbClr val="000000"/>
-              </a:solidFill>
-              <a:highlight>
-                <a:srgbClr val="FFFFFF"/>
-              </a:highlight>
-              <a:latin typeface="Consolas" panose="020B0609020204030204" pitchFamily="49" charset="0"/>
-            </a:endParaRPr>
-          </a:p>
-          <a:p>
-            <a:pPr marL="0" indent="0">
-              <a:buNone/>
-            </a:pPr>
-            <a:r>
-              <a:rPr lang="en-US" sz="2200" dirty="0">
-                <a:solidFill>
-                  <a:srgbClr val="0000FF"/>
-                </a:solidFill>
-                <a:highlight>
-                  <a:srgbClr val="FFFFFF"/>
-                </a:highlight>
-                <a:latin typeface="Consolas" panose="020B0609020204030204" pitchFamily="49" charset="0"/>
-              </a:rPr>
-              <a:t>CREATE</a:t>
-            </a:r>
-            <a:r>
-              <a:rPr lang="en-US" sz="2200" dirty="0">
-                <a:solidFill>
-                  <a:srgbClr val="000000"/>
-                </a:solidFill>
-                <a:highlight>
-                  <a:srgbClr val="FFFFFF"/>
-                </a:highlight>
-                <a:latin typeface="Consolas" panose="020B0609020204030204" pitchFamily="49" charset="0"/>
-              </a:rPr>
-              <a:t> </a:t>
-            </a:r>
-            <a:r>
-              <a:rPr lang="en-US" sz="2200" dirty="0">
-                <a:solidFill>
-                  <a:srgbClr val="0000FF"/>
-                </a:solidFill>
-                <a:highlight>
-                  <a:srgbClr val="FFFFFF"/>
-                </a:highlight>
-                <a:latin typeface="Consolas" panose="020B0609020204030204" pitchFamily="49" charset="0"/>
-              </a:rPr>
-              <a:t>USER</a:t>
-            </a:r>
-            <a:r>
-              <a:rPr lang="en-US" sz="2200" dirty="0">
-                <a:solidFill>
-                  <a:srgbClr val="000000"/>
-                </a:solidFill>
-                <a:highlight>
-                  <a:srgbClr val="FFFFFF"/>
-                </a:highlight>
-                <a:latin typeface="Consolas" panose="020B0609020204030204" pitchFamily="49" charset="0"/>
-              </a:rPr>
-              <a:t> </a:t>
-            </a:r>
-            <a:r>
-              <a:rPr lang="en-US" sz="2200" dirty="0" err="1">
-                <a:solidFill>
-                  <a:srgbClr val="000000"/>
-                </a:solidFill>
-                <a:highlight>
-                  <a:srgbClr val="FFFFFF"/>
-                </a:highlight>
-                <a:latin typeface="Consolas" panose="020B0609020204030204" pitchFamily="49" charset="0"/>
-              </a:rPr>
-              <a:t>BI_User</a:t>
-            </a:r>
-            <a:r>
-              <a:rPr lang="en-US" sz="2200" dirty="0">
-                <a:solidFill>
-                  <a:srgbClr val="000000"/>
-                </a:solidFill>
-                <a:highlight>
-                  <a:srgbClr val="FFFFFF"/>
-                </a:highlight>
-                <a:latin typeface="Consolas" panose="020B0609020204030204" pitchFamily="49" charset="0"/>
-              </a:rPr>
-              <a:t> </a:t>
-            </a:r>
-            <a:r>
-              <a:rPr lang="en-US" sz="2200" dirty="0">
-                <a:solidFill>
-                  <a:srgbClr val="0000FF"/>
-                </a:solidFill>
-                <a:highlight>
-                  <a:srgbClr val="FFFFFF"/>
-                </a:highlight>
-                <a:latin typeface="Consolas" panose="020B0609020204030204" pitchFamily="49" charset="0"/>
-              </a:rPr>
-              <a:t>WITH</a:t>
-            </a:r>
-            <a:r>
-              <a:rPr lang="en-US" sz="2200" dirty="0">
-                <a:solidFill>
-                  <a:srgbClr val="000000"/>
-                </a:solidFill>
-                <a:highlight>
-                  <a:srgbClr val="FFFFFF"/>
-                </a:highlight>
-                <a:latin typeface="Consolas" panose="020B0609020204030204" pitchFamily="49" charset="0"/>
-              </a:rPr>
-              <a:t> </a:t>
-            </a:r>
-            <a:r>
-              <a:rPr lang="en-US" sz="2200" dirty="0">
-                <a:solidFill>
-                  <a:srgbClr val="0000FF"/>
-                </a:solidFill>
-                <a:highlight>
-                  <a:srgbClr val="FFFFFF"/>
-                </a:highlight>
-                <a:latin typeface="Consolas" panose="020B0609020204030204" pitchFamily="49" charset="0"/>
-              </a:rPr>
-              <a:t>PASSWORD</a:t>
-            </a:r>
-            <a:r>
-              <a:rPr lang="en-US" sz="2200" dirty="0">
-                <a:solidFill>
-                  <a:srgbClr val="000000"/>
-                </a:solidFill>
-                <a:highlight>
-                  <a:srgbClr val="FFFFFF"/>
-                </a:highlight>
-                <a:latin typeface="Consolas" panose="020B0609020204030204" pitchFamily="49" charset="0"/>
-              </a:rPr>
-              <a:t> </a:t>
-            </a:r>
-            <a:r>
-              <a:rPr lang="en-US" sz="2200" dirty="0">
-                <a:solidFill>
-                  <a:srgbClr val="808080"/>
-                </a:solidFill>
-                <a:highlight>
-                  <a:srgbClr val="FFFFFF"/>
-                </a:highlight>
-                <a:latin typeface="Consolas" panose="020B0609020204030204" pitchFamily="49" charset="0"/>
-              </a:rPr>
-              <a:t>=</a:t>
-            </a:r>
-            <a:r>
-              <a:rPr lang="en-US" sz="2200" dirty="0">
-                <a:solidFill>
-                  <a:srgbClr val="FF0000"/>
-                </a:solidFill>
-                <a:highlight>
-                  <a:srgbClr val="FFFFFF"/>
-                </a:highlight>
-                <a:latin typeface="Consolas" panose="020B0609020204030204" pitchFamily="49" charset="0"/>
-              </a:rPr>
-              <a:t>'</a:t>
-            </a:r>
-            <a:r>
-              <a:rPr lang="en-US" sz="2200" i="1" dirty="0" err="1">
-                <a:solidFill>
-                  <a:srgbClr val="FF0000"/>
-                </a:solidFill>
-                <a:highlight>
-                  <a:srgbClr val="FFFFFF"/>
-                </a:highlight>
-                <a:latin typeface="Consolas" panose="020B0609020204030204" pitchFamily="49" charset="0"/>
-              </a:rPr>
-              <a:t>strongpassword</a:t>
-            </a:r>
-            <a:r>
-              <a:rPr lang="en-US" sz="2200" dirty="0">
-                <a:solidFill>
-                  <a:srgbClr val="FF0000"/>
-                </a:solidFill>
-                <a:highlight>
-                  <a:srgbClr val="FFFFFF"/>
-                </a:highlight>
-                <a:latin typeface="Consolas" panose="020B0609020204030204" pitchFamily="49" charset="0"/>
-              </a:rPr>
-              <a:t>'</a:t>
-            </a:r>
-            <a:r>
-              <a:rPr lang="en-US" sz="2200" dirty="0">
-                <a:solidFill>
-                  <a:srgbClr val="808080"/>
-                </a:solidFill>
-                <a:highlight>
-                  <a:srgbClr val="FFFFFF"/>
-                </a:highlight>
-                <a:latin typeface="Consolas" panose="020B0609020204030204" pitchFamily="49" charset="0"/>
-              </a:rPr>
-              <a:t>;</a:t>
-            </a:r>
-          </a:p>
-          <a:p>
-            <a:pPr marL="0" indent="0">
-              <a:buNone/>
-            </a:pPr>
-            <a:endParaRPr lang="en-US" sz="2000" dirty="0">
-              <a:solidFill>
-                <a:srgbClr val="808080"/>
-              </a:solidFill>
-              <a:highlight>
-                <a:srgbClr val="FFFFFF"/>
-              </a:highlight>
-              <a:latin typeface="Consolas" panose="020B0609020204030204" pitchFamily="49" charset="0"/>
-            </a:endParaRPr>
-          </a:p>
-          <a:p>
-            <a:pPr marL="0" indent="0">
-              <a:buNone/>
-            </a:pPr>
-            <a:endParaRPr lang="en-US" sz="2000" dirty="0"/>
+              <a:rPr lang="en-US" sz="3200" b="0" dirty="0"/>
+              <a:t>Not very common architecture but notable.</a:t>
+            </a:r>
+          </a:p>
+          <a:p>
+            <a:endParaRPr lang="en-US" sz="3200" b="0" dirty="0"/>
+          </a:p>
+          <a:p>
+            <a:r>
+              <a:rPr lang="en-US" sz="3200" b="0" dirty="0"/>
+              <a:t>Moves authentication from the Server level directly to the Database level.</a:t>
+            </a:r>
+          </a:p>
+          <a:p>
+            <a:endParaRPr lang="en-US" sz="3200" b="0" dirty="0"/>
+          </a:p>
+          <a:p>
+            <a:r>
+              <a:rPr lang="en-US" sz="3200" b="0" dirty="0"/>
+              <a:t>A contained database owner, for example an Application owner, has full control over security in the database.  </a:t>
+            </a:r>
+          </a:p>
+          <a:p>
+            <a:pPr lvl="1"/>
+            <a:r>
+              <a:rPr lang="en-US" sz="2800" b="0" dirty="0"/>
+              <a:t>No server-level (or </a:t>
+            </a:r>
+            <a:r>
+              <a:rPr lang="en-US" sz="2800" b="0" dirty="0" err="1"/>
+              <a:t>sysadmin</a:t>
+            </a:r>
+            <a:r>
+              <a:rPr lang="en-US" sz="2800" b="0" dirty="0"/>
+              <a:t>) permissions necessary to administer a Contained Database.</a:t>
+            </a:r>
+          </a:p>
+          <a:p>
+            <a:endParaRPr lang="en-US" sz="3200" b="0" dirty="0"/>
+          </a:p>
+          <a:p>
+            <a:r>
+              <a:rPr lang="en-US" sz="3200" b="0" dirty="0"/>
+              <a:t>The database has no configuration dependencies on the instance, it can be easily moved to another instance.</a:t>
+            </a:r>
           </a:p>
         </p:txBody>
       </p:sp>
@@ -14227,6 +13841,543 @@
     </p:spTree>
     <p:extLst>
       <p:ext uri="{BB962C8B-B14F-4D97-AF65-F5344CB8AC3E}">
+        <p14:creationId xmlns:p14="http://schemas.microsoft.com/office/powerpoint/2010/main" val="2330470530"/>
+      </p:ext>
+    </p:extLst>
+  </p:cSld>
+  <p:clrMapOvr>
+    <a:masterClrMapping/>
+  </p:clrMapOvr>
+</p:sld>
+</file>
+
+<file path=ppt/slides/slide24.xml><?xml version="1.0" encoding="utf-8"?>
+<p:sld xmlns:a="http://schemas.openxmlformats.org/drawingml/2006/main" xmlns:r="http://schemas.openxmlformats.org/officeDocument/2006/relationships" xmlns:p="http://schemas.openxmlformats.org/presentationml/2006/main" showMasterSp="0">
+  <p:cSld>
+    <p:spTree>
+      <p:nvGrpSpPr>
+        <p:cNvPr id="1" name=""/>
+        <p:cNvGrpSpPr/>
+        <p:nvPr/>
+      </p:nvGrpSpPr>
+      <p:grpSpPr>
+        <a:xfrm>
+          <a:off x="0" y="0"/>
+          <a:ext cx="0" cy="0"/>
+          <a:chOff x="0" y="0"/>
+          <a:chExt cx="0" cy="0"/>
+        </a:xfrm>
+      </p:grpSpPr>
+      <p:sp>
+        <p:nvSpPr>
+          <p:cNvPr id="2" name="Content Placeholder 1"/>
+          <p:cNvSpPr>
+            <a:spLocks noGrp="1"/>
+          </p:cNvSpPr>
+          <p:nvPr>
+            <p:ph idx="4294967295"/>
+          </p:nvPr>
+        </p:nvSpPr>
+        <p:spPr>
+          <a:xfrm>
+            <a:off x="1524000" y="1066801"/>
+            <a:ext cx="8915400" cy="5191125"/>
+          </a:xfrm>
+        </p:spPr>
+        <p:txBody>
+          <a:bodyPr>
+            <a:normAutofit/>
+          </a:bodyPr>
+          <a:lstStyle/>
+          <a:p>
+            <a:r>
+              <a:rPr lang="en-US" b="0" dirty="0"/>
+              <a:t>What this means is that this syntax on a contained database, </a:t>
+            </a:r>
+          </a:p>
+          <a:p>
+            <a:pPr marL="0" indent="0">
+              <a:buNone/>
+            </a:pPr>
+            <a:r>
+              <a:rPr lang="en-US" dirty="0"/>
+              <a:t>	</a:t>
+            </a:r>
+            <a:r>
+              <a:rPr lang="en-US" b="0" dirty="0"/>
+              <a:t>which heretofore made no sense, </a:t>
+            </a:r>
+            <a:br>
+              <a:rPr lang="en-US" b="0" dirty="0"/>
+            </a:br>
+            <a:r>
+              <a:rPr lang="en-US" b="0" dirty="0"/>
+              <a:t>	is perfectly valid:</a:t>
+            </a:r>
+          </a:p>
+          <a:p>
+            <a:endParaRPr lang="en-US" dirty="0"/>
+          </a:p>
+          <a:p>
+            <a:pPr marL="0" indent="0">
+              <a:buNone/>
+            </a:pPr>
+            <a:r>
+              <a:rPr lang="en-US" sz="2200" dirty="0">
+                <a:solidFill>
+                  <a:srgbClr val="0000FF"/>
+                </a:solidFill>
+                <a:highlight>
+                  <a:srgbClr val="FFFFFF"/>
+                </a:highlight>
+                <a:latin typeface="Consolas" panose="020B0609020204030204" pitchFamily="49" charset="0"/>
+              </a:rPr>
+              <a:t>USE</a:t>
+            </a:r>
+            <a:r>
+              <a:rPr lang="en-US" sz="2200" dirty="0">
+                <a:solidFill>
+                  <a:srgbClr val="000000"/>
+                </a:solidFill>
+                <a:highlight>
+                  <a:srgbClr val="FFFFFF"/>
+                </a:highlight>
+                <a:latin typeface="Consolas" panose="020B0609020204030204" pitchFamily="49" charset="0"/>
+              </a:rPr>
+              <a:t> [</a:t>
+            </a:r>
+            <a:r>
+              <a:rPr lang="en-US" sz="2200" dirty="0" err="1">
+                <a:solidFill>
+                  <a:srgbClr val="000000"/>
+                </a:solidFill>
+                <a:highlight>
+                  <a:srgbClr val="FFFFFF"/>
+                </a:highlight>
+                <a:latin typeface="Consolas" panose="020B0609020204030204" pitchFamily="49" charset="0"/>
+              </a:rPr>
+              <a:t>SomeUserDatabase</a:t>
+            </a:r>
+            <a:r>
+              <a:rPr lang="en-US" sz="2200" dirty="0">
+                <a:solidFill>
+                  <a:srgbClr val="000000"/>
+                </a:solidFill>
+                <a:highlight>
+                  <a:srgbClr val="FFFFFF"/>
+                </a:highlight>
+                <a:latin typeface="Consolas" panose="020B0609020204030204" pitchFamily="49" charset="0"/>
+              </a:rPr>
+              <a:t>]</a:t>
+            </a:r>
+            <a:r>
+              <a:rPr lang="en-US" sz="2200" dirty="0">
+                <a:solidFill>
+                  <a:srgbClr val="808080"/>
+                </a:solidFill>
+                <a:highlight>
+                  <a:srgbClr val="FFFFFF"/>
+                </a:highlight>
+                <a:latin typeface="Consolas" panose="020B0609020204030204" pitchFamily="49" charset="0"/>
+              </a:rPr>
+              <a:t>;</a:t>
+            </a:r>
+            <a:endParaRPr lang="en-US" sz="2200" dirty="0">
+              <a:solidFill>
+                <a:srgbClr val="000000"/>
+              </a:solidFill>
+              <a:highlight>
+                <a:srgbClr val="FFFFFF"/>
+              </a:highlight>
+              <a:latin typeface="Consolas" panose="020B0609020204030204" pitchFamily="49" charset="0"/>
+            </a:endParaRPr>
+          </a:p>
+          <a:p>
+            <a:pPr marL="0" indent="0">
+              <a:buNone/>
+            </a:pPr>
+            <a:r>
+              <a:rPr lang="en-US" sz="2200" dirty="0">
+                <a:solidFill>
+                  <a:srgbClr val="0000FF"/>
+                </a:solidFill>
+                <a:highlight>
+                  <a:srgbClr val="FFFFFF"/>
+                </a:highlight>
+                <a:latin typeface="Consolas" panose="020B0609020204030204" pitchFamily="49" charset="0"/>
+              </a:rPr>
+              <a:t>CREATE</a:t>
+            </a:r>
+            <a:r>
+              <a:rPr lang="en-US" sz="2200" dirty="0">
+                <a:solidFill>
+                  <a:srgbClr val="000000"/>
+                </a:solidFill>
+                <a:highlight>
+                  <a:srgbClr val="FFFFFF"/>
+                </a:highlight>
+                <a:latin typeface="Consolas" panose="020B0609020204030204" pitchFamily="49" charset="0"/>
+              </a:rPr>
+              <a:t> </a:t>
+            </a:r>
+            <a:r>
+              <a:rPr lang="en-US" sz="2200" dirty="0">
+                <a:solidFill>
+                  <a:srgbClr val="0000FF"/>
+                </a:solidFill>
+                <a:highlight>
+                  <a:srgbClr val="FFFFFF"/>
+                </a:highlight>
+                <a:latin typeface="Consolas" panose="020B0609020204030204" pitchFamily="49" charset="0"/>
+              </a:rPr>
+              <a:t>USER</a:t>
+            </a:r>
+            <a:r>
+              <a:rPr lang="en-US" sz="2200" dirty="0">
+                <a:solidFill>
+                  <a:srgbClr val="000000"/>
+                </a:solidFill>
+                <a:highlight>
+                  <a:srgbClr val="FFFFFF"/>
+                </a:highlight>
+                <a:latin typeface="Consolas" panose="020B0609020204030204" pitchFamily="49" charset="0"/>
+              </a:rPr>
+              <a:t> </a:t>
+            </a:r>
+            <a:r>
+              <a:rPr lang="en-US" sz="2200" dirty="0" err="1">
+                <a:solidFill>
+                  <a:srgbClr val="000000"/>
+                </a:solidFill>
+                <a:highlight>
+                  <a:srgbClr val="FFFFFF"/>
+                </a:highlight>
+                <a:latin typeface="Consolas" panose="020B0609020204030204" pitchFamily="49" charset="0"/>
+              </a:rPr>
+              <a:t>BI_User</a:t>
+            </a:r>
+            <a:r>
+              <a:rPr lang="en-US" sz="2200" dirty="0">
+                <a:solidFill>
+                  <a:srgbClr val="000000"/>
+                </a:solidFill>
+                <a:highlight>
+                  <a:srgbClr val="FFFFFF"/>
+                </a:highlight>
+                <a:latin typeface="Consolas" panose="020B0609020204030204" pitchFamily="49" charset="0"/>
+              </a:rPr>
+              <a:t> </a:t>
+            </a:r>
+            <a:r>
+              <a:rPr lang="en-US" sz="2200" dirty="0">
+                <a:solidFill>
+                  <a:srgbClr val="0000FF"/>
+                </a:solidFill>
+                <a:highlight>
+                  <a:srgbClr val="FFFFFF"/>
+                </a:highlight>
+                <a:latin typeface="Consolas" panose="020B0609020204030204" pitchFamily="49" charset="0"/>
+              </a:rPr>
+              <a:t>WITH</a:t>
+            </a:r>
+            <a:r>
+              <a:rPr lang="en-US" sz="2200" dirty="0">
+                <a:solidFill>
+                  <a:srgbClr val="000000"/>
+                </a:solidFill>
+                <a:highlight>
+                  <a:srgbClr val="FFFFFF"/>
+                </a:highlight>
+                <a:latin typeface="Consolas" panose="020B0609020204030204" pitchFamily="49" charset="0"/>
+              </a:rPr>
+              <a:t> </a:t>
+            </a:r>
+            <a:r>
+              <a:rPr lang="en-US" sz="2200" dirty="0">
+                <a:solidFill>
+                  <a:srgbClr val="0000FF"/>
+                </a:solidFill>
+                <a:highlight>
+                  <a:srgbClr val="FFFFFF"/>
+                </a:highlight>
+                <a:latin typeface="Consolas" panose="020B0609020204030204" pitchFamily="49" charset="0"/>
+              </a:rPr>
+              <a:t>PASSWORD</a:t>
+            </a:r>
+            <a:r>
+              <a:rPr lang="en-US" sz="2200" dirty="0">
+                <a:solidFill>
+                  <a:srgbClr val="000000"/>
+                </a:solidFill>
+                <a:highlight>
+                  <a:srgbClr val="FFFFFF"/>
+                </a:highlight>
+                <a:latin typeface="Consolas" panose="020B0609020204030204" pitchFamily="49" charset="0"/>
+              </a:rPr>
+              <a:t> </a:t>
+            </a:r>
+            <a:r>
+              <a:rPr lang="en-US" sz="2200" dirty="0">
+                <a:solidFill>
+                  <a:srgbClr val="808080"/>
+                </a:solidFill>
+                <a:highlight>
+                  <a:srgbClr val="FFFFFF"/>
+                </a:highlight>
+                <a:latin typeface="Consolas" panose="020B0609020204030204" pitchFamily="49" charset="0"/>
+              </a:rPr>
+              <a:t>=</a:t>
+            </a:r>
+            <a:r>
+              <a:rPr lang="en-US" sz="2200" dirty="0">
+                <a:solidFill>
+                  <a:srgbClr val="FF0000"/>
+                </a:solidFill>
+                <a:highlight>
+                  <a:srgbClr val="FFFFFF"/>
+                </a:highlight>
+                <a:latin typeface="Consolas" panose="020B0609020204030204" pitchFamily="49" charset="0"/>
+              </a:rPr>
+              <a:t>'</a:t>
+            </a:r>
+            <a:r>
+              <a:rPr lang="en-US" sz="2200" i="1" dirty="0" err="1">
+                <a:solidFill>
+                  <a:srgbClr val="FF0000"/>
+                </a:solidFill>
+                <a:highlight>
+                  <a:srgbClr val="FFFFFF"/>
+                </a:highlight>
+                <a:latin typeface="Consolas" panose="020B0609020204030204" pitchFamily="49" charset="0"/>
+              </a:rPr>
+              <a:t>strongpassword</a:t>
+            </a:r>
+            <a:r>
+              <a:rPr lang="en-US" sz="2200" dirty="0">
+                <a:solidFill>
+                  <a:srgbClr val="FF0000"/>
+                </a:solidFill>
+                <a:highlight>
+                  <a:srgbClr val="FFFFFF"/>
+                </a:highlight>
+                <a:latin typeface="Consolas" panose="020B0609020204030204" pitchFamily="49" charset="0"/>
+              </a:rPr>
+              <a:t>'</a:t>
+            </a:r>
+            <a:r>
+              <a:rPr lang="en-US" sz="2200" dirty="0">
+                <a:solidFill>
+                  <a:srgbClr val="808080"/>
+                </a:solidFill>
+                <a:highlight>
+                  <a:srgbClr val="FFFFFF"/>
+                </a:highlight>
+                <a:latin typeface="Consolas" panose="020B0609020204030204" pitchFamily="49" charset="0"/>
+              </a:rPr>
+              <a:t>;</a:t>
+            </a:r>
+          </a:p>
+          <a:p>
+            <a:pPr marL="0" indent="0">
+              <a:buNone/>
+            </a:pPr>
+            <a:endParaRPr lang="en-US" sz="2000" dirty="0">
+              <a:solidFill>
+                <a:srgbClr val="808080"/>
+              </a:solidFill>
+              <a:highlight>
+                <a:srgbClr val="FFFFFF"/>
+              </a:highlight>
+              <a:latin typeface="Consolas" panose="020B0609020204030204" pitchFamily="49" charset="0"/>
+            </a:endParaRPr>
+          </a:p>
+          <a:p>
+            <a:pPr marL="0" indent="0">
+              <a:buNone/>
+            </a:pPr>
+            <a:endParaRPr lang="en-US" sz="2000" dirty="0"/>
+          </a:p>
+        </p:txBody>
+      </p:sp>
+      <p:sp>
+        <p:nvSpPr>
+          <p:cNvPr id="8" name="Text Placeholder 2"/>
+          <p:cNvSpPr txBox="1">
+            <a:spLocks/>
+          </p:cNvSpPr>
+          <p:nvPr/>
+        </p:nvSpPr>
+        <p:spPr>
+          <a:xfrm>
+            <a:off x="0" y="0"/>
+            <a:ext cx="12192000" cy="762000"/>
+          </a:xfrm>
+          <a:prstGeom prst="rect">
+            <a:avLst/>
+          </a:prstGeom>
+        </p:spPr>
+        <p:txBody>
+          <a:bodyPr vert="horz" lIns="91440" tIns="45720" rIns="91440" bIns="45720" rtlCol="0">
+            <a:normAutofit/>
+          </a:bodyPr>
+          <a:lstStyle>
+            <a:lvl1pPr marL="342900" indent="-342900" algn="l" defTabSz="457200" rtl="0" eaLnBrk="1" latinLnBrk="0" hangingPunct="1">
+              <a:spcBef>
+                <a:spcPct val="20000"/>
+              </a:spcBef>
+              <a:buFont typeface="Wingdings" charset="2"/>
+              <a:buChar char="§"/>
+              <a:defRPr sz="3000" kern="1200">
+                <a:solidFill>
+                  <a:schemeClr val="tx2"/>
+                </a:solidFill>
+                <a:latin typeface="+mn-lt"/>
+                <a:ea typeface="+mn-ea"/>
+                <a:cs typeface="+mn-cs"/>
+              </a:defRPr>
+            </a:lvl1pPr>
+            <a:lvl2pPr marL="742950" indent="-285750" algn="l" defTabSz="457200" rtl="0" eaLnBrk="1" latinLnBrk="0" hangingPunct="1">
+              <a:spcBef>
+                <a:spcPct val="20000"/>
+              </a:spcBef>
+              <a:buFont typeface="Wingdings" charset="2"/>
+              <a:buChar char="§"/>
+              <a:defRPr sz="2600" kern="1200">
+                <a:solidFill>
+                  <a:schemeClr val="tx2"/>
+                </a:solidFill>
+                <a:latin typeface="+mn-lt"/>
+                <a:ea typeface="+mn-ea"/>
+                <a:cs typeface="+mn-cs"/>
+              </a:defRPr>
+            </a:lvl2pPr>
+            <a:lvl3pPr marL="1143000" indent="-228600" algn="l" defTabSz="457200" rtl="0" eaLnBrk="1" latinLnBrk="0" hangingPunct="1">
+              <a:spcBef>
+                <a:spcPct val="20000"/>
+              </a:spcBef>
+              <a:buFont typeface="Wingdings" charset="2"/>
+              <a:buChar char="§"/>
+              <a:defRPr sz="2200" kern="1200">
+                <a:solidFill>
+                  <a:schemeClr val="tx2"/>
+                </a:solidFill>
+                <a:latin typeface="+mn-lt"/>
+                <a:ea typeface="+mn-ea"/>
+                <a:cs typeface="+mn-cs"/>
+              </a:defRPr>
+            </a:lvl3pPr>
+            <a:lvl4pPr marL="1600200" indent="-228600" algn="l" defTabSz="457200" rtl="0" eaLnBrk="1" latinLnBrk="0" hangingPunct="1">
+              <a:spcBef>
+                <a:spcPct val="20000"/>
+              </a:spcBef>
+              <a:buFont typeface="Wingdings" charset="2"/>
+              <a:buChar char="§"/>
+              <a:defRPr sz="2000" kern="1200">
+                <a:solidFill>
+                  <a:schemeClr val="tx2"/>
+                </a:solidFill>
+                <a:latin typeface="+mn-lt"/>
+                <a:ea typeface="+mn-ea"/>
+                <a:cs typeface="+mn-cs"/>
+              </a:defRPr>
+            </a:lvl4pPr>
+            <a:lvl5pPr marL="2057400" indent="-228600" algn="l" defTabSz="457200" rtl="0" eaLnBrk="1" latinLnBrk="0" hangingPunct="1">
+              <a:spcBef>
+                <a:spcPct val="20000"/>
+              </a:spcBef>
+              <a:buFont typeface="Wingdings" charset="2"/>
+              <a:buChar char="§"/>
+              <a:defRPr sz="1800" kern="1200">
+                <a:solidFill>
+                  <a:schemeClr val="tx2"/>
+                </a:solidFill>
+                <a:latin typeface="+mn-lt"/>
+                <a:ea typeface="+mn-ea"/>
+                <a:cs typeface="+mn-cs"/>
+              </a:defRPr>
+            </a:lvl5pPr>
+            <a:lvl6pPr marL="2514600" indent="-228600" algn="l" defTabSz="457200" rtl="0" eaLnBrk="1" latinLnBrk="0" hangingPunct="1">
+              <a:spcBef>
+                <a:spcPct val="20000"/>
+              </a:spcBef>
+              <a:buFont typeface="Arial"/>
+              <a:buChar char="•"/>
+              <a:defRPr sz="2000" kern="1200">
+                <a:solidFill>
+                  <a:schemeClr val="tx1"/>
+                </a:solidFill>
+                <a:latin typeface="+mn-lt"/>
+                <a:ea typeface="+mn-ea"/>
+                <a:cs typeface="+mn-cs"/>
+              </a:defRPr>
+            </a:lvl6pPr>
+            <a:lvl7pPr marL="2971800" indent="-228600" algn="l" defTabSz="457200" rtl="0" eaLnBrk="1" latinLnBrk="0" hangingPunct="1">
+              <a:spcBef>
+                <a:spcPct val="20000"/>
+              </a:spcBef>
+              <a:buFont typeface="Arial"/>
+              <a:buChar char="•"/>
+              <a:defRPr sz="2000" kern="1200">
+                <a:solidFill>
+                  <a:schemeClr val="tx1"/>
+                </a:solidFill>
+                <a:latin typeface="+mn-lt"/>
+                <a:ea typeface="+mn-ea"/>
+                <a:cs typeface="+mn-cs"/>
+              </a:defRPr>
+            </a:lvl7pPr>
+            <a:lvl8pPr marL="3429000" indent="-228600" algn="l" defTabSz="457200" rtl="0" eaLnBrk="1" latinLnBrk="0" hangingPunct="1">
+              <a:spcBef>
+                <a:spcPct val="20000"/>
+              </a:spcBef>
+              <a:buFont typeface="Arial"/>
+              <a:buChar char="•"/>
+              <a:defRPr sz="2000" kern="1200">
+                <a:solidFill>
+                  <a:schemeClr val="tx1"/>
+                </a:solidFill>
+                <a:latin typeface="+mn-lt"/>
+                <a:ea typeface="+mn-ea"/>
+                <a:cs typeface="+mn-cs"/>
+              </a:defRPr>
+            </a:lvl8pPr>
+            <a:lvl9pPr marL="3886200" indent="-228600" algn="l" defTabSz="457200" rtl="0" eaLnBrk="1" latinLnBrk="0" hangingPunct="1">
+              <a:spcBef>
+                <a:spcPct val="20000"/>
+              </a:spcBef>
+              <a:buFont typeface="Arial"/>
+              <a:buChar char="•"/>
+              <a:defRPr sz="2000" kern="1200">
+                <a:solidFill>
+                  <a:schemeClr val="tx1"/>
+                </a:solidFill>
+                <a:latin typeface="+mn-lt"/>
+                <a:ea typeface="+mn-ea"/>
+                <a:cs typeface="+mn-cs"/>
+              </a:defRPr>
+            </a:lvl9pPr>
+          </a:lstStyle>
+          <a:p>
+            <a:pPr marL="0" indent="0" algn="ctr">
+              <a:buNone/>
+            </a:pPr>
+            <a:r>
+              <a:rPr lang="en-US" sz="4000" b="1" cap="all" dirty="0">
+                <a:solidFill>
+                  <a:srgbClr val="3D156F"/>
+                </a:solidFill>
+                <a:latin typeface="+mj-lt"/>
+                <a:ea typeface="+mj-ea"/>
+                <a:cs typeface="+mj-cs"/>
+              </a:rPr>
+              <a:t>Contained databases</a:t>
+            </a:r>
+          </a:p>
+        </p:txBody>
+      </p:sp>
+    </p:spTree>
+    <p:extLst>
+      <p:ext uri="{BB962C8B-B14F-4D97-AF65-F5344CB8AC3E}">
         <p14:creationId xmlns:p14="http://schemas.microsoft.com/office/powerpoint/2010/main" val="3637221107"/>
       </p:ext>
     </p:extLst>
@@ -14237,7 +14388,7 @@
 </p:sld>
 </file>
 
-<file path=ppt/slides/slide24.xml><?xml version="1.0" encoding="utf-8"?>
+<file path=ppt/slides/slide25.xml><?xml version="1.0" encoding="utf-8"?>
 <p:sld xmlns:a="http://schemas.openxmlformats.org/drawingml/2006/main" xmlns:r="http://schemas.openxmlformats.org/officeDocument/2006/relationships" xmlns:p="http://schemas.openxmlformats.org/presentationml/2006/main" showMasterSp="0">
   <p:cSld>
     <p:spTree>
@@ -14659,7 +14810,7 @@
 </p:sld>
 </file>
 
-<file path=ppt/slides/slide25.xml><?xml version="1.0" encoding="utf-8"?>
+<file path=ppt/slides/slide26.xml><?xml version="1.0" encoding="utf-8"?>
 <p:sld xmlns:a="http://schemas.openxmlformats.org/drawingml/2006/main" xmlns:r="http://schemas.openxmlformats.org/officeDocument/2006/relationships" xmlns:p="http://schemas.openxmlformats.org/presentationml/2006/main">
   <p:cSld>
     <p:spTree>
@@ -15087,7 +15238,7 @@
 </p:sld>
 </file>
 
-<file path=ppt/slides/slide26.xml><?xml version="1.0" encoding="utf-8"?>
+<file path=ppt/slides/slide27.xml><?xml version="1.0" encoding="utf-8"?>
 <p:sld xmlns:a="http://schemas.openxmlformats.org/drawingml/2006/main" xmlns:r="http://schemas.openxmlformats.org/officeDocument/2006/relationships" xmlns:p="http://schemas.openxmlformats.org/presentationml/2006/main">
   <p:cSld>
     <p:spTree>
@@ -15520,7 +15671,7 @@
 </p:sld>
 </file>
 
-<file path=ppt/slides/slide27.xml><?xml version="1.0" encoding="utf-8"?>
+<file path=ppt/slides/slide28.xml><?xml version="1.0" encoding="utf-8"?>
 <p:sld xmlns:a="http://schemas.openxmlformats.org/drawingml/2006/main" xmlns:r="http://schemas.openxmlformats.org/officeDocument/2006/relationships" xmlns:p="http://schemas.openxmlformats.org/presentationml/2006/main">
   <p:cSld>
     <p:spTree>
@@ -15794,7 +15945,7 @@
 </p:sld>
 </file>
 
-<file path=ppt/slides/slide28.xml><?xml version="1.0" encoding="utf-8"?>
+<file path=ppt/slides/slide29.xml><?xml version="1.0" encoding="utf-8"?>
 <p:sld xmlns:a="http://schemas.openxmlformats.org/drawingml/2006/main" xmlns:r="http://schemas.openxmlformats.org/officeDocument/2006/relationships" xmlns:p="http://schemas.openxmlformats.org/presentationml/2006/main">
   <p:cSld>
     <p:spTree>
@@ -16097,432 +16248,6 @@
     <p:extLst>
       <p:ext uri="{BB962C8B-B14F-4D97-AF65-F5344CB8AC3E}">
         <p14:creationId xmlns:p14="http://schemas.microsoft.com/office/powerpoint/2010/main" val="1604467832"/>
-      </p:ext>
-    </p:extLst>
-  </p:cSld>
-  <p:clrMapOvr>
-    <a:masterClrMapping/>
-  </p:clrMapOvr>
-</p:sld>
-</file>
-
-<file path=ppt/slides/slide29.xml><?xml version="1.0" encoding="utf-8"?>
-<p:sld xmlns:a="http://schemas.openxmlformats.org/drawingml/2006/main" xmlns:r="http://schemas.openxmlformats.org/officeDocument/2006/relationships" xmlns:p="http://schemas.openxmlformats.org/presentationml/2006/main">
-  <p:cSld>
-    <p:spTree>
-      <p:nvGrpSpPr>
-        <p:cNvPr id="1" name=""/>
-        <p:cNvGrpSpPr/>
-        <p:nvPr/>
-      </p:nvGrpSpPr>
-      <p:grpSpPr>
-        <a:xfrm>
-          <a:off x="0" y="0"/>
-          <a:ext cx="0" cy="0"/>
-          <a:chOff x="0" y="0"/>
-          <a:chExt cx="0" cy="0"/>
-        </a:xfrm>
-      </p:grpSpPr>
-      <p:sp>
-        <p:nvSpPr>
-          <p:cNvPr id="2" name="Content Placeholder 1"/>
-          <p:cNvSpPr>
-            <a:spLocks noGrp="1"/>
-          </p:cNvSpPr>
-          <p:nvPr>
-            <p:ph idx="4294967295"/>
-          </p:nvPr>
-        </p:nvSpPr>
-        <p:spPr>
-          <a:xfrm>
-            <a:off x="1676400" y="1066801"/>
-            <a:ext cx="8229600" cy="5191125"/>
-          </a:xfrm>
-        </p:spPr>
-        <p:txBody>
-          <a:bodyPr>
-            <a:normAutofit/>
-          </a:bodyPr>
-          <a:lstStyle/>
-          <a:p>
-            <a:r>
-              <a:rPr lang="en-US" b="0" dirty="0"/>
-              <a:t>You can use </a:t>
-            </a:r>
-            <a:r>
-              <a:rPr lang="en-US" dirty="0"/>
-              <a:t>Azure Active Directory accounts only for Azure SQL contained database users, but not for Azure SQL server logins.</a:t>
-            </a:r>
-          </a:p>
-          <a:p>
-            <a:pPr marL="0" indent="0">
-              <a:buNone/>
-            </a:pPr>
-            <a:endParaRPr lang="en-US" dirty="0"/>
-          </a:p>
-          <a:p>
-            <a:pPr marL="0" indent="0">
-              <a:buNone/>
-            </a:pPr>
-            <a:r>
-              <a:rPr lang="en-US" sz="2400" dirty="0"/>
-              <a:t>Example: in [</a:t>
-            </a:r>
-            <a:r>
-              <a:rPr lang="en-US" sz="2400" dirty="0" err="1"/>
-              <a:t>SomeUserDatabase</a:t>
-            </a:r>
-            <a:r>
-              <a:rPr lang="en-US" sz="2400" dirty="0"/>
-              <a:t>]</a:t>
-            </a:r>
-          </a:p>
-          <a:p>
-            <a:pPr marL="0" indent="0">
-              <a:buNone/>
-            </a:pPr>
-            <a:r>
-              <a:rPr lang="en-US" sz="2200" dirty="0">
-                <a:solidFill>
-                  <a:srgbClr val="0000FF"/>
-                </a:solidFill>
-                <a:highlight>
-                  <a:srgbClr val="FFFFFF"/>
-                </a:highlight>
-                <a:latin typeface="Consolas" panose="020B0609020204030204" pitchFamily="49" charset="0"/>
-              </a:rPr>
-              <a:t>CREATE</a:t>
-            </a:r>
-            <a:r>
-              <a:rPr lang="en-US" sz="2200" dirty="0">
-                <a:solidFill>
-                  <a:srgbClr val="000000"/>
-                </a:solidFill>
-                <a:highlight>
-                  <a:srgbClr val="FFFFFF"/>
-                </a:highlight>
-                <a:latin typeface="Consolas" panose="020B0609020204030204" pitchFamily="49" charset="0"/>
-              </a:rPr>
-              <a:t> </a:t>
-            </a:r>
-            <a:r>
-              <a:rPr lang="en-US" sz="2200" dirty="0">
-                <a:solidFill>
-                  <a:srgbClr val="0000FF"/>
-                </a:solidFill>
-                <a:highlight>
-                  <a:srgbClr val="FFFFFF"/>
-                </a:highlight>
-                <a:latin typeface="Consolas" panose="020B0609020204030204" pitchFamily="49" charset="0"/>
-              </a:rPr>
-              <a:t>USER</a:t>
-            </a:r>
-            <a:r>
-              <a:rPr lang="en-US" sz="2200" dirty="0">
-                <a:solidFill>
-                  <a:srgbClr val="000000"/>
-                </a:solidFill>
-                <a:highlight>
-                  <a:srgbClr val="FFFFFF"/>
-                </a:highlight>
-                <a:latin typeface="Consolas" panose="020B0609020204030204" pitchFamily="49" charset="0"/>
-              </a:rPr>
-              <a:t> [reportuser@domainname.onmicrosoft.com] </a:t>
-            </a:r>
-            <a:r>
-              <a:rPr lang="en-US" sz="2200" dirty="0">
-                <a:solidFill>
-                  <a:srgbClr val="0000FF"/>
-                </a:solidFill>
-                <a:highlight>
-                  <a:srgbClr val="FFFFFF"/>
-                </a:highlight>
-                <a:latin typeface="Consolas" panose="020B0609020204030204" pitchFamily="49" charset="0"/>
-              </a:rPr>
-              <a:t>FROM</a:t>
-            </a:r>
-            <a:r>
-              <a:rPr lang="en-US" sz="2200" dirty="0">
-                <a:solidFill>
-                  <a:srgbClr val="000000"/>
-                </a:solidFill>
-                <a:highlight>
-                  <a:srgbClr val="FFFFFF"/>
-                </a:highlight>
-                <a:latin typeface="Consolas" panose="020B0609020204030204" pitchFamily="49" charset="0"/>
-              </a:rPr>
-              <a:t> </a:t>
-            </a:r>
-            <a:r>
-              <a:rPr lang="en-US" sz="2200" dirty="0">
-                <a:solidFill>
-                  <a:srgbClr val="0000FF"/>
-                </a:solidFill>
-                <a:highlight>
-                  <a:srgbClr val="FFFFFF"/>
-                </a:highlight>
-                <a:latin typeface="Consolas" panose="020B0609020204030204" pitchFamily="49" charset="0"/>
-              </a:rPr>
-              <a:t>EXTERNAL</a:t>
-            </a:r>
-            <a:r>
-              <a:rPr lang="en-US" sz="2200" dirty="0">
-                <a:solidFill>
-                  <a:srgbClr val="000000"/>
-                </a:solidFill>
-                <a:highlight>
-                  <a:srgbClr val="FFFFFF"/>
-                </a:highlight>
-                <a:latin typeface="Consolas" panose="020B0609020204030204" pitchFamily="49" charset="0"/>
-              </a:rPr>
-              <a:t> </a:t>
-            </a:r>
-            <a:r>
-              <a:rPr lang="en-US" sz="2200" dirty="0">
-                <a:solidFill>
-                  <a:srgbClr val="0000FF"/>
-                </a:solidFill>
-                <a:highlight>
-                  <a:srgbClr val="FFFFFF"/>
-                </a:highlight>
-                <a:latin typeface="Consolas" panose="020B0609020204030204" pitchFamily="49" charset="0"/>
-              </a:rPr>
-              <a:t>PROVIDER</a:t>
-            </a:r>
-            <a:r>
-              <a:rPr lang="en-US" sz="2200" dirty="0">
-                <a:solidFill>
-                  <a:srgbClr val="808080"/>
-                </a:solidFill>
-                <a:highlight>
-                  <a:srgbClr val="FFFFFF"/>
-                </a:highlight>
-                <a:latin typeface="Consolas" panose="020B0609020204030204" pitchFamily="49" charset="0"/>
-              </a:rPr>
-              <a:t>;</a:t>
-            </a:r>
-          </a:p>
-          <a:p>
-            <a:pPr marL="0" indent="0">
-              <a:buNone/>
-            </a:pPr>
-            <a:endParaRPr lang="en-US" sz="2200" dirty="0">
-              <a:solidFill>
-                <a:srgbClr val="808080"/>
-              </a:solidFill>
-              <a:highlight>
-                <a:srgbClr val="FFFFFF"/>
-              </a:highlight>
-              <a:latin typeface="Consolas" panose="020B0609020204030204" pitchFamily="49" charset="0"/>
-            </a:endParaRPr>
-          </a:p>
-          <a:p>
-            <a:r>
-              <a:rPr lang="en-US" sz="2400" dirty="0">
-                <a:highlight>
-                  <a:srgbClr val="FFFFFF"/>
-                </a:highlight>
-              </a:rPr>
-              <a:t>Only Active Directory accounts can create other Active Directory accounts in Azure SQL Database.</a:t>
-            </a:r>
-            <a:endParaRPr lang="en-US" sz="2200" dirty="0">
-              <a:solidFill>
-                <a:srgbClr val="808080"/>
-              </a:solidFill>
-              <a:highlight>
-                <a:srgbClr val="FFFFFF"/>
-              </a:highlight>
-              <a:latin typeface="Consolas" panose="020B0609020204030204" pitchFamily="49" charset="0"/>
-            </a:endParaRPr>
-          </a:p>
-          <a:p>
-            <a:pPr marL="0" indent="0">
-              <a:buNone/>
-            </a:pPr>
-            <a:endParaRPr lang="en-US" sz="2200" dirty="0"/>
-          </a:p>
-        </p:txBody>
-      </p:sp>
-      <p:sp>
-        <p:nvSpPr>
-          <p:cNvPr id="8" name="Text Placeholder 2"/>
-          <p:cNvSpPr txBox="1">
-            <a:spLocks/>
-          </p:cNvSpPr>
-          <p:nvPr/>
-        </p:nvSpPr>
-        <p:spPr>
-          <a:xfrm>
-            <a:off x="0" y="0"/>
-            <a:ext cx="12192000" cy="762000"/>
-          </a:xfrm>
-          <a:prstGeom prst="rect">
-            <a:avLst/>
-          </a:prstGeom>
-        </p:spPr>
-        <p:txBody>
-          <a:bodyPr vert="horz" lIns="91440" tIns="45720" rIns="91440" bIns="45720" rtlCol="0">
-            <a:normAutofit/>
-          </a:bodyPr>
-          <a:lstStyle>
-            <a:lvl1pPr marL="342900" indent="-342900" algn="l" defTabSz="457200" rtl="0" eaLnBrk="1" latinLnBrk="0" hangingPunct="1">
-              <a:spcBef>
-                <a:spcPct val="20000"/>
-              </a:spcBef>
-              <a:buFont typeface="Wingdings" charset="2"/>
-              <a:buChar char="§"/>
-              <a:defRPr sz="3000" kern="1200">
-                <a:solidFill>
-                  <a:schemeClr val="tx2"/>
-                </a:solidFill>
-                <a:latin typeface="+mn-lt"/>
-                <a:ea typeface="+mn-ea"/>
-                <a:cs typeface="+mn-cs"/>
-              </a:defRPr>
-            </a:lvl1pPr>
-            <a:lvl2pPr marL="742950" indent="-285750" algn="l" defTabSz="457200" rtl="0" eaLnBrk="1" latinLnBrk="0" hangingPunct="1">
-              <a:spcBef>
-                <a:spcPct val="20000"/>
-              </a:spcBef>
-              <a:buFont typeface="Wingdings" charset="2"/>
-              <a:buChar char="§"/>
-              <a:defRPr sz="2600" kern="1200">
-                <a:solidFill>
-                  <a:schemeClr val="tx2"/>
-                </a:solidFill>
-                <a:latin typeface="+mn-lt"/>
-                <a:ea typeface="+mn-ea"/>
-                <a:cs typeface="+mn-cs"/>
-              </a:defRPr>
-            </a:lvl2pPr>
-            <a:lvl3pPr marL="1143000" indent="-228600" algn="l" defTabSz="457200" rtl="0" eaLnBrk="1" latinLnBrk="0" hangingPunct="1">
-              <a:spcBef>
-                <a:spcPct val="20000"/>
-              </a:spcBef>
-              <a:buFont typeface="Wingdings" charset="2"/>
-              <a:buChar char="§"/>
-              <a:defRPr sz="2200" kern="1200">
-                <a:solidFill>
-                  <a:schemeClr val="tx2"/>
-                </a:solidFill>
-                <a:latin typeface="+mn-lt"/>
-                <a:ea typeface="+mn-ea"/>
-                <a:cs typeface="+mn-cs"/>
-              </a:defRPr>
-            </a:lvl3pPr>
-            <a:lvl4pPr marL="1600200" indent="-228600" algn="l" defTabSz="457200" rtl="0" eaLnBrk="1" latinLnBrk="0" hangingPunct="1">
-              <a:spcBef>
-                <a:spcPct val="20000"/>
-              </a:spcBef>
-              <a:buFont typeface="Wingdings" charset="2"/>
-              <a:buChar char="§"/>
-              <a:defRPr sz="2000" kern="1200">
-                <a:solidFill>
-                  <a:schemeClr val="tx2"/>
-                </a:solidFill>
-                <a:latin typeface="+mn-lt"/>
-                <a:ea typeface="+mn-ea"/>
-                <a:cs typeface="+mn-cs"/>
-              </a:defRPr>
-            </a:lvl4pPr>
-            <a:lvl5pPr marL="2057400" indent="-228600" algn="l" defTabSz="457200" rtl="0" eaLnBrk="1" latinLnBrk="0" hangingPunct="1">
-              <a:spcBef>
-                <a:spcPct val="20000"/>
-              </a:spcBef>
-              <a:buFont typeface="Wingdings" charset="2"/>
-              <a:buChar char="§"/>
-              <a:defRPr sz="1800" kern="1200">
-                <a:solidFill>
-                  <a:schemeClr val="tx2"/>
-                </a:solidFill>
-                <a:latin typeface="+mn-lt"/>
-                <a:ea typeface="+mn-ea"/>
-                <a:cs typeface="+mn-cs"/>
-              </a:defRPr>
-            </a:lvl5pPr>
-            <a:lvl6pPr marL="2514600" indent="-228600" algn="l" defTabSz="457200" rtl="0" eaLnBrk="1" latinLnBrk="0" hangingPunct="1">
-              <a:spcBef>
-                <a:spcPct val="20000"/>
-              </a:spcBef>
-              <a:buFont typeface="Arial"/>
-              <a:buChar char="•"/>
-              <a:defRPr sz="2000" kern="1200">
-                <a:solidFill>
-                  <a:schemeClr val="tx1"/>
-                </a:solidFill>
-                <a:latin typeface="+mn-lt"/>
-                <a:ea typeface="+mn-ea"/>
-                <a:cs typeface="+mn-cs"/>
-              </a:defRPr>
-            </a:lvl6pPr>
-            <a:lvl7pPr marL="2971800" indent="-228600" algn="l" defTabSz="457200" rtl="0" eaLnBrk="1" latinLnBrk="0" hangingPunct="1">
-              <a:spcBef>
-                <a:spcPct val="20000"/>
-              </a:spcBef>
-              <a:buFont typeface="Arial"/>
-              <a:buChar char="•"/>
-              <a:defRPr sz="2000" kern="1200">
-                <a:solidFill>
-                  <a:schemeClr val="tx1"/>
-                </a:solidFill>
-                <a:latin typeface="+mn-lt"/>
-                <a:ea typeface="+mn-ea"/>
-                <a:cs typeface="+mn-cs"/>
-              </a:defRPr>
-            </a:lvl7pPr>
-            <a:lvl8pPr marL="3429000" indent="-228600" algn="l" defTabSz="457200" rtl="0" eaLnBrk="1" latinLnBrk="0" hangingPunct="1">
-              <a:spcBef>
-                <a:spcPct val="20000"/>
-              </a:spcBef>
-              <a:buFont typeface="Arial"/>
-              <a:buChar char="•"/>
-              <a:defRPr sz="2000" kern="1200">
-                <a:solidFill>
-                  <a:schemeClr val="tx1"/>
-                </a:solidFill>
-                <a:latin typeface="+mn-lt"/>
-                <a:ea typeface="+mn-ea"/>
-                <a:cs typeface="+mn-cs"/>
-              </a:defRPr>
-            </a:lvl8pPr>
-            <a:lvl9pPr marL="3886200" indent="-228600" algn="l" defTabSz="457200" rtl="0" eaLnBrk="1" latinLnBrk="0" hangingPunct="1">
-              <a:spcBef>
-                <a:spcPct val="20000"/>
-              </a:spcBef>
-              <a:buFont typeface="Arial"/>
-              <a:buChar char="•"/>
-              <a:defRPr sz="2000" kern="1200">
-                <a:solidFill>
-                  <a:schemeClr val="tx1"/>
-                </a:solidFill>
-                <a:latin typeface="+mn-lt"/>
-                <a:ea typeface="+mn-ea"/>
-                <a:cs typeface="+mn-cs"/>
-              </a:defRPr>
-            </a:lvl9pPr>
-          </a:lstStyle>
-          <a:p>
-            <a:pPr marL="0" indent="0" algn="ctr">
-              <a:buNone/>
-            </a:pPr>
-            <a:r>
-              <a:rPr lang="en-US" sz="4000" b="1" cap="all" dirty="0">
-                <a:solidFill>
-                  <a:srgbClr val="3D156F"/>
-                </a:solidFill>
-                <a:latin typeface="+mj-lt"/>
-                <a:ea typeface="+mj-ea"/>
-                <a:cs typeface="+mj-cs"/>
-              </a:rPr>
-              <a:t>Azure SQL DB </a:t>
-            </a:r>
-          </a:p>
-        </p:txBody>
-      </p:sp>
-    </p:spTree>
-    <p:extLst>
-      <p:ext uri="{BB962C8B-B14F-4D97-AF65-F5344CB8AC3E}">
-        <p14:creationId xmlns:p14="http://schemas.microsoft.com/office/powerpoint/2010/main" val="1859810909"/>
       </p:ext>
     </p:extLst>
   </p:cSld>
@@ -17113,48 +16838,22 @@
         <p:spPr>
           <a:xfrm>
             <a:off x="1676400" y="1066801"/>
-            <a:ext cx="8229600" cy="5181599"/>
+            <a:ext cx="8229600" cy="5191125"/>
           </a:xfrm>
         </p:spPr>
         <p:txBody>
           <a:bodyPr>
-            <a:normAutofit lnSpcReduction="10000"/>
+            <a:normAutofit/>
           </a:bodyPr>
           <a:lstStyle/>
           <a:p>
-            <a:pPr marL="0" indent="0">
-              <a:buNone/>
-            </a:pPr>
-            <a:r>
-              <a:rPr lang="en-US" sz="3200" dirty="0"/>
-              <a:t>Otherwise,</a:t>
-            </a:r>
-          </a:p>
-          <a:p>
-            <a:pPr marL="0" indent="0">
-              <a:buNone/>
-            </a:pPr>
-            <a:endParaRPr lang="en-US" sz="3200" dirty="0"/>
-          </a:p>
-          <a:p>
-            <a:pPr marL="0" indent="0">
-              <a:buNone/>
-            </a:pPr>
-            <a:r>
-              <a:rPr lang="en-US" sz="3200" dirty="0"/>
-              <a:t>Most (not all) permissions, objects, schema operate the same on </a:t>
-            </a:r>
-            <a:r>
-              <a:rPr lang="en-US" sz="3200" b="1" dirty="0"/>
-              <a:t>Azure SQL Database, Azure SQL Managed Instance (MI), </a:t>
-            </a:r>
-            <a:r>
-              <a:rPr lang="en-US" sz="3200" dirty="0"/>
-              <a:t>and </a:t>
-            </a:r>
-            <a:r>
-              <a:rPr lang="en-US" sz="3200" b="1" dirty="0"/>
-              <a:t>SQL Server.</a:t>
+            <a:r>
+              <a:rPr lang="en-US" b="0" dirty="0"/>
+              <a:t>You can use </a:t>
+            </a:r>
+            <a:r>
+              <a:rPr lang="en-US" dirty="0"/>
+              <a:t>Azure Active Directory accounts only for Azure SQL contained database users, but not for Azure SQL server logins.</a:t>
             </a:r>
           </a:p>
           <a:p>
@@ -17168,9 +16867,181 @@
               <a:buNone/>
             </a:pPr>
             <a:r>
-              <a:rPr lang="en-US" dirty="0"/>
-              <a:t>In this presentation when we’re talking about permissions, stored procs, views, functions, it’s the same for either platform.</a:t>
-            </a:r>
+              <a:rPr lang="en-US" sz="2400" dirty="0"/>
+              <a:t>Example: in [</a:t>
+            </a:r>
+            <a:r>
+              <a:rPr lang="en-US" sz="2400" dirty="0" err="1"/>
+              <a:t>SomeUserDatabase</a:t>
+            </a:r>
+            <a:r>
+              <a:rPr lang="en-US" sz="2400" dirty="0"/>
+              <a:t>]</a:t>
+            </a:r>
+          </a:p>
+          <a:p>
+            <a:pPr marL="0" indent="0">
+              <a:buNone/>
+            </a:pPr>
+            <a:r>
+              <a:rPr lang="en-US" sz="2200" dirty="0">
+                <a:solidFill>
+                  <a:srgbClr val="0000FF"/>
+                </a:solidFill>
+                <a:highlight>
+                  <a:srgbClr val="FFFFFF"/>
+                </a:highlight>
+                <a:latin typeface="Consolas" panose="020B0609020204030204" pitchFamily="49" charset="0"/>
+              </a:rPr>
+              <a:t>CREATE</a:t>
+            </a:r>
+            <a:r>
+              <a:rPr lang="en-US" sz="2200" dirty="0">
+                <a:solidFill>
+                  <a:srgbClr val="000000"/>
+                </a:solidFill>
+                <a:highlight>
+                  <a:srgbClr val="FFFFFF"/>
+                </a:highlight>
+                <a:latin typeface="Consolas" panose="020B0609020204030204" pitchFamily="49" charset="0"/>
+              </a:rPr>
+              <a:t> </a:t>
+            </a:r>
+            <a:r>
+              <a:rPr lang="en-US" sz="2200" dirty="0">
+                <a:solidFill>
+                  <a:srgbClr val="0000FF"/>
+                </a:solidFill>
+                <a:highlight>
+                  <a:srgbClr val="FFFFFF"/>
+                </a:highlight>
+                <a:latin typeface="Consolas" panose="020B0609020204030204" pitchFamily="49" charset="0"/>
+              </a:rPr>
+              <a:t>USER</a:t>
+            </a:r>
+            <a:r>
+              <a:rPr lang="en-US" sz="2200" dirty="0">
+                <a:solidFill>
+                  <a:srgbClr val="000000"/>
+                </a:solidFill>
+                <a:highlight>
+                  <a:srgbClr val="FFFFFF"/>
+                </a:highlight>
+                <a:latin typeface="Consolas" panose="020B0609020204030204" pitchFamily="49" charset="0"/>
+              </a:rPr>
+              <a:t> [reportuser@domainname.onmicrosoft.com] </a:t>
+            </a:r>
+            <a:r>
+              <a:rPr lang="en-US" sz="2200" dirty="0">
+                <a:solidFill>
+                  <a:srgbClr val="0000FF"/>
+                </a:solidFill>
+                <a:highlight>
+                  <a:srgbClr val="FFFFFF"/>
+                </a:highlight>
+                <a:latin typeface="Consolas" panose="020B0609020204030204" pitchFamily="49" charset="0"/>
+              </a:rPr>
+              <a:t>FROM</a:t>
+            </a:r>
+            <a:r>
+              <a:rPr lang="en-US" sz="2200" dirty="0">
+                <a:solidFill>
+                  <a:srgbClr val="000000"/>
+                </a:solidFill>
+                <a:highlight>
+                  <a:srgbClr val="FFFFFF"/>
+                </a:highlight>
+                <a:latin typeface="Consolas" panose="020B0609020204030204" pitchFamily="49" charset="0"/>
+              </a:rPr>
+              <a:t> </a:t>
+            </a:r>
+            <a:r>
+              <a:rPr lang="en-US" sz="2200" dirty="0">
+                <a:solidFill>
+                  <a:srgbClr val="0000FF"/>
+                </a:solidFill>
+                <a:highlight>
+                  <a:srgbClr val="FFFFFF"/>
+                </a:highlight>
+                <a:latin typeface="Consolas" panose="020B0609020204030204" pitchFamily="49" charset="0"/>
+              </a:rPr>
+              <a:t>EXTERNAL</a:t>
+            </a:r>
+            <a:r>
+              <a:rPr lang="en-US" sz="2200" dirty="0">
+                <a:solidFill>
+                  <a:srgbClr val="000000"/>
+                </a:solidFill>
+                <a:highlight>
+                  <a:srgbClr val="FFFFFF"/>
+                </a:highlight>
+                <a:latin typeface="Consolas" panose="020B0609020204030204" pitchFamily="49" charset="0"/>
+              </a:rPr>
+              <a:t> </a:t>
+            </a:r>
+            <a:r>
+              <a:rPr lang="en-US" sz="2200" dirty="0">
+                <a:solidFill>
+                  <a:srgbClr val="0000FF"/>
+                </a:solidFill>
+                <a:highlight>
+                  <a:srgbClr val="FFFFFF"/>
+                </a:highlight>
+                <a:latin typeface="Consolas" panose="020B0609020204030204" pitchFamily="49" charset="0"/>
+              </a:rPr>
+              <a:t>PROVIDER</a:t>
+            </a:r>
+            <a:r>
+              <a:rPr lang="en-US" sz="2200" dirty="0">
+                <a:solidFill>
+                  <a:srgbClr val="808080"/>
+                </a:solidFill>
+                <a:highlight>
+                  <a:srgbClr val="FFFFFF"/>
+                </a:highlight>
+                <a:latin typeface="Consolas" panose="020B0609020204030204" pitchFamily="49" charset="0"/>
+              </a:rPr>
+              <a:t>;</a:t>
+            </a:r>
+          </a:p>
+          <a:p>
+            <a:pPr marL="0" indent="0">
+              <a:buNone/>
+            </a:pPr>
+            <a:endParaRPr lang="en-US" sz="2200" dirty="0">
+              <a:solidFill>
+                <a:srgbClr val="808080"/>
+              </a:solidFill>
+              <a:highlight>
+                <a:srgbClr val="FFFFFF"/>
+              </a:highlight>
+              <a:latin typeface="Consolas" panose="020B0609020204030204" pitchFamily="49" charset="0"/>
+            </a:endParaRPr>
+          </a:p>
+          <a:p>
+            <a:r>
+              <a:rPr lang="en-US" sz="2400" dirty="0">
+                <a:highlight>
+                  <a:srgbClr val="FFFFFF"/>
+                </a:highlight>
+              </a:rPr>
+              <a:t>Only Active Directory accounts can create other Active Directory accounts in Azure SQL Database.</a:t>
+            </a:r>
+            <a:endParaRPr lang="en-US" sz="2200" dirty="0">
+              <a:solidFill>
+                <a:srgbClr val="808080"/>
+              </a:solidFill>
+              <a:highlight>
+                <a:srgbClr val="FFFFFF"/>
+              </a:highlight>
+              <a:latin typeface="Consolas" panose="020B0609020204030204" pitchFamily="49" charset="0"/>
+            </a:endParaRPr>
+          </a:p>
+          <a:p>
+            <a:pPr marL="0" indent="0">
+              <a:buNone/>
+            </a:pPr>
+            <a:endParaRPr lang="en-US" sz="2200" dirty="0"/>
           </a:p>
         </p:txBody>
       </p:sp>
@@ -17353,7 +17224,7 @@
     </p:spTree>
     <p:extLst>
       <p:ext uri="{BB962C8B-B14F-4D97-AF65-F5344CB8AC3E}">
-        <p14:creationId xmlns:p14="http://schemas.microsoft.com/office/powerpoint/2010/main" val="323848165"/>
+        <p14:creationId xmlns:p14="http://schemas.microsoft.com/office/powerpoint/2010/main" val="1859810909"/>
       </p:ext>
     </p:extLst>
   </p:cSld>
@@ -17392,77 +17263,64 @@
         </p:nvSpPr>
         <p:spPr>
           <a:xfrm>
-            <a:off x="1295400" y="1066801"/>
-            <a:ext cx="9448800" cy="5181599"/>
+            <a:off x="1676400" y="1066801"/>
+            <a:ext cx="8229600" cy="5181599"/>
           </a:xfrm>
         </p:spPr>
         <p:txBody>
           <a:bodyPr>
-            <a:normAutofit fontScale="92500"/>
+            <a:normAutofit lnSpcReduction="10000"/>
           </a:bodyPr>
           <a:lstStyle/>
           <a:p>
+            <a:pPr marL="0" indent="0">
+              <a:buNone/>
+            </a:pPr>
             <a:r>
               <a:rPr lang="en-US" sz="3200" dirty="0"/>
-              <a:t>OLEDB has been </a:t>
+              <a:t>Otherwise,</a:t>
+            </a:r>
+          </a:p>
+          <a:p>
+            <a:pPr marL="0" indent="0">
+              <a:buNone/>
+            </a:pPr>
+            <a:endParaRPr lang="en-US" sz="3200" dirty="0"/>
+          </a:p>
+          <a:p>
+            <a:pPr marL="0" indent="0">
+              <a:buNone/>
+            </a:pPr>
+            <a:r>
+              <a:rPr lang="en-US" sz="3200" dirty="0"/>
+              <a:t>Most (not all) permissions, objects, schema operate the same on </a:t>
             </a:r>
             <a:r>
               <a:rPr lang="en-US" sz="3200" b="1" dirty="0"/>
-              <a:t>un-deprecated </a:t>
+              <a:t>Azure SQL Database, Azure SQL Managed Instance (MI), </a:t>
             </a:r>
             <a:r>
               <a:rPr lang="en-US" sz="3200" dirty="0"/>
-              <a:t>via the new MSOLEDBSQL provider released in 2018.</a:t>
-            </a:r>
-          </a:p>
-          <a:p>
-            <a:pPr lvl="1"/>
-            <a:r>
-              <a:rPr lang="en-US" sz="2800" dirty="0"/>
-              <a:t>Convert your OLEDB connection strings from </a:t>
-            </a:r>
-            <a:r>
-              <a:rPr lang="en-US" sz="2800" i="1" dirty="0"/>
-              <a:t>sqlncli11</a:t>
-            </a:r>
-            <a:r>
-              <a:rPr lang="en-US" sz="2800" dirty="0"/>
-              <a:t> or </a:t>
-            </a:r>
-            <a:r>
-              <a:rPr lang="en-US" sz="2800" i="1" dirty="0" err="1"/>
-              <a:t>sqloledb</a:t>
-            </a:r>
-            <a:r>
-              <a:rPr lang="en-US" sz="2800" dirty="0"/>
-              <a:t>, </a:t>
-            </a:r>
-            <a:r>
-              <a:rPr lang="en-US" sz="2800" b="1" dirty="0"/>
-              <a:t>to </a:t>
-            </a:r>
-            <a:r>
-              <a:rPr lang="en-US" sz="2800" b="1" i="1" dirty="0" err="1"/>
-              <a:t>msoledbsql</a:t>
-            </a:r>
-            <a:endParaRPr lang="en-US" sz="3200" b="1" dirty="0"/>
-          </a:p>
-          <a:p>
-            <a:r>
-              <a:rPr lang="en-US" sz="3200" dirty="0"/>
-              <a:t>There is also a relatively new ODBC Driver 17 for SQL Server provider being actively updated.</a:t>
-            </a:r>
-          </a:p>
-          <a:p>
-            <a:r>
-              <a:rPr lang="en-US" sz="3200" dirty="0"/>
-              <a:t>Both replace the OLEDB/ODBC functionality of the SQL Native Client (SNAC), no longer maintained.</a:t>
-            </a:r>
-          </a:p>
-          <a:p>
-            <a:r>
-              <a:rPr lang="en-US" sz="3200" dirty="0"/>
-              <a:t>Either the new OLEDB or ODBC can be used to connect to Azure SQL DB, Azure SQL DW.</a:t>
+              <a:t>and </a:t>
+            </a:r>
+            <a:r>
+              <a:rPr lang="en-US" sz="3200" b="1" dirty="0"/>
+              <a:t>SQL Server.</a:t>
+            </a:r>
+          </a:p>
+          <a:p>
+            <a:pPr marL="0" indent="0">
+              <a:buNone/>
+            </a:pPr>
+            <a:endParaRPr lang="en-US" dirty="0"/>
+          </a:p>
+          <a:p>
+            <a:pPr marL="0" indent="0">
+              <a:buNone/>
+            </a:pPr>
+            <a:r>
+              <a:rPr lang="en-US" dirty="0"/>
+              <a:t>In this presentation when we’re talking about permissions, stored procs, views, functions, it’s the same for either platform.</a:t>
             </a:r>
           </a:p>
         </p:txBody>
@@ -17638,6 +17496,299 @@
                 <a:ea typeface="+mj-ea"/>
                 <a:cs typeface="+mj-cs"/>
               </a:rPr>
+              <a:t>Azure SQL DB </a:t>
+            </a:r>
+          </a:p>
+        </p:txBody>
+      </p:sp>
+    </p:spTree>
+    <p:extLst>
+      <p:ext uri="{BB962C8B-B14F-4D97-AF65-F5344CB8AC3E}">
+        <p14:creationId xmlns:p14="http://schemas.microsoft.com/office/powerpoint/2010/main" val="323848165"/>
+      </p:ext>
+    </p:extLst>
+  </p:cSld>
+  <p:clrMapOvr>
+    <a:masterClrMapping/>
+  </p:clrMapOvr>
+</p:sld>
+</file>
+
+<file path=ppt/slides/slide32.xml><?xml version="1.0" encoding="utf-8"?>
+<p:sld xmlns:a="http://schemas.openxmlformats.org/drawingml/2006/main" xmlns:r="http://schemas.openxmlformats.org/officeDocument/2006/relationships" xmlns:p="http://schemas.openxmlformats.org/presentationml/2006/main">
+  <p:cSld>
+    <p:spTree>
+      <p:nvGrpSpPr>
+        <p:cNvPr id="1" name=""/>
+        <p:cNvGrpSpPr/>
+        <p:nvPr/>
+      </p:nvGrpSpPr>
+      <p:grpSpPr>
+        <a:xfrm>
+          <a:off x="0" y="0"/>
+          <a:ext cx="0" cy="0"/>
+          <a:chOff x="0" y="0"/>
+          <a:chExt cx="0" cy="0"/>
+        </a:xfrm>
+      </p:grpSpPr>
+      <p:sp>
+        <p:nvSpPr>
+          <p:cNvPr id="2" name="Content Placeholder 1"/>
+          <p:cNvSpPr>
+            <a:spLocks noGrp="1"/>
+          </p:cNvSpPr>
+          <p:nvPr>
+            <p:ph idx="4294967295"/>
+          </p:nvPr>
+        </p:nvSpPr>
+        <p:spPr>
+          <a:xfrm>
+            <a:off x="1295400" y="1066801"/>
+            <a:ext cx="9448800" cy="5181599"/>
+          </a:xfrm>
+        </p:spPr>
+        <p:txBody>
+          <a:bodyPr>
+            <a:normAutofit fontScale="92500"/>
+          </a:bodyPr>
+          <a:lstStyle/>
+          <a:p>
+            <a:r>
+              <a:rPr lang="en-US" sz="3200" dirty="0"/>
+              <a:t>OLEDB has been </a:t>
+            </a:r>
+            <a:r>
+              <a:rPr lang="en-US" sz="3200" b="1" dirty="0"/>
+              <a:t>un-deprecated </a:t>
+            </a:r>
+            <a:r>
+              <a:rPr lang="en-US" sz="3200" dirty="0"/>
+              <a:t>via the new MSOLEDBSQL provider released in 2018.</a:t>
+            </a:r>
+          </a:p>
+          <a:p>
+            <a:pPr lvl="1"/>
+            <a:r>
+              <a:rPr lang="en-US" sz="2800" dirty="0"/>
+              <a:t>Convert your OLEDB connection strings from </a:t>
+            </a:r>
+            <a:r>
+              <a:rPr lang="en-US" sz="2800" i="1" dirty="0"/>
+              <a:t>sqlncli11</a:t>
+            </a:r>
+            <a:r>
+              <a:rPr lang="en-US" sz="2800" dirty="0"/>
+              <a:t> or </a:t>
+            </a:r>
+            <a:r>
+              <a:rPr lang="en-US" sz="2800" i="1" dirty="0" err="1"/>
+              <a:t>sqloledb</a:t>
+            </a:r>
+            <a:r>
+              <a:rPr lang="en-US" sz="2800" dirty="0"/>
+              <a:t>, </a:t>
+            </a:r>
+            <a:r>
+              <a:rPr lang="en-US" sz="2800" b="1" dirty="0"/>
+              <a:t>to </a:t>
+            </a:r>
+            <a:r>
+              <a:rPr lang="en-US" sz="2800" b="1" i="1" dirty="0" err="1"/>
+              <a:t>msoledbsql</a:t>
+            </a:r>
+            <a:endParaRPr lang="en-US" sz="3200" b="1" dirty="0"/>
+          </a:p>
+          <a:p>
+            <a:r>
+              <a:rPr lang="en-US" sz="3200" dirty="0"/>
+              <a:t>There is also a relatively new ODBC Driver 17 for SQL Server provider being actively updated.</a:t>
+            </a:r>
+          </a:p>
+          <a:p>
+            <a:r>
+              <a:rPr lang="en-US" sz="3200" dirty="0"/>
+              <a:t>Both replace the OLEDB/ODBC functionality of the SQL Native Client (SNAC), no longer maintained.</a:t>
+            </a:r>
+          </a:p>
+          <a:p>
+            <a:r>
+              <a:rPr lang="en-US" sz="3200" dirty="0"/>
+              <a:t>Either the new OLEDB or ODBC can be used to connect to Azure SQL DB, Azure SQL DW.</a:t>
+            </a:r>
+          </a:p>
+        </p:txBody>
+      </p:sp>
+      <p:sp>
+        <p:nvSpPr>
+          <p:cNvPr id="8" name="Text Placeholder 2"/>
+          <p:cNvSpPr txBox="1">
+            <a:spLocks/>
+          </p:cNvSpPr>
+          <p:nvPr/>
+        </p:nvSpPr>
+        <p:spPr>
+          <a:xfrm>
+            <a:off x="0" y="0"/>
+            <a:ext cx="12192000" cy="762000"/>
+          </a:xfrm>
+          <a:prstGeom prst="rect">
+            <a:avLst/>
+          </a:prstGeom>
+        </p:spPr>
+        <p:txBody>
+          <a:bodyPr vert="horz" lIns="91440" tIns="45720" rIns="91440" bIns="45720" rtlCol="0">
+            <a:normAutofit/>
+          </a:bodyPr>
+          <a:lstStyle>
+            <a:lvl1pPr marL="342900" indent="-342900" algn="l" defTabSz="457200" rtl="0" eaLnBrk="1" latinLnBrk="0" hangingPunct="1">
+              <a:spcBef>
+                <a:spcPct val="20000"/>
+              </a:spcBef>
+              <a:buFont typeface="Wingdings" charset="2"/>
+              <a:buChar char="§"/>
+              <a:defRPr sz="3000" kern="1200">
+                <a:solidFill>
+                  <a:schemeClr val="tx2"/>
+                </a:solidFill>
+                <a:latin typeface="+mn-lt"/>
+                <a:ea typeface="+mn-ea"/>
+                <a:cs typeface="+mn-cs"/>
+              </a:defRPr>
+            </a:lvl1pPr>
+            <a:lvl2pPr marL="742950" indent="-285750" algn="l" defTabSz="457200" rtl="0" eaLnBrk="1" latinLnBrk="0" hangingPunct="1">
+              <a:spcBef>
+                <a:spcPct val="20000"/>
+              </a:spcBef>
+              <a:buFont typeface="Wingdings" charset="2"/>
+              <a:buChar char="§"/>
+              <a:defRPr sz="2600" kern="1200">
+                <a:solidFill>
+                  <a:schemeClr val="tx2"/>
+                </a:solidFill>
+                <a:latin typeface="+mn-lt"/>
+                <a:ea typeface="+mn-ea"/>
+                <a:cs typeface="+mn-cs"/>
+              </a:defRPr>
+            </a:lvl2pPr>
+            <a:lvl3pPr marL="1143000" indent="-228600" algn="l" defTabSz="457200" rtl="0" eaLnBrk="1" latinLnBrk="0" hangingPunct="1">
+              <a:spcBef>
+                <a:spcPct val="20000"/>
+              </a:spcBef>
+              <a:buFont typeface="Wingdings" charset="2"/>
+              <a:buChar char="§"/>
+              <a:defRPr sz="2200" kern="1200">
+                <a:solidFill>
+                  <a:schemeClr val="tx2"/>
+                </a:solidFill>
+                <a:latin typeface="+mn-lt"/>
+                <a:ea typeface="+mn-ea"/>
+                <a:cs typeface="+mn-cs"/>
+              </a:defRPr>
+            </a:lvl3pPr>
+            <a:lvl4pPr marL="1600200" indent="-228600" algn="l" defTabSz="457200" rtl="0" eaLnBrk="1" latinLnBrk="0" hangingPunct="1">
+              <a:spcBef>
+                <a:spcPct val="20000"/>
+              </a:spcBef>
+              <a:buFont typeface="Wingdings" charset="2"/>
+              <a:buChar char="§"/>
+              <a:defRPr sz="2000" kern="1200">
+                <a:solidFill>
+                  <a:schemeClr val="tx2"/>
+                </a:solidFill>
+                <a:latin typeface="+mn-lt"/>
+                <a:ea typeface="+mn-ea"/>
+                <a:cs typeface="+mn-cs"/>
+              </a:defRPr>
+            </a:lvl4pPr>
+            <a:lvl5pPr marL="2057400" indent="-228600" algn="l" defTabSz="457200" rtl="0" eaLnBrk="1" latinLnBrk="0" hangingPunct="1">
+              <a:spcBef>
+                <a:spcPct val="20000"/>
+              </a:spcBef>
+              <a:buFont typeface="Wingdings" charset="2"/>
+              <a:buChar char="§"/>
+              <a:defRPr sz="1800" kern="1200">
+                <a:solidFill>
+                  <a:schemeClr val="tx2"/>
+                </a:solidFill>
+                <a:latin typeface="+mn-lt"/>
+                <a:ea typeface="+mn-ea"/>
+                <a:cs typeface="+mn-cs"/>
+              </a:defRPr>
+            </a:lvl5pPr>
+            <a:lvl6pPr marL="2514600" indent="-228600" algn="l" defTabSz="457200" rtl="0" eaLnBrk="1" latinLnBrk="0" hangingPunct="1">
+              <a:spcBef>
+                <a:spcPct val="20000"/>
+              </a:spcBef>
+              <a:buFont typeface="Arial"/>
+              <a:buChar char="•"/>
+              <a:defRPr sz="2000" kern="1200">
+                <a:solidFill>
+                  <a:schemeClr val="tx1"/>
+                </a:solidFill>
+                <a:latin typeface="+mn-lt"/>
+                <a:ea typeface="+mn-ea"/>
+                <a:cs typeface="+mn-cs"/>
+              </a:defRPr>
+            </a:lvl6pPr>
+            <a:lvl7pPr marL="2971800" indent="-228600" algn="l" defTabSz="457200" rtl="0" eaLnBrk="1" latinLnBrk="0" hangingPunct="1">
+              <a:spcBef>
+                <a:spcPct val="20000"/>
+              </a:spcBef>
+              <a:buFont typeface="Arial"/>
+              <a:buChar char="•"/>
+              <a:defRPr sz="2000" kern="1200">
+                <a:solidFill>
+                  <a:schemeClr val="tx1"/>
+                </a:solidFill>
+                <a:latin typeface="+mn-lt"/>
+                <a:ea typeface="+mn-ea"/>
+                <a:cs typeface="+mn-cs"/>
+              </a:defRPr>
+            </a:lvl7pPr>
+            <a:lvl8pPr marL="3429000" indent="-228600" algn="l" defTabSz="457200" rtl="0" eaLnBrk="1" latinLnBrk="0" hangingPunct="1">
+              <a:spcBef>
+                <a:spcPct val="20000"/>
+              </a:spcBef>
+              <a:buFont typeface="Arial"/>
+              <a:buChar char="•"/>
+              <a:defRPr sz="2000" kern="1200">
+                <a:solidFill>
+                  <a:schemeClr val="tx1"/>
+                </a:solidFill>
+                <a:latin typeface="+mn-lt"/>
+                <a:ea typeface="+mn-ea"/>
+                <a:cs typeface="+mn-cs"/>
+              </a:defRPr>
+            </a:lvl8pPr>
+            <a:lvl9pPr marL="3886200" indent="-228600" algn="l" defTabSz="457200" rtl="0" eaLnBrk="1" latinLnBrk="0" hangingPunct="1">
+              <a:spcBef>
+                <a:spcPct val="20000"/>
+              </a:spcBef>
+              <a:buFont typeface="Arial"/>
+              <a:buChar char="•"/>
+              <a:defRPr sz="2000" kern="1200">
+                <a:solidFill>
+                  <a:schemeClr val="tx1"/>
+                </a:solidFill>
+                <a:latin typeface="+mn-lt"/>
+                <a:ea typeface="+mn-ea"/>
+                <a:cs typeface="+mn-cs"/>
+              </a:defRPr>
+            </a:lvl9pPr>
+          </a:lstStyle>
+          <a:p>
+            <a:pPr marL="0" indent="0" algn="ctr">
+              <a:buNone/>
+            </a:pPr>
+            <a:r>
+              <a:rPr lang="en-US" sz="4000" b="1" cap="all" dirty="0">
+                <a:solidFill>
+                  <a:srgbClr val="3D156F"/>
+                </a:solidFill>
+                <a:latin typeface="+mj-lt"/>
+                <a:ea typeface="+mj-ea"/>
+                <a:cs typeface="+mj-cs"/>
+              </a:rPr>
               <a:t>Connection providers</a:t>
             </a:r>
           </a:p>
@@ -17656,7 +17807,7 @@
 </p:sld>
 </file>
 
-<file path=ppt/slides/slide32.xml><?xml version="1.0" encoding="utf-8"?>
+<file path=ppt/slides/slide33.xml><?xml version="1.0" encoding="utf-8"?>
 <p:sld xmlns:a="http://schemas.openxmlformats.org/drawingml/2006/main" xmlns:r="http://schemas.openxmlformats.org/officeDocument/2006/relationships" xmlns:p="http://schemas.openxmlformats.org/presentationml/2006/main" showMasterSp="0">
   <p:cSld>
     <p:spTree>
@@ -18067,7 +18218,7 @@
 </p:sld>
 </file>
 
-<file path=ppt/slides/slide33.xml><?xml version="1.0" encoding="utf-8"?>
+<file path=ppt/slides/slide34.xml><?xml version="1.0" encoding="utf-8"?>
 <p:sld xmlns:a="http://schemas.openxmlformats.org/drawingml/2006/main" xmlns:r="http://schemas.openxmlformats.org/officeDocument/2006/relationships" xmlns:p="http://schemas.openxmlformats.org/presentationml/2006/main" showMasterSp="0">
   <p:cSld>
     <p:spTree>
@@ -18791,7 +18942,7 @@
 </p:sld>
 </file>
 
-<file path=ppt/slides/slide34.xml><?xml version="1.0" encoding="utf-8"?>
+<file path=ppt/slides/slide35.xml><?xml version="1.0" encoding="utf-8"?>
 <p:sld xmlns:a="http://schemas.openxmlformats.org/drawingml/2006/main" xmlns:r="http://schemas.openxmlformats.org/officeDocument/2006/relationships" xmlns:p="http://schemas.openxmlformats.org/presentationml/2006/main" showMasterSp="0">
   <p:cSld>
     <p:spTree>
@@ -19977,7 +20128,7 @@
 </p:sld>
 </file>
 
-<file path=ppt/slides/slide35.xml><?xml version="1.0" encoding="utf-8"?>
+<file path=ppt/slides/slide36.xml><?xml version="1.0" encoding="utf-8"?>
 <p:sld xmlns:a="http://schemas.openxmlformats.org/drawingml/2006/main" xmlns:r="http://schemas.openxmlformats.org/officeDocument/2006/relationships" xmlns:p="http://schemas.openxmlformats.org/presentationml/2006/main">
   <p:cSld>
     <p:spTree>
@@ -20440,7 +20591,7 @@
 </p:sld>
 </file>
 
-<file path=ppt/slides/slide36.xml><?xml version="1.0" encoding="utf-8"?>
+<file path=ppt/slides/slide37.xml><?xml version="1.0" encoding="utf-8"?>
 <p:sld xmlns:a="http://schemas.openxmlformats.org/drawingml/2006/main" xmlns:r="http://schemas.openxmlformats.org/officeDocument/2006/relationships" xmlns:p="http://schemas.openxmlformats.org/presentationml/2006/main">
   <p:cSld>
     <p:spTree>
@@ -20527,7 +20678,7 @@
 </p:sld>
 </file>
 
-<file path=ppt/slides/slide37.xml><?xml version="1.0" encoding="utf-8"?>
+<file path=ppt/slides/slide38.xml><?xml version="1.0" encoding="utf-8"?>
 <p:sld xmlns:a="http://schemas.openxmlformats.org/drawingml/2006/main" xmlns:r="http://schemas.openxmlformats.org/officeDocument/2006/relationships" xmlns:p="http://schemas.openxmlformats.org/presentationml/2006/main">
   <p:cSld>
     <p:spTree>
@@ -20586,7 +20737,7 @@
 </p:sld>
 </file>
 
-<file path=ppt/slides/slide38.xml><?xml version="1.0" encoding="utf-8"?>
+<file path=ppt/slides/slide39.xml><?xml version="1.0" encoding="utf-8"?>
 <p:sld xmlns:a="http://schemas.openxmlformats.org/drawingml/2006/main" xmlns:r="http://schemas.openxmlformats.org/officeDocument/2006/relationships" xmlns:p="http://schemas.openxmlformats.org/presentationml/2006/main">
   <p:cSld>
     <p:spTree>
@@ -20874,282 +21025,6 @@
     <p:extLst>
       <p:ext uri="{BB962C8B-B14F-4D97-AF65-F5344CB8AC3E}">
         <p14:creationId xmlns:p14="http://schemas.microsoft.com/office/powerpoint/2010/main" val="2711520653"/>
-      </p:ext>
-    </p:extLst>
-  </p:cSld>
-  <p:clrMapOvr>
-    <a:masterClrMapping/>
-  </p:clrMapOvr>
-</p:sld>
-</file>
-
-<file path=ppt/slides/slide39.xml><?xml version="1.0" encoding="utf-8"?>
-<p:sld xmlns:a="http://schemas.openxmlformats.org/drawingml/2006/main" xmlns:r="http://schemas.openxmlformats.org/officeDocument/2006/relationships" xmlns:p="http://schemas.openxmlformats.org/presentationml/2006/main">
-  <p:cSld>
-    <p:spTree>
-      <p:nvGrpSpPr>
-        <p:cNvPr id="1" name=""/>
-        <p:cNvGrpSpPr/>
-        <p:nvPr/>
-      </p:nvGrpSpPr>
-      <p:grpSpPr>
-        <a:xfrm>
-          <a:off x="0" y="0"/>
-          <a:ext cx="0" cy="0"/>
-          <a:chOff x="0" y="0"/>
-          <a:chExt cx="0" cy="0"/>
-        </a:xfrm>
-      </p:grpSpPr>
-      <p:sp>
-        <p:nvSpPr>
-          <p:cNvPr id="2" name="Content Placeholder 1"/>
-          <p:cNvSpPr>
-            <a:spLocks noGrp="1"/>
-          </p:cNvSpPr>
-          <p:nvPr>
-            <p:ph idx="4294967295"/>
-          </p:nvPr>
-        </p:nvSpPr>
-        <p:spPr>
-          <a:xfrm>
-            <a:off x="838200" y="914400"/>
-            <a:ext cx="10210800" cy="5715000"/>
-          </a:xfrm>
-        </p:spPr>
-        <p:txBody>
-          <a:bodyPr>
-            <a:normAutofit fontScale="92500"/>
-          </a:bodyPr>
-          <a:lstStyle/>
-          <a:p>
-            <a:r>
-              <a:rPr lang="en-US" sz="4000" dirty="0"/>
-              <a:t>As a DBA, what can you do to prevent SQL Injection?</a:t>
-            </a:r>
-          </a:p>
-          <a:p>
-            <a:pPr lvl="1"/>
-            <a:r>
-              <a:rPr lang="en-US" sz="3200" dirty="0"/>
-              <a:t>Design tables with appropriate data types and lengths</a:t>
-            </a:r>
-          </a:p>
-          <a:p>
-            <a:pPr lvl="1"/>
-            <a:r>
-              <a:rPr lang="en-US" sz="3200" dirty="0"/>
-              <a:t>Insist on stored procedures for public-facing operations like searches. Be aware of what is public-facing.</a:t>
-            </a:r>
-          </a:p>
-          <a:p>
-            <a:pPr lvl="1"/>
-            <a:r>
-              <a:rPr lang="en-US" sz="3200" dirty="0"/>
-              <a:t>Insist on stored procedures for Entity Framework or ORM-style operations involving 2+ entities (this is also a good performance idea)</a:t>
-            </a:r>
-          </a:p>
-          <a:p>
-            <a:pPr lvl="1"/>
-            <a:r>
-              <a:rPr lang="en-US" sz="3200" dirty="0"/>
-              <a:t>For user-interactive service accounts, avoid database-wide permissions such as the database roles like </a:t>
-            </a:r>
-            <a:r>
-              <a:rPr lang="en-US" sz="3200" dirty="0" err="1"/>
-              <a:t>db_datareader</a:t>
-            </a:r>
-            <a:r>
-              <a:rPr lang="en-US" sz="3200" dirty="0"/>
-              <a:t> and </a:t>
-            </a:r>
-            <a:r>
-              <a:rPr lang="en-US" sz="3200" dirty="0" err="1"/>
-              <a:t>db_datawriter</a:t>
-            </a:r>
-            <a:endParaRPr lang="en-US" sz="3200" dirty="0"/>
-          </a:p>
-        </p:txBody>
-      </p:sp>
-      <p:sp>
-        <p:nvSpPr>
-          <p:cNvPr id="8" name="Text Placeholder 2"/>
-          <p:cNvSpPr txBox="1">
-            <a:spLocks/>
-          </p:cNvSpPr>
-          <p:nvPr/>
-        </p:nvSpPr>
-        <p:spPr>
-          <a:xfrm>
-            <a:off x="0" y="0"/>
-            <a:ext cx="12192000" cy="762000"/>
-          </a:xfrm>
-          <a:prstGeom prst="rect">
-            <a:avLst/>
-          </a:prstGeom>
-        </p:spPr>
-        <p:txBody>
-          <a:bodyPr vert="horz" lIns="91440" tIns="45720" rIns="91440" bIns="45720" rtlCol="0">
-            <a:normAutofit/>
-          </a:bodyPr>
-          <a:lstStyle>
-            <a:lvl1pPr marL="342900" indent="-342900" algn="l" defTabSz="457200" rtl="0" eaLnBrk="1" latinLnBrk="0" hangingPunct="1">
-              <a:spcBef>
-                <a:spcPct val="20000"/>
-              </a:spcBef>
-              <a:buFont typeface="Wingdings" charset="2"/>
-              <a:buChar char="§"/>
-              <a:defRPr sz="3000" kern="1200">
-                <a:solidFill>
-                  <a:schemeClr val="tx2"/>
-                </a:solidFill>
-                <a:latin typeface="+mn-lt"/>
-                <a:ea typeface="+mn-ea"/>
-                <a:cs typeface="+mn-cs"/>
-              </a:defRPr>
-            </a:lvl1pPr>
-            <a:lvl2pPr marL="742950" indent="-285750" algn="l" defTabSz="457200" rtl="0" eaLnBrk="1" latinLnBrk="0" hangingPunct="1">
-              <a:spcBef>
-                <a:spcPct val="20000"/>
-              </a:spcBef>
-              <a:buFont typeface="Wingdings" charset="2"/>
-              <a:buChar char="§"/>
-              <a:defRPr sz="2600" kern="1200">
-                <a:solidFill>
-                  <a:schemeClr val="tx2"/>
-                </a:solidFill>
-                <a:latin typeface="+mn-lt"/>
-                <a:ea typeface="+mn-ea"/>
-                <a:cs typeface="+mn-cs"/>
-              </a:defRPr>
-            </a:lvl2pPr>
-            <a:lvl3pPr marL="1143000" indent="-228600" algn="l" defTabSz="457200" rtl="0" eaLnBrk="1" latinLnBrk="0" hangingPunct="1">
-              <a:spcBef>
-                <a:spcPct val="20000"/>
-              </a:spcBef>
-              <a:buFont typeface="Wingdings" charset="2"/>
-              <a:buChar char="§"/>
-              <a:defRPr sz="2200" kern="1200">
-                <a:solidFill>
-                  <a:schemeClr val="tx2"/>
-                </a:solidFill>
-                <a:latin typeface="+mn-lt"/>
-                <a:ea typeface="+mn-ea"/>
-                <a:cs typeface="+mn-cs"/>
-              </a:defRPr>
-            </a:lvl3pPr>
-            <a:lvl4pPr marL="1600200" indent="-228600" algn="l" defTabSz="457200" rtl="0" eaLnBrk="1" latinLnBrk="0" hangingPunct="1">
-              <a:spcBef>
-                <a:spcPct val="20000"/>
-              </a:spcBef>
-              <a:buFont typeface="Wingdings" charset="2"/>
-              <a:buChar char="§"/>
-              <a:defRPr sz="2000" kern="1200">
-                <a:solidFill>
-                  <a:schemeClr val="tx2"/>
-                </a:solidFill>
-                <a:latin typeface="+mn-lt"/>
-                <a:ea typeface="+mn-ea"/>
-                <a:cs typeface="+mn-cs"/>
-              </a:defRPr>
-            </a:lvl4pPr>
-            <a:lvl5pPr marL="2057400" indent="-228600" algn="l" defTabSz="457200" rtl="0" eaLnBrk="1" latinLnBrk="0" hangingPunct="1">
-              <a:spcBef>
-                <a:spcPct val="20000"/>
-              </a:spcBef>
-              <a:buFont typeface="Wingdings" charset="2"/>
-              <a:buChar char="§"/>
-              <a:defRPr sz="1800" kern="1200">
-                <a:solidFill>
-                  <a:schemeClr val="tx2"/>
-                </a:solidFill>
-                <a:latin typeface="+mn-lt"/>
-                <a:ea typeface="+mn-ea"/>
-                <a:cs typeface="+mn-cs"/>
-              </a:defRPr>
-            </a:lvl5pPr>
-            <a:lvl6pPr marL="2514600" indent="-228600" algn="l" defTabSz="457200" rtl="0" eaLnBrk="1" latinLnBrk="0" hangingPunct="1">
-              <a:spcBef>
-                <a:spcPct val="20000"/>
-              </a:spcBef>
-              <a:buFont typeface="Arial"/>
-              <a:buChar char="•"/>
-              <a:defRPr sz="2000" kern="1200">
-                <a:solidFill>
-                  <a:schemeClr val="tx1"/>
-                </a:solidFill>
-                <a:latin typeface="+mn-lt"/>
-                <a:ea typeface="+mn-ea"/>
-                <a:cs typeface="+mn-cs"/>
-              </a:defRPr>
-            </a:lvl6pPr>
-            <a:lvl7pPr marL="2971800" indent="-228600" algn="l" defTabSz="457200" rtl="0" eaLnBrk="1" latinLnBrk="0" hangingPunct="1">
-              <a:spcBef>
-                <a:spcPct val="20000"/>
-              </a:spcBef>
-              <a:buFont typeface="Arial"/>
-              <a:buChar char="•"/>
-              <a:defRPr sz="2000" kern="1200">
-                <a:solidFill>
-                  <a:schemeClr val="tx1"/>
-                </a:solidFill>
-                <a:latin typeface="+mn-lt"/>
-                <a:ea typeface="+mn-ea"/>
-                <a:cs typeface="+mn-cs"/>
-              </a:defRPr>
-            </a:lvl7pPr>
-            <a:lvl8pPr marL="3429000" indent="-228600" algn="l" defTabSz="457200" rtl="0" eaLnBrk="1" latinLnBrk="0" hangingPunct="1">
-              <a:spcBef>
-                <a:spcPct val="20000"/>
-              </a:spcBef>
-              <a:buFont typeface="Arial"/>
-              <a:buChar char="•"/>
-              <a:defRPr sz="2000" kern="1200">
-                <a:solidFill>
-                  <a:schemeClr val="tx1"/>
-                </a:solidFill>
-                <a:latin typeface="+mn-lt"/>
-                <a:ea typeface="+mn-ea"/>
-                <a:cs typeface="+mn-cs"/>
-              </a:defRPr>
-            </a:lvl8pPr>
-            <a:lvl9pPr marL="3886200" indent="-228600" algn="l" defTabSz="457200" rtl="0" eaLnBrk="1" latinLnBrk="0" hangingPunct="1">
-              <a:spcBef>
-                <a:spcPct val="20000"/>
-              </a:spcBef>
-              <a:buFont typeface="Arial"/>
-              <a:buChar char="•"/>
-              <a:defRPr sz="2000" kern="1200">
-                <a:solidFill>
-                  <a:schemeClr val="tx1"/>
-                </a:solidFill>
-                <a:latin typeface="+mn-lt"/>
-                <a:ea typeface="+mn-ea"/>
-                <a:cs typeface="+mn-cs"/>
-              </a:defRPr>
-            </a:lvl9pPr>
-          </a:lstStyle>
-          <a:p>
-            <a:pPr marL="0" indent="0" algn="ctr">
-              <a:buNone/>
-            </a:pPr>
-            <a:r>
-              <a:rPr lang="en-US" sz="4000" b="1" cap="all" dirty="0">
-                <a:solidFill>
-                  <a:srgbClr val="3D156F"/>
-                </a:solidFill>
-                <a:latin typeface="+mj-lt"/>
-                <a:ea typeface="+mj-ea"/>
-                <a:cs typeface="+mj-cs"/>
-              </a:rPr>
-              <a:t>SQL Injection</a:t>
-            </a:r>
-          </a:p>
-        </p:txBody>
-      </p:sp>
-    </p:spTree>
-    <p:extLst>
-      <p:ext uri="{BB962C8B-B14F-4D97-AF65-F5344CB8AC3E}">
-        <p14:creationId xmlns:p14="http://schemas.microsoft.com/office/powerpoint/2010/main" val="3553502555"/>
       </p:ext>
     </p:extLst>
   </p:cSld>
@@ -21899,7 +21774,7 @@
         </p:spPr>
         <p:txBody>
           <a:bodyPr>
-            <a:normAutofit/>
+            <a:normAutofit fontScale="92500"/>
           </a:bodyPr>
           <a:lstStyle/>
           <a:p>
@@ -21912,29 +21787,42 @@
             <a:pPr lvl="1"/>
             <a:r>
               <a:rPr lang="en-US" sz="3200" dirty="0"/>
-              <a:t>Train developers on basic patterns of stored procedure parameter sanitizing</a:t>
+              <a:t>Design tables with appropriate data types and lengths</a:t>
             </a:r>
           </a:p>
           <a:p>
             <a:pPr lvl="1"/>
             <a:r>
               <a:rPr lang="en-US" sz="3200" dirty="0"/>
-              <a:t>Provide links, attention, and visibility to PM’s and Dev’s for SQL Injection awareness</a:t>
+              <a:t>Insist on stored procedures for public-facing operations like searches. Be aware of what is public-facing.</a:t>
             </a:r>
           </a:p>
           <a:p>
             <a:pPr lvl="1"/>
             <a:r>
               <a:rPr lang="en-US" sz="3200" dirty="0"/>
-              <a:t>Lobby for penetration testing and SQL Injection detection tasks in sprints</a:t>
+              <a:t>Insist on stored procedures for Entity Framework or ORM-style operations involving 2+ entities (this is also a good performance idea)</a:t>
             </a:r>
           </a:p>
           <a:p>
             <a:pPr lvl="1"/>
             <a:r>
               <a:rPr lang="en-US" sz="3200" dirty="0"/>
-              <a:t>If using Azure SQL DB, enable Azure Thread Detection!</a:t>
-            </a:r>
+              <a:t>For user-interactive service accounts, avoid database-wide permissions such as the database roles like </a:t>
+            </a:r>
+            <a:r>
+              <a:rPr lang="en-US" sz="3200" dirty="0" err="1"/>
+              <a:t>db_datareader</a:t>
+            </a:r>
+            <a:r>
+              <a:rPr lang="en-US" sz="3200" dirty="0"/>
+              <a:t> and </a:t>
+            </a:r>
+            <a:r>
+              <a:rPr lang="en-US" sz="3200" dirty="0" err="1"/>
+              <a:t>db_datawriter</a:t>
+            </a:r>
+            <a:endParaRPr lang="en-US" sz="3200" dirty="0"/>
           </a:p>
         </p:txBody>
       </p:sp>
@@ -22117,7 +22005,7 @@
     </p:spTree>
     <p:extLst>
       <p:ext uri="{BB962C8B-B14F-4D97-AF65-F5344CB8AC3E}">
-        <p14:creationId xmlns:p14="http://schemas.microsoft.com/office/powerpoint/2010/main" val="929050420"/>
+        <p14:creationId xmlns:p14="http://schemas.microsoft.com/office/powerpoint/2010/main" val="3553502555"/>
       </p:ext>
     </p:extLst>
   </p:cSld>
@@ -22156,8 +22044,8 @@
         </p:nvSpPr>
         <p:spPr>
           <a:xfrm>
-            <a:off x="1981200" y="914401"/>
-            <a:ext cx="8229600" cy="5191125"/>
+            <a:off x="838200" y="914400"/>
+            <a:ext cx="10210800" cy="5715000"/>
           </a:xfrm>
         </p:spPr>
         <p:txBody>
@@ -22166,43 +22054,37 @@
           </a:bodyPr>
           <a:lstStyle/>
           <a:p>
-            <a:pPr marL="0" indent="0">
-              <a:buNone/>
-            </a:pPr>
-            <a:r>
-              <a:rPr lang="en-US" b="1" dirty="0"/>
-              <a:t>Azure SQL Database Threat Detection </a:t>
-            </a:r>
-            <a:r>
-              <a:rPr lang="en-US" dirty="0"/>
-              <a:t>is a security intelligence feature </a:t>
-            </a:r>
-            <a:r>
-              <a:rPr lang="en-US" b="1" dirty="0"/>
-              <a:t>built into </a:t>
-            </a:r>
-            <a:r>
-              <a:rPr lang="en-US" dirty="0"/>
-              <a:t>the Azure SQL Database, activated with a button click. </a:t>
-            </a:r>
-          </a:p>
-          <a:p>
-            <a:pPr marL="0" indent="0">
-              <a:buNone/>
-            </a:pPr>
-            <a:endParaRPr lang="en-US" dirty="0"/>
-          </a:p>
-          <a:p>
-            <a:pPr marL="0" indent="0">
-              <a:buNone/>
-            </a:pPr>
-            <a:r>
-              <a:rPr lang="en-US" b="1" dirty="0"/>
-              <a:t>Detects </a:t>
-            </a:r>
-            <a:r>
-              <a:rPr lang="en-US" dirty="0"/>
-              <a:t>potential vulnerabilities such as Potential SQL Injection attacks, brute force attacks, anomalous login patterns, and more, and then emails you with the details.</a:t>
+            <a:r>
+              <a:rPr lang="en-US" sz="4000" dirty="0"/>
+              <a:t>As a DBA, what can you do to prevent SQL Injection?</a:t>
+            </a:r>
+          </a:p>
+          <a:p>
+            <a:pPr lvl="1"/>
+            <a:r>
+              <a:rPr lang="en-US" sz="3200" dirty="0"/>
+              <a:t>Train developers on basic patterns of stored procedure parameter sanitizing</a:t>
+            </a:r>
+          </a:p>
+          <a:p>
+            <a:pPr lvl="1"/>
+            <a:r>
+              <a:rPr lang="en-US" sz="3200" dirty="0"/>
+              <a:t>Provide links, attention, and visibility to PM’s and Dev’s for SQL Injection awareness</a:t>
+            </a:r>
+          </a:p>
+          <a:p>
+            <a:pPr lvl="1"/>
+            <a:r>
+              <a:rPr lang="en-US" sz="3200" dirty="0"/>
+              <a:t>Lobby for penetration testing and SQL Injection detection tasks in sprints</a:t>
+            </a:r>
+          </a:p>
+          <a:p>
+            <a:pPr lvl="1"/>
+            <a:r>
+              <a:rPr lang="en-US" sz="3200" dirty="0"/>
+              <a:t>If using Azure SQL DB, enable Azure Thread Detection!</a:t>
             </a:r>
           </a:p>
         </p:txBody>
@@ -22217,7 +22099,7 @@
         </p:nvSpPr>
         <p:spPr>
           <a:xfrm>
-            <a:off x="0" y="-9526"/>
+            <a:off x="0" y="0"/>
             <a:ext cx="12192000" cy="762000"/>
           </a:xfrm>
           <a:prstGeom prst="rect">
@@ -22378,7 +22260,7 @@
                 <a:ea typeface="+mj-ea"/>
                 <a:cs typeface="+mj-cs"/>
               </a:rPr>
-              <a:t>Aside on AZURE threat detection</a:t>
+              <a:t>SQL Injection</a:t>
             </a:r>
           </a:p>
         </p:txBody>
@@ -22386,7 +22268,7 @@
     </p:spTree>
     <p:extLst>
       <p:ext uri="{BB962C8B-B14F-4D97-AF65-F5344CB8AC3E}">
-        <p14:creationId xmlns:p14="http://schemas.microsoft.com/office/powerpoint/2010/main" val="1110406331"/>
+        <p14:creationId xmlns:p14="http://schemas.microsoft.com/office/powerpoint/2010/main" val="929050420"/>
       </p:ext>
     </p:extLst>
   </p:cSld>
@@ -22397,7 +22279,7 @@
 </file>
 
 <file path=ppt/slides/slide42.xml><?xml version="1.0" encoding="utf-8"?>
-<p:sld xmlns:a="http://schemas.openxmlformats.org/drawingml/2006/main" xmlns:r="http://schemas.openxmlformats.org/officeDocument/2006/relationships" xmlns:p="http://schemas.openxmlformats.org/presentationml/2006/main" showMasterSp="0">
+<p:sld xmlns:a="http://schemas.openxmlformats.org/drawingml/2006/main" xmlns:r="http://schemas.openxmlformats.org/officeDocument/2006/relationships" xmlns:p="http://schemas.openxmlformats.org/presentationml/2006/main">
   <p:cSld>
     <p:spTree>
       <p:nvGrpSpPr>
@@ -22425,8 +22307,8 @@
         </p:nvSpPr>
         <p:spPr>
           <a:xfrm>
-            <a:off x="1676400" y="914400"/>
-            <a:ext cx="8915400" cy="5791200"/>
+            <a:off x="1981200" y="914401"/>
+            <a:ext cx="8229600" cy="5191125"/>
           </a:xfrm>
         </p:spPr>
         <p:txBody>
@@ -22435,95 +22317,44 @@
           </a:bodyPr>
           <a:lstStyle/>
           <a:p>
-            <a:r>
-              <a:rPr lang="en-US" sz="2800" dirty="0"/>
-              <a:t>Stored procedures require EXECUTE to run, and do not require all underlying object permissions (SELECT, INSERT, DELETE)…</a:t>
-            </a:r>
-            <a:br>
-              <a:rPr lang="en-US" sz="2800" dirty="0"/>
-            </a:br>
-            <a:endParaRPr lang="en-US" sz="2800" dirty="0"/>
-          </a:p>
-          <a:p>
-            <a:pPr lvl="1"/>
-            <a:r>
-              <a:rPr lang="en-US" sz="2400" dirty="0"/>
-              <a:t>…provided that the </a:t>
-            </a:r>
-            <a:r>
-              <a:rPr lang="en-US" sz="2400" dirty="0" err="1"/>
-              <a:t>sproc</a:t>
-            </a:r>
-            <a:r>
-              <a:rPr lang="en-US" sz="2400" dirty="0"/>
-              <a:t> doesn’t perform IDENTITY_INSERT on a table, which requires ALTER permissions not abstracted.</a:t>
-            </a:r>
-          </a:p>
-          <a:p>
-            <a:pPr lvl="1"/>
-            <a:r>
-              <a:rPr lang="en-US" sz="2400" dirty="0"/>
-              <a:t>…provided that all the underlying objects have the same ownership chain.  </a:t>
-            </a:r>
-          </a:p>
-          <a:p>
-            <a:pPr lvl="1"/>
-            <a:r>
-              <a:rPr lang="en-US" sz="2400" dirty="0"/>
-              <a:t>…provided that the stored procedures do not use dynamic </a:t>
-            </a:r>
-            <a:r>
-              <a:rPr lang="en-US" sz="2400" dirty="0" err="1"/>
-              <a:t>sql</a:t>
-            </a:r>
-            <a:r>
-              <a:rPr lang="en-US" sz="2400" dirty="0"/>
-              <a:t> commands </a:t>
-            </a:r>
-            <a:br>
-              <a:rPr lang="en-US" sz="2400" dirty="0"/>
-            </a:br>
-            <a:r>
-              <a:rPr lang="en-US" sz="2400" dirty="0"/>
-              <a:t>	</a:t>
-            </a:r>
-            <a:r>
-              <a:rPr lang="en-US" sz="2400" dirty="0">
-                <a:solidFill>
-                  <a:srgbClr val="7030A0"/>
-                </a:solidFill>
-              </a:rPr>
-              <a:t>exec </a:t>
-            </a:r>
-            <a:r>
-              <a:rPr lang="en-US" sz="2400" dirty="0" err="1">
-                <a:solidFill>
-                  <a:srgbClr val="7030A0"/>
-                </a:solidFill>
-              </a:rPr>
-              <a:t>sp_executesql</a:t>
-            </a:r>
-            <a:r>
-              <a:rPr lang="en-US" sz="2400" dirty="0">
-                <a:solidFill>
-                  <a:srgbClr val="7030A0"/>
-                </a:solidFill>
-              </a:rPr>
-              <a:t> @SQL</a:t>
-            </a:r>
-            <a:r>
-              <a:rPr lang="en-US" sz="2400" dirty="0"/>
-              <a:t> or </a:t>
-            </a:r>
-            <a:r>
-              <a:rPr lang="en-US" sz="2400" dirty="0">
-                <a:solidFill>
-                  <a:srgbClr val="7030A0"/>
-                </a:solidFill>
-              </a:rPr>
-              <a:t>EXEC(@SQL)</a:t>
-            </a:r>
-            <a:endParaRPr lang="en-US" sz="2400" dirty="0"/>
+            <a:pPr marL="0" indent="0">
+              <a:buNone/>
+            </a:pPr>
+            <a:r>
+              <a:rPr lang="en-US" b="1" dirty="0"/>
+              <a:t>Azure SQL Database Threat Detection </a:t>
+            </a:r>
+            <a:r>
+              <a:rPr lang="en-US" dirty="0"/>
+              <a:t>is a security intelligence feature </a:t>
+            </a:r>
+            <a:r>
+              <a:rPr lang="en-US" b="1" dirty="0"/>
+              <a:t>built into </a:t>
+            </a:r>
+            <a:r>
+              <a:rPr lang="en-US" dirty="0"/>
+              <a:t>the Azure SQL Database, activated with a button click. </a:t>
+            </a:r>
+          </a:p>
+          <a:p>
+            <a:pPr marL="0" indent="0">
+              <a:buNone/>
+            </a:pPr>
+            <a:endParaRPr lang="en-US" dirty="0"/>
+          </a:p>
+          <a:p>
+            <a:pPr marL="0" indent="0">
+              <a:buNone/>
+            </a:pPr>
+            <a:r>
+              <a:rPr lang="en-US" b="1" dirty="0"/>
+              <a:t>Detects </a:t>
+            </a:r>
+            <a:r>
+              <a:rPr lang="en-US" dirty="0"/>
+              <a:t>potential vulnerabilities such as Potential SQL Injection attacks, brute force attacks, anomalous login patterns, and more, and then emails you with the details.</a:t>
+            </a:r>
           </a:p>
         </p:txBody>
       </p:sp>
@@ -22537,7 +22368,7 @@
         </p:nvSpPr>
         <p:spPr>
           <a:xfrm>
-            <a:off x="0" y="0"/>
+            <a:off x="0" y="-9526"/>
             <a:ext cx="12192000" cy="762000"/>
           </a:xfrm>
           <a:prstGeom prst="rect">
@@ -22698,7 +22529,7 @@
                 <a:ea typeface="+mj-ea"/>
                 <a:cs typeface="+mj-cs"/>
               </a:rPr>
-              <a:t>Stored procedures</a:t>
+              <a:t>Aside on AZURE threat detection</a:t>
             </a:r>
           </a:p>
         </p:txBody>
@@ -22706,7 +22537,7 @@
     </p:spTree>
     <p:extLst>
       <p:ext uri="{BB962C8B-B14F-4D97-AF65-F5344CB8AC3E}">
-        <p14:creationId xmlns:p14="http://schemas.microsoft.com/office/powerpoint/2010/main" val="2636744677"/>
+        <p14:creationId xmlns:p14="http://schemas.microsoft.com/office/powerpoint/2010/main" val="1110406331"/>
       </p:ext>
     </p:extLst>
   </p:cSld>
@@ -22745,64 +22576,105 @@
         </p:nvSpPr>
         <p:spPr>
           <a:xfrm>
-            <a:off x="1524000" y="828676"/>
-            <a:ext cx="8229600" cy="5191125"/>
+            <a:off x="1676400" y="914400"/>
+            <a:ext cx="8915400" cy="5791200"/>
           </a:xfrm>
         </p:spPr>
         <p:txBody>
-          <a:bodyPr/>
+          <a:bodyPr>
+            <a:normAutofit/>
+          </a:bodyPr>
           <a:lstStyle/>
           <a:p>
-            <a:pPr marL="0" indent="0">
-              <a:buNone/>
-            </a:pPr>
-            <a:r>
-              <a:rPr lang="en-US" dirty="0"/>
-              <a:t>Given those conditions, thanks to the database permission chain, you can </a:t>
-            </a:r>
-          </a:p>
-          <a:p>
-            <a:r>
-              <a:rPr lang="en-US" dirty="0"/>
-              <a:t>GRANT EXEC rights to </a:t>
-            </a:r>
-            <a:r>
-              <a:rPr lang="en-US" dirty="0" err="1"/>
-              <a:t>sprocs</a:t>
-            </a:r>
-            <a:r>
-              <a:rPr lang="en-US" dirty="0"/>
-              <a:t> that INSERT UPDATE and SELECT from a table.</a:t>
-            </a:r>
-          </a:p>
-          <a:p>
-            <a:r>
-              <a:rPr lang="en-US" dirty="0"/>
-              <a:t>GRANT no other permissions to the table!</a:t>
-            </a:r>
-          </a:p>
-          <a:p>
-            <a:endParaRPr lang="en-US" dirty="0"/>
-          </a:p>
-          <a:p>
-            <a:pPr marL="0" indent="0">
-              <a:buNone/>
-            </a:pPr>
-            <a:r>
-              <a:rPr lang="en-US" dirty="0"/>
-              <a:t>The user can read data in the table using the </a:t>
-            </a:r>
-            <a:r>
-              <a:rPr lang="en-US" dirty="0" err="1"/>
+            <a:r>
+              <a:rPr lang="en-US" sz="2800" dirty="0"/>
+              <a:t>Stored procedures require EXECUTE to run, and do not require all underlying object permissions (SELECT, INSERT, DELETE)…</a:t>
+            </a:r>
+            <a:br>
+              <a:rPr lang="en-US" sz="2800" dirty="0"/>
+            </a:br>
+            <a:endParaRPr lang="en-US" sz="2800" dirty="0"/>
+          </a:p>
+          <a:p>
+            <a:pPr lvl="1"/>
+            <a:r>
+              <a:rPr lang="en-US" sz="2400" dirty="0"/>
+              <a:t>…provided that the </a:t>
+            </a:r>
+            <a:r>
+              <a:rPr lang="en-US" sz="2400" dirty="0" err="1"/>
               <a:t>sproc</a:t>
             </a:r>
             <a:r>
-              <a:rPr lang="en-US" dirty="0"/>
-              <a:t> ONLY.</a:t>
-            </a:r>
-          </a:p>
-          <a:p>
-            <a:endParaRPr lang="en-US" dirty="0"/>
+              <a:rPr lang="en-US" sz="2400" dirty="0"/>
+              <a:t> doesn’t perform IDENTITY_INSERT on a table, which requires ALTER permissions not abstracted.</a:t>
+            </a:r>
+          </a:p>
+          <a:p>
+            <a:pPr lvl="1"/>
+            <a:r>
+              <a:rPr lang="en-US" sz="2400" dirty="0"/>
+              <a:t>…provided that all the underlying objects have the same ownership chain.  </a:t>
+            </a:r>
+          </a:p>
+          <a:p>
+            <a:pPr lvl="1"/>
+            <a:r>
+              <a:rPr lang="en-US" sz="2400" dirty="0"/>
+              <a:t>…provided that the stored procedures do not use dynamic </a:t>
+            </a:r>
+            <a:r>
+              <a:rPr lang="en-US" sz="2400" dirty="0" err="1"/>
+              <a:t>sql</a:t>
+            </a:r>
+            <a:r>
+              <a:rPr lang="en-US" sz="2400" dirty="0"/>
+              <a:t> commands </a:t>
+            </a:r>
+            <a:br>
+              <a:rPr lang="en-US" sz="2400" dirty="0"/>
+            </a:br>
+            <a:r>
+              <a:rPr lang="en-US" sz="2400" dirty="0"/>
+              <a:t>	</a:t>
+            </a:r>
+            <a:r>
+              <a:rPr lang="en-US" sz="2400" dirty="0">
+                <a:solidFill>
+                  <a:srgbClr val="7030A0"/>
+                </a:solidFill>
+              </a:rPr>
+              <a:t>exec </a:t>
+            </a:r>
+            <a:r>
+              <a:rPr lang="en-US" sz="2400" dirty="0" err="1">
+                <a:solidFill>
+                  <a:srgbClr val="7030A0"/>
+                </a:solidFill>
+              </a:rPr>
+              <a:t>sp_executesql</a:t>
+            </a:r>
+            <a:r>
+              <a:rPr lang="en-US" sz="2400" dirty="0">
+                <a:solidFill>
+                  <a:srgbClr val="7030A0"/>
+                </a:solidFill>
+              </a:rPr>
+              <a:t> @SQL</a:t>
+            </a:r>
+            <a:r>
+              <a:rPr lang="en-US" sz="2400" dirty="0"/>
+              <a:t> or </a:t>
+            </a:r>
+            <a:r>
+              <a:rPr lang="en-US" sz="2400" dirty="0">
+                <a:solidFill>
+                  <a:srgbClr val="7030A0"/>
+                </a:solidFill>
+              </a:rPr>
+              <a:t>EXEC(@SQL)</a:t>
+            </a:r>
+            <a:endParaRPr lang="en-US" sz="2400" dirty="0"/>
           </a:p>
         </p:txBody>
       </p:sp>
@@ -22985,7 +22857,7 @@
     </p:spTree>
     <p:extLst>
       <p:ext uri="{BB962C8B-B14F-4D97-AF65-F5344CB8AC3E}">
-        <p14:creationId xmlns:p14="http://schemas.microsoft.com/office/powerpoint/2010/main" val="2860415332"/>
+        <p14:creationId xmlns:p14="http://schemas.microsoft.com/office/powerpoint/2010/main" val="2636744677"/>
       </p:ext>
     </p:extLst>
   </p:cSld>
@@ -23025,61 +22897,63 @@
         <p:spPr>
           <a:xfrm>
             <a:off x="1524000" y="828676"/>
-            <a:ext cx="8229600" cy="5648324"/>
+            <a:ext cx="8229600" cy="5191125"/>
           </a:xfrm>
         </p:spPr>
         <p:txBody>
-          <a:bodyPr>
-            <a:normAutofit/>
-          </a:bodyPr>
+          <a:bodyPr/>
           <a:lstStyle/>
           <a:p>
-            <a:r>
-              <a:rPr lang="en-US" sz="3200" dirty="0"/>
-              <a:t>Consider </a:t>
-            </a:r>
-            <a:r>
-              <a:rPr lang="en-US" sz="3200" dirty="0" err="1"/>
-              <a:t>DENYing</a:t>
-            </a:r>
-            <a:r>
-              <a:rPr lang="en-US" sz="3200" dirty="0"/>
-              <a:t> SELECT rights to the public role, which is inherited by all user roles aside from </a:t>
-            </a:r>
-            <a:r>
-              <a:rPr lang="en-US" sz="3200" dirty="0" err="1"/>
-              <a:t>db_owner</a:t>
-            </a:r>
-            <a:r>
-              <a:rPr lang="en-US" sz="3200" dirty="0"/>
-              <a:t> and </a:t>
-            </a:r>
-            <a:r>
-              <a:rPr lang="en-US" sz="3200" dirty="0" err="1"/>
-              <a:t>sysadmin</a:t>
-            </a:r>
-            <a:r>
-              <a:rPr lang="en-US" sz="3200" dirty="0"/>
-              <a:t>.</a:t>
-            </a:r>
-          </a:p>
-          <a:p>
-            <a:endParaRPr lang="en-US" sz="3200" dirty="0"/>
-          </a:p>
-          <a:p>
-            <a:r>
-              <a:rPr lang="en-US" sz="3200" dirty="0"/>
-              <a:t>Users will be prevented from accessing any tables or views directly, from any application (SSMS, Access, Excel!).  </a:t>
-            </a:r>
-          </a:p>
-          <a:p>
-            <a:endParaRPr lang="en-US" sz="3200" dirty="0"/>
-          </a:p>
-          <a:p>
-            <a:r>
-              <a:rPr lang="en-US" sz="3200" dirty="0"/>
-              <a:t>User access to data is forced through your stored procedures.</a:t>
-            </a:r>
+            <a:pPr marL="0" indent="0">
+              <a:buNone/>
+            </a:pPr>
+            <a:r>
+              <a:rPr lang="en-US" dirty="0"/>
+              <a:t>Given those conditions, thanks to the database permission chain, you can </a:t>
+            </a:r>
+          </a:p>
+          <a:p>
+            <a:r>
+              <a:rPr lang="en-US" dirty="0"/>
+              <a:t>GRANT EXEC rights to </a:t>
+            </a:r>
+            <a:r>
+              <a:rPr lang="en-US" dirty="0" err="1"/>
+              <a:t>sprocs</a:t>
+            </a:r>
+            <a:r>
+              <a:rPr lang="en-US" dirty="0"/>
+              <a:t> that INSERT UPDATE and SELECT from a table.</a:t>
+            </a:r>
+          </a:p>
+          <a:p>
+            <a:r>
+              <a:rPr lang="en-US" dirty="0"/>
+              <a:t>GRANT no other permissions to the table!</a:t>
+            </a:r>
+          </a:p>
+          <a:p>
+            <a:endParaRPr lang="en-US" dirty="0"/>
+          </a:p>
+          <a:p>
+            <a:pPr marL="0" indent="0">
+              <a:buNone/>
+            </a:pPr>
+            <a:r>
+              <a:rPr lang="en-US" dirty="0"/>
+              <a:t>The user can read data in the table using the </a:t>
+            </a:r>
+            <a:r>
+              <a:rPr lang="en-US" dirty="0" err="1"/>
+              <a:t>sproc</a:t>
+            </a:r>
+            <a:r>
+              <a:rPr lang="en-US" dirty="0"/>
+              <a:t> ONLY.</a:t>
+            </a:r>
+          </a:p>
+          <a:p>
+            <a:endParaRPr lang="en-US" dirty="0"/>
           </a:p>
         </p:txBody>
       </p:sp>
@@ -23262,7 +23136,7 @@
     </p:spTree>
     <p:extLst>
       <p:ext uri="{BB962C8B-B14F-4D97-AF65-F5344CB8AC3E}">
-        <p14:creationId xmlns:p14="http://schemas.microsoft.com/office/powerpoint/2010/main" val="532493895"/>
+        <p14:creationId xmlns:p14="http://schemas.microsoft.com/office/powerpoint/2010/main" val="2860415332"/>
       </p:ext>
     </p:extLst>
   </p:cSld>
@@ -23302,50 +23176,60 @@
         <p:spPr>
           <a:xfrm>
             <a:off x="1524000" y="828676"/>
-            <a:ext cx="8229600" cy="5191125"/>
+            <a:ext cx="8229600" cy="5648324"/>
           </a:xfrm>
         </p:spPr>
         <p:txBody>
           <a:bodyPr>
-            <a:noAutofit/>
+            <a:normAutofit/>
           </a:bodyPr>
           <a:lstStyle/>
           <a:p>
             <a:r>
-              <a:rPr lang="en-US" sz="2800" dirty="0"/>
-              <a:t>Similar to stored procedures, a VIEW will allow a user to SELECT data from tables that the user does not have access to.</a:t>
-            </a:r>
-          </a:p>
-          <a:p>
-            <a:r>
-              <a:rPr lang="en-US" sz="2800" dirty="0"/>
-              <a:t>Views are provisioned similarly to Tables and can even be writeable (UPDATE, INSERT, DELETE) in the following conditions:</a:t>
-            </a:r>
-          </a:p>
-          <a:p>
-            <a:pPr marL="1206500" indent="-228600">
-              <a:buFont typeface="Arial" pitchFamily="34" charset="0"/>
-              <a:buChar char="•"/>
-            </a:pPr>
-            <a:r>
-              <a:rPr lang="en-US" sz="2400" dirty="0"/>
-              <a:t>The view references only a single table.</a:t>
-            </a:r>
-          </a:p>
-          <a:p>
-            <a:pPr marL="1206500" indent="-228600">
-              <a:buFont typeface="Arial" pitchFamily="34" charset="0"/>
-              <a:buChar char="•"/>
-            </a:pPr>
-            <a:r>
-              <a:rPr lang="en-US" sz="2400" dirty="0"/>
-              <a:t>No aggregations, UNION, distinct,	GROUP, TOP</a:t>
-            </a:r>
-          </a:p>
-          <a:p>
-            <a:r>
-              <a:rPr lang="en-US" sz="2800" dirty="0"/>
-              <a:t>In this way, views can be used to expose a vertically-partitioned version of a table.</a:t>
+              <a:rPr lang="en-US" sz="3200" dirty="0"/>
+              <a:t>Consider </a:t>
+            </a:r>
+            <a:r>
+              <a:rPr lang="en-US" sz="3200" dirty="0" err="1"/>
+              <a:t>DENYing</a:t>
+            </a:r>
+            <a:r>
+              <a:rPr lang="en-US" sz="3200" dirty="0"/>
+              <a:t> SELECT rights to the public role, which is inherited by all user roles aside from </a:t>
+            </a:r>
+            <a:r>
+              <a:rPr lang="en-US" sz="3200" dirty="0" err="1"/>
+              <a:t>db_owner</a:t>
+            </a:r>
+            <a:r>
+              <a:rPr lang="en-US" sz="3200" dirty="0"/>
+              <a:t> and </a:t>
+            </a:r>
+            <a:r>
+              <a:rPr lang="en-US" sz="3200" dirty="0" err="1"/>
+              <a:t>sysadmin</a:t>
+            </a:r>
+            <a:r>
+              <a:rPr lang="en-US" sz="3200" dirty="0"/>
+              <a:t>.</a:t>
+            </a:r>
+          </a:p>
+          <a:p>
+            <a:endParaRPr lang="en-US" sz="3200" dirty="0"/>
+          </a:p>
+          <a:p>
+            <a:r>
+              <a:rPr lang="en-US" sz="3200" dirty="0"/>
+              <a:t>Users will be prevented from accessing any tables or views directly, from any application (SSMS, Access, Excel!).  </a:t>
+            </a:r>
+          </a:p>
+          <a:p>
+            <a:endParaRPr lang="en-US" sz="3200" dirty="0"/>
+          </a:p>
+          <a:p>
+            <a:r>
+              <a:rPr lang="en-US" sz="3200" dirty="0"/>
+              <a:t>User access to data is forced through your stored procedures.</a:t>
             </a:r>
           </a:p>
         </p:txBody>
@@ -23521,6 +23405,273 @@
                 <a:ea typeface="+mj-ea"/>
                 <a:cs typeface="+mj-cs"/>
               </a:rPr>
+              <a:t>Stored procedures</a:t>
+            </a:r>
+          </a:p>
+        </p:txBody>
+      </p:sp>
+    </p:spTree>
+    <p:extLst>
+      <p:ext uri="{BB962C8B-B14F-4D97-AF65-F5344CB8AC3E}">
+        <p14:creationId xmlns:p14="http://schemas.microsoft.com/office/powerpoint/2010/main" val="532493895"/>
+      </p:ext>
+    </p:extLst>
+  </p:cSld>
+  <p:clrMapOvr>
+    <a:masterClrMapping/>
+  </p:clrMapOvr>
+</p:sld>
+</file>
+
+<file path=ppt/slides/slide46.xml><?xml version="1.0" encoding="utf-8"?>
+<p:sld xmlns:a="http://schemas.openxmlformats.org/drawingml/2006/main" xmlns:r="http://schemas.openxmlformats.org/officeDocument/2006/relationships" xmlns:p="http://schemas.openxmlformats.org/presentationml/2006/main" showMasterSp="0">
+  <p:cSld>
+    <p:spTree>
+      <p:nvGrpSpPr>
+        <p:cNvPr id="1" name=""/>
+        <p:cNvGrpSpPr/>
+        <p:nvPr/>
+      </p:nvGrpSpPr>
+      <p:grpSpPr>
+        <a:xfrm>
+          <a:off x="0" y="0"/>
+          <a:ext cx="0" cy="0"/>
+          <a:chOff x="0" y="0"/>
+          <a:chExt cx="0" cy="0"/>
+        </a:xfrm>
+      </p:grpSpPr>
+      <p:sp>
+        <p:nvSpPr>
+          <p:cNvPr id="2" name="Content Placeholder 1"/>
+          <p:cNvSpPr>
+            <a:spLocks noGrp="1"/>
+          </p:cNvSpPr>
+          <p:nvPr>
+            <p:ph idx="4294967295"/>
+          </p:nvPr>
+        </p:nvSpPr>
+        <p:spPr>
+          <a:xfrm>
+            <a:off x="1524000" y="828676"/>
+            <a:ext cx="8229600" cy="5191125"/>
+          </a:xfrm>
+        </p:spPr>
+        <p:txBody>
+          <a:bodyPr>
+            <a:noAutofit/>
+          </a:bodyPr>
+          <a:lstStyle/>
+          <a:p>
+            <a:r>
+              <a:rPr lang="en-US" sz="2800" dirty="0"/>
+              <a:t>Similar to stored procedures, a VIEW will allow a user to SELECT data from tables that the user does not have access to.</a:t>
+            </a:r>
+          </a:p>
+          <a:p>
+            <a:r>
+              <a:rPr lang="en-US" sz="2800" dirty="0"/>
+              <a:t>Views are provisioned similarly to Tables and can even be writeable (UPDATE, INSERT, DELETE) in the following conditions:</a:t>
+            </a:r>
+          </a:p>
+          <a:p>
+            <a:pPr marL="1206500" indent="-228600">
+              <a:buFont typeface="Arial" pitchFamily="34" charset="0"/>
+              <a:buChar char="•"/>
+            </a:pPr>
+            <a:r>
+              <a:rPr lang="en-US" sz="2400" dirty="0"/>
+              <a:t>The view references only a single table.</a:t>
+            </a:r>
+          </a:p>
+          <a:p>
+            <a:pPr marL="1206500" indent="-228600">
+              <a:buFont typeface="Arial" pitchFamily="34" charset="0"/>
+              <a:buChar char="•"/>
+            </a:pPr>
+            <a:r>
+              <a:rPr lang="en-US" sz="2400" dirty="0"/>
+              <a:t>No aggregations, UNION, distinct,	GROUP, TOP</a:t>
+            </a:r>
+          </a:p>
+          <a:p>
+            <a:r>
+              <a:rPr lang="en-US" sz="2800" dirty="0"/>
+              <a:t>In this way, views can be used to expose a vertically-partitioned version of a table.</a:t>
+            </a:r>
+          </a:p>
+        </p:txBody>
+      </p:sp>
+      <p:sp>
+        <p:nvSpPr>
+          <p:cNvPr id="8" name="Text Placeholder 2"/>
+          <p:cNvSpPr txBox="1">
+            <a:spLocks/>
+          </p:cNvSpPr>
+          <p:nvPr/>
+        </p:nvSpPr>
+        <p:spPr>
+          <a:xfrm>
+            <a:off x="0" y="0"/>
+            <a:ext cx="12192000" cy="762000"/>
+          </a:xfrm>
+          <a:prstGeom prst="rect">
+            <a:avLst/>
+          </a:prstGeom>
+        </p:spPr>
+        <p:txBody>
+          <a:bodyPr vert="horz" lIns="91440" tIns="45720" rIns="91440" bIns="45720" rtlCol="0">
+            <a:normAutofit/>
+          </a:bodyPr>
+          <a:lstStyle>
+            <a:lvl1pPr marL="342900" indent="-342900" algn="l" defTabSz="457200" rtl="0" eaLnBrk="1" latinLnBrk="0" hangingPunct="1">
+              <a:spcBef>
+                <a:spcPct val="20000"/>
+              </a:spcBef>
+              <a:buFont typeface="Wingdings" charset="2"/>
+              <a:buChar char="§"/>
+              <a:defRPr sz="3000" kern="1200">
+                <a:solidFill>
+                  <a:schemeClr val="tx2"/>
+                </a:solidFill>
+                <a:latin typeface="+mn-lt"/>
+                <a:ea typeface="+mn-ea"/>
+                <a:cs typeface="+mn-cs"/>
+              </a:defRPr>
+            </a:lvl1pPr>
+            <a:lvl2pPr marL="742950" indent="-285750" algn="l" defTabSz="457200" rtl="0" eaLnBrk="1" latinLnBrk="0" hangingPunct="1">
+              <a:spcBef>
+                <a:spcPct val="20000"/>
+              </a:spcBef>
+              <a:buFont typeface="Wingdings" charset="2"/>
+              <a:buChar char="§"/>
+              <a:defRPr sz="2600" kern="1200">
+                <a:solidFill>
+                  <a:schemeClr val="tx2"/>
+                </a:solidFill>
+                <a:latin typeface="+mn-lt"/>
+                <a:ea typeface="+mn-ea"/>
+                <a:cs typeface="+mn-cs"/>
+              </a:defRPr>
+            </a:lvl2pPr>
+            <a:lvl3pPr marL="1143000" indent="-228600" algn="l" defTabSz="457200" rtl="0" eaLnBrk="1" latinLnBrk="0" hangingPunct="1">
+              <a:spcBef>
+                <a:spcPct val="20000"/>
+              </a:spcBef>
+              <a:buFont typeface="Wingdings" charset="2"/>
+              <a:buChar char="§"/>
+              <a:defRPr sz="2200" kern="1200">
+                <a:solidFill>
+                  <a:schemeClr val="tx2"/>
+                </a:solidFill>
+                <a:latin typeface="+mn-lt"/>
+                <a:ea typeface="+mn-ea"/>
+                <a:cs typeface="+mn-cs"/>
+              </a:defRPr>
+            </a:lvl3pPr>
+            <a:lvl4pPr marL="1600200" indent="-228600" algn="l" defTabSz="457200" rtl="0" eaLnBrk="1" latinLnBrk="0" hangingPunct="1">
+              <a:spcBef>
+                <a:spcPct val="20000"/>
+              </a:spcBef>
+              <a:buFont typeface="Wingdings" charset="2"/>
+              <a:buChar char="§"/>
+              <a:defRPr sz="2000" kern="1200">
+                <a:solidFill>
+                  <a:schemeClr val="tx2"/>
+                </a:solidFill>
+                <a:latin typeface="+mn-lt"/>
+                <a:ea typeface="+mn-ea"/>
+                <a:cs typeface="+mn-cs"/>
+              </a:defRPr>
+            </a:lvl4pPr>
+            <a:lvl5pPr marL="2057400" indent="-228600" algn="l" defTabSz="457200" rtl="0" eaLnBrk="1" latinLnBrk="0" hangingPunct="1">
+              <a:spcBef>
+                <a:spcPct val="20000"/>
+              </a:spcBef>
+              <a:buFont typeface="Wingdings" charset="2"/>
+              <a:buChar char="§"/>
+              <a:defRPr sz="1800" kern="1200">
+                <a:solidFill>
+                  <a:schemeClr val="tx2"/>
+                </a:solidFill>
+                <a:latin typeface="+mn-lt"/>
+                <a:ea typeface="+mn-ea"/>
+                <a:cs typeface="+mn-cs"/>
+              </a:defRPr>
+            </a:lvl5pPr>
+            <a:lvl6pPr marL="2514600" indent="-228600" algn="l" defTabSz="457200" rtl="0" eaLnBrk="1" latinLnBrk="0" hangingPunct="1">
+              <a:spcBef>
+                <a:spcPct val="20000"/>
+              </a:spcBef>
+              <a:buFont typeface="Arial"/>
+              <a:buChar char="•"/>
+              <a:defRPr sz="2000" kern="1200">
+                <a:solidFill>
+                  <a:schemeClr val="tx1"/>
+                </a:solidFill>
+                <a:latin typeface="+mn-lt"/>
+                <a:ea typeface="+mn-ea"/>
+                <a:cs typeface="+mn-cs"/>
+              </a:defRPr>
+            </a:lvl6pPr>
+            <a:lvl7pPr marL="2971800" indent="-228600" algn="l" defTabSz="457200" rtl="0" eaLnBrk="1" latinLnBrk="0" hangingPunct="1">
+              <a:spcBef>
+                <a:spcPct val="20000"/>
+              </a:spcBef>
+              <a:buFont typeface="Arial"/>
+              <a:buChar char="•"/>
+              <a:defRPr sz="2000" kern="1200">
+                <a:solidFill>
+                  <a:schemeClr val="tx1"/>
+                </a:solidFill>
+                <a:latin typeface="+mn-lt"/>
+                <a:ea typeface="+mn-ea"/>
+                <a:cs typeface="+mn-cs"/>
+              </a:defRPr>
+            </a:lvl7pPr>
+            <a:lvl8pPr marL="3429000" indent="-228600" algn="l" defTabSz="457200" rtl="0" eaLnBrk="1" latinLnBrk="0" hangingPunct="1">
+              <a:spcBef>
+                <a:spcPct val="20000"/>
+              </a:spcBef>
+              <a:buFont typeface="Arial"/>
+              <a:buChar char="•"/>
+              <a:defRPr sz="2000" kern="1200">
+                <a:solidFill>
+                  <a:schemeClr val="tx1"/>
+                </a:solidFill>
+                <a:latin typeface="+mn-lt"/>
+                <a:ea typeface="+mn-ea"/>
+                <a:cs typeface="+mn-cs"/>
+              </a:defRPr>
+            </a:lvl8pPr>
+            <a:lvl9pPr marL="3886200" indent="-228600" algn="l" defTabSz="457200" rtl="0" eaLnBrk="1" latinLnBrk="0" hangingPunct="1">
+              <a:spcBef>
+                <a:spcPct val="20000"/>
+              </a:spcBef>
+              <a:buFont typeface="Arial"/>
+              <a:buChar char="•"/>
+              <a:defRPr sz="2000" kern="1200">
+                <a:solidFill>
+                  <a:schemeClr val="tx1"/>
+                </a:solidFill>
+                <a:latin typeface="+mn-lt"/>
+                <a:ea typeface="+mn-ea"/>
+                <a:cs typeface="+mn-cs"/>
+              </a:defRPr>
+            </a:lvl9pPr>
+          </a:lstStyle>
+          <a:p>
+            <a:pPr marL="0" indent="0" algn="ctr">
+              <a:buNone/>
+            </a:pPr>
+            <a:r>
+              <a:rPr lang="en-US" sz="4000" b="1" cap="all" dirty="0">
+                <a:solidFill>
+                  <a:srgbClr val="3D156F"/>
+                </a:solidFill>
+                <a:latin typeface="+mj-lt"/>
+                <a:ea typeface="+mj-ea"/>
+                <a:cs typeface="+mj-cs"/>
+              </a:rPr>
               <a:t>Views</a:t>
             </a:r>
           </a:p>
@@ -23539,7 +23690,7 @@
 </p:sld>
 </file>
 
-<file path=ppt/slides/slide46.xml><?xml version="1.0" encoding="utf-8"?>
+<file path=ppt/slides/slide47.xml><?xml version="1.0" encoding="utf-8"?>
 <p:sld xmlns:a="http://schemas.openxmlformats.org/drawingml/2006/main" xmlns:r="http://schemas.openxmlformats.org/officeDocument/2006/relationships" xmlns:p="http://schemas.openxmlformats.org/presentationml/2006/main">
   <p:cSld>
     <p:spTree>
@@ -23786,7 +23937,7 @@
 </p:sld>
 </file>
 
-<file path=ppt/slides/slide47.xml><?xml version="1.0" encoding="utf-8"?>
+<file path=ppt/slides/slide48.xml><?xml version="1.0" encoding="utf-8"?>
 <p:sld xmlns:a="http://schemas.openxmlformats.org/drawingml/2006/main" xmlns:r="http://schemas.openxmlformats.org/officeDocument/2006/relationships" xmlns:p="http://schemas.openxmlformats.org/presentationml/2006/main" showMasterSp="0">
   <p:cSld>
     <p:spTree>
@@ -24056,7 +24207,7 @@
 </p:sld>
 </file>
 
-<file path=ppt/slides/slide48.xml><?xml version="1.0" encoding="utf-8"?>
+<file path=ppt/slides/slide49.xml><?xml version="1.0" encoding="utf-8"?>
 <p:sld xmlns:a="http://schemas.openxmlformats.org/drawingml/2006/main" xmlns:r="http://schemas.openxmlformats.org/officeDocument/2006/relationships" xmlns:p="http://schemas.openxmlformats.org/presentationml/2006/main">
   <p:cSld>
     <p:spTree>
@@ -24506,289 +24657,6 @@
 </p:sld>
 </file>
 
-<file path=ppt/slides/slide49.xml><?xml version="1.0" encoding="utf-8"?>
-<p:sld xmlns:a="http://schemas.openxmlformats.org/drawingml/2006/main" xmlns:r="http://schemas.openxmlformats.org/officeDocument/2006/relationships" xmlns:p="http://schemas.openxmlformats.org/presentationml/2006/main" showMasterSp="0">
-  <p:cSld>
-    <p:spTree>
-      <p:nvGrpSpPr>
-        <p:cNvPr id="1" name=""/>
-        <p:cNvGrpSpPr/>
-        <p:nvPr/>
-      </p:nvGrpSpPr>
-      <p:grpSpPr>
-        <a:xfrm>
-          <a:off x="0" y="0"/>
-          <a:ext cx="0" cy="0"/>
-          <a:chOff x="0" y="0"/>
-          <a:chExt cx="0" cy="0"/>
-        </a:xfrm>
-      </p:grpSpPr>
-      <p:sp>
-        <p:nvSpPr>
-          <p:cNvPr id="2" name="Content Placeholder 1"/>
-          <p:cNvSpPr>
-            <a:spLocks noGrp="1"/>
-          </p:cNvSpPr>
-          <p:nvPr>
-            <p:ph idx="4294967295"/>
-          </p:nvPr>
-        </p:nvSpPr>
-        <p:spPr>
-          <a:xfrm>
-            <a:off x="1524000" y="828676"/>
-            <a:ext cx="8229600" cy="5191125"/>
-          </a:xfrm>
-        </p:spPr>
-        <p:txBody>
-          <a:bodyPr>
-            <a:normAutofit/>
-          </a:bodyPr>
-          <a:lstStyle/>
-          <a:p>
-            <a:r>
-              <a:rPr lang="en-US" sz="2800" dirty="0"/>
-              <a:t>Prior to SQL 2008, [BUILTIN\Administrators] was a member of the SQL </a:t>
-            </a:r>
-            <a:r>
-              <a:rPr lang="en-US" sz="2800" dirty="0" err="1"/>
-              <a:t>sysadmin</a:t>
-            </a:r>
-            <a:r>
-              <a:rPr lang="en-US" sz="2800" dirty="0"/>
-              <a:t> role.  </a:t>
-            </a:r>
-          </a:p>
-          <a:p>
-            <a:endParaRPr lang="en-US" sz="2800" dirty="0"/>
-          </a:p>
-          <a:p>
-            <a:r>
-              <a:rPr lang="en-US" sz="2800" dirty="0"/>
-              <a:t>This was a security hole – allowing anyone who gained admin access to a Windows Server to automatically and easily have </a:t>
-            </a:r>
-            <a:r>
-              <a:rPr lang="en-US" sz="2800" dirty="0" err="1"/>
-              <a:t>sysadmin</a:t>
-            </a:r>
-            <a:r>
-              <a:rPr lang="en-US" sz="2800" dirty="0"/>
-              <a:t> access.</a:t>
-            </a:r>
-          </a:p>
-          <a:p>
-            <a:endParaRPr lang="en-US" sz="2800" dirty="0"/>
-          </a:p>
-          <a:p>
-            <a:r>
-              <a:rPr lang="en-US" sz="2800" dirty="0"/>
-              <a:t>SQL 2008 – BUILTIN\Administrators no longer have automatic rights to the SQL server and should NOT be granted access.</a:t>
-            </a:r>
-          </a:p>
-          <a:p>
-            <a:endParaRPr lang="en-US" sz="2800" dirty="0"/>
-          </a:p>
-        </p:txBody>
-      </p:sp>
-      <p:sp>
-        <p:nvSpPr>
-          <p:cNvPr id="8" name="Text Placeholder 2"/>
-          <p:cNvSpPr txBox="1">
-            <a:spLocks/>
-          </p:cNvSpPr>
-          <p:nvPr/>
-        </p:nvSpPr>
-        <p:spPr>
-          <a:xfrm>
-            <a:off x="0" y="0"/>
-            <a:ext cx="12192000" cy="762000"/>
-          </a:xfrm>
-          <a:prstGeom prst="rect">
-            <a:avLst/>
-          </a:prstGeom>
-        </p:spPr>
-        <p:txBody>
-          <a:bodyPr vert="horz" lIns="91440" tIns="45720" rIns="91440" bIns="45720" rtlCol="0">
-            <a:normAutofit/>
-          </a:bodyPr>
-          <a:lstStyle>
-            <a:lvl1pPr marL="342900" indent="-342900" algn="l" defTabSz="457200" rtl="0" eaLnBrk="1" latinLnBrk="0" hangingPunct="1">
-              <a:spcBef>
-                <a:spcPct val="20000"/>
-              </a:spcBef>
-              <a:buFont typeface="Wingdings" charset="2"/>
-              <a:buChar char="§"/>
-              <a:defRPr sz="3000" kern="1200">
-                <a:solidFill>
-                  <a:schemeClr val="tx2"/>
-                </a:solidFill>
-                <a:latin typeface="+mn-lt"/>
-                <a:ea typeface="+mn-ea"/>
-                <a:cs typeface="+mn-cs"/>
-              </a:defRPr>
-            </a:lvl1pPr>
-            <a:lvl2pPr marL="742950" indent="-285750" algn="l" defTabSz="457200" rtl="0" eaLnBrk="1" latinLnBrk="0" hangingPunct="1">
-              <a:spcBef>
-                <a:spcPct val="20000"/>
-              </a:spcBef>
-              <a:buFont typeface="Wingdings" charset="2"/>
-              <a:buChar char="§"/>
-              <a:defRPr sz="2600" kern="1200">
-                <a:solidFill>
-                  <a:schemeClr val="tx2"/>
-                </a:solidFill>
-                <a:latin typeface="+mn-lt"/>
-                <a:ea typeface="+mn-ea"/>
-                <a:cs typeface="+mn-cs"/>
-              </a:defRPr>
-            </a:lvl2pPr>
-            <a:lvl3pPr marL="1143000" indent="-228600" algn="l" defTabSz="457200" rtl="0" eaLnBrk="1" latinLnBrk="0" hangingPunct="1">
-              <a:spcBef>
-                <a:spcPct val="20000"/>
-              </a:spcBef>
-              <a:buFont typeface="Wingdings" charset="2"/>
-              <a:buChar char="§"/>
-              <a:defRPr sz="2200" kern="1200">
-                <a:solidFill>
-                  <a:schemeClr val="tx2"/>
-                </a:solidFill>
-                <a:latin typeface="+mn-lt"/>
-                <a:ea typeface="+mn-ea"/>
-                <a:cs typeface="+mn-cs"/>
-              </a:defRPr>
-            </a:lvl3pPr>
-            <a:lvl4pPr marL="1600200" indent="-228600" algn="l" defTabSz="457200" rtl="0" eaLnBrk="1" latinLnBrk="0" hangingPunct="1">
-              <a:spcBef>
-                <a:spcPct val="20000"/>
-              </a:spcBef>
-              <a:buFont typeface="Wingdings" charset="2"/>
-              <a:buChar char="§"/>
-              <a:defRPr sz="2000" kern="1200">
-                <a:solidFill>
-                  <a:schemeClr val="tx2"/>
-                </a:solidFill>
-                <a:latin typeface="+mn-lt"/>
-                <a:ea typeface="+mn-ea"/>
-                <a:cs typeface="+mn-cs"/>
-              </a:defRPr>
-            </a:lvl4pPr>
-            <a:lvl5pPr marL="2057400" indent="-228600" algn="l" defTabSz="457200" rtl="0" eaLnBrk="1" latinLnBrk="0" hangingPunct="1">
-              <a:spcBef>
-                <a:spcPct val="20000"/>
-              </a:spcBef>
-              <a:buFont typeface="Wingdings" charset="2"/>
-              <a:buChar char="§"/>
-              <a:defRPr sz="1800" kern="1200">
-                <a:solidFill>
-                  <a:schemeClr val="tx2"/>
-                </a:solidFill>
-                <a:latin typeface="+mn-lt"/>
-                <a:ea typeface="+mn-ea"/>
-                <a:cs typeface="+mn-cs"/>
-              </a:defRPr>
-            </a:lvl5pPr>
-            <a:lvl6pPr marL="2514600" indent="-228600" algn="l" defTabSz="457200" rtl="0" eaLnBrk="1" latinLnBrk="0" hangingPunct="1">
-              <a:spcBef>
-                <a:spcPct val="20000"/>
-              </a:spcBef>
-              <a:buFont typeface="Arial"/>
-              <a:buChar char="•"/>
-              <a:defRPr sz="2000" kern="1200">
-                <a:solidFill>
-                  <a:schemeClr val="tx1"/>
-                </a:solidFill>
-                <a:latin typeface="+mn-lt"/>
-                <a:ea typeface="+mn-ea"/>
-                <a:cs typeface="+mn-cs"/>
-              </a:defRPr>
-            </a:lvl6pPr>
-            <a:lvl7pPr marL="2971800" indent="-228600" algn="l" defTabSz="457200" rtl="0" eaLnBrk="1" latinLnBrk="0" hangingPunct="1">
-              <a:spcBef>
-                <a:spcPct val="20000"/>
-              </a:spcBef>
-              <a:buFont typeface="Arial"/>
-              <a:buChar char="•"/>
-              <a:defRPr sz="2000" kern="1200">
-                <a:solidFill>
-                  <a:schemeClr val="tx1"/>
-                </a:solidFill>
-                <a:latin typeface="+mn-lt"/>
-                <a:ea typeface="+mn-ea"/>
-                <a:cs typeface="+mn-cs"/>
-              </a:defRPr>
-            </a:lvl7pPr>
-            <a:lvl8pPr marL="3429000" indent="-228600" algn="l" defTabSz="457200" rtl="0" eaLnBrk="1" latinLnBrk="0" hangingPunct="1">
-              <a:spcBef>
-                <a:spcPct val="20000"/>
-              </a:spcBef>
-              <a:buFont typeface="Arial"/>
-              <a:buChar char="•"/>
-              <a:defRPr sz="2000" kern="1200">
-                <a:solidFill>
-                  <a:schemeClr val="tx1"/>
-                </a:solidFill>
-                <a:latin typeface="+mn-lt"/>
-                <a:ea typeface="+mn-ea"/>
-                <a:cs typeface="+mn-cs"/>
-              </a:defRPr>
-            </a:lvl8pPr>
-            <a:lvl9pPr marL="3886200" indent="-228600" algn="l" defTabSz="457200" rtl="0" eaLnBrk="1" latinLnBrk="0" hangingPunct="1">
-              <a:spcBef>
-                <a:spcPct val="20000"/>
-              </a:spcBef>
-              <a:buFont typeface="Arial"/>
-              <a:buChar char="•"/>
-              <a:defRPr sz="2000" kern="1200">
-                <a:solidFill>
-                  <a:schemeClr val="tx1"/>
-                </a:solidFill>
-                <a:latin typeface="+mn-lt"/>
-                <a:ea typeface="+mn-ea"/>
-                <a:cs typeface="+mn-cs"/>
-              </a:defRPr>
-            </a:lvl9pPr>
-          </a:lstStyle>
-          <a:p>
-            <a:pPr marL="0" indent="0" algn="ctr">
-              <a:buNone/>
-            </a:pPr>
-            <a:r>
-              <a:rPr lang="en-US" sz="4000" b="1" cap="all" dirty="0" err="1">
-                <a:solidFill>
-                  <a:srgbClr val="3D156F"/>
-                </a:solidFill>
-                <a:latin typeface="+mj-lt"/>
-                <a:ea typeface="+mj-ea"/>
-                <a:cs typeface="+mj-cs"/>
-              </a:rPr>
-              <a:t>Builtin</a:t>
-            </a:r>
-            <a:r>
-              <a:rPr lang="en-US" sz="4000" b="1" cap="all" dirty="0">
-                <a:solidFill>
-                  <a:srgbClr val="3D156F"/>
-                </a:solidFill>
-                <a:latin typeface="+mj-lt"/>
-                <a:ea typeface="+mj-ea"/>
-                <a:cs typeface="+mj-cs"/>
-              </a:rPr>
-              <a:t>\administrators</a:t>
-            </a:r>
-          </a:p>
-        </p:txBody>
-      </p:sp>
-    </p:spTree>
-    <p:extLst>
-      <p:ext uri="{BB962C8B-B14F-4D97-AF65-F5344CB8AC3E}">
-        <p14:creationId xmlns:p14="http://schemas.microsoft.com/office/powerpoint/2010/main" val="3576534485"/>
-      </p:ext>
-    </p:extLst>
-  </p:cSld>
-  <p:clrMapOvr>
-    <a:masterClrMapping/>
-  </p:clrMapOvr>
-</p:sld>
-</file>
-
 <file path=ppt/slides/slide5.xml><?xml version="1.0" encoding="utf-8"?>
 <p:sld xmlns:a="http://schemas.openxmlformats.org/drawingml/2006/main" xmlns:r="http://schemas.openxmlformats.org/officeDocument/2006/relationships" xmlns:p="http://schemas.openxmlformats.org/presentationml/2006/main" showMasterSp="0">
   <p:cSld>
@@ -25334,136 +25202,51 @@
         </p:spPr>
         <p:txBody>
           <a:bodyPr>
-            <a:normAutofit lnSpcReduction="10000"/>
+            <a:normAutofit/>
           </a:bodyPr>
           <a:lstStyle/>
           <a:p>
             <a:r>
-              <a:rPr lang="en-US" dirty="0"/>
-              <a:t>In SQL 2000, </a:t>
-            </a:r>
-            <a:r>
-              <a:rPr lang="en-US" dirty="0" err="1"/>
-              <a:t>sales.dbo.customers</a:t>
-            </a:r>
-            <a:r>
-              <a:rPr lang="en-US" dirty="0"/>
-              <a:t> meant: </a:t>
-            </a:r>
-          </a:p>
-          <a:p>
-            <a:r>
-              <a:rPr lang="en-US" dirty="0"/>
-              <a:t>	</a:t>
-            </a:r>
-            <a:r>
-              <a:rPr lang="en-US" b="0" dirty="0" err="1"/>
-              <a:t>databasename</a:t>
-            </a:r>
-            <a:r>
-              <a:rPr lang="en-US" b="0" dirty="0"/>
-              <a:t> 	= sales</a:t>
-            </a:r>
-          </a:p>
-          <a:p>
-            <a:r>
-              <a:rPr lang="en-US" b="0" dirty="0"/>
-              <a:t>	</a:t>
-            </a:r>
-            <a:r>
-              <a:rPr lang="en-US" b="1" dirty="0"/>
-              <a:t>owner</a:t>
-            </a:r>
-            <a:r>
-              <a:rPr lang="en-US" b="0" dirty="0"/>
-              <a:t> 				= </a:t>
-            </a:r>
-            <a:r>
-              <a:rPr lang="en-US" b="0" dirty="0" err="1"/>
-              <a:t>dbo</a:t>
-            </a:r>
-            <a:endParaRPr lang="en-US" b="0" dirty="0"/>
-          </a:p>
-          <a:p>
-            <a:r>
-              <a:rPr lang="en-US" b="0" dirty="0"/>
-              <a:t>	</a:t>
-            </a:r>
-            <a:r>
-              <a:rPr lang="en-US" b="0" dirty="0" err="1"/>
-              <a:t>tablename</a:t>
-            </a:r>
-            <a:r>
-              <a:rPr lang="en-US" b="0" dirty="0"/>
-              <a:t> 		= customers</a:t>
-            </a:r>
-          </a:p>
-          <a:p>
-            <a:endParaRPr lang="en-US" dirty="0"/>
-          </a:p>
-          <a:p>
-            <a:r>
-              <a:rPr lang="en-US" dirty="0"/>
-              <a:t>In 2005 and later, </a:t>
-            </a:r>
-            <a:r>
-              <a:rPr lang="en-US" dirty="0" err="1"/>
-              <a:t>sales.dbo.customers</a:t>
-            </a:r>
-            <a:r>
-              <a:rPr lang="en-US" dirty="0"/>
-              <a:t> meant:</a:t>
-            </a:r>
-          </a:p>
-          <a:p>
-            <a:r>
-              <a:rPr lang="en-US" dirty="0"/>
-              <a:t>	</a:t>
-            </a:r>
-            <a:r>
-              <a:rPr lang="en-US" b="0" dirty="0" err="1"/>
-              <a:t>databasename</a:t>
-            </a:r>
-            <a:r>
-              <a:rPr lang="en-US" b="0" dirty="0"/>
-              <a:t> 	= sales</a:t>
-            </a:r>
-          </a:p>
-          <a:p>
-            <a:r>
-              <a:rPr lang="en-US" b="0" dirty="0"/>
-              <a:t>	</a:t>
-            </a:r>
-            <a:r>
-              <a:rPr lang="en-US" b="1" dirty="0"/>
-              <a:t>schema 		</a:t>
-            </a:r>
-            <a:r>
-              <a:rPr lang="en-US" b="0" dirty="0"/>
-              <a:t>	= </a:t>
-            </a:r>
-            <a:r>
-              <a:rPr lang="en-US" b="0" dirty="0" err="1"/>
-              <a:t>dbo</a:t>
-            </a:r>
-            <a:endParaRPr lang="en-US" b="0" dirty="0"/>
-          </a:p>
-          <a:p>
-            <a:r>
-              <a:rPr lang="en-US" b="0" dirty="0"/>
-              <a:t>	</a:t>
-            </a:r>
-            <a:r>
-              <a:rPr lang="en-US" b="0" dirty="0" err="1"/>
-              <a:t>tablename</a:t>
-            </a:r>
-            <a:r>
-              <a:rPr lang="en-US" b="0" dirty="0"/>
-              <a:t> 		= customers</a:t>
-            </a:r>
-          </a:p>
-          <a:p>
-            <a:endParaRPr lang="en-US" dirty="0"/>
+              <a:rPr lang="en-US" sz="2800" dirty="0"/>
+              <a:t>Prior to SQL 2008, [BUILTIN\Administrators] was a member of the SQL </a:t>
+            </a:r>
+            <a:r>
+              <a:rPr lang="en-US" sz="2800" dirty="0" err="1"/>
+              <a:t>sysadmin</a:t>
+            </a:r>
+            <a:r>
+              <a:rPr lang="en-US" sz="2800" dirty="0"/>
+              <a:t> role.  </a:t>
+            </a:r>
+          </a:p>
+          <a:p>
+            <a:endParaRPr lang="en-US" sz="2800" dirty="0"/>
+          </a:p>
+          <a:p>
+            <a:r>
+              <a:rPr lang="en-US" sz="2800" dirty="0"/>
+              <a:t>This was a security hole – allowing anyone who gained admin access to a Windows Server to automatically and easily have </a:t>
+            </a:r>
+            <a:r>
+              <a:rPr lang="en-US" sz="2800" dirty="0" err="1"/>
+              <a:t>sysadmin</a:t>
+            </a:r>
+            <a:r>
+              <a:rPr lang="en-US" sz="2800" dirty="0"/>
+              <a:t> access.</a:t>
+            </a:r>
+          </a:p>
+          <a:p>
+            <a:endParaRPr lang="en-US" sz="2800" dirty="0"/>
+          </a:p>
+          <a:p>
+            <a:r>
+              <a:rPr lang="en-US" sz="2800" dirty="0"/>
+              <a:t>SQL 2008 – BUILTIN\Administrators no longer have automatic rights to the SQL server and should NOT be granted access.</a:t>
+            </a:r>
+          </a:p>
+          <a:p>
+            <a:endParaRPr lang="en-US" sz="2800" dirty="0"/>
           </a:p>
         </p:txBody>
       </p:sp>
@@ -25638,23 +25421,26 @@
                 <a:ea typeface="+mj-ea"/>
                 <a:cs typeface="+mj-cs"/>
               </a:rPr>
-              <a:t>dbo</a:t>
-            </a:r>
-            <a:endParaRPr lang="en-US" sz="4000" b="1" cap="all" dirty="0">
-              <a:solidFill>
-                <a:srgbClr val="3D156F"/>
-              </a:solidFill>
-              <a:latin typeface="+mj-lt"/>
-              <a:ea typeface="+mj-ea"/>
-              <a:cs typeface="+mj-cs"/>
-            </a:endParaRPr>
+              <a:t>Builtin</a:t>
+            </a:r>
+            <a:r>
+              <a:rPr lang="en-US" sz="4000" b="1" cap="all" dirty="0">
+                <a:solidFill>
+                  <a:srgbClr val="3D156F"/>
+                </a:solidFill>
+                <a:latin typeface="+mj-lt"/>
+                <a:ea typeface="+mj-ea"/>
+                <a:cs typeface="+mj-cs"/>
+              </a:rPr>
+              <a:t>\administrators</a:t>
+            </a:r>
           </a:p>
         </p:txBody>
       </p:sp>
     </p:spTree>
     <p:extLst>
       <p:ext uri="{BB962C8B-B14F-4D97-AF65-F5344CB8AC3E}">
-        <p14:creationId xmlns:p14="http://schemas.microsoft.com/office/powerpoint/2010/main" val="468384934"/>
+        <p14:creationId xmlns:p14="http://schemas.microsoft.com/office/powerpoint/2010/main" val="3576534485"/>
       </p:ext>
     </p:extLst>
   </p:cSld>
@@ -25699,84 +25485,136 @@
         </p:spPr>
         <p:txBody>
           <a:bodyPr>
-            <a:normAutofit/>
+            <a:normAutofit lnSpcReduction="10000"/>
           </a:bodyPr>
           <a:lstStyle/>
           <a:p>
             <a:r>
-              <a:rPr lang="en-US" sz="2800" dirty="0"/>
+              <a:rPr lang="en-US" dirty="0"/>
               <a:t>In SQL 2000, </a:t>
             </a:r>
             <a:r>
-              <a:rPr lang="en-US" sz="2800" dirty="0" err="1"/>
+              <a:rPr lang="en-US" dirty="0" err="1"/>
+              <a:t>sales.dbo.customers</a:t>
+            </a:r>
+            <a:r>
+              <a:rPr lang="en-US" dirty="0"/>
+              <a:t> meant: </a:t>
+            </a:r>
+          </a:p>
+          <a:p>
+            <a:r>
+              <a:rPr lang="en-US" dirty="0"/>
+              <a:t>	</a:t>
+            </a:r>
+            <a:r>
+              <a:rPr lang="en-US" b="0" dirty="0" err="1"/>
+              <a:t>databasename</a:t>
+            </a:r>
+            <a:r>
+              <a:rPr lang="en-US" b="0" dirty="0"/>
+              <a:t> 	= sales</a:t>
+            </a:r>
+          </a:p>
+          <a:p>
+            <a:r>
+              <a:rPr lang="en-US" b="0" dirty="0"/>
+              <a:t>	</a:t>
+            </a:r>
+            <a:r>
+              <a:rPr lang="en-US" b="1" dirty="0"/>
+              <a:t>owner</a:t>
+            </a:r>
+            <a:r>
+              <a:rPr lang="en-US" b="0" dirty="0"/>
+              <a:t> 				= </a:t>
+            </a:r>
+            <a:r>
+              <a:rPr lang="en-US" b="0" dirty="0" err="1"/>
               <a:t>dbo</a:t>
             </a:r>
-            <a:r>
-              <a:rPr lang="en-US" sz="2800" dirty="0"/>
-              <a:t> was a special user inside each database with </a:t>
-            </a:r>
-            <a:r>
-              <a:rPr lang="en-US" sz="2800" dirty="0" err="1"/>
-              <a:t>sysadmin</a:t>
-            </a:r>
-            <a:r>
-              <a:rPr lang="en-US" sz="2800" dirty="0"/>
-              <a:t> permissions, which by default owned any object created by an admin.  The </a:t>
-            </a:r>
-            <a:r>
-              <a:rPr lang="en-US" sz="2800" dirty="0" err="1"/>
+            <a:endParaRPr lang="en-US" b="0" dirty="0"/>
+          </a:p>
+          <a:p>
+            <a:r>
+              <a:rPr lang="en-US" b="0" dirty="0"/>
+              <a:t>	</a:t>
+            </a:r>
+            <a:r>
+              <a:rPr lang="en-US" b="0" dirty="0" err="1"/>
+              <a:t>tablename</a:t>
+            </a:r>
+            <a:r>
+              <a:rPr lang="en-US" b="0" dirty="0"/>
+              <a:t> 		= customers</a:t>
+            </a:r>
+          </a:p>
+          <a:p>
+            <a:endParaRPr lang="en-US" dirty="0"/>
+          </a:p>
+          <a:p>
+            <a:r>
+              <a:rPr lang="en-US" dirty="0"/>
+              <a:t>In 2005 and later, </a:t>
+            </a:r>
+            <a:r>
+              <a:rPr lang="en-US" dirty="0" err="1"/>
+              <a:t>sales.dbo.customers</a:t>
+            </a:r>
+            <a:r>
+              <a:rPr lang="en-US" dirty="0"/>
+              <a:t> meant:</a:t>
+            </a:r>
+          </a:p>
+          <a:p>
+            <a:r>
+              <a:rPr lang="en-US" dirty="0"/>
+              <a:t>	</a:t>
+            </a:r>
+            <a:r>
+              <a:rPr lang="en-US" b="0" dirty="0" err="1"/>
+              <a:t>databasename</a:t>
+            </a:r>
+            <a:r>
+              <a:rPr lang="en-US" b="0" dirty="0"/>
+              <a:t> 	= sales</a:t>
+            </a:r>
+          </a:p>
+          <a:p>
+            <a:r>
+              <a:rPr lang="en-US" b="0" dirty="0"/>
+              <a:t>	</a:t>
+            </a:r>
+            <a:r>
+              <a:rPr lang="en-US" b="1" dirty="0"/>
+              <a:t>schema 		</a:t>
+            </a:r>
+            <a:r>
+              <a:rPr lang="en-US" b="0" dirty="0"/>
+              <a:t>	= </a:t>
+            </a:r>
+            <a:r>
+              <a:rPr lang="en-US" b="0" dirty="0" err="1"/>
               <a:t>dbo</a:t>
             </a:r>
-            <a:r>
-              <a:rPr lang="en-US" sz="2800" dirty="0"/>
-              <a:t> user could not be deleted.</a:t>
-            </a:r>
-          </a:p>
-          <a:p>
-            <a:r>
-              <a:rPr lang="en-US" sz="2800" dirty="0"/>
-              <a:t>In SQL 2005 and above, </a:t>
-            </a:r>
-            <a:r>
-              <a:rPr lang="en-US" sz="2800" dirty="0" err="1"/>
-              <a:t>dbo</a:t>
-            </a:r>
-            <a:r>
-              <a:rPr lang="en-US" sz="2800" dirty="0"/>
-              <a:t> is the default schema and no longer a security object.  Saying a user has “</a:t>
-            </a:r>
-            <a:r>
-              <a:rPr lang="en-US" sz="2800" dirty="0" err="1"/>
-              <a:t>dbo</a:t>
-            </a:r>
-            <a:r>
-              <a:rPr lang="en-US" sz="2800" dirty="0"/>
-              <a:t> permissions” is incorrect.</a:t>
-            </a:r>
-            <a:br>
-              <a:rPr lang="en-US" sz="2800" dirty="0"/>
-            </a:br>
-            <a:endParaRPr lang="en-US" sz="2800" dirty="0"/>
-          </a:p>
-          <a:p>
-            <a:r>
-              <a:rPr lang="en-US" sz="2800" dirty="0"/>
-              <a:t>[</a:t>
-            </a:r>
-            <a:r>
-              <a:rPr lang="en-US" sz="2800" dirty="0" err="1"/>
-              <a:t>db_owner</a:t>
-            </a:r>
-            <a:r>
-              <a:rPr lang="en-US" sz="2800" dirty="0"/>
-              <a:t>] is just a user role with no server-level permissions.</a:t>
-            </a:r>
-          </a:p>
-          <a:p>
-            <a:endParaRPr lang="en-US" sz="2800" dirty="0"/>
-          </a:p>
-          <a:p>
-            <a:endParaRPr lang="en-US" sz="2800" dirty="0"/>
+            <a:endParaRPr lang="en-US" b="0" dirty="0"/>
+          </a:p>
+          <a:p>
+            <a:r>
+              <a:rPr lang="en-US" b="0" dirty="0"/>
+              <a:t>	</a:t>
+            </a:r>
+            <a:r>
+              <a:rPr lang="en-US" b="0" dirty="0" err="1"/>
+              <a:t>tablename</a:t>
+            </a:r>
+            <a:r>
+              <a:rPr lang="en-US" b="0" dirty="0"/>
+              <a:t> 		= customers</a:t>
+            </a:r>
+          </a:p>
+          <a:p>
+            <a:endParaRPr lang="en-US" dirty="0"/>
           </a:p>
         </p:txBody>
       </p:sp>
@@ -25967,7 +25805,7 @@
     </p:spTree>
     <p:extLst>
       <p:ext uri="{BB962C8B-B14F-4D97-AF65-F5344CB8AC3E}">
-        <p14:creationId xmlns:p14="http://schemas.microsoft.com/office/powerpoint/2010/main" val="3698255014"/>
+        <p14:creationId xmlns:p14="http://schemas.microsoft.com/office/powerpoint/2010/main" val="468384934"/>
       </p:ext>
     </p:extLst>
   </p:cSld>
@@ -26012,75 +25850,84 @@
         </p:spPr>
         <p:txBody>
           <a:bodyPr>
-            <a:normAutofit lnSpcReduction="10000"/>
+            <a:normAutofit/>
           </a:bodyPr>
           <a:lstStyle/>
           <a:p>
             <a:r>
-              <a:rPr lang="en-US" b="0" dirty="0"/>
-              <a:t>Microsoft has done away with the terminology of Users or Logins “owning” objects, such as databases and schemas.</a:t>
-            </a:r>
-          </a:p>
-          <a:p>
-            <a:endParaRPr lang="en-US" dirty="0"/>
-          </a:p>
-          <a:p>
-            <a:r>
-              <a:rPr lang="en-US" b="0" dirty="0"/>
-              <a:t>Changing the </a:t>
-            </a:r>
-            <a:r>
-              <a:rPr lang="en-US" dirty="0"/>
-              <a:t>AUTHORIZATION</a:t>
-            </a:r>
-            <a:r>
-              <a:rPr lang="en-US" b="0" dirty="0"/>
-              <a:t> is now the more accurate term to describe “ownership” of an object.  </a:t>
-            </a:r>
-          </a:p>
-          <a:p>
-            <a:endParaRPr lang="en-US" b="0" dirty="0"/>
-          </a:p>
-          <a:p>
-            <a:r>
-              <a:rPr lang="en-US" b="0" dirty="0"/>
-              <a:t>For example, </a:t>
-            </a:r>
-            <a:r>
-              <a:rPr lang="en-US" dirty="0" err="1"/>
-              <a:t>sp_changedbowner</a:t>
-            </a:r>
-            <a:r>
-              <a:rPr lang="en-US" dirty="0"/>
-              <a:t> </a:t>
-            </a:r>
-            <a:r>
-              <a:rPr lang="en-US" b="0" dirty="0"/>
-              <a:t>is deprecated, replaced by </a:t>
-            </a:r>
-          </a:p>
-          <a:p>
-            <a:pPr marL="0" indent="0">
-              <a:buNone/>
-            </a:pPr>
-            <a:r>
-              <a:rPr lang="en-US" dirty="0"/>
-              <a:t>	</a:t>
-            </a:r>
-            <a:r>
-              <a:rPr lang="en-US" b="0" dirty="0"/>
-              <a:t>ALTER AUTHORIZATION</a:t>
-            </a:r>
-            <a:endParaRPr lang="en-US" dirty="0"/>
-          </a:p>
-          <a:p>
-            <a:endParaRPr lang="en-US" b="0" dirty="0"/>
-          </a:p>
-          <a:p>
-            <a:endParaRPr lang="en-US" b="0" dirty="0"/>
-          </a:p>
-          <a:p>
-            <a:endParaRPr lang="en-US" b="0" dirty="0"/>
+              <a:rPr lang="en-US" sz="2800" dirty="0"/>
+              <a:t>In SQL 2000, </a:t>
+            </a:r>
+            <a:r>
+              <a:rPr lang="en-US" sz="2800" dirty="0" err="1"/>
+              <a:t>dbo</a:t>
+            </a:r>
+            <a:r>
+              <a:rPr lang="en-US" sz="2800" dirty="0"/>
+              <a:t> was a special user inside each database with </a:t>
+            </a:r>
+            <a:r>
+              <a:rPr lang="en-US" sz="2800" dirty="0" err="1"/>
+              <a:t>sysadmin</a:t>
+            </a:r>
+            <a:r>
+              <a:rPr lang="en-US" sz="2800" dirty="0"/>
+              <a:t> permissions, which by default owned any object created by an admin.  The </a:t>
+            </a:r>
+            <a:r>
+              <a:rPr lang="en-US" sz="2800" dirty="0" err="1"/>
+              <a:t>dbo</a:t>
+            </a:r>
+            <a:r>
+              <a:rPr lang="en-US" sz="2800" dirty="0"/>
+              <a:t> user could not be deleted.</a:t>
+            </a:r>
+          </a:p>
+          <a:p>
+            <a:r>
+              <a:rPr lang="en-US" sz="2800" dirty="0"/>
+              <a:t>In SQL 2005 and above, </a:t>
+            </a:r>
+            <a:r>
+              <a:rPr lang="en-US" sz="2800" dirty="0" err="1"/>
+              <a:t>dbo</a:t>
+            </a:r>
+            <a:r>
+              <a:rPr lang="en-US" sz="2800" dirty="0"/>
+              <a:t> is the default schema and no longer a security object.  Saying a user has “</a:t>
+            </a:r>
+            <a:r>
+              <a:rPr lang="en-US" sz="2800" dirty="0" err="1"/>
+              <a:t>dbo</a:t>
+            </a:r>
+            <a:r>
+              <a:rPr lang="en-US" sz="2800" dirty="0"/>
+              <a:t> permissions” is incorrect.</a:t>
+            </a:r>
+            <a:br>
+              <a:rPr lang="en-US" sz="2800" dirty="0"/>
+            </a:br>
+            <a:endParaRPr lang="en-US" sz="2800" dirty="0"/>
+          </a:p>
+          <a:p>
+            <a:r>
+              <a:rPr lang="en-US" sz="2800" dirty="0"/>
+              <a:t>[</a:t>
+            </a:r>
+            <a:r>
+              <a:rPr lang="en-US" sz="2800" dirty="0" err="1"/>
+              <a:t>db_owner</a:t>
+            </a:r>
+            <a:r>
+              <a:rPr lang="en-US" sz="2800" dirty="0"/>
+              <a:t>] is just a user role with no server-level permissions.</a:t>
+            </a:r>
+          </a:p>
+          <a:p>
+            <a:endParaRPr lang="en-US" sz="2800" dirty="0"/>
+          </a:p>
+          <a:p>
+            <a:endParaRPr lang="en-US" sz="2800" dirty="0"/>
           </a:p>
         </p:txBody>
       </p:sp>
@@ -26247,7 +26094,7 @@
               <a:buNone/>
             </a:pPr>
             <a:r>
-              <a:rPr lang="en-US" sz="4000" b="1" cap="all" dirty="0">
+              <a:rPr lang="en-US" sz="4000" b="1" cap="all" dirty="0" err="1">
                 <a:solidFill>
                   <a:srgbClr val="3D156F"/>
                 </a:solidFill>
@@ -26255,15 +26102,23 @@
                 <a:ea typeface="+mj-ea"/>
                 <a:cs typeface="+mj-cs"/>
               </a:rPr>
-              <a:t>ownership</a:t>
-            </a:r>
+              <a:t>dbo</a:t>
+            </a:r>
+            <a:endParaRPr lang="en-US" sz="4000" b="1" cap="all" dirty="0">
+              <a:solidFill>
+                <a:srgbClr val="3D156F"/>
+              </a:solidFill>
+              <a:latin typeface="+mj-lt"/>
+              <a:ea typeface="+mj-ea"/>
+              <a:cs typeface="+mj-cs"/>
+            </a:endParaRPr>
           </a:p>
         </p:txBody>
       </p:sp>
     </p:spTree>
     <p:extLst>
       <p:ext uri="{BB962C8B-B14F-4D97-AF65-F5344CB8AC3E}">
-        <p14:creationId xmlns:p14="http://schemas.microsoft.com/office/powerpoint/2010/main" val="1340801143"/>
+        <p14:creationId xmlns:p14="http://schemas.microsoft.com/office/powerpoint/2010/main" val="3698255014"/>
       </p:ext>
     </p:extLst>
   </p:cSld>
@@ -26302,7 +26157,7 @@
         </p:nvSpPr>
         <p:spPr>
           <a:xfrm>
-            <a:off x="1676400" y="1066801"/>
+            <a:off x="1524000" y="828676"/>
             <a:ext cx="8229600" cy="5191125"/>
           </a:xfrm>
         </p:spPr>
@@ -26314,21 +26169,24 @@
           <a:p>
             <a:r>
               <a:rPr lang="en-US" b="0" dirty="0"/>
-              <a:t>A schema is a securable container </a:t>
-            </a:r>
+              <a:t>Microsoft has done away with the terminology of Users or Logins “owning” objects, such as databases and schemas.</a:t>
+            </a:r>
+          </a:p>
+          <a:p>
+            <a:endParaRPr lang="en-US" dirty="0"/>
           </a:p>
           <a:p>
             <a:r>
               <a:rPr lang="en-US" b="0" dirty="0"/>
-              <a:t>It contains database of objects, by default objects are inside the internal “</a:t>
-            </a:r>
-            <a:r>
-              <a:rPr lang="en-US" b="0" dirty="0" err="1"/>
-              <a:t>dbo</a:t>
+              <a:t>Changing the </a:t>
+            </a:r>
+            <a:r>
+              <a:rPr lang="en-US" dirty="0"/>
+              <a:t>AUTHORIZATION</a:t>
             </a:r>
             <a:r>
               <a:rPr lang="en-US" b="0" dirty="0"/>
-              <a:t>” schema.</a:t>
+              <a:t> is now the more accurate term to describe “ownership” of an object.  </a:t>
             </a:r>
           </a:p>
           <a:p>
@@ -26337,7 +26195,19 @@
           <a:p>
             <a:r>
               <a:rPr lang="en-US" b="0" dirty="0"/>
-              <a:t>Additional user schemas can be created.  Permissions can be granted to schemas as a set.</a:t>
+              <a:t>For example, </a:t>
+            </a:r>
+            <a:r>
+              <a:rPr lang="en-US" dirty="0" err="1"/>
+              <a:t>sp_changedbowner</a:t>
+            </a:r>
+            <a:r>
+              <a:rPr lang="en-US" dirty="0"/>
+              <a:t> </a:t>
+            </a:r>
+            <a:r>
+              <a:rPr lang="en-US" b="0" dirty="0"/>
+              <a:t>is deprecated, replaced by </a:t>
             </a:r>
           </a:p>
           <a:p>
@@ -26345,67 +26215,23 @@
               <a:buNone/>
             </a:pPr>
             <a:r>
+              <a:rPr lang="en-US" dirty="0"/>
+              <a:t>	</a:t>
+            </a:r>
+            <a:r>
               <a:rPr lang="en-US" b="0" dirty="0"/>
-              <a:t>Examples: </a:t>
-            </a:r>
-          </a:p>
-          <a:p>
-            <a:r>
-              <a:rPr lang="en-US" dirty="0"/>
-              <a:t> </a:t>
-            </a:r>
-            <a:r>
-              <a:rPr lang="en-US" b="0" dirty="0"/>
-              <a:t>logical </a:t>
-            </a:r>
-            <a:r>
-              <a:rPr lang="en-US" b="0" dirty="0">
-                <a:solidFill>
-                  <a:srgbClr val="7030A0"/>
-                </a:solidFill>
-              </a:rPr>
-              <a:t>[Staging], [ODS], [Audit], [WH]</a:t>
-            </a:r>
-          </a:p>
-          <a:p>
-            <a:r>
-              <a:rPr lang="en-US" b="0" dirty="0"/>
-              <a:t>	business </a:t>
-            </a:r>
-            <a:r>
-              <a:rPr lang="en-US" b="0" dirty="0">
-                <a:solidFill>
-                  <a:srgbClr val="7030A0"/>
-                </a:solidFill>
-              </a:rPr>
-              <a:t>[Sales], [HR], [Acct], [</a:t>
-            </a:r>
-            <a:r>
-              <a:rPr lang="en-US" b="0" dirty="0" err="1">
-                <a:solidFill>
-                  <a:srgbClr val="7030A0"/>
-                </a:solidFill>
-              </a:rPr>
-              <a:t>Inv</a:t>
-            </a:r>
-            <a:r>
-              <a:rPr lang="en-US" b="0" dirty="0">
-                <a:solidFill>
-                  <a:srgbClr val="7030A0"/>
-                </a:solidFill>
-              </a:rPr>
-              <a:t>]</a:t>
-            </a:r>
-          </a:p>
-          <a:p>
-            <a:pPr marL="0" indent="0">
-              <a:buNone/>
-            </a:pPr>
-            <a:endParaRPr lang="en-US" b="0" dirty="0">
-              <a:solidFill>
-                <a:srgbClr val="7030A0"/>
-              </a:solidFill>
-            </a:endParaRPr>
+              <a:t>ALTER AUTHORIZATION</a:t>
+            </a:r>
+            <a:endParaRPr lang="en-US" dirty="0"/>
+          </a:p>
+          <a:p>
+            <a:endParaRPr lang="en-US" b="0" dirty="0"/>
+          </a:p>
+          <a:p>
+            <a:endParaRPr lang="en-US" b="0" dirty="0"/>
+          </a:p>
+          <a:p>
+            <a:endParaRPr lang="en-US" b="0" dirty="0"/>
           </a:p>
         </p:txBody>
       </p:sp>
@@ -26580,7 +26406,7 @@
                 <a:ea typeface="+mj-ea"/>
                 <a:cs typeface="+mj-cs"/>
               </a:rPr>
-              <a:t>Schemas</a:t>
+              <a:t>ownership</a:t>
             </a:r>
           </a:p>
         </p:txBody>
@@ -26588,7 +26414,7 @@
     </p:spTree>
     <p:extLst>
       <p:ext uri="{BB962C8B-B14F-4D97-AF65-F5344CB8AC3E}">
-        <p14:creationId xmlns:p14="http://schemas.microsoft.com/office/powerpoint/2010/main" val="2540603864"/>
+        <p14:creationId xmlns:p14="http://schemas.microsoft.com/office/powerpoint/2010/main" val="1340801143"/>
       </p:ext>
     </p:extLst>
   </p:cSld>
@@ -26627,19 +26453,33 @@
         </p:nvSpPr>
         <p:spPr>
           <a:xfrm>
-            <a:off x="1524000" y="828676"/>
+            <a:off x="1676400" y="1066801"/>
             <a:ext cx="8229600" cy="5191125"/>
           </a:xfrm>
         </p:spPr>
         <p:txBody>
           <a:bodyPr>
-            <a:normAutofit/>
+            <a:normAutofit lnSpcReduction="10000"/>
           </a:bodyPr>
           <a:lstStyle/>
           <a:p>
             <a:r>
               <a:rPr lang="en-US" b="0" dirty="0"/>
-              <a:t>Schemas can have owners and permissions to schemas can be granted to database principals.</a:t>
+              <a:t>A schema is a securable container </a:t>
+            </a:r>
+          </a:p>
+          <a:p>
+            <a:r>
+              <a:rPr lang="en-US" b="0" dirty="0"/>
+              <a:t>It contains database of objects, by default objects are inside the internal “</a:t>
+            </a:r>
+            <a:r>
+              <a:rPr lang="en-US" b="0" dirty="0" err="1"/>
+              <a:t>dbo</a:t>
+            </a:r>
+            <a:r>
+              <a:rPr lang="en-US" b="0" dirty="0"/>
+              <a:t>” schema.</a:t>
             </a:r>
           </a:p>
           <a:p>
@@ -26648,334 +26488,75 @@
           <a:p>
             <a:r>
               <a:rPr lang="en-US" b="0" dirty="0"/>
-              <a:t>For example:	</a:t>
-            </a:r>
-          </a:p>
-          <a:p>
-            <a:pPr lvl="1"/>
-            <a:r>
-              <a:rPr lang="en-US" dirty="0">
-                <a:solidFill>
-                  <a:srgbClr val="0000FF"/>
-                </a:solidFill>
-                <a:latin typeface="Consolas" panose="020B0609020204030204" pitchFamily="49" charset="0"/>
-              </a:rPr>
-              <a:t>CREATE</a:t>
-            </a:r>
-            <a:r>
-              <a:rPr lang="en-US" dirty="0">
-                <a:solidFill>
-                  <a:prstClr val="black"/>
-                </a:solidFill>
-                <a:latin typeface="Consolas" panose="020B0609020204030204" pitchFamily="49" charset="0"/>
-              </a:rPr>
+              <a:t>Additional user schemas can be created.  Permissions can be granted to schemas as a set.</a:t>
+            </a:r>
+          </a:p>
+          <a:p>
+            <a:pPr marL="0" indent="0">
+              <a:buNone/>
+            </a:pPr>
+            <a:r>
+              <a:rPr lang="en-US" b="0" dirty="0"/>
+              <a:t>Examples: </a:t>
+            </a:r>
+          </a:p>
+          <a:p>
+            <a:r>
+              <a:rPr lang="en-US" dirty="0"/>
               <a:t> </a:t>
             </a:r>
             <a:r>
-              <a:rPr lang="en-US" dirty="0">
-                <a:solidFill>
-                  <a:srgbClr val="0000FF"/>
-                </a:solidFill>
-                <a:latin typeface="Consolas" panose="020B0609020204030204" pitchFamily="49" charset="0"/>
-              </a:rPr>
-              <a:t>SCHEMA</a:t>
-            </a:r>
-            <a:r>
-              <a:rPr lang="en-US" dirty="0">
-                <a:solidFill>
-                  <a:prstClr val="black"/>
-                </a:solidFill>
-                <a:latin typeface="Consolas" panose="020B0609020204030204" pitchFamily="49" charset="0"/>
-              </a:rPr>
-              <a:t> [STAGING] </a:t>
-            </a:r>
-            <a:r>
-              <a:rPr lang="en-US" dirty="0">
-                <a:solidFill>
-                  <a:srgbClr val="0000FF"/>
-                </a:solidFill>
-                <a:latin typeface="Consolas" panose="020B0609020204030204" pitchFamily="49" charset="0"/>
-              </a:rPr>
-              <a:t>AUTHORIZATION</a:t>
-            </a:r>
-            <a:r>
-              <a:rPr lang="en-US" dirty="0">
-                <a:solidFill>
-                  <a:prstClr val="black"/>
-                </a:solidFill>
-                <a:latin typeface="Consolas" panose="020B0609020204030204" pitchFamily="49" charset="0"/>
-              </a:rPr>
-              <a:t> [</a:t>
-            </a:r>
-            <a:r>
-              <a:rPr lang="en-US" dirty="0" err="1">
-                <a:solidFill>
-                  <a:prstClr val="black"/>
-                </a:solidFill>
-                <a:latin typeface="Consolas" panose="020B0609020204030204" pitchFamily="49" charset="0"/>
-              </a:rPr>
-              <a:t>ETLAdminUser</a:t>
-            </a:r>
-            <a:r>
-              <a:rPr lang="en-US" dirty="0">
-                <a:solidFill>
-                  <a:prstClr val="black"/>
-                </a:solidFill>
-                <a:latin typeface="Consolas" panose="020B0609020204030204" pitchFamily="49" charset="0"/>
+              <a:rPr lang="en-US" b="0" dirty="0"/>
+              <a:t>logical </a:t>
+            </a:r>
+            <a:r>
+              <a:rPr lang="en-US" b="0" dirty="0">
+                <a:solidFill>
+                  <a:srgbClr val="7030A0"/>
+                </a:solidFill>
+              </a:rPr>
+              <a:t>[Staging], [ODS], [Audit], [WH]</a:t>
+            </a:r>
+          </a:p>
+          <a:p>
+            <a:r>
+              <a:rPr lang="en-US" b="0" dirty="0"/>
+              <a:t>	business </a:t>
+            </a:r>
+            <a:r>
+              <a:rPr lang="en-US" b="0" dirty="0">
+                <a:solidFill>
+                  <a:srgbClr val="7030A0"/>
+                </a:solidFill>
+              </a:rPr>
+              <a:t>[Sales], [HR], [Acct], [</a:t>
+            </a:r>
+            <a:r>
+              <a:rPr lang="en-US" b="0" dirty="0" err="1">
+                <a:solidFill>
+                  <a:srgbClr val="7030A0"/>
+                </a:solidFill>
+              </a:rPr>
+              <a:t>Inv</a:t>
+            </a:r>
+            <a:r>
+              <a:rPr lang="en-US" b="0" dirty="0">
+                <a:solidFill>
+                  <a:srgbClr val="7030A0"/>
+                </a:solidFill>
               </a:rPr>
               <a:t>]</a:t>
             </a:r>
-            <a:r>
-              <a:rPr lang="en-US" dirty="0">
-                <a:solidFill>
-                  <a:srgbClr val="808080"/>
-                </a:solidFill>
-                <a:latin typeface="Consolas" panose="020B0609020204030204" pitchFamily="49" charset="0"/>
-              </a:rPr>
-              <a:t>;</a:t>
-            </a:r>
-            <a:endParaRPr lang="en-US" dirty="0">
+          </a:p>
+          <a:p>
+            <a:pPr marL="0" indent="0">
+              <a:buNone/>
+            </a:pPr>
+            <a:endParaRPr lang="en-US" b="0" dirty="0">
               <a:solidFill>
-                <a:prstClr val="black"/>
+                <a:srgbClr val="7030A0"/>
               </a:solidFill>
-              <a:latin typeface="Consolas" panose="020B0609020204030204" pitchFamily="49" charset="0"/>
             </a:endParaRPr>
-          </a:p>
-          <a:p>
-            <a:pPr lvl="1"/>
-            <a:r>
-              <a:rPr lang="en-US" dirty="0">
-                <a:solidFill>
-                  <a:srgbClr val="0000FF"/>
-                </a:solidFill>
-                <a:latin typeface="Consolas" panose="020B0609020204030204" pitchFamily="49" charset="0"/>
-              </a:rPr>
-              <a:t>CREATE</a:t>
-            </a:r>
-            <a:r>
-              <a:rPr lang="en-US" dirty="0">
-                <a:solidFill>
-                  <a:prstClr val="black"/>
-                </a:solidFill>
-                <a:latin typeface="Consolas" panose="020B0609020204030204" pitchFamily="49" charset="0"/>
-              </a:rPr>
-              <a:t> </a:t>
-            </a:r>
-            <a:r>
-              <a:rPr lang="en-US" dirty="0">
-                <a:solidFill>
-                  <a:srgbClr val="0000FF"/>
-                </a:solidFill>
-                <a:latin typeface="Consolas" panose="020B0609020204030204" pitchFamily="49" charset="0"/>
-              </a:rPr>
-              <a:t>TABLE</a:t>
-            </a:r>
-            <a:r>
-              <a:rPr lang="en-US" dirty="0">
-                <a:solidFill>
-                  <a:prstClr val="black"/>
-                </a:solidFill>
-                <a:latin typeface="Consolas" panose="020B0609020204030204" pitchFamily="49" charset="0"/>
-              </a:rPr>
-              <a:t> [STAGING]</a:t>
-            </a:r>
-            <a:r>
-              <a:rPr lang="en-US" dirty="0">
-                <a:solidFill>
-                  <a:srgbClr val="808080"/>
-                </a:solidFill>
-                <a:latin typeface="Consolas" panose="020B0609020204030204" pitchFamily="49" charset="0"/>
-              </a:rPr>
-              <a:t>.</a:t>
-            </a:r>
-            <a:r>
-              <a:rPr lang="en-US" dirty="0">
-                <a:solidFill>
-                  <a:prstClr val="black"/>
-                </a:solidFill>
-                <a:latin typeface="Consolas" panose="020B0609020204030204" pitchFamily="49" charset="0"/>
-              </a:rPr>
-              <a:t>[</a:t>
-            </a:r>
-            <a:r>
-              <a:rPr lang="en-US" dirty="0" err="1">
-                <a:solidFill>
-                  <a:prstClr val="black"/>
-                </a:solidFill>
-                <a:latin typeface="Consolas" panose="020B0609020204030204" pitchFamily="49" charset="0"/>
-              </a:rPr>
-              <a:t>AuditLog</a:t>
-            </a:r>
-            <a:r>
-              <a:rPr lang="en-US" dirty="0">
-                <a:solidFill>
-                  <a:prstClr val="black"/>
-                </a:solidFill>
-                <a:latin typeface="Consolas" panose="020B0609020204030204" pitchFamily="49" charset="0"/>
-              </a:rPr>
-              <a:t>]</a:t>
-            </a:r>
-            <a:r>
-              <a:rPr lang="en-US" dirty="0">
-                <a:solidFill>
-                  <a:srgbClr val="0000FF"/>
-                </a:solidFill>
-                <a:latin typeface="Consolas" panose="020B0609020204030204" pitchFamily="49" charset="0"/>
-              </a:rPr>
-              <a:t> </a:t>
-            </a:r>
-            <a:r>
-              <a:rPr lang="en-US" dirty="0">
-                <a:solidFill>
-                  <a:srgbClr val="808080"/>
-                </a:solidFill>
-                <a:latin typeface="Consolas" panose="020B0609020204030204" pitchFamily="49" charset="0"/>
-              </a:rPr>
-              <a:t>(</a:t>
-            </a:r>
-            <a:r>
-              <a:rPr lang="en-US" dirty="0">
-                <a:solidFill>
-                  <a:srgbClr val="FF0000"/>
-                </a:solidFill>
-                <a:latin typeface="Consolas" panose="020B0609020204030204" pitchFamily="49" charset="0"/>
-              </a:rPr>
-              <a:t>…</a:t>
-            </a:r>
-            <a:r>
-              <a:rPr lang="en-US" dirty="0">
-                <a:solidFill>
-                  <a:srgbClr val="808080"/>
-                </a:solidFill>
-                <a:latin typeface="Consolas" panose="020B0609020204030204" pitchFamily="49" charset="0"/>
-              </a:rPr>
-              <a:t>);</a:t>
-            </a:r>
-            <a:endParaRPr lang="en-US" dirty="0">
-              <a:solidFill>
-                <a:prstClr val="black"/>
-              </a:solidFill>
-              <a:latin typeface="Consolas" panose="020B0609020204030204" pitchFamily="49" charset="0"/>
-            </a:endParaRPr>
-          </a:p>
-          <a:p>
-            <a:pPr lvl="1"/>
-            <a:r>
-              <a:rPr lang="en-US" dirty="0">
-                <a:solidFill>
-                  <a:srgbClr val="0000FF"/>
-                </a:solidFill>
-                <a:latin typeface="Consolas" panose="020B0609020204030204" pitchFamily="49" charset="0"/>
-              </a:rPr>
-              <a:t>GRANT</a:t>
-            </a:r>
-            <a:r>
-              <a:rPr lang="en-US" dirty="0">
-                <a:solidFill>
-                  <a:prstClr val="black"/>
-                </a:solidFill>
-                <a:latin typeface="Consolas" panose="020B0609020204030204" pitchFamily="49" charset="0"/>
-              </a:rPr>
-              <a:t> </a:t>
-            </a:r>
-            <a:r>
-              <a:rPr lang="en-US" dirty="0">
-                <a:solidFill>
-                  <a:srgbClr val="0000FF"/>
-                </a:solidFill>
-                <a:latin typeface="Consolas" panose="020B0609020204030204" pitchFamily="49" charset="0"/>
-              </a:rPr>
-              <a:t>SELECT</a:t>
-            </a:r>
-            <a:r>
-              <a:rPr lang="en-US" dirty="0">
-                <a:solidFill>
-                  <a:prstClr val="black"/>
-                </a:solidFill>
-                <a:latin typeface="Consolas" panose="020B0609020204030204" pitchFamily="49" charset="0"/>
-              </a:rPr>
-              <a:t> </a:t>
-            </a:r>
-            <a:r>
-              <a:rPr lang="en-US" dirty="0">
-                <a:solidFill>
-                  <a:srgbClr val="0000FF"/>
-                </a:solidFill>
-                <a:latin typeface="Consolas" panose="020B0609020204030204" pitchFamily="49" charset="0"/>
-              </a:rPr>
-              <a:t>ON</a:t>
-            </a:r>
-            <a:r>
-              <a:rPr lang="en-US" dirty="0">
-                <a:solidFill>
-                  <a:prstClr val="black"/>
-                </a:solidFill>
-                <a:latin typeface="Consolas" panose="020B0609020204030204" pitchFamily="49" charset="0"/>
-              </a:rPr>
-              <a:t> [STAGING] </a:t>
-            </a:r>
-            <a:r>
-              <a:rPr lang="en-US" dirty="0">
-                <a:solidFill>
-                  <a:srgbClr val="0000FF"/>
-                </a:solidFill>
-                <a:latin typeface="Consolas" panose="020B0609020204030204" pitchFamily="49" charset="0"/>
-              </a:rPr>
-              <a:t>TO</a:t>
-            </a:r>
-            <a:r>
-              <a:rPr lang="en-US" dirty="0">
-                <a:solidFill>
-                  <a:prstClr val="black"/>
-                </a:solidFill>
-                <a:latin typeface="Consolas" panose="020B0609020204030204" pitchFamily="49" charset="0"/>
-              </a:rPr>
-              <a:t> [</a:t>
-            </a:r>
-            <a:r>
-              <a:rPr lang="en-US" dirty="0" err="1">
-                <a:solidFill>
-                  <a:prstClr val="black"/>
-                </a:solidFill>
-                <a:latin typeface="Consolas" panose="020B0609020204030204" pitchFamily="49" charset="0"/>
-              </a:rPr>
-              <a:t>ETLReadOnlyUser</a:t>
-            </a:r>
-            <a:r>
-              <a:rPr lang="en-US" dirty="0">
-                <a:solidFill>
-                  <a:prstClr val="black"/>
-                </a:solidFill>
-                <a:latin typeface="Consolas" panose="020B0609020204030204" pitchFamily="49" charset="0"/>
-              </a:rPr>
-              <a:t>]</a:t>
-            </a:r>
-            <a:r>
-              <a:rPr lang="en-US" dirty="0">
-                <a:solidFill>
-                  <a:srgbClr val="808080"/>
-                </a:solidFill>
-                <a:latin typeface="Consolas" panose="020B0609020204030204" pitchFamily="49" charset="0"/>
-              </a:rPr>
-              <a:t>;</a:t>
-            </a:r>
-            <a:endParaRPr lang="en-US" dirty="0">
-              <a:solidFill>
-                <a:prstClr val="black"/>
-              </a:solidFill>
-              <a:latin typeface="Consolas" panose="020B0609020204030204" pitchFamily="49" charset="0"/>
-            </a:endParaRPr>
-          </a:p>
-          <a:p>
-            <a:endParaRPr lang="en-US" sz="3200" dirty="0">
-              <a:solidFill>
-                <a:prstClr val="black"/>
-              </a:solidFill>
-              <a:latin typeface="Consolas" panose="020B0609020204030204" pitchFamily="49" charset="0"/>
-            </a:endParaRPr>
-          </a:p>
-          <a:p>
-            <a:endParaRPr lang="en-US" dirty="0"/>
           </a:p>
         </p:txBody>
       </p:sp>
@@ -27150,7 +26731,7 @@
                 <a:ea typeface="+mj-ea"/>
                 <a:cs typeface="+mj-cs"/>
               </a:rPr>
-              <a:t>schemas</a:t>
+              <a:t>Schemas</a:t>
             </a:r>
           </a:p>
         </p:txBody>
@@ -27158,7 +26739,7 @@
     </p:spTree>
     <p:extLst>
       <p:ext uri="{BB962C8B-B14F-4D97-AF65-F5344CB8AC3E}">
-        <p14:creationId xmlns:p14="http://schemas.microsoft.com/office/powerpoint/2010/main" val="1872781745"/>
+        <p14:creationId xmlns:p14="http://schemas.microsoft.com/office/powerpoint/2010/main" val="2540603864"/>
       </p:ext>
     </p:extLst>
   </p:cSld>
@@ -27169,7 +26750,7 @@
 </file>
 
 <file path=ppt/slides/slide55.xml><?xml version="1.0" encoding="utf-8"?>
-<p:sld xmlns:a="http://schemas.openxmlformats.org/drawingml/2006/main" xmlns:r="http://schemas.openxmlformats.org/officeDocument/2006/relationships" xmlns:p="http://schemas.openxmlformats.org/presentationml/2006/main">
+<p:sld xmlns:a="http://schemas.openxmlformats.org/drawingml/2006/main" xmlns:r="http://schemas.openxmlformats.org/officeDocument/2006/relationships" xmlns:p="http://schemas.openxmlformats.org/presentationml/2006/main" showMasterSp="0">
   <p:cSld>
     <p:spTree>
       <p:nvGrpSpPr>
@@ -27197,8 +26778,8 @@
         </p:nvSpPr>
         <p:spPr>
           <a:xfrm>
-            <a:off x="1676400" y="990600"/>
-            <a:ext cx="9448800" cy="5486400"/>
+            <a:off x="1524000" y="828676"/>
+            <a:ext cx="8229600" cy="5191125"/>
           </a:xfrm>
         </p:spPr>
         <p:txBody>
@@ -27208,36 +26789,344 @@
           <a:lstStyle/>
           <a:p>
             <a:r>
-              <a:rPr lang="en-US" sz="3200" dirty="0"/>
-              <a:t>Every login and user is a member of “public”.</a:t>
-            </a:r>
-          </a:p>
-          <a:p>
-            <a:pPr marL="342900" lvl="1" indent="-342900"/>
-            <a:r>
-              <a:rPr lang="en-US" sz="3200" dirty="0"/>
-              <a:t>Public is a server role that should never be granted any additional permissions, authorization or ownership. </a:t>
-            </a:r>
-          </a:p>
-          <a:p>
-            <a:pPr marL="342900" lvl="1" indent="-342900"/>
-            <a:r>
-              <a:rPr lang="en-US" sz="3200" dirty="0"/>
-              <a:t>Every database user/roles belongs to a public database role. </a:t>
-            </a:r>
-          </a:p>
-          <a:p>
-            <a:pPr marL="342900" lvl="1" indent="-342900"/>
-            <a:r>
-              <a:rPr lang="en-US" sz="3200" dirty="0"/>
-              <a:t>When a user has not been granted or denied specific permissions on a securable, the user inherits the permissions granted to public. </a:t>
-            </a:r>
-          </a:p>
-          <a:p>
-            <a:pPr marL="0" indent="0">
-              <a:buNone/>
-            </a:pPr>
-            <a:endParaRPr lang="en-US" sz="3200" dirty="0"/>
+              <a:rPr lang="en-US" b="0" dirty="0"/>
+              <a:t>Schemas can have owners and permissions to schemas can be granted to database principals.</a:t>
+            </a:r>
+          </a:p>
+          <a:p>
+            <a:endParaRPr lang="en-US" b="0" dirty="0"/>
+          </a:p>
+          <a:p>
+            <a:r>
+              <a:rPr lang="en-US" b="0" dirty="0"/>
+              <a:t>For example:	</a:t>
+            </a:r>
+          </a:p>
+          <a:p>
+            <a:pPr lvl="1"/>
+            <a:r>
+              <a:rPr lang="en-US" dirty="0">
+                <a:solidFill>
+                  <a:srgbClr val="0000FF"/>
+                </a:solidFill>
+                <a:latin typeface="Consolas" panose="020B0609020204030204" pitchFamily="49" charset="0"/>
+              </a:rPr>
+              <a:t>CREATE</a:t>
+            </a:r>
+            <a:r>
+              <a:rPr lang="en-US" dirty="0">
+                <a:solidFill>
+                  <a:prstClr val="black"/>
+                </a:solidFill>
+                <a:latin typeface="Consolas" panose="020B0609020204030204" pitchFamily="49" charset="0"/>
+              </a:rPr>
+              <a:t> </a:t>
+            </a:r>
+            <a:r>
+              <a:rPr lang="en-US" dirty="0">
+                <a:solidFill>
+                  <a:srgbClr val="0000FF"/>
+                </a:solidFill>
+                <a:latin typeface="Consolas" panose="020B0609020204030204" pitchFamily="49" charset="0"/>
+              </a:rPr>
+              <a:t>SCHEMA</a:t>
+            </a:r>
+            <a:r>
+              <a:rPr lang="en-US" dirty="0">
+                <a:solidFill>
+                  <a:prstClr val="black"/>
+                </a:solidFill>
+                <a:latin typeface="Consolas" panose="020B0609020204030204" pitchFamily="49" charset="0"/>
+              </a:rPr>
+              <a:t> [STAGING] </a:t>
+            </a:r>
+            <a:r>
+              <a:rPr lang="en-US" dirty="0">
+                <a:solidFill>
+                  <a:srgbClr val="0000FF"/>
+                </a:solidFill>
+                <a:latin typeface="Consolas" panose="020B0609020204030204" pitchFamily="49" charset="0"/>
+              </a:rPr>
+              <a:t>AUTHORIZATION</a:t>
+            </a:r>
+            <a:r>
+              <a:rPr lang="en-US" dirty="0">
+                <a:solidFill>
+                  <a:prstClr val="black"/>
+                </a:solidFill>
+                <a:latin typeface="Consolas" panose="020B0609020204030204" pitchFamily="49" charset="0"/>
+              </a:rPr>
+              <a:t> [</a:t>
+            </a:r>
+            <a:r>
+              <a:rPr lang="en-US" dirty="0" err="1">
+                <a:solidFill>
+                  <a:prstClr val="black"/>
+                </a:solidFill>
+                <a:latin typeface="Consolas" panose="020B0609020204030204" pitchFamily="49" charset="0"/>
+              </a:rPr>
+              <a:t>ETLAdminUser</a:t>
+            </a:r>
+            <a:r>
+              <a:rPr lang="en-US" dirty="0">
+                <a:solidFill>
+                  <a:prstClr val="black"/>
+                </a:solidFill>
+                <a:latin typeface="Consolas" panose="020B0609020204030204" pitchFamily="49" charset="0"/>
+              </a:rPr>
+              <a:t>]</a:t>
+            </a:r>
+            <a:r>
+              <a:rPr lang="en-US" dirty="0">
+                <a:solidFill>
+                  <a:srgbClr val="808080"/>
+                </a:solidFill>
+                <a:latin typeface="Consolas" panose="020B0609020204030204" pitchFamily="49" charset="0"/>
+              </a:rPr>
+              <a:t>;</a:t>
+            </a:r>
+            <a:endParaRPr lang="en-US" dirty="0">
+              <a:solidFill>
+                <a:prstClr val="black"/>
+              </a:solidFill>
+              <a:latin typeface="Consolas" panose="020B0609020204030204" pitchFamily="49" charset="0"/>
+            </a:endParaRPr>
+          </a:p>
+          <a:p>
+            <a:pPr lvl="1"/>
+            <a:r>
+              <a:rPr lang="en-US" dirty="0">
+                <a:solidFill>
+                  <a:srgbClr val="0000FF"/>
+                </a:solidFill>
+                <a:latin typeface="Consolas" panose="020B0609020204030204" pitchFamily="49" charset="0"/>
+              </a:rPr>
+              <a:t>CREATE</a:t>
+            </a:r>
+            <a:r>
+              <a:rPr lang="en-US" dirty="0">
+                <a:solidFill>
+                  <a:prstClr val="black"/>
+                </a:solidFill>
+                <a:latin typeface="Consolas" panose="020B0609020204030204" pitchFamily="49" charset="0"/>
+              </a:rPr>
+              <a:t> </a:t>
+            </a:r>
+            <a:r>
+              <a:rPr lang="en-US" dirty="0">
+                <a:solidFill>
+                  <a:srgbClr val="0000FF"/>
+                </a:solidFill>
+                <a:latin typeface="Consolas" panose="020B0609020204030204" pitchFamily="49" charset="0"/>
+              </a:rPr>
+              <a:t>TABLE</a:t>
+            </a:r>
+            <a:r>
+              <a:rPr lang="en-US" dirty="0">
+                <a:solidFill>
+                  <a:prstClr val="black"/>
+                </a:solidFill>
+                <a:latin typeface="Consolas" panose="020B0609020204030204" pitchFamily="49" charset="0"/>
+              </a:rPr>
+              <a:t> [STAGING]</a:t>
+            </a:r>
+            <a:r>
+              <a:rPr lang="en-US" dirty="0">
+                <a:solidFill>
+                  <a:srgbClr val="808080"/>
+                </a:solidFill>
+                <a:latin typeface="Consolas" panose="020B0609020204030204" pitchFamily="49" charset="0"/>
+              </a:rPr>
+              <a:t>.</a:t>
+            </a:r>
+            <a:r>
+              <a:rPr lang="en-US" dirty="0">
+                <a:solidFill>
+                  <a:prstClr val="black"/>
+                </a:solidFill>
+                <a:latin typeface="Consolas" panose="020B0609020204030204" pitchFamily="49" charset="0"/>
+              </a:rPr>
+              <a:t>[</a:t>
+            </a:r>
+            <a:r>
+              <a:rPr lang="en-US" dirty="0" err="1">
+                <a:solidFill>
+                  <a:prstClr val="black"/>
+                </a:solidFill>
+                <a:latin typeface="Consolas" panose="020B0609020204030204" pitchFamily="49" charset="0"/>
+              </a:rPr>
+              <a:t>AuditLog</a:t>
+            </a:r>
+            <a:r>
+              <a:rPr lang="en-US" dirty="0">
+                <a:solidFill>
+                  <a:prstClr val="black"/>
+                </a:solidFill>
+                <a:latin typeface="Consolas" panose="020B0609020204030204" pitchFamily="49" charset="0"/>
+              </a:rPr>
+              <a:t>]</a:t>
+            </a:r>
+            <a:r>
+              <a:rPr lang="en-US" dirty="0">
+                <a:solidFill>
+                  <a:srgbClr val="0000FF"/>
+                </a:solidFill>
+                <a:latin typeface="Consolas" panose="020B0609020204030204" pitchFamily="49" charset="0"/>
+              </a:rPr>
+              <a:t> </a:t>
+            </a:r>
+            <a:r>
+              <a:rPr lang="en-US" dirty="0">
+                <a:solidFill>
+                  <a:srgbClr val="808080"/>
+                </a:solidFill>
+                <a:latin typeface="Consolas" panose="020B0609020204030204" pitchFamily="49" charset="0"/>
+              </a:rPr>
+              <a:t>(</a:t>
+            </a:r>
+            <a:r>
+              <a:rPr lang="en-US" dirty="0">
+                <a:solidFill>
+                  <a:srgbClr val="FF0000"/>
+                </a:solidFill>
+                <a:latin typeface="Consolas" panose="020B0609020204030204" pitchFamily="49" charset="0"/>
+              </a:rPr>
+              <a:t>…</a:t>
+            </a:r>
+            <a:r>
+              <a:rPr lang="en-US" dirty="0">
+                <a:solidFill>
+                  <a:srgbClr val="808080"/>
+                </a:solidFill>
+                <a:latin typeface="Consolas" panose="020B0609020204030204" pitchFamily="49" charset="0"/>
+              </a:rPr>
+              <a:t>);</a:t>
+            </a:r>
+            <a:endParaRPr lang="en-US" dirty="0">
+              <a:solidFill>
+                <a:prstClr val="black"/>
+              </a:solidFill>
+              <a:latin typeface="Consolas" panose="020B0609020204030204" pitchFamily="49" charset="0"/>
+            </a:endParaRPr>
+          </a:p>
+          <a:p>
+            <a:pPr lvl="1"/>
+            <a:r>
+              <a:rPr lang="en-US" dirty="0">
+                <a:solidFill>
+                  <a:srgbClr val="0000FF"/>
+                </a:solidFill>
+                <a:latin typeface="Consolas" panose="020B0609020204030204" pitchFamily="49" charset="0"/>
+              </a:rPr>
+              <a:t>GRANT</a:t>
+            </a:r>
+            <a:r>
+              <a:rPr lang="en-US" dirty="0">
+                <a:solidFill>
+                  <a:prstClr val="black"/>
+                </a:solidFill>
+                <a:latin typeface="Consolas" panose="020B0609020204030204" pitchFamily="49" charset="0"/>
+              </a:rPr>
+              <a:t> </a:t>
+            </a:r>
+            <a:r>
+              <a:rPr lang="en-US" dirty="0">
+                <a:solidFill>
+                  <a:srgbClr val="0000FF"/>
+                </a:solidFill>
+                <a:latin typeface="Consolas" panose="020B0609020204030204" pitchFamily="49" charset="0"/>
+              </a:rPr>
+              <a:t>SELECT</a:t>
+            </a:r>
+            <a:r>
+              <a:rPr lang="en-US" dirty="0">
+                <a:solidFill>
+                  <a:prstClr val="black"/>
+                </a:solidFill>
+                <a:latin typeface="Consolas" panose="020B0609020204030204" pitchFamily="49" charset="0"/>
+              </a:rPr>
+              <a:t> </a:t>
+            </a:r>
+            <a:r>
+              <a:rPr lang="en-US" dirty="0">
+                <a:solidFill>
+                  <a:srgbClr val="0000FF"/>
+                </a:solidFill>
+                <a:latin typeface="Consolas" panose="020B0609020204030204" pitchFamily="49" charset="0"/>
+              </a:rPr>
+              <a:t>ON</a:t>
+            </a:r>
+            <a:r>
+              <a:rPr lang="en-US" dirty="0">
+                <a:solidFill>
+                  <a:prstClr val="black"/>
+                </a:solidFill>
+                <a:latin typeface="Consolas" panose="020B0609020204030204" pitchFamily="49" charset="0"/>
+              </a:rPr>
+              <a:t> [STAGING] </a:t>
+            </a:r>
+            <a:r>
+              <a:rPr lang="en-US" dirty="0">
+                <a:solidFill>
+                  <a:srgbClr val="0000FF"/>
+                </a:solidFill>
+                <a:latin typeface="Consolas" panose="020B0609020204030204" pitchFamily="49" charset="0"/>
+              </a:rPr>
+              <a:t>TO</a:t>
+            </a:r>
+            <a:r>
+              <a:rPr lang="en-US" dirty="0">
+                <a:solidFill>
+                  <a:prstClr val="black"/>
+                </a:solidFill>
+                <a:latin typeface="Consolas" panose="020B0609020204030204" pitchFamily="49" charset="0"/>
+              </a:rPr>
+              <a:t> [</a:t>
+            </a:r>
+            <a:r>
+              <a:rPr lang="en-US" dirty="0" err="1">
+                <a:solidFill>
+                  <a:prstClr val="black"/>
+                </a:solidFill>
+                <a:latin typeface="Consolas" panose="020B0609020204030204" pitchFamily="49" charset="0"/>
+              </a:rPr>
+              <a:t>ETLReadOnlyUser</a:t>
+            </a:r>
+            <a:r>
+              <a:rPr lang="en-US" dirty="0">
+                <a:solidFill>
+                  <a:prstClr val="black"/>
+                </a:solidFill>
+                <a:latin typeface="Consolas" panose="020B0609020204030204" pitchFamily="49" charset="0"/>
+              </a:rPr>
+              <a:t>]</a:t>
+            </a:r>
+            <a:r>
+              <a:rPr lang="en-US" dirty="0">
+                <a:solidFill>
+                  <a:srgbClr val="808080"/>
+                </a:solidFill>
+                <a:latin typeface="Consolas" panose="020B0609020204030204" pitchFamily="49" charset="0"/>
+              </a:rPr>
+              <a:t>;</a:t>
+            </a:r>
+            <a:endParaRPr lang="en-US" dirty="0">
+              <a:solidFill>
+                <a:prstClr val="black"/>
+              </a:solidFill>
+              <a:latin typeface="Consolas" panose="020B0609020204030204" pitchFamily="49" charset="0"/>
+            </a:endParaRPr>
+          </a:p>
+          <a:p>
+            <a:endParaRPr lang="en-US" sz="3200" dirty="0">
+              <a:solidFill>
+                <a:prstClr val="black"/>
+              </a:solidFill>
+              <a:latin typeface="Consolas" panose="020B0609020204030204" pitchFamily="49" charset="0"/>
+            </a:endParaRPr>
+          </a:p>
+          <a:p>
+            <a:endParaRPr lang="en-US" dirty="0"/>
           </a:p>
         </p:txBody>
       </p:sp>
@@ -27412,7 +27301,7 @@
                 <a:ea typeface="+mj-ea"/>
                 <a:cs typeface="+mj-cs"/>
               </a:rPr>
-              <a:t>PUBLIC</a:t>
+              <a:t>schemas</a:t>
             </a:r>
           </a:p>
         </p:txBody>
@@ -27420,7 +27309,7 @@
     </p:spTree>
     <p:extLst>
       <p:ext uri="{BB962C8B-B14F-4D97-AF65-F5344CB8AC3E}">
-        <p14:creationId xmlns:p14="http://schemas.microsoft.com/office/powerpoint/2010/main" val="1579007202"/>
+        <p14:creationId xmlns:p14="http://schemas.microsoft.com/office/powerpoint/2010/main" val="1872781745"/>
       </p:ext>
     </p:extLst>
   </p:cSld>
@@ -27465,53 +27354,41 @@
         </p:spPr>
         <p:txBody>
           <a:bodyPr>
-            <a:normAutofit lnSpcReduction="10000"/>
+            <a:normAutofit/>
           </a:bodyPr>
           <a:lstStyle/>
           <a:p>
             <a:r>
-              <a:rPr lang="en-US" sz="3600" dirty="0"/>
-              <a:t>Check for this. </a:t>
-            </a:r>
-          </a:p>
-          <a:p>
-            <a:r>
-              <a:rPr lang="en-US" sz="3600" b="1" dirty="0"/>
-              <a:t>Toolbox: public </a:t>
-            </a:r>
-            <a:r>
-              <a:rPr lang="en-US" sz="3600" b="1" dirty="0" err="1"/>
-              <a:t>permissions.sql</a:t>
-            </a:r>
-            <a:endParaRPr lang="en-US" sz="3600" dirty="0"/>
-          </a:p>
-          <a:p>
-            <a:r>
-              <a:rPr lang="en-US" sz="3600" dirty="0"/>
-              <a:t>Permissions assigned to the public role is a </a:t>
-            </a:r>
-            <a:r>
-              <a:rPr lang="en-US" sz="3600" b="1" dirty="0"/>
-              <a:t>clear sign of lazy developers.</a:t>
-            </a:r>
-          </a:p>
-          <a:p>
-            <a:r>
-              <a:rPr lang="en-US" sz="3600" dirty="0"/>
-              <a:t>There are software vendors who have used public to easily grant access to all current and future logins. Watch out for this. </a:t>
-            </a:r>
-          </a:p>
-          <a:p>
-            <a:r>
-              <a:rPr lang="en-US" sz="3600" dirty="0"/>
-              <a:t>The strategy to undo a security architecture based around public is actually pretty complicated, involves lots of testing.</a:t>
-            </a:r>
-          </a:p>
-          <a:p>
-            <a:endParaRPr lang="en-US" sz="3600" dirty="0"/>
-          </a:p>
-          <a:p>
-            <a:endParaRPr lang="en-US" sz="3600" dirty="0"/>
+              <a:rPr lang="en-US" sz="3200" dirty="0"/>
+              <a:t>Every login and user is a member of “public”.</a:t>
+            </a:r>
+          </a:p>
+          <a:p>
+            <a:pPr marL="342900" lvl="1" indent="-342900"/>
+            <a:r>
+              <a:rPr lang="en-US" sz="3200" dirty="0"/>
+              <a:t>Public is a server role that should never be granted any additional permissions, authorization or ownership. </a:t>
+            </a:r>
+          </a:p>
+          <a:p>
+            <a:pPr marL="342900" lvl="1" indent="-342900"/>
+            <a:r>
+              <a:rPr lang="en-US" sz="3200" dirty="0"/>
+              <a:t>Every database user/roles belongs to a public database role. </a:t>
+            </a:r>
+          </a:p>
+          <a:p>
+            <a:pPr marL="342900" lvl="1" indent="-342900"/>
+            <a:r>
+              <a:rPr lang="en-US" sz="3200" dirty="0"/>
+              <a:t>When a user has not been granted or denied specific permissions on a securable, the user inherits the permissions granted to public. </a:t>
+            </a:r>
+          </a:p>
+          <a:p>
+            <a:pPr marL="0" indent="0">
+              <a:buNone/>
+            </a:pPr>
+            <a:endParaRPr lang="en-US" sz="3200" dirty="0"/>
           </a:p>
         </p:txBody>
       </p:sp>
@@ -27694,7 +27571,7 @@
     </p:spTree>
     <p:extLst>
       <p:ext uri="{BB962C8B-B14F-4D97-AF65-F5344CB8AC3E}">
-        <p14:creationId xmlns:p14="http://schemas.microsoft.com/office/powerpoint/2010/main" val="3346959954"/>
+        <p14:creationId xmlns:p14="http://schemas.microsoft.com/office/powerpoint/2010/main" val="1579007202"/>
       </p:ext>
     </p:extLst>
   </p:cSld>
@@ -27733,8 +27610,8 @@
         </p:nvSpPr>
         <p:spPr>
           <a:xfrm>
-            <a:off x="1676400" y="762000"/>
-            <a:ext cx="8610600" cy="5486400"/>
+            <a:off x="1676400" y="990600"/>
+            <a:ext cx="9448800" cy="5486400"/>
           </a:xfrm>
         </p:spPr>
         <p:txBody>
@@ -27751,7 +27628,7 @@
           <a:p>
             <a:r>
               <a:rPr lang="en-US" sz="3600" b="1" dirty="0"/>
-              <a:t>Toolbox: guest </a:t>
+              <a:t>Toolbox: public </a:t>
             </a:r>
             <a:r>
               <a:rPr lang="en-US" sz="3600" b="1" dirty="0" err="1"/>
@@ -27762,20 +27639,30 @@
           <a:p>
             <a:r>
               <a:rPr lang="en-US" sz="3600" dirty="0"/>
-              <a:t>The GUEST account permissions are granted to any login who does not have a mapped user in the database.</a:t>
+              <a:t>Permissions assigned to the public role is a </a:t>
+            </a:r>
+            <a:r>
+              <a:rPr lang="en-US" sz="3600" b="1" dirty="0"/>
+              <a:t>clear sign of lazy developers.</a:t>
             </a:r>
           </a:p>
           <a:p>
             <a:r>
               <a:rPr lang="en-US" sz="3600" dirty="0"/>
-              <a:t>For what should be very obvious reasons, never grant any permissions, even CONNECT, to GUEST, unless you understand what you’re doing.</a:t>
+              <a:t>There are software vendors who have used public to easily grant access to all current and future logins. Watch out for this. </a:t>
             </a:r>
           </a:p>
           <a:p>
             <a:r>
               <a:rPr lang="en-US" sz="3600" dirty="0"/>
-              <a:t>Not a secure solution for future access.</a:t>
-            </a:r>
+              <a:t>The strategy to undo a security architecture based around public is actually pretty complicated, involves lots of testing.</a:t>
+            </a:r>
+          </a:p>
+          <a:p>
+            <a:endParaRPr lang="en-US" sz="3600" dirty="0"/>
+          </a:p>
+          <a:p>
+            <a:endParaRPr lang="en-US" sz="3600" dirty="0"/>
           </a:p>
         </p:txBody>
       </p:sp>
@@ -27950,7 +27837,7 @@
                 <a:ea typeface="+mj-ea"/>
                 <a:cs typeface="+mj-cs"/>
               </a:rPr>
-              <a:t>GUEST</a:t>
+              <a:t>PUBLIC</a:t>
             </a:r>
           </a:p>
         </p:txBody>
@@ -27958,7 +27845,7 @@
     </p:spTree>
     <p:extLst>
       <p:ext uri="{BB962C8B-B14F-4D97-AF65-F5344CB8AC3E}">
-        <p14:creationId xmlns:p14="http://schemas.microsoft.com/office/powerpoint/2010/main" val="2798895100"/>
+        <p14:creationId xmlns:p14="http://schemas.microsoft.com/office/powerpoint/2010/main" val="3346959954"/>
       </p:ext>
     </p:extLst>
   </p:cSld>
@@ -27969,7 +27856,7 @@
 </file>
 
 <file path=ppt/slides/slide58.xml><?xml version="1.0" encoding="utf-8"?>
-<p:sld xmlns:a="http://schemas.openxmlformats.org/drawingml/2006/main" xmlns:r="http://schemas.openxmlformats.org/officeDocument/2006/relationships" xmlns:p="http://schemas.openxmlformats.org/presentationml/2006/main" showMasterSp="0">
+<p:sld xmlns:a="http://schemas.openxmlformats.org/drawingml/2006/main" xmlns:r="http://schemas.openxmlformats.org/officeDocument/2006/relationships" xmlns:p="http://schemas.openxmlformats.org/presentationml/2006/main">
   <p:cSld>
     <p:spTree>
       <p:nvGrpSpPr>
@@ -27997,33 +27884,48 @@
         </p:nvSpPr>
         <p:spPr>
           <a:xfrm>
-            <a:off x="1524000" y="1066801"/>
-            <a:ext cx="8229600" cy="5191125"/>
+            <a:off x="1676400" y="762000"/>
+            <a:ext cx="8610600" cy="5486400"/>
           </a:xfrm>
         </p:spPr>
         <p:txBody>
           <a:bodyPr>
-            <a:noAutofit/>
+            <a:normAutofit lnSpcReduction="10000"/>
           </a:bodyPr>
           <a:lstStyle/>
           <a:p>
             <a:r>
-              <a:rPr lang="en-US" sz="3200" dirty="0"/>
-              <a:t>A </a:t>
-            </a:r>
-            <a:r>
-              <a:rPr lang="en-US" sz="3200" dirty="0" err="1"/>
-              <a:t>sproc</a:t>
-            </a:r>
-            <a:r>
-              <a:rPr lang="en-US" sz="3200" dirty="0"/>
-              <a:t>/view can return data from a table in another database without permissions, if the two databases share the same owner login, by enabling Cross-Database Ownership Chaining on both databases.</a:t>
-            </a:r>
-          </a:p>
-          <a:p>
-            <a:r>
-              <a:rPr lang="en-US" sz="3200" dirty="0"/>
-              <a:t>This is not enabled by default on user databases. It has to be enabled at the server level then activated in each database…</a:t>
+              <a:rPr lang="en-US" sz="3600" dirty="0"/>
+              <a:t>Check for this. </a:t>
+            </a:r>
+          </a:p>
+          <a:p>
+            <a:r>
+              <a:rPr lang="en-US" sz="3600" b="1" dirty="0"/>
+              <a:t>Toolbox: guest </a:t>
+            </a:r>
+            <a:r>
+              <a:rPr lang="en-US" sz="3600" b="1" dirty="0" err="1"/>
+              <a:t>permissions.sql</a:t>
+            </a:r>
+            <a:endParaRPr lang="en-US" sz="3600" dirty="0"/>
+          </a:p>
+          <a:p>
+            <a:r>
+              <a:rPr lang="en-US" sz="3600" dirty="0"/>
+              <a:t>The GUEST account permissions are granted to any login who does not have a mapped user in the database.</a:t>
+            </a:r>
+          </a:p>
+          <a:p>
+            <a:r>
+              <a:rPr lang="en-US" sz="3600" dirty="0"/>
+              <a:t>For what should be very obvious reasons, never grant any permissions, even CONNECT, to GUEST, unless you understand what you’re doing.</a:t>
+            </a:r>
+          </a:p>
+          <a:p>
+            <a:r>
+              <a:rPr lang="en-US" sz="3600" dirty="0"/>
+              <a:t>Not a secure solution for future access.</a:t>
             </a:r>
           </a:p>
         </p:txBody>
@@ -28038,8 +27940,8 @@
         </p:nvSpPr>
         <p:spPr>
           <a:xfrm>
-            <a:off x="3048000" y="0"/>
-            <a:ext cx="7543800" cy="762000"/>
+            <a:off x="0" y="0"/>
+            <a:ext cx="12192000" cy="762000"/>
           </a:xfrm>
           <a:prstGeom prst="rect">
             <a:avLst/>
@@ -28047,7 +27949,7 @@
         </p:spPr>
         <p:txBody>
           <a:bodyPr vert="horz" lIns="91440" tIns="45720" rIns="91440" bIns="45720" rtlCol="0">
-            <a:normAutofit fontScale="85000" lnSpcReduction="10000"/>
+            <a:normAutofit/>
           </a:bodyPr>
           <a:lstStyle>
             <a:lvl1pPr marL="342900" indent="-342900" algn="l" defTabSz="457200" rtl="0" eaLnBrk="1" latinLnBrk="0" hangingPunct="1">
@@ -28199,7 +28101,7 @@
                 <a:ea typeface="+mj-ea"/>
                 <a:cs typeface="+mj-cs"/>
               </a:rPr>
-              <a:t>Cross database ownership</a:t>
+              <a:t>GUEST</a:t>
             </a:r>
           </a:p>
         </p:txBody>
@@ -28207,7 +28109,7 @@
     </p:spTree>
     <p:extLst>
       <p:ext uri="{BB962C8B-B14F-4D97-AF65-F5344CB8AC3E}">
-        <p14:creationId xmlns:p14="http://schemas.microsoft.com/office/powerpoint/2010/main" val="3730866711"/>
+        <p14:creationId xmlns:p14="http://schemas.microsoft.com/office/powerpoint/2010/main" val="2798895100"/>
       </p:ext>
     </p:extLst>
   </p:cSld>
@@ -28246,38 +28148,34 @@
         </p:nvSpPr>
         <p:spPr>
           <a:xfrm>
-            <a:off x="1524000" y="914401"/>
+            <a:off x="1524000" y="1066801"/>
             <a:ext cx="8229600" cy="5191125"/>
           </a:xfrm>
         </p:spPr>
         <p:txBody>
           <a:bodyPr>
-            <a:normAutofit/>
+            <a:noAutofit/>
           </a:bodyPr>
           <a:lstStyle/>
           <a:p>
             <a:r>
               <a:rPr lang="en-US" sz="3200" dirty="0"/>
-              <a:t>Any login can take advantage of Cross-Database Ownership Chaining from another database.</a:t>
-            </a:r>
-          </a:p>
-          <a:p>
+              <a:t>A </a:t>
+            </a:r>
+            <a:r>
+              <a:rPr lang="en-US" sz="3200" dirty="0" err="1"/>
+              <a:t>sproc</a:t>
+            </a:r>
             <a:r>
               <a:rPr lang="en-US" sz="3200" dirty="0"/>
-              <a:t>Stored procedures and views – not queries - can then query other databases without any additional permissions. </a:t>
+              <a:t>/view can return data from a table in another database without permissions, if the two databases share the same owner login, by enabling Cross-Database Ownership Chaining on both databases.</a:t>
             </a:r>
           </a:p>
           <a:p>
             <a:r>
               <a:rPr lang="en-US" sz="3200" dirty="0"/>
-              <a:t>Which could be very helpful, or a security risk…</a:t>
-            </a:r>
-          </a:p>
-          <a:p>
-            <a:endParaRPr lang="en-US" b="0" dirty="0"/>
-          </a:p>
-          <a:p>
-            <a:endParaRPr lang="en-US" b="0" dirty="0"/>
+              <a:t>This is not enabled by default on user databases. It has to be enabled at the server level then activated in each database…</a:t>
+            </a:r>
           </a:p>
         </p:txBody>
       </p:sp>
@@ -28460,7 +28358,7 @@
     </p:spTree>
     <p:extLst>
       <p:ext uri="{BB962C8B-B14F-4D97-AF65-F5344CB8AC3E}">
-        <p14:creationId xmlns:p14="http://schemas.microsoft.com/office/powerpoint/2010/main" val="4270136102"/>
+        <p14:creationId xmlns:p14="http://schemas.microsoft.com/office/powerpoint/2010/main" val="3730866711"/>
       </p:ext>
     </p:extLst>
   </p:cSld>
@@ -29814,20 +29712,26 @@
           <a:p>
             <a:r>
               <a:rPr lang="en-US" sz="3200" dirty="0"/>
-              <a:t>It is possible that cross-database ownership can bypass your permissions by querying from the context of another database!  </a:t>
+              <a:t>Any login can take advantage of Cross-Database Ownership Chaining from another database.</a:t>
             </a:r>
           </a:p>
           <a:p>
             <a:r>
               <a:rPr lang="en-US" sz="3200" dirty="0"/>
-              <a:t>Enabling Cross-Database Ownership Chaining increases the necessary complexity of securing your data with minimum permissions.</a:t>
+              <a:t>Stored procedures and views – not queries - can then query other databases without any additional permissions. </a:t>
             </a:r>
           </a:p>
           <a:p>
             <a:r>
               <a:rPr lang="en-US" sz="3200" dirty="0"/>
-              <a:t>You don’t need it, do it right.</a:t>
-            </a:r>
+              <a:t>Which could be very helpful, or a security risk…</a:t>
+            </a:r>
+          </a:p>
+          <a:p>
+            <a:endParaRPr lang="en-US" b="0" dirty="0"/>
+          </a:p>
+          <a:p>
+            <a:endParaRPr lang="en-US" b="0" dirty="0"/>
           </a:p>
         </p:txBody>
       </p:sp>
@@ -30010,7 +29914,7 @@
     </p:spTree>
     <p:extLst>
       <p:ext uri="{BB962C8B-B14F-4D97-AF65-F5344CB8AC3E}">
-        <p14:creationId xmlns:p14="http://schemas.microsoft.com/office/powerpoint/2010/main" val="3780962628"/>
+        <p14:creationId xmlns:p14="http://schemas.microsoft.com/office/powerpoint/2010/main" val="4270136102"/>
       </p:ext>
     </p:extLst>
   </p:cSld>
@@ -30049,70 +29953,32 @@
         </p:nvSpPr>
         <p:spPr>
           <a:xfrm>
-            <a:off x="1143000" y="838200"/>
-            <a:ext cx="10439400" cy="5343525"/>
+            <a:off x="1524000" y="914401"/>
+            <a:ext cx="8229600" cy="5191125"/>
           </a:xfrm>
         </p:spPr>
         <p:txBody>
           <a:bodyPr>
-            <a:noAutofit/>
+            <a:normAutofit/>
           </a:bodyPr>
           <a:lstStyle/>
           <a:p>
             <a:r>
-              <a:rPr lang="en-US" sz="2800" dirty="0"/>
-              <a:t>By executing </a:t>
-            </a:r>
-            <a:r>
-              <a:rPr lang="en-US" sz="2800" dirty="0" err="1"/>
-              <a:t>sp_setapprole</a:t>
-            </a:r>
-            <a:r>
-              <a:rPr lang="en-US" sz="2800" dirty="0"/>
-              <a:t>, an application can give a  user connection the permissions of an app role.</a:t>
-            </a:r>
-          </a:p>
-          <a:p>
-            <a:r>
-              <a:rPr lang="en-US" sz="2800" dirty="0"/>
-              <a:t>The application role has no permanent members, but is assigned permissions and given a app-only password.</a:t>
-            </a:r>
-          </a:p>
-          <a:p>
-            <a:r>
-              <a:rPr lang="en-US" sz="2800" dirty="0"/>
-              <a:t>The user connection assumes only the permissions of the application role.</a:t>
-            </a:r>
-          </a:p>
-          <a:p>
-            <a:r>
-              <a:rPr lang="en-US" sz="2800" dirty="0"/>
-              <a:t>You can utilize Active Directory-based Windows authentication without DB permissions for those logins</a:t>
-            </a:r>
-          </a:p>
-          <a:p>
-            <a:pPr marL="0" indent="0">
-              <a:buNone/>
-            </a:pPr>
-            <a:r>
-              <a:rPr lang="en-US" sz="2800" dirty="0"/>
-              <a:t>Cons: </a:t>
-            </a:r>
-          </a:p>
-          <a:p>
-            <a:r>
-              <a:rPr lang="en-US" sz="2800" dirty="0"/>
-              <a:t>	Accessing other databases requires the use of the guest role.</a:t>
-            </a:r>
-          </a:p>
-          <a:p>
-            <a:r>
-              <a:rPr lang="en-US" sz="2800" dirty="0"/>
-              <a:t>	Connection pooling can be problematic (cookies)</a:t>
-            </a:r>
-          </a:p>
-          <a:p>
-            <a:endParaRPr lang="en-US" sz="2800" dirty="0"/>
+              <a:rPr lang="en-US" sz="3200" dirty="0"/>
+              <a:t>It is possible that cross-database ownership can bypass your permissions by querying from the context of another database!  </a:t>
+            </a:r>
+          </a:p>
+          <a:p>
+            <a:r>
+              <a:rPr lang="en-US" sz="3200" dirty="0"/>
+              <a:t>Enabling Cross-Database Ownership Chaining increases the necessary complexity of securing your data with minimum permissions.</a:t>
+            </a:r>
+          </a:p>
+          <a:p>
+            <a:r>
+              <a:rPr lang="en-US" sz="3200" dirty="0"/>
+              <a:t>You don’t need it, do it right.</a:t>
+            </a:r>
           </a:p>
         </p:txBody>
       </p:sp>
@@ -30126,8 +29992,8 @@
         </p:nvSpPr>
         <p:spPr>
           <a:xfrm>
-            <a:off x="0" y="0"/>
-            <a:ext cx="12192000" cy="762000"/>
+            <a:off x="3048000" y="0"/>
+            <a:ext cx="7543800" cy="762000"/>
           </a:xfrm>
           <a:prstGeom prst="rect">
             <a:avLst/>
@@ -30135,7 +30001,7 @@
         </p:spPr>
         <p:txBody>
           <a:bodyPr vert="horz" lIns="91440" tIns="45720" rIns="91440" bIns="45720" rtlCol="0">
-            <a:normAutofit/>
+            <a:normAutofit fontScale="85000" lnSpcReduction="10000"/>
           </a:bodyPr>
           <a:lstStyle>
             <a:lvl1pPr marL="342900" indent="-342900" algn="l" defTabSz="457200" rtl="0" eaLnBrk="1" latinLnBrk="0" hangingPunct="1">
@@ -30287,7 +30153,7 @@
                 <a:ea typeface="+mj-ea"/>
                 <a:cs typeface="+mj-cs"/>
               </a:rPr>
-              <a:t>Application roles</a:t>
+              <a:t>Cross database ownership</a:t>
             </a:r>
           </a:p>
         </p:txBody>
@@ -30295,7 +30161,7 @@
     </p:spTree>
     <p:extLst>
       <p:ext uri="{BB962C8B-B14F-4D97-AF65-F5344CB8AC3E}">
-        <p14:creationId xmlns:p14="http://schemas.microsoft.com/office/powerpoint/2010/main" val="1958048688"/>
+        <p14:creationId xmlns:p14="http://schemas.microsoft.com/office/powerpoint/2010/main" val="3780962628"/>
       </p:ext>
     </p:extLst>
   </p:cSld>
@@ -30306,7 +30172,7 @@
 </file>
 
 <file path=ppt/slides/slide62.xml><?xml version="1.0" encoding="utf-8"?>
-<p:sld xmlns:a="http://schemas.openxmlformats.org/drawingml/2006/main" xmlns:r="http://schemas.openxmlformats.org/officeDocument/2006/relationships" xmlns:p="http://schemas.openxmlformats.org/presentationml/2006/main" showMasterSp="0" show="0">
+<p:sld xmlns:a="http://schemas.openxmlformats.org/drawingml/2006/main" xmlns:r="http://schemas.openxmlformats.org/officeDocument/2006/relationships" xmlns:p="http://schemas.openxmlformats.org/presentationml/2006/main" showMasterSp="0">
   <p:cSld>
     <p:spTree>
       <p:nvGrpSpPr>
@@ -30334,206 +30200,70 @@
         </p:nvSpPr>
         <p:spPr>
           <a:xfrm>
-            <a:off x="1676400" y="914400"/>
-            <a:ext cx="8915400" cy="5486400"/>
+            <a:off x="1143000" y="838200"/>
+            <a:ext cx="10439400" cy="5343525"/>
           </a:xfrm>
         </p:spPr>
         <p:txBody>
           <a:bodyPr>
-            <a:normAutofit fontScale="85000" lnSpcReduction="10000"/>
+            <a:noAutofit/>
           </a:bodyPr>
           <a:lstStyle/>
+          <a:p>
+            <a:r>
+              <a:rPr lang="en-US" sz="2800" dirty="0"/>
+              <a:t>By executing </a:t>
+            </a:r>
+            <a:r>
+              <a:rPr lang="en-US" sz="2800" dirty="0" err="1"/>
+              <a:t>sp_setapprole</a:t>
+            </a:r>
+            <a:r>
+              <a:rPr lang="en-US" sz="2800" dirty="0"/>
+              <a:t>, an application can give a  user connection the permissions of an app role.</a:t>
+            </a:r>
+          </a:p>
+          <a:p>
+            <a:r>
+              <a:rPr lang="en-US" sz="2800" dirty="0"/>
+              <a:t>The application role has no permanent members, but is assigned permissions and given a app-only password.</a:t>
+            </a:r>
+          </a:p>
+          <a:p>
+            <a:r>
+              <a:rPr lang="en-US" sz="2800" dirty="0"/>
+              <a:t>The user connection assumes only the permissions of the application role.</a:t>
+            </a:r>
+          </a:p>
+          <a:p>
+            <a:r>
+              <a:rPr lang="en-US" sz="2800" dirty="0"/>
+              <a:t>You can utilize Active Directory-based Windows authentication without DB permissions for those logins</a:t>
+            </a:r>
+          </a:p>
           <a:p>
             <a:pPr marL="0" indent="0">
               <a:buNone/>
             </a:pPr>
             <a:r>
-              <a:rPr lang="en-US" sz="2900" dirty="0">
-                <a:solidFill>
-                  <a:srgbClr val="0000FF"/>
-                </a:solidFill>
-                <a:latin typeface="Consolas" panose="020B0609020204030204" pitchFamily="49" charset="0"/>
-              </a:rPr>
-              <a:t>CREATE</a:t>
-            </a:r>
-            <a:r>
-              <a:rPr lang="en-US" sz="2900" dirty="0">
-                <a:solidFill>
-                  <a:prstClr val="black"/>
-                </a:solidFill>
-                <a:latin typeface="Consolas" panose="020B0609020204030204" pitchFamily="49" charset="0"/>
-              </a:rPr>
-              <a:t> </a:t>
-            </a:r>
-            <a:r>
-              <a:rPr lang="en-US" sz="2900" dirty="0">
-                <a:solidFill>
-                  <a:srgbClr val="0000FF"/>
-                </a:solidFill>
-                <a:latin typeface="Consolas" panose="020B0609020204030204" pitchFamily="49" charset="0"/>
-              </a:rPr>
-              <a:t>VIEW</a:t>
-            </a:r>
-            <a:r>
-              <a:rPr lang="en-US" sz="2900" dirty="0">
-                <a:solidFill>
-                  <a:prstClr val="black"/>
-                </a:solidFill>
-                <a:latin typeface="Consolas" panose="020B0609020204030204" pitchFamily="49" charset="0"/>
-              </a:rPr>
-              <a:t> </a:t>
-            </a:r>
-            <a:r>
-              <a:rPr lang="en-US" sz="2900" dirty="0" err="1">
-                <a:solidFill>
-                  <a:srgbClr val="008080"/>
-                </a:solidFill>
-                <a:latin typeface="Consolas" panose="020B0609020204030204" pitchFamily="49" charset="0"/>
-              </a:rPr>
-              <a:t>dbo</a:t>
-            </a:r>
-            <a:r>
-              <a:rPr lang="en-US" sz="2900" dirty="0" err="1">
-                <a:solidFill>
-                  <a:srgbClr val="808080"/>
-                </a:solidFill>
-                <a:latin typeface="Consolas" panose="020B0609020204030204" pitchFamily="49" charset="0"/>
-              </a:rPr>
-              <a:t>.</a:t>
-            </a:r>
-            <a:r>
-              <a:rPr lang="en-US" sz="2900" dirty="0" err="1">
-                <a:solidFill>
-                  <a:srgbClr val="008080"/>
-                </a:solidFill>
-                <a:latin typeface="Consolas" panose="020B0609020204030204" pitchFamily="49" charset="0"/>
-              </a:rPr>
-              <a:t>Paddles</a:t>
-            </a:r>
-            <a:r>
-              <a:rPr lang="en-US" sz="2900" dirty="0">
-                <a:solidFill>
-                  <a:prstClr val="black"/>
-                </a:solidFill>
-                <a:latin typeface="Consolas" panose="020B0609020204030204" pitchFamily="49" charset="0"/>
-              </a:rPr>
-              <a:t> </a:t>
-            </a:r>
-            <a:r>
-              <a:rPr lang="en-US" sz="2900" dirty="0">
-                <a:solidFill>
-                  <a:srgbClr val="0000FF"/>
-                </a:solidFill>
-                <a:latin typeface="Consolas" panose="020B0609020204030204" pitchFamily="49" charset="0"/>
-              </a:rPr>
-              <a:t>WITH</a:t>
-            </a:r>
-            <a:r>
-              <a:rPr lang="en-US" sz="2900" dirty="0">
-                <a:solidFill>
-                  <a:prstClr val="black"/>
-                </a:solidFill>
-                <a:latin typeface="Consolas" panose="020B0609020204030204" pitchFamily="49" charset="0"/>
-              </a:rPr>
-              <a:t> </a:t>
-            </a:r>
-            <a:r>
-              <a:rPr lang="en-US" sz="2900" dirty="0">
-                <a:solidFill>
-                  <a:srgbClr val="0000FF"/>
-                </a:solidFill>
-                <a:latin typeface="Consolas" panose="020B0609020204030204" pitchFamily="49" charset="0"/>
-              </a:rPr>
-              <a:t>SCHEMABINDING</a:t>
-            </a:r>
-            <a:r>
-              <a:rPr lang="en-US" sz="2900" dirty="0">
-                <a:solidFill>
-                  <a:prstClr val="black"/>
-                </a:solidFill>
-                <a:latin typeface="Consolas" panose="020B0609020204030204" pitchFamily="49" charset="0"/>
-              </a:rPr>
-              <a:t> </a:t>
-            </a:r>
-            <a:r>
-              <a:rPr lang="en-US" sz="2900" dirty="0">
-                <a:solidFill>
-                  <a:srgbClr val="0000FF"/>
-                </a:solidFill>
-                <a:latin typeface="Consolas" panose="020B0609020204030204" pitchFamily="49" charset="0"/>
-              </a:rPr>
-              <a:t>AS…</a:t>
-            </a:r>
-            <a:endParaRPr lang="en-US" sz="2900" dirty="0">
-              <a:solidFill>
-                <a:prstClr val="black"/>
-              </a:solidFill>
-              <a:latin typeface="Consolas" panose="020B0609020204030204" pitchFamily="49" charset="0"/>
-            </a:endParaRPr>
-          </a:p>
-          <a:p>
-            <a:endParaRPr lang="en-US" sz="3500" dirty="0">
-              <a:solidFill>
-                <a:prstClr val="black"/>
-              </a:solidFill>
-              <a:latin typeface="Consolas" panose="020B0609020204030204" pitchFamily="49" charset="0"/>
-            </a:endParaRPr>
-          </a:p>
-          <a:p>
-            <a:r>
-              <a:rPr lang="en-US" sz="3500" dirty="0"/>
-              <a:t>Prevents underlying tables and views from ALTER or DROP. </a:t>
-            </a:r>
-            <a:br>
-              <a:rPr lang="en-US" sz="3500" dirty="0"/>
-            </a:br>
-            <a:r>
-              <a:rPr lang="en-US" sz="3500" dirty="0"/>
-              <a:t>The statements fail, preventing the VIEW from silently breaking.</a:t>
-            </a:r>
-          </a:p>
-          <a:p>
-            <a:r>
-              <a:rPr lang="en-US" sz="3500" dirty="0"/>
-              <a:t>Underlying objects referenced must use 2-part format: [</a:t>
-            </a:r>
-            <a:r>
-              <a:rPr lang="en-US" sz="3500" i="1" dirty="0" err="1"/>
-              <a:t>schema.objectname</a:t>
-            </a:r>
-            <a:r>
-              <a:rPr lang="en-US" sz="3500" dirty="0"/>
-              <a:t>]</a:t>
-            </a:r>
-          </a:p>
-          <a:p>
-            <a:pPr lvl="1"/>
-            <a:r>
-              <a:rPr lang="en-US" sz="3000" dirty="0"/>
-              <a:t>You can’t SCHEMABIND across databases.</a:t>
-            </a:r>
-          </a:p>
-          <a:p>
-            <a:pPr lvl="1"/>
-            <a:r>
-              <a:rPr lang="en-US" sz="3000" dirty="0"/>
-              <a:t>SELECT * is not allowed in schema-bound objects.</a:t>
-            </a:r>
-          </a:p>
-          <a:p>
-            <a:r>
-              <a:rPr lang="en-US" sz="3500" dirty="0"/>
-              <a:t>Without SCHEMABINDING, you might have to exec </a:t>
-            </a:r>
-            <a:r>
-              <a:rPr lang="en-US" sz="3500" dirty="0" err="1"/>
-              <a:t>sp_refreshview</a:t>
-            </a:r>
-            <a:r>
-              <a:rPr lang="en-US" sz="3500" dirty="0"/>
-              <a:t> </a:t>
-            </a:r>
-            <a:endParaRPr lang="en-US" sz="3100" dirty="0"/>
+              <a:rPr lang="en-US" sz="2800" dirty="0"/>
+              <a:t>Cons: </a:t>
+            </a:r>
+          </a:p>
+          <a:p>
+            <a:r>
+              <a:rPr lang="en-US" sz="2800" dirty="0"/>
+              <a:t>	Accessing other databases requires the use of the guest role.</a:t>
+            </a:r>
+          </a:p>
+          <a:p>
+            <a:r>
+              <a:rPr lang="en-US" sz="2800" dirty="0"/>
+              <a:t>	Connection pooling can be problematic (cookies)</a:t>
+            </a:r>
+          </a:p>
+          <a:p>
+            <a:endParaRPr lang="en-US" sz="2800" dirty="0"/>
           </a:p>
         </p:txBody>
       </p:sp>
@@ -30700,7 +30430,7 @@
               <a:buNone/>
             </a:pPr>
             <a:r>
-              <a:rPr lang="en-US" sz="4000" b="1" cap="all" dirty="0" err="1">
+              <a:rPr lang="en-US" sz="4000" b="1" cap="all" dirty="0">
                 <a:solidFill>
                   <a:srgbClr val="3D156F"/>
                 </a:solidFill>
@@ -30708,23 +30438,15 @@
                 <a:ea typeface="+mj-ea"/>
                 <a:cs typeface="+mj-cs"/>
               </a:rPr>
-              <a:t>schemabinding</a:t>
-            </a:r>
-            <a:endParaRPr lang="en-US" sz="4000" b="1" cap="all" dirty="0">
-              <a:solidFill>
-                <a:srgbClr val="3D156F"/>
-              </a:solidFill>
-              <a:latin typeface="+mj-lt"/>
-              <a:ea typeface="+mj-ea"/>
-              <a:cs typeface="+mj-cs"/>
-            </a:endParaRPr>
+              <a:t>Application roles</a:t>
+            </a:r>
           </a:p>
         </p:txBody>
       </p:sp>
     </p:spTree>
     <p:extLst>
       <p:ext uri="{BB962C8B-B14F-4D97-AF65-F5344CB8AC3E}">
-        <p14:creationId xmlns:p14="http://schemas.microsoft.com/office/powerpoint/2010/main" val="2827415798"/>
+        <p14:creationId xmlns:p14="http://schemas.microsoft.com/office/powerpoint/2010/main" val="1958048688"/>
       </p:ext>
     </p:extLst>
   </p:cSld>
@@ -32978,9 +32700,8 @@
             </a:r>
           </a:p>
           <a:p>
-            <a:pPr>
-              <a:buFont typeface="Arial" pitchFamily="34" charset="0"/>
-              <a:buChar char="•"/>
+            <a:pPr marL="0" indent="0">
+              <a:buNone/>
             </a:pPr>
             <a:r>
               <a:rPr lang="en-US" dirty="0"/>
@@ -33214,6 +32935,608 @@
 </file>
 
 <file path=ppt/slides/slide8.xml><?xml version="1.0" encoding="utf-8"?>
+<p:sld xmlns:a="http://schemas.openxmlformats.org/drawingml/2006/main" xmlns:r="http://schemas.openxmlformats.org/officeDocument/2006/relationships" xmlns:p="http://schemas.openxmlformats.org/presentationml/2006/main">
+  <p:cSld>
+    <p:spTree>
+      <p:nvGrpSpPr>
+        <p:cNvPr id="1" name=""/>
+        <p:cNvGrpSpPr/>
+        <p:nvPr/>
+      </p:nvGrpSpPr>
+      <p:grpSpPr>
+        <a:xfrm>
+          <a:off x="0" y="0"/>
+          <a:ext cx="0" cy="0"/>
+          <a:chOff x="0" y="0"/>
+          <a:chExt cx="0" cy="0"/>
+        </a:xfrm>
+      </p:grpSpPr>
+      <p:sp>
+        <p:nvSpPr>
+          <p:cNvPr id="2" name="Content Placeholder 1"/>
+          <p:cNvSpPr>
+            <a:spLocks noGrp="1"/>
+          </p:cNvSpPr>
+          <p:nvPr>
+            <p:ph idx="4294967295"/>
+          </p:nvPr>
+        </p:nvSpPr>
+        <p:spPr>
+          <a:xfrm>
+            <a:off x="1143000" y="1066801"/>
+            <a:ext cx="9982200" cy="5714999"/>
+          </a:xfrm>
+        </p:spPr>
+        <p:txBody>
+          <a:bodyPr>
+            <a:normAutofit fontScale="92500" lnSpcReduction="10000"/>
+          </a:bodyPr>
+          <a:lstStyle/>
+          <a:p>
+            <a:pPr>
+              <a:buFont typeface="Arial" pitchFamily="34" charset="0"/>
+              <a:buChar char="•"/>
+            </a:pPr>
+            <a:r>
+              <a:rPr lang="en-US" b="0" dirty="0"/>
+              <a:t>You can interrogate AD for the members of security groups</a:t>
+            </a:r>
+            <a:r>
+              <a:rPr lang="en-US" dirty="0"/>
+              <a:t> </a:t>
+            </a:r>
+          </a:p>
+          <a:p>
+            <a:pPr>
+              <a:buFont typeface="Arial" pitchFamily="34" charset="0"/>
+              <a:buChar char="•"/>
+            </a:pPr>
+            <a:endParaRPr lang="en-US" b="0" dirty="0"/>
+          </a:p>
+          <a:p>
+            <a:pPr marL="0" indent="0">
+              <a:buNone/>
+            </a:pPr>
+            <a:r>
+              <a:rPr lang="en-US" sz="3200" dirty="0">
+                <a:solidFill>
+                  <a:srgbClr val="0000FF"/>
+                </a:solidFill>
+                <a:latin typeface="Consolas" panose="020B0609020204030204" pitchFamily="49" charset="0"/>
+              </a:rPr>
+              <a:t>EXEC</a:t>
+            </a:r>
+            <a:r>
+              <a:rPr lang="en-US" sz="3200" dirty="0">
+                <a:solidFill>
+                  <a:srgbClr val="000000"/>
+                </a:solidFill>
+                <a:latin typeface="Consolas" panose="020B0609020204030204" pitchFamily="49" charset="0"/>
+              </a:rPr>
+              <a:t> </a:t>
+            </a:r>
+            <a:r>
+              <a:rPr lang="en-US" sz="3200" dirty="0">
+                <a:solidFill>
+                  <a:srgbClr val="0000FF"/>
+                </a:solidFill>
+                <a:latin typeface="Consolas" panose="020B0609020204030204" pitchFamily="49" charset="0"/>
+              </a:rPr>
+              <a:t>master</a:t>
+            </a:r>
+            <a:r>
+              <a:rPr lang="en-US" sz="3200" dirty="0">
+                <a:solidFill>
+                  <a:srgbClr val="808080"/>
+                </a:solidFill>
+                <a:latin typeface="Consolas" panose="020B0609020204030204" pitchFamily="49" charset="0"/>
+              </a:rPr>
+              <a:t>..</a:t>
+            </a:r>
+            <a:r>
+              <a:rPr lang="en-US" sz="3200" dirty="0" err="1">
+                <a:solidFill>
+                  <a:srgbClr val="800000"/>
+                </a:solidFill>
+                <a:latin typeface="Consolas" panose="020B0609020204030204" pitchFamily="49" charset="0"/>
+              </a:rPr>
+              <a:t>xp_logininfo</a:t>
+            </a:r>
+            <a:r>
+              <a:rPr lang="en-US" sz="3200" dirty="0">
+                <a:solidFill>
+                  <a:srgbClr val="0000FF"/>
+                </a:solidFill>
+                <a:latin typeface="Consolas" panose="020B0609020204030204" pitchFamily="49" charset="0"/>
+              </a:rPr>
+              <a:t> </a:t>
+            </a:r>
+            <a:endParaRPr lang="en-US" sz="3200" dirty="0">
+              <a:solidFill>
+                <a:srgbClr val="000000"/>
+              </a:solidFill>
+              <a:latin typeface="Consolas" panose="020B0609020204030204" pitchFamily="49" charset="0"/>
+            </a:endParaRPr>
+          </a:p>
+          <a:p>
+            <a:pPr marL="0" indent="0">
+              <a:buNone/>
+            </a:pPr>
+            <a:r>
+              <a:rPr lang="en-US" sz="3200" dirty="0">
+                <a:solidFill>
+                  <a:srgbClr val="000000"/>
+                </a:solidFill>
+                <a:latin typeface="Consolas" panose="020B0609020204030204" pitchFamily="49" charset="0"/>
+              </a:rPr>
+              <a:t>@</a:t>
+            </a:r>
+            <a:r>
+              <a:rPr lang="en-US" sz="3200" dirty="0" err="1">
+                <a:solidFill>
+                  <a:srgbClr val="000000"/>
+                </a:solidFill>
+                <a:latin typeface="Consolas" panose="020B0609020204030204" pitchFamily="49" charset="0"/>
+              </a:rPr>
+              <a:t>acctname</a:t>
+            </a:r>
+            <a:r>
+              <a:rPr lang="en-US" sz="3200" dirty="0">
+                <a:solidFill>
+                  <a:srgbClr val="000000"/>
+                </a:solidFill>
+                <a:latin typeface="Consolas" panose="020B0609020204030204" pitchFamily="49" charset="0"/>
+              </a:rPr>
+              <a:t> </a:t>
+            </a:r>
+            <a:r>
+              <a:rPr lang="en-US" sz="3200" dirty="0">
+                <a:solidFill>
+                  <a:srgbClr val="808080"/>
+                </a:solidFill>
+                <a:latin typeface="Consolas" panose="020B0609020204030204" pitchFamily="49" charset="0"/>
+              </a:rPr>
+              <a:t>=</a:t>
+            </a:r>
+            <a:r>
+              <a:rPr lang="en-US" sz="3200" dirty="0">
+                <a:solidFill>
+                  <a:srgbClr val="000000"/>
+                </a:solidFill>
+                <a:latin typeface="Consolas" panose="020B0609020204030204" pitchFamily="49" charset="0"/>
+              </a:rPr>
+              <a:t> </a:t>
+            </a:r>
+            <a:r>
+              <a:rPr lang="en-US" sz="3200" dirty="0">
+                <a:solidFill>
+                  <a:srgbClr val="FF0000"/>
+                </a:solidFill>
+                <a:latin typeface="Consolas" panose="020B0609020204030204" pitchFamily="49" charset="0"/>
+              </a:rPr>
+              <a:t>'domain\</a:t>
+            </a:r>
+            <a:r>
+              <a:rPr lang="en-US" sz="3200" dirty="0" err="1">
+                <a:solidFill>
+                  <a:srgbClr val="FF0000"/>
+                </a:solidFill>
+                <a:latin typeface="Consolas" panose="020B0609020204030204" pitchFamily="49" charset="0"/>
+              </a:rPr>
+              <a:t>groupname</a:t>
+            </a:r>
+            <a:r>
+              <a:rPr lang="en-US" sz="3200" dirty="0">
+                <a:solidFill>
+                  <a:srgbClr val="FF0000"/>
+                </a:solidFill>
+                <a:latin typeface="Consolas" panose="020B0609020204030204" pitchFamily="49" charset="0"/>
+              </a:rPr>
+              <a:t>'</a:t>
+            </a:r>
+            <a:r>
+              <a:rPr lang="en-US" sz="3200" dirty="0">
+                <a:solidFill>
+                  <a:srgbClr val="808080"/>
+                </a:solidFill>
+                <a:latin typeface="Consolas" panose="020B0609020204030204" pitchFamily="49" charset="0"/>
+              </a:rPr>
+              <a:t>,</a:t>
+            </a:r>
+            <a:endParaRPr lang="en-US" sz="3200" dirty="0">
+              <a:solidFill>
+                <a:srgbClr val="000000"/>
+              </a:solidFill>
+              <a:latin typeface="Consolas" panose="020B0609020204030204" pitchFamily="49" charset="0"/>
+            </a:endParaRPr>
+          </a:p>
+          <a:p>
+            <a:pPr marL="0" indent="0">
+              <a:buNone/>
+            </a:pPr>
+            <a:r>
+              <a:rPr lang="en-US" sz="3200" dirty="0">
+                <a:solidFill>
+                  <a:srgbClr val="000000"/>
+                </a:solidFill>
+                <a:latin typeface="Consolas" panose="020B0609020204030204" pitchFamily="49" charset="0"/>
+              </a:rPr>
+              <a:t>@option </a:t>
+            </a:r>
+            <a:r>
+              <a:rPr lang="en-US" sz="3200" dirty="0">
+                <a:solidFill>
+                  <a:srgbClr val="808080"/>
+                </a:solidFill>
+                <a:latin typeface="Consolas" panose="020B0609020204030204" pitchFamily="49" charset="0"/>
+              </a:rPr>
+              <a:t>=</a:t>
+            </a:r>
+            <a:r>
+              <a:rPr lang="en-US" sz="3200" dirty="0">
+                <a:solidFill>
+                  <a:srgbClr val="000000"/>
+                </a:solidFill>
+                <a:latin typeface="Consolas" panose="020B0609020204030204" pitchFamily="49" charset="0"/>
+              </a:rPr>
+              <a:t> </a:t>
+            </a:r>
+            <a:r>
+              <a:rPr lang="en-US" sz="3200" dirty="0">
+                <a:solidFill>
+                  <a:srgbClr val="FF0000"/>
+                </a:solidFill>
+                <a:latin typeface="Consolas" panose="020B0609020204030204" pitchFamily="49" charset="0"/>
+              </a:rPr>
+              <a:t>'members'</a:t>
+            </a:r>
+            <a:endParaRPr lang="en-US" sz="3200" dirty="0">
+              <a:solidFill>
+                <a:srgbClr val="000000"/>
+              </a:solidFill>
+              <a:latin typeface="Consolas" panose="020B0609020204030204" pitchFamily="49" charset="0"/>
+            </a:endParaRPr>
+          </a:p>
+          <a:p>
+            <a:endParaRPr lang="en-US" dirty="0"/>
+          </a:p>
+          <a:p>
+            <a:pPr marL="0" indent="0">
+              <a:buNone/>
+            </a:pPr>
+            <a:r>
+              <a:rPr lang="en-US" dirty="0"/>
+              <a:t>BUT </a:t>
+            </a:r>
+          </a:p>
+          <a:p>
+            <a:pPr>
+              <a:buFont typeface="Arial" panose="020B0604020202020204" pitchFamily="34" charset="0"/>
+              <a:buChar char="•"/>
+            </a:pPr>
+            <a:r>
+              <a:rPr lang="en-US" dirty="0"/>
+              <a:t>It only returns FIRST level members, not members of groups that are members of the group. </a:t>
+            </a:r>
+            <a:br>
+              <a:rPr lang="en-US" dirty="0"/>
+            </a:br>
+            <a:r>
+              <a:rPr lang="en-US" dirty="0"/>
+              <a:t>Instead use </a:t>
+            </a:r>
+            <a:r>
+              <a:rPr lang="en-US" b="1" dirty="0"/>
+              <a:t>PowerShell</a:t>
+            </a:r>
+            <a:r>
+              <a:rPr lang="en-US" dirty="0"/>
+              <a:t>, for example:</a:t>
+            </a:r>
+          </a:p>
+          <a:p>
+            <a:pPr marL="0" indent="0">
+              <a:buNone/>
+            </a:pPr>
+            <a:endParaRPr lang="en-US" dirty="0"/>
+          </a:p>
+          <a:p>
+            <a:pPr marL="0" indent="0">
+              <a:buNone/>
+            </a:pPr>
+            <a:r>
+              <a:rPr lang="en-US" sz="2800" dirty="0">
+                <a:solidFill>
+                  <a:srgbClr val="0000FF"/>
+                </a:solidFill>
+                <a:latin typeface="Consolas" panose="020B0609020204030204" pitchFamily="49" charset="0"/>
+              </a:rPr>
+              <a:t>Get</a:t>
+            </a:r>
+            <a:r>
+              <a:rPr lang="en-US" sz="2800" dirty="0">
+                <a:solidFill>
+                  <a:srgbClr val="808080"/>
+                </a:solidFill>
+                <a:latin typeface="Consolas" panose="020B0609020204030204" pitchFamily="49" charset="0"/>
+              </a:rPr>
+              <a:t>-</a:t>
+            </a:r>
+            <a:r>
+              <a:rPr lang="en-US" sz="2800" dirty="0" err="1">
+                <a:solidFill>
+                  <a:srgbClr val="000000"/>
+                </a:solidFill>
+                <a:latin typeface="Consolas" panose="020B0609020204030204" pitchFamily="49" charset="0"/>
+              </a:rPr>
+              <a:t>ADGroupMember</a:t>
+            </a:r>
+            <a:r>
+              <a:rPr lang="en-US" sz="2800" dirty="0">
+                <a:solidFill>
+                  <a:srgbClr val="000000"/>
+                </a:solidFill>
+                <a:latin typeface="Consolas" panose="020B0609020204030204" pitchFamily="49" charset="0"/>
+              </a:rPr>
+              <a:t> </a:t>
+            </a:r>
+            <a:r>
+              <a:rPr lang="en-US" sz="2800" dirty="0">
+                <a:solidFill>
+                  <a:srgbClr val="808080"/>
+                </a:solidFill>
+                <a:latin typeface="Consolas" panose="020B0609020204030204" pitchFamily="49" charset="0"/>
+              </a:rPr>
+              <a:t>-</a:t>
+            </a:r>
+            <a:r>
+              <a:rPr lang="en-US" sz="2800" dirty="0">
+                <a:solidFill>
+                  <a:srgbClr val="0000FF"/>
+                </a:solidFill>
+                <a:latin typeface="Consolas" panose="020B0609020204030204" pitchFamily="49" charset="0"/>
+              </a:rPr>
+              <a:t>identity</a:t>
+            </a:r>
+            <a:r>
+              <a:rPr lang="en-US" sz="2800" dirty="0">
+                <a:solidFill>
+                  <a:srgbClr val="000000"/>
+                </a:solidFill>
+                <a:latin typeface="Consolas" panose="020B0609020204030204" pitchFamily="49" charset="0"/>
+              </a:rPr>
+              <a:t> </a:t>
+            </a:r>
+            <a:r>
+              <a:rPr lang="en-US" sz="2800" dirty="0">
+                <a:solidFill>
+                  <a:srgbClr val="FF0000"/>
+                </a:solidFill>
+                <a:latin typeface="Consolas" panose="020B0609020204030204" pitchFamily="49" charset="0"/>
+              </a:rPr>
+              <a:t>'Development'</a:t>
+            </a:r>
+            <a:r>
+              <a:rPr lang="en-US" sz="2800" dirty="0">
+                <a:solidFill>
+                  <a:srgbClr val="000000"/>
+                </a:solidFill>
+                <a:latin typeface="Consolas" panose="020B0609020204030204" pitchFamily="49" charset="0"/>
+              </a:rPr>
+              <a:t> </a:t>
+            </a:r>
+            <a:r>
+              <a:rPr lang="en-US" sz="2800" dirty="0">
+                <a:solidFill>
+                  <a:srgbClr val="808080"/>
+                </a:solidFill>
+                <a:latin typeface="Consolas" panose="020B0609020204030204" pitchFamily="49" charset="0"/>
+              </a:rPr>
+              <a:t>-</a:t>
+            </a:r>
+            <a:r>
+              <a:rPr lang="en-US" sz="2800" dirty="0">
+                <a:solidFill>
+                  <a:srgbClr val="0000FF"/>
+                </a:solidFill>
+                <a:latin typeface="Consolas" panose="020B0609020204030204" pitchFamily="49" charset="0"/>
+              </a:rPr>
+              <a:t>recursive</a:t>
+            </a:r>
+            <a:endParaRPr lang="en-US" dirty="0"/>
+          </a:p>
+        </p:txBody>
+      </p:sp>
+      <p:sp>
+        <p:nvSpPr>
+          <p:cNvPr id="8" name="Text Placeholder 2"/>
+          <p:cNvSpPr txBox="1">
+            <a:spLocks/>
+          </p:cNvSpPr>
+          <p:nvPr/>
+        </p:nvSpPr>
+        <p:spPr>
+          <a:xfrm>
+            <a:off x="0" y="0"/>
+            <a:ext cx="12192000" cy="762000"/>
+          </a:xfrm>
+          <a:prstGeom prst="rect">
+            <a:avLst/>
+          </a:prstGeom>
+        </p:spPr>
+        <p:txBody>
+          <a:bodyPr vert="horz" lIns="91440" tIns="45720" rIns="91440" bIns="45720" rtlCol="0">
+            <a:normAutofit/>
+          </a:bodyPr>
+          <a:lstStyle>
+            <a:lvl1pPr marL="342900" indent="-342900" algn="l" defTabSz="457200" rtl="0" eaLnBrk="1" latinLnBrk="0" hangingPunct="1">
+              <a:spcBef>
+                <a:spcPct val="20000"/>
+              </a:spcBef>
+              <a:buFont typeface="Wingdings" charset="2"/>
+              <a:buChar char="§"/>
+              <a:defRPr sz="3000" kern="1200">
+                <a:solidFill>
+                  <a:schemeClr val="tx2"/>
+                </a:solidFill>
+                <a:latin typeface="+mn-lt"/>
+                <a:ea typeface="+mn-ea"/>
+                <a:cs typeface="+mn-cs"/>
+              </a:defRPr>
+            </a:lvl1pPr>
+            <a:lvl2pPr marL="742950" indent="-285750" algn="l" defTabSz="457200" rtl="0" eaLnBrk="1" latinLnBrk="0" hangingPunct="1">
+              <a:spcBef>
+                <a:spcPct val="20000"/>
+              </a:spcBef>
+              <a:buFont typeface="Wingdings" charset="2"/>
+              <a:buChar char="§"/>
+              <a:defRPr sz="2600" kern="1200">
+                <a:solidFill>
+                  <a:schemeClr val="tx2"/>
+                </a:solidFill>
+                <a:latin typeface="+mn-lt"/>
+                <a:ea typeface="+mn-ea"/>
+                <a:cs typeface="+mn-cs"/>
+              </a:defRPr>
+            </a:lvl2pPr>
+            <a:lvl3pPr marL="1143000" indent="-228600" algn="l" defTabSz="457200" rtl="0" eaLnBrk="1" latinLnBrk="0" hangingPunct="1">
+              <a:spcBef>
+                <a:spcPct val="20000"/>
+              </a:spcBef>
+              <a:buFont typeface="Wingdings" charset="2"/>
+              <a:buChar char="§"/>
+              <a:defRPr sz="2200" kern="1200">
+                <a:solidFill>
+                  <a:schemeClr val="tx2"/>
+                </a:solidFill>
+                <a:latin typeface="+mn-lt"/>
+                <a:ea typeface="+mn-ea"/>
+                <a:cs typeface="+mn-cs"/>
+              </a:defRPr>
+            </a:lvl3pPr>
+            <a:lvl4pPr marL="1600200" indent="-228600" algn="l" defTabSz="457200" rtl="0" eaLnBrk="1" latinLnBrk="0" hangingPunct="1">
+              <a:spcBef>
+                <a:spcPct val="20000"/>
+              </a:spcBef>
+              <a:buFont typeface="Wingdings" charset="2"/>
+              <a:buChar char="§"/>
+              <a:defRPr sz="2000" kern="1200">
+                <a:solidFill>
+                  <a:schemeClr val="tx2"/>
+                </a:solidFill>
+                <a:latin typeface="+mn-lt"/>
+                <a:ea typeface="+mn-ea"/>
+                <a:cs typeface="+mn-cs"/>
+              </a:defRPr>
+            </a:lvl4pPr>
+            <a:lvl5pPr marL="2057400" indent="-228600" algn="l" defTabSz="457200" rtl="0" eaLnBrk="1" latinLnBrk="0" hangingPunct="1">
+              <a:spcBef>
+                <a:spcPct val="20000"/>
+              </a:spcBef>
+              <a:buFont typeface="Wingdings" charset="2"/>
+              <a:buChar char="§"/>
+              <a:defRPr sz="1800" kern="1200">
+                <a:solidFill>
+                  <a:schemeClr val="tx2"/>
+                </a:solidFill>
+                <a:latin typeface="+mn-lt"/>
+                <a:ea typeface="+mn-ea"/>
+                <a:cs typeface="+mn-cs"/>
+              </a:defRPr>
+            </a:lvl5pPr>
+            <a:lvl6pPr marL="2514600" indent="-228600" algn="l" defTabSz="457200" rtl="0" eaLnBrk="1" latinLnBrk="0" hangingPunct="1">
+              <a:spcBef>
+                <a:spcPct val="20000"/>
+              </a:spcBef>
+              <a:buFont typeface="Arial"/>
+              <a:buChar char="•"/>
+              <a:defRPr sz="2000" kern="1200">
+                <a:solidFill>
+                  <a:schemeClr val="tx1"/>
+                </a:solidFill>
+                <a:latin typeface="+mn-lt"/>
+                <a:ea typeface="+mn-ea"/>
+                <a:cs typeface="+mn-cs"/>
+              </a:defRPr>
+            </a:lvl6pPr>
+            <a:lvl7pPr marL="2971800" indent="-228600" algn="l" defTabSz="457200" rtl="0" eaLnBrk="1" latinLnBrk="0" hangingPunct="1">
+              <a:spcBef>
+                <a:spcPct val="20000"/>
+              </a:spcBef>
+              <a:buFont typeface="Arial"/>
+              <a:buChar char="•"/>
+              <a:defRPr sz="2000" kern="1200">
+                <a:solidFill>
+                  <a:schemeClr val="tx1"/>
+                </a:solidFill>
+                <a:latin typeface="+mn-lt"/>
+                <a:ea typeface="+mn-ea"/>
+                <a:cs typeface="+mn-cs"/>
+              </a:defRPr>
+            </a:lvl7pPr>
+            <a:lvl8pPr marL="3429000" indent="-228600" algn="l" defTabSz="457200" rtl="0" eaLnBrk="1" latinLnBrk="0" hangingPunct="1">
+              <a:spcBef>
+                <a:spcPct val="20000"/>
+              </a:spcBef>
+              <a:buFont typeface="Arial"/>
+              <a:buChar char="•"/>
+              <a:defRPr sz="2000" kern="1200">
+                <a:solidFill>
+                  <a:schemeClr val="tx1"/>
+                </a:solidFill>
+                <a:latin typeface="+mn-lt"/>
+                <a:ea typeface="+mn-ea"/>
+                <a:cs typeface="+mn-cs"/>
+              </a:defRPr>
+            </a:lvl8pPr>
+            <a:lvl9pPr marL="3886200" indent="-228600" algn="l" defTabSz="457200" rtl="0" eaLnBrk="1" latinLnBrk="0" hangingPunct="1">
+              <a:spcBef>
+                <a:spcPct val="20000"/>
+              </a:spcBef>
+              <a:buFont typeface="Arial"/>
+              <a:buChar char="•"/>
+              <a:defRPr sz="2000" kern="1200">
+                <a:solidFill>
+                  <a:schemeClr val="tx1"/>
+                </a:solidFill>
+                <a:latin typeface="+mn-lt"/>
+                <a:ea typeface="+mn-ea"/>
+                <a:cs typeface="+mn-cs"/>
+              </a:defRPr>
+            </a:lvl9pPr>
+          </a:lstStyle>
+          <a:p>
+            <a:pPr marL="0" indent="0" algn="ctr">
+              <a:buNone/>
+            </a:pPr>
+            <a:r>
+              <a:rPr lang="en-US" sz="4000" b="1" cap="all" dirty="0">
+                <a:solidFill>
+                  <a:srgbClr val="3D156F"/>
+                </a:solidFill>
+                <a:latin typeface="+mj-lt"/>
+                <a:ea typeface="+mj-ea"/>
+                <a:cs typeface="+mj-cs"/>
+              </a:rPr>
+              <a:t>On the topic of Groups…</a:t>
+            </a:r>
+          </a:p>
+        </p:txBody>
+      </p:sp>
+    </p:spTree>
+    <p:extLst>
+      <p:ext uri="{BB962C8B-B14F-4D97-AF65-F5344CB8AC3E}">
+        <p14:creationId xmlns:p14="http://schemas.microsoft.com/office/powerpoint/2010/main" val="3386767460"/>
+      </p:ext>
+    </p:extLst>
+  </p:cSld>
+  <p:clrMapOvr>
+    <a:masterClrMapping/>
+  </p:clrMapOvr>
+</p:sld>
+</file>
+
+<file path=ppt/slides/slide9.xml><?xml version="1.0" encoding="utf-8"?>
 <p:sld xmlns:a="http://schemas.openxmlformats.org/drawingml/2006/main" xmlns:r="http://schemas.openxmlformats.org/officeDocument/2006/relationships" xmlns:p="http://schemas.openxmlformats.org/presentationml/2006/main" showMasterSp="0">
   <p:cSld>
     <p:spTree>
@@ -33584,157 +33907,6 @@
       </p:par>
     </p:tnLst>
   </p:timing>
-</p:sld>
-</file>
-
-<file path=ppt/slides/slide9.xml><?xml version="1.0" encoding="utf-8"?>
-<p:sld xmlns:a="http://schemas.openxmlformats.org/drawingml/2006/main" xmlns:r="http://schemas.openxmlformats.org/officeDocument/2006/relationships" xmlns:p="http://schemas.openxmlformats.org/presentationml/2006/main" showMasterSp="0">
-  <p:cSld>
-    <p:spTree>
-      <p:nvGrpSpPr>
-        <p:cNvPr id="1" name=""/>
-        <p:cNvGrpSpPr/>
-        <p:nvPr/>
-      </p:nvGrpSpPr>
-      <p:grpSpPr>
-        <a:xfrm>
-          <a:off x="0" y="0"/>
-          <a:ext cx="0" cy="0"/>
-          <a:chOff x="0" y="0"/>
-          <a:chExt cx="0" cy="0"/>
-        </a:xfrm>
-      </p:grpSpPr>
-      <p:sp>
-        <p:nvSpPr>
-          <p:cNvPr id="2" name="Content Placeholder 1"/>
-          <p:cNvSpPr>
-            <a:spLocks noGrp="1"/>
-          </p:cNvSpPr>
-          <p:nvPr>
-            <p:ph idx="4294967295"/>
-          </p:nvPr>
-        </p:nvSpPr>
-        <p:spPr>
-          <a:xfrm>
-            <a:off x="1600200" y="1066801"/>
-            <a:ext cx="9372600" cy="5191125"/>
-          </a:xfrm>
-        </p:spPr>
-        <p:txBody>
-          <a:bodyPr>
-            <a:normAutofit/>
-          </a:bodyPr>
-          <a:lstStyle/>
-          <a:p>
-            <a:pPr>
-              <a:buFont typeface="Arial" pitchFamily="34" charset="0"/>
-              <a:buChar char="•"/>
-            </a:pPr>
-            <a:r>
-              <a:rPr lang="en-US" sz="2800" dirty="0"/>
-              <a:t>A SQL Server Login is a server-level security principal </a:t>
-            </a:r>
-          </a:p>
-          <a:p>
-            <a:pPr>
-              <a:buFont typeface="Arial" pitchFamily="34" charset="0"/>
-              <a:buChar char="•"/>
-            </a:pPr>
-            <a:r>
-              <a:rPr lang="en-US" sz="2800" dirty="0"/>
-              <a:t>A User is a database-level principal</a:t>
-            </a:r>
-          </a:p>
-          <a:p>
-            <a:pPr>
-              <a:buFont typeface="Arial" pitchFamily="34" charset="0"/>
-              <a:buChar char="•"/>
-            </a:pPr>
-            <a:endParaRPr lang="en-US" sz="2800" dirty="0"/>
-          </a:p>
-          <a:p>
-            <a:pPr>
-              <a:buFont typeface="Arial" pitchFamily="34" charset="0"/>
-              <a:buChar char="•"/>
-            </a:pPr>
-            <a:r>
-              <a:rPr lang="en-US" sz="2800" dirty="0"/>
-              <a:t>Logins are given a default database.  </a:t>
-            </a:r>
-          </a:p>
-          <a:p>
-            <a:pPr>
-              <a:buFont typeface="Arial" pitchFamily="34" charset="0"/>
-              <a:buChar char="•"/>
-            </a:pPr>
-            <a:endParaRPr lang="en-US" sz="2800" dirty="0"/>
-          </a:p>
-          <a:p>
-            <a:pPr>
-              <a:buFont typeface="Arial" pitchFamily="34" charset="0"/>
-              <a:buChar char="•"/>
-            </a:pPr>
-            <a:r>
-              <a:rPr lang="en-US" sz="2800" dirty="0"/>
-              <a:t>CONNECT will fail if the Default Database is not accessible. </a:t>
-            </a:r>
-          </a:p>
-          <a:p>
-            <a:pPr lvl="1">
-              <a:buFont typeface="Arial" pitchFamily="34" charset="0"/>
-              <a:buChar char="•"/>
-            </a:pPr>
-            <a:r>
-              <a:rPr lang="en-US" sz="2400" dirty="0"/>
-              <a:t>Best practice- set Default Database to the intended User Database, or to TempDB, which is always there, but not persistent.</a:t>
-            </a:r>
-          </a:p>
-        </p:txBody>
-      </p:sp>
-      <p:sp>
-        <p:nvSpPr>
-          <p:cNvPr id="8" name="Title 1"/>
-          <p:cNvSpPr>
-            <a:spLocks noGrp="1"/>
-          </p:cNvSpPr>
-          <p:nvPr>
-            <p:ph type="title"/>
-          </p:nvPr>
-        </p:nvSpPr>
-        <p:spPr>
-          <a:xfrm>
-            <a:off x="0" y="0"/>
-            <a:ext cx="12192000" cy="762000"/>
-          </a:xfrm>
-        </p:spPr>
-        <p:txBody>
-          <a:bodyPr>
-            <a:normAutofit/>
-          </a:bodyPr>
-          <a:lstStyle/>
-          <a:p>
-            <a:pPr algn="ctr"/>
-            <a:r>
-              <a:rPr lang="en-US" b="1" cap="all" dirty="0">
-                <a:solidFill>
-                  <a:srgbClr val="3D156F"/>
-                </a:solidFill>
-              </a:rPr>
-              <a:t>Logins</a:t>
-            </a:r>
-          </a:p>
-        </p:txBody>
-      </p:sp>
-    </p:spTree>
-    <p:extLst>
-      <p:ext uri="{BB962C8B-B14F-4D97-AF65-F5344CB8AC3E}">
-        <p14:creationId xmlns:p14="http://schemas.microsoft.com/office/powerpoint/2010/main" val="1615262561"/>
-      </p:ext>
-    </p:extLst>
-  </p:cSld>
-  <p:clrMapOvr>
-    <a:masterClrMapping/>
-  </p:clrMapOvr>
 </p:sld>
 </file>
 
@@ -35223,12 +35395,6 @@
 </file>
 
 <file path=customXml/item1.xml><?xml version="1.0" encoding="utf-8"?>
-<p:properties xmlns:p="http://schemas.microsoft.com/office/2006/metadata/properties" xmlns:xsi="http://www.w3.org/2001/XMLSchema-instance">
-  <documentManagement/>
-</p:properties>
-</file>
-
-<file path=customXml/item2.xml><?xml version="1.0" encoding="utf-8"?>
 <?mso-contentType ?>
 <FormTemplates xmlns="http://schemas.microsoft.com/sharepoint/v3/contenttype/forms">
   <Display>DocumentLibraryForm</Display>
@@ -35237,7 +35403,7 @@
 </FormTemplates>
 </file>
 
-<file path=customXml/item3.xml><?xml version="1.0" encoding="utf-8"?>
+<file path=customXml/item2.xml><?xml version="1.0" encoding="utf-8"?>
 <ct:contentTypeSchema xmlns:ct="http://schemas.microsoft.com/office/2006/metadata/contentType" xmlns:ma="http://schemas.microsoft.com/office/2006/metadata/properties/metaAttributes" ct:_="" ma:_="" ma:contentTypeName="Document" ma:contentTypeID="0x010100649A375054727A4C945E2299B4DCA915" ma:contentTypeVersion="0" ma:contentTypeDescription="Create a new document." ma:contentTypeScope="" ma:versionID="de1b28439f8255a9718e7d9135f24bbd">
   <xsd:schema xmlns:xsd="http://www.w3.org/2001/XMLSchema" xmlns:p="http://schemas.microsoft.com/office/2006/metadata/properties" targetNamespace="http://schemas.microsoft.com/office/2006/metadata/properties" ma:root="true" ma:fieldsID="4aeb20c0e3442673af7ee10786458764">
     <xsd:element name="properties">
@@ -35286,21 +35452,13 @@
 </ct:contentTypeSchema>
 </file>
 
-<file path=customXml/itemProps1.xml><?xml version="1.0" encoding="utf-8"?>
-<ds:datastoreItem xmlns:ds="http://schemas.openxmlformats.org/officeDocument/2006/customXml" ds:itemID="{319B95F1-6128-476B-B834-5ABE8BE5D072}">
-  <ds:schemaRefs>
-    <ds:schemaRef ds:uri="http://purl.org/dc/terms/"/>
-    <ds:schemaRef ds:uri="http://schemas.openxmlformats.org/package/2006/metadata/core-properties"/>
-    <ds:schemaRef ds:uri="http://schemas.microsoft.com/office/2006/documentManagement/types"/>
-    <ds:schemaRef ds:uri="http://purl.org/dc/elements/1.1/"/>
-    <ds:schemaRef ds:uri="http://schemas.microsoft.com/office/2006/metadata/properties"/>
-    <ds:schemaRef ds:uri="http://www.w3.org/XML/1998/namespace"/>
-    <ds:schemaRef ds:uri="http://purl.org/dc/dcmitype/"/>
-  </ds:schemaRefs>
-</ds:datastoreItem>
+<file path=customXml/item3.xml><?xml version="1.0" encoding="utf-8"?>
+<p:properties xmlns:p="http://schemas.microsoft.com/office/2006/metadata/properties" xmlns:xsi="http://www.w3.org/2001/XMLSchema-instance">
+  <documentManagement/>
+</p:properties>
 </file>
 
-<file path=customXml/itemProps2.xml><?xml version="1.0" encoding="utf-8"?>
+<file path=customXml/itemProps1.xml><?xml version="1.0" encoding="utf-8"?>
 <ds:datastoreItem xmlns:ds="http://schemas.openxmlformats.org/officeDocument/2006/customXml" ds:itemID="{B7AB5544-0152-4691-A7DA-1F72E45AA17D}">
   <ds:schemaRefs>
     <ds:schemaRef ds:uri="http://schemas.microsoft.com/sharepoint/v3/contenttype/forms"/>
@@ -35308,7 +35466,7 @@
 </ds:datastoreItem>
 </file>
 
-<file path=customXml/itemProps3.xml><?xml version="1.0" encoding="utf-8"?>
+<file path=customXml/itemProps2.xml><?xml version="1.0" encoding="utf-8"?>
 <ds:datastoreItem xmlns:ds="http://schemas.openxmlformats.org/officeDocument/2006/customXml" ds:itemID="{94BA6386-D4B0-4B5D-8FF1-8B01CDAF8640}">
   <ds:schemaRefs>
     <ds:schemaRef ds:uri="http://schemas.microsoft.com/office/2006/metadata/contentType"/>
@@ -35321,4 +35479,18 @@
     <ds:schemaRef ds:uri="http://schemas.microsoft.com/office/internal/2005/internalDocumentation"/>
   </ds:schemaRefs>
 </ds:datastoreItem>
+</file>
+
+<file path=customXml/itemProps3.xml><?xml version="1.0" encoding="utf-8"?>
+<ds:datastoreItem xmlns:ds="http://schemas.openxmlformats.org/officeDocument/2006/customXml" ds:itemID="{319B95F1-6128-476B-B834-5ABE8BE5D072}">
+  <ds:schemaRefs>
+    <ds:schemaRef ds:uri="http://purl.org/dc/terms/"/>
+    <ds:schemaRef ds:uri="http://schemas.openxmlformats.org/package/2006/metadata/core-properties"/>
+    <ds:schemaRef ds:uri="http://schemas.microsoft.com/office/2006/documentManagement/types"/>
+    <ds:schemaRef ds:uri="http://purl.org/dc/elements/1.1/"/>
+    <ds:schemaRef ds:uri="http://schemas.microsoft.com/office/2006/metadata/properties"/>
+    <ds:schemaRef ds:uri="http://www.w3.org/XML/1998/namespace"/>
+    <ds:schemaRef ds:uri="http://purl.org/dc/dcmitype/"/>
+  </ds:schemaRefs>
+</ds:datastoreItem>
 </file>
--- a/SQLSat Dallas 2019/SQLSat Dallas 2019 SQL Security Principals and Permissions 101.pptx
+++ b/SQLSat Dallas 2019/SQLSat Dallas 2019 SQL Security Principals and Permissions 101.pptx
@@ -8,7 +8,7 @@
     <p:sldMasterId id="2147483781" r:id="rId7"/>
   </p:sldMasterIdLst>
   <p:notesMasterIdLst>
-    <p:notesMasterId r:id="rId75"/>
+    <p:notesMasterId r:id="rId78"/>
   </p:notesMasterIdLst>
   <p:sldIdLst>
     <p:sldId id="392" r:id="rId8"/>
@@ -47,37 +47,40 @@
     <p:sldId id="340" r:id="rId41"/>
     <p:sldId id="344" r:id="rId42"/>
     <p:sldId id="422" r:id="rId43"/>
-    <p:sldId id="372" r:id="rId44"/>
-    <p:sldId id="373" r:id="rId45"/>
-    <p:sldId id="423" r:id="rId46"/>
-    <p:sldId id="425" r:id="rId47"/>
-    <p:sldId id="426" r:id="rId48"/>
-    <p:sldId id="408" r:id="rId49"/>
-    <p:sldId id="345" r:id="rId50"/>
-    <p:sldId id="362" r:id="rId51"/>
-    <p:sldId id="348" r:id="rId52"/>
-    <p:sldId id="346" r:id="rId53"/>
-    <p:sldId id="409" r:id="rId54"/>
-    <p:sldId id="355" r:id="rId55"/>
-    <p:sldId id="384" r:id="rId56"/>
-    <p:sldId id="332" r:id="rId57"/>
-    <p:sldId id="337" r:id="rId58"/>
-    <p:sldId id="338" r:id="rId59"/>
-    <p:sldId id="341" r:id="rId60"/>
-    <p:sldId id="342" r:id="rId61"/>
-    <p:sldId id="350" r:id="rId62"/>
-    <p:sldId id="388" r:id="rId63"/>
-    <p:sldId id="410" r:id="rId64"/>
-    <p:sldId id="417" r:id="rId65"/>
-    <p:sldId id="351" r:id="rId66"/>
-    <p:sldId id="359" r:id="rId67"/>
-    <p:sldId id="381" r:id="rId68"/>
-    <p:sldId id="329" r:id="rId69"/>
-    <p:sldId id="387" r:id="rId70"/>
-    <p:sldId id="328" r:id="rId71"/>
-    <p:sldId id="414" r:id="rId72"/>
-    <p:sldId id="412" r:id="rId73"/>
-    <p:sldId id="413" r:id="rId74"/>
+    <p:sldId id="428" r:id="rId44"/>
+    <p:sldId id="429" r:id="rId45"/>
+    <p:sldId id="372" r:id="rId46"/>
+    <p:sldId id="373" r:id="rId47"/>
+    <p:sldId id="423" r:id="rId48"/>
+    <p:sldId id="425" r:id="rId49"/>
+    <p:sldId id="426" r:id="rId50"/>
+    <p:sldId id="408" r:id="rId51"/>
+    <p:sldId id="345" r:id="rId52"/>
+    <p:sldId id="362" r:id="rId53"/>
+    <p:sldId id="348" r:id="rId54"/>
+    <p:sldId id="346" r:id="rId55"/>
+    <p:sldId id="409" r:id="rId56"/>
+    <p:sldId id="355" r:id="rId57"/>
+    <p:sldId id="384" r:id="rId58"/>
+    <p:sldId id="332" r:id="rId59"/>
+    <p:sldId id="337" r:id="rId60"/>
+    <p:sldId id="338" r:id="rId61"/>
+    <p:sldId id="341" r:id="rId62"/>
+    <p:sldId id="342" r:id="rId63"/>
+    <p:sldId id="350" r:id="rId64"/>
+    <p:sldId id="388" r:id="rId65"/>
+    <p:sldId id="410" r:id="rId66"/>
+    <p:sldId id="417" r:id="rId67"/>
+    <p:sldId id="351" r:id="rId68"/>
+    <p:sldId id="359" r:id="rId69"/>
+    <p:sldId id="381" r:id="rId70"/>
+    <p:sldId id="329" r:id="rId71"/>
+    <p:sldId id="387" r:id="rId72"/>
+    <p:sldId id="328" r:id="rId73"/>
+    <p:sldId id="414" r:id="rId74"/>
+    <p:sldId id="412" r:id="rId75"/>
+    <p:sldId id="430" r:id="rId76"/>
+    <p:sldId id="413" r:id="rId77"/>
   </p:sldIdLst>
   <p:sldSz cx="12192000" cy="6858000"/>
   <p:notesSz cx="6858000" cy="9144000"/>
@@ -20168,12 +20171,12 @@
           <a:lstStyle/>
           <a:p>
             <a:r>
-              <a:rPr lang="en-US" b="0" dirty="0"/>
+              <a:rPr lang="en-US" sz="3200" b="0" dirty="0"/>
               <a:t>More useful Server permissions:</a:t>
             </a:r>
           </a:p>
           <a:p>
-            <a:endParaRPr lang="en-US" b="0" dirty="0"/>
+            <a:endParaRPr lang="en-US" sz="3200" b="0" dirty="0"/>
           </a:p>
           <a:p>
             <a:pPr marL="0" lvl="0" indent="0">
@@ -20279,7 +20282,7 @@
           </a:p>
           <a:p>
             <a:r>
-              <a:rPr lang="en-US" dirty="0"/>
+              <a:rPr lang="en-US" sz="3200" dirty="0"/>
               <a:t>Less useful Server permissions:</a:t>
             </a:r>
           </a:p>
@@ -20387,18 +20390,8 @@
                   <a:srgbClr val="474947"/>
                 </a:solidFill>
               </a:rPr>
-              <a:t> cannot.</a:t>
-            </a:r>
-          </a:p>
-          <a:p>
-            <a:pPr lvl="1"/>
-            <a:endParaRPr lang="en-US" b="0" dirty="0"/>
-          </a:p>
-          <a:p>
-            <a:pPr marL="0" indent="0">
-              <a:buNone/>
-            </a:pPr>
-            <a:endParaRPr lang="en-US" b="1" dirty="0"/>
+              <a:t> cannot</a:t>
+            </a:r>
           </a:p>
         </p:txBody>
       </p:sp>
@@ -20592,6 +20585,1267 @@
 </file>
 
 <file path=ppt/slides/slide37.xml><?xml version="1.0" encoding="utf-8"?>
+<p:sld xmlns:a="http://schemas.openxmlformats.org/drawingml/2006/main" xmlns:r="http://schemas.openxmlformats.org/officeDocument/2006/relationships" xmlns:p="http://schemas.openxmlformats.org/presentationml/2006/main">
+  <p:cSld>
+    <p:spTree>
+      <p:nvGrpSpPr>
+        <p:cNvPr id="1" name=""/>
+        <p:cNvGrpSpPr/>
+        <p:nvPr/>
+      </p:nvGrpSpPr>
+      <p:grpSpPr>
+        <a:xfrm>
+          <a:off x="0" y="0"/>
+          <a:ext cx="0" cy="0"/>
+          <a:chOff x="0" y="0"/>
+          <a:chExt cx="0" cy="0"/>
+        </a:xfrm>
+      </p:grpSpPr>
+      <p:sp>
+        <p:nvSpPr>
+          <p:cNvPr id="2" name="Content Placeholder 1"/>
+          <p:cNvSpPr>
+            <a:spLocks noGrp="1"/>
+          </p:cNvSpPr>
+          <p:nvPr>
+            <p:ph idx="4294967295"/>
+          </p:nvPr>
+        </p:nvSpPr>
+        <p:spPr>
+          <a:xfrm>
+            <a:off x="914400" y="828676"/>
+            <a:ext cx="10287000" cy="5876924"/>
+          </a:xfrm>
+        </p:spPr>
+        <p:txBody>
+          <a:bodyPr>
+            <a:normAutofit fontScale="92500" lnSpcReduction="20000"/>
+          </a:bodyPr>
+          <a:lstStyle/>
+          <a:p>
+            <a:pPr marL="0" indent="0">
+              <a:buNone/>
+            </a:pPr>
+            <a:r>
+              <a:rPr lang="en-US" sz="2400" dirty="0">
+                <a:solidFill>
+                  <a:srgbClr val="0000FF"/>
+                </a:solidFill>
+                <a:latin typeface="Consolas" panose="020B0609020204030204" pitchFamily="49" charset="0"/>
+              </a:rPr>
+              <a:t>USE</a:t>
+            </a:r>
+            <a:r>
+              <a:rPr lang="en-US" sz="2400" dirty="0">
+                <a:solidFill>
+                  <a:srgbClr val="000000"/>
+                </a:solidFill>
+                <a:latin typeface="Consolas" panose="020B0609020204030204" pitchFamily="49" charset="0"/>
+              </a:rPr>
+              <a:t> </a:t>
+            </a:r>
+            <a:r>
+              <a:rPr lang="en-US" sz="2400" dirty="0">
+                <a:solidFill>
+                  <a:srgbClr val="0000FF"/>
+                </a:solidFill>
+                <a:latin typeface="Consolas" panose="020B0609020204030204" pitchFamily="49" charset="0"/>
+              </a:rPr>
+              <a:t>Master</a:t>
+            </a:r>
+            <a:r>
+              <a:rPr lang="en-US" sz="2400" dirty="0">
+                <a:solidFill>
+                  <a:srgbClr val="808080"/>
+                </a:solidFill>
+                <a:latin typeface="Consolas" panose="020B0609020204030204" pitchFamily="49" charset="0"/>
+              </a:rPr>
+              <a:t>;</a:t>
+            </a:r>
+            <a:endParaRPr lang="en-US" sz="2400" dirty="0">
+              <a:solidFill>
+                <a:srgbClr val="000000"/>
+              </a:solidFill>
+              <a:latin typeface="Consolas" panose="020B0609020204030204" pitchFamily="49" charset="0"/>
+            </a:endParaRPr>
+          </a:p>
+          <a:p>
+            <a:pPr marL="0" indent="0">
+              <a:buNone/>
+            </a:pPr>
+            <a:r>
+              <a:rPr lang="en-US" sz="2400" dirty="0">
+                <a:solidFill>
+                  <a:srgbClr val="0000FF"/>
+                </a:solidFill>
+                <a:latin typeface="Consolas" panose="020B0609020204030204" pitchFamily="49" charset="0"/>
+              </a:rPr>
+              <a:t>CREATE</a:t>
+            </a:r>
+            <a:r>
+              <a:rPr lang="en-US" sz="2400" dirty="0">
+                <a:solidFill>
+                  <a:srgbClr val="000000"/>
+                </a:solidFill>
+                <a:latin typeface="Consolas" panose="020B0609020204030204" pitchFamily="49" charset="0"/>
+              </a:rPr>
+              <a:t> </a:t>
+            </a:r>
+            <a:r>
+              <a:rPr lang="en-US" sz="2400" dirty="0">
+                <a:solidFill>
+                  <a:srgbClr val="0000FF"/>
+                </a:solidFill>
+                <a:latin typeface="Consolas" panose="020B0609020204030204" pitchFamily="49" charset="0"/>
+              </a:rPr>
+              <a:t>LOGIN</a:t>
+            </a:r>
+            <a:r>
+              <a:rPr lang="en-US" sz="2400" dirty="0">
+                <a:solidFill>
+                  <a:srgbClr val="000000"/>
+                </a:solidFill>
+                <a:latin typeface="Consolas" panose="020B0609020204030204" pitchFamily="49" charset="0"/>
+              </a:rPr>
+              <a:t> [domain\username] </a:t>
+            </a:r>
+            <a:r>
+              <a:rPr lang="en-US" sz="2400" dirty="0">
+                <a:solidFill>
+                  <a:srgbClr val="0000FF"/>
+                </a:solidFill>
+                <a:latin typeface="Consolas" panose="020B0609020204030204" pitchFamily="49" charset="0"/>
+              </a:rPr>
+              <a:t>FROM</a:t>
+            </a:r>
+            <a:r>
+              <a:rPr lang="en-US" sz="2400" dirty="0">
+                <a:solidFill>
+                  <a:srgbClr val="000000"/>
+                </a:solidFill>
+                <a:latin typeface="Consolas" panose="020B0609020204030204" pitchFamily="49" charset="0"/>
+              </a:rPr>
+              <a:t> </a:t>
+            </a:r>
+            <a:r>
+              <a:rPr lang="en-US" sz="2400" dirty="0">
+                <a:solidFill>
+                  <a:srgbClr val="0000FF"/>
+                </a:solidFill>
+                <a:latin typeface="Consolas" panose="020B0609020204030204" pitchFamily="49" charset="0"/>
+              </a:rPr>
+              <a:t>WINDOWS</a:t>
+            </a:r>
+            <a:r>
+              <a:rPr lang="en-US" sz="2400" dirty="0">
+                <a:solidFill>
+                  <a:srgbClr val="808080"/>
+                </a:solidFill>
+                <a:latin typeface="Consolas" panose="020B0609020204030204" pitchFamily="49" charset="0"/>
+              </a:rPr>
+              <a:t>;</a:t>
+            </a:r>
+            <a:endParaRPr lang="en-US" sz="2400" dirty="0">
+              <a:solidFill>
+                <a:srgbClr val="000000"/>
+              </a:solidFill>
+              <a:latin typeface="Consolas" panose="020B0609020204030204" pitchFamily="49" charset="0"/>
+            </a:endParaRPr>
+          </a:p>
+          <a:p>
+            <a:pPr marL="0" indent="0">
+              <a:buNone/>
+            </a:pPr>
+            <a:r>
+              <a:rPr lang="en-US" sz="2400" dirty="0">
+                <a:solidFill>
+                  <a:srgbClr val="0000FF"/>
+                </a:solidFill>
+                <a:latin typeface="Consolas" panose="020B0609020204030204" pitchFamily="49" charset="0"/>
+              </a:rPr>
+              <a:t>GO</a:t>
+            </a:r>
+            <a:endParaRPr lang="en-US" sz="2400" dirty="0">
+              <a:solidFill>
+                <a:srgbClr val="000000"/>
+              </a:solidFill>
+              <a:latin typeface="Consolas" panose="020B0609020204030204" pitchFamily="49" charset="0"/>
+            </a:endParaRPr>
+          </a:p>
+          <a:p>
+            <a:pPr marL="0" indent="0">
+              <a:buNone/>
+            </a:pPr>
+            <a:r>
+              <a:rPr lang="en-US" sz="2400" dirty="0">
+                <a:solidFill>
+                  <a:srgbClr val="0000FF"/>
+                </a:solidFill>
+                <a:latin typeface="Consolas" panose="020B0609020204030204" pitchFamily="49" charset="0"/>
+              </a:rPr>
+              <a:t>GRANT</a:t>
+            </a:r>
+            <a:r>
+              <a:rPr lang="en-US" sz="2400" dirty="0">
+                <a:solidFill>
+                  <a:srgbClr val="000000"/>
+                </a:solidFill>
+                <a:latin typeface="Consolas" panose="020B0609020204030204" pitchFamily="49" charset="0"/>
+              </a:rPr>
+              <a:t> </a:t>
+            </a:r>
+            <a:r>
+              <a:rPr lang="en-US" sz="2400" dirty="0">
+                <a:solidFill>
+                  <a:srgbClr val="0000FF"/>
+                </a:solidFill>
+                <a:latin typeface="Consolas" panose="020B0609020204030204" pitchFamily="49" charset="0"/>
+              </a:rPr>
+              <a:t>CONTROL</a:t>
+            </a:r>
+            <a:r>
+              <a:rPr lang="en-US" sz="2400" dirty="0">
+                <a:solidFill>
+                  <a:srgbClr val="000000"/>
+                </a:solidFill>
+                <a:latin typeface="Consolas" panose="020B0609020204030204" pitchFamily="49" charset="0"/>
+              </a:rPr>
+              <a:t> </a:t>
+            </a:r>
+            <a:r>
+              <a:rPr lang="en-US" sz="2400" dirty="0">
+                <a:solidFill>
+                  <a:srgbClr val="0000FF"/>
+                </a:solidFill>
+                <a:latin typeface="Consolas" panose="020B0609020204030204" pitchFamily="49" charset="0"/>
+              </a:rPr>
+              <a:t>SERVER</a:t>
+            </a:r>
+            <a:r>
+              <a:rPr lang="en-US" sz="2400" dirty="0">
+                <a:solidFill>
+                  <a:srgbClr val="000000"/>
+                </a:solidFill>
+                <a:latin typeface="Consolas" panose="020B0609020204030204" pitchFamily="49" charset="0"/>
+              </a:rPr>
+              <a:t> </a:t>
+            </a:r>
+            <a:r>
+              <a:rPr lang="en-US" sz="2400" dirty="0">
+                <a:solidFill>
+                  <a:srgbClr val="0000FF"/>
+                </a:solidFill>
+                <a:latin typeface="Consolas" panose="020B0609020204030204" pitchFamily="49" charset="0"/>
+              </a:rPr>
+              <a:t>TO</a:t>
+            </a:r>
+            <a:r>
+              <a:rPr lang="en-US" sz="2400" dirty="0">
+                <a:solidFill>
+                  <a:srgbClr val="000000"/>
+                </a:solidFill>
+                <a:latin typeface="Consolas" panose="020B0609020204030204" pitchFamily="49" charset="0"/>
+              </a:rPr>
+              <a:t> [domain\username] </a:t>
+            </a:r>
+            <a:r>
+              <a:rPr lang="en-US" sz="2400" dirty="0">
+                <a:solidFill>
+                  <a:srgbClr val="808080"/>
+                </a:solidFill>
+                <a:latin typeface="Consolas" panose="020B0609020204030204" pitchFamily="49" charset="0"/>
+              </a:rPr>
+              <a:t>;</a:t>
+            </a:r>
+            <a:endParaRPr lang="en-US" sz="2400" dirty="0">
+              <a:solidFill>
+                <a:srgbClr val="000000"/>
+              </a:solidFill>
+              <a:latin typeface="Consolas" panose="020B0609020204030204" pitchFamily="49" charset="0"/>
+            </a:endParaRPr>
+          </a:p>
+          <a:p>
+            <a:pPr marL="0" indent="0">
+              <a:buNone/>
+            </a:pPr>
+            <a:r>
+              <a:rPr lang="en-US" sz="2400" dirty="0">
+                <a:solidFill>
+                  <a:srgbClr val="0000FF"/>
+                </a:solidFill>
+                <a:latin typeface="Consolas" panose="020B0609020204030204" pitchFamily="49" charset="0"/>
+              </a:rPr>
+              <a:t>DENY</a:t>
+            </a:r>
+            <a:r>
+              <a:rPr lang="en-US" sz="2400" dirty="0">
+                <a:solidFill>
+                  <a:srgbClr val="000000"/>
+                </a:solidFill>
+                <a:latin typeface="Consolas" panose="020B0609020204030204" pitchFamily="49" charset="0"/>
+              </a:rPr>
+              <a:t> </a:t>
+            </a:r>
+            <a:r>
+              <a:rPr lang="en-US" sz="2400" dirty="0">
+                <a:solidFill>
+                  <a:srgbClr val="0000FF"/>
+                </a:solidFill>
+                <a:latin typeface="Consolas" panose="020B0609020204030204" pitchFamily="49" charset="0"/>
+              </a:rPr>
+              <a:t>VIEW</a:t>
+            </a:r>
+            <a:r>
+              <a:rPr lang="en-US" sz="2400" dirty="0">
+                <a:solidFill>
+                  <a:srgbClr val="000000"/>
+                </a:solidFill>
+                <a:latin typeface="Consolas" panose="020B0609020204030204" pitchFamily="49" charset="0"/>
+              </a:rPr>
+              <a:t> </a:t>
+            </a:r>
+            <a:r>
+              <a:rPr lang="en-US" sz="2400" dirty="0">
+                <a:solidFill>
+                  <a:srgbClr val="0000FF"/>
+                </a:solidFill>
+                <a:latin typeface="Consolas" panose="020B0609020204030204" pitchFamily="49" charset="0"/>
+              </a:rPr>
+              <a:t>SERVER</a:t>
+            </a:r>
+            <a:r>
+              <a:rPr lang="en-US" sz="2400" dirty="0">
+                <a:solidFill>
+                  <a:srgbClr val="000000"/>
+                </a:solidFill>
+                <a:latin typeface="Consolas" panose="020B0609020204030204" pitchFamily="49" charset="0"/>
+              </a:rPr>
+              <a:t> </a:t>
+            </a:r>
+            <a:r>
+              <a:rPr lang="en-US" sz="2400" dirty="0">
+                <a:solidFill>
+                  <a:srgbClr val="0000FF"/>
+                </a:solidFill>
+                <a:latin typeface="Consolas" panose="020B0609020204030204" pitchFamily="49" charset="0"/>
+              </a:rPr>
+              <a:t>STATE</a:t>
+            </a:r>
+            <a:r>
+              <a:rPr lang="en-US" sz="2400" dirty="0">
+                <a:solidFill>
+                  <a:srgbClr val="000000"/>
+                </a:solidFill>
+                <a:latin typeface="Consolas" panose="020B0609020204030204" pitchFamily="49" charset="0"/>
+              </a:rPr>
+              <a:t> </a:t>
+            </a:r>
+            <a:r>
+              <a:rPr lang="en-US" sz="2400" dirty="0">
+                <a:solidFill>
+                  <a:srgbClr val="0000FF"/>
+                </a:solidFill>
+                <a:latin typeface="Consolas" panose="020B0609020204030204" pitchFamily="49" charset="0"/>
+              </a:rPr>
+              <a:t>TO</a:t>
+            </a:r>
+            <a:r>
+              <a:rPr lang="en-US" sz="2400" dirty="0">
+                <a:solidFill>
+                  <a:srgbClr val="000000"/>
+                </a:solidFill>
+                <a:latin typeface="Consolas" panose="020B0609020204030204" pitchFamily="49" charset="0"/>
+              </a:rPr>
+              <a:t> [domain\username]</a:t>
+            </a:r>
+            <a:r>
+              <a:rPr lang="en-US" sz="2400" dirty="0">
+                <a:solidFill>
+                  <a:srgbClr val="808080"/>
+                </a:solidFill>
+                <a:latin typeface="Consolas" panose="020B0609020204030204" pitchFamily="49" charset="0"/>
+              </a:rPr>
+              <a:t>;</a:t>
+            </a:r>
+            <a:endParaRPr lang="en-US" sz="2400" dirty="0">
+              <a:solidFill>
+                <a:srgbClr val="000000"/>
+              </a:solidFill>
+              <a:latin typeface="Consolas" panose="020B0609020204030204" pitchFamily="49" charset="0"/>
+            </a:endParaRPr>
+          </a:p>
+          <a:p>
+            <a:pPr marL="0" indent="0">
+              <a:buNone/>
+            </a:pPr>
+            <a:r>
+              <a:rPr lang="en-US" sz="2400" dirty="0">
+                <a:solidFill>
+                  <a:srgbClr val="0000FF"/>
+                </a:solidFill>
+                <a:latin typeface="Consolas" panose="020B0609020204030204" pitchFamily="49" charset="0"/>
+              </a:rPr>
+              <a:t>GO</a:t>
+            </a:r>
+            <a:endParaRPr lang="en-US" sz="2400" dirty="0">
+              <a:solidFill>
+                <a:srgbClr val="000000"/>
+              </a:solidFill>
+              <a:latin typeface="Consolas" panose="020B0609020204030204" pitchFamily="49" charset="0"/>
+            </a:endParaRPr>
+          </a:p>
+          <a:p>
+            <a:pPr marL="0" indent="0">
+              <a:buNone/>
+            </a:pPr>
+            <a:r>
+              <a:rPr lang="en-US" sz="2400" dirty="0">
+                <a:solidFill>
+                  <a:srgbClr val="0000FF"/>
+                </a:solidFill>
+                <a:latin typeface="Consolas" panose="020B0609020204030204" pitchFamily="49" charset="0"/>
+              </a:rPr>
+              <a:t>EXECUTE</a:t>
+            </a:r>
+            <a:r>
+              <a:rPr lang="en-US" sz="2400" dirty="0">
+                <a:solidFill>
+                  <a:srgbClr val="000000"/>
+                </a:solidFill>
+                <a:latin typeface="Consolas" panose="020B0609020204030204" pitchFamily="49" charset="0"/>
+              </a:rPr>
+              <a:t> </a:t>
+            </a:r>
+            <a:r>
+              <a:rPr lang="en-US" sz="2400" dirty="0">
+                <a:solidFill>
+                  <a:srgbClr val="0000FF"/>
+                </a:solidFill>
+                <a:latin typeface="Consolas" panose="020B0609020204030204" pitchFamily="49" charset="0"/>
+              </a:rPr>
+              <a:t>AS</a:t>
+            </a:r>
+            <a:r>
+              <a:rPr lang="en-US" sz="2400" dirty="0">
+                <a:solidFill>
+                  <a:srgbClr val="000000"/>
+                </a:solidFill>
+                <a:latin typeface="Consolas" panose="020B0609020204030204" pitchFamily="49" charset="0"/>
+              </a:rPr>
+              <a:t> </a:t>
+            </a:r>
+            <a:r>
+              <a:rPr lang="en-US" sz="2400" dirty="0">
+                <a:solidFill>
+                  <a:srgbClr val="0000FF"/>
+                </a:solidFill>
+                <a:latin typeface="Consolas" panose="020B0609020204030204" pitchFamily="49" charset="0"/>
+              </a:rPr>
+              <a:t>LOGIN</a:t>
+            </a:r>
+            <a:r>
+              <a:rPr lang="en-US" sz="2400" dirty="0">
+                <a:solidFill>
+                  <a:srgbClr val="000000"/>
+                </a:solidFill>
+                <a:latin typeface="Consolas" panose="020B0609020204030204" pitchFamily="49" charset="0"/>
+              </a:rPr>
+              <a:t> </a:t>
+            </a:r>
+            <a:r>
+              <a:rPr lang="en-US" sz="2400" dirty="0">
+                <a:solidFill>
+                  <a:srgbClr val="808080"/>
+                </a:solidFill>
+                <a:latin typeface="Consolas" panose="020B0609020204030204" pitchFamily="49" charset="0"/>
+              </a:rPr>
+              <a:t>=</a:t>
+            </a:r>
+            <a:r>
+              <a:rPr lang="en-US" sz="2400" dirty="0">
+                <a:solidFill>
+                  <a:srgbClr val="000000"/>
+                </a:solidFill>
+                <a:latin typeface="Consolas" panose="020B0609020204030204" pitchFamily="49" charset="0"/>
+              </a:rPr>
+              <a:t> </a:t>
+            </a:r>
+            <a:r>
+              <a:rPr lang="en-US" sz="2400" dirty="0">
+                <a:solidFill>
+                  <a:srgbClr val="FF0000"/>
+                </a:solidFill>
+                <a:latin typeface="Consolas" panose="020B0609020204030204" pitchFamily="49" charset="0"/>
+              </a:rPr>
+              <a:t>'domain\username'</a:t>
+            </a:r>
+            <a:r>
+              <a:rPr lang="en-US" sz="2400" dirty="0">
+                <a:solidFill>
+                  <a:srgbClr val="808080"/>
+                </a:solidFill>
+                <a:latin typeface="Consolas" panose="020B0609020204030204" pitchFamily="49" charset="0"/>
+              </a:rPr>
+              <a:t>;</a:t>
+            </a:r>
+            <a:endParaRPr lang="en-US" sz="2400" dirty="0">
+              <a:solidFill>
+                <a:srgbClr val="000000"/>
+              </a:solidFill>
+              <a:latin typeface="Consolas" panose="020B0609020204030204" pitchFamily="49" charset="0"/>
+            </a:endParaRPr>
+          </a:p>
+          <a:p>
+            <a:pPr marL="0" indent="0">
+              <a:buNone/>
+            </a:pPr>
+            <a:r>
+              <a:rPr lang="en-US" sz="2400" dirty="0">
+                <a:solidFill>
+                  <a:srgbClr val="0000FF"/>
+                </a:solidFill>
+                <a:latin typeface="Consolas" panose="020B0609020204030204" pitchFamily="49" charset="0"/>
+              </a:rPr>
+              <a:t>SELECT</a:t>
+            </a:r>
+            <a:r>
+              <a:rPr lang="en-US" sz="2400" dirty="0">
+                <a:solidFill>
+                  <a:srgbClr val="000000"/>
+                </a:solidFill>
+                <a:latin typeface="Consolas" panose="020B0609020204030204" pitchFamily="49" charset="0"/>
+              </a:rPr>
+              <a:t> </a:t>
+            </a:r>
+            <a:r>
+              <a:rPr lang="en-US" sz="2400" dirty="0">
+                <a:solidFill>
+                  <a:srgbClr val="808080"/>
+                </a:solidFill>
+                <a:latin typeface="Consolas" panose="020B0609020204030204" pitchFamily="49" charset="0"/>
+              </a:rPr>
+              <a:t>*</a:t>
+            </a:r>
+            <a:r>
+              <a:rPr lang="en-US" sz="2400" dirty="0">
+                <a:solidFill>
+                  <a:srgbClr val="000000"/>
+                </a:solidFill>
+                <a:latin typeface="Consolas" panose="020B0609020204030204" pitchFamily="49" charset="0"/>
+              </a:rPr>
+              <a:t> </a:t>
+            </a:r>
+            <a:r>
+              <a:rPr lang="en-US" sz="2400" dirty="0">
+                <a:solidFill>
+                  <a:srgbClr val="0000FF"/>
+                </a:solidFill>
+                <a:latin typeface="Consolas" panose="020B0609020204030204" pitchFamily="49" charset="0"/>
+              </a:rPr>
+              <a:t>FROM</a:t>
+            </a:r>
+            <a:r>
+              <a:rPr lang="en-US" sz="2400" dirty="0">
+                <a:solidFill>
+                  <a:srgbClr val="000000"/>
+                </a:solidFill>
+                <a:latin typeface="Consolas" panose="020B0609020204030204" pitchFamily="49" charset="0"/>
+              </a:rPr>
+              <a:t> </a:t>
+            </a:r>
+            <a:r>
+              <a:rPr lang="en-US" sz="2400" dirty="0" err="1">
+                <a:solidFill>
+                  <a:srgbClr val="00FF00"/>
+                </a:solidFill>
+                <a:latin typeface="Consolas" panose="020B0609020204030204" pitchFamily="49" charset="0"/>
+              </a:rPr>
+              <a:t>sys</a:t>
+            </a:r>
+            <a:r>
+              <a:rPr lang="en-US" sz="2400" dirty="0" err="1">
+                <a:solidFill>
+                  <a:srgbClr val="808080"/>
+                </a:solidFill>
+                <a:latin typeface="Consolas" panose="020B0609020204030204" pitchFamily="49" charset="0"/>
+              </a:rPr>
+              <a:t>.</a:t>
+            </a:r>
+            <a:r>
+              <a:rPr lang="en-US" sz="2400" dirty="0" err="1">
+                <a:solidFill>
+                  <a:srgbClr val="00FF00"/>
+                </a:solidFill>
+                <a:latin typeface="Consolas" panose="020B0609020204030204" pitchFamily="49" charset="0"/>
+              </a:rPr>
+              <a:t>dm_exec_cached_plans</a:t>
+            </a:r>
+            <a:r>
+              <a:rPr lang="en-US" sz="2400" dirty="0">
+                <a:solidFill>
+                  <a:srgbClr val="808080"/>
+                </a:solidFill>
+                <a:latin typeface="Consolas" panose="020B0609020204030204" pitchFamily="49" charset="0"/>
+              </a:rPr>
+              <a:t>;</a:t>
+            </a:r>
+            <a:r>
+              <a:rPr lang="en-US" sz="2400" dirty="0">
+                <a:solidFill>
+                  <a:srgbClr val="000000"/>
+                </a:solidFill>
+                <a:latin typeface="Consolas" panose="020B0609020204030204" pitchFamily="49" charset="0"/>
+              </a:rPr>
+              <a:t> </a:t>
+            </a:r>
+            <a:r>
+              <a:rPr lang="en-US" sz="2400" dirty="0">
+                <a:solidFill>
+                  <a:srgbClr val="008000"/>
+                </a:solidFill>
+                <a:latin typeface="Consolas" panose="020B0609020204030204" pitchFamily="49" charset="0"/>
+              </a:rPr>
+              <a:t>--Fails</a:t>
+            </a:r>
+            <a:endParaRPr lang="en-US" sz="2400" dirty="0">
+              <a:solidFill>
+                <a:srgbClr val="000000"/>
+              </a:solidFill>
+              <a:latin typeface="Consolas" panose="020B0609020204030204" pitchFamily="49" charset="0"/>
+            </a:endParaRPr>
+          </a:p>
+          <a:p>
+            <a:pPr marL="0" indent="0">
+              <a:buNone/>
+            </a:pPr>
+            <a:r>
+              <a:rPr lang="en-US" sz="2400" dirty="0">
+                <a:solidFill>
+                  <a:srgbClr val="0000FF"/>
+                </a:solidFill>
+                <a:latin typeface="Consolas" panose="020B0609020204030204" pitchFamily="49" charset="0"/>
+              </a:rPr>
+              <a:t>GO</a:t>
+            </a:r>
+            <a:endParaRPr lang="en-US" sz="2400" dirty="0">
+              <a:solidFill>
+                <a:srgbClr val="000000"/>
+              </a:solidFill>
+              <a:latin typeface="Consolas" panose="020B0609020204030204" pitchFamily="49" charset="0"/>
+            </a:endParaRPr>
+          </a:p>
+          <a:p>
+            <a:pPr marL="0" indent="0">
+              <a:buNone/>
+            </a:pPr>
+            <a:r>
+              <a:rPr lang="en-US" sz="2400" dirty="0">
+                <a:solidFill>
+                  <a:srgbClr val="0000FF"/>
+                </a:solidFill>
+                <a:latin typeface="Consolas" panose="020B0609020204030204" pitchFamily="49" charset="0"/>
+              </a:rPr>
+              <a:t>REVERT</a:t>
+            </a:r>
+            <a:r>
+              <a:rPr lang="en-US" sz="2400" dirty="0">
+                <a:solidFill>
+                  <a:srgbClr val="808080"/>
+                </a:solidFill>
+                <a:latin typeface="Consolas" panose="020B0609020204030204" pitchFamily="49" charset="0"/>
+              </a:rPr>
+              <a:t>;</a:t>
+            </a:r>
+            <a:r>
+              <a:rPr lang="en-US" sz="2400" dirty="0">
+                <a:solidFill>
+                  <a:srgbClr val="008000"/>
+                </a:solidFill>
+                <a:latin typeface="Consolas" panose="020B0609020204030204" pitchFamily="49" charset="0"/>
+              </a:rPr>
+              <a:t> --Reverts the EXECUTE AS</a:t>
+            </a:r>
+            <a:endParaRPr lang="en-US" sz="2400" dirty="0">
+              <a:solidFill>
+                <a:srgbClr val="000000"/>
+              </a:solidFill>
+              <a:latin typeface="Consolas" panose="020B0609020204030204" pitchFamily="49" charset="0"/>
+            </a:endParaRPr>
+          </a:p>
+          <a:p>
+            <a:pPr marL="0" indent="0">
+              <a:buNone/>
+            </a:pPr>
+            <a:r>
+              <a:rPr lang="en-US" sz="2400" dirty="0">
+                <a:solidFill>
+                  <a:srgbClr val="0000FF"/>
+                </a:solidFill>
+                <a:latin typeface="Consolas" panose="020B0609020204030204" pitchFamily="49" charset="0"/>
+              </a:rPr>
+              <a:t>GO</a:t>
+            </a:r>
+            <a:endParaRPr lang="en-US" sz="2400" dirty="0">
+              <a:solidFill>
+                <a:srgbClr val="000000"/>
+              </a:solidFill>
+              <a:latin typeface="Consolas" panose="020B0609020204030204" pitchFamily="49" charset="0"/>
+            </a:endParaRPr>
+          </a:p>
+          <a:p>
+            <a:pPr marL="0" indent="0">
+              <a:buNone/>
+            </a:pPr>
+            <a:endParaRPr lang="en-US" sz="3200" b="1" i="1" dirty="0">
+              <a:solidFill>
+                <a:srgbClr val="000000"/>
+              </a:solidFill>
+              <a:latin typeface="Consolas" panose="020B0609020204030204" pitchFamily="49" charset="0"/>
+            </a:endParaRPr>
+          </a:p>
+          <a:p>
+            <a:pPr marL="0" indent="0">
+              <a:buNone/>
+            </a:pPr>
+            <a:r>
+              <a:rPr lang="en-US" sz="2800" dirty="0"/>
+              <a:t>While the sysadmin role is unaffected by any DENY permissions while the CONTROL SERVER permission is. CONTROL SERVER is needed to access </a:t>
+            </a:r>
+            <a:r>
+              <a:rPr lang="en-US" sz="2800" dirty="0" err="1"/>
+              <a:t>sys.dm_exec_cached_plans</a:t>
+            </a:r>
+            <a:r>
+              <a:rPr lang="en-US" sz="2800" dirty="0"/>
+              <a:t>, a server-level DMV for reviewing plans in cache.</a:t>
+            </a:r>
+            <a:endParaRPr lang="en-US" sz="2800" b="1" i="1" dirty="0"/>
+          </a:p>
+        </p:txBody>
+      </p:sp>
+      <p:sp>
+        <p:nvSpPr>
+          <p:cNvPr id="8" name="Text Placeholder 2"/>
+          <p:cNvSpPr txBox="1">
+            <a:spLocks/>
+          </p:cNvSpPr>
+          <p:nvPr/>
+        </p:nvSpPr>
+        <p:spPr>
+          <a:xfrm>
+            <a:off x="0" y="0"/>
+            <a:ext cx="12192000" cy="762000"/>
+          </a:xfrm>
+          <a:prstGeom prst="rect">
+            <a:avLst/>
+          </a:prstGeom>
+        </p:spPr>
+        <p:txBody>
+          <a:bodyPr vert="horz" lIns="91440" tIns="45720" rIns="91440" bIns="45720" rtlCol="0">
+            <a:normAutofit/>
+          </a:bodyPr>
+          <a:lstStyle>
+            <a:lvl1pPr marL="342900" indent="-342900" algn="l" defTabSz="457200" rtl="0" eaLnBrk="1" latinLnBrk="0" hangingPunct="1">
+              <a:spcBef>
+                <a:spcPct val="20000"/>
+              </a:spcBef>
+              <a:buFont typeface="Wingdings" charset="2"/>
+              <a:buChar char="§"/>
+              <a:defRPr sz="3000" kern="1200">
+                <a:solidFill>
+                  <a:schemeClr val="tx2"/>
+                </a:solidFill>
+                <a:latin typeface="+mn-lt"/>
+                <a:ea typeface="+mn-ea"/>
+                <a:cs typeface="+mn-cs"/>
+              </a:defRPr>
+            </a:lvl1pPr>
+            <a:lvl2pPr marL="742950" indent="-285750" algn="l" defTabSz="457200" rtl="0" eaLnBrk="1" latinLnBrk="0" hangingPunct="1">
+              <a:spcBef>
+                <a:spcPct val="20000"/>
+              </a:spcBef>
+              <a:buFont typeface="Wingdings" charset="2"/>
+              <a:buChar char="§"/>
+              <a:defRPr sz="2600" kern="1200">
+                <a:solidFill>
+                  <a:schemeClr val="tx2"/>
+                </a:solidFill>
+                <a:latin typeface="+mn-lt"/>
+                <a:ea typeface="+mn-ea"/>
+                <a:cs typeface="+mn-cs"/>
+              </a:defRPr>
+            </a:lvl2pPr>
+            <a:lvl3pPr marL="1143000" indent="-228600" algn="l" defTabSz="457200" rtl="0" eaLnBrk="1" latinLnBrk="0" hangingPunct="1">
+              <a:spcBef>
+                <a:spcPct val="20000"/>
+              </a:spcBef>
+              <a:buFont typeface="Wingdings" charset="2"/>
+              <a:buChar char="§"/>
+              <a:defRPr sz="2200" kern="1200">
+                <a:solidFill>
+                  <a:schemeClr val="tx2"/>
+                </a:solidFill>
+                <a:latin typeface="+mn-lt"/>
+                <a:ea typeface="+mn-ea"/>
+                <a:cs typeface="+mn-cs"/>
+              </a:defRPr>
+            </a:lvl3pPr>
+            <a:lvl4pPr marL="1600200" indent="-228600" algn="l" defTabSz="457200" rtl="0" eaLnBrk="1" latinLnBrk="0" hangingPunct="1">
+              <a:spcBef>
+                <a:spcPct val="20000"/>
+              </a:spcBef>
+              <a:buFont typeface="Wingdings" charset="2"/>
+              <a:buChar char="§"/>
+              <a:defRPr sz="2000" kern="1200">
+                <a:solidFill>
+                  <a:schemeClr val="tx2"/>
+                </a:solidFill>
+                <a:latin typeface="+mn-lt"/>
+                <a:ea typeface="+mn-ea"/>
+                <a:cs typeface="+mn-cs"/>
+              </a:defRPr>
+            </a:lvl4pPr>
+            <a:lvl5pPr marL="2057400" indent="-228600" algn="l" defTabSz="457200" rtl="0" eaLnBrk="1" latinLnBrk="0" hangingPunct="1">
+              <a:spcBef>
+                <a:spcPct val="20000"/>
+              </a:spcBef>
+              <a:buFont typeface="Wingdings" charset="2"/>
+              <a:buChar char="§"/>
+              <a:defRPr sz="1800" kern="1200">
+                <a:solidFill>
+                  <a:schemeClr val="tx2"/>
+                </a:solidFill>
+                <a:latin typeface="+mn-lt"/>
+                <a:ea typeface="+mn-ea"/>
+                <a:cs typeface="+mn-cs"/>
+              </a:defRPr>
+            </a:lvl5pPr>
+            <a:lvl6pPr marL="2514600" indent="-228600" algn="l" defTabSz="457200" rtl="0" eaLnBrk="1" latinLnBrk="0" hangingPunct="1">
+              <a:spcBef>
+                <a:spcPct val="20000"/>
+              </a:spcBef>
+              <a:buFont typeface="Arial"/>
+              <a:buChar char="•"/>
+              <a:defRPr sz="2000" kern="1200">
+                <a:solidFill>
+                  <a:schemeClr val="tx1"/>
+                </a:solidFill>
+                <a:latin typeface="+mn-lt"/>
+                <a:ea typeface="+mn-ea"/>
+                <a:cs typeface="+mn-cs"/>
+              </a:defRPr>
+            </a:lvl6pPr>
+            <a:lvl7pPr marL="2971800" indent="-228600" algn="l" defTabSz="457200" rtl="0" eaLnBrk="1" latinLnBrk="0" hangingPunct="1">
+              <a:spcBef>
+                <a:spcPct val="20000"/>
+              </a:spcBef>
+              <a:buFont typeface="Arial"/>
+              <a:buChar char="•"/>
+              <a:defRPr sz="2000" kern="1200">
+                <a:solidFill>
+                  <a:schemeClr val="tx1"/>
+                </a:solidFill>
+                <a:latin typeface="+mn-lt"/>
+                <a:ea typeface="+mn-ea"/>
+                <a:cs typeface="+mn-cs"/>
+              </a:defRPr>
+            </a:lvl7pPr>
+            <a:lvl8pPr marL="3429000" indent="-228600" algn="l" defTabSz="457200" rtl="0" eaLnBrk="1" latinLnBrk="0" hangingPunct="1">
+              <a:spcBef>
+                <a:spcPct val="20000"/>
+              </a:spcBef>
+              <a:buFont typeface="Arial"/>
+              <a:buChar char="•"/>
+              <a:defRPr sz="2000" kern="1200">
+                <a:solidFill>
+                  <a:schemeClr val="tx1"/>
+                </a:solidFill>
+                <a:latin typeface="+mn-lt"/>
+                <a:ea typeface="+mn-ea"/>
+                <a:cs typeface="+mn-cs"/>
+              </a:defRPr>
+            </a:lvl8pPr>
+            <a:lvl9pPr marL="3886200" indent="-228600" algn="l" defTabSz="457200" rtl="0" eaLnBrk="1" latinLnBrk="0" hangingPunct="1">
+              <a:spcBef>
+                <a:spcPct val="20000"/>
+              </a:spcBef>
+              <a:buFont typeface="Arial"/>
+              <a:buChar char="•"/>
+              <a:defRPr sz="2000" kern="1200">
+                <a:solidFill>
+                  <a:schemeClr val="tx1"/>
+                </a:solidFill>
+                <a:latin typeface="+mn-lt"/>
+                <a:ea typeface="+mn-ea"/>
+                <a:cs typeface="+mn-cs"/>
+              </a:defRPr>
+            </a:lvl9pPr>
+          </a:lstStyle>
+          <a:p>
+            <a:pPr marL="0" indent="0" algn="ctr">
+              <a:buNone/>
+            </a:pPr>
+            <a:r>
+              <a:rPr lang="en-US" sz="4000" b="1" cap="all" dirty="0">
+                <a:solidFill>
+                  <a:srgbClr val="3D156F"/>
+                </a:solidFill>
+                <a:latin typeface="+mj-lt"/>
+                <a:ea typeface="+mj-ea"/>
+                <a:cs typeface="+mj-cs"/>
+              </a:rPr>
+              <a:t>Testing Permissions with EXECUTE AS</a:t>
+            </a:r>
+          </a:p>
+        </p:txBody>
+      </p:sp>
+    </p:spTree>
+    <p:extLst>
+      <p:ext uri="{BB962C8B-B14F-4D97-AF65-F5344CB8AC3E}">
+        <p14:creationId xmlns:p14="http://schemas.microsoft.com/office/powerpoint/2010/main" val="3284362606"/>
+      </p:ext>
+    </p:extLst>
+  </p:cSld>
+  <p:clrMapOvr>
+    <a:masterClrMapping/>
+  </p:clrMapOvr>
+</p:sld>
+</file>
+
+<file path=ppt/slides/slide38.xml><?xml version="1.0" encoding="utf-8"?>
+<p:sld xmlns:a="http://schemas.openxmlformats.org/drawingml/2006/main" xmlns:r="http://schemas.openxmlformats.org/officeDocument/2006/relationships" xmlns:p="http://schemas.openxmlformats.org/presentationml/2006/main">
+  <p:cSld>
+    <p:spTree>
+      <p:nvGrpSpPr>
+        <p:cNvPr id="1" name=""/>
+        <p:cNvGrpSpPr/>
+        <p:nvPr/>
+      </p:nvGrpSpPr>
+      <p:grpSpPr>
+        <a:xfrm>
+          <a:off x="0" y="0"/>
+          <a:ext cx="0" cy="0"/>
+          <a:chOff x="0" y="0"/>
+          <a:chExt cx="0" cy="0"/>
+        </a:xfrm>
+      </p:grpSpPr>
+      <p:sp>
+        <p:nvSpPr>
+          <p:cNvPr id="2" name="Content Placeholder 1"/>
+          <p:cNvSpPr>
+            <a:spLocks noGrp="1"/>
+          </p:cNvSpPr>
+          <p:nvPr>
+            <p:ph idx="4294967295"/>
+          </p:nvPr>
+        </p:nvSpPr>
+        <p:spPr>
+          <a:xfrm>
+            <a:off x="914400" y="828676"/>
+            <a:ext cx="10287000" cy="5648324"/>
+          </a:xfrm>
+        </p:spPr>
+        <p:txBody>
+          <a:bodyPr>
+            <a:normAutofit/>
+          </a:bodyPr>
+          <a:lstStyle/>
+          <a:p>
+            <a:r>
+              <a:rPr lang="en-US" sz="2400" dirty="0"/>
+              <a:t>EXECUTE AS makes it possible for you to simulate the permissions of another principal in your current session. </a:t>
+            </a:r>
+          </a:p>
+          <a:p>
+            <a:r>
+              <a:rPr lang="en-US" sz="2400" dirty="0"/>
+              <a:t>Be sure to always follow an EXECUTE AS with a REVERT, which stops the impersonation and restores your own permissions. Each execution of REVERT affects only one EXECUTE AS.</a:t>
+            </a:r>
+          </a:p>
+          <a:p>
+            <a:r>
+              <a:rPr lang="en-US" sz="2400" dirty="0"/>
+              <a:t>If you run into issues, you can always find out what principal you are running by using this statement: </a:t>
+            </a:r>
+          </a:p>
+          <a:p>
+            <a:pPr marL="0" indent="0">
+              <a:buNone/>
+            </a:pPr>
+            <a:r>
+              <a:rPr lang="en-US" sz="2400" dirty="0">
+                <a:solidFill>
+                  <a:srgbClr val="0000FF"/>
+                </a:solidFill>
+                <a:latin typeface="Consolas" panose="020B0609020204030204" pitchFamily="49" charset="0"/>
+              </a:rPr>
+              <a:t>SELECT</a:t>
+            </a:r>
+            <a:r>
+              <a:rPr lang="en-US" sz="2400" dirty="0">
+                <a:solidFill>
+                  <a:srgbClr val="000000"/>
+                </a:solidFill>
+                <a:latin typeface="Consolas" panose="020B0609020204030204" pitchFamily="49" charset="0"/>
+              </a:rPr>
+              <a:t> </a:t>
+            </a:r>
+            <a:r>
+              <a:rPr lang="en-US" sz="2400" dirty="0">
+                <a:solidFill>
+                  <a:srgbClr val="FF00FF"/>
+                </a:solidFill>
+                <a:latin typeface="Consolas" panose="020B0609020204030204" pitchFamily="49" charset="0"/>
+              </a:rPr>
+              <a:t>ORIGINAL_LOGIN</a:t>
+            </a:r>
+            <a:r>
+              <a:rPr lang="en-US" sz="2400" dirty="0">
+                <a:solidFill>
+                  <a:srgbClr val="808080"/>
+                </a:solidFill>
+                <a:latin typeface="Consolas" panose="020B0609020204030204" pitchFamily="49" charset="0"/>
+              </a:rPr>
+              <a:t>(),</a:t>
+            </a:r>
+            <a:r>
+              <a:rPr lang="en-US" sz="2400" dirty="0">
+                <a:solidFill>
+                  <a:srgbClr val="000000"/>
+                </a:solidFill>
+                <a:latin typeface="Consolas" panose="020B0609020204030204" pitchFamily="49" charset="0"/>
+              </a:rPr>
+              <a:t> </a:t>
+            </a:r>
+            <a:r>
+              <a:rPr lang="en-US" sz="2400" dirty="0">
+                <a:solidFill>
+                  <a:srgbClr val="FF00FF"/>
+                </a:solidFill>
+                <a:latin typeface="Consolas" panose="020B0609020204030204" pitchFamily="49" charset="0"/>
+              </a:rPr>
+              <a:t>CURRENT_USER</a:t>
+            </a:r>
+            <a:r>
+              <a:rPr lang="en-US" sz="2400" dirty="0">
+                <a:solidFill>
+                  <a:srgbClr val="808080"/>
+                </a:solidFill>
+                <a:latin typeface="Consolas" panose="020B0609020204030204" pitchFamily="49" charset="0"/>
+              </a:rPr>
+              <a:t>;</a:t>
+            </a:r>
+          </a:p>
+          <a:p>
+            <a:pPr marL="0" indent="0">
+              <a:buNone/>
+            </a:pPr>
+            <a:endParaRPr lang="en-US" sz="2400" dirty="0"/>
+          </a:p>
+          <a:p>
+            <a:r>
+              <a:rPr lang="en-US" sz="2400" dirty="0"/>
+              <a:t>ORIGINAL_LOGIN(). The name of the login with which you actually connected. This will not change even after you use EXECUTE AS USER or EXECUTE AS LOGIN. </a:t>
+            </a:r>
+          </a:p>
+          <a:p>
+            <a:r>
+              <a:rPr lang="en-US" sz="2400" dirty="0"/>
+              <a:t>CURRENT_USER. The name of the user you have assumed.</a:t>
+            </a:r>
+          </a:p>
+        </p:txBody>
+      </p:sp>
+      <p:sp>
+        <p:nvSpPr>
+          <p:cNvPr id="8" name="Text Placeholder 2"/>
+          <p:cNvSpPr txBox="1">
+            <a:spLocks/>
+          </p:cNvSpPr>
+          <p:nvPr/>
+        </p:nvSpPr>
+        <p:spPr>
+          <a:xfrm>
+            <a:off x="0" y="0"/>
+            <a:ext cx="12192000" cy="762000"/>
+          </a:xfrm>
+          <a:prstGeom prst="rect">
+            <a:avLst/>
+          </a:prstGeom>
+        </p:spPr>
+        <p:txBody>
+          <a:bodyPr vert="horz" lIns="91440" tIns="45720" rIns="91440" bIns="45720" rtlCol="0">
+            <a:normAutofit/>
+          </a:bodyPr>
+          <a:lstStyle>
+            <a:lvl1pPr marL="342900" indent="-342900" algn="l" defTabSz="457200" rtl="0" eaLnBrk="1" latinLnBrk="0" hangingPunct="1">
+              <a:spcBef>
+                <a:spcPct val="20000"/>
+              </a:spcBef>
+              <a:buFont typeface="Wingdings" charset="2"/>
+              <a:buChar char="§"/>
+              <a:defRPr sz="3000" kern="1200">
+                <a:solidFill>
+                  <a:schemeClr val="tx2"/>
+                </a:solidFill>
+                <a:latin typeface="+mn-lt"/>
+                <a:ea typeface="+mn-ea"/>
+                <a:cs typeface="+mn-cs"/>
+              </a:defRPr>
+            </a:lvl1pPr>
+            <a:lvl2pPr marL="742950" indent="-285750" algn="l" defTabSz="457200" rtl="0" eaLnBrk="1" latinLnBrk="0" hangingPunct="1">
+              <a:spcBef>
+                <a:spcPct val="20000"/>
+              </a:spcBef>
+              <a:buFont typeface="Wingdings" charset="2"/>
+              <a:buChar char="§"/>
+              <a:defRPr sz="2600" kern="1200">
+                <a:solidFill>
+                  <a:schemeClr val="tx2"/>
+                </a:solidFill>
+                <a:latin typeface="+mn-lt"/>
+                <a:ea typeface="+mn-ea"/>
+                <a:cs typeface="+mn-cs"/>
+              </a:defRPr>
+            </a:lvl2pPr>
+            <a:lvl3pPr marL="1143000" indent="-228600" algn="l" defTabSz="457200" rtl="0" eaLnBrk="1" latinLnBrk="0" hangingPunct="1">
+              <a:spcBef>
+                <a:spcPct val="20000"/>
+              </a:spcBef>
+              <a:buFont typeface="Wingdings" charset="2"/>
+              <a:buChar char="§"/>
+              <a:defRPr sz="2200" kern="1200">
+                <a:solidFill>
+                  <a:schemeClr val="tx2"/>
+                </a:solidFill>
+                <a:latin typeface="+mn-lt"/>
+                <a:ea typeface="+mn-ea"/>
+                <a:cs typeface="+mn-cs"/>
+              </a:defRPr>
+            </a:lvl3pPr>
+            <a:lvl4pPr marL="1600200" indent="-228600" algn="l" defTabSz="457200" rtl="0" eaLnBrk="1" latinLnBrk="0" hangingPunct="1">
+              <a:spcBef>
+                <a:spcPct val="20000"/>
+              </a:spcBef>
+              <a:buFont typeface="Wingdings" charset="2"/>
+              <a:buChar char="§"/>
+              <a:defRPr sz="2000" kern="1200">
+                <a:solidFill>
+                  <a:schemeClr val="tx2"/>
+                </a:solidFill>
+                <a:latin typeface="+mn-lt"/>
+                <a:ea typeface="+mn-ea"/>
+                <a:cs typeface="+mn-cs"/>
+              </a:defRPr>
+            </a:lvl4pPr>
+            <a:lvl5pPr marL="2057400" indent="-228600" algn="l" defTabSz="457200" rtl="0" eaLnBrk="1" latinLnBrk="0" hangingPunct="1">
+              <a:spcBef>
+                <a:spcPct val="20000"/>
+              </a:spcBef>
+              <a:buFont typeface="Wingdings" charset="2"/>
+              <a:buChar char="§"/>
+              <a:defRPr sz="1800" kern="1200">
+                <a:solidFill>
+                  <a:schemeClr val="tx2"/>
+                </a:solidFill>
+                <a:latin typeface="+mn-lt"/>
+                <a:ea typeface="+mn-ea"/>
+                <a:cs typeface="+mn-cs"/>
+              </a:defRPr>
+            </a:lvl5pPr>
+            <a:lvl6pPr marL="2514600" indent="-228600" algn="l" defTabSz="457200" rtl="0" eaLnBrk="1" latinLnBrk="0" hangingPunct="1">
+              <a:spcBef>
+                <a:spcPct val="20000"/>
+              </a:spcBef>
+              <a:buFont typeface="Arial"/>
+              <a:buChar char="•"/>
+              <a:defRPr sz="2000" kern="1200">
+                <a:solidFill>
+                  <a:schemeClr val="tx1"/>
+                </a:solidFill>
+                <a:latin typeface="+mn-lt"/>
+                <a:ea typeface="+mn-ea"/>
+                <a:cs typeface="+mn-cs"/>
+              </a:defRPr>
+            </a:lvl6pPr>
+            <a:lvl7pPr marL="2971800" indent="-228600" algn="l" defTabSz="457200" rtl="0" eaLnBrk="1" latinLnBrk="0" hangingPunct="1">
+              <a:spcBef>
+                <a:spcPct val="20000"/>
+              </a:spcBef>
+              <a:buFont typeface="Arial"/>
+              <a:buChar char="•"/>
+              <a:defRPr sz="2000" kern="1200">
+                <a:solidFill>
+                  <a:schemeClr val="tx1"/>
+                </a:solidFill>
+                <a:latin typeface="+mn-lt"/>
+                <a:ea typeface="+mn-ea"/>
+                <a:cs typeface="+mn-cs"/>
+              </a:defRPr>
+            </a:lvl7pPr>
+            <a:lvl8pPr marL="3429000" indent="-228600" algn="l" defTabSz="457200" rtl="0" eaLnBrk="1" latinLnBrk="0" hangingPunct="1">
+              <a:spcBef>
+                <a:spcPct val="20000"/>
+              </a:spcBef>
+              <a:buFont typeface="Arial"/>
+              <a:buChar char="•"/>
+              <a:defRPr sz="2000" kern="1200">
+                <a:solidFill>
+                  <a:schemeClr val="tx1"/>
+                </a:solidFill>
+                <a:latin typeface="+mn-lt"/>
+                <a:ea typeface="+mn-ea"/>
+                <a:cs typeface="+mn-cs"/>
+              </a:defRPr>
+            </a:lvl8pPr>
+            <a:lvl9pPr marL="3886200" indent="-228600" algn="l" defTabSz="457200" rtl="0" eaLnBrk="1" latinLnBrk="0" hangingPunct="1">
+              <a:spcBef>
+                <a:spcPct val="20000"/>
+              </a:spcBef>
+              <a:buFont typeface="Arial"/>
+              <a:buChar char="•"/>
+              <a:defRPr sz="2000" kern="1200">
+                <a:solidFill>
+                  <a:schemeClr val="tx1"/>
+                </a:solidFill>
+                <a:latin typeface="+mn-lt"/>
+                <a:ea typeface="+mn-ea"/>
+                <a:cs typeface="+mn-cs"/>
+              </a:defRPr>
+            </a:lvl9pPr>
+          </a:lstStyle>
+          <a:p>
+            <a:pPr marL="0" indent="0" algn="ctr">
+              <a:buNone/>
+            </a:pPr>
+            <a:r>
+              <a:rPr lang="en-US" sz="4000" b="1" cap="all" dirty="0">
+                <a:solidFill>
+                  <a:srgbClr val="3D156F"/>
+                </a:solidFill>
+                <a:latin typeface="+mj-lt"/>
+                <a:ea typeface="+mj-ea"/>
+                <a:cs typeface="+mj-cs"/>
+              </a:rPr>
+              <a:t>Testing Permissions with EXECUTE AS</a:t>
+            </a:r>
+          </a:p>
+        </p:txBody>
+      </p:sp>
+    </p:spTree>
+    <p:extLst>
+      <p:ext uri="{BB962C8B-B14F-4D97-AF65-F5344CB8AC3E}">
+        <p14:creationId xmlns:p14="http://schemas.microsoft.com/office/powerpoint/2010/main" val="2201520878"/>
+      </p:ext>
+    </p:extLst>
+  </p:cSld>
+  <p:clrMapOvr>
+    <a:masterClrMapping/>
+  </p:clrMapOvr>
+</p:sld>
+</file>
+
+<file path=ppt/slides/slide39.xml><?xml version="1.0" encoding="utf-8"?>
 <p:sld xmlns:a="http://schemas.openxmlformats.org/drawingml/2006/main" xmlns:r="http://schemas.openxmlformats.org/officeDocument/2006/relationships" xmlns:p="http://schemas.openxmlformats.org/presentationml/2006/main">
   <p:cSld>
     <p:spTree>
@@ -20669,362 +21923,6 @@
     <p:extLst>
       <p:ext uri="{BB962C8B-B14F-4D97-AF65-F5344CB8AC3E}">
         <p14:creationId xmlns:p14="http://schemas.microsoft.com/office/powerpoint/2010/main" val="2214576987"/>
-      </p:ext>
-    </p:extLst>
-  </p:cSld>
-  <p:clrMapOvr>
-    <a:masterClrMapping/>
-  </p:clrMapOvr>
-</p:sld>
-</file>
-
-<file path=ppt/slides/slide38.xml><?xml version="1.0" encoding="utf-8"?>
-<p:sld xmlns:a="http://schemas.openxmlformats.org/drawingml/2006/main" xmlns:r="http://schemas.openxmlformats.org/officeDocument/2006/relationships" xmlns:p="http://schemas.openxmlformats.org/presentationml/2006/main">
-  <p:cSld>
-    <p:spTree>
-      <p:nvGrpSpPr>
-        <p:cNvPr id="1" name=""/>
-        <p:cNvGrpSpPr/>
-        <p:nvPr/>
-      </p:nvGrpSpPr>
-      <p:grpSpPr>
-        <a:xfrm>
-          <a:off x="0" y="0"/>
-          <a:ext cx="0" cy="0"/>
-          <a:chOff x="0" y="0"/>
-          <a:chExt cx="0" cy="0"/>
-        </a:xfrm>
-      </p:grpSpPr>
-      <p:pic>
-        <p:nvPicPr>
-          <p:cNvPr id="6" name="Content Placeholder 5"/>
-          <p:cNvPicPr>
-            <a:picLocks noGrp="1" noChangeAspect="1"/>
-          </p:cNvPicPr>
-          <p:nvPr>
-            <p:ph idx="4294967295"/>
-          </p:nvPr>
-        </p:nvPicPr>
-        <p:blipFill>
-          <a:blip r:embed="rId2">
-            <a:extLst>
-              <a:ext uri="{28A0092B-C50C-407E-A947-70E740481C1C}">
-                <a14:useLocalDpi xmlns:a14="http://schemas.microsoft.com/office/drawing/2010/main" val="0"/>
-              </a:ext>
-            </a:extLst>
-          </a:blip>
-          <a:stretch>
-            <a:fillRect/>
-          </a:stretch>
-        </p:blipFill>
-        <p:spPr>
-          <a:xfrm>
-            <a:off x="2082800" y="304800"/>
-            <a:ext cx="8026400" cy="6019800"/>
-          </a:xfrm>
-        </p:spPr>
-      </p:pic>
-    </p:spTree>
-    <p:extLst>
-      <p:ext uri="{BB962C8B-B14F-4D97-AF65-F5344CB8AC3E}">
-        <p14:creationId xmlns:p14="http://schemas.microsoft.com/office/powerpoint/2010/main" val="3629891968"/>
-      </p:ext>
-    </p:extLst>
-  </p:cSld>
-  <p:clrMapOvr>
-    <a:masterClrMapping/>
-  </p:clrMapOvr>
-</p:sld>
-</file>
-
-<file path=ppt/slides/slide39.xml><?xml version="1.0" encoding="utf-8"?>
-<p:sld xmlns:a="http://schemas.openxmlformats.org/drawingml/2006/main" xmlns:r="http://schemas.openxmlformats.org/officeDocument/2006/relationships" xmlns:p="http://schemas.openxmlformats.org/presentationml/2006/main">
-  <p:cSld>
-    <p:spTree>
-      <p:nvGrpSpPr>
-        <p:cNvPr id="1" name=""/>
-        <p:cNvGrpSpPr/>
-        <p:nvPr/>
-      </p:nvGrpSpPr>
-      <p:grpSpPr>
-        <a:xfrm>
-          <a:off x="0" y="0"/>
-          <a:ext cx="0" cy="0"/>
-          <a:chOff x="0" y="0"/>
-          <a:chExt cx="0" cy="0"/>
-        </a:xfrm>
-      </p:grpSpPr>
-      <p:sp>
-        <p:nvSpPr>
-          <p:cNvPr id="2" name="Content Placeholder 1"/>
-          <p:cNvSpPr>
-            <a:spLocks noGrp="1"/>
-          </p:cNvSpPr>
-          <p:nvPr>
-            <p:ph idx="4294967295"/>
-          </p:nvPr>
-        </p:nvSpPr>
-        <p:spPr>
-          <a:xfrm>
-            <a:off x="1676400" y="914400"/>
-            <a:ext cx="8915400" cy="5791200"/>
-          </a:xfrm>
-        </p:spPr>
-        <p:txBody>
-          <a:bodyPr>
-            <a:normAutofit/>
-          </a:bodyPr>
-          <a:lstStyle/>
-          <a:p>
-            <a:r>
-              <a:rPr lang="en-US" sz="2800" dirty="0"/>
-              <a:t>This is a much larger topic with lots of info out there</a:t>
-            </a:r>
-          </a:p>
-          <a:p>
-            <a:r>
-              <a:rPr lang="en-US" sz="2800" dirty="0"/>
-              <a:t>SQL Server is better than some RDBMS platforms but is in no way immune to SQL Injection made possible by security-ignorant development</a:t>
-            </a:r>
-          </a:p>
-          <a:p>
-            <a:r>
-              <a:rPr lang="en-US" sz="2800" dirty="0"/>
-              <a:t>Very important developers are aware of </a:t>
-            </a:r>
-            <a:br>
-              <a:rPr lang="en-US" sz="2800" dirty="0"/>
-            </a:br>
-            <a:r>
-              <a:rPr lang="en-US" sz="2800" dirty="0"/>
-              <a:t>SQL Injection-blocking patterns with text fields on public websites:</a:t>
-            </a:r>
-          </a:p>
-          <a:p>
-            <a:pPr lvl="1"/>
-            <a:r>
-              <a:rPr lang="en-US" dirty="0"/>
-              <a:t>Parameterize the input from the website (use </a:t>
-            </a:r>
-            <a:r>
-              <a:rPr lang="en-US" dirty="0" err="1"/>
-              <a:t>sprocs</a:t>
-            </a:r>
-            <a:r>
-              <a:rPr lang="en-US" dirty="0"/>
-              <a:t>!)</a:t>
-            </a:r>
-          </a:p>
-          <a:p>
-            <a:pPr lvl="1"/>
-            <a:r>
-              <a:rPr lang="en-US" dirty="0"/>
-              <a:t>Sanitize inputs of special characters</a:t>
-            </a:r>
-          </a:p>
-          <a:p>
-            <a:pPr lvl="1"/>
-            <a:r>
-              <a:rPr lang="en-US" dirty="0"/>
-              <a:t>Don’t run websites logins with more databases permission than needed (again, use </a:t>
-            </a:r>
-            <a:r>
-              <a:rPr lang="en-US" dirty="0" err="1"/>
-              <a:t>sprocs</a:t>
-            </a:r>
-            <a:r>
-              <a:rPr lang="en-US" dirty="0"/>
-              <a:t>!)</a:t>
-            </a:r>
-          </a:p>
-          <a:p>
-            <a:pPr marL="0" indent="0">
-              <a:buNone/>
-            </a:pPr>
-            <a:endParaRPr lang="en-US" sz="2400" dirty="0"/>
-          </a:p>
-        </p:txBody>
-      </p:sp>
-      <p:sp>
-        <p:nvSpPr>
-          <p:cNvPr id="8" name="Text Placeholder 2"/>
-          <p:cNvSpPr txBox="1">
-            <a:spLocks/>
-          </p:cNvSpPr>
-          <p:nvPr/>
-        </p:nvSpPr>
-        <p:spPr>
-          <a:xfrm>
-            <a:off x="0" y="0"/>
-            <a:ext cx="12192000" cy="762000"/>
-          </a:xfrm>
-          <a:prstGeom prst="rect">
-            <a:avLst/>
-          </a:prstGeom>
-        </p:spPr>
-        <p:txBody>
-          <a:bodyPr vert="horz" lIns="91440" tIns="45720" rIns="91440" bIns="45720" rtlCol="0">
-            <a:normAutofit/>
-          </a:bodyPr>
-          <a:lstStyle>
-            <a:lvl1pPr marL="342900" indent="-342900" algn="l" defTabSz="457200" rtl="0" eaLnBrk="1" latinLnBrk="0" hangingPunct="1">
-              <a:spcBef>
-                <a:spcPct val="20000"/>
-              </a:spcBef>
-              <a:buFont typeface="Wingdings" charset="2"/>
-              <a:buChar char="§"/>
-              <a:defRPr sz="3000" kern="1200">
-                <a:solidFill>
-                  <a:schemeClr val="tx2"/>
-                </a:solidFill>
-                <a:latin typeface="+mn-lt"/>
-                <a:ea typeface="+mn-ea"/>
-                <a:cs typeface="+mn-cs"/>
-              </a:defRPr>
-            </a:lvl1pPr>
-            <a:lvl2pPr marL="742950" indent="-285750" algn="l" defTabSz="457200" rtl="0" eaLnBrk="1" latinLnBrk="0" hangingPunct="1">
-              <a:spcBef>
-                <a:spcPct val="20000"/>
-              </a:spcBef>
-              <a:buFont typeface="Wingdings" charset="2"/>
-              <a:buChar char="§"/>
-              <a:defRPr sz="2600" kern="1200">
-                <a:solidFill>
-                  <a:schemeClr val="tx2"/>
-                </a:solidFill>
-                <a:latin typeface="+mn-lt"/>
-                <a:ea typeface="+mn-ea"/>
-                <a:cs typeface="+mn-cs"/>
-              </a:defRPr>
-            </a:lvl2pPr>
-            <a:lvl3pPr marL="1143000" indent="-228600" algn="l" defTabSz="457200" rtl="0" eaLnBrk="1" latinLnBrk="0" hangingPunct="1">
-              <a:spcBef>
-                <a:spcPct val="20000"/>
-              </a:spcBef>
-              <a:buFont typeface="Wingdings" charset="2"/>
-              <a:buChar char="§"/>
-              <a:defRPr sz="2200" kern="1200">
-                <a:solidFill>
-                  <a:schemeClr val="tx2"/>
-                </a:solidFill>
-                <a:latin typeface="+mn-lt"/>
-                <a:ea typeface="+mn-ea"/>
-                <a:cs typeface="+mn-cs"/>
-              </a:defRPr>
-            </a:lvl3pPr>
-            <a:lvl4pPr marL="1600200" indent="-228600" algn="l" defTabSz="457200" rtl="0" eaLnBrk="1" latinLnBrk="0" hangingPunct="1">
-              <a:spcBef>
-                <a:spcPct val="20000"/>
-              </a:spcBef>
-              <a:buFont typeface="Wingdings" charset="2"/>
-              <a:buChar char="§"/>
-              <a:defRPr sz="2000" kern="1200">
-                <a:solidFill>
-                  <a:schemeClr val="tx2"/>
-                </a:solidFill>
-                <a:latin typeface="+mn-lt"/>
-                <a:ea typeface="+mn-ea"/>
-                <a:cs typeface="+mn-cs"/>
-              </a:defRPr>
-            </a:lvl4pPr>
-            <a:lvl5pPr marL="2057400" indent="-228600" algn="l" defTabSz="457200" rtl="0" eaLnBrk="1" latinLnBrk="0" hangingPunct="1">
-              <a:spcBef>
-                <a:spcPct val="20000"/>
-              </a:spcBef>
-              <a:buFont typeface="Wingdings" charset="2"/>
-              <a:buChar char="§"/>
-              <a:defRPr sz="1800" kern="1200">
-                <a:solidFill>
-                  <a:schemeClr val="tx2"/>
-                </a:solidFill>
-                <a:latin typeface="+mn-lt"/>
-                <a:ea typeface="+mn-ea"/>
-                <a:cs typeface="+mn-cs"/>
-              </a:defRPr>
-            </a:lvl5pPr>
-            <a:lvl6pPr marL="2514600" indent="-228600" algn="l" defTabSz="457200" rtl="0" eaLnBrk="1" latinLnBrk="0" hangingPunct="1">
-              <a:spcBef>
-                <a:spcPct val="20000"/>
-              </a:spcBef>
-              <a:buFont typeface="Arial"/>
-              <a:buChar char="•"/>
-              <a:defRPr sz="2000" kern="1200">
-                <a:solidFill>
-                  <a:schemeClr val="tx1"/>
-                </a:solidFill>
-                <a:latin typeface="+mn-lt"/>
-                <a:ea typeface="+mn-ea"/>
-                <a:cs typeface="+mn-cs"/>
-              </a:defRPr>
-            </a:lvl6pPr>
-            <a:lvl7pPr marL="2971800" indent="-228600" algn="l" defTabSz="457200" rtl="0" eaLnBrk="1" latinLnBrk="0" hangingPunct="1">
-              <a:spcBef>
-                <a:spcPct val="20000"/>
-              </a:spcBef>
-              <a:buFont typeface="Arial"/>
-              <a:buChar char="•"/>
-              <a:defRPr sz="2000" kern="1200">
-                <a:solidFill>
-                  <a:schemeClr val="tx1"/>
-                </a:solidFill>
-                <a:latin typeface="+mn-lt"/>
-                <a:ea typeface="+mn-ea"/>
-                <a:cs typeface="+mn-cs"/>
-              </a:defRPr>
-            </a:lvl7pPr>
-            <a:lvl8pPr marL="3429000" indent="-228600" algn="l" defTabSz="457200" rtl="0" eaLnBrk="1" latinLnBrk="0" hangingPunct="1">
-              <a:spcBef>
-                <a:spcPct val="20000"/>
-              </a:spcBef>
-              <a:buFont typeface="Arial"/>
-              <a:buChar char="•"/>
-              <a:defRPr sz="2000" kern="1200">
-                <a:solidFill>
-                  <a:schemeClr val="tx1"/>
-                </a:solidFill>
-                <a:latin typeface="+mn-lt"/>
-                <a:ea typeface="+mn-ea"/>
-                <a:cs typeface="+mn-cs"/>
-              </a:defRPr>
-            </a:lvl8pPr>
-            <a:lvl9pPr marL="3886200" indent="-228600" algn="l" defTabSz="457200" rtl="0" eaLnBrk="1" latinLnBrk="0" hangingPunct="1">
-              <a:spcBef>
-                <a:spcPct val="20000"/>
-              </a:spcBef>
-              <a:buFont typeface="Arial"/>
-              <a:buChar char="•"/>
-              <a:defRPr sz="2000" kern="1200">
-                <a:solidFill>
-                  <a:schemeClr val="tx1"/>
-                </a:solidFill>
-                <a:latin typeface="+mn-lt"/>
-                <a:ea typeface="+mn-ea"/>
-                <a:cs typeface="+mn-cs"/>
-              </a:defRPr>
-            </a:lvl9pPr>
-          </a:lstStyle>
-          <a:p>
-            <a:pPr marL="0" indent="0" algn="ctr">
-              <a:buNone/>
-            </a:pPr>
-            <a:r>
-              <a:rPr lang="en-US" sz="4000" b="1" cap="all" dirty="0">
-                <a:solidFill>
-                  <a:srgbClr val="3D156F"/>
-                </a:solidFill>
-                <a:latin typeface="+mj-lt"/>
-                <a:ea typeface="+mj-ea"/>
-                <a:cs typeface="+mj-cs"/>
-              </a:rPr>
-              <a:t>SQL Injection</a:t>
-            </a:r>
-          </a:p>
-        </p:txBody>
-      </p:sp>
-    </p:spTree>
-    <p:extLst>
-      <p:ext uri="{BB962C8B-B14F-4D97-AF65-F5344CB8AC3E}">
-        <p14:creationId xmlns:p14="http://schemas.microsoft.com/office/powerpoint/2010/main" val="2711520653"/>
       </p:ext>
     </p:extLst>
   </p:cSld>
@@ -21756,256 +22654,39 @@
           <a:chExt cx="0" cy="0"/>
         </a:xfrm>
       </p:grpSpPr>
-      <p:sp>
-        <p:nvSpPr>
-          <p:cNvPr id="2" name="Content Placeholder 1"/>
-          <p:cNvSpPr>
-            <a:spLocks noGrp="1"/>
-          </p:cNvSpPr>
+      <p:pic>
+        <p:nvPicPr>
+          <p:cNvPr id="6" name="Content Placeholder 5"/>
+          <p:cNvPicPr>
+            <a:picLocks noGrp="1" noChangeAspect="1"/>
+          </p:cNvPicPr>
           <p:nvPr>
             <p:ph idx="4294967295"/>
           </p:nvPr>
-        </p:nvSpPr>
+        </p:nvPicPr>
+        <p:blipFill>
+          <a:blip r:embed="rId2">
+            <a:extLst>
+              <a:ext uri="{28A0092B-C50C-407E-A947-70E740481C1C}">
+                <a14:useLocalDpi xmlns:a14="http://schemas.microsoft.com/office/drawing/2010/main" val="0"/>
+              </a:ext>
+            </a:extLst>
+          </a:blip>
+          <a:stretch>
+            <a:fillRect/>
+          </a:stretch>
+        </p:blipFill>
         <p:spPr>
           <a:xfrm>
-            <a:off x="838200" y="914400"/>
-            <a:ext cx="10210800" cy="5715000"/>
+            <a:off x="2082800" y="304800"/>
+            <a:ext cx="8026400" cy="6019800"/>
           </a:xfrm>
         </p:spPr>
-        <p:txBody>
-          <a:bodyPr>
-            <a:normAutofit fontScale="92500"/>
-          </a:bodyPr>
-          <a:lstStyle/>
-          <a:p>
-            <a:r>
-              <a:rPr lang="en-US" sz="4000" dirty="0"/>
-              <a:t>As a DBA, what can you do to prevent SQL Injection?</a:t>
-            </a:r>
-          </a:p>
-          <a:p>
-            <a:pPr lvl="1"/>
-            <a:r>
-              <a:rPr lang="en-US" sz="3200" dirty="0"/>
-              <a:t>Design tables with appropriate data types and lengths</a:t>
-            </a:r>
-          </a:p>
-          <a:p>
-            <a:pPr lvl="1"/>
-            <a:r>
-              <a:rPr lang="en-US" sz="3200" dirty="0"/>
-              <a:t>Insist on stored procedures for public-facing operations like searches. Be aware of what is public-facing.</a:t>
-            </a:r>
-          </a:p>
-          <a:p>
-            <a:pPr lvl="1"/>
-            <a:r>
-              <a:rPr lang="en-US" sz="3200" dirty="0"/>
-              <a:t>Insist on stored procedures for Entity Framework or ORM-style operations involving 2+ entities (this is also a good performance idea)</a:t>
-            </a:r>
-          </a:p>
-          <a:p>
-            <a:pPr lvl="1"/>
-            <a:r>
-              <a:rPr lang="en-US" sz="3200" dirty="0"/>
-              <a:t>For user-interactive service accounts, avoid database-wide permissions such as the database roles like </a:t>
-            </a:r>
-            <a:r>
-              <a:rPr lang="en-US" sz="3200" dirty="0" err="1"/>
-              <a:t>db_datareader</a:t>
-            </a:r>
-            <a:r>
-              <a:rPr lang="en-US" sz="3200" dirty="0"/>
-              <a:t> and </a:t>
-            </a:r>
-            <a:r>
-              <a:rPr lang="en-US" sz="3200" dirty="0" err="1"/>
-              <a:t>db_datawriter</a:t>
-            </a:r>
-            <a:endParaRPr lang="en-US" sz="3200" dirty="0"/>
-          </a:p>
-        </p:txBody>
-      </p:sp>
-      <p:sp>
-        <p:nvSpPr>
-          <p:cNvPr id="8" name="Text Placeholder 2"/>
-          <p:cNvSpPr txBox="1">
-            <a:spLocks/>
-          </p:cNvSpPr>
-          <p:nvPr/>
-        </p:nvSpPr>
-        <p:spPr>
-          <a:xfrm>
-            <a:off x="0" y="0"/>
-            <a:ext cx="12192000" cy="762000"/>
-          </a:xfrm>
-          <a:prstGeom prst="rect">
-            <a:avLst/>
-          </a:prstGeom>
-        </p:spPr>
-        <p:txBody>
-          <a:bodyPr vert="horz" lIns="91440" tIns="45720" rIns="91440" bIns="45720" rtlCol="0">
-            <a:normAutofit/>
-          </a:bodyPr>
-          <a:lstStyle>
-            <a:lvl1pPr marL="342900" indent="-342900" algn="l" defTabSz="457200" rtl="0" eaLnBrk="1" latinLnBrk="0" hangingPunct="1">
-              <a:spcBef>
-                <a:spcPct val="20000"/>
-              </a:spcBef>
-              <a:buFont typeface="Wingdings" charset="2"/>
-              <a:buChar char="§"/>
-              <a:defRPr sz="3000" kern="1200">
-                <a:solidFill>
-                  <a:schemeClr val="tx2"/>
-                </a:solidFill>
-                <a:latin typeface="+mn-lt"/>
-                <a:ea typeface="+mn-ea"/>
-                <a:cs typeface="+mn-cs"/>
-              </a:defRPr>
-            </a:lvl1pPr>
-            <a:lvl2pPr marL="742950" indent="-285750" algn="l" defTabSz="457200" rtl="0" eaLnBrk="1" latinLnBrk="0" hangingPunct="1">
-              <a:spcBef>
-                <a:spcPct val="20000"/>
-              </a:spcBef>
-              <a:buFont typeface="Wingdings" charset="2"/>
-              <a:buChar char="§"/>
-              <a:defRPr sz="2600" kern="1200">
-                <a:solidFill>
-                  <a:schemeClr val="tx2"/>
-                </a:solidFill>
-                <a:latin typeface="+mn-lt"/>
-                <a:ea typeface="+mn-ea"/>
-                <a:cs typeface="+mn-cs"/>
-              </a:defRPr>
-            </a:lvl2pPr>
-            <a:lvl3pPr marL="1143000" indent="-228600" algn="l" defTabSz="457200" rtl="0" eaLnBrk="1" latinLnBrk="0" hangingPunct="1">
-              <a:spcBef>
-                <a:spcPct val="20000"/>
-              </a:spcBef>
-              <a:buFont typeface="Wingdings" charset="2"/>
-              <a:buChar char="§"/>
-              <a:defRPr sz="2200" kern="1200">
-                <a:solidFill>
-                  <a:schemeClr val="tx2"/>
-                </a:solidFill>
-                <a:latin typeface="+mn-lt"/>
-                <a:ea typeface="+mn-ea"/>
-                <a:cs typeface="+mn-cs"/>
-              </a:defRPr>
-            </a:lvl3pPr>
-            <a:lvl4pPr marL="1600200" indent="-228600" algn="l" defTabSz="457200" rtl="0" eaLnBrk="1" latinLnBrk="0" hangingPunct="1">
-              <a:spcBef>
-                <a:spcPct val="20000"/>
-              </a:spcBef>
-              <a:buFont typeface="Wingdings" charset="2"/>
-              <a:buChar char="§"/>
-              <a:defRPr sz="2000" kern="1200">
-                <a:solidFill>
-                  <a:schemeClr val="tx2"/>
-                </a:solidFill>
-                <a:latin typeface="+mn-lt"/>
-                <a:ea typeface="+mn-ea"/>
-                <a:cs typeface="+mn-cs"/>
-              </a:defRPr>
-            </a:lvl4pPr>
-            <a:lvl5pPr marL="2057400" indent="-228600" algn="l" defTabSz="457200" rtl="0" eaLnBrk="1" latinLnBrk="0" hangingPunct="1">
-              <a:spcBef>
-                <a:spcPct val="20000"/>
-              </a:spcBef>
-              <a:buFont typeface="Wingdings" charset="2"/>
-              <a:buChar char="§"/>
-              <a:defRPr sz="1800" kern="1200">
-                <a:solidFill>
-                  <a:schemeClr val="tx2"/>
-                </a:solidFill>
-                <a:latin typeface="+mn-lt"/>
-                <a:ea typeface="+mn-ea"/>
-                <a:cs typeface="+mn-cs"/>
-              </a:defRPr>
-            </a:lvl5pPr>
-            <a:lvl6pPr marL="2514600" indent="-228600" algn="l" defTabSz="457200" rtl="0" eaLnBrk="1" latinLnBrk="0" hangingPunct="1">
-              <a:spcBef>
-                <a:spcPct val="20000"/>
-              </a:spcBef>
-              <a:buFont typeface="Arial"/>
-              <a:buChar char="•"/>
-              <a:defRPr sz="2000" kern="1200">
-                <a:solidFill>
-                  <a:schemeClr val="tx1"/>
-                </a:solidFill>
-                <a:latin typeface="+mn-lt"/>
-                <a:ea typeface="+mn-ea"/>
-                <a:cs typeface="+mn-cs"/>
-              </a:defRPr>
-            </a:lvl6pPr>
-            <a:lvl7pPr marL="2971800" indent="-228600" algn="l" defTabSz="457200" rtl="0" eaLnBrk="1" latinLnBrk="0" hangingPunct="1">
-              <a:spcBef>
-                <a:spcPct val="20000"/>
-              </a:spcBef>
-              <a:buFont typeface="Arial"/>
-              <a:buChar char="•"/>
-              <a:defRPr sz="2000" kern="1200">
-                <a:solidFill>
-                  <a:schemeClr val="tx1"/>
-                </a:solidFill>
-                <a:latin typeface="+mn-lt"/>
-                <a:ea typeface="+mn-ea"/>
-                <a:cs typeface="+mn-cs"/>
-              </a:defRPr>
-            </a:lvl7pPr>
-            <a:lvl8pPr marL="3429000" indent="-228600" algn="l" defTabSz="457200" rtl="0" eaLnBrk="1" latinLnBrk="0" hangingPunct="1">
-              <a:spcBef>
-                <a:spcPct val="20000"/>
-              </a:spcBef>
-              <a:buFont typeface="Arial"/>
-              <a:buChar char="•"/>
-              <a:defRPr sz="2000" kern="1200">
-                <a:solidFill>
-                  <a:schemeClr val="tx1"/>
-                </a:solidFill>
-                <a:latin typeface="+mn-lt"/>
-                <a:ea typeface="+mn-ea"/>
-                <a:cs typeface="+mn-cs"/>
-              </a:defRPr>
-            </a:lvl8pPr>
-            <a:lvl9pPr marL="3886200" indent="-228600" algn="l" defTabSz="457200" rtl="0" eaLnBrk="1" latinLnBrk="0" hangingPunct="1">
-              <a:spcBef>
-                <a:spcPct val="20000"/>
-              </a:spcBef>
-              <a:buFont typeface="Arial"/>
-              <a:buChar char="•"/>
-              <a:defRPr sz="2000" kern="1200">
-                <a:solidFill>
-                  <a:schemeClr val="tx1"/>
-                </a:solidFill>
-                <a:latin typeface="+mn-lt"/>
-                <a:ea typeface="+mn-ea"/>
-                <a:cs typeface="+mn-cs"/>
-              </a:defRPr>
-            </a:lvl9pPr>
-          </a:lstStyle>
-          <a:p>
-            <a:pPr marL="0" indent="0" algn="ctr">
-              <a:buNone/>
-            </a:pPr>
-            <a:r>
-              <a:rPr lang="en-US" sz="4000" b="1" cap="all" dirty="0">
-                <a:solidFill>
-                  <a:srgbClr val="3D156F"/>
-                </a:solidFill>
-                <a:latin typeface="+mj-lt"/>
-                <a:ea typeface="+mj-ea"/>
-                <a:cs typeface="+mj-cs"/>
-              </a:rPr>
-              <a:t>SQL Injection</a:t>
-            </a:r>
-          </a:p>
-        </p:txBody>
-      </p:sp>
+      </p:pic>
     </p:spTree>
     <p:extLst>
       <p:ext uri="{BB962C8B-B14F-4D97-AF65-F5344CB8AC3E}">
-        <p14:creationId xmlns:p14="http://schemas.microsoft.com/office/powerpoint/2010/main" val="3553502555"/>
+        <p14:creationId xmlns:p14="http://schemas.microsoft.com/office/powerpoint/2010/main" val="3629891968"/>
       </p:ext>
     </p:extLst>
   </p:cSld>
@@ -22044,47 +22725,75 @@
         </p:nvSpPr>
         <p:spPr>
           <a:xfrm>
-            <a:off x="838200" y="914400"/>
-            <a:ext cx="10210800" cy="5715000"/>
+            <a:off x="1676400" y="914400"/>
+            <a:ext cx="8915400" cy="5791200"/>
           </a:xfrm>
         </p:spPr>
         <p:txBody>
           <a:bodyPr>
-            <a:normAutofit/>
+            <a:normAutofit fontScale="92500" lnSpcReduction="10000"/>
           </a:bodyPr>
           <a:lstStyle/>
           <a:p>
             <a:r>
-              <a:rPr lang="en-US" sz="4000" dirty="0"/>
-              <a:t>As a DBA, what can you do to prevent SQL Injection?</a:t>
+              <a:rPr lang="en-US" sz="3200" dirty="0"/>
+              <a:t>This is a much larger topic with lots of info out there</a:t>
+            </a:r>
+          </a:p>
+          <a:p>
+            <a:r>
+              <a:rPr lang="en-US" sz="3200" dirty="0"/>
+              <a:t>SQL Server is better than some RDBMS platforms but is in no way immune to SQL Injection made possible by security-ignorant development</a:t>
+            </a:r>
+          </a:p>
+          <a:p>
+            <a:r>
+              <a:rPr lang="en-US" sz="3200" dirty="0"/>
+              <a:t>Very important developers are aware of </a:t>
+            </a:r>
+            <a:br>
+              <a:rPr lang="en-US" sz="3200" dirty="0"/>
+            </a:br>
+            <a:r>
+              <a:rPr lang="en-US" sz="3200" dirty="0"/>
+              <a:t>SQL Injection-blocking patterns with text fields on public websites:</a:t>
             </a:r>
           </a:p>
           <a:p>
             <a:pPr lvl="1"/>
             <a:r>
-              <a:rPr lang="en-US" sz="3200" dirty="0"/>
-              <a:t>Train developers on basic patterns of stored procedure parameter sanitizing</a:t>
+              <a:rPr lang="en-US" sz="2800" dirty="0"/>
+              <a:t>Parameterize the input from the website (use </a:t>
+            </a:r>
+            <a:r>
+              <a:rPr lang="en-US" sz="2800" dirty="0" err="1"/>
+              <a:t>sprocs</a:t>
+            </a:r>
+            <a:r>
+              <a:rPr lang="en-US" sz="2800" dirty="0"/>
+              <a:t>!)</a:t>
             </a:r>
           </a:p>
           <a:p>
             <a:pPr lvl="1"/>
             <a:r>
-              <a:rPr lang="en-US" sz="3200" dirty="0"/>
-              <a:t>Provide links, attention, and visibility to PM’s and Dev’s for SQL Injection awareness</a:t>
+              <a:rPr lang="en-US" sz="2800" dirty="0"/>
+              <a:t>Sanitize inputs of special characters</a:t>
             </a:r>
           </a:p>
           <a:p>
             <a:pPr lvl="1"/>
             <a:r>
-              <a:rPr lang="en-US" sz="3200" dirty="0"/>
-              <a:t>Lobby for penetration testing and SQL Injection detection tasks in sprints</a:t>
-            </a:r>
-          </a:p>
-          <a:p>
-            <a:pPr lvl="1"/>
-            <a:r>
-              <a:rPr lang="en-US" sz="3200" dirty="0"/>
-              <a:t>If using Azure SQL DB, enable Azure Thread Detection!</a:t>
+              <a:rPr lang="en-US" sz="2800" dirty="0"/>
+              <a:t>Don’t run websites logins with more databases permission than needed (again, use </a:t>
+            </a:r>
+            <a:r>
+              <a:rPr lang="en-US" sz="2800" dirty="0" err="1"/>
+              <a:t>sprocs</a:t>
+            </a:r>
+            <a:r>
+              <a:rPr lang="en-US" sz="2800" dirty="0"/>
+              <a:t>!)</a:t>
             </a:r>
           </a:p>
         </p:txBody>
@@ -22268,7 +22977,7 @@
     </p:spTree>
     <p:extLst>
       <p:ext uri="{BB962C8B-B14F-4D97-AF65-F5344CB8AC3E}">
-        <p14:creationId xmlns:p14="http://schemas.microsoft.com/office/powerpoint/2010/main" val="929050420"/>
+        <p14:creationId xmlns:p14="http://schemas.microsoft.com/office/powerpoint/2010/main" val="2711520653"/>
       </p:ext>
     </p:extLst>
   </p:cSld>
@@ -22307,53 +23016,67 @@
         </p:nvSpPr>
         <p:spPr>
           <a:xfrm>
-            <a:off x="1981200" y="914401"/>
-            <a:ext cx="8229600" cy="5191125"/>
+            <a:off x="838200" y="914400"/>
+            <a:ext cx="10210800" cy="5715000"/>
           </a:xfrm>
         </p:spPr>
         <p:txBody>
           <a:bodyPr>
-            <a:normAutofit/>
+            <a:normAutofit fontScale="92500" lnSpcReduction="20000"/>
           </a:bodyPr>
           <a:lstStyle/>
           <a:p>
-            <a:pPr marL="0" indent="0">
-              <a:buNone/>
-            </a:pPr>
-            <a:r>
-              <a:rPr lang="en-US" b="1" dirty="0"/>
-              <a:t>Azure SQL Database Threat Detection </a:t>
-            </a:r>
-            <a:r>
-              <a:rPr lang="en-US" dirty="0"/>
-              <a:t>is a security intelligence feature </a:t>
-            </a:r>
-            <a:r>
-              <a:rPr lang="en-US" b="1" dirty="0"/>
-              <a:t>built into </a:t>
-            </a:r>
-            <a:r>
-              <a:rPr lang="en-US" dirty="0"/>
-              <a:t>the Azure SQL Database, activated with a button click. </a:t>
-            </a:r>
-          </a:p>
-          <a:p>
-            <a:pPr marL="0" indent="0">
-              <a:buNone/>
-            </a:pPr>
-            <a:endParaRPr lang="en-US" dirty="0"/>
-          </a:p>
-          <a:p>
-            <a:pPr marL="0" indent="0">
-              <a:buNone/>
-            </a:pPr>
-            <a:r>
-              <a:rPr lang="en-US" b="1" dirty="0"/>
-              <a:t>Detects </a:t>
-            </a:r>
-            <a:r>
-              <a:rPr lang="en-US" dirty="0"/>
-              <a:t>potential vulnerabilities such as Potential SQL Injection attacks, brute force attacks, anomalous login patterns, and more, and then emails you with the details.</a:t>
+            <a:r>
+              <a:rPr lang="en-US" sz="4000" dirty="0"/>
+              <a:t>As a DBA, what can you do to prevent SQL Injection?</a:t>
+            </a:r>
+          </a:p>
+          <a:p>
+            <a:pPr lvl="1"/>
+            <a:r>
+              <a:rPr lang="en-US" sz="3200" dirty="0"/>
+              <a:t>Design tables with appropriate data types and lengths</a:t>
+            </a:r>
+          </a:p>
+          <a:p>
+            <a:pPr lvl="1"/>
+            <a:r>
+              <a:rPr lang="en-US" sz="3200" dirty="0"/>
+              <a:t>Insist on stored procedures for public-facing operations like searches. Be aware of what is public-facing.</a:t>
+            </a:r>
+          </a:p>
+          <a:p>
+            <a:pPr lvl="1"/>
+            <a:r>
+              <a:rPr lang="en-US" sz="3200" dirty="0"/>
+              <a:t>Insist on stored procedures for Entity Framework (or other ORMs) operations involving 2+ entities (also a good performance idea)</a:t>
+            </a:r>
+          </a:p>
+          <a:p>
+            <a:pPr lvl="1"/>
+            <a:r>
+              <a:rPr lang="en-US" sz="3200" dirty="0"/>
+              <a:t>For user-interactive service accounts, avoid database-wide permissions such as the database roles like </a:t>
+            </a:r>
+            <a:r>
+              <a:rPr lang="en-US" sz="3200" dirty="0" err="1"/>
+              <a:t>db_datareader</a:t>
+            </a:r>
+            <a:r>
+              <a:rPr lang="en-US" sz="3200" dirty="0"/>
+              <a:t> and </a:t>
+            </a:r>
+            <a:r>
+              <a:rPr lang="en-US" sz="3200" dirty="0" err="1"/>
+              <a:t>db_datawriter</a:t>
+            </a:r>
+            <a:endParaRPr lang="en-US" sz="3200" dirty="0"/>
+          </a:p>
+          <a:p>
+            <a:pPr lvl="1"/>
+            <a:r>
+              <a:rPr lang="en-US" sz="3200" dirty="0"/>
+              <a:t>Avoid the use of EXECUTE AS in code, which could allow injected code to execute with elevated security</a:t>
             </a:r>
           </a:p>
         </p:txBody>
@@ -22368,7 +23091,7 @@
         </p:nvSpPr>
         <p:spPr>
           <a:xfrm>
-            <a:off x="0" y="-9526"/>
+            <a:off x="0" y="0"/>
             <a:ext cx="12192000" cy="762000"/>
           </a:xfrm>
           <a:prstGeom prst="rect">
@@ -22529,7 +23252,7 @@
                 <a:ea typeface="+mj-ea"/>
                 <a:cs typeface="+mj-cs"/>
               </a:rPr>
-              <a:t>Aside on AZURE threat detection</a:t>
+              <a:t>SQL Injection</a:t>
             </a:r>
           </a:p>
         </p:txBody>
@@ -22537,7 +23260,7 @@
     </p:spTree>
     <p:extLst>
       <p:ext uri="{BB962C8B-B14F-4D97-AF65-F5344CB8AC3E}">
-        <p14:creationId xmlns:p14="http://schemas.microsoft.com/office/powerpoint/2010/main" val="1110406331"/>
+        <p14:creationId xmlns:p14="http://schemas.microsoft.com/office/powerpoint/2010/main" val="3553502555"/>
       </p:ext>
     </p:extLst>
   </p:cSld>
@@ -22548,7 +23271,7 @@
 </file>
 
 <file path=ppt/slides/slide43.xml><?xml version="1.0" encoding="utf-8"?>
-<p:sld xmlns:a="http://schemas.openxmlformats.org/drawingml/2006/main" xmlns:r="http://schemas.openxmlformats.org/officeDocument/2006/relationships" xmlns:p="http://schemas.openxmlformats.org/presentationml/2006/main" showMasterSp="0">
+<p:sld xmlns:a="http://schemas.openxmlformats.org/drawingml/2006/main" xmlns:r="http://schemas.openxmlformats.org/officeDocument/2006/relationships" xmlns:p="http://schemas.openxmlformats.org/presentationml/2006/main">
   <p:cSld>
     <p:spTree>
       <p:nvGrpSpPr>
@@ -22576,8 +23299,8 @@
         </p:nvSpPr>
         <p:spPr>
           <a:xfrm>
-            <a:off x="1676400" y="914400"/>
-            <a:ext cx="8915400" cy="5791200"/>
+            <a:off x="685800" y="914400"/>
+            <a:ext cx="10896600" cy="5715000"/>
           </a:xfrm>
         </p:spPr>
         <p:txBody>
@@ -22587,94 +23310,37 @@
           <a:lstStyle/>
           <a:p>
             <a:r>
-              <a:rPr lang="en-US" sz="2800" dirty="0"/>
-              <a:t>Stored procedures require EXECUTE to run, and do not require all underlying object permissions (SELECT, INSERT, DELETE)…</a:t>
-            </a:r>
-            <a:br>
-              <a:rPr lang="en-US" sz="2800" dirty="0"/>
-            </a:br>
-            <a:endParaRPr lang="en-US" sz="2800" dirty="0"/>
+              <a:rPr lang="en-US" sz="4000" dirty="0"/>
+              <a:t>As a DBA, what can you do to prevent SQL Injection?</a:t>
+            </a:r>
           </a:p>
           <a:p>
             <a:pPr lvl="1"/>
             <a:r>
-              <a:rPr lang="en-US" sz="2400" dirty="0"/>
-              <a:t>…provided that the </a:t>
-            </a:r>
-            <a:r>
-              <a:rPr lang="en-US" sz="2400" dirty="0" err="1"/>
-              <a:t>sproc</a:t>
-            </a:r>
-            <a:r>
-              <a:rPr lang="en-US" sz="2400" dirty="0"/>
-              <a:t> doesn’t perform IDENTITY_INSERT on a table, which requires ALTER permissions not abstracted.</a:t>
+              <a:rPr lang="en-US" sz="3200" dirty="0"/>
+              <a:t>Train developers on basic patterns of stored procedure parameter sanitizing</a:t>
             </a:r>
           </a:p>
           <a:p>
             <a:pPr lvl="1"/>
             <a:r>
-              <a:rPr lang="en-US" sz="2400" dirty="0"/>
-              <a:t>…provided that all the underlying objects have the same ownership chain.  </a:t>
+              <a:rPr lang="en-US" sz="3200" dirty="0"/>
+              <a:t>Provide links, attention, and visibility to PM’s and Dev’s for SQL Injection awareness</a:t>
             </a:r>
           </a:p>
           <a:p>
             <a:pPr lvl="1"/>
             <a:r>
-              <a:rPr lang="en-US" sz="2400" dirty="0"/>
-              <a:t>…provided that the stored procedures do not use dynamic </a:t>
-            </a:r>
-            <a:r>
-              <a:rPr lang="en-US" sz="2400" dirty="0" err="1"/>
-              <a:t>sql</a:t>
-            </a:r>
-            <a:r>
-              <a:rPr lang="en-US" sz="2400" dirty="0"/>
-              <a:t> commands </a:t>
-            </a:r>
-            <a:br>
-              <a:rPr lang="en-US" sz="2400" dirty="0"/>
-            </a:br>
-            <a:r>
-              <a:rPr lang="en-US" sz="2400" dirty="0"/>
-              <a:t>	</a:t>
-            </a:r>
-            <a:r>
-              <a:rPr lang="en-US" sz="2400" dirty="0">
-                <a:solidFill>
-                  <a:srgbClr val="7030A0"/>
-                </a:solidFill>
-              </a:rPr>
-              <a:t>exec </a:t>
-            </a:r>
-            <a:r>
-              <a:rPr lang="en-US" sz="2400" dirty="0" err="1">
-                <a:solidFill>
-                  <a:srgbClr val="7030A0"/>
-                </a:solidFill>
-              </a:rPr>
-              <a:t>sp_executesql</a:t>
-            </a:r>
-            <a:r>
-              <a:rPr lang="en-US" sz="2400" dirty="0">
-                <a:solidFill>
-                  <a:srgbClr val="7030A0"/>
-                </a:solidFill>
-              </a:rPr>
-              <a:t> @SQL</a:t>
-            </a:r>
-            <a:r>
-              <a:rPr lang="en-US" sz="2400" dirty="0"/>
-              <a:t> or </a:t>
-            </a:r>
-            <a:r>
-              <a:rPr lang="en-US" sz="2400" dirty="0">
-                <a:solidFill>
-                  <a:srgbClr val="7030A0"/>
-                </a:solidFill>
-              </a:rPr>
-              <a:t>EXEC(@SQL)</a:t>
-            </a:r>
-            <a:endParaRPr lang="en-US" sz="2400" dirty="0"/>
+              <a:rPr lang="en-US" sz="3200" dirty="0"/>
+              <a:t>Lobby for penetration testing and SQL Injection detection tasks in sprints</a:t>
+            </a:r>
+          </a:p>
+          <a:p>
+            <a:pPr lvl="1"/>
+            <a:r>
+              <a:rPr lang="en-US" sz="3200" dirty="0"/>
+              <a:t>If using Azure SQL DB, enable Azure Threat Detection!</a:t>
+            </a:r>
           </a:p>
         </p:txBody>
       </p:sp>
@@ -22849,7 +23515,7 @@
                 <a:ea typeface="+mj-ea"/>
                 <a:cs typeface="+mj-cs"/>
               </a:rPr>
-              <a:t>Stored procedures</a:t>
+              <a:t>SQL Injection</a:t>
             </a:r>
           </a:p>
         </p:txBody>
@@ -22857,7 +23523,7 @@
     </p:spTree>
     <p:extLst>
       <p:ext uri="{BB962C8B-B14F-4D97-AF65-F5344CB8AC3E}">
-        <p14:creationId xmlns:p14="http://schemas.microsoft.com/office/powerpoint/2010/main" val="2636744677"/>
+        <p14:creationId xmlns:p14="http://schemas.microsoft.com/office/powerpoint/2010/main" val="929050420"/>
       </p:ext>
     </p:extLst>
   </p:cSld>
@@ -22868,7 +23534,7 @@
 </file>
 
 <file path=ppt/slides/slide44.xml><?xml version="1.0" encoding="utf-8"?>
-<p:sld xmlns:a="http://schemas.openxmlformats.org/drawingml/2006/main" xmlns:r="http://schemas.openxmlformats.org/officeDocument/2006/relationships" xmlns:p="http://schemas.openxmlformats.org/presentationml/2006/main" showMasterSp="0">
+<p:sld xmlns:a="http://schemas.openxmlformats.org/drawingml/2006/main" xmlns:r="http://schemas.openxmlformats.org/officeDocument/2006/relationships" xmlns:p="http://schemas.openxmlformats.org/presentationml/2006/main">
   <p:cSld>
     <p:spTree>
       <p:nvGrpSpPr>
@@ -22896,64 +23562,54 @@
         </p:nvSpPr>
         <p:spPr>
           <a:xfrm>
-            <a:off x="1524000" y="828676"/>
+            <a:off x="1981200" y="914401"/>
             <a:ext cx="8229600" cy="5191125"/>
           </a:xfrm>
         </p:spPr>
         <p:txBody>
-          <a:bodyPr/>
+          <a:bodyPr>
+            <a:normAutofit/>
+          </a:bodyPr>
           <a:lstStyle/>
           <a:p>
             <a:pPr marL="0" indent="0">
               <a:buNone/>
             </a:pPr>
             <a:r>
+              <a:rPr lang="en-US" b="1" dirty="0"/>
+              <a:t>Azure SQL Database Threat Detection </a:t>
+            </a:r>
+            <a:r>
               <a:rPr lang="en-US" dirty="0"/>
-              <a:t>Given those conditions, thanks to the database permission chain, you can </a:t>
-            </a:r>
-          </a:p>
-          <a:p>
+              <a:t>is a security intelligence feature </a:t>
+            </a:r>
+            <a:r>
+              <a:rPr lang="en-US" b="1" dirty="0"/>
+              <a:t>built into </a:t>
+            </a:r>
             <a:r>
               <a:rPr lang="en-US" dirty="0"/>
-              <a:t>GRANT EXEC rights to </a:t>
-            </a:r>
-            <a:r>
-              <a:rPr lang="en-US" dirty="0" err="1"/>
-              <a:t>sprocs</a:t>
-            </a:r>
-            <a:r>
-              <a:rPr lang="en-US" dirty="0"/>
-              <a:t> that INSERT UPDATE and SELECT from a table.</a:t>
-            </a:r>
-          </a:p>
-          <a:p>
-            <a:r>
-              <a:rPr lang="en-US" dirty="0"/>
-              <a:t>GRANT no other permissions to the table!</a:t>
-            </a:r>
-          </a:p>
-          <a:p>
-            <a:endParaRPr lang="en-US" dirty="0"/>
+              <a:t>the Azure SQL Database, activated with a button click. </a:t>
+            </a:r>
           </a:p>
           <a:p>
             <a:pPr marL="0" indent="0">
               <a:buNone/>
             </a:pPr>
+            <a:endParaRPr lang="en-US" dirty="0"/>
+          </a:p>
+          <a:p>
+            <a:pPr marL="0" indent="0">
+              <a:buNone/>
+            </a:pPr>
+            <a:r>
+              <a:rPr lang="en-US" b="1" dirty="0"/>
+              <a:t>Detects </a:t>
+            </a:r>
             <a:r>
               <a:rPr lang="en-US" dirty="0"/>
-              <a:t>The user can read data in the table using the </a:t>
-            </a:r>
-            <a:r>
-              <a:rPr lang="en-US" dirty="0" err="1"/>
-              <a:t>sproc</a:t>
-            </a:r>
-            <a:r>
-              <a:rPr lang="en-US" dirty="0"/>
-              <a:t> ONLY.</a:t>
-            </a:r>
-          </a:p>
-          <a:p>
-            <a:endParaRPr lang="en-US" dirty="0"/>
+              <a:t>potential vulnerabilities such as Potential SQL Injection attacks, brute force attacks, anomalous login patterns, and more, and then emails you with the details.</a:t>
+            </a:r>
           </a:p>
         </p:txBody>
       </p:sp>
@@ -22967,7 +23623,7 @@
         </p:nvSpPr>
         <p:spPr>
           <a:xfrm>
-            <a:off x="0" y="0"/>
+            <a:off x="0" y="-9526"/>
             <a:ext cx="12192000" cy="762000"/>
           </a:xfrm>
           <a:prstGeom prst="rect">
@@ -23128,7 +23784,7 @@
                 <a:ea typeface="+mj-ea"/>
                 <a:cs typeface="+mj-cs"/>
               </a:rPr>
-              <a:t>Stored procedures</a:t>
+              <a:t>Aside on AZURE threat detection</a:t>
             </a:r>
           </a:p>
         </p:txBody>
@@ -23136,7 +23792,7 @@
     </p:spTree>
     <p:extLst>
       <p:ext uri="{BB962C8B-B14F-4D97-AF65-F5344CB8AC3E}">
-        <p14:creationId xmlns:p14="http://schemas.microsoft.com/office/powerpoint/2010/main" val="2860415332"/>
+        <p14:creationId xmlns:p14="http://schemas.microsoft.com/office/powerpoint/2010/main" val="1110406331"/>
       </p:ext>
     </p:extLst>
   </p:cSld>
@@ -23175,8 +23831,8 @@
         </p:nvSpPr>
         <p:spPr>
           <a:xfrm>
-            <a:off x="1524000" y="828676"/>
-            <a:ext cx="8229600" cy="5648324"/>
+            <a:off x="1676400" y="914400"/>
+            <a:ext cx="8915400" cy="5791200"/>
           </a:xfrm>
         </p:spPr>
         <p:txBody>
@@ -23186,51 +23842,94 @@
           <a:lstStyle/>
           <a:p>
             <a:r>
-              <a:rPr lang="en-US" sz="3200" dirty="0"/>
-              <a:t>Consider </a:t>
-            </a:r>
-            <a:r>
-              <a:rPr lang="en-US" sz="3200" dirty="0" err="1"/>
-              <a:t>DENYing</a:t>
-            </a:r>
-            <a:r>
-              <a:rPr lang="en-US" sz="3200" dirty="0"/>
-              <a:t> SELECT rights to the public role, which is inherited by all user roles aside from </a:t>
-            </a:r>
-            <a:r>
-              <a:rPr lang="en-US" sz="3200" dirty="0" err="1"/>
-              <a:t>db_owner</a:t>
-            </a:r>
-            <a:r>
-              <a:rPr lang="en-US" sz="3200" dirty="0"/>
-              <a:t> and </a:t>
-            </a:r>
-            <a:r>
-              <a:rPr lang="en-US" sz="3200" dirty="0" err="1"/>
-              <a:t>sysadmin</a:t>
-            </a:r>
-            <a:r>
-              <a:rPr lang="en-US" sz="3200" dirty="0"/>
-              <a:t>.</a:t>
-            </a:r>
-          </a:p>
-          <a:p>
-            <a:endParaRPr lang="en-US" sz="3200" dirty="0"/>
-          </a:p>
-          <a:p>
-            <a:r>
-              <a:rPr lang="en-US" sz="3200" dirty="0"/>
-              <a:t>Users will be prevented from accessing any tables or views directly, from any application (SSMS, Access, Excel!).  </a:t>
-            </a:r>
-          </a:p>
-          <a:p>
-            <a:endParaRPr lang="en-US" sz="3200" dirty="0"/>
-          </a:p>
-          <a:p>
-            <a:r>
-              <a:rPr lang="en-US" sz="3200" dirty="0"/>
-              <a:t>User access to data is forced through your stored procedures.</a:t>
-            </a:r>
+              <a:rPr lang="en-US" sz="2800" dirty="0"/>
+              <a:t>Stored procedures require EXECUTE to run, and do not require all underlying object permissions (SELECT, INSERT, DELETE)…</a:t>
+            </a:r>
+            <a:br>
+              <a:rPr lang="en-US" sz="2800" dirty="0"/>
+            </a:br>
+            <a:endParaRPr lang="en-US" sz="2800" dirty="0"/>
+          </a:p>
+          <a:p>
+            <a:pPr lvl="1"/>
+            <a:r>
+              <a:rPr lang="en-US" sz="2400" dirty="0"/>
+              <a:t>…provided that the </a:t>
+            </a:r>
+            <a:r>
+              <a:rPr lang="en-US" sz="2400" dirty="0" err="1"/>
+              <a:t>sproc</a:t>
+            </a:r>
+            <a:r>
+              <a:rPr lang="en-US" sz="2400" dirty="0"/>
+              <a:t> doesn’t perform IDENTITY_INSERT on a table, which requires ALTER permissions not abstracted.</a:t>
+            </a:r>
+          </a:p>
+          <a:p>
+            <a:pPr lvl="1"/>
+            <a:r>
+              <a:rPr lang="en-US" sz="2400" dirty="0"/>
+              <a:t>…provided that all the underlying objects have the same ownership chain.  </a:t>
+            </a:r>
+          </a:p>
+          <a:p>
+            <a:pPr lvl="1"/>
+            <a:r>
+              <a:rPr lang="en-US" sz="2400" dirty="0"/>
+              <a:t>…provided that the stored procedures do not use dynamic </a:t>
+            </a:r>
+            <a:r>
+              <a:rPr lang="en-US" sz="2400" dirty="0" err="1"/>
+              <a:t>sql</a:t>
+            </a:r>
+            <a:r>
+              <a:rPr lang="en-US" sz="2400" dirty="0"/>
+              <a:t> commands </a:t>
+            </a:r>
+            <a:br>
+              <a:rPr lang="en-US" sz="2400" dirty="0"/>
+            </a:br>
+            <a:r>
+              <a:rPr lang="en-US" sz="2400" dirty="0"/>
+              <a:t>	</a:t>
+            </a:r>
+            <a:r>
+              <a:rPr lang="en-US" sz="2400" dirty="0">
+                <a:solidFill>
+                  <a:srgbClr val="7030A0"/>
+                </a:solidFill>
+              </a:rPr>
+              <a:t>exec </a:t>
+            </a:r>
+            <a:r>
+              <a:rPr lang="en-US" sz="2400" dirty="0" err="1">
+                <a:solidFill>
+                  <a:srgbClr val="7030A0"/>
+                </a:solidFill>
+              </a:rPr>
+              <a:t>sp_executesql</a:t>
+            </a:r>
+            <a:r>
+              <a:rPr lang="en-US" sz="2400" dirty="0">
+                <a:solidFill>
+                  <a:srgbClr val="7030A0"/>
+                </a:solidFill>
+              </a:rPr>
+              <a:t> @SQL</a:t>
+            </a:r>
+            <a:r>
+              <a:rPr lang="en-US" sz="2400" dirty="0"/>
+              <a:t> or </a:t>
+            </a:r>
+            <a:r>
+              <a:rPr lang="en-US" sz="2400" dirty="0">
+                <a:solidFill>
+                  <a:srgbClr val="7030A0"/>
+                </a:solidFill>
+              </a:rPr>
+              <a:t>EXEC(@SQL)</a:t>
+            </a:r>
+            <a:endParaRPr lang="en-US" sz="2400" dirty="0"/>
           </a:p>
         </p:txBody>
       </p:sp>
@@ -23413,7 +24112,7 @@
     </p:spTree>
     <p:extLst>
       <p:ext uri="{BB962C8B-B14F-4D97-AF65-F5344CB8AC3E}">
-        <p14:creationId xmlns:p14="http://schemas.microsoft.com/office/powerpoint/2010/main" val="532493895"/>
+        <p14:creationId xmlns:p14="http://schemas.microsoft.com/office/powerpoint/2010/main" val="2636744677"/>
       </p:ext>
     </p:extLst>
   </p:cSld>
@@ -23457,47 +24156,59 @@
           </a:xfrm>
         </p:spPr>
         <p:txBody>
-          <a:bodyPr>
-            <a:noAutofit/>
-          </a:bodyPr>
+          <a:bodyPr/>
           <a:lstStyle/>
           <a:p>
-            <a:r>
-              <a:rPr lang="en-US" sz="2800" dirty="0"/>
-              <a:t>Similar to stored procedures, a VIEW will allow a user to SELECT data from tables that the user does not have access to.</a:t>
-            </a:r>
-          </a:p>
-          <a:p>
-            <a:r>
-              <a:rPr lang="en-US" sz="2800" dirty="0"/>
-              <a:t>Views are provisioned similarly to Tables and can even be writeable (UPDATE, INSERT, DELETE) in the following conditions:</a:t>
-            </a:r>
-          </a:p>
-          <a:p>
-            <a:pPr marL="1206500" indent="-228600">
-              <a:buFont typeface="Arial" pitchFamily="34" charset="0"/>
-              <a:buChar char="•"/>
+            <a:pPr marL="0" indent="0">
+              <a:buNone/>
             </a:pPr>
             <a:r>
-              <a:rPr lang="en-US" sz="2400" dirty="0"/>
-              <a:t>The view references only a single table.</a:t>
-            </a:r>
-          </a:p>
-          <a:p>
-            <a:pPr marL="1206500" indent="-228600">
-              <a:buFont typeface="Arial" pitchFamily="34" charset="0"/>
-              <a:buChar char="•"/>
+              <a:rPr lang="en-US" dirty="0"/>
+              <a:t>Given those conditions, thanks to the database permission chain, you can </a:t>
+            </a:r>
+          </a:p>
+          <a:p>
+            <a:r>
+              <a:rPr lang="en-US" dirty="0"/>
+              <a:t>GRANT EXEC rights to </a:t>
+            </a:r>
+            <a:r>
+              <a:rPr lang="en-US" dirty="0" err="1"/>
+              <a:t>sprocs</a:t>
+            </a:r>
+            <a:r>
+              <a:rPr lang="en-US" dirty="0"/>
+              <a:t> that INSERT UPDATE and SELECT from a table.</a:t>
+            </a:r>
+          </a:p>
+          <a:p>
+            <a:r>
+              <a:rPr lang="en-US" dirty="0"/>
+              <a:t>GRANT no other permissions to the table!</a:t>
+            </a:r>
+          </a:p>
+          <a:p>
+            <a:endParaRPr lang="en-US" dirty="0"/>
+          </a:p>
+          <a:p>
+            <a:pPr marL="0" indent="0">
+              <a:buNone/>
             </a:pPr>
             <a:r>
-              <a:rPr lang="en-US" sz="2400" dirty="0"/>
-              <a:t>No aggregations, UNION, distinct,	GROUP, TOP</a:t>
-            </a:r>
-          </a:p>
-          <a:p>
-            <a:r>
-              <a:rPr lang="en-US" sz="2800" dirty="0"/>
-              <a:t>In this way, views can be used to expose a vertically-partitioned version of a table.</a:t>
-            </a:r>
+              <a:rPr lang="en-US" dirty="0"/>
+              <a:t>The user can read data in the table using the </a:t>
+            </a:r>
+            <a:r>
+              <a:rPr lang="en-US" dirty="0" err="1"/>
+              <a:t>sproc</a:t>
+            </a:r>
+            <a:r>
+              <a:rPr lang="en-US" dirty="0"/>
+              <a:t> ONLY.</a:t>
+            </a:r>
+          </a:p>
+          <a:p>
+            <a:endParaRPr lang="en-US" dirty="0"/>
           </a:p>
         </p:txBody>
       </p:sp>
@@ -23672,7 +24383,7 @@
                 <a:ea typeface="+mj-ea"/>
                 <a:cs typeface="+mj-cs"/>
               </a:rPr>
-              <a:t>Views</a:t>
+              <a:t>Stored procedures</a:t>
             </a:r>
           </a:p>
         </p:txBody>
@@ -23680,7 +24391,7 @@
     </p:spTree>
     <p:extLst>
       <p:ext uri="{BB962C8B-B14F-4D97-AF65-F5344CB8AC3E}">
-        <p14:creationId xmlns:p14="http://schemas.microsoft.com/office/powerpoint/2010/main" val="1752755160"/>
+        <p14:creationId xmlns:p14="http://schemas.microsoft.com/office/powerpoint/2010/main" val="2860415332"/>
       </p:ext>
     </p:extLst>
   </p:cSld>
@@ -23691,7 +24402,7 @@
 </file>
 
 <file path=ppt/slides/slide47.xml><?xml version="1.0" encoding="utf-8"?>
-<p:sld xmlns:a="http://schemas.openxmlformats.org/drawingml/2006/main" xmlns:r="http://schemas.openxmlformats.org/officeDocument/2006/relationships" xmlns:p="http://schemas.openxmlformats.org/presentationml/2006/main">
+<p:sld xmlns:a="http://schemas.openxmlformats.org/drawingml/2006/main" xmlns:r="http://schemas.openxmlformats.org/officeDocument/2006/relationships" xmlns:p="http://schemas.openxmlformats.org/presentationml/2006/main" showMasterSp="0">
   <p:cSld>
     <p:spTree>
       <p:nvGrpSpPr>
@@ -23720,30 +24431,60 @@
         <p:spPr>
           <a:xfrm>
             <a:off x="1524000" y="828676"/>
-            <a:ext cx="8229600" cy="5191125"/>
+            <a:ext cx="8229600" cy="5648324"/>
           </a:xfrm>
         </p:spPr>
         <p:txBody>
           <a:bodyPr>
-            <a:noAutofit/>
+            <a:normAutofit/>
           </a:bodyPr>
           <a:lstStyle/>
           <a:p>
             <a:r>
               <a:rPr lang="en-US" sz="3200" dirty="0"/>
-              <a:t>Similar to stored procedures, a UDF will allow a user to SELECT data from tables that the user does not have access to.</a:t>
-            </a:r>
-          </a:p>
-          <a:p>
+              <a:t>Consider </a:t>
+            </a:r>
+            <a:r>
+              <a:rPr lang="en-US" sz="3200" dirty="0" err="1"/>
+              <a:t>DENYing</a:t>
+            </a:r>
             <a:r>
               <a:rPr lang="en-US" sz="3200" dirty="0"/>
-              <a:t>Keep in mind the performance impact of functions can be severe, especially in the SELECT portion of a query. </a:t>
-            </a:r>
-          </a:p>
-          <a:p>
+              <a:t> SELECT rights to the public role, which is inherited by all user roles aside from </a:t>
+            </a:r>
+            <a:r>
+              <a:rPr lang="en-US" sz="3200" dirty="0" err="1"/>
+              <a:t>db_owner</a:t>
+            </a:r>
             <a:r>
               <a:rPr lang="en-US" sz="3200" dirty="0"/>
-              <a:t>Overuse of UDF’s are common causes for performance issues. High potential for cursor-like effects.</a:t>
+              <a:t> and </a:t>
+            </a:r>
+            <a:r>
+              <a:rPr lang="en-US" sz="3200" dirty="0" err="1"/>
+              <a:t>sysadmin</a:t>
+            </a:r>
+            <a:r>
+              <a:rPr lang="en-US" sz="3200" dirty="0"/>
+              <a:t>.</a:t>
+            </a:r>
+          </a:p>
+          <a:p>
+            <a:endParaRPr lang="en-US" sz="3200" dirty="0"/>
+          </a:p>
+          <a:p>
+            <a:r>
+              <a:rPr lang="en-US" sz="3200" dirty="0"/>
+              <a:t>Users will be prevented from accessing any tables or views directly, from any application (SSMS, Access, Excel!).  </a:t>
+            </a:r>
+          </a:p>
+          <a:p>
+            <a:endParaRPr lang="en-US" sz="3200" dirty="0"/>
+          </a:p>
+          <a:p>
+            <a:r>
+              <a:rPr lang="en-US" sz="3200" dirty="0"/>
+              <a:t>User access to data is forced through your stored procedures.</a:t>
             </a:r>
           </a:p>
         </p:txBody>
@@ -23919,7 +24660,7 @@
                 <a:ea typeface="+mj-ea"/>
                 <a:cs typeface="+mj-cs"/>
               </a:rPr>
-              <a:t>User-Defined Functions (UDF)</a:t>
+              <a:t>Stored procedures</a:t>
             </a:r>
           </a:p>
         </p:txBody>
@@ -23927,7 +24668,7 @@
     </p:spTree>
     <p:extLst>
       <p:ext uri="{BB962C8B-B14F-4D97-AF65-F5344CB8AC3E}">
-        <p14:creationId xmlns:p14="http://schemas.microsoft.com/office/powerpoint/2010/main" val="1761332575"/>
+        <p14:creationId xmlns:p14="http://schemas.microsoft.com/office/powerpoint/2010/main" val="532493895"/>
       </p:ext>
     </p:extLst>
   </p:cSld>
@@ -23966,54 +24707,51 @@
         </p:nvSpPr>
         <p:spPr>
           <a:xfrm>
-            <a:off x="838200" y="762001"/>
-            <a:ext cx="9982200" cy="5191125"/>
+            <a:off x="1524000" y="828676"/>
+            <a:ext cx="8229600" cy="5191125"/>
           </a:xfrm>
         </p:spPr>
         <p:txBody>
           <a:bodyPr>
-            <a:normAutofit/>
+            <a:noAutofit/>
           </a:bodyPr>
           <a:lstStyle/>
           <a:p>
-            <a:pPr marL="0" indent="0">
-              <a:buNone/>
+            <a:r>
+              <a:rPr lang="en-US" sz="2800" dirty="0"/>
+              <a:t>Similar to stored procedures, a VIEW will allow a user to SELECT data from tables that the user does not have access to.</a:t>
+            </a:r>
+          </a:p>
+          <a:p>
+            <a:r>
+              <a:rPr lang="en-US" sz="2800" dirty="0"/>
+              <a:t>Views are provisioned similarly to Tables and can even be writeable (UPDATE, INSERT, DELETE) in the following conditions:</a:t>
+            </a:r>
+          </a:p>
+          <a:p>
+            <a:pPr marL="1206500" indent="-228600">
+              <a:buFont typeface="Arial" pitchFamily="34" charset="0"/>
+              <a:buChar char="•"/>
             </a:pPr>
-            <a:endParaRPr lang="en-US" sz="3200" dirty="0"/>
-          </a:p>
-          <a:p>
-            <a:pPr marL="0" indent="0">
-              <a:buNone/>
+            <a:r>
+              <a:rPr lang="en-US" sz="2400" dirty="0"/>
+              <a:t>The view references only a single table.</a:t>
+            </a:r>
+          </a:p>
+          <a:p>
+            <a:pPr marL="1206500" indent="-228600">
+              <a:buFont typeface="Arial" pitchFamily="34" charset="0"/>
+              <a:buChar char="•"/>
             </a:pPr>
             <a:r>
-              <a:rPr lang="en-US" sz="3200" dirty="0"/>
-              <a:t>Demonstrate how Stored Procedures, Views, and Functions abstract the permissions necessary to view underlying table data.</a:t>
-            </a:r>
-          </a:p>
-          <a:p>
-            <a:pPr marL="0" indent="0">
-              <a:buNone/>
-            </a:pPr>
-            <a:endParaRPr lang="en-US" sz="3200" dirty="0"/>
-          </a:p>
-          <a:p>
-            <a:r>
-              <a:rPr lang="en-US" sz="3200" b="1" dirty="0"/>
-              <a:t>Toolbox\Security p1.sql </a:t>
-            </a:r>
-            <a:r>
-              <a:rPr lang="en-US" sz="3200" dirty="0"/>
-              <a:t>– logged in as sysadmin</a:t>
-            </a:r>
-          </a:p>
-          <a:p>
-            <a:r>
-              <a:rPr lang="en-US" sz="3200" b="1" dirty="0"/>
-              <a:t>Toolbox\Security p2.sql </a:t>
-            </a:r>
-            <a:r>
-              <a:rPr lang="en-US" sz="3200" dirty="0"/>
-              <a:t>– logged in as testing user</a:t>
+              <a:rPr lang="en-US" sz="2400" dirty="0"/>
+              <a:t>No aggregations, UNION, distinct,	GROUP, TOP</a:t>
+            </a:r>
+          </a:p>
+          <a:p>
+            <a:r>
+              <a:rPr lang="en-US" sz="2800" dirty="0"/>
+              <a:t>In this way, views can be used to expose a vertically-partitioned version of a table.</a:t>
             </a:r>
           </a:p>
         </p:txBody>
@@ -24189,6 +24927,1033 @@
                 <a:ea typeface="+mj-ea"/>
                 <a:cs typeface="+mj-cs"/>
               </a:rPr>
+              <a:t>Views</a:t>
+            </a:r>
+          </a:p>
+        </p:txBody>
+      </p:sp>
+    </p:spTree>
+    <p:extLst>
+      <p:ext uri="{BB962C8B-B14F-4D97-AF65-F5344CB8AC3E}">
+        <p14:creationId xmlns:p14="http://schemas.microsoft.com/office/powerpoint/2010/main" val="1752755160"/>
+      </p:ext>
+    </p:extLst>
+  </p:cSld>
+  <p:clrMapOvr>
+    <a:masterClrMapping/>
+  </p:clrMapOvr>
+</p:sld>
+</file>
+
+<file path=ppt/slides/slide49.xml><?xml version="1.0" encoding="utf-8"?>
+<p:sld xmlns:a="http://schemas.openxmlformats.org/drawingml/2006/main" xmlns:r="http://schemas.openxmlformats.org/officeDocument/2006/relationships" xmlns:p="http://schemas.openxmlformats.org/presentationml/2006/main">
+  <p:cSld>
+    <p:spTree>
+      <p:nvGrpSpPr>
+        <p:cNvPr id="1" name=""/>
+        <p:cNvGrpSpPr/>
+        <p:nvPr/>
+      </p:nvGrpSpPr>
+      <p:grpSpPr>
+        <a:xfrm>
+          <a:off x="0" y="0"/>
+          <a:ext cx="0" cy="0"/>
+          <a:chOff x="0" y="0"/>
+          <a:chExt cx="0" cy="0"/>
+        </a:xfrm>
+      </p:grpSpPr>
+      <p:sp>
+        <p:nvSpPr>
+          <p:cNvPr id="2" name="Content Placeholder 1"/>
+          <p:cNvSpPr>
+            <a:spLocks noGrp="1"/>
+          </p:cNvSpPr>
+          <p:nvPr>
+            <p:ph idx="4294967295"/>
+          </p:nvPr>
+        </p:nvSpPr>
+        <p:spPr>
+          <a:xfrm>
+            <a:off x="1524000" y="828676"/>
+            <a:ext cx="8839200" cy="5191125"/>
+          </a:xfrm>
+        </p:spPr>
+        <p:txBody>
+          <a:bodyPr>
+            <a:noAutofit/>
+          </a:bodyPr>
+          <a:lstStyle/>
+          <a:p>
+            <a:r>
+              <a:rPr lang="en-US" sz="3600" dirty="0"/>
+              <a:t>Similar to stored procedures, a UDF will allow a user to SELECT data from tables that the user does not have access to.</a:t>
+            </a:r>
+          </a:p>
+          <a:p>
+            <a:r>
+              <a:rPr lang="en-US" sz="3600" dirty="0"/>
+              <a:t>Keep in mind the performance impact of functions can be severe, especially in the SELECT portion of a query. </a:t>
+            </a:r>
+          </a:p>
+          <a:p>
+            <a:r>
+              <a:rPr lang="en-US" sz="3600" dirty="0"/>
+              <a:t>Overuse of UDF’s are common causes for performance issues. High potential for cursor-like effects.</a:t>
+            </a:r>
+          </a:p>
+        </p:txBody>
+      </p:sp>
+      <p:sp>
+        <p:nvSpPr>
+          <p:cNvPr id="8" name="Text Placeholder 2"/>
+          <p:cNvSpPr txBox="1">
+            <a:spLocks/>
+          </p:cNvSpPr>
+          <p:nvPr/>
+        </p:nvSpPr>
+        <p:spPr>
+          <a:xfrm>
+            <a:off x="0" y="0"/>
+            <a:ext cx="12192000" cy="762000"/>
+          </a:xfrm>
+          <a:prstGeom prst="rect">
+            <a:avLst/>
+          </a:prstGeom>
+        </p:spPr>
+        <p:txBody>
+          <a:bodyPr vert="horz" lIns="91440" tIns="45720" rIns="91440" bIns="45720" rtlCol="0">
+            <a:normAutofit/>
+          </a:bodyPr>
+          <a:lstStyle>
+            <a:lvl1pPr marL="342900" indent="-342900" algn="l" defTabSz="457200" rtl="0" eaLnBrk="1" latinLnBrk="0" hangingPunct="1">
+              <a:spcBef>
+                <a:spcPct val="20000"/>
+              </a:spcBef>
+              <a:buFont typeface="Wingdings" charset="2"/>
+              <a:buChar char="§"/>
+              <a:defRPr sz="3000" kern="1200">
+                <a:solidFill>
+                  <a:schemeClr val="tx2"/>
+                </a:solidFill>
+                <a:latin typeface="+mn-lt"/>
+                <a:ea typeface="+mn-ea"/>
+                <a:cs typeface="+mn-cs"/>
+              </a:defRPr>
+            </a:lvl1pPr>
+            <a:lvl2pPr marL="742950" indent="-285750" algn="l" defTabSz="457200" rtl="0" eaLnBrk="1" latinLnBrk="0" hangingPunct="1">
+              <a:spcBef>
+                <a:spcPct val="20000"/>
+              </a:spcBef>
+              <a:buFont typeface="Wingdings" charset="2"/>
+              <a:buChar char="§"/>
+              <a:defRPr sz="2600" kern="1200">
+                <a:solidFill>
+                  <a:schemeClr val="tx2"/>
+                </a:solidFill>
+                <a:latin typeface="+mn-lt"/>
+                <a:ea typeface="+mn-ea"/>
+                <a:cs typeface="+mn-cs"/>
+              </a:defRPr>
+            </a:lvl2pPr>
+            <a:lvl3pPr marL="1143000" indent="-228600" algn="l" defTabSz="457200" rtl="0" eaLnBrk="1" latinLnBrk="0" hangingPunct="1">
+              <a:spcBef>
+                <a:spcPct val="20000"/>
+              </a:spcBef>
+              <a:buFont typeface="Wingdings" charset="2"/>
+              <a:buChar char="§"/>
+              <a:defRPr sz="2200" kern="1200">
+                <a:solidFill>
+                  <a:schemeClr val="tx2"/>
+                </a:solidFill>
+                <a:latin typeface="+mn-lt"/>
+                <a:ea typeface="+mn-ea"/>
+                <a:cs typeface="+mn-cs"/>
+              </a:defRPr>
+            </a:lvl3pPr>
+            <a:lvl4pPr marL="1600200" indent="-228600" algn="l" defTabSz="457200" rtl="0" eaLnBrk="1" latinLnBrk="0" hangingPunct="1">
+              <a:spcBef>
+                <a:spcPct val="20000"/>
+              </a:spcBef>
+              <a:buFont typeface="Wingdings" charset="2"/>
+              <a:buChar char="§"/>
+              <a:defRPr sz="2000" kern="1200">
+                <a:solidFill>
+                  <a:schemeClr val="tx2"/>
+                </a:solidFill>
+                <a:latin typeface="+mn-lt"/>
+                <a:ea typeface="+mn-ea"/>
+                <a:cs typeface="+mn-cs"/>
+              </a:defRPr>
+            </a:lvl4pPr>
+            <a:lvl5pPr marL="2057400" indent="-228600" algn="l" defTabSz="457200" rtl="0" eaLnBrk="1" latinLnBrk="0" hangingPunct="1">
+              <a:spcBef>
+                <a:spcPct val="20000"/>
+              </a:spcBef>
+              <a:buFont typeface="Wingdings" charset="2"/>
+              <a:buChar char="§"/>
+              <a:defRPr sz="1800" kern="1200">
+                <a:solidFill>
+                  <a:schemeClr val="tx2"/>
+                </a:solidFill>
+                <a:latin typeface="+mn-lt"/>
+                <a:ea typeface="+mn-ea"/>
+                <a:cs typeface="+mn-cs"/>
+              </a:defRPr>
+            </a:lvl5pPr>
+            <a:lvl6pPr marL="2514600" indent="-228600" algn="l" defTabSz="457200" rtl="0" eaLnBrk="1" latinLnBrk="0" hangingPunct="1">
+              <a:spcBef>
+                <a:spcPct val="20000"/>
+              </a:spcBef>
+              <a:buFont typeface="Arial"/>
+              <a:buChar char="•"/>
+              <a:defRPr sz="2000" kern="1200">
+                <a:solidFill>
+                  <a:schemeClr val="tx1"/>
+                </a:solidFill>
+                <a:latin typeface="+mn-lt"/>
+                <a:ea typeface="+mn-ea"/>
+                <a:cs typeface="+mn-cs"/>
+              </a:defRPr>
+            </a:lvl6pPr>
+            <a:lvl7pPr marL="2971800" indent="-228600" algn="l" defTabSz="457200" rtl="0" eaLnBrk="1" latinLnBrk="0" hangingPunct="1">
+              <a:spcBef>
+                <a:spcPct val="20000"/>
+              </a:spcBef>
+              <a:buFont typeface="Arial"/>
+              <a:buChar char="•"/>
+              <a:defRPr sz="2000" kern="1200">
+                <a:solidFill>
+                  <a:schemeClr val="tx1"/>
+                </a:solidFill>
+                <a:latin typeface="+mn-lt"/>
+                <a:ea typeface="+mn-ea"/>
+                <a:cs typeface="+mn-cs"/>
+              </a:defRPr>
+            </a:lvl7pPr>
+            <a:lvl8pPr marL="3429000" indent="-228600" algn="l" defTabSz="457200" rtl="0" eaLnBrk="1" latinLnBrk="0" hangingPunct="1">
+              <a:spcBef>
+                <a:spcPct val="20000"/>
+              </a:spcBef>
+              <a:buFont typeface="Arial"/>
+              <a:buChar char="•"/>
+              <a:defRPr sz="2000" kern="1200">
+                <a:solidFill>
+                  <a:schemeClr val="tx1"/>
+                </a:solidFill>
+                <a:latin typeface="+mn-lt"/>
+                <a:ea typeface="+mn-ea"/>
+                <a:cs typeface="+mn-cs"/>
+              </a:defRPr>
+            </a:lvl8pPr>
+            <a:lvl9pPr marL="3886200" indent="-228600" algn="l" defTabSz="457200" rtl="0" eaLnBrk="1" latinLnBrk="0" hangingPunct="1">
+              <a:spcBef>
+                <a:spcPct val="20000"/>
+              </a:spcBef>
+              <a:buFont typeface="Arial"/>
+              <a:buChar char="•"/>
+              <a:defRPr sz="2000" kern="1200">
+                <a:solidFill>
+                  <a:schemeClr val="tx1"/>
+                </a:solidFill>
+                <a:latin typeface="+mn-lt"/>
+                <a:ea typeface="+mn-ea"/>
+                <a:cs typeface="+mn-cs"/>
+              </a:defRPr>
+            </a:lvl9pPr>
+          </a:lstStyle>
+          <a:p>
+            <a:pPr marL="0" indent="0" algn="ctr">
+              <a:buNone/>
+            </a:pPr>
+            <a:r>
+              <a:rPr lang="en-US" sz="4000" b="1" cap="all" dirty="0">
+                <a:solidFill>
+                  <a:srgbClr val="3D156F"/>
+                </a:solidFill>
+                <a:latin typeface="+mj-lt"/>
+                <a:ea typeface="+mj-ea"/>
+                <a:cs typeface="+mj-cs"/>
+              </a:rPr>
+              <a:t>User-Defined Functions (UDF)</a:t>
+            </a:r>
+          </a:p>
+        </p:txBody>
+      </p:sp>
+    </p:spTree>
+    <p:extLst>
+      <p:ext uri="{BB962C8B-B14F-4D97-AF65-F5344CB8AC3E}">
+        <p14:creationId xmlns:p14="http://schemas.microsoft.com/office/powerpoint/2010/main" val="1761332575"/>
+      </p:ext>
+    </p:extLst>
+  </p:cSld>
+  <p:clrMapOvr>
+    <a:masterClrMapping/>
+  </p:clrMapOvr>
+</p:sld>
+</file>
+
+<file path=ppt/slides/slide5.xml><?xml version="1.0" encoding="utf-8"?>
+<p:sld xmlns:a="http://schemas.openxmlformats.org/drawingml/2006/main" xmlns:r="http://schemas.openxmlformats.org/officeDocument/2006/relationships" xmlns:p="http://schemas.openxmlformats.org/presentationml/2006/main" showMasterSp="0">
+  <p:cSld>
+    <p:spTree>
+      <p:nvGrpSpPr>
+        <p:cNvPr id="1" name=""/>
+        <p:cNvGrpSpPr/>
+        <p:nvPr/>
+      </p:nvGrpSpPr>
+      <p:grpSpPr>
+        <a:xfrm>
+          <a:off x="0" y="0"/>
+          <a:ext cx="0" cy="0"/>
+          <a:chOff x="0" y="0"/>
+          <a:chExt cx="0" cy="0"/>
+        </a:xfrm>
+      </p:grpSpPr>
+      <p:sp>
+        <p:nvSpPr>
+          <p:cNvPr id="4" name="TextBox 3"/>
+          <p:cNvSpPr txBox="1"/>
+          <p:nvPr/>
+        </p:nvSpPr>
+        <p:spPr>
+          <a:xfrm>
+            <a:off x="6324600" y="914400"/>
+            <a:ext cx="5867400" cy="4154984"/>
+          </a:xfrm>
+          <a:prstGeom prst="rect">
+            <a:avLst/>
+          </a:prstGeom>
+          <a:noFill/>
+        </p:spPr>
+        <p:txBody>
+          <a:bodyPr wrap="square" numCol="1" rtlCol="0">
+            <a:spAutoFit/>
+          </a:bodyPr>
+          <a:lstStyle/>
+          <a:p>
+            <a:pPr algn="ctr"/>
+            <a:r>
+              <a:rPr lang="en-US" sz="2400" b="1" dirty="0">
+                <a:latin typeface="+mj-lt"/>
+              </a:rPr>
+              <a:t>Server Login</a:t>
+            </a:r>
+          </a:p>
+          <a:p>
+            <a:pPr algn="ctr"/>
+            <a:endParaRPr lang="en-US" sz="2400" b="1" dirty="0">
+              <a:latin typeface="+mj-lt"/>
+            </a:endParaRPr>
+          </a:p>
+          <a:p>
+            <a:pPr marL="285750" indent="-285750">
+              <a:buFont typeface="Arial" pitchFamily="34" charset="0"/>
+              <a:buChar char="•"/>
+            </a:pPr>
+            <a:r>
+              <a:rPr lang="en-US" sz="2400" dirty="0">
+                <a:latin typeface="+mj-lt"/>
+              </a:rPr>
+              <a:t>Connect to a SQL Server</a:t>
+            </a:r>
+          </a:p>
+          <a:p>
+            <a:pPr marL="285750" indent="-285750">
+              <a:buFont typeface="Arial" pitchFamily="34" charset="0"/>
+              <a:buChar char="•"/>
+            </a:pPr>
+            <a:r>
+              <a:rPr lang="en-US" sz="2400" dirty="0">
+                <a:latin typeface="+mj-lt"/>
+              </a:rPr>
+              <a:t>Can be linked to AD (Windows)</a:t>
+            </a:r>
+          </a:p>
+          <a:p>
+            <a:pPr marL="285750" indent="-285750">
+              <a:buFont typeface="Arial" pitchFamily="34" charset="0"/>
+              <a:buChar char="•"/>
+            </a:pPr>
+            <a:r>
+              <a:rPr lang="en-US" sz="2400" dirty="0">
+                <a:latin typeface="+mj-lt"/>
+              </a:rPr>
+              <a:t>Can have a password (SQL)</a:t>
+            </a:r>
+          </a:p>
+          <a:p>
+            <a:pPr marL="285750" indent="-285750">
+              <a:buFont typeface="Arial" pitchFamily="34" charset="0"/>
+              <a:buChar char="•"/>
+            </a:pPr>
+            <a:r>
+              <a:rPr lang="en-US" sz="2400" dirty="0">
+                <a:latin typeface="+mj-lt"/>
+              </a:rPr>
+              <a:t>Assigned to Server Roles</a:t>
+            </a:r>
+          </a:p>
+          <a:p>
+            <a:pPr marL="285750" indent="-285750">
+              <a:buFont typeface="Arial" pitchFamily="34" charset="0"/>
+              <a:buChar char="•"/>
+            </a:pPr>
+            <a:r>
+              <a:rPr lang="en-US" sz="2400" dirty="0">
+                <a:latin typeface="+mj-lt"/>
+              </a:rPr>
+              <a:t>Stored in the Master database</a:t>
+            </a:r>
+          </a:p>
+          <a:p>
+            <a:pPr marL="285750" indent="-285750">
+              <a:buFont typeface="Arial" pitchFamily="34" charset="0"/>
+              <a:buChar char="•"/>
+            </a:pPr>
+            <a:r>
+              <a:rPr lang="en-US" sz="2400" dirty="0">
+                <a:latin typeface="+mj-lt"/>
+              </a:rPr>
+              <a:t>Not affected by User DB Restore</a:t>
+            </a:r>
+            <a:br>
+              <a:rPr lang="en-US" sz="2400" dirty="0">
+                <a:latin typeface="+mj-lt"/>
+              </a:rPr>
+            </a:br>
+            <a:endParaRPr lang="en-US" sz="2400" dirty="0">
+              <a:latin typeface="+mj-lt"/>
+            </a:endParaRPr>
+          </a:p>
+          <a:p>
+            <a:pPr marL="285750" indent="-285750">
+              <a:buFont typeface="Arial" pitchFamily="34" charset="0"/>
+              <a:buChar char="•"/>
+            </a:pPr>
+            <a:r>
+              <a:rPr lang="en-US" sz="2400" dirty="0">
+                <a:latin typeface="+mj-lt"/>
+              </a:rPr>
+              <a:t>Given access to</a:t>
+            </a:r>
+            <a:r>
+              <a:rPr lang="en-US" sz="2400" dirty="0">
+                <a:solidFill>
+                  <a:schemeClr val="accent3">
+                    <a:lumMod val="50000"/>
+                  </a:schemeClr>
+                </a:solidFill>
+                <a:latin typeface="+mj-lt"/>
+              </a:rPr>
+              <a:t> RESTORE, </a:t>
+            </a:r>
+            <a:r>
+              <a:rPr lang="en-US" sz="2400" dirty="0">
+                <a:solidFill>
+                  <a:schemeClr val="accent3">
+                    <a:lumMod val="50000"/>
+                  </a:schemeClr>
+                </a:solidFill>
+              </a:rPr>
+              <a:t>CONNECT, CREATE DATABASE</a:t>
+            </a:r>
+            <a:endParaRPr lang="en-US" sz="2400" dirty="0">
+              <a:solidFill>
+                <a:schemeClr val="accent3">
+                  <a:lumMod val="50000"/>
+                </a:schemeClr>
+              </a:solidFill>
+              <a:latin typeface="+mj-lt"/>
+            </a:endParaRPr>
+          </a:p>
+        </p:txBody>
+      </p:sp>
+      <p:sp>
+        <p:nvSpPr>
+          <p:cNvPr id="5" name="TextBox 4"/>
+          <p:cNvSpPr txBox="1"/>
+          <p:nvPr/>
+        </p:nvSpPr>
+        <p:spPr>
+          <a:xfrm>
+            <a:off x="609600" y="914400"/>
+            <a:ext cx="5715000" cy="4524315"/>
+          </a:xfrm>
+          <a:prstGeom prst="rect">
+            <a:avLst/>
+          </a:prstGeom>
+          <a:noFill/>
+        </p:spPr>
+        <p:txBody>
+          <a:bodyPr wrap="square" numCol="1" rtlCol="0">
+            <a:spAutoFit/>
+          </a:bodyPr>
+          <a:lstStyle/>
+          <a:p>
+            <a:pPr algn="ctr"/>
+            <a:r>
+              <a:rPr lang="en-US" sz="2400" b="1" dirty="0">
+                <a:latin typeface="+mj-lt"/>
+              </a:rPr>
+              <a:t>Database User</a:t>
+            </a:r>
+          </a:p>
+          <a:p>
+            <a:pPr algn="ctr"/>
+            <a:endParaRPr lang="en-US" sz="2400" b="1" dirty="0">
+              <a:latin typeface="+mj-lt"/>
+            </a:endParaRPr>
+          </a:p>
+          <a:p>
+            <a:pPr marL="285750" indent="-285750">
+              <a:buFont typeface="Arial" pitchFamily="34" charset="0"/>
+              <a:buChar char="•"/>
+            </a:pPr>
+            <a:r>
+              <a:rPr lang="en-US" sz="2400" dirty="0">
+                <a:latin typeface="+mj-lt"/>
+              </a:rPr>
+              <a:t>Set a database context</a:t>
+            </a:r>
+          </a:p>
+          <a:p>
+            <a:pPr marL="285750" indent="-285750">
+              <a:buFont typeface="Arial" pitchFamily="34" charset="0"/>
+              <a:buChar char="•"/>
+            </a:pPr>
+            <a:r>
+              <a:rPr lang="en-US" sz="2400" dirty="0">
+                <a:latin typeface="+mj-lt"/>
+              </a:rPr>
+              <a:t>Linked to a Server Login</a:t>
+            </a:r>
+          </a:p>
+          <a:p>
+            <a:pPr marL="285750" indent="-285750">
+              <a:buFont typeface="Arial" pitchFamily="34" charset="0"/>
+              <a:buChar char="•"/>
+            </a:pPr>
+            <a:r>
+              <a:rPr lang="en-US" sz="2400" dirty="0">
+                <a:latin typeface="+mj-lt"/>
+              </a:rPr>
+              <a:t>Does not have a password</a:t>
+            </a:r>
+          </a:p>
+          <a:p>
+            <a:pPr marL="285750" indent="-285750">
+              <a:buFont typeface="Arial" pitchFamily="34" charset="0"/>
+              <a:buChar char="•"/>
+            </a:pPr>
+            <a:r>
+              <a:rPr lang="en-US" sz="2400" dirty="0">
+                <a:latin typeface="+mj-lt"/>
+              </a:rPr>
+              <a:t>Assigned to Database Roles</a:t>
+            </a:r>
+          </a:p>
+          <a:p>
+            <a:pPr marL="285750" indent="-285750">
+              <a:buFont typeface="Arial" pitchFamily="34" charset="0"/>
+              <a:buChar char="•"/>
+            </a:pPr>
+            <a:r>
+              <a:rPr lang="en-US" sz="2400" dirty="0"/>
+              <a:t>Stored in the User Database</a:t>
+            </a:r>
+          </a:p>
+          <a:p>
+            <a:pPr marL="285750" indent="-285750">
+              <a:buFont typeface="Arial" pitchFamily="34" charset="0"/>
+              <a:buChar char="•"/>
+            </a:pPr>
+            <a:r>
+              <a:rPr lang="en-US" sz="2400" dirty="0">
+                <a:latin typeface="+mj-lt"/>
+              </a:rPr>
+              <a:t>Brought along with a User DB Restore</a:t>
+            </a:r>
+            <a:br>
+              <a:rPr lang="en-US" sz="2400" dirty="0">
+                <a:latin typeface="+mj-lt"/>
+              </a:rPr>
+            </a:br>
+            <a:endParaRPr lang="en-US" sz="2400" dirty="0">
+              <a:latin typeface="+mj-lt"/>
+            </a:endParaRPr>
+          </a:p>
+          <a:p>
+            <a:pPr marL="285750" indent="-285750">
+              <a:buFont typeface="Arial" pitchFamily="34" charset="0"/>
+              <a:buChar char="•"/>
+            </a:pPr>
+            <a:r>
+              <a:rPr lang="en-US" sz="2400" dirty="0">
+                <a:latin typeface="+mj-lt"/>
+              </a:rPr>
+              <a:t>Given access to </a:t>
+            </a:r>
+            <a:r>
+              <a:rPr lang="en-US" sz="2400" dirty="0">
+                <a:solidFill>
+                  <a:schemeClr val="accent3">
+                    <a:lumMod val="50000"/>
+                  </a:schemeClr>
+                </a:solidFill>
+                <a:latin typeface="+mj-lt"/>
+              </a:rPr>
+              <a:t>SELECT, UPDATE, EXECUTE, CREATE TABLE</a:t>
+            </a:r>
+          </a:p>
+          <a:p>
+            <a:pPr algn="ctr"/>
+            <a:endParaRPr lang="en-US" sz="2400" dirty="0">
+              <a:latin typeface="+mj-lt"/>
+            </a:endParaRPr>
+          </a:p>
+        </p:txBody>
+      </p:sp>
+      <p:sp>
+        <p:nvSpPr>
+          <p:cNvPr id="9" name="Text Placeholder 2"/>
+          <p:cNvSpPr txBox="1">
+            <a:spLocks/>
+          </p:cNvSpPr>
+          <p:nvPr/>
+        </p:nvSpPr>
+        <p:spPr>
+          <a:xfrm>
+            <a:off x="0" y="0"/>
+            <a:ext cx="12192000" cy="762000"/>
+          </a:xfrm>
+          <a:prstGeom prst="rect">
+            <a:avLst/>
+          </a:prstGeom>
+        </p:spPr>
+        <p:txBody>
+          <a:bodyPr vert="horz" lIns="91440" tIns="45720" rIns="91440" bIns="45720" rtlCol="0">
+            <a:normAutofit/>
+          </a:bodyPr>
+          <a:lstStyle>
+            <a:lvl1pPr marL="342900" indent="-342900" algn="l" defTabSz="457200" rtl="0" eaLnBrk="1" latinLnBrk="0" hangingPunct="1">
+              <a:spcBef>
+                <a:spcPct val="20000"/>
+              </a:spcBef>
+              <a:buFont typeface="Wingdings" charset="2"/>
+              <a:buChar char="§"/>
+              <a:defRPr sz="3000" kern="1200">
+                <a:solidFill>
+                  <a:schemeClr val="tx2"/>
+                </a:solidFill>
+                <a:latin typeface="+mn-lt"/>
+                <a:ea typeface="+mn-ea"/>
+                <a:cs typeface="+mn-cs"/>
+              </a:defRPr>
+            </a:lvl1pPr>
+            <a:lvl2pPr marL="742950" indent="-285750" algn="l" defTabSz="457200" rtl="0" eaLnBrk="1" latinLnBrk="0" hangingPunct="1">
+              <a:spcBef>
+                <a:spcPct val="20000"/>
+              </a:spcBef>
+              <a:buFont typeface="Wingdings" charset="2"/>
+              <a:buChar char="§"/>
+              <a:defRPr sz="2600" kern="1200">
+                <a:solidFill>
+                  <a:schemeClr val="tx2"/>
+                </a:solidFill>
+                <a:latin typeface="+mn-lt"/>
+                <a:ea typeface="+mn-ea"/>
+                <a:cs typeface="+mn-cs"/>
+              </a:defRPr>
+            </a:lvl2pPr>
+            <a:lvl3pPr marL="1143000" indent="-228600" algn="l" defTabSz="457200" rtl="0" eaLnBrk="1" latinLnBrk="0" hangingPunct="1">
+              <a:spcBef>
+                <a:spcPct val="20000"/>
+              </a:spcBef>
+              <a:buFont typeface="Wingdings" charset="2"/>
+              <a:buChar char="§"/>
+              <a:defRPr sz="2200" kern="1200">
+                <a:solidFill>
+                  <a:schemeClr val="tx2"/>
+                </a:solidFill>
+                <a:latin typeface="+mn-lt"/>
+                <a:ea typeface="+mn-ea"/>
+                <a:cs typeface="+mn-cs"/>
+              </a:defRPr>
+            </a:lvl3pPr>
+            <a:lvl4pPr marL="1600200" indent="-228600" algn="l" defTabSz="457200" rtl="0" eaLnBrk="1" latinLnBrk="0" hangingPunct="1">
+              <a:spcBef>
+                <a:spcPct val="20000"/>
+              </a:spcBef>
+              <a:buFont typeface="Wingdings" charset="2"/>
+              <a:buChar char="§"/>
+              <a:defRPr sz="2000" kern="1200">
+                <a:solidFill>
+                  <a:schemeClr val="tx2"/>
+                </a:solidFill>
+                <a:latin typeface="+mn-lt"/>
+                <a:ea typeface="+mn-ea"/>
+                <a:cs typeface="+mn-cs"/>
+              </a:defRPr>
+            </a:lvl4pPr>
+            <a:lvl5pPr marL="2057400" indent="-228600" algn="l" defTabSz="457200" rtl="0" eaLnBrk="1" latinLnBrk="0" hangingPunct="1">
+              <a:spcBef>
+                <a:spcPct val="20000"/>
+              </a:spcBef>
+              <a:buFont typeface="Wingdings" charset="2"/>
+              <a:buChar char="§"/>
+              <a:defRPr sz="1800" kern="1200">
+                <a:solidFill>
+                  <a:schemeClr val="tx2"/>
+                </a:solidFill>
+                <a:latin typeface="+mn-lt"/>
+                <a:ea typeface="+mn-ea"/>
+                <a:cs typeface="+mn-cs"/>
+              </a:defRPr>
+            </a:lvl5pPr>
+            <a:lvl6pPr marL="2514600" indent="-228600" algn="l" defTabSz="457200" rtl="0" eaLnBrk="1" latinLnBrk="0" hangingPunct="1">
+              <a:spcBef>
+                <a:spcPct val="20000"/>
+              </a:spcBef>
+              <a:buFont typeface="Arial"/>
+              <a:buChar char="•"/>
+              <a:defRPr sz="2000" kern="1200">
+                <a:solidFill>
+                  <a:schemeClr val="tx1"/>
+                </a:solidFill>
+                <a:latin typeface="+mn-lt"/>
+                <a:ea typeface="+mn-ea"/>
+                <a:cs typeface="+mn-cs"/>
+              </a:defRPr>
+            </a:lvl6pPr>
+            <a:lvl7pPr marL="2971800" indent="-228600" algn="l" defTabSz="457200" rtl="0" eaLnBrk="1" latinLnBrk="0" hangingPunct="1">
+              <a:spcBef>
+                <a:spcPct val="20000"/>
+              </a:spcBef>
+              <a:buFont typeface="Arial"/>
+              <a:buChar char="•"/>
+              <a:defRPr sz="2000" kern="1200">
+                <a:solidFill>
+                  <a:schemeClr val="tx1"/>
+                </a:solidFill>
+                <a:latin typeface="+mn-lt"/>
+                <a:ea typeface="+mn-ea"/>
+                <a:cs typeface="+mn-cs"/>
+              </a:defRPr>
+            </a:lvl7pPr>
+            <a:lvl8pPr marL="3429000" indent="-228600" algn="l" defTabSz="457200" rtl="0" eaLnBrk="1" latinLnBrk="0" hangingPunct="1">
+              <a:spcBef>
+                <a:spcPct val="20000"/>
+              </a:spcBef>
+              <a:buFont typeface="Arial"/>
+              <a:buChar char="•"/>
+              <a:defRPr sz="2000" kern="1200">
+                <a:solidFill>
+                  <a:schemeClr val="tx1"/>
+                </a:solidFill>
+                <a:latin typeface="+mn-lt"/>
+                <a:ea typeface="+mn-ea"/>
+                <a:cs typeface="+mn-cs"/>
+              </a:defRPr>
+            </a:lvl8pPr>
+            <a:lvl9pPr marL="3886200" indent="-228600" algn="l" defTabSz="457200" rtl="0" eaLnBrk="1" latinLnBrk="0" hangingPunct="1">
+              <a:spcBef>
+                <a:spcPct val="20000"/>
+              </a:spcBef>
+              <a:buFont typeface="Arial"/>
+              <a:buChar char="•"/>
+              <a:defRPr sz="2000" kern="1200">
+                <a:solidFill>
+                  <a:schemeClr val="tx1"/>
+                </a:solidFill>
+                <a:latin typeface="+mn-lt"/>
+                <a:ea typeface="+mn-ea"/>
+                <a:cs typeface="+mn-cs"/>
+              </a:defRPr>
+            </a:lvl9pPr>
+          </a:lstStyle>
+          <a:p>
+            <a:pPr marL="0" indent="0" algn="ctr">
+              <a:buNone/>
+            </a:pPr>
+            <a:r>
+              <a:rPr lang="en-US" sz="4000" b="1" cap="all" dirty="0">
+                <a:solidFill>
+                  <a:srgbClr val="3D156F"/>
+                </a:solidFill>
+                <a:latin typeface="+mj-lt"/>
+                <a:ea typeface="+mj-ea"/>
+                <a:cs typeface="+mj-cs"/>
+              </a:rPr>
+              <a:t>Login vs user</a:t>
+            </a:r>
+          </a:p>
+        </p:txBody>
+      </p:sp>
+    </p:spTree>
+    <p:extLst>
+      <p:ext uri="{BB962C8B-B14F-4D97-AF65-F5344CB8AC3E}">
+        <p14:creationId xmlns:p14="http://schemas.microsoft.com/office/powerpoint/2010/main" val="2314065379"/>
+      </p:ext>
+    </p:extLst>
+  </p:cSld>
+  <p:clrMapOvr>
+    <a:masterClrMapping/>
+  </p:clrMapOvr>
+</p:sld>
+</file>
+
+<file path=ppt/slides/slide50.xml><?xml version="1.0" encoding="utf-8"?>
+<p:sld xmlns:a="http://schemas.openxmlformats.org/drawingml/2006/main" xmlns:r="http://schemas.openxmlformats.org/officeDocument/2006/relationships" xmlns:p="http://schemas.openxmlformats.org/presentationml/2006/main" showMasterSp="0">
+  <p:cSld>
+    <p:spTree>
+      <p:nvGrpSpPr>
+        <p:cNvPr id="1" name=""/>
+        <p:cNvGrpSpPr/>
+        <p:nvPr/>
+      </p:nvGrpSpPr>
+      <p:grpSpPr>
+        <a:xfrm>
+          <a:off x="0" y="0"/>
+          <a:ext cx="0" cy="0"/>
+          <a:chOff x="0" y="0"/>
+          <a:chExt cx="0" cy="0"/>
+        </a:xfrm>
+      </p:grpSpPr>
+      <p:sp>
+        <p:nvSpPr>
+          <p:cNvPr id="2" name="Content Placeholder 1"/>
+          <p:cNvSpPr>
+            <a:spLocks noGrp="1"/>
+          </p:cNvSpPr>
+          <p:nvPr>
+            <p:ph idx="4294967295"/>
+          </p:nvPr>
+        </p:nvSpPr>
+        <p:spPr>
+          <a:xfrm>
+            <a:off x="838200" y="762001"/>
+            <a:ext cx="9982200" cy="5191125"/>
+          </a:xfrm>
+        </p:spPr>
+        <p:txBody>
+          <a:bodyPr>
+            <a:normAutofit/>
+          </a:bodyPr>
+          <a:lstStyle/>
+          <a:p>
+            <a:pPr marL="0" indent="0">
+              <a:buNone/>
+            </a:pPr>
+            <a:endParaRPr lang="en-US" sz="3200" dirty="0"/>
+          </a:p>
+          <a:p>
+            <a:pPr marL="0" indent="0">
+              <a:buNone/>
+            </a:pPr>
+            <a:r>
+              <a:rPr lang="en-US" sz="3200" dirty="0"/>
+              <a:t>Demonstrate how Stored Procedures, Views, and Functions abstract the permissions necessary to view underlying table data.</a:t>
+            </a:r>
+          </a:p>
+          <a:p>
+            <a:pPr marL="0" indent="0">
+              <a:buNone/>
+            </a:pPr>
+            <a:endParaRPr lang="en-US" sz="3200" dirty="0"/>
+          </a:p>
+          <a:p>
+            <a:r>
+              <a:rPr lang="en-US" sz="3200" b="1" dirty="0"/>
+              <a:t>Toolbox\Security p1.sql </a:t>
+            </a:r>
+            <a:r>
+              <a:rPr lang="en-US" sz="3200" dirty="0"/>
+              <a:t>– logged in as sysadmin</a:t>
+            </a:r>
+          </a:p>
+          <a:p>
+            <a:r>
+              <a:rPr lang="en-US" sz="3200" b="1" dirty="0"/>
+              <a:t>Toolbox\Security p2.sql </a:t>
+            </a:r>
+            <a:r>
+              <a:rPr lang="en-US" sz="3200" dirty="0"/>
+              <a:t>– logged in as testing user</a:t>
+            </a:r>
+          </a:p>
+        </p:txBody>
+      </p:sp>
+      <p:sp>
+        <p:nvSpPr>
+          <p:cNvPr id="8" name="Text Placeholder 2"/>
+          <p:cNvSpPr txBox="1">
+            <a:spLocks/>
+          </p:cNvSpPr>
+          <p:nvPr/>
+        </p:nvSpPr>
+        <p:spPr>
+          <a:xfrm>
+            <a:off x="0" y="0"/>
+            <a:ext cx="12192000" cy="762000"/>
+          </a:xfrm>
+          <a:prstGeom prst="rect">
+            <a:avLst/>
+          </a:prstGeom>
+        </p:spPr>
+        <p:txBody>
+          <a:bodyPr vert="horz" lIns="91440" tIns="45720" rIns="91440" bIns="45720" rtlCol="0">
+            <a:normAutofit/>
+          </a:bodyPr>
+          <a:lstStyle>
+            <a:lvl1pPr marL="342900" indent="-342900" algn="l" defTabSz="457200" rtl="0" eaLnBrk="1" latinLnBrk="0" hangingPunct="1">
+              <a:spcBef>
+                <a:spcPct val="20000"/>
+              </a:spcBef>
+              <a:buFont typeface="Wingdings" charset="2"/>
+              <a:buChar char="§"/>
+              <a:defRPr sz="3000" kern="1200">
+                <a:solidFill>
+                  <a:schemeClr val="tx2"/>
+                </a:solidFill>
+                <a:latin typeface="+mn-lt"/>
+                <a:ea typeface="+mn-ea"/>
+                <a:cs typeface="+mn-cs"/>
+              </a:defRPr>
+            </a:lvl1pPr>
+            <a:lvl2pPr marL="742950" indent="-285750" algn="l" defTabSz="457200" rtl="0" eaLnBrk="1" latinLnBrk="0" hangingPunct="1">
+              <a:spcBef>
+                <a:spcPct val="20000"/>
+              </a:spcBef>
+              <a:buFont typeface="Wingdings" charset="2"/>
+              <a:buChar char="§"/>
+              <a:defRPr sz="2600" kern="1200">
+                <a:solidFill>
+                  <a:schemeClr val="tx2"/>
+                </a:solidFill>
+                <a:latin typeface="+mn-lt"/>
+                <a:ea typeface="+mn-ea"/>
+                <a:cs typeface="+mn-cs"/>
+              </a:defRPr>
+            </a:lvl2pPr>
+            <a:lvl3pPr marL="1143000" indent="-228600" algn="l" defTabSz="457200" rtl="0" eaLnBrk="1" latinLnBrk="0" hangingPunct="1">
+              <a:spcBef>
+                <a:spcPct val="20000"/>
+              </a:spcBef>
+              <a:buFont typeface="Wingdings" charset="2"/>
+              <a:buChar char="§"/>
+              <a:defRPr sz="2200" kern="1200">
+                <a:solidFill>
+                  <a:schemeClr val="tx2"/>
+                </a:solidFill>
+                <a:latin typeface="+mn-lt"/>
+                <a:ea typeface="+mn-ea"/>
+                <a:cs typeface="+mn-cs"/>
+              </a:defRPr>
+            </a:lvl3pPr>
+            <a:lvl4pPr marL="1600200" indent="-228600" algn="l" defTabSz="457200" rtl="0" eaLnBrk="1" latinLnBrk="0" hangingPunct="1">
+              <a:spcBef>
+                <a:spcPct val="20000"/>
+              </a:spcBef>
+              <a:buFont typeface="Wingdings" charset="2"/>
+              <a:buChar char="§"/>
+              <a:defRPr sz="2000" kern="1200">
+                <a:solidFill>
+                  <a:schemeClr val="tx2"/>
+                </a:solidFill>
+                <a:latin typeface="+mn-lt"/>
+                <a:ea typeface="+mn-ea"/>
+                <a:cs typeface="+mn-cs"/>
+              </a:defRPr>
+            </a:lvl4pPr>
+            <a:lvl5pPr marL="2057400" indent="-228600" algn="l" defTabSz="457200" rtl="0" eaLnBrk="1" latinLnBrk="0" hangingPunct="1">
+              <a:spcBef>
+                <a:spcPct val="20000"/>
+              </a:spcBef>
+              <a:buFont typeface="Wingdings" charset="2"/>
+              <a:buChar char="§"/>
+              <a:defRPr sz="1800" kern="1200">
+                <a:solidFill>
+                  <a:schemeClr val="tx2"/>
+                </a:solidFill>
+                <a:latin typeface="+mn-lt"/>
+                <a:ea typeface="+mn-ea"/>
+                <a:cs typeface="+mn-cs"/>
+              </a:defRPr>
+            </a:lvl5pPr>
+            <a:lvl6pPr marL="2514600" indent="-228600" algn="l" defTabSz="457200" rtl="0" eaLnBrk="1" latinLnBrk="0" hangingPunct="1">
+              <a:spcBef>
+                <a:spcPct val="20000"/>
+              </a:spcBef>
+              <a:buFont typeface="Arial"/>
+              <a:buChar char="•"/>
+              <a:defRPr sz="2000" kern="1200">
+                <a:solidFill>
+                  <a:schemeClr val="tx1"/>
+                </a:solidFill>
+                <a:latin typeface="+mn-lt"/>
+                <a:ea typeface="+mn-ea"/>
+                <a:cs typeface="+mn-cs"/>
+              </a:defRPr>
+            </a:lvl6pPr>
+            <a:lvl7pPr marL="2971800" indent="-228600" algn="l" defTabSz="457200" rtl="0" eaLnBrk="1" latinLnBrk="0" hangingPunct="1">
+              <a:spcBef>
+                <a:spcPct val="20000"/>
+              </a:spcBef>
+              <a:buFont typeface="Arial"/>
+              <a:buChar char="•"/>
+              <a:defRPr sz="2000" kern="1200">
+                <a:solidFill>
+                  <a:schemeClr val="tx1"/>
+                </a:solidFill>
+                <a:latin typeface="+mn-lt"/>
+                <a:ea typeface="+mn-ea"/>
+                <a:cs typeface="+mn-cs"/>
+              </a:defRPr>
+            </a:lvl7pPr>
+            <a:lvl8pPr marL="3429000" indent="-228600" algn="l" defTabSz="457200" rtl="0" eaLnBrk="1" latinLnBrk="0" hangingPunct="1">
+              <a:spcBef>
+                <a:spcPct val="20000"/>
+              </a:spcBef>
+              <a:buFont typeface="Arial"/>
+              <a:buChar char="•"/>
+              <a:defRPr sz="2000" kern="1200">
+                <a:solidFill>
+                  <a:schemeClr val="tx1"/>
+                </a:solidFill>
+                <a:latin typeface="+mn-lt"/>
+                <a:ea typeface="+mn-ea"/>
+                <a:cs typeface="+mn-cs"/>
+              </a:defRPr>
+            </a:lvl8pPr>
+            <a:lvl9pPr marL="3886200" indent="-228600" algn="l" defTabSz="457200" rtl="0" eaLnBrk="1" latinLnBrk="0" hangingPunct="1">
+              <a:spcBef>
+                <a:spcPct val="20000"/>
+              </a:spcBef>
+              <a:buFont typeface="Arial"/>
+              <a:buChar char="•"/>
+              <a:defRPr sz="2000" kern="1200">
+                <a:solidFill>
+                  <a:schemeClr val="tx1"/>
+                </a:solidFill>
+                <a:latin typeface="+mn-lt"/>
+                <a:ea typeface="+mn-ea"/>
+                <a:cs typeface="+mn-cs"/>
+              </a:defRPr>
+            </a:lvl9pPr>
+          </a:lstStyle>
+          <a:p>
+            <a:pPr marL="0" indent="0" algn="ctr">
+              <a:buNone/>
+            </a:pPr>
+            <a:r>
+              <a:rPr lang="en-US" sz="4000" b="1" cap="all" dirty="0">
+                <a:solidFill>
+                  <a:srgbClr val="3D156F"/>
+                </a:solidFill>
+                <a:latin typeface="+mj-lt"/>
+                <a:ea typeface="+mj-ea"/>
+                <a:cs typeface="+mj-cs"/>
+              </a:rPr>
               <a:t>lab</a:t>
             </a:r>
           </a:p>
@@ -24207,7 +25972,7 @@
 </p:sld>
 </file>
 
-<file path=ppt/slides/slide49.xml><?xml version="1.0" encoding="utf-8"?>
+<file path=ppt/slides/slide51.xml><?xml version="1.0" encoding="utf-8"?>
 <p:sld xmlns:a="http://schemas.openxmlformats.org/drawingml/2006/main" xmlns:r="http://schemas.openxmlformats.org/officeDocument/2006/relationships" xmlns:p="http://schemas.openxmlformats.org/presentationml/2006/main">
   <p:cSld>
     <p:spTree>
@@ -24657,1164 +26422,6 @@
 </p:sld>
 </file>
 
-<file path=ppt/slides/slide5.xml><?xml version="1.0" encoding="utf-8"?>
-<p:sld xmlns:a="http://schemas.openxmlformats.org/drawingml/2006/main" xmlns:r="http://schemas.openxmlformats.org/officeDocument/2006/relationships" xmlns:p="http://schemas.openxmlformats.org/presentationml/2006/main" showMasterSp="0">
-  <p:cSld>
-    <p:spTree>
-      <p:nvGrpSpPr>
-        <p:cNvPr id="1" name=""/>
-        <p:cNvGrpSpPr/>
-        <p:nvPr/>
-      </p:nvGrpSpPr>
-      <p:grpSpPr>
-        <a:xfrm>
-          <a:off x="0" y="0"/>
-          <a:ext cx="0" cy="0"/>
-          <a:chOff x="0" y="0"/>
-          <a:chExt cx="0" cy="0"/>
-        </a:xfrm>
-      </p:grpSpPr>
-      <p:sp>
-        <p:nvSpPr>
-          <p:cNvPr id="4" name="TextBox 3"/>
-          <p:cNvSpPr txBox="1"/>
-          <p:nvPr/>
-        </p:nvSpPr>
-        <p:spPr>
-          <a:xfrm>
-            <a:off x="6324600" y="914400"/>
-            <a:ext cx="5867400" cy="4154984"/>
-          </a:xfrm>
-          <a:prstGeom prst="rect">
-            <a:avLst/>
-          </a:prstGeom>
-          <a:noFill/>
-        </p:spPr>
-        <p:txBody>
-          <a:bodyPr wrap="square" numCol="1" rtlCol="0">
-            <a:spAutoFit/>
-          </a:bodyPr>
-          <a:lstStyle/>
-          <a:p>
-            <a:pPr algn="ctr"/>
-            <a:r>
-              <a:rPr lang="en-US" sz="2400" b="1" dirty="0">
-                <a:latin typeface="+mj-lt"/>
-              </a:rPr>
-              <a:t>Server Login</a:t>
-            </a:r>
-          </a:p>
-          <a:p>
-            <a:pPr algn="ctr"/>
-            <a:endParaRPr lang="en-US" sz="2400" b="1" dirty="0">
-              <a:latin typeface="+mj-lt"/>
-            </a:endParaRPr>
-          </a:p>
-          <a:p>
-            <a:pPr marL="285750" indent="-285750">
-              <a:buFont typeface="Arial" pitchFamily="34" charset="0"/>
-              <a:buChar char="•"/>
-            </a:pPr>
-            <a:r>
-              <a:rPr lang="en-US" sz="2400" dirty="0">
-                <a:latin typeface="+mj-lt"/>
-              </a:rPr>
-              <a:t>Connect to a SQL Server</a:t>
-            </a:r>
-          </a:p>
-          <a:p>
-            <a:pPr marL="285750" indent="-285750">
-              <a:buFont typeface="Arial" pitchFamily="34" charset="0"/>
-              <a:buChar char="•"/>
-            </a:pPr>
-            <a:r>
-              <a:rPr lang="en-US" sz="2400" dirty="0">
-                <a:latin typeface="+mj-lt"/>
-              </a:rPr>
-              <a:t>Can be linked to AD (Windows)</a:t>
-            </a:r>
-          </a:p>
-          <a:p>
-            <a:pPr marL="285750" indent="-285750">
-              <a:buFont typeface="Arial" pitchFamily="34" charset="0"/>
-              <a:buChar char="•"/>
-            </a:pPr>
-            <a:r>
-              <a:rPr lang="en-US" sz="2400" dirty="0">
-                <a:latin typeface="+mj-lt"/>
-              </a:rPr>
-              <a:t>Can have a password (SQL)</a:t>
-            </a:r>
-          </a:p>
-          <a:p>
-            <a:pPr marL="285750" indent="-285750">
-              <a:buFont typeface="Arial" pitchFamily="34" charset="0"/>
-              <a:buChar char="•"/>
-            </a:pPr>
-            <a:r>
-              <a:rPr lang="en-US" sz="2400" dirty="0">
-                <a:latin typeface="+mj-lt"/>
-              </a:rPr>
-              <a:t>Assigned to Server Roles</a:t>
-            </a:r>
-          </a:p>
-          <a:p>
-            <a:pPr marL="285750" indent="-285750">
-              <a:buFont typeface="Arial" pitchFamily="34" charset="0"/>
-              <a:buChar char="•"/>
-            </a:pPr>
-            <a:r>
-              <a:rPr lang="en-US" sz="2400" dirty="0">
-                <a:latin typeface="+mj-lt"/>
-              </a:rPr>
-              <a:t>Stored in the Master database</a:t>
-            </a:r>
-          </a:p>
-          <a:p>
-            <a:pPr marL="285750" indent="-285750">
-              <a:buFont typeface="Arial" pitchFamily="34" charset="0"/>
-              <a:buChar char="•"/>
-            </a:pPr>
-            <a:r>
-              <a:rPr lang="en-US" sz="2400" dirty="0">
-                <a:latin typeface="+mj-lt"/>
-              </a:rPr>
-              <a:t>Not affected by User DB Restore</a:t>
-            </a:r>
-            <a:br>
-              <a:rPr lang="en-US" sz="2400" dirty="0">
-                <a:latin typeface="+mj-lt"/>
-              </a:rPr>
-            </a:br>
-            <a:endParaRPr lang="en-US" sz="2400" dirty="0">
-              <a:latin typeface="+mj-lt"/>
-            </a:endParaRPr>
-          </a:p>
-          <a:p>
-            <a:pPr marL="285750" indent="-285750">
-              <a:buFont typeface="Arial" pitchFamily="34" charset="0"/>
-              <a:buChar char="•"/>
-            </a:pPr>
-            <a:r>
-              <a:rPr lang="en-US" sz="2400" dirty="0">
-                <a:latin typeface="+mj-lt"/>
-              </a:rPr>
-              <a:t>Given access to</a:t>
-            </a:r>
-            <a:r>
-              <a:rPr lang="en-US" sz="2400" dirty="0">
-                <a:solidFill>
-                  <a:schemeClr val="accent3">
-                    <a:lumMod val="50000"/>
-                  </a:schemeClr>
-                </a:solidFill>
-                <a:latin typeface="+mj-lt"/>
-              </a:rPr>
-              <a:t> RESTORE, </a:t>
-            </a:r>
-            <a:r>
-              <a:rPr lang="en-US" sz="2400" dirty="0">
-                <a:solidFill>
-                  <a:schemeClr val="accent3">
-                    <a:lumMod val="50000"/>
-                  </a:schemeClr>
-                </a:solidFill>
-              </a:rPr>
-              <a:t>CONNECT, CREATE DATABASE</a:t>
-            </a:r>
-            <a:endParaRPr lang="en-US" sz="2400" dirty="0">
-              <a:solidFill>
-                <a:schemeClr val="accent3">
-                  <a:lumMod val="50000"/>
-                </a:schemeClr>
-              </a:solidFill>
-              <a:latin typeface="+mj-lt"/>
-            </a:endParaRPr>
-          </a:p>
-        </p:txBody>
-      </p:sp>
-      <p:sp>
-        <p:nvSpPr>
-          <p:cNvPr id="5" name="TextBox 4"/>
-          <p:cNvSpPr txBox="1"/>
-          <p:nvPr/>
-        </p:nvSpPr>
-        <p:spPr>
-          <a:xfrm>
-            <a:off x="609600" y="914400"/>
-            <a:ext cx="5715000" cy="4524315"/>
-          </a:xfrm>
-          <a:prstGeom prst="rect">
-            <a:avLst/>
-          </a:prstGeom>
-          <a:noFill/>
-        </p:spPr>
-        <p:txBody>
-          <a:bodyPr wrap="square" numCol="1" rtlCol="0">
-            <a:spAutoFit/>
-          </a:bodyPr>
-          <a:lstStyle/>
-          <a:p>
-            <a:pPr algn="ctr"/>
-            <a:r>
-              <a:rPr lang="en-US" sz="2400" b="1" dirty="0">
-                <a:latin typeface="+mj-lt"/>
-              </a:rPr>
-              <a:t>Database User</a:t>
-            </a:r>
-          </a:p>
-          <a:p>
-            <a:pPr algn="ctr"/>
-            <a:endParaRPr lang="en-US" sz="2400" b="1" dirty="0">
-              <a:latin typeface="+mj-lt"/>
-            </a:endParaRPr>
-          </a:p>
-          <a:p>
-            <a:pPr marL="285750" indent="-285750">
-              <a:buFont typeface="Arial" pitchFamily="34" charset="0"/>
-              <a:buChar char="•"/>
-            </a:pPr>
-            <a:r>
-              <a:rPr lang="en-US" sz="2400" dirty="0">
-                <a:latin typeface="+mj-lt"/>
-              </a:rPr>
-              <a:t>Set a database context</a:t>
-            </a:r>
-          </a:p>
-          <a:p>
-            <a:pPr marL="285750" indent="-285750">
-              <a:buFont typeface="Arial" pitchFamily="34" charset="0"/>
-              <a:buChar char="•"/>
-            </a:pPr>
-            <a:r>
-              <a:rPr lang="en-US" sz="2400" dirty="0">
-                <a:latin typeface="+mj-lt"/>
-              </a:rPr>
-              <a:t>Linked to a Server Login</a:t>
-            </a:r>
-          </a:p>
-          <a:p>
-            <a:pPr marL="285750" indent="-285750">
-              <a:buFont typeface="Arial" pitchFamily="34" charset="0"/>
-              <a:buChar char="•"/>
-            </a:pPr>
-            <a:r>
-              <a:rPr lang="en-US" sz="2400" dirty="0">
-                <a:latin typeface="+mj-lt"/>
-              </a:rPr>
-              <a:t>Does not have a password</a:t>
-            </a:r>
-          </a:p>
-          <a:p>
-            <a:pPr marL="285750" indent="-285750">
-              <a:buFont typeface="Arial" pitchFamily="34" charset="0"/>
-              <a:buChar char="•"/>
-            </a:pPr>
-            <a:r>
-              <a:rPr lang="en-US" sz="2400" dirty="0">
-                <a:latin typeface="+mj-lt"/>
-              </a:rPr>
-              <a:t>Assigned to Database Roles</a:t>
-            </a:r>
-          </a:p>
-          <a:p>
-            <a:pPr marL="285750" indent="-285750">
-              <a:buFont typeface="Arial" pitchFamily="34" charset="0"/>
-              <a:buChar char="•"/>
-            </a:pPr>
-            <a:r>
-              <a:rPr lang="en-US" sz="2400" dirty="0"/>
-              <a:t>Stored in the User Database</a:t>
-            </a:r>
-          </a:p>
-          <a:p>
-            <a:pPr marL="285750" indent="-285750">
-              <a:buFont typeface="Arial" pitchFamily="34" charset="0"/>
-              <a:buChar char="•"/>
-            </a:pPr>
-            <a:r>
-              <a:rPr lang="en-US" sz="2400" dirty="0">
-                <a:latin typeface="+mj-lt"/>
-              </a:rPr>
-              <a:t>Brought along with a User DB Restore</a:t>
-            </a:r>
-            <a:br>
-              <a:rPr lang="en-US" sz="2400" dirty="0">
-                <a:latin typeface="+mj-lt"/>
-              </a:rPr>
-            </a:br>
-            <a:endParaRPr lang="en-US" sz="2400" dirty="0">
-              <a:latin typeface="+mj-lt"/>
-            </a:endParaRPr>
-          </a:p>
-          <a:p>
-            <a:pPr marL="285750" indent="-285750">
-              <a:buFont typeface="Arial" pitchFamily="34" charset="0"/>
-              <a:buChar char="•"/>
-            </a:pPr>
-            <a:r>
-              <a:rPr lang="en-US" sz="2400" dirty="0">
-                <a:latin typeface="+mj-lt"/>
-              </a:rPr>
-              <a:t>Given access to </a:t>
-            </a:r>
-            <a:r>
-              <a:rPr lang="en-US" sz="2400" dirty="0">
-                <a:solidFill>
-                  <a:schemeClr val="accent3">
-                    <a:lumMod val="50000"/>
-                  </a:schemeClr>
-                </a:solidFill>
-                <a:latin typeface="+mj-lt"/>
-              </a:rPr>
-              <a:t>SELECT, UPDATE, EXECUTE, CREATE TABLE</a:t>
-            </a:r>
-          </a:p>
-          <a:p>
-            <a:pPr algn="ctr"/>
-            <a:endParaRPr lang="en-US" sz="2400" dirty="0">
-              <a:latin typeface="+mj-lt"/>
-            </a:endParaRPr>
-          </a:p>
-        </p:txBody>
-      </p:sp>
-      <p:sp>
-        <p:nvSpPr>
-          <p:cNvPr id="9" name="Text Placeholder 2"/>
-          <p:cNvSpPr txBox="1">
-            <a:spLocks/>
-          </p:cNvSpPr>
-          <p:nvPr/>
-        </p:nvSpPr>
-        <p:spPr>
-          <a:xfrm>
-            <a:off x="0" y="0"/>
-            <a:ext cx="12192000" cy="762000"/>
-          </a:xfrm>
-          <a:prstGeom prst="rect">
-            <a:avLst/>
-          </a:prstGeom>
-        </p:spPr>
-        <p:txBody>
-          <a:bodyPr vert="horz" lIns="91440" tIns="45720" rIns="91440" bIns="45720" rtlCol="0">
-            <a:normAutofit/>
-          </a:bodyPr>
-          <a:lstStyle>
-            <a:lvl1pPr marL="342900" indent="-342900" algn="l" defTabSz="457200" rtl="0" eaLnBrk="1" latinLnBrk="0" hangingPunct="1">
-              <a:spcBef>
-                <a:spcPct val="20000"/>
-              </a:spcBef>
-              <a:buFont typeface="Wingdings" charset="2"/>
-              <a:buChar char="§"/>
-              <a:defRPr sz="3000" kern="1200">
-                <a:solidFill>
-                  <a:schemeClr val="tx2"/>
-                </a:solidFill>
-                <a:latin typeface="+mn-lt"/>
-                <a:ea typeface="+mn-ea"/>
-                <a:cs typeface="+mn-cs"/>
-              </a:defRPr>
-            </a:lvl1pPr>
-            <a:lvl2pPr marL="742950" indent="-285750" algn="l" defTabSz="457200" rtl="0" eaLnBrk="1" latinLnBrk="0" hangingPunct="1">
-              <a:spcBef>
-                <a:spcPct val="20000"/>
-              </a:spcBef>
-              <a:buFont typeface="Wingdings" charset="2"/>
-              <a:buChar char="§"/>
-              <a:defRPr sz="2600" kern="1200">
-                <a:solidFill>
-                  <a:schemeClr val="tx2"/>
-                </a:solidFill>
-                <a:latin typeface="+mn-lt"/>
-                <a:ea typeface="+mn-ea"/>
-                <a:cs typeface="+mn-cs"/>
-              </a:defRPr>
-            </a:lvl2pPr>
-            <a:lvl3pPr marL="1143000" indent="-228600" algn="l" defTabSz="457200" rtl="0" eaLnBrk="1" latinLnBrk="0" hangingPunct="1">
-              <a:spcBef>
-                <a:spcPct val="20000"/>
-              </a:spcBef>
-              <a:buFont typeface="Wingdings" charset="2"/>
-              <a:buChar char="§"/>
-              <a:defRPr sz="2200" kern="1200">
-                <a:solidFill>
-                  <a:schemeClr val="tx2"/>
-                </a:solidFill>
-                <a:latin typeface="+mn-lt"/>
-                <a:ea typeface="+mn-ea"/>
-                <a:cs typeface="+mn-cs"/>
-              </a:defRPr>
-            </a:lvl3pPr>
-            <a:lvl4pPr marL="1600200" indent="-228600" algn="l" defTabSz="457200" rtl="0" eaLnBrk="1" latinLnBrk="0" hangingPunct="1">
-              <a:spcBef>
-                <a:spcPct val="20000"/>
-              </a:spcBef>
-              <a:buFont typeface="Wingdings" charset="2"/>
-              <a:buChar char="§"/>
-              <a:defRPr sz="2000" kern="1200">
-                <a:solidFill>
-                  <a:schemeClr val="tx2"/>
-                </a:solidFill>
-                <a:latin typeface="+mn-lt"/>
-                <a:ea typeface="+mn-ea"/>
-                <a:cs typeface="+mn-cs"/>
-              </a:defRPr>
-            </a:lvl4pPr>
-            <a:lvl5pPr marL="2057400" indent="-228600" algn="l" defTabSz="457200" rtl="0" eaLnBrk="1" latinLnBrk="0" hangingPunct="1">
-              <a:spcBef>
-                <a:spcPct val="20000"/>
-              </a:spcBef>
-              <a:buFont typeface="Wingdings" charset="2"/>
-              <a:buChar char="§"/>
-              <a:defRPr sz="1800" kern="1200">
-                <a:solidFill>
-                  <a:schemeClr val="tx2"/>
-                </a:solidFill>
-                <a:latin typeface="+mn-lt"/>
-                <a:ea typeface="+mn-ea"/>
-                <a:cs typeface="+mn-cs"/>
-              </a:defRPr>
-            </a:lvl5pPr>
-            <a:lvl6pPr marL="2514600" indent="-228600" algn="l" defTabSz="457200" rtl="0" eaLnBrk="1" latinLnBrk="0" hangingPunct="1">
-              <a:spcBef>
-                <a:spcPct val="20000"/>
-              </a:spcBef>
-              <a:buFont typeface="Arial"/>
-              <a:buChar char="•"/>
-              <a:defRPr sz="2000" kern="1200">
-                <a:solidFill>
-                  <a:schemeClr val="tx1"/>
-                </a:solidFill>
-                <a:latin typeface="+mn-lt"/>
-                <a:ea typeface="+mn-ea"/>
-                <a:cs typeface="+mn-cs"/>
-              </a:defRPr>
-            </a:lvl6pPr>
-            <a:lvl7pPr marL="2971800" indent="-228600" algn="l" defTabSz="457200" rtl="0" eaLnBrk="1" latinLnBrk="0" hangingPunct="1">
-              <a:spcBef>
-                <a:spcPct val="20000"/>
-              </a:spcBef>
-              <a:buFont typeface="Arial"/>
-              <a:buChar char="•"/>
-              <a:defRPr sz="2000" kern="1200">
-                <a:solidFill>
-                  <a:schemeClr val="tx1"/>
-                </a:solidFill>
-                <a:latin typeface="+mn-lt"/>
-                <a:ea typeface="+mn-ea"/>
-                <a:cs typeface="+mn-cs"/>
-              </a:defRPr>
-            </a:lvl7pPr>
-            <a:lvl8pPr marL="3429000" indent="-228600" algn="l" defTabSz="457200" rtl="0" eaLnBrk="1" latinLnBrk="0" hangingPunct="1">
-              <a:spcBef>
-                <a:spcPct val="20000"/>
-              </a:spcBef>
-              <a:buFont typeface="Arial"/>
-              <a:buChar char="•"/>
-              <a:defRPr sz="2000" kern="1200">
-                <a:solidFill>
-                  <a:schemeClr val="tx1"/>
-                </a:solidFill>
-                <a:latin typeface="+mn-lt"/>
-                <a:ea typeface="+mn-ea"/>
-                <a:cs typeface="+mn-cs"/>
-              </a:defRPr>
-            </a:lvl8pPr>
-            <a:lvl9pPr marL="3886200" indent="-228600" algn="l" defTabSz="457200" rtl="0" eaLnBrk="1" latinLnBrk="0" hangingPunct="1">
-              <a:spcBef>
-                <a:spcPct val="20000"/>
-              </a:spcBef>
-              <a:buFont typeface="Arial"/>
-              <a:buChar char="•"/>
-              <a:defRPr sz="2000" kern="1200">
-                <a:solidFill>
-                  <a:schemeClr val="tx1"/>
-                </a:solidFill>
-                <a:latin typeface="+mn-lt"/>
-                <a:ea typeface="+mn-ea"/>
-                <a:cs typeface="+mn-cs"/>
-              </a:defRPr>
-            </a:lvl9pPr>
-          </a:lstStyle>
-          <a:p>
-            <a:pPr marL="0" indent="0" algn="ctr">
-              <a:buNone/>
-            </a:pPr>
-            <a:r>
-              <a:rPr lang="en-US" sz="4000" b="1" cap="all" dirty="0">
-                <a:solidFill>
-                  <a:srgbClr val="3D156F"/>
-                </a:solidFill>
-                <a:latin typeface="+mj-lt"/>
-                <a:ea typeface="+mj-ea"/>
-                <a:cs typeface="+mj-cs"/>
-              </a:rPr>
-              <a:t>Login vs user</a:t>
-            </a:r>
-          </a:p>
-        </p:txBody>
-      </p:sp>
-    </p:spTree>
-    <p:extLst>
-      <p:ext uri="{BB962C8B-B14F-4D97-AF65-F5344CB8AC3E}">
-        <p14:creationId xmlns:p14="http://schemas.microsoft.com/office/powerpoint/2010/main" val="2314065379"/>
-      </p:ext>
-    </p:extLst>
-  </p:cSld>
-  <p:clrMapOvr>
-    <a:masterClrMapping/>
-  </p:clrMapOvr>
-</p:sld>
-</file>
-
-<file path=ppt/slides/slide50.xml><?xml version="1.0" encoding="utf-8"?>
-<p:sld xmlns:a="http://schemas.openxmlformats.org/drawingml/2006/main" xmlns:r="http://schemas.openxmlformats.org/officeDocument/2006/relationships" xmlns:p="http://schemas.openxmlformats.org/presentationml/2006/main" showMasterSp="0">
-  <p:cSld>
-    <p:spTree>
-      <p:nvGrpSpPr>
-        <p:cNvPr id="1" name=""/>
-        <p:cNvGrpSpPr/>
-        <p:nvPr/>
-      </p:nvGrpSpPr>
-      <p:grpSpPr>
-        <a:xfrm>
-          <a:off x="0" y="0"/>
-          <a:ext cx="0" cy="0"/>
-          <a:chOff x="0" y="0"/>
-          <a:chExt cx="0" cy="0"/>
-        </a:xfrm>
-      </p:grpSpPr>
-      <p:sp>
-        <p:nvSpPr>
-          <p:cNvPr id="2" name="Content Placeholder 1"/>
-          <p:cNvSpPr>
-            <a:spLocks noGrp="1"/>
-          </p:cNvSpPr>
-          <p:nvPr>
-            <p:ph idx="4294967295"/>
-          </p:nvPr>
-        </p:nvSpPr>
-        <p:spPr>
-          <a:xfrm>
-            <a:off x="1524000" y="828676"/>
-            <a:ext cx="8229600" cy="5191125"/>
-          </a:xfrm>
-        </p:spPr>
-        <p:txBody>
-          <a:bodyPr>
-            <a:normAutofit/>
-          </a:bodyPr>
-          <a:lstStyle/>
-          <a:p>
-            <a:r>
-              <a:rPr lang="en-US" sz="2800" dirty="0"/>
-              <a:t>Prior to SQL 2008, [BUILTIN\Administrators] was a member of the SQL </a:t>
-            </a:r>
-            <a:r>
-              <a:rPr lang="en-US" sz="2800" dirty="0" err="1"/>
-              <a:t>sysadmin</a:t>
-            </a:r>
-            <a:r>
-              <a:rPr lang="en-US" sz="2800" dirty="0"/>
-              <a:t> role.  </a:t>
-            </a:r>
-          </a:p>
-          <a:p>
-            <a:endParaRPr lang="en-US" sz="2800" dirty="0"/>
-          </a:p>
-          <a:p>
-            <a:r>
-              <a:rPr lang="en-US" sz="2800" dirty="0"/>
-              <a:t>This was a security hole – allowing anyone who gained admin access to a Windows Server to automatically and easily have </a:t>
-            </a:r>
-            <a:r>
-              <a:rPr lang="en-US" sz="2800" dirty="0" err="1"/>
-              <a:t>sysadmin</a:t>
-            </a:r>
-            <a:r>
-              <a:rPr lang="en-US" sz="2800" dirty="0"/>
-              <a:t> access.</a:t>
-            </a:r>
-          </a:p>
-          <a:p>
-            <a:endParaRPr lang="en-US" sz="2800" dirty="0"/>
-          </a:p>
-          <a:p>
-            <a:r>
-              <a:rPr lang="en-US" sz="2800" dirty="0"/>
-              <a:t>SQL 2008 – BUILTIN\Administrators no longer have automatic rights to the SQL server and should NOT be granted access.</a:t>
-            </a:r>
-          </a:p>
-          <a:p>
-            <a:endParaRPr lang="en-US" sz="2800" dirty="0"/>
-          </a:p>
-        </p:txBody>
-      </p:sp>
-      <p:sp>
-        <p:nvSpPr>
-          <p:cNvPr id="8" name="Text Placeholder 2"/>
-          <p:cNvSpPr txBox="1">
-            <a:spLocks/>
-          </p:cNvSpPr>
-          <p:nvPr/>
-        </p:nvSpPr>
-        <p:spPr>
-          <a:xfrm>
-            <a:off x="0" y="0"/>
-            <a:ext cx="12192000" cy="762000"/>
-          </a:xfrm>
-          <a:prstGeom prst="rect">
-            <a:avLst/>
-          </a:prstGeom>
-        </p:spPr>
-        <p:txBody>
-          <a:bodyPr vert="horz" lIns="91440" tIns="45720" rIns="91440" bIns="45720" rtlCol="0">
-            <a:normAutofit/>
-          </a:bodyPr>
-          <a:lstStyle>
-            <a:lvl1pPr marL="342900" indent="-342900" algn="l" defTabSz="457200" rtl="0" eaLnBrk="1" latinLnBrk="0" hangingPunct="1">
-              <a:spcBef>
-                <a:spcPct val="20000"/>
-              </a:spcBef>
-              <a:buFont typeface="Wingdings" charset="2"/>
-              <a:buChar char="§"/>
-              <a:defRPr sz="3000" kern="1200">
-                <a:solidFill>
-                  <a:schemeClr val="tx2"/>
-                </a:solidFill>
-                <a:latin typeface="+mn-lt"/>
-                <a:ea typeface="+mn-ea"/>
-                <a:cs typeface="+mn-cs"/>
-              </a:defRPr>
-            </a:lvl1pPr>
-            <a:lvl2pPr marL="742950" indent="-285750" algn="l" defTabSz="457200" rtl="0" eaLnBrk="1" latinLnBrk="0" hangingPunct="1">
-              <a:spcBef>
-                <a:spcPct val="20000"/>
-              </a:spcBef>
-              <a:buFont typeface="Wingdings" charset="2"/>
-              <a:buChar char="§"/>
-              <a:defRPr sz="2600" kern="1200">
-                <a:solidFill>
-                  <a:schemeClr val="tx2"/>
-                </a:solidFill>
-                <a:latin typeface="+mn-lt"/>
-                <a:ea typeface="+mn-ea"/>
-                <a:cs typeface="+mn-cs"/>
-              </a:defRPr>
-            </a:lvl2pPr>
-            <a:lvl3pPr marL="1143000" indent="-228600" algn="l" defTabSz="457200" rtl="0" eaLnBrk="1" latinLnBrk="0" hangingPunct="1">
-              <a:spcBef>
-                <a:spcPct val="20000"/>
-              </a:spcBef>
-              <a:buFont typeface="Wingdings" charset="2"/>
-              <a:buChar char="§"/>
-              <a:defRPr sz="2200" kern="1200">
-                <a:solidFill>
-                  <a:schemeClr val="tx2"/>
-                </a:solidFill>
-                <a:latin typeface="+mn-lt"/>
-                <a:ea typeface="+mn-ea"/>
-                <a:cs typeface="+mn-cs"/>
-              </a:defRPr>
-            </a:lvl3pPr>
-            <a:lvl4pPr marL="1600200" indent="-228600" algn="l" defTabSz="457200" rtl="0" eaLnBrk="1" latinLnBrk="0" hangingPunct="1">
-              <a:spcBef>
-                <a:spcPct val="20000"/>
-              </a:spcBef>
-              <a:buFont typeface="Wingdings" charset="2"/>
-              <a:buChar char="§"/>
-              <a:defRPr sz="2000" kern="1200">
-                <a:solidFill>
-                  <a:schemeClr val="tx2"/>
-                </a:solidFill>
-                <a:latin typeface="+mn-lt"/>
-                <a:ea typeface="+mn-ea"/>
-                <a:cs typeface="+mn-cs"/>
-              </a:defRPr>
-            </a:lvl4pPr>
-            <a:lvl5pPr marL="2057400" indent="-228600" algn="l" defTabSz="457200" rtl="0" eaLnBrk="1" latinLnBrk="0" hangingPunct="1">
-              <a:spcBef>
-                <a:spcPct val="20000"/>
-              </a:spcBef>
-              <a:buFont typeface="Wingdings" charset="2"/>
-              <a:buChar char="§"/>
-              <a:defRPr sz="1800" kern="1200">
-                <a:solidFill>
-                  <a:schemeClr val="tx2"/>
-                </a:solidFill>
-                <a:latin typeface="+mn-lt"/>
-                <a:ea typeface="+mn-ea"/>
-                <a:cs typeface="+mn-cs"/>
-              </a:defRPr>
-            </a:lvl5pPr>
-            <a:lvl6pPr marL="2514600" indent="-228600" algn="l" defTabSz="457200" rtl="0" eaLnBrk="1" latinLnBrk="0" hangingPunct="1">
-              <a:spcBef>
-                <a:spcPct val="20000"/>
-              </a:spcBef>
-              <a:buFont typeface="Arial"/>
-              <a:buChar char="•"/>
-              <a:defRPr sz="2000" kern="1200">
-                <a:solidFill>
-                  <a:schemeClr val="tx1"/>
-                </a:solidFill>
-                <a:latin typeface="+mn-lt"/>
-                <a:ea typeface="+mn-ea"/>
-                <a:cs typeface="+mn-cs"/>
-              </a:defRPr>
-            </a:lvl6pPr>
-            <a:lvl7pPr marL="2971800" indent="-228600" algn="l" defTabSz="457200" rtl="0" eaLnBrk="1" latinLnBrk="0" hangingPunct="1">
-              <a:spcBef>
-                <a:spcPct val="20000"/>
-              </a:spcBef>
-              <a:buFont typeface="Arial"/>
-              <a:buChar char="•"/>
-              <a:defRPr sz="2000" kern="1200">
-                <a:solidFill>
-                  <a:schemeClr val="tx1"/>
-                </a:solidFill>
-                <a:latin typeface="+mn-lt"/>
-                <a:ea typeface="+mn-ea"/>
-                <a:cs typeface="+mn-cs"/>
-              </a:defRPr>
-            </a:lvl7pPr>
-            <a:lvl8pPr marL="3429000" indent="-228600" algn="l" defTabSz="457200" rtl="0" eaLnBrk="1" latinLnBrk="0" hangingPunct="1">
-              <a:spcBef>
-                <a:spcPct val="20000"/>
-              </a:spcBef>
-              <a:buFont typeface="Arial"/>
-              <a:buChar char="•"/>
-              <a:defRPr sz="2000" kern="1200">
-                <a:solidFill>
-                  <a:schemeClr val="tx1"/>
-                </a:solidFill>
-                <a:latin typeface="+mn-lt"/>
-                <a:ea typeface="+mn-ea"/>
-                <a:cs typeface="+mn-cs"/>
-              </a:defRPr>
-            </a:lvl8pPr>
-            <a:lvl9pPr marL="3886200" indent="-228600" algn="l" defTabSz="457200" rtl="0" eaLnBrk="1" latinLnBrk="0" hangingPunct="1">
-              <a:spcBef>
-                <a:spcPct val="20000"/>
-              </a:spcBef>
-              <a:buFont typeface="Arial"/>
-              <a:buChar char="•"/>
-              <a:defRPr sz="2000" kern="1200">
-                <a:solidFill>
-                  <a:schemeClr val="tx1"/>
-                </a:solidFill>
-                <a:latin typeface="+mn-lt"/>
-                <a:ea typeface="+mn-ea"/>
-                <a:cs typeface="+mn-cs"/>
-              </a:defRPr>
-            </a:lvl9pPr>
-          </a:lstStyle>
-          <a:p>
-            <a:pPr marL="0" indent="0" algn="ctr">
-              <a:buNone/>
-            </a:pPr>
-            <a:r>
-              <a:rPr lang="en-US" sz="4000" b="1" cap="all" dirty="0" err="1">
-                <a:solidFill>
-                  <a:srgbClr val="3D156F"/>
-                </a:solidFill>
-                <a:latin typeface="+mj-lt"/>
-                <a:ea typeface="+mj-ea"/>
-                <a:cs typeface="+mj-cs"/>
-              </a:rPr>
-              <a:t>Builtin</a:t>
-            </a:r>
-            <a:r>
-              <a:rPr lang="en-US" sz="4000" b="1" cap="all" dirty="0">
-                <a:solidFill>
-                  <a:srgbClr val="3D156F"/>
-                </a:solidFill>
-                <a:latin typeface="+mj-lt"/>
-                <a:ea typeface="+mj-ea"/>
-                <a:cs typeface="+mj-cs"/>
-              </a:rPr>
-              <a:t>\administrators</a:t>
-            </a:r>
-          </a:p>
-        </p:txBody>
-      </p:sp>
-    </p:spTree>
-    <p:extLst>
-      <p:ext uri="{BB962C8B-B14F-4D97-AF65-F5344CB8AC3E}">
-        <p14:creationId xmlns:p14="http://schemas.microsoft.com/office/powerpoint/2010/main" val="3576534485"/>
-      </p:ext>
-    </p:extLst>
-  </p:cSld>
-  <p:clrMapOvr>
-    <a:masterClrMapping/>
-  </p:clrMapOvr>
-</p:sld>
-</file>
-
-<file path=ppt/slides/slide51.xml><?xml version="1.0" encoding="utf-8"?>
-<p:sld xmlns:a="http://schemas.openxmlformats.org/drawingml/2006/main" xmlns:r="http://schemas.openxmlformats.org/officeDocument/2006/relationships" xmlns:p="http://schemas.openxmlformats.org/presentationml/2006/main" showMasterSp="0">
-  <p:cSld>
-    <p:spTree>
-      <p:nvGrpSpPr>
-        <p:cNvPr id="1" name=""/>
-        <p:cNvGrpSpPr/>
-        <p:nvPr/>
-      </p:nvGrpSpPr>
-      <p:grpSpPr>
-        <a:xfrm>
-          <a:off x="0" y="0"/>
-          <a:ext cx="0" cy="0"/>
-          <a:chOff x="0" y="0"/>
-          <a:chExt cx="0" cy="0"/>
-        </a:xfrm>
-      </p:grpSpPr>
-      <p:sp>
-        <p:nvSpPr>
-          <p:cNvPr id="2" name="Content Placeholder 1"/>
-          <p:cNvSpPr>
-            <a:spLocks noGrp="1"/>
-          </p:cNvSpPr>
-          <p:nvPr>
-            <p:ph idx="4294967295"/>
-          </p:nvPr>
-        </p:nvSpPr>
-        <p:spPr>
-          <a:xfrm>
-            <a:off x="1524000" y="828676"/>
-            <a:ext cx="8229600" cy="5191125"/>
-          </a:xfrm>
-        </p:spPr>
-        <p:txBody>
-          <a:bodyPr>
-            <a:normAutofit lnSpcReduction="10000"/>
-          </a:bodyPr>
-          <a:lstStyle/>
-          <a:p>
-            <a:r>
-              <a:rPr lang="en-US" dirty="0"/>
-              <a:t>In SQL 2000, </a:t>
-            </a:r>
-            <a:r>
-              <a:rPr lang="en-US" dirty="0" err="1"/>
-              <a:t>sales.dbo.customers</a:t>
-            </a:r>
-            <a:r>
-              <a:rPr lang="en-US" dirty="0"/>
-              <a:t> meant: </a:t>
-            </a:r>
-          </a:p>
-          <a:p>
-            <a:r>
-              <a:rPr lang="en-US" dirty="0"/>
-              <a:t>	</a:t>
-            </a:r>
-            <a:r>
-              <a:rPr lang="en-US" b="0" dirty="0" err="1"/>
-              <a:t>databasename</a:t>
-            </a:r>
-            <a:r>
-              <a:rPr lang="en-US" b="0" dirty="0"/>
-              <a:t> 	= sales</a:t>
-            </a:r>
-          </a:p>
-          <a:p>
-            <a:r>
-              <a:rPr lang="en-US" b="0" dirty="0"/>
-              <a:t>	</a:t>
-            </a:r>
-            <a:r>
-              <a:rPr lang="en-US" b="1" dirty="0"/>
-              <a:t>owner</a:t>
-            </a:r>
-            <a:r>
-              <a:rPr lang="en-US" b="0" dirty="0"/>
-              <a:t> 				= </a:t>
-            </a:r>
-            <a:r>
-              <a:rPr lang="en-US" b="0" dirty="0" err="1"/>
-              <a:t>dbo</a:t>
-            </a:r>
-            <a:endParaRPr lang="en-US" b="0" dirty="0"/>
-          </a:p>
-          <a:p>
-            <a:r>
-              <a:rPr lang="en-US" b="0" dirty="0"/>
-              <a:t>	</a:t>
-            </a:r>
-            <a:r>
-              <a:rPr lang="en-US" b="0" dirty="0" err="1"/>
-              <a:t>tablename</a:t>
-            </a:r>
-            <a:r>
-              <a:rPr lang="en-US" b="0" dirty="0"/>
-              <a:t> 		= customers</a:t>
-            </a:r>
-          </a:p>
-          <a:p>
-            <a:endParaRPr lang="en-US" dirty="0"/>
-          </a:p>
-          <a:p>
-            <a:r>
-              <a:rPr lang="en-US" dirty="0"/>
-              <a:t>In 2005 and later, </a:t>
-            </a:r>
-            <a:r>
-              <a:rPr lang="en-US" dirty="0" err="1"/>
-              <a:t>sales.dbo.customers</a:t>
-            </a:r>
-            <a:r>
-              <a:rPr lang="en-US" dirty="0"/>
-              <a:t> meant:</a:t>
-            </a:r>
-          </a:p>
-          <a:p>
-            <a:r>
-              <a:rPr lang="en-US" dirty="0"/>
-              <a:t>	</a:t>
-            </a:r>
-            <a:r>
-              <a:rPr lang="en-US" b="0" dirty="0" err="1"/>
-              <a:t>databasename</a:t>
-            </a:r>
-            <a:r>
-              <a:rPr lang="en-US" b="0" dirty="0"/>
-              <a:t> 	= sales</a:t>
-            </a:r>
-          </a:p>
-          <a:p>
-            <a:r>
-              <a:rPr lang="en-US" b="0" dirty="0"/>
-              <a:t>	</a:t>
-            </a:r>
-            <a:r>
-              <a:rPr lang="en-US" b="1" dirty="0"/>
-              <a:t>schema 		</a:t>
-            </a:r>
-            <a:r>
-              <a:rPr lang="en-US" b="0" dirty="0"/>
-              <a:t>	= </a:t>
-            </a:r>
-            <a:r>
-              <a:rPr lang="en-US" b="0" dirty="0" err="1"/>
-              <a:t>dbo</a:t>
-            </a:r>
-            <a:endParaRPr lang="en-US" b="0" dirty="0"/>
-          </a:p>
-          <a:p>
-            <a:r>
-              <a:rPr lang="en-US" b="0" dirty="0"/>
-              <a:t>	</a:t>
-            </a:r>
-            <a:r>
-              <a:rPr lang="en-US" b="0" dirty="0" err="1"/>
-              <a:t>tablename</a:t>
-            </a:r>
-            <a:r>
-              <a:rPr lang="en-US" b="0" dirty="0"/>
-              <a:t> 		= customers</a:t>
-            </a:r>
-          </a:p>
-          <a:p>
-            <a:endParaRPr lang="en-US" dirty="0"/>
-          </a:p>
-        </p:txBody>
-      </p:sp>
-      <p:sp>
-        <p:nvSpPr>
-          <p:cNvPr id="8" name="Text Placeholder 2"/>
-          <p:cNvSpPr txBox="1">
-            <a:spLocks/>
-          </p:cNvSpPr>
-          <p:nvPr/>
-        </p:nvSpPr>
-        <p:spPr>
-          <a:xfrm>
-            <a:off x="0" y="0"/>
-            <a:ext cx="12192000" cy="762000"/>
-          </a:xfrm>
-          <a:prstGeom prst="rect">
-            <a:avLst/>
-          </a:prstGeom>
-        </p:spPr>
-        <p:txBody>
-          <a:bodyPr vert="horz" lIns="91440" tIns="45720" rIns="91440" bIns="45720" rtlCol="0">
-            <a:normAutofit/>
-          </a:bodyPr>
-          <a:lstStyle>
-            <a:lvl1pPr marL="342900" indent="-342900" algn="l" defTabSz="457200" rtl="0" eaLnBrk="1" latinLnBrk="0" hangingPunct="1">
-              <a:spcBef>
-                <a:spcPct val="20000"/>
-              </a:spcBef>
-              <a:buFont typeface="Wingdings" charset="2"/>
-              <a:buChar char="§"/>
-              <a:defRPr sz="3000" kern="1200">
-                <a:solidFill>
-                  <a:schemeClr val="tx2"/>
-                </a:solidFill>
-                <a:latin typeface="+mn-lt"/>
-                <a:ea typeface="+mn-ea"/>
-                <a:cs typeface="+mn-cs"/>
-              </a:defRPr>
-            </a:lvl1pPr>
-            <a:lvl2pPr marL="742950" indent="-285750" algn="l" defTabSz="457200" rtl="0" eaLnBrk="1" latinLnBrk="0" hangingPunct="1">
-              <a:spcBef>
-                <a:spcPct val="20000"/>
-              </a:spcBef>
-              <a:buFont typeface="Wingdings" charset="2"/>
-              <a:buChar char="§"/>
-              <a:defRPr sz="2600" kern="1200">
-                <a:solidFill>
-                  <a:schemeClr val="tx2"/>
-                </a:solidFill>
-                <a:latin typeface="+mn-lt"/>
-                <a:ea typeface="+mn-ea"/>
-                <a:cs typeface="+mn-cs"/>
-              </a:defRPr>
-            </a:lvl2pPr>
-            <a:lvl3pPr marL="1143000" indent="-228600" algn="l" defTabSz="457200" rtl="0" eaLnBrk="1" latinLnBrk="0" hangingPunct="1">
-              <a:spcBef>
-                <a:spcPct val="20000"/>
-              </a:spcBef>
-              <a:buFont typeface="Wingdings" charset="2"/>
-              <a:buChar char="§"/>
-              <a:defRPr sz="2200" kern="1200">
-                <a:solidFill>
-                  <a:schemeClr val="tx2"/>
-                </a:solidFill>
-                <a:latin typeface="+mn-lt"/>
-                <a:ea typeface="+mn-ea"/>
-                <a:cs typeface="+mn-cs"/>
-              </a:defRPr>
-            </a:lvl3pPr>
-            <a:lvl4pPr marL="1600200" indent="-228600" algn="l" defTabSz="457200" rtl="0" eaLnBrk="1" latinLnBrk="0" hangingPunct="1">
-              <a:spcBef>
-                <a:spcPct val="20000"/>
-              </a:spcBef>
-              <a:buFont typeface="Wingdings" charset="2"/>
-              <a:buChar char="§"/>
-              <a:defRPr sz="2000" kern="1200">
-                <a:solidFill>
-                  <a:schemeClr val="tx2"/>
-                </a:solidFill>
-                <a:latin typeface="+mn-lt"/>
-                <a:ea typeface="+mn-ea"/>
-                <a:cs typeface="+mn-cs"/>
-              </a:defRPr>
-            </a:lvl4pPr>
-            <a:lvl5pPr marL="2057400" indent="-228600" algn="l" defTabSz="457200" rtl="0" eaLnBrk="1" latinLnBrk="0" hangingPunct="1">
-              <a:spcBef>
-                <a:spcPct val="20000"/>
-              </a:spcBef>
-              <a:buFont typeface="Wingdings" charset="2"/>
-              <a:buChar char="§"/>
-              <a:defRPr sz="1800" kern="1200">
-                <a:solidFill>
-                  <a:schemeClr val="tx2"/>
-                </a:solidFill>
-                <a:latin typeface="+mn-lt"/>
-                <a:ea typeface="+mn-ea"/>
-                <a:cs typeface="+mn-cs"/>
-              </a:defRPr>
-            </a:lvl5pPr>
-            <a:lvl6pPr marL="2514600" indent="-228600" algn="l" defTabSz="457200" rtl="0" eaLnBrk="1" latinLnBrk="0" hangingPunct="1">
-              <a:spcBef>
-                <a:spcPct val="20000"/>
-              </a:spcBef>
-              <a:buFont typeface="Arial"/>
-              <a:buChar char="•"/>
-              <a:defRPr sz="2000" kern="1200">
-                <a:solidFill>
-                  <a:schemeClr val="tx1"/>
-                </a:solidFill>
-                <a:latin typeface="+mn-lt"/>
-                <a:ea typeface="+mn-ea"/>
-                <a:cs typeface="+mn-cs"/>
-              </a:defRPr>
-            </a:lvl6pPr>
-            <a:lvl7pPr marL="2971800" indent="-228600" algn="l" defTabSz="457200" rtl="0" eaLnBrk="1" latinLnBrk="0" hangingPunct="1">
-              <a:spcBef>
-                <a:spcPct val="20000"/>
-              </a:spcBef>
-              <a:buFont typeface="Arial"/>
-              <a:buChar char="•"/>
-              <a:defRPr sz="2000" kern="1200">
-                <a:solidFill>
-                  <a:schemeClr val="tx1"/>
-                </a:solidFill>
-                <a:latin typeface="+mn-lt"/>
-                <a:ea typeface="+mn-ea"/>
-                <a:cs typeface="+mn-cs"/>
-              </a:defRPr>
-            </a:lvl7pPr>
-            <a:lvl8pPr marL="3429000" indent="-228600" algn="l" defTabSz="457200" rtl="0" eaLnBrk="1" latinLnBrk="0" hangingPunct="1">
-              <a:spcBef>
-                <a:spcPct val="20000"/>
-              </a:spcBef>
-              <a:buFont typeface="Arial"/>
-              <a:buChar char="•"/>
-              <a:defRPr sz="2000" kern="1200">
-                <a:solidFill>
-                  <a:schemeClr val="tx1"/>
-                </a:solidFill>
-                <a:latin typeface="+mn-lt"/>
-                <a:ea typeface="+mn-ea"/>
-                <a:cs typeface="+mn-cs"/>
-              </a:defRPr>
-            </a:lvl8pPr>
-            <a:lvl9pPr marL="3886200" indent="-228600" algn="l" defTabSz="457200" rtl="0" eaLnBrk="1" latinLnBrk="0" hangingPunct="1">
-              <a:spcBef>
-                <a:spcPct val="20000"/>
-              </a:spcBef>
-              <a:buFont typeface="Arial"/>
-              <a:buChar char="•"/>
-              <a:defRPr sz="2000" kern="1200">
-                <a:solidFill>
-                  <a:schemeClr val="tx1"/>
-                </a:solidFill>
-                <a:latin typeface="+mn-lt"/>
-                <a:ea typeface="+mn-ea"/>
-                <a:cs typeface="+mn-cs"/>
-              </a:defRPr>
-            </a:lvl9pPr>
-          </a:lstStyle>
-          <a:p>
-            <a:pPr marL="0" indent="0" algn="ctr">
-              <a:buNone/>
-            </a:pPr>
-            <a:r>
-              <a:rPr lang="en-US" sz="4000" b="1" cap="all" dirty="0" err="1">
-                <a:solidFill>
-                  <a:srgbClr val="3D156F"/>
-                </a:solidFill>
-                <a:latin typeface="+mj-lt"/>
-                <a:ea typeface="+mj-ea"/>
-                <a:cs typeface="+mj-cs"/>
-              </a:rPr>
-              <a:t>dbo</a:t>
-            </a:r>
-            <a:endParaRPr lang="en-US" sz="4000" b="1" cap="all" dirty="0">
-              <a:solidFill>
-                <a:srgbClr val="3D156F"/>
-              </a:solidFill>
-              <a:latin typeface="+mj-lt"/>
-              <a:ea typeface="+mj-ea"/>
-              <a:cs typeface="+mj-cs"/>
-            </a:endParaRPr>
-          </a:p>
-        </p:txBody>
-      </p:sp>
-    </p:spTree>
-    <p:extLst>
-      <p:ext uri="{BB962C8B-B14F-4D97-AF65-F5344CB8AC3E}">
-        <p14:creationId xmlns:p14="http://schemas.microsoft.com/office/powerpoint/2010/main" val="468384934"/>
-      </p:ext>
-    </p:extLst>
-  </p:cSld>
-  <p:clrMapOvr>
-    <a:masterClrMapping/>
-  </p:clrMapOvr>
-</p:sld>
-</file>
-
 <file path=ppt/slides/slide52.xml><?xml version="1.0" encoding="utf-8"?>
 <p:sld xmlns:a="http://schemas.openxmlformats.org/drawingml/2006/main" xmlns:r="http://schemas.openxmlformats.org/officeDocument/2006/relationships" xmlns:p="http://schemas.openxmlformats.org/presentationml/2006/main" showMasterSp="0">
   <p:cSld>
@@ -25856,15 +26463,7 @@
           <a:p>
             <a:r>
               <a:rPr lang="en-US" sz="2800" dirty="0"/>
-              <a:t>In SQL 2000, </a:t>
-            </a:r>
-            <a:r>
-              <a:rPr lang="en-US" sz="2800" dirty="0" err="1"/>
-              <a:t>dbo</a:t>
-            </a:r>
-            <a:r>
-              <a:rPr lang="en-US" sz="2800" dirty="0"/>
-              <a:t> was a special user inside each database with </a:t>
+              <a:t>Prior to SQL 2008, [BUILTIN\Administrators] was a member of the SQL </a:t>
             </a:r>
             <a:r>
               <a:rPr lang="en-US" sz="2800" dirty="0" err="1"/>
@@ -25872,59 +26471,34 @@
             </a:r>
             <a:r>
               <a:rPr lang="en-US" sz="2800" dirty="0"/>
-              <a:t> permissions, which by default owned any object created by an admin.  The </a:t>
+              <a:t> role.  </a:t>
+            </a:r>
+          </a:p>
+          <a:p>
+            <a:endParaRPr lang="en-US" sz="2800" dirty="0"/>
+          </a:p>
+          <a:p>
+            <a:r>
+              <a:rPr lang="en-US" sz="2800" dirty="0"/>
+              <a:t>This was a security hole – allowing anyone who gained admin access to a Windows Server to automatically and easily have </a:t>
             </a:r>
             <a:r>
               <a:rPr lang="en-US" sz="2800" dirty="0" err="1"/>
-              <a:t>dbo</a:t>
+              <a:t>sysadmin</a:t>
             </a:r>
             <a:r>
               <a:rPr lang="en-US" sz="2800" dirty="0"/>
-              <a:t> user could not be deleted.</a:t>
-            </a:r>
+              <a:t> access.</a:t>
+            </a:r>
+          </a:p>
+          <a:p>
+            <a:endParaRPr lang="en-US" sz="2800" dirty="0"/>
           </a:p>
           <a:p>
             <a:r>
               <a:rPr lang="en-US" sz="2800" dirty="0"/>
-              <a:t>In SQL 2005 and above, </a:t>
-            </a:r>
-            <a:r>
-              <a:rPr lang="en-US" sz="2800" dirty="0" err="1"/>
-              <a:t>dbo</a:t>
-            </a:r>
-            <a:r>
-              <a:rPr lang="en-US" sz="2800" dirty="0"/>
-              <a:t> is the default schema and no longer a security object.  Saying a user has “</a:t>
-            </a:r>
-            <a:r>
-              <a:rPr lang="en-US" sz="2800" dirty="0" err="1"/>
-              <a:t>dbo</a:t>
-            </a:r>
-            <a:r>
-              <a:rPr lang="en-US" sz="2800" dirty="0"/>
-              <a:t> permissions” is incorrect.</a:t>
-            </a:r>
-            <a:br>
-              <a:rPr lang="en-US" sz="2800" dirty="0"/>
-            </a:br>
-            <a:endParaRPr lang="en-US" sz="2800" dirty="0"/>
-          </a:p>
-          <a:p>
-            <a:r>
-              <a:rPr lang="en-US" sz="2800" dirty="0"/>
-              <a:t>[</a:t>
-            </a:r>
-            <a:r>
-              <a:rPr lang="en-US" sz="2800" dirty="0" err="1"/>
-              <a:t>db_owner</a:t>
-            </a:r>
-            <a:r>
-              <a:rPr lang="en-US" sz="2800" dirty="0"/>
-              <a:t>] is just a user role with no server-level permissions.</a:t>
-            </a:r>
-          </a:p>
-          <a:p>
-            <a:endParaRPr lang="en-US" sz="2800" dirty="0"/>
+              <a:t>SQL 2008 – BUILTIN\Administrators no longer have automatic rights to the SQL server and should NOT be granted access.</a:t>
+            </a:r>
           </a:p>
           <a:p>
             <a:endParaRPr lang="en-US" sz="2800" dirty="0"/>
@@ -26102,23 +26676,26 @@
                 <a:ea typeface="+mj-ea"/>
                 <a:cs typeface="+mj-cs"/>
               </a:rPr>
-              <a:t>dbo</a:t>
-            </a:r>
-            <a:endParaRPr lang="en-US" sz="4000" b="1" cap="all" dirty="0">
-              <a:solidFill>
-                <a:srgbClr val="3D156F"/>
-              </a:solidFill>
-              <a:latin typeface="+mj-lt"/>
-              <a:ea typeface="+mj-ea"/>
-              <a:cs typeface="+mj-cs"/>
-            </a:endParaRPr>
+              <a:t>Builtin</a:t>
+            </a:r>
+            <a:r>
+              <a:rPr lang="en-US" sz="4000" b="1" cap="all" dirty="0">
+                <a:solidFill>
+                  <a:srgbClr val="3D156F"/>
+                </a:solidFill>
+                <a:latin typeface="+mj-lt"/>
+                <a:ea typeface="+mj-ea"/>
+                <a:cs typeface="+mj-cs"/>
+              </a:rPr>
+              <a:t>\administrators</a:t>
+            </a:r>
           </a:p>
         </p:txBody>
       </p:sp>
     </p:spTree>
     <p:extLst>
       <p:ext uri="{BB962C8B-B14F-4D97-AF65-F5344CB8AC3E}">
-        <p14:creationId xmlns:p14="http://schemas.microsoft.com/office/powerpoint/2010/main" val="3698255014"/>
+        <p14:creationId xmlns:p14="http://schemas.microsoft.com/office/powerpoint/2010/main" val="3576534485"/>
       </p:ext>
     </p:extLst>
   </p:cSld>
@@ -26168,70 +26745,131 @@
           <a:lstStyle/>
           <a:p>
             <a:r>
-              <a:rPr lang="en-US" b="0" dirty="0"/>
-              <a:t>Microsoft has done away with the terminology of Users or Logins “owning” objects, such as databases and schemas.</a:t>
-            </a:r>
-          </a:p>
-          <a:p>
-            <a:endParaRPr lang="en-US" dirty="0"/>
-          </a:p>
-          <a:p>
-            <a:r>
-              <a:rPr lang="en-US" b="0" dirty="0"/>
-              <a:t>Changing the </a:t>
-            </a:r>
-            <a:r>
               <a:rPr lang="en-US" dirty="0"/>
-              <a:t>AUTHORIZATION</a:t>
-            </a:r>
-            <a:r>
-              <a:rPr lang="en-US" b="0" dirty="0"/>
-              <a:t> is now the more accurate term to describe “ownership” of an object.  </a:t>
-            </a:r>
-          </a:p>
-          <a:p>
-            <a:endParaRPr lang="en-US" b="0" dirty="0"/>
-          </a:p>
-          <a:p>
-            <a:r>
-              <a:rPr lang="en-US" b="0" dirty="0"/>
-              <a:t>For example, </a:t>
+              <a:t>In SQL 2000, </a:t>
             </a:r>
             <a:r>
               <a:rPr lang="en-US" dirty="0" err="1"/>
-              <a:t>sp_changedbowner</a:t>
+              <a:t>sales.dbo.customers</a:t>
             </a:r>
             <a:r>
               <a:rPr lang="en-US" dirty="0"/>
-              <a:t> </a:t>
-            </a:r>
-            <a:r>
-              <a:rPr lang="en-US" b="0" dirty="0"/>
-              <a:t>is deprecated, replaced by </a:t>
-            </a:r>
-          </a:p>
-          <a:p>
-            <a:pPr marL="0" indent="0">
-              <a:buNone/>
-            </a:pPr>
+              <a:t> meant: </a:t>
+            </a:r>
+          </a:p>
+          <a:p>
             <a:r>
               <a:rPr lang="en-US" dirty="0"/>
               <a:t>	</a:t>
             </a:r>
             <a:r>
+              <a:rPr lang="en-US" b="0" dirty="0" err="1"/>
+              <a:t>databasename</a:t>
+            </a:r>
+            <a:r>
               <a:rPr lang="en-US" b="0" dirty="0"/>
-              <a:t>ALTER AUTHORIZATION</a:t>
-            </a:r>
+              <a:t> 	= sales</a:t>
+            </a:r>
+          </a:p>
+          <a:p>
+            <a:r>
+              <a:rPr lang="en-US" b="0" dirty="0"/>
+              <a:t>	</a:t>
+            </a:r>
+            <a:r>
+              <a:rPr lang="en-US" b="1" dirty="0"/>
+              <a:t>owner</a:t>
+            </a:r>
+            <a:r>
+              <a:rPr lang="en-US" b="0" dirty="0"/>
+              <a:t> 				= </a:t>
+            </a:r>
+            <a:r>
+              <a:rPr lang="en-US" b="0" dirty="0" err="1"/>
+              <a:t>dbo</a:t>
+            </a:r>
+            <a:endParaRPr lang="en-US" b="0" dirty="0"/>
+          </a:p>
+          <a:p>
+            <a:r>
+              <a:rPr lang="en-US" b="0" dirty="0"/>
+              <a:t>	</a:t>
+            </a:r>
+            <a:r>
+              <a:rPr lang="en-US" b="0" dirty="0" err="1"/>
+              <a:t>tablename</a:t>
+            </a:r>
+            <a:r>
+              <a:rPr lang="en-US" b="0" dirty="0"/>
+              <a:t> 		= customers</a:t>
+            </a:r>
+          </a:p>
+          <a:p>
             <a:endParaRPr lang="en-US" dirty="0"/>
           </a:p>
           <a:p>
+            <a:r>
+              <a:rPr lang="en-US" dirty="0"/>
+              <a:t>In 2005 and later, </a:t>
+            </a:r>
+            <a:r>
+              <a:rPr lang="en-US" dirty="0" err="1"/>
+              <a:t>sales.dbo.customers</a:t>
+            </a:r>
+            <a:r>
+              <a:rPr lang="en-US" dirty="0"/>
+              <a:t> meant:</a:t>
+            </a:r>
+          </a:p>
+          <a:p>
+            <a:r>
+              <a:rPr lang="en-US" dirty="0"/>
+              <a:t>	</a:t>
+            </a:r>
+            <a:r>
+              <a:rPr lang="en-US" b="0" dirty="0" err="1"/>
+              <a:t>databasename</a:t>
+            </a:r>
+            <a:r>
+              <a:rPr lang="en-US" b="0" dirty="0"/>
+              <a:t> 	= sales</a:t>
+            </a:r>
+          </a:p>
+          <a:p>
+            <a:r>
+              <a:rPr lang="en-US" b="0" dirty="0"/>
+              <a:t>	</a:t>
+            </a:r>
+            <a:r>
+              <a:rPr lang="en-US" b="1" dirty="0"/>
+              <a:t>schema 		</a:t>
+            </a:r>
+            <a:r>
+              <a:rPr lang="en-US" b="0" dirty="0"/>
+              <a:t>	= </a:t>
+            </a:r>
+            <a:r>
+              <a:rPr lang="en-US" b="0" dirty="0" err="1"/>
+              <a:t>dbo</a:t>
+            </a:r>
             <a:endParaRPr lang="en-US" b="0" dirty="0"/>
           </a:p>
           <a:p>
-            <a:endParaRPr lang="en-US" b="0" dirty="0"/>
-          </a:p>
-          <a:p>
-            <a:endParaRPr lang="en-US" b="0" dirty="0"/>
+            <a:r>
+              <a:rPr lang="en-US" b="0" dirty="0"/>
+              <a:t>	</a:t>
+            </a:r>
+            <a:r>
+              <a:rPr lang="en-US" b="0" dirty="0" err="1"/>
+              <a:t>tablename</a:t>
+            </a:r>
+            <a:r>
+              <a:rPr lang="en-US" b="0" dirty="0"/>
+              <a:t> 		= customers</a:t>
+            </a:r>
+          </a:p>
+          <a:p>
+            <a:endParaRPr lang="en-US" dirty="0"/>
           </a:p>
         </p:txBody>
       </p:sp>
@@ -26398,7 +27036,7 @@
               <a:buNone/>
             </a:pPr>
             <a:r>
-              <a:rPr lang="en-US" sz="4000" b="1" cap="all" dirty="0">
+              <a:rPr lang="en-US" sz="4000" b="1" cap="all" dirty="0" err="1">
                 <a:solidFill>
                   <a:srgbClr val="3D156F"/>
                 </a:solidFill>
@@ -26406,15 +27044,23 @@
                 <a:ea typeface="+mj-ea"/>
                 <a:cs typeface="+mj-cs"/>
               </a:rPr>
-              <a:t>ownership</a:t>
-            </a:r>
+              <a:t>dbo</a:t>
+            </a:r>
+            <a:endParaRPr lang="en-US" sz="4000" b="1" cap="all" dirty="0">
+              <a:solidFill>
+                <a:srgbClr val="3D156F"/>
+              </a:solidFill>
+              <a:latin typeface="+mj-lt"/>
+              <a:ea typeface="+mj-ea"/>
+              <a:cs typeface="+mj-cs"/>
+            </a:endParaRPr>
           </a:p>
         </p:txBody>
       </p:sp>
     </p:spTree>
     <p:extLst>
       <p:ext uri="{BB962C8B-B14F-4D97-AF65-F5344CB8AC3E}">
-        <p14:creationId xmlns:p14="http://schemas.microsoft.com/office/powerpoint/2010/main" val="1340801143"/>
+        <p14:creationId xmlns:p14="http://schemas.microsoft.com/office/powerpoint/2010/main" val="468384934"/>
       </p:ext>
     </p:extLst>
   </p:cSld>
@@ -26453,8 +27099,8 @@
         </p:nvSpPr>
         <p:spPr>
           <a:xfrm>
-            <a:off x="1676400" y="1066801"/>
-            <a:ext cx="8229600" cy="5191125"/>
+            <a:off x="1524000" y="828676"/>
+            <a:ext cx="8229600" cy="5953124"/>
           </a:xfrm>
         </p:spPr>
         <p:txBody>
@@ -26464,99 +27110,73 @@
           <a:lstStyle/>
           <a:p>
             <a:r>
-              <a:rPr lang="en-US" b="0" dirty="0"/>
-              <a:t>A schema is a securable container </a:t>
-            </a:r>
-          </a:p>
-          <a:p>
-            <a:r>
-              <a:rPr lang="en-US" b="0" dirty="0"/>
-              <a:t>It contains database of objects, by default objects are inside the internal “</a:t>
-            </a:r>
-            <a:r>
-              <a:rPr lang="en-US" b="0" dirty="0" err="1"/>
+              <a:rPr lang="en-US" sz="3200" dirty="0"/>
+              <a:t>In SQL 2000, </a:t>
+            </a:r>
+            <a:r>
+              <a:rPr lang="en-US" sz="3200" dirty="0" err="1"/>
               <a:t>dbo</a:t>
             </a:r>
             <a:r>
-              <a:rPr lang="en-US" b="0" dirty="0"/>
-              <a:t>” schema.</a:t>
-            </a:r>
-          </a:p>
-          <a:p>
-            <a:endParaRPr lang="en-US" b="0" dirty="0"/>
-          </a:p>
-          <a:p>
-            <a:r>
-              <a:rPr lang="en-US" b="0" dirty="0"/>
-              <a:t>Additional user schemas can be created.  Permissions can be granted to schemas as a set.</a:t>
-            </a:r>
-          </a:p>
-          <a:p>
-            <a:pPr marL="0" indent="0">
-              <a:buNone/>
-            </a:pPr>
-            <a:r>
-              <a:rPr lang="en-US" b="0" dirty="0"/>
-              <a:t>Examples: </a:t>
-            </a:r>
-          </a:p>
-          <a:p>
-            <a:r>
-              <a:rPr lang="en-US" dirty="0"/>
-              <a:t> </a:t>
-            </a:r>
-            <a:r>
-              <a:rPr lang="en-US" b="0" dirty="0"/>
-              <a:t>logical </a:t>
-            </a:r>
-            <a:r>
-              <a:rPr lang="en-US" b="0" dirty="0">
-                <a:solidFill>
-                  <a:srgbClr val="7030A0"/>
-                </a:solidFill>
-              </a:rPr>
-              <a:t>[Staging], [ODS], [Audit], [WH]</a:t>
-            </a:r>
-          </a:p>
-          <a:p>
-            <a:r>
-              <a:rPr lang="en-US" b="0" dirty="0"/>
-              <a:t>	business </a:t>
-            </a:r>
-            <a:r>
-              <a:rPr lang="en-US" b="0" dirty="0">
-                <a:solidFill>
-                  <a:srgbClr val="7030A0"/>
-                </a:solidFill>
-              </a:rPr>
-              <a:t>[Sales], [HR], [Acct], [</a:t>
-            </a:r>
-            <a:r>
-              <a:rPr lang="en-US" b="0" dirty="0" err="1">
-                <a:solidFill>
-                  <a:srgbClr val="7030A0"/>
-                </a:solidFill>
-              </a:rPr>
-              <a:t>Inv</a:t>
-            </a:r>
-            <a:r>
-              <a:rPr lang="en-US" b="0" dirty="0">
-                <a:solidFill>
-                  <a:srgbClr val="7030A0"/>
-                </a:solidFill>
-              </a:rPr>
-              <a:t>]</a:t>
-            </a:r>
-          </a:p>
-          <a:p>
-            <a:pPr marL="0" indent="0">
-              <a:buNone/>
-            </a:pPr>
-            <a:endParaRPr lang="en-US" b="0" dirty="0">
-              <a:solidFill>
-                <a:srgbClr val="7030A0"/>
-              </a:solidFill>
-            </a:endParaRPr>
+              <a:rPr lang="en-US" sz="3200" dirty="0"/>
+              <a:t> was a special user inside each database with </a:t>
+            </a:r>
+            <a:r>
+              <a:rPr lang="en-US" sz="3200" dirty="0" err="1"/>
+              <a:t>sysadmin</a:t>
+            </a:r>
+            <a:r>
+              <a:rPr lang="en-US" sz="3200" dirty="0"/>
+              <a:t> permissions, which by default owned any object created by an admin.  The </a:t>
+            </a:r>
+            <a:r>
+              <a:rPr lang="en-US" sz="3200" dirty="0" err="1"/>
+              <a:t>dbo</a:t>
+            </a:r>
+            <a:r>
+              <a:rPr lang="en-US" sz="3200" dirty="0"/>
+              <a:t> user could not be deleted.</a:t>
+            </a:r>
+          </a:p>
+          <a:p>
+            <a:r>
+              <a:rPr lang="en-US" sz="3200" dirty="0"/>
+              <a:t>In SQL 2005 and above, </a:t>
+            </a:r>
+            <a:r>
+              <a:rPr lang="en-US" sz="3200" dirty="0" err="1"/>
+              <a:t>dbo</a:t>
+            </a:r>
+            <a:r>
+              <a:rPr lang="en-US" sz="3200" dirty="0"/>
+              <a:t> is the default schema and no longer a security object.  Saying a user has “</a:t>
+            </a:r>
+            <a:r>
+              <a:rPr lang="en-US" sz="3200" dirty="0" err="1"/>
+              <a:t>dbo</a:t>
+            </a:r>
+            <a:r>
+              <a:rPr lang="en-US" sz="3200" dirty="0"/>
+              <a:t> permissions” is incorrect.</a:t>
+            </a:r>
+            <a:br>
+              <a:rPr lang="en-US" sz="3200" dirty="0"/>
+            </a:br>
+            <a:endParaRPr lang="en-US" sz="3200" dirty="0"/>
+          </a:p>
+          <a:p>
+            <a:r>
+              <a:rPr lang="en-US" sz="3200" dirty="0"/>
+              <a:t>[</a:t>
+            </a:r>
+            <a:r>
+              <a:rPr lang="en-US" sz="3200" dirty="0" err="1"/>
+              <a:t>db_owner</a:t>
+            </a:r>
+            <a:r>
+              <a:rPr lang="en-US" sz="3200" dirty="0"/>
+              <a:t>] is just a user role with no server-level permissions.</a:t>
+            </a:r>
           </a:p>
         </p:txBody>
       </p:sp>
@@ -26723,7 +27343,7 @@
               <a:buNone/>
             </a:pPr>
             <a:r>
-              <a:rPr lang="en-US" sz="4000" b="1" cap="all" dirty="0">
+              <a:rPr lang="en-US" sz="4000" b="1" cap="all" dirty="0" err="1">
                 <a:solidFill>
                   <a:srgbClr val="3D156F"/>
                 </a:solidFill>
@@ -26731,15 +27351,23 @@
                 <a:ea typeface="+mj-ea"/>
                 <a:cs typeface="+mj-cs"/>
               </a:rPr>
-              <a:t>Schemas</a:t>
-            </a:r>
+              <a:t>dbo</a:t>
+            </a:r>
+            <a:endParaRPr lang="en-US" sz="4000" b="1" cap="all" dirty="0">
+              <a:solidFill>
+                <a:srgbClr val="3D156F"/>
+              </a:solidFill>
+              <a:latin typeface="+mj-lt"/>
+              <a:ea typeface="+mj-ea"/>
+              <a:cs typeface="+mj-cs"/>
+            </a:endParaRPr>
           </a:p>
         </p:txBody>
       </p:sp>
     </p:spTree>
     <p:extLst>
       <p:ext uri="{BB962C8B-B14F-4D97-AF65-F5344CB8AC3E}">
-        <p14:creationId xmlns:p14="http://schemas.microsoft.com/office/powerpoint/2010/main" val="2540603864"/>
+        <p14:creationId xmlns:p14="http://schemas.microsoft.com/office/powerpoint/2010/main" val="3698255014"/>
       </p:ext>
     </p:extLst>
   </p:cSld>
@@ -26779,354 +27407,94 @@
         <p:spPr>
           <a:xfrm>
             <a:off x="1524000" y="828676"/>
-            <a:ext cx="8229600" cy="5191125"/>
+            <a:ext cx="8229600" cy="5724524"/>
           </a:xfrm>
         </p:spPr>
         <p:txBody>
           <a:bodyPr>
-            <a:normAutofit/>
+            <a:normAutofit lnSpcReduction="10000"/>
           </a:bodyPr>
           <a:lstStyle/>
           <a:p>
             <a:r>
-              <a:rPr lang="en-US" b="0" dirty="0"/>
-              <a:t>Schemas can have owners and permissions to schemas can be granted to database principals.</a:t>
-            </a:r>
-          </a:p>
-          <a:p>
-            <a:endParaRPr lang="en-US" b="0" dirty="0"/>
-          </a:p>
-          <a:p>
-            <a:r>
-              <a:rPr lang="en-US" b="0" dirty="0"/>
-              <a:t>For example:	</a:t>
-            </a:r>
-          </a:p>
-          <a:p>
-            <a:pPr lvl="1"/>
-            <a:r>
-              <a:rPr lang="en-US" dirty="0">
+              <a:rPr lang="en-US" sz="3200" b="0" dirty="0"/>
+              <a:t>Microsoft has done away with the terminology of Users or Logins “owning” objects, such as databases and schemas.</a:t>
+            </a:r>
+          </a:p>
+          <a:p>
+            <a:endParaRPr lang="en-US" sz="3200" dirty="0"/>
+          </a:p>
+          <a:p>
+            <a:r>
+              <a:rPr lang="en-US" sz="3200" b="0" dirty="0"/>
+              <a:t>Changing the </a:t>
+            </a:r>
+            <a:r>
+              <a:rPr lang="en-US" sz="3200" dirty="0"/>
+              <a:t>AUTHORIZATION</a:t>
+            </a:r>
+            <a:r>
+              <a:rPr lang="en-US" sz="3200" b="0" dirty="0"/>
+              <a:t> is now the more accurate term to describe “ownership” of an object.  </a:t>
+            </a:r>
+          </a:p>
+          <a:p>
+            <a:endParaRPr lang="en-US" sz="3200" b="0" dirty="0"/>
+          </a:p>
+          <a:p>
+            <a:r>
+              <a:rPr lang="en-US" sz="3200" b="0" dirty="0"/>
+              <a:t>For example, </a:t>
+            </a:r>
+            <a:r>
+              <a:rPr lang="en-US" sz="3200" dirty="0" err="1"/>
+              <a:t>sp_changedbowner</a:t>
+            </a:r>
+            <a:r>
+              <a:rPr lang="en-US" sz="3200" dirty="0"/>
+              <a:t> </a:t>
+            </a:r>
+            <a:r>
+              <a:rPr lang="en-US" sz="3200" b="0" dirty="0"/>
+              <a:t>is deprecated, replaced by </a:t>
+            </a:r>
+          </a:p>
+          <a:p>
+            <a:pPr marL="0" indent="0">
+              <a:buNone/>
+            </a:pPr>
+            <a:r>
+              <a:rPr lang="en-US" sz="3200" dirty="0"/>
+              <a:t>	</a:t>
+            </a:r>
+            <a:r>
+              <a:rPr lang="en-US" sz="3200" dirty="0">
                 <a:solidFill>
                   <a:srgbClr val="0000FF"/>
                 </a:solidFill>
                 <a:latin typeface="Consolas" panose="020B0609020204030204" pitchFamily="49" charset="0"/>
               </a:rPr>
-              <a:t>CREATE</a:t>
-            </a:r>
-            <a:r>
-              <a:rPr lang="en-US" dirty="0">
-                <a:solidFill>
-                  <a:prstClr val="black"/>
+              <a:t> ALTER</a:t>
+            </a:r>
+            <a:r>
+              <a:rPr lang="en-US" sz="3200" dirty="0">
+                <a:solidFill>
+                  <a:srgbClr val="000000"/>
                 </a:solidFill>
                 <a:latin typeface="Consolas" panose="020B0609020204030204" pitchFamily="49" charset="0"/>
               </a:rPr>
               <a:t> </a:t>
             </a:r>
             <a:r>
-              <a:rPr lang="en-US" dirty="0">
+              <a:rPr lang="en-US" sz="3200" dirty="0">
                 <a:solidFill>
                   <a:srgbClr val="0000FF"/>
                 </a:solidFill>
                 <a:latin typeface="Consolas" panose="020B0609020204030204" pitchFamily="49" charset="0"/>
               </a:rPr>
-              <a:t>SCHEMA</a:t>
-            </a:r>
-            <a:r>
-              <a:rPr lang="en-US" dirty="0">
-                <a:solidFill>
-                  <a:prstClr val="black"/>
-                </a:solidFill>
-                <a:latin typeface="Consolas" panose="020B0609020204030204" pitchFamily="49" charset="0"/>
-              </a:rPr>
-              <a:t> [STAGING] </a:t>
-            </a:r>
-            <a:r>
-              <a:rPr lang="en-US" dirty="0">
-                <a:solidFill>
-                  <a:srgbClr val="0000FF"/>
-                </a:solidFill>
-                <a:latin typeface="Consolas" panose="020B0609020204030204" pitchFamily="49" charset="0"/>
-              </a:rPr>
               <a:t>AUTHORIZATION</a:t>
             </a:r>
-            <a:r>
-              <a:rPr lang="en-US" dirty="0">
-                <a:solidFill>
-                  <a:prstClr val="black"/>
-                </a:solidFill>
-                <a:latin typeface="Consolas" panose="020B0609020204030204" pitchFamily="49" charset="0"/>
-              </a:rPr>
-              <a:t> [</a:t>
-            </a:r>
-            <a:r>
-              <a:rPr lang="en-US" dirty="0" err="1">
-                <a:solidFill>
-                  <a:prstClr val="black"/>
-                </a:solidFill>
-                <a:latin typeface="Consolas" panose="020B0609020204030204" pitchFamily="49" charset="0"/>
-              </a:rPr>
-              <a:t>ETLAdminUser</a:t>
-            </a:r>
-            <a:r>
-              <a:rPr lang="en-US" dirty="0">
-                <a:solidFill>
-                  <a:prstClr val="black"/>
-                </a:solidFill>
-                <a:latin typeface="Consolas" panose="020B0609020204030204" pitchFamily="49" charset="0"/>
-              </a:rPr>
-              <a:t>]</a:t>
-            </a:r>
-            <a:r>
-              <a:rPr lang="en-US" dirty="0">
-                <a:solidFill>
-                  <a:srgbClr val="808080"/>
-                </a:solidFill>
-                <a:latin typeface="Consolas" panose="020B0609020204030204" pitchFamily="49" charset="0"/>
-              </a:rPr>
-              <a:t>;</a:t>
-            </a:r>
-            <a:endParaRPr lang="en-US" dirty="0">
-              <a:solidFill>
-                <a:prstClr val="black"/>
-              </a:solidFill>
-              <a:latin typeface="Consolas" panose="020B0609020204030204" pitchFamily="49" charset="0"/>
-            </a:endParaRPr>
-          </a:p>
-          <a:p>
-            <a:pPr lvl="1"/>
-            <a:r>
-              <a:rPr lang="en-US" dirty="0">
-                <a:solidFill>
-                  <a:srgbClr val="0000FF"/>
-                </a:solidFill>
-                <a:latin typeface="Consolas" panose="020B0609020204030204" pitchFamily="49" charset="0"/>
-              </a:rPr>
-              <a:t>CREATE</a:t>
-            </a:r>
-            <a:r>
-              <a:rPr lang="en-US" dirty="0">
-                <a:solidFill>
-                  <a:prstClr val="black"/>
-                </a:solidFill>
-                <a:latin typeface="Consolas" panose="020B0609020204030204" pitchFamily="49" charset="0"/>
-              </a:rPr>
-              <a:t> </a:t>
-            </a:r>
-            <a:r>
-              <a:rPr lang="en-US" dirty="0">
-                <a:solidFill>
-                  <a:srgbClr val="0000FF"/>
-                </a:solidFill>
-                <a:latin typeface="Consolas" panose="020B0609020204030204" pitchFamily="49" charset="0"/>
-              </a:rPr>
-              <a:t>TABLE</a:t>
-            </a:r>
-            <a:r>
-              <a:rPr lang="en-US" dirty="0">
-                <a:solidFill>
-                  <a:prstClr val="black"/>
-                </a:solidFill>
-                <a:latin typeface="Consolas" panose="020B0609020204030204" pitchFamily="49" charset="0"/>
-              </a:rPr>
-              <a:t> [STAGING]</a:t>
-            </a:r>
-            <a:r>
-              <a:rPr lang="en-US" dirty="0">
-                <a:solidFill>
-                  <a:srgbClr val="808080"/>
-                </a:solidFill>
-                <a:latin typeface="Consolas" panose="020B0609020204030204" pitchFamily="49" charset="0"/>
-              </a:rPr>
-              <a:t>.</a:t>
-            </a:r>
-            <a:r>
-              <a:rPr lang="en-US" dirty="0">
-                <a:solidFill>
-                  <a:prstClr val="black"/>
-                </a:solidFill>
-                <a:latin typeface="Consolas" panose="020B0609020204030204" pitchFamily="49" charset="0"/>
-              </a:rPr>
-              <a:t>[</a:t>
-            </a:r>
-            <a:r>
-              <a:rPr lang="en-US" dirty="0" err="1">
-                <a:solidFill>
-                  <a:prstClr val="black"/>
-                </a:solidFill>
-                <a:latin typeface="Consolas" panose="020B0609020204030204" pitchFamily="49" charset="0"/>
-              </a:rPr>
-              <a:t>AuditLog</a:t>
-            </a:r>
-            <a:r>
-              <a:rPr lang="en-US" dirty="0">
-                <a:solidFill>
-                  <a:prstClr val="black"/>
-                </a:solidFill>
-                <a:latin typeface="Consolas" panose="020B0609020204030204" pitchFamily="49" charset="0"/>
-              </a:rPr>
-              <a:t>]</a:t>
-            </a:r>
-            <a:r>
-              <a:rPr lang="en-US" dirty="0">
-                <a:solidFill>
-                  <a:srgbClr val="0000FF"/>
-                </a:solidFill>
-                <a:latin typeface="Consolas" panose="020B0609020204030204" pitchFamily="49" charset="0"/>
-              </a:rPr>
-              <a:t> </a:t>
-            </a:r>
-            <a:r>
-              <a:rPr lang="en-US" dirty="0">
-                <a:solidFill>
-                  <a:srgbClr val="808080"/>
-                </a:solidFill>
-                <a:latin typeface="Consolas" panose="020B0609020204030204" pitchFamily="49" charset="0"/>
-              </a:rPr>
-              <a:t>(</a:t>
-            </a:r>
-            <a:r>
-              <a:rPr lang="en-US" dirty="0">
-                <a:solidFill>
-                  <a:srgbClr val="FF0000"/>
-                </a:solidFill>
-                <a:latin typeface="Consolas" panose="020B0609020204030204" pitchFamily="49" charset="0"/>
-              </a:rPr>
-              <a:t>…</a:t>
-            </a:r>
-            <a:r>
-              <a:rPr lang="en-US" dirty="0">
-                <a:solidFill>
-                  <a:srgbClr val="808080"/>
-                </a:solidFill>
-                <a:latin typeface="Consolas" panose="020B0609020204030204" pitchFamily="49" charset="0"/>
-              </a:rPr>
-              <a:t>);</a:t>
-            </a:r>
-            <a:endParaRPr lang="en-US" dirty="0">
-              <a:solidFill>
-                <a:prstClr val="black"/>
-              </a:solidFill>
-              <a:latin typeface="Consolas" panose="020B0609020204030204" pitchFamily="49" charset="0"/>
-            </a:endParaRPr>
-          </a:p>
-          <a:p>
-            <a:pPr lvl="1"/>
-            <a:r>
-              <a:rPr lang="en-US" dirty="0">
-                <a:solidFill>
-                  <a:srgbClr val="0000FF"/>
-                </a:solidFill>
-                <a:latin typeface="Consolas" panose="020B0609020204030204" pitchFamily="49" charset="0"/>
-              </a:rPr>
-              <a:t>GRANT</a:t>
-            </a:r>
-            <a:r>
-              <a:rPr lang="en-US" dirty="0">
-                <a:solidFill>
-                  <a:prstClr val="black"/>
-                </a:solidFill>
-                <a:latin typeface="Consolas" panose="020B0609020204030204" pitchFamily="49" charset="0"/>
-              </a:rPr>
-              <a:t> </a:t>
-            </a:r>
-            <a:r>
-              <a:rPr lang="en-US" dirty="0">
-                <a:solidFill>
-                  <a:srgbClr val="0000FF"/>
-                </a:solidFill>
-                <a:latin typeface="Consolas" panose="020B0609020204030204" pitchFamily="49" charset="0"/>
-              </a:rPr>
-              <a:t>SELECT</a:t>
-            </a:r>
-            <a:r>
-              <a:rPr lang="en-US" dirty="0">
-                <a:solidFill>
-                  <a:prstClr val="black"/>
-                </a:solidFill>
-                <a:latin typeface="Consolas" panose="020B0609020204030204" pitchFamily="49" charset="0"/>
-              </a:rPr>
-              <a:t> </a:t>
-            </a:r>
-            <a:r>
-              <a:rPr lang="en-US" dirty="0">
-                <a:solidFill>
-                  <a:srgbClr val="0000FF"/>
-                </a:solidFill>
-                <a:latin typeface="Consolas" panose="020B0609020204030204" pitchFamily="49" charset="0"/>
-              </a:rPr>
-              <a:t>ON</a:t>
-            </a:r>
-            <a:r>
-              <a:rPr lang="en-US" dirty="0">
-                <a:solidFill>
-                  <a:prstClr val="black"/>
-                </a:solidFill>
-                <a:latin typeface="Consolas" panose="020B0609020204030204" pitchFamily="49" charset="0"/>
-              </a:rPr>
-              <a:t> [STAGING] </a:t>
-            </a:r>
-            <a:r>
-              <a:rPr lang="en-US" dirty="0">
-                <a:solidFill>
-                  <a:srgbClr val="0000FF"/>
-                </a:solidFill>
-                <a:latin typeface="Consolas" panose="020B0609020204030204" pitchFamily="49" charset="0"/>
-              </a:rPr>
-              <a:t>TO</a:t>
-            </a:r>
-            <a:r>
-              <a:rPr lang="en-US" dirty="0">
-                <a:solidFill>
-                  <a:prstClr val="black"/>
-                </a:solidFill>
-                <a:latin typeface="Consolas" panose="020B0609020204030204" pitchFamily="49" charset="0"/>
-              </a:rPr>
-              <a:t> [</a:t>
-            </a:r>
-            <a:r>
-              <a:rPr lang="en-US" dirty="0" err="1">
-                <a:solidFill>
-                  <a:prstClr val="black"/>
-                </a:solidFill>
-                <a:latin typeface="Consolas" panose="020B0609020204030204" pitchFamily="49" charset="0"/>
-              </a:rPr>
-              <a:t>ETLReadOnlyUser</a:t>
-            </a:r>
-            <a:r>
-              <a:rPr lang="en-US" dirty="0">
-                <a:solidFill>
-                  <a:prstClr val="black"/>
-                </a:solidFill>
-                <a:latin typeface="Consolas" panose="020B0609020204030204" pitchFamily="49" charset="0"/>
-              </a:rPr>
-              <a:t>]</a:t>
-            </a:r>
-            <a:r>
-              <a:rPr lang="en-US" dirty="0">
-                <a:solidFill>
-                  <a:srgbClr val="808080"/>
-                </a:solidFill>
-                <a:latin typeface="Consolas" panose="020B0609020204030204" pitchFamily="49" charset="0"/>
-              </a:rPr>
-              <a:t>;</a:t>
-            </a:r>
-            <a:endParaRPr lang="en-US" dirty="0">
-              <a:solidFill>
-                <a:prstClr val="black"/>
-              </a:solidFill>
-              <a:latin typeface="Consolas" panose="020B0609020204030204" pitchFamily="49" charset="0"/>
-            </a:endParaRPr>
-          </a:p>
-          <a:p>
-            <a:endParaRPr lang="en-US" sz="3200" dirty="0">
-              <a:solidFill>
-                <a:prstClr val="black"/>
-              </a:solidFill>
-              <a:latin typeface="Consolas" panose="020B0609020204030204" pitchFamily="49" charset="0"/>
-            </a:endParaRPr>
-          </a:p>
-          <a:p>
-            <a:endParaRPr lang="en-US" dirty="0"/>
+            <a:endParaRPr lang="en-US" sz="3200" b="0" dirty="0"/>
           </a:p>
         </p:txBody>
       </p:sp>
@@ -27301,7 +27669,7 @@
                 <a:ea typeface="+mj-ea"/>
                 <a:cs typeface="+mj-cs"/>
               </a:rPr>
-              <a:t>schemas</a:t>
+              <a:t>ownership</a:t>
             </a:r>
           </a:p>
         </p:txBody>
@@ -27309,7 +27677,7 @@
     </p:spTree>
     <p:extLst>
       <p:ext uri="{BB962C8B-B14F-4D97-AF65-F5344CB8AC3E}">
-        <p14:creationId xmlns:p14="http://schemas.microsoft.com/office/powerpoint/2010/main" val="1872781745"/>
+        <p14:creationId xmlns:p14="http://schemas.microsoft.com/office/powerpoint/2010/main" val="1340801143"/>
       </p:ext>
     </p:extLst>
   </p:cSld>
@@ -27320,7 +27688,7 @@
 </file>
 
 <file path=ppt/slides/slide56.xml><?xml version="1.0" encoding="utf-8"?>
-<p:sld xmlns:a="http://schemas.openxmlformats.org/drawingml/2006/main" xmlns:r="http://schemas.openxmlformats.org/officeDocument/2006/relationships" xmlns:p="http://schemas.openxmlformats.org/presentationml/2006/main">
+<p:sld xmlns:a="http://schemas.openxmlformats.org/drawingml/2006/main" xmlns:r="http://schemas.openxmlformats.org/officeDocument/2006/relationships" xmlns:p="http://schemas.openxmlformats.org/presentationml/2006/main" showMasterSp="0">
   <p:cSld>
     <p:spTree>
       <p:nvGrpSpPr>
@@ -27348,47 +27716,110 @@
         </p:nvSpPr>
         <p:spPr>
           <a:xfrm>
-            <a:off x="1676400" y="990600"/>
-            <a:ext cx="9448800" cy="5486400"/>
+            <a:off x="1676400" y="1066801"/>
+            <a:ext cx="8229600" cy="5191125"/>
           </a:xfrm>
         </p:spPr>
         <p:txBody>
           <a:bodyPr>
-            <a:normAutofit/>
+            <a:normAutofit lnSpcReduction="10000"/>
           </a:bodyPr>
           <a:lstStyle/>
           <a:p>
             <a:r>
-              <a:rPr lang="en-US" sz="3200" dirty="0"/>
-              <a:t>Every login and user is a member of “public”.</a:t>
-            </a:r>
-          </a:p>
-          <a:p>
-            <a:pPr marL="342900" lvl="1" indent="-342900"/>
-            <a:r>
-              <a:rPr lang="en-US" sz="3200" dirty="0"/>
-              <a:t>Public is a server role that should never be granted any additional permissions, authorization or ownership. </a:t>
-            </a:r>
-          </a:p>
-          <a:p>
-            <a:pPr marL="342900" lvl="1" indent="-342900"/>
-            <a:r>
-              <a:rPr lang="en-US" sz="3200" dirty="0"/>
-              <a:t>Every database user/roles belongs to a public database role. </a:t>
-            </a:r>
-          </a:p>
-          <a:p>
-            <a:pPr marL="342900" lvl="1" indent="-342900"/>
-            <a:r>
-              <a:rPr lang="en-US" sz="3200" dirty="0"/>
-              <a:t>When a user has not been granted or denied specific permissions on a securable, the user inherits the permissions granted to public. </a:t>
+              <a:rPr lang="en-US" b="0" dirty="0"/>
+              <a:t>A schema is a securable container </a:t>
+            </a:r>
+          </a:p>
+          <a:p>
+            <a:r>
+              <a:rPr lang="en-US" b="0" dirty="0"/>
+              <a:t>It contains database of objects, by default objects are inside the internal “</a:t>
+            </a:r>
+            <a:r>
+              <a:rPr lang="en-US" b="0" dirty="0" err="1"/>
+              <a:t>dbo</a:t>
+            </a:r>
+            <a:r>
+              <a:rPr lang="en-US" b="0" dirty="0"/>
+              <a:t>” schema.</a:t>
+            </a:r>
+          </a:p>
+          <a:p>
+            <a:endParaRPr lang="en-US" b="0" dirty="0"/>
+          </a:p>
+          <a:p>
+            <a:r>
+              <a:rPr lang="en-US" b="0" dirty="0"/>
+              <a:t>Additional user schemas can be created.  Permissions can be granted to schemas as a set.</a:t>
             </a:r>
           </a:p>
           <a:p>
             <a:pPr marL="0" indent="0">
               <a:buNone/>
             </a:pPr>
-            <a:endParaRPr lang="en-US" sz="3200" dirty="0"/>
+            <a:r>
+              <a:rPr lang="en-US" b="0" dirty="0"/>
+              <a:t>Examples: </a:t>
+            </a:r>
+          </a:p>
+          <a:p>
+            <a:r>
+              <a:rPr lang="en-US" dirty="0"/>
+              <a:t> </a:t>
+            </a:r>
+            <a:r>
+              <a:rPr lang="en-US" b="0" dirty="0"/>
+              <a:t>logical </a:t>
+            </a:r>
+            <a:r>
+              <a:rPr lang="en-US" b="0" dirty="0">
+                <a:solidFill>
+                  <a:srgbClr val="7030A0"/>
+                </a:solidFill>
+              </a:rPr>
+              <a:t>[Staging], [ODS], [Audit], [WH]</a:t>
+            </a:r>
+          </a:p>
+          <a:p>
+            <a:r>
+              <a:rPr lang="en-US" b="0" dirty="0"/>
+              <a:t>	business </a:t>
+            </a:r>
+            <a:r>
+              <a:rPr lang="en-US" b="0" dirty="0">
+                <a:solidFill>
+                  <a:srgbClr val="7030A0"/>
+                </a:solidFill>
+              </a:rPr>
+              <a:t>[Sales], [HR], [Acct], [</a:t>
+            </a:r>
+            <a:r>
+              <a:rPr lang="en-US" b="0" dirty="0" err="1">
+                <a:solidFill>
+                  <a:srgbClr val="7030A0"/>
+                </a:solidFill>
+              </a:rPr>
+              <a:t>Inv</a:t>
+            </a:r>
+            <a:r>
+              <a:rPr lang="en-US" b="0" dirty="0">
+                <a:solidFill>
+                  <a:srgbClr val="7030A0"/>
+                </a:solidFill>
+              </a:rPr>
+              <a:t>]</a:t>
+            </a:r>
+          </a:p>
+          <a:p>
+            <a:pPr marL="0" indent="0">
+              <a:buNone/>
+            </a:pPr>
+            <a:endParaRPr lang="en-US" b="0" dirty="0">
+              <a:solidFill>
+                <a:srgbClr val="7030A0"/>
+              </a:solidFill>
+            </a:endParaRPr>
           </a:p>
         </p:txBody>
       </p:sp>
@@ -27563,7 +27994,7 @@
                 <a:ea typeface="+mj-ea"/>
                 <a:cs typeface="+mj-cs"/>
               </a:rPr>
-              <a:t>PUBLIC</a:t>
+              <a:t>Schemas</a:t>
             </a:r>
           </a:p>
         </p:txBody>
@@ -27571,7 +28002,7 @@
     </p:spTree>
     <p:extLst>
       <p:ext uri="{BB962C8B-B14F-4D97-AF65-F5344CB8AC3E}">
-        <p14:creationId xmlns:p14="http://schemas.microsoft.com/office/powerpoint/2010/main" val="1579007202"/>
+        <p14:creationId xmlns:p14="http://schemas.microsoft.com/office/powerpoint/2010/main" val="2540603864"/>
       </p:ext>
     </p:extLst>
   </p:cSld>
@@ -27582,7 +28013,7 @@
 </file>
 
 <file path=ppt/slides/slide57.xml><?xml version="1.0" encoding="utf-8"?>
-<p:sld xmlns:a="http://schemas.openxmlformats.org/drawingml/2006/main" xmlns:r="http://schemas.openxmlformats.org/officeDocument/2006/relationships" xmlns:p="http://schemas.openxmlformats.org/presentationml/2006/main">
+<p:sld xmlns:a="http://schemas.openxmlformats.org/drawingml/2006/main" xmlns:r="http://schemas.openxmlformats.org/officeDocument/2006/relationships" xmlns:p="http://schemas.openxmlformats.org/presentationml/2006/main" showMasterSp="0">
   <p:cSld>
     <p:spTree>
       <p:nvGrpSpPr>
@@ -27610,59 +28041,355 @@
         </p:nvSpPr>
         <p:spPr>
           <a:xfrm>
-            <a:off x="1676400" y="990600"/>
-            <a:ext cx="9448800" cy="5486400"/>
+            <a:off x="1524000" y="828676"/>
+            <a:ext cx="8229600" cy="5191125"/>
           </a:xfrm>
         </p:spPr>
         <p:txBody>
           <a:bodyPr>
-            <a:normAutofit lnSpcReduction="10000"/>
+            <a:normAutofit/>
           </a:bodyPr>
           <a:lstStyle/>
           <a:p>
             <a:r>
-              <a:rPr lang="en-US" sz="3600" dirty="0"/>
-              <a:t>Check for this. </a:t>
-            </a:r>
-          </a:p>
-          <a:p>
-            <a:r>
-              <a:rPr lang="en-US" sz="3600" b="1" dirty="0"/>
-              <a:t>Toolbox: public </a:t>
-            </a:r>
-            <a:r>
-              <a:rPr lang="en-US" sz="3600" b="1" dirty="0" err="1"/>
-              <a:t>permissions.sql</a:t>
-            </a:r>
-            <a:endParaRPr lang="en-US" sz="3600" dirty="0"/>
-          </a:p>
-          <a:p>
-            <a:r>
-              <a:rPr lang="en-US" sz="3600" dirty="0"/>
-              <a:t>Permissions assigned to the public role is a </a:t>
-            </a:r>
-            <a:r>
-              <a:rPr lang="en-US" sz="3600" b="1" dirty="0"/>
-              <a:t>clear sign of lazy developers.</a:t>
-            </a:r>
-          </a:p>
-          <a:p>
-            <a:r>
-              <a:rPr lang="en-US" sz="3600" dirty="0"/>
-              <a:t>There are software vendors who have used public to easily grant access to all current and future logins. Watch out for this. </a:t>
-            </a:r>
-          </a:p>
-          <a:p>
-            <a:r>
-              <a:rPr lang="en-US" sz="3600" dirty="0"/>
-              <a:t>The strategy to undo a security architecture based around public is actually pretty complicated, involves lots of testing.</a:t>
-            </a:r>
-          </a:p>
-          <a:p>
-            <a:endParaRPr lang="en-US" sz="3600" dirty="0"/>
-          </a:p>
-          <a:p>
-            <a:endParaRPr lang="en-US" sz="3600" dirty="0"/>
+              <a:rPr lang="en-US" b="0" dirty="0"/>
+              <a:t>Schemas can have owners and permissions to schemas can be granted to database principals.</a:t>
+            </a:r>
+          </a:p>
+          <a:p>
+            <a:endParaRPr lang="en-US" b="0" dirty="0"/>
+          </a:p>
+          <a:p>
+            <a:r>
+              <a:rPr lang="en-US" b="0" dirty="0"/>
+              <a:t>For example:	</a:t>
+            </a:r>
+          </a:p>
+          <a:p>
+            <a:pPr lvl="1"/>
+            <a:r>
+              <a:rPr lang="en-US" dirty="0">
+                <a:solidFill>
+                  <a:srgbClr val="0000FF"/>
+                </a:solidFill>
+                <a:latin typeface="Consolas" panose="020B0609020204030204" pitchFamily="49" charset="0"/>
+              </a:rPr>
+              <a:t>CREATE</a:t>
+            </a:r>
+            <a:r>
+              <a:rPr lang="en-US" dirty="0">
+                <a:solidFill>
+                  <a:prstClr val="black"/>
+                </a:solidFill>
+                <a:latin typeface="Consolas" panose="020B0609020204030204" pitchFamily="49" charset="0"/>
+              </a:rPr>
+              <a:t> </a:t>
+            </a:r>
+            <a:r>
+              <a:rPr lang="en-US" dirty="0">
+                <a:solidFill>
+                  <a:srgbClr val="0000FF"/>
+                </a:solidFill>
+                <a:latin typeface="Consolas" panose="020B0609020204030204" pitchFamily="49" charset="0"/>
+              </a:rPr>
+              <a:t>SCHEMA</a:t>
+            </a:r>
+            <a:r>
+              <a:rPr lang="en-US" dirty="0">
+                <a:solidFill>
+                  <a:prstClr val="black"/>
+                </a:solidFill>
+                <a:latin typeface="Consolas" panose="020B0609020204030204" pitchFamily="49" charset="0"/>
+              </a:rPr>
+              <a:t> [STAGING] </a:t>
+            </a:r>
+            <a:r>
+              <a:rPr lang="en-US" dirty="0">
+                <a:solidFill>
+                  <a:srgbClr val="0000FF"/>
+                </a:solidFill>
+                <a:latin typeface="Consolas" panose="020B0609020204030204" pitchFamily="49" charset="0"/>
+              </a:rPr>
+              <a:t>AUTHORIZATION</a:t>
+            </a:r>
+            <a:r>
+              <a:rPr lang="en-US" dirty="0">
+                <a:solidFill>
+                  <a:prstClr val="black"/>
+                </a:solidFill>
+                <a:latin typeface="Consolas" panose="020B0609020204030204" pitchFamily="49" charset="0"/>
+              </a:rPr>
+              <a:t> [</a:t>
+            </a:r>
+            <a:r>
+              <a:rPr lang="en-US" dirty="0" err="1">
+                <a:solidFill>
+                  <a:prstClr val="black"/>
+                </a:solidFill>
+                <a:latin typeface="Consolas" panose="020B0609020204030204" pitchFamily="49" charset="0"/>
+              </a:rPr>
+              <a:t>ETLAdminUser</a:t>
+            </a:r>
+            <a:r>
+              <a:rPr lang="en-US" dirty="0">
+                <a:solidFill>
+                  <a:prstClr val="black"/>
+                </a:solidFill>
+                <a:latin typeface="Consolas" panose="020B0609020204030204" pitchFamily="49" charset="0"/>
+              </a:rPr>
+              <a:t>]</a:t>
+            </a:r>
+            <a:r>
+              <a:rPr lang="en-US" dirty="0">
+                <a:solidFill>
+                  <a:srgbClr val="808080"/>
+                </a:solidFill>
+                <a:latin typeface="Consolas" panose="020B0609020204030204" pitchFamily="49" charset="0"/>
+              </a:rPr>
+              <a:t>;</a:t>
+            </a:r>
+            <a:endParaRPr lang="en-US" dirty="0">
+              <a:solidFill>
+                <a:prstClr val="black"/>
+              </a:solidFill>
+              <a:latin typeface="Consolas" panose="020B0609020204030204" pitchFamily="49" charset="0"/>
+            </a:endParaRPr>
+          </a:p>
+          <a:p>
+            <a:pPr lvl="1"/>
+            <a:r>
+              <a:rPr lang="en-US" dirty="0">
+                <a:solidFill>
+                  <a:srgbClr val="0000FF"/>
+                </a:solidFill>
+                <a:latin typeface="Consolas" panose="020B0609020204030204" pitchFamily="49" charset="0"/>
+              </a:rPr>
+              <a:t>CREATE</a:t>
+            </a:r>
+            <a:r>
+              <a:rPr lang="en-US" dirty="0">
+                <a:solidFill>
+                  <a:prstClr val="black"/>
+                </a:solidFill>
+                <a:latin typeface="Consolas" panose="020B0609020204030204" pitchFamily="49" charset="0"/>
+              </a:rPr>
+              <a:t> </a:t>
+            </a:r>
+            <a:r>
+              <a:rPr lang="en-US" dirty="0">
+                <a:solidFill>
+                  <a:srgbClr val="0000FF"/>
+                </a:solidFill>
+                <a:latin typeface="Consolas" panose="020B0609020204030204" pitchFamily="49" charset="0"/>
+              </a:rPr>
+              <a:t>TABLE</a:t>
+            </a:r>
+            <a:r>
+              <a:rPr lang="en-US" dirty="0">
+                <a:solidFill>
+                  <a:prstClr val="black"/>
+                </a:solidFill>
+                <a:latin typeface="Consolas" panose="020B0609020204030204" pitchFamily="49" charset="0"/>
+              </a:rPr>
+              <a:t> [STAGING]</a:t>
+            </a:r>
+            <a:r>
+              <a:rPr lang="en-US" dirty="0">
+                <a:solidFill>
+                  <a:srgbClr val="808080"/>
+                </a:solidFill>
+                <a:latin typeface="Consolas" panose="020B0609020204030204" pitchFamily="49" charset="0"/>
+              </a:rPr>
+              <a:t>.</a:t>
+            </a:r>
+            <a:r>
+              <a:rPr lang="en-US" dirty="0">
+                <a:solidFill>
+                  <a:prstClr val="black"/>
+                </a:solidFill>
+                <a:latin typeface="Consolas" panose="020B0609020204030204" pitchFamily="49" charset="0"/>
+              </a:rPr>
+              <a:t>[</a:t>
+            </a:r>
+            <a:r>
+              <a:rPr lang="en-US" dirty="0" err="1">
+                <a:solidFill>
+                  <a:prstClr val="black"/>
+                </a:solidFill>
+                <a:latin typeface="Consolas" panose="020B0609020204030204" pitchFamily="49" charset="0"/>
+              </a:rPr>
+              <a:t>AuditLog</a:t>
+            </a:r>
+            <a:r>
+              <a:rPr lang="en-US" dirty="0">
+                <a:solidFill>
+                  <a:prstClr val="black"/>
+                </a:solidFill>
+                <a:latin typeface="Consolas" panose="020B0609020204030204" pitchFamily="49" charset="0"/>
+              </a:rPr>
+              <a:t>]</a:t>
+            </a:r>
+            <a:r>
+              <a:rPr lang="en-US" dirty="0">
+                <a:solidFill>
+                  <a:srgbClr val="0000FF"/>
+                </a:solidFill>
+                <a:latin typeface="Consolas" panose="020B0609020204030204" pitchFamily="49" charset="0"/>
+              </a:rPr>
+              <a:t> </a:t>
+            </a:r>
+            <a:r>
+              <a:rPr lang="en-US" dirty="0">
+                <a:solidFill>
+                  <a:srgbClr val="808080"/>
+                </a:solidFill>
+                <a:latin typeface="Consolas" panose="020B0609020204030204" pitchFamily="49" charset="0"/>
+              </a:rPr>
+              <a:t>(</a:t>
+            </a:r>
+            <a:r>
+              <a:rPr lang="en-US" dirty="0">
+                <a:solidFill>
+                  <a:srgbClr val="FF0000"/>
+                </a:solidFill>
+                <a:latin typeface="Consolas" panose="020B0609020204030204" pitchFamily="49" charset="0"/>
+              </a:rPr>
+              <a:t>…</a:t>
+            </a:r>
+            <a:r>
+              <a:rPr lang="en-US" dirty="0">
+                <a:solidFill>
+                  <a:srgbClr val="808080"/>
+                </a:solidFill>
+                <a:latin typeface="Consolas" panose="020B0609020204030204" pitchFamily="49" charset="0"/>
+              </a:rPr>
+              <a:t>);</a:t>
+            </a:r>
+            <a:endParaRPr lang="en-US" dirty="0">
+              <a:solidFill>
+                <a:prstClr val="black"/>
+              </a:solidFill>
+              <a:latin typeface="Consolas" panose="020B0609020204030204" pitchFamily="49" charset="0"/>
+            </a:endParaRPr>
+          </a:p>
+          <a:p>
+            <a:pPr lvl="1"/>
+            <a:r>
+              <a:rPr lang="en-US" dirty="0">
+                <a:solidFill>
+                  <a:srgbClr val="0000FF"/>
+                </a:solidFill>
+                <a:latin typeface="Consolas" panose="020B0609020204030204" pitchFamily="49" charset="0"/>
+              </a:rPr>
+              <a:t>GRANT</a:t>
+            </a:r>
+            <a:r>
+              <a:rPr lang="en-US" dirty="0">
+                <a:solidFill>
+                  <a:prstClr val="black"/>
+                </a:solidFill>
+                <a:latin typeface="Consolas" panose="020B0609020204030204" pitchFamily="49" charset="0"/>
+              </a:rPr>
+              <a:t> </a:t>
+            </a:r>
+            <a:r>
+              <a:rPr lang="en-US" dirty="0">
+                <a:solidFill>
+                  <a:srgbClr val="0000FF"/>
+                </a:solidFill>
+                <a:latin typeface="Consolas" panose="020B0609020204030204" pitchFamily="49" charset="0"/>
+              </a:rPr>
+              <a:t>SELECT</a:t>
+            </a:r>
+            <a:r>
+              <a:rPr lang="en-US" dirty="0">
+                <a:solidFill>
+                  <a:prstClr val="black"/>
+                </a:solidFill>
+                <a:latin typeface="Consolas" panose="020B0609020204030204" pitchFamily="49" charset="0"/>
+              </a:rPr>
+              <a:t> </a:t>
+            </a:r>
+            <a:r>
+              <a:rPr lang="en-US" dirty="0">
+                <a:solidFill>
+                  <a:srgbClr val="0000FF"/>
+                </a:solidFill>
+                <a:latin typeface="Consolas" panose="020B0609020204030204" pitchFamily="49" charset="0"/>
+              </a:rPr>
+              <a:t>ON</a:t>
+            </a:r>
+            <a:r>
+              <a:rPr lang="en-US" dirty="0">
+                <a:solidFill>
+                  <a:prstClr val="black"/>
+                </a:solidFill>
+                <a:latin typeface="Consolas" panose="020B0609020204030204" pitchFamily="49" charset="0"/>
+              </a:rPr>
+              <a:t> [STAGING] </a:t>
+            </a:r>
+            <a:r>
+              <a:rPr lang="en-US" dirty="0">
+                <a:solidFill>
+                  <a:srgbClr val="0000FF"/>
+                </a:solidFill>
+                <a:latin typeface="Consolas" panose="020B0609020204030204" pitchFamily="49" charset="0"/>
+              </a:rPr>
+              <a:t>TO</a:t>
+            </a:r>
+            <a:r>
+              <a:rPr lang="en-US" dirty="0">
+                <a:solidFill>
+                  <a:prstClr val="black"/>
+                </a:solidFill>
+                <a:latin typeface="Consolas" panose="020B0609020204030204" pitchFamily="49" charset="0"/>
+              </a:rPr>
+              <a:t> [</a:t>
+            </a:r>
+            <a:r>
+              <a:rPr lang="en-US" dirty="0" err="1">
+                <a:solidFill>
+                  <a:prstClr val="black"/>
+                </a:solidFill>
+                <a:latin typeface="Consolas" panose="020B0609020204030204" pitchFamily="49" charset="0"/>
+              </a:rPr>
+              <a:t>ETLReadOnlyUser</a:t>
+            </a:r>
+            <a:r>
+              <a:rPr lang="en-US" dirty="0">
+                <a:solidFill>
+                  <a:prstClr val="black"/>
+                </a:solidFill>
+                <a:latin typeface="Consolas" panose="020B0609020204030204" pitchFamily="49" charset="0"/>
+              </a:rPr>
+              <a:t>]</a:t>
+            </a:r>
+            <a:r>
+              <a:rPr lang="en-US" dirty="0">
+                <a:solidFill>
+                  <a:srgbClr val="808080"/>
+                </a:solidFill>
+                <a:latin typeface="Consolas" panose="020B0609020204030204" pitchFamily="49" charset="0"/>
+              </a:rPr>
+              <a:t>;</a:t>
+            </a:r>
+            <a:endParaRPr lang="en-US" dirty="0">
+              <a:solidFill>
+                <a:prstClr val="black"/>
+              </a:solidFill>
+              <a:latin typeface="Consolas" panose="020B0609020204030204" pitchFamily="49" charset="0"/>
+            </a:endParaRPr>
+          </a:p>
+          <a:p>
+            <a:endParaRPr lang="en-US" sz="3200" dirty="0">
+              <a:solidFill>
+                <a:prstClr val="black"/>
+              </a:solidFill>
+              <a:latin typeface="Consolas" panose="020B0609020204030204" pitchFamily="49" charset="0"/>
+            </a:endParaRPr>
+          </a:p>
+          <a:p>
+            <a:endParaRPr lang="en-US" dirty="0"/>
           </a:p>
         </p:txBody>
       </p:sp>
@@ -27837,7 +28564,7 @@
                 <a:ea typeface="+mj-ea"/>
                 <a:cs typeface="+mj-cs"/>
               </a:rPr>
-              <a:t>PUBLIC</a:t>
+              <a:t>schemas</a:t>
             </a:r>
           </a:p>
         </p:txBody>
@@ -27845,7 +28572,7 @@
     </p:spTree>
     <p:extLst>
       <p:ext uri="{BB962C8B-B14F-4D97-AF65-F5344CB8AC3E}">
-        <p14:creationId xmlns:p14="http://schemas.microsoft.com/office/powerpoint/2010/main" val="3346959954"/>
+        <p14:creationId xmlns:p14="http://schemas.microsoft.com/office/powerpoint/2010/main" val="1872781745"/>
       </p:ext>
     </p:extLst>
   </p:cSld>
@@ -27884,49 +28611,47 @@
         </p:nvSpPr>
         <p:spPr>
           <a:xfrm>
-            <a:off x="1676400" y="762000"/>
-            <a:ext cx="8610600" cy="5486400"/>
+            <a:off x="1676400" y="990600"/>
+            <a:ext cx="9448800" cy="5486400"/>
           </a:xfrm>
         </p:spPr>
         <p:txBody>
           <a:bodyPr>
-            <a:normAutofit lnSpcReduction="10000"/>
+            <a:normAutofit/>
           </a:bodyPr>
           <a:lstStyle/>
           <a:p>
             <a:r>
-              <a:rPr lang="en-US" sz="3600" dirty="0"/>
-              <a:t>Check for this. </a:t>
-            </a:r>
-          </a:p>
-          <a:p>
-            <a:r>
-              <a:rPr lang="en-US" sz="3600" b="1" dirty="0"/>
-              <a:t>Toolbox: guest </a:t>
-            </a:r>
-            <a:r>
-              <a:rPr lang="en-US" sz="3600" b="1" dirty="0" err="1"/>
-              <a:t>permissions.sql</a:t>
-            </a:r>
-            <a:endParaRPr lang="en-US" sz="3600" dirty="0"/>
-          </a:p>
-          <a:p>
-            <a:r>
-              <a:rPr lang="en-US" sz="3600" dirty="0"/>
-              <a:t>The GUEST account permissions are granted to any login who does not have a mapped user in the database.</a:t>
-            </a:r>
-          </a:p>
-          <a:p>
-            <a:r>
-              <a:rPr lang="en-US" sz="3600" dirty="0"/>
-              <a:t>For what should be very obvious reasons, never grant any permissions, even CONNECT, to GUEST, unless you understand what you’re doing.</a:t>
-            </a:r>
-          </a:p>
-          <a:p>
-            <a:r>
-              <a:rPr lang="en-US" sz="3600" dirty="0"/>
-              <a:t>Not a secure solution for future access.</a:t>
-            </a:r>
+              <a:rPr lang="en-US" sz="3200" dirty="0"/>
+              <a:t>Every login and user is a member of “public”.</a:t>
+            </a:r>
+          </a:p>
+          <a:p>
+            <a:pPr marL="342900" lvl="1" indent="-342900"/>
+            <a:r>
+              <a:rPr lang="en-US" sz="3200" dirty="0"/>
+              <a:t>Public is a server role that should never be granted any additional permissions, authorization or ownership. </a:t>
+            </a:r>
+          </a:p>
+          <a:p>
+            <a:pPr marL="342900" lvl="1" indent="-342900"/>
+            <a:r>
+              <a:rPr lang="en-US" sz="3200" dirty="0"/>
+              <a:t>Every database user/roles belongs to a public database role. </a:t>
+            </a:r>
+          </a:p>
+          <a:p>
+            <a:pPr marL="342900" lvl="1" indent="-342900"/>
+            <a:r>
+              <a:rPr lang="en-US" sz="3200" dirty="0"/>
+              <a:t>When a user has not been granted or denied specific permissions on a securable, the user inherits the permissions granted to public. </a:t>
+            </a:r>
+          </a:p>
+          <a:p>
+            <a:pPr marL="0" indent="0">
+              <a:buNone/>
+            </a:pPr>
+            <a:endParaRPr lang="en-US" sz="3200" dirty="0"/>
           </a:p>
         </p:txBody>
       </p:sp>
@@ -28101,7 +28826,7 @@
                 <a:ea typeface="+mj-ea"/>
                 <a:cs typeface="+mj-cs"/>
               </a:rPr>
-              <a:t>GUEST</a:t>
+              <a:t>PUBLIC</a:t>
             </a:r>
           </a:p>
         </p:txBody>
@@ -28109,7 +28834,7 @@
     </p:spTree>
     <p:extLst>
       <p:ext uri="{BB962C8B-B14F-4D97-AF65-F5344CB8AC3E}">
-        <p14:creationId xmlns:p14="http://schemas.microsoft.com/office/powerpoint/2010/main" val="2798895100"/>
+        <p14:creationId xmlns:p14="http://schemas.microsoft.com/office/powerpoint/2010/main" val="1579007202"/>
       </p:ext>
     </p:extLst>
   </p:cSld>
@@ -28120,7 +28845,7 @@
 </file>
 
 <file path=ppt/slides/slide59.xml><?xml version="1.0" encoding="utf-8"?>
-<p:sld xmlns:a="http://schemas.openxmlformats.org/drawingml/2006/main" xmlns:r="http://schemas.openxmlformats.org/officeDocument/2006/relationships" xmlns:p="http://schemas.openxmlformats.org/presentationml/2006/main" showMasterSp="0">
+<p:sld xmlns:a="http://schemas.openxmlformats.org/drawingml/2006/main" xmlns:r="http://schemas.openxmlformats.org/officeDocument/2006/relationships" xmlns:p="http://schemas.openxmlformats.org/presentationml/2006/main">
   <p:cSld>
     <p:spTree>
       <p:nvGrpSpPr>
@@ -28148,34 +28873,59 @@
         </p:nvSpPr>
         <p:spPr>
           <a:xfrm>
-            <a:off x="1524000" y="1066801"/>
-            <a:ext cx="8229600" cy="5191125"/>
+            <a:off x="1676400" y="990600"/>
+            <a:ext cx="9448800" cy="5486400"/>
           </a:xfrm>
         </p:spPr>
         <p:txBody>
           <a:bodyPr>
-            <a:noAutofit/>
+            <a:normAutofit lnSpcReduction="10000"/>
           </a:bodyPr>
           <a:lstStyle/>
           <a:p>
             <a:r>
-              <a:rPr lang="en-US" sz="3200" dirty="0"/>
-              <a:t>A </a:t>
-            </a:r>
-            <a:r>
-              <a:rPr lang="en-US" sz="3200" dirty="0" err="1"/>
-              <a:t>sproc</a:t>
-            </a:r>
-            <a:r>
-              <a:rPr lang="en-US" sz="3200" dirty="0"/>
-              <a:t>/view can return data from a table in another database without permissions, if the two databases share the same owner login, by enabling Cross-Database Ownership Chaining on both databases.</a:t>
-            </a:r>
-          </a:p>
-          <a:p>
-            <a:r>
-              <a:rPr lang="en-US" sz="3200" dirty="0"/>
-              <a:t>This is not enabled by default on user databases. It has to be enabled at the server level then activated in each database…</a:t>
-            </a:r>
+              <a:rPr lang="en-US" sz="3600" dirty="0"/>
+              <a:t>Check for this. </a:t>
+            </a:r>
+          </a:p>
+          <a:p>
+            <a:r>
+              <a:rPr lang="en-US" sz="3600" b="1" dirty="0"/>
+              <a:t>Toolbox: public </a:t>
+            </a:r>
+            <a:r>
+              <a:rPr lang="en-US" sz="3600" b="1" dirty="0" err="1"/>
+              <a:t>permissions.sql</a:t>
+            </a:r>
+            <a:endParaRPr lang="en-US" sz="3600" dirty="0"/>
+          </a:p>
+          <a:p>
+            <a:r>
+              <a:rPr lang="en-US" sz="3600" dirty="0"/>
+              <a:t>Permissions assigned to the public role is a </a:t>
+            </a:r>
+            <a:r>
+              <a:rPr lang="en-US" sz="3600" b="1" dirty="0"/>
+              <a:t>clear sign of lazy developers.</a:t>
+            </a:r>
+          </a:p>
+          <a:p>
+            <a:r>
+              <a:rPr lang="en-US" sz="3600" dirty="0"/>
+              <a:t>There are software vendors who have used public to easily grant access to all current and future logins. Watch out for this. </a:t>
+            </a:r>
+          </a:p>
+          <a:p>
+            <a:r>
+              <a:rPr lang="en-US" sz="3600" dirty="0"/>
+              <a:t>The strategy to undo a security architecture based around public is actually pretty complicated, involves lots of testing.</a:t>
+            </a:r>
+          </a:p>
+          <a:p>
+            <a:endParaRPr lang="en-US" sz="3600" dirty="0"/>
+          </a:p>
+          <a:p>
+            <a:endParaRPr lang="en-US" sz="3600" dirty="0"/>
           </a:p>
         </p:txBody>
       </p:sp>
@@ -28189,8 +28939,8 @@
         </p:nvSpPr>
         <p:spPr>
           <a:xfrm>
-            <a:off x="3048000" y="0"/>
-            <a:ext cx="7543800" cy="762000"/>
+            <a:off x="0" y="0"/>
+            <a:ext cx="12192000" cy="762000"/>
           </a:xfrm>
           <a:prstGeom prst="rect">
             <a:avLst/>
@@ -28198,7 +28948,7 @@
         </p:spPr>
         <p:txBody>
           <a:bodyPr vert="horz" lIns="91440" tIns="45720" rIns="91440" bIns="45720" rtlCol="0">
-            <a:normAutofit fontScale="85000" lnSpcReduction="10000"/>
+            <a:normAutofit/>
           </a:bodyPr>
           <a:lstStyle>
             <a:lvl1pPr marL="342900" indent="-342900" algn="l" defTabSz="457200" rtl="0" eaLnBrk="1" latinLnBrk="0" hangingPunct="1">
@@ -28350,7 +29100,7 @@
                 <a:ea typeface="+mj-ea"/>
                 <a:cs typeface="+mj-cs"/>
               </a:rPr>
-              <a:t>Cross database ownership</a:t>
+              <a:t>PUBLIC</a:t>
             </a:r>
           </a:p>
         </p:txBody>
@@ -28358,7 +29108,7 @@
     </p:spTree>
     <p:extLst>
       <p:ext uri="{BB962C8B-B14F-4D97-AF65-F5344CB8AC3E}">
-        <p14:creationId xmlns:p14="http://schemas.microsoft.com/office/powerpoint/2010/main" val="3730866711"/>
+        <p14:creationId xmlns:p14="http://schemas.microsoft.com/office/powerpoint/2010/main" val="3346959954"/>
       </p:ext>
     </p:extLst>
   </p:cSld>
@@ -28556,7 +29306,7 @@
         </p:nvSpPr>
         <p:spPr>
           <a:xfrm>
-            <a:off x="1960809" y="3371696"/>
+            <a:off x="1963296" y="3371696"/>
             <a:ext cx="1922904" cy="209704"/>
           </a:xfrm>
           <a:prstGeom prst="ellipse">
@@ -28595,7 +29345,7 @@
         </p:nvSpPr>
         <p:spPr>
           <a:xfrm>
-            <a:off x="1733636" y="6464320"/>
+            <a:off x="1733636" y="6495896"/>
             <a:ext cx="1762729" cy="209704"/>
           </a:xfrm>
           <a:prstGeom prst="ellipse">
@@ -29672,7 +30422,7 @@
 </file>
 
 <file path=ppt/slides/slide60.xml><?xml version="1.0" encoding="utf-8"?>
-<p:sld xmlns:a="http://schemas.openxmlformats.org/drawingml/2006/main" xmlns:r="http://schemas.openxmlformats.org/officeDocument/2006/relationships" xmlns:p="http://schemas.openxmlformats.org/presentationml/2006/main" showMasterSp="0">
+<p:sld xmlns:a="http://schemas.openxmlformats.org/drawingml/2006/main" xmlns:r="http://schemas.openxmlformats.org/officeDocument/2006/relationships" xmlns:p="http://schemas.openxmlformats.org/presentationml/2006/main">
   <p:cSld>
     <p:spTree>
       <p:nvGrpSpPr>
@@ -29700,38 +30450,49 @@
         </p:nvSpPr>
         <p:spPr>
           <a:xfrm>
-            <a:off x="1524000" y="914401"/>
-            <a:ext cx="8229600" cy="5191125"/>
+            <a:off x="1676400" y="762000"/>
+            <a:ext cx="8610600" cy="5486400"/>
           </a:xfrm>
         </p:spPr>
         <p:txBody>
           <a:bodyPr>
-            <a:normAutofit/>
+            <a:normAutofit lnSpcReduction="10000"/>
           </a:bodyPr>
           <a:lstStyle/>
           <a:p>
             <a:r>
-              <a:rPr lang="en-US" sz="3200" dirty="0"/>
-              <a:t>Any login can take advantage of Cross-Database Ownership Chaining from another database.</a:t>
-            </a:r>
-          </a:p>
-          <a:p>
-            <a:r>
-              <a:rPr lang="en-US" sz="3200" dirty="0"/>
-              <a:t>Stored procedures and views – not queries - can then query other databases without any additional permissions. </a:t>
-            </a:r>
-          </a:p>
-          <a:p>
-            <a:r>
-              <a:rPr lang="en-US" sz="3200" dirty="0"/>
-              <a:t>Which could be very helpful, or a security risk…</a:t>
-            </a:r>
-          </a:p>
-          <a:p>
-            <a:endParaRPr lang="en-US" b="0" dirty="0"/>
-          </a:p>
-          <a:p>
-            <a:endParaRPr lang="en-US" b="0" dirty="0"/>
+              <a:rPr lang="en-US" sz="3600" dirty="0"/>
+              <a:t>Check for this. </a:t>
+            </a:r>
+          </a:p>
+          <a:p>
+            <a:r>
+              <a:rPr lang="en-US" sz="3600" b="1" dirty="0"/>
+              <a:t>Toolbox: guest </a:t>
+            </a:r>
+            <a:r>
+              <a:rPr lang="en-US" sz="3600" b="1" dirty="0" err="1"/>
+              <a:t>permissions.sql</a:t>
+            </a:r>
+            <a:endParaRPr lang="en-US" sz="3600" dirty="0"/>
+          </a:p>
+          <a:p>
+            <a:r>
+              <a:rPr lang="en-US" sz="3600" dirty="0"/>
+              <a:t>The GUEST account permissions are granted to any login who does not have a mapped user in the database.</a:t>
+            </a:r>
+          </a:p>
+          <a:p>
+            <a:r>
+              <a:rPr lang="en-US" sz="3600" dirty="0"/>
+              <a:t>For what should be very obvious reasons, never grant any permissions, even CONNECT, to GUEST, unless you understand what you’re doing.</a:t>
+            </a:r>
+          </a:p>
+          <a:p>
+            <a:r>
+              <a:rPr lang="en-US" sz="3600" dirty="0"/>
+              <a:t>Not a secure solution for future access.</a:t>
+            </a:r>
           </a:p>
         </p:txBody>
       </p:sp>
@@ -29745,8 +30506,8 @@
         </p:nvSpPr>
         <p:spPr>
           <a:xfrm>
-            <a:off x="3048000" y="0"/>
-            <a:ext cx="7543800" cy="762000"/>
+            <a:off x="0" y="0"/>
+            <a:ext cx="12192000" cy="762000"/>
           </a:xfrm>
           <a:prstGeom prst="rect">
             <a:avLst/>
@@ -29754,7 +30515,7 @@
         </p:spPr>
         <p:txBody>
           <a:bodyPr vert="horz" lIns="91440" tIns="45720" rIns="91440" bIns="45720" rtlCol="0">
-            <a:normAutofit fontScale="85000" lnSpcReduction="10000"/>
+            <a:normAutofit/>
           </a:bodyPr>
           <a:lstStyle>
             <a:lvl1pPr marL="342900" indent="-342900" algn="l" defTabSz="457200" rtl="0" eaLnBrk="1" latinLnBrk="0" hangingPunct="1">
@@ -29906,7 +30667,7 @@
                 <a:ea typeface="+mj-ea"/>
                 <a:cs typeface="+mj-cs"/>
               </a:rPr>
-              <a:t>Cross database ownership</a:t>
+              <a:t>GUEST</a:t>
             </a:r>
           </a:p>
         </p:txBody>
@@ -29914,7 +30675,7 @@
     </p:spTree>
     <p:extLst>
       <p:ext uri="{BB962C8B-B14F-4D97-AF65-F5344CB8AC3E}">
-        <p14:creationId xmlns:p14="http://schemas.microsoft.com/office/powerpoint/2010/main" val="4270136102"/>
+        <p14:creationId xmlns:p14="http://schemas.microsoft.com/office/powerpoint/2010/main" val="2798895100"/>
       </p:ext>
     </p:extLst>
   </p:cSld>
@@ -29953,31 +30714,33 @@
         </p:nvSpPr>
         <p:spPr>
           <a:xfrm>
-            <a:off x="1524000" y="914401"/>
+            <a:off x="1524000" y="1066801"/>
             <a:ext cx="8229600" cy="5191125"/>
           </a:xfrm>
         </p:spPr>
         <p:txBody>
           <a:bodyPr>
-            <a:normAutofit/>
+            <a:noAutofit/>
           </a:bodyPr>
           <a:lstStyle/>
           <a:p>
             <a:r>
               <a:rPr lang="en-US" sz="3200" dirty="0"/>
-              <a:t>It is possible that cross-database ownership can bypass your permissions by querying from the context of another database!  </a:t>
-            </a:r>
-          </a:p>
-          <a:p>
+              <a:t>A </a:t>
+            </a:r>
+            <a:r>
+              <a:rPr lang="en-US" sz="3200" dirty="0" err="1"/>
+              <a:t>sproc</a:t>
+            </a:r>
             <a:r>
               <a:rPr lang="en-US" sz="3200" dirty="0"/>
-              <a:t>Enabling Cross-Database Ownership Chaining increases the necessary complexity of securing your data with minimum permissions.</a:t>
+              <a:t>/view can return data from a table in another database without permissions, if the two databases share the same owner login, by enabling Cross-Database Ownership Chaining on both databases.</a:t>
             </a:r>
           </a:p>
           <a:p>
             <a:r>
               <a:rPr lang="en-US" sz="3200" dirty="0"/>
-              <a:t>You don’t need it, do it right.</a:t>
+              <a:t>This is not enabled by default on user databases. It has to be enabled at the server level then activated in each database…</a:t>
             </a:r>
           </a:p>
         </p:txBody>
@@ -29992,8 +30755,8 @@
         </p:nvSpPr>
         <p:spPr>
           <a:xfrm>
-            <a:off x="3048000" y="0"/>
-            <a:ext cx="7543800" cy="762000"/>
+            <a:off x="0" y="0"/>
+            <a:ext cx="12192000" cy="762000"/>
           </a:xfrm>
           <a:prstGeom prst="rect">
             <a:avLst/>
@@ -30001,7 +30764,7 @@
         </p:spPr>
         <p:txBody>
           <a:bodyPr vert="horz" lIns="91440" tIns="45720" rIns="91440" bIns="45720" rtlCol="0">
-            <a:normAutofit fontScale="85000" lnSpcReduction="10000"/>
+            <a:normAutofit/>
           </a:bodyPr>
           <a:lstStyle>
             <a:lvl1pPr marL="342900" indent="-342900" algn="l" defTabSz="457200" rtl="0" eaLnBrk="1" latinLnBrk="0" hangingPunct="1">
@@ -30161,7 +30924,7 @@
     </p:spTree>
     <p:extLst>
       <p:ext uri="{BB962C8B-B14F-4D97-AF65-F5344CB8AC3E}">
-        <p14:creationId xmlns:p14="http://schemas.microsoft.com/office/powerpoint/2010/main" val="3780962628"/>
+        <p14:creationId xmlns:p14="http://schemas.microsoft.com/office/powerpoint/2010/main" val="3730866711"/>
       </p:ext>
     </p:extLst>
   </p:cSld>
@@ -30200,70 +30963,38 @@
         </p:nvSpPr>
         <p:spPr>
           <a:xfrm>
-            <a:off x="1143000" y="838200"/>
-            <a:ext cx="10439400" cy="5343525"/>
+            <a:off x="1524000" y="914401"/>
+            <a:ext cx="8229600" cy="5191125"/>
           </a:xfrm>
         </p:spPr>
         <p:txBody>
           <a:bodyPr>
-            <a:noAutofit/>
+            <a:normAutofit lnSpcReduction="10000"/>
           </a:bodyPr>
           <a:lstStyle/>
           <a:p>
             <a:r>
-              <a:rPr lang="en-US" sz="2800" dirty="0"/>
-              <a:t>By executing </a:t>
-            </a:r>
-            <a:r>
-              <a:rPr lang="en-US" sz="2800" dirty="0" err="1"/>
-              <a:t>sp_setapprole</a:t>
-            </a:r>
-            <a:r>
-              <a:rPr lang="en-US" sz="2800" dirty="0"/>
-              <a:t>, an application can give a  user connection the permissions of an app role.</a:t>
-            </a:r>
-          </a:p>
-          <a:p>
-            <a:r>
-              <a:rPr lang="en-US" sz="2800" dirty="0"/>
-              <a:t>The application role has no permanent members, but is assigned permissions and given a app-only password.</a:t>
-            </a:r>
-          </a:p>
-          <a:p>
-            <a:r>
-              <a:rPr lang="en-US" sz="2800" dirty="0"/>
-              <a:t>The user connection assumes only the permissions of the application role.</a:t>
-            </a:r>
-          </a:p>
-          <a:p>
-            <a:r>
-              <a:rPr lang="en-US" sz="2800" dirty="0"/>
-              <a:t>You can utilize Active Directory-based Windows authentication without DB permissions for those logins</a:t>
-            </a:r>
-          </a:p>
-          <a:p>
-            <a:pPr marL="0" indent="0">
-              <a:buNone/>
-            </a:pPr>
-            <a:r>
-              <a:rPr lang="en-US" sz="2800" dirty="0"/>
-              <a:t>Cons: </a:t>
-            </a:r>
-          </a:p>
-          <a:p>
-            <a:r>
-              <a:rPr lang="en-US" sz="2800" dirty="0"/>
-              <a:t>	Accessing other databases requires the use of the guest role.</a:t>
-            </a:r>
-          </a:p>
-          <a:p>
-            <a:r>
-              <a:rPr lang="en-US" sz="2800" dirty="0"/>
-              <a:t>	Connection pooling can be problematic (cookies)</a:t>
-            </a:r>
-          </a:p>
-          <a:p>
-            <a:endParaRPr lang="en-US" sz="2800" dirty="0"/>
+              <a:rPr lang="en-US" sz="3600" dirty="0"/>
+              <a:t>Any login can take advantage of Cross-Database Ownership Chaining from another database.</a:t>
+            </a:r>
+          </a:p>
+          <a:p>
+            <a:r>
+              <a:rPr lang="en-US" sz="3600" dirty="0"/>
+              <a:t>Stored procedures and views – not queries - can then query other databases without any additional permissions. </a:t>
+            </a:r>
+          </a:p>
+          <a:p>
+            <a:r>
+              <a:rPr lang="en-US" sz="3600" dirty="0"/>
+              <a:t>Which could be very helpful, or a security risk…</a:t>
+            </a:r>
+          </a:p>
+          <a:p>
+            <a:endParaRPr lang="en-US" sz="3200" b="0" dirty="0"/>
+          </a:p>
+          <a:p>
+            <a:endParaRPr lang="en-US" sz="3200" b="0" dirty="0"/>
           </a:p>
         </p:txBody>
       </p:sp>
@@ -30438,6 +31169,535 @@
                 <a:ea typeface="+mj-ea"/>
                 <a:cs typeface="+mj-cs"/>
               </a:rPr>
+              <a:t>Cross database ownership</a:t>
+            </a:r>
+          </a:p>
+        </p:txBody>
+      </p:sp>
+    </p:spTree>
+    <p:extLst>
+      <p:ext uri="{BB962C8B-B14F-4D97-AF65-F5344CB8AC3E}">
+        <p14:creationId xmlns:p14="http://schemas.microsoft.com/office/powerpoint/2010/main" val="4270136102"/>
+      </p:ext>
+    </p:extLst>
+  </p:cSld>
+  <p:clrMapOvr>
+    <a:masterClrMapping/>
+  </p:clrMapOvr>
+</p:sld>
+</file>
+
+<file path=ppt/slides/slide63.xml><?xml version="1.0" encoding="utf-8"?>
+<p:sld xmlns:a="http://schemas.openxmlformats.org/drawingml/2006/main" xmlns:r="http://schemas.openxmlformats.org/officeDocument/2006/relationships" xmlns:p="http://schemas.openxmlformats.org/presentationml/2006/main" showMasterSp="0">
+  <p:cSld>
+    <p:spTree>
+      <p:nvGrpSpPr>
+        <p:cNvPr id="1" name=""/>
+        <p:cNvGrpSpPr/>
+        <p:nvPr/>
+      </p:nvGrpSpPr>
+      <p:grpSpPr>
+        <a:xfrm>
+          <a:off x="0" y="0"/>
+          <a:ext cx="0" cy="0"/>
+          <a:chOff x="0" y="0"/>
+          <a:chExt cx="0" cy="0"/>
+        </a:xfrm>
+      </p:grpSpPr>
+      <p:sp>
+        <p:nvSpPr>
+          <p:cNvPr id="2" name="Content Placeholder 1"/>
+          <p:cNvSpPr>
+            <a:spLocks noGrp="1"/>
+          </p:cNvSpPr>
+          <p:nvPr>
+            <p:ph idx="4294967295"/>
+          </p:nvPr>
+        </p:nvSpPr>
+        <p:spPr>
+          <a:xfrm>
+            <a:off x="1066800" y="914401"/>
+            <a:ext cx="9601200" cy="5867399"/>
+          </a:xfrm>
+        </p:spPr>
+        <p:txBody>
+          <a:bodyPr>
+            <a:normAutofit/>
+          </a:bodyPr>
+          <a:lstStyle/>
+          <a:p>
+            <a:r>
+              <a:rPr lang="en-US" sz="4000" dirty="0"/>
+              <a:t>It is possible that cross-database ownership can bypass your permissions by querying from the context of another database!  </a:t>
+            </a:r>
+          </a:p>
+          <a:p>
+            <a:r>
+              <a:rPr lang="en-US" sz="4000" dirty="0"/>
+              <a:t>Enabling Cross-Database Ownership Chaining increases the necessary complexity of securing your data with minimum permissions.</a:t>
+            </a:r>
+          </a:p>
+          <a:p>
+            <a:r>
+              <a:rPr lang="en-US" sz="4000" dirty="0"/>
+              <a:t>You don’t need it, do it right.</a:t>
+            </a:r>
+          </a:p>
+        </p:txBody>
+      </p:sp>
+      <p:sp>
+        <p:nvSpPr>
+          <p:cNvPr id="8" name="Text Placeholder 2"/>
+          <p:cNvSpPr txBox="1">
+            <a:spLocks/>
+          </p:cNvSpPr>
+          <p:nvPr/>
+        </p:nvSpPr>
+        <p:spPr>
+          <a:xfrm>
+            <a:off x="0" y="0"/>
+            <a:ext cx="12192000" cy="762000"/>
+          </a:xfrm>
+          <a:prstGeom prst="rect">
+            <a:avLst/>
+          </a:prstGeom>
+        </p:spPr>
+        <p:txBody>
+          <a:bodyPr vert="horz" lIns="91440" tIns="45720" rIns="91440" bIns="45720" rtlCol="0">
+            <a:normAutofit/>
+          </a:bodyPr>
+          <a:lstStyle>
+            <a:lvl1pPr marL="342900" indent="-342900" algn="l" defTabSz="457200" rtl="0" eaLnBrk="1" latinLnBrk="0" hangingPunct="1">
+              <a:spcBef>
+                <a:spcPct val="20000"/>
+              </a:spcBef>
+              <a:buFont typeface="Wingdings" charset="2"/>
+              <a:buChar char="§"/>
+              <a:defRPr sz="3000" kern="1200">
+                <a:solidFill>
+                  <a:schemeClr val="tx2"/>
+                </a:solidFill>
+                <a:latin typeface="+mn-lt"/>
+                <a:ea typeface="+mn-ea"/>
+                <a:cs typeface="+mn-cs"/>
+              </a:defRPr>
+            </a:lvl1pPr>
+            <a:lvl2pPr marL="742950" indent="-285750" algn="l" defTabSz="457200" rtl="0" eaLnBrk="1" latinLnBrk="0" hangingPunct="1">
+              <a:spcBef>
+                <a:spcPct val="20000"/>
+              </a:spcBef>
+              <a:buFont typeface="Wingdings" charset="2"/>
+              <a:buChar char="§"/>
+              <a:defRPr sz="2600" kern="1200">
+                <a:solidFill>
+                  <a:schemeClr val="tx2"/>
+                </a:solidFill>
+                <a:latin typeface="+mn-lt"/>
+                <a:ea typeface="+mn-ea"/>
+                <a:cs typeface="+mn-cs"/>
+              </a:defRPr>
+            </a:lvl2pPr>
+            <a:lvl3pPr marL="1143000" indent="-228600" algn="l" defTabSz="457200" rtl="0" eaLnBrk="1" latinLnBrk="0" hangingPunct="1">
+              <a:spcBef>
+                <a:spcPct val="20000"/>
+              </a:spcBef>
+              <a:buFont typeface="Wingdings" charset="2"/>
+              <a:buChar char="§"/>
+              <a:defRPr sz="2200" kern="1200">
+                <a:solidFill>
+                  <a:schemeClr val="tx2"/>
+                </a:solidFill>
+                <a:latin typeface="+mn-lt"/>
+                <a:ea typeface="+mn-ea"/>
+                <a:cs typeface="+mn-cs"/>
+              </a:defRPr>
+            </a:lvl3pPr>
+            <a:lvl4pPr marL="1600200" indent="-228600" algn="l" defTabSz="457200" rtl="0" eaLnBrk="1" latinLnBrk="0" hangingPunct="1">
+              <a:spcBef>
+                <a:spcPct val="20000"/>
+              </a:spcBef>
+              <a:buFont typeface="Wingdings" charset="2"/>
+              <a:buChar char="§"/>
+              <a:defRPr sz="2000" kern="1200">
+                <a:solidFill>
+                  <a:schemeClr val="tx2"/>
+                </a:solidFill>
+                <a:latin typeface="+mn-lt"/>
+                <a:ea typeface="+mn-ea"/>
+                <a:cs typeface="+mn-cs"/>
+              </a:defRPr>
+            </a:lvl4pPr>
+            <a:lvl5pPr marL="2057400" indent="-228600" algn="l" defTabSz="457200" rtl="0" eaLnBrk="1" latinLnBrk="0" hangingPunct="1">
+              <a:spcBef>
+                <a:spcPct val="20000"/>
+              </a:spcBef>
+              <a:buFont typeface="Wingdings" charset="2"/>
+              <a:buChar char="§"/>
+              <a:defRPr sz="1800" kern="1200">
+                <a:solidFill>
+                  <a:schemeClr val="tx2"/>
+                </a:solidFill>
+                <a:latin typeface="+mn-lt"/>
+                <a:ea typeface="+mn-ea"/>
+                <a:cs typeface="+mn-cs"/>
+              </a:defRPr>
+            </a:lvl5pPr>
+            <a:lvl6pPr marL="2514600" indent="-228600" algn="l" defTabSz="457200" rtl="0" eaLnBrk="1" latinLnBrk="0" hangingPunct="1">
+              <a:spcBef>
+                <a:spcPct val="20000"/>
+              </a:spcBef>
+              <a:buFont typeface="Arial"/>
+              <a:buChar char="•"/>
+              <a:defRPr sz="2000" kern="1200">
+                <a:solidFill>
+                  <a:schemeClr val="tx1"/>
+                </a:solidFill>
+                <a:latin typeface="+mn-lt"/>
+                <a:ea typeface="+mn-ea"/>
+                <a:cs typeface="+mn-cs"/>
+              </a:defRPr>
+            </a:lvl6pPr>
+            <a:lvl7pPr marL="2971800" indent="-228600" algn="l" defTabSz="457200" rtl="0" eaLnBrk="1" latinLnBrk="0" hangingPunct="1">
+              <a:spcBef>
+                <a:spcPct val="20000"/>
+              </a:spcBef>
+              <a:buFont typeface="Arial"/>
+              <a:buChar char="•"/>
+              <a:defRPr sz="2000" kern="1200">
+                <a:solidFill>
+                  <a:schemeClr val="tx1"/>
+                </a:solidFill>
+                <a:latin typeface="+mn-lt"/>
+                <a:ea typeface="+mn-ea"/>
+                <a:cs typeface="+mn-cs"/>
+              </a:defRPr>
+            </a:lvl7pPr>
+            <a:lvl8pPr marL="3429000" indent="-228600" algn="l" defTabSz="457200" rtl="0" eaLnBrk="1" latinLnBrk="0" hangingPunct="1">
+              <a:spcBef>
+                <a:spcPct val="20000"/>
+              </a:spcBef>
+              <a:buFont typeface="Arial"/>
+              <a:buChar char="•"/>
+              <a:defRPr sz="2000" kern="1200">
+                <a:solidFill>
+                  <a:schemeClr val="tx1"/>
+                </a:solidFill>
+                <a:latin typeface="+mn-lt"/>
+                <a:ea typeface="+mn-ea"/>
+                <a:cs typeface="+mn-cs"/>
+              </a:defRPr>
+            </a:lvl8pPr>
+            <a:lvl9pPr marL="3886200" indent="-228600" algn="l" defTabSz="457200" rtl="0" eaLnBrk="1" latinLnBrk="0" hangingPunct="1">
+              <a:spcBef>
+                <a:spcPct val="20000"/>
+              </a:spcBef>
+              <a:buFont typeface="Arial"/>
+              <a:buChar char="•"/>
+              <a:defRPr sz="2000" kern="1200">
+                <a:solidFill>
+                  <a:schemeClr val="tx1"/>
+                </a:solidFill>
+                <a:latin typeface="+mn-lt"/>
+                <a:ea typeface="+mn-ea"/>
+                <a:cs typeface="+mn-cs"/>
+              </a:defRPr>
+            </a:lvl9pPr>
+          </a:lstStyle>
+          <a:p>
+            <a:pPr marL="0" indent="0" algn="ctr">
+              <a:buNone/>
+            </a:pPr>
+            <a:r>
+              <a:rPr lang="en-US" sz="4000" b="1" cap="all" dirty="0">
+                <a:solidFill>
+                  <a:srgbClr val="3D156F"/>
+                </a:solidFill>
+                <a:latin typeface="+mj-lt"/>
+                <a:ea typeface="+mj-ea"/>
+                <a:cs typeface="+mj-cs"/>
+              </a:rPr>
+              <a:t>Cross database ownership</a:t>
+            </a:r>
+          </a:p>
+        </p:txBody>
+      </p:sp>
+    </p:spTree>
+    <p:extLst>
+      <p:ext uri="{BB962C8B-B14F-4D97-AF65-F5344CB8AC3E}">
+        <p14:creationId xmlns:p14="http://schemas.microsoft.com/office/powerpoint/2010/main" val="3780962628"/>
+      </p:ext>
+    </p:extLst>
+  </p:cSld>
+  <p:clrMapOvr>
+    <a:masterClrMapping/>
+  </p:clrMapOvr>
+</p:sld>
+</file>
+
+<file path=ppt/slides/slide64.xml><?xml version="1.0" encoding="utf-8"?>
+<p:sld xmlns:a="http://schemas.openxmlformats.org/drawingml/2006/main" xmlns:r="http://schemas.openxmlformats.org/officeDocument/2006/relationships" xmlns:p="http://schemas.openxmlformats.org/presentationml/2006/main" showMasterSp="0">
+  <p:cSld>
+    <p:spTree>
+      <p:nvGrpSpPr>
+        <p:cNvPr id="1" name=""/>
+        <p:cNvGrpSpPr/>
+        <p:nvPr/>
+      </p:nvGrpSpPr>
+      <p:grpSpPr>
+        <a:xfrm>
+          <a:off x="0" y="0"/>
+          <a:ext cx="0" cy="0"/>
+          <a:chOff x="0" y="0"/>
+          <a:chExt cx="0" cy="0"/>
+        </a:xfrm>
+      </p:grpSpPr>
+      <p:sp>
+        <p:nvSpPr>
+          <p:cNvPr id="2" name="Content Placeholder 1"/>
+          <p:cNvSpPr>
+            <a:spLocks noGrp="1"/>
+          </p:cNvSpPr>
+          <p:nvPr>
+            <p:ph idx="4294967295"/>
+          </p:nvPr>
+        </p:nvSpPr>
+        <p:spPr>
+          <a:xfrm>
+            <a:off x="1143000" y="838200"/>
+            <a:ext cx="9525000" cy="5867400"/>
+          </a:xfrm>
+        </p:spPr>
+        <p:txBody>
+          <a:bodyPr>
+            <a:noAutofit/>
+          </a:bodyPr>
+          <a:lstStyle/>
+          <a:p>
+            <a:r>
+              <a:rPr lang="en-US" sz="2800" dirty="0"/>
+              <a:t>By executing </a:t>
+            </a:r>
+            <a:r>
+              <a:rPr lang="en-US" sz="2800" dirty="0" err="1"/>
+              <a:t>sp_setapprole</a:t>
+            </a:r>
+            <a:r>
+              <a:rPr lang="en-US" sz="2800" dirty="0"/>
+              <a:t>, an application can give a  user connection the permissions of an app role.</a:t>
+            </a:r>
+          </a:p>
+          <a:p>
+            <a:r>
+              <a:rPr lang="en-US" sz="2800" dirty="0"/>
+              <a:t>The application role has no permanent members, but is assigned permissions and given a app-only password.</a:t>
+            </a:r>
+          </a:p>
+          <a:p>
+            <a:r>
+              <a:rPr lang="en-US" sz="2800" dirty="0"/>
+              <a:t>The user connection assumes only the permissions of the application role.</a:t>
+            </a:r>
+          </a:p>
+          <a:p>
+            <a:r>
+              <a:rPr lang="en-US" sz="2800" dirty="0"/>
+              <a:t>You can utilize Active Directory-based Windows authentication without DB permissions for those logins</a:t>
+            </a:r>
+          </a:p>
+          <a:p>
+            <a:pPr marL="0" indent="0">
+              <a:buNone/>
+            </a:pPr>
+            <a:r>
+              <a:rPr lang="en-US" sz="2800" dirty="0"/>
+              <a:t>Cons: </a:t>
+            </a:r>
+          </a:p>
+          <a:p>
+            <a:r>
+              <a:rPr lang="en-US" sz="2800" dirty="0"/>
+              <a:t>	Accessing other databases requires the use of the guest role.</a:t>
+            </a:r>
+          </a:p>
+          <a:p>
+            <a:r>
+              <a:rPr lang="en-US" sz="2800" dirty="0"/>
+              <a:t>	Connection pooling can be problematic (cookies)</a:t>
+            </a:r>
+          </a:p>
+        </p:txBody>
+      </p:sp>
+      <p:sp>
+        <p:nvSpPr>
+          <p:cNvPr id="8" name="Text Placeholder 2"/>
+          <p:cNvSpPr txBox="1">
+            <a:spLocks/>
+          </p:cNvSpPr>
+          <p:nvPr/>
+        </p:nvSpPr>
+        <p:spPr>
+          <a:xfrm>
+            <a:off x="0" y="0"/>
+            <a:ext cx="12192000" cy="762000"/>
+          </a:xfrm>
+          <a:prstGeom prst="rect">
+            <a:avLst/>
+          </a:prstGeom>
+        </p:spPr>
+        <p:txBody>
+          <a:bodyPr vert="horz" lIns="91440" tIns="45720" rIns="91440" bIns="45720" rtlCol="0">
+            <a:normAutofit/>
+          </a:bodyPr>
+          <a:lstStyle>
+            <a:lvl1pPr marL="342900" indent="-342900" algn="l" defTabSz="457200" rtl="0" eaLnBrk="1" latinLnBrk="0" hangingPunct="1">
+              <a:spcBef>
+                <a:spcPct val="20000"/>
+              </a:spcBef>
+              <a:buFont typeface="Wingdings" charset="2"/>
+              <a:buChar char="§"/>
+              <a:defRPr sz="3000" kern="1200">
+                <a:solidFill>
+                  <a:schemeClr val="tx2"/>
+                </a:solidFill>
+                <a:latin typeface="+mn-lt"/>
+                <a:ea typeface="+mn-ea"/>
+                <a:cs typeface="+mn-cs"/>
+              </a:defRPr>
+            </a:lvl1pPr>
+            <a:lvl2pPr marL="742950" indent="-285750" algn="l" defTabSz="457200" rtl="0" eaLnBrk="1" latinLnBrk="0" hangingPunct="1">
+              <a:spcBef>
+                <a:spcPct val="20000"/>
+              </a:spcBef>
+              <a:buFont typeface="Wingdings" charset="2"/>
+              <a:buChar char="§"/>
+              <a:defRPr sz="2600" kern="1200">
+                <a:solidFill>
+                  <a:schemeClr val="tx2"/>
+                </a:solidFill>
+                <a:latin typeface="+mn-lt"/>
+                <a:ea typeface="+mn-ea"/>
+                <a:cs typeface="+mn-cs"/>
+              </a:defRPr>
+            </a:lvl2pPr>
+            <a:lvl3pPr marL="1143000" indent="-228600" algn="l" defTabSz="457200" rtl="0" eaLnBrk="1" latinLnBrk="0" hangingPunct="1">
+              <a:spcBef>
+                <a:spcPct val="20000"/>
+              </a:spcBef>
+              <a:buFont typeface="Wingdings" charset="2"/>
+              <a:buChar char="§"/>
+              <a:defRPr sz="2200" kern="1200">
+                <a:solidFill>
+                  <a:schemeClr val="tx2"/>
+                </a:solidFill>
+                <a:latin typeface="+mn-lt"/>
+                <a:ea typeface="+mn-ea"/>
+                <a:cs typeface="+mn-cs"/>
+              </a:defRPr>
+            </a:lvl3pPr>
+            <a:lvl4pPr marL="1600200" indent="-228600" algn="l" defTabSz="457200" rtl="0" eaLnBrk="1" latinLnBrk="0" hangingPunct="1">
+              <a:spcBef>
+                <a:spcPct val="20000"/>
+              </a:spcBef>
+              <a:buFont typeface="Wingdings" charset="2"/>
+              <a:buChar char="§"/>
+              <a:defRPr sz="2000" kern="1200">
+                <a:solidFill>
+                  <a:schemeClr val="tx2"/>
+                </a:solidFill>
+                <a:latin typeface="+mn-lt"/>
+                <a:ea typeface="+mn-ea"/>
+                <a:cs typeface="+mn-cs"/>
+              </a:defRPr>
+            </a:lvl4pPr>
+            <a:lvl5pPr marL="2057400" indent="-228600" algn="l" defTabSz="457200" rtl="0" eaLnBrk="1" latinLnBrk="0" hangingPunct="1">
+              <a:spcBef>
+                <a:spcPct val="20000"/>
+              </a:spcBef>
+              <a:buFont typeface="Wingdings" charset="2"/>
+              <a:buChar char="§"/>
+              <a:defRPr sz="1800" kern="1200">
+                <a:solidFill>
+                  <a:schemeClr val="tx2"/>
+                </a:solidFill>
+                <a:latin typeface="+mn-lt"/>
+                <a:ea typeface="+mn-ea"/>
+                <a:cs typeface="+mn-cs"/>
+              </a:defRPr>
+            </a:lvl5pPr>
+            <a:lvl6pPr marL="2514600" indent="-228600" algn="l" defTabSz="457200" rtl="0" eaLnBrk="1" latinLnBrk="0" hangingPunct="1">
+              <a:spcBef>
+                <a:spcPct val="20000"/>
+              </a:spcBef>
+              <a:buFont typeface="Arial"/>
+              <a:buChar char="•"/>
+              <a:defRPr sz="2000" kern="1200">
+                <a:solidFill>
+                  <a:schemeClr val="tx1"/>
+                </a:solidFill>
+                <a:latin typeface="+mn-lt"/>
+                <a:ea typeface="+mn-ea"/>
+                <a:cs typeface="+mn-cs"/>
+              </a:defRPr>
+            </a:lvl6pPr>
+            <a:lvl7pPr marL="2971800" indent="-228600" algn="l" defTabSz="457200" rtl="0" eaLnBrk="1" latinLnBrk="0" hangingPunct="1">
+              <a:spcBef>
+                <a:spcPct val="20000"/>
+              </a:spcBef>
+              <a:buFont typeface="Arial"/>
+              <a:buChar char="•"/>
+              <a:defRPr sz="2000" kern="1200">
+                <a:solidFill>
+                  <a:schemeClr val="tx1"/>
+                </a:solidFill>
+                <a:latin typeface="+mn-lt"/>
+                <a:ea typeface="+mn-ea"/>
+                <a:cs typeface="+mn-cs"/>
+              </a:defRPr>
+            </a:lvl7pPr>
+            <a:lvl8pPr marL="3429000" indent="-228600" algn="l" defTabSz="457200" rtl="0" eaLnBrk="1" latinLnBrk="0" hangingPunct="1">
+              <a:spcBef>
+                <a:spcPct val="20000"/>
+              </a:spcBef>
+              <a:buFont typeface="Arial"/>
+              <a:buChar char="•"/>
+              <a:defRPr sz="2000" kern="1200">
+                <a:solidFill>
+                  <a:schemeClr val="tx1"/>
+                </a:solidFill>
+                <a:latin typeface="+mn-lt"/>
+                <a:ea typeface="+mn-ea"/>
+                <a:cs typeface="+mn-cs"/>
+              </a:defRPr>
+            </a:lvl8pPr>
+            <a:lvl9pPr marL="3886200" indent="-228600" algn="l" defTabSz="457200" rtl="0" eaLnBrk="1" latinLnBrk="0" hangingPunct="1">
+              <a:spcBef>
+                <a:spcPct val="20000"/>
+              </a:spcBef>
+              <a:buFont typeface="Arial"/>
+              <a:buChar char="•"/>
+              <a:defRPr sz="2000" kern="1200">
+                <a:solidFill>
+                  <a:schemeClr val="tx1"/>
+                </a:solidFill>
+                <a:latin typeface="+mn-lt"/>
+                <a:ea typeface="+mn-ea"/>
+                <a:cs typeface="+mn-cs"/>
+              </a:defRPr>
+            </a:lvl9pPr>
+          </a:lstStyle>
+          <a:p>
+            <a:pPr marL="0" indent="0" algn="ctr">
+              <a:buNone/>
+            </a:pPr>
+            <a:r>
+              <a:rPr lang="en-US" sz="4000" b="1" cap="all" dirty="0">
+                <a:solidFill>
+                  <a:srgbClr val="3D156F"/>
+                </a:solidFill>
+                <a:latin typeface="+mj-lt"/>
+                <a:ea typeface="+mj-ea"/>
+                <a:cs typeface="+mj-cs"/>
+              </a:rPr>
               <a:t>Application roles</a:t>
             </a:r>
           </a:p>
@@ -30456,7 +31716,7 @@
 </p:sld>
 </file>
 
-<file path=ppt/slides/slide63.xml><?xml version="1.0" encoding="utf-8"?>
+<file path=ppt/slides/slide65.xml><?xml version="1.0" encoding="utf-8"?>
 <p:sld xmlns:a="http://schemas.openxmlformats.org/drawingml/2006/main" xmlns:r="http://schemas.openxmlformats.org/officeDocument/2006/relationships" xmlns:p="http://schemas.openxmlformats.org/presentationml/2006/main">
   <p:cSld>
     <p:spTree>
@@ -30515,7 +31775,7 @@
 </p:sld>
 </file>
 
-<file path=ppt/slides/slide64.xml><?xml version="1.0" encoding="utf-8"?>
+<file path=ppt/slides/slide66.xml><?xml version="1.0" encoding="utf-8"?>
 <p:sld xmlns:a="http://schemas.openxmlformats.org/drawingml/2006/main" xmlns:r="http://schemas.openxmlformats.org/officeDocument/2006/relationships" xmlns:p="http://schemas.openxmlformats.org/presentationml/2006/main" showMasterSp="0">
   <p:cSld>
     <p:spTree>
@@ -30900,7 +32160,7 @@
 </p:sld>
 </file>
 
-<file path=ppt/slides/slide65.xml><?xml version="1.0" encoding="utf-8"?>
+<file path=ppt/slides/slide67.xml><?xml version="1.0" encoding="utf-8"?>
 <p:sld xmlns:a="http://schemas.openxmlformats.org/drawingml/2006/main" xmlns:r="http://schemas.openxmlformats.org/officeDocument/2006/relationships" xmlns:p="http://schemas.openxmlformats.org/presentationml/2006/main">
   <p:cSld>
     <p:bg>
@@ -31305,7 +32565,7 @@
 </p:sld>
 </file>
 
-<file path=ppt/slides/slide66.xml><?xml version="1.0" encoding="utf-8"?>
+<file path=ppt/slides/slide68.xml><?xml version="1.0" encoding="utf-8"?>
 <p:sld xmlns:a="http://schemas.openxmlformats.org/drawingml/2006/main" xmlns:r="http://schemas.openxmlformats.org/officeDocument/2006/relationships" xmlns:p="http://schemas.openxmlformats.org/presentationml/2006/main">
   <p:cSld>
     <p:spTree>
@@ -31334,7 +32594,7 @@
         </p:nvSpPr>
         <p:spPr>
           <a:xfrm>
-            <a:off x="0" y="4925870"/>
+            <a:off x="0" y="4969215"/>
             <a:ext cx="8717281" cy="1966147"/>
           </a:xfrm>
         </p:spPr>
@@ -31423,7 +32683,7 @@
         <p:spPr>
           <a:xfrm>
             <a:off x="1" y="1560945"/>
-            <a:ext cx="8714159" cy="3354765"/>
+            <a:ext cx="8714159" cy="2923877"/>
           </a:xfrm>
           <a:prstGeom prst="rect">
             <a:avLst/>
@@ -31470,39 +32730,6 @@
               </a:rPr>
               <a:t>Free SQL Server, .NET, Business Intelligence training and more! </a:t>
             </a:r>
-          </a:p>
-          <a:p>
-            <a:pPr marL="0" marR="0" lvl="0" indent="0" algn="ctr" defTabSz="914400" rtl="0" eaLnBrk="1" fontAlgn="auto" latinLnBrk="0" hangingPunct="1">
-              <a:lnSpc>
-                <a:spcPct val="100000"/>
-              </a:lnSpc>
-              <a:spcBef>
-                <a:spcPts val="0"/>
-              </a:spcBef>
-              <a:spcAft>
-                <a:spcPts val="0"/>
-              </a:spcAft>
-              <a:buClrTx/>
-              <a:buSzTx/>
-              <a:buFontTx/>
-              <a:buNone/>
-              <a:tabLst/>
-              <a:defRPr/>
-            </a:pPr>
-            <a:endParaRPr kumimoji="0" lang="en-US" sz="2800" b="0" i="0" u="none" strike="noStrike" kern="1200" cap="none" spc="0" normalizeH="0" baseline="0" noProof="0" dirty="0">
-              <a:ln>
-                <a:noFill/>
-              </a:ln>
-              <a:solidFill>
-                <a:srgbClr val="101820"/>
-              </a:solidFill>
-              <a:effectLst/>
-              <a:uLnTx/>
-              <a:uFillTx/>
-              <a:latin typeface="Segoe UI"/>
-              <a:ea typeface="+mn-ea"/>
-              <a:cs typeface="+mn-cs"/>
-            </a:endParaRPr>
           </a:p>
           <a:p>
             <a:pPr marL="0" marR="0" lvl="0" indent="0" algn="ctr" defTabSz="914400" rtl="0" eaLnBrk="1" fontAlgn="auto" latinLnBrk="0" hangingPunct="1">
@@ -31806,7 +33033,7 @@
 </p:sld>
 </file>
 
-<file path=ppt/slides/slide67.xml><?xml version="1.0" encoding="utf-8"?>
+<file path=ppt/slides/slide69.xml><?xml version="1.0" encoding="utf-8"?>
 <p:sld xmlns:a="http://schemas.openxmlformats.org/drawingml/2006/main" xmlns:r="http://schemas.openxmlformats.org/officeDocument/2006/relationships" xmlns:p="http://schemas.openxmlformats.org/presentationml/2006/main">
   <p:cSld>
     <p:spTree>
@@ -31835,13 +33062,13 @@
         </p:nvSpPr>
         <p:spPr>
           <a:xfrm>
-            <a:off x="0" y="3987797"/>
-            <a:ext cx="12192000" cy="2679659"/>
+            <a:off x="0" y="4969215"/>
+            <a:ext cx="8717281" cy="1966147"/>
           </a:xfrm>
         </p:spPr>
         <p:txBody>
           <a:bodyPr>
-            <a:normAutofit/>
+            <a:normAutofit lnSpcReduction="10000"/>
           </a:bodyPr>
           <a:lstStyle/>
           <a:p>
@@ -31849,8 +33076,8 @@
               <a:buNone/>
             </a:pPr>
             <a:r>
-              <a:rPr lang="en-US" sz="4000" dirty="0"/>
-              <a:t>This presentation, including all source code, available at my blog:</a:t>
+              <a:rPr lang="en-US" sz="5400" dirty="0"/>
+              <a:t>See you August 17 at</a:t>
             </a:r>
           </a:p>
           <a:p>
@@ -31861,7 +33088,7 @@
               <a:rPr lang="en-US" sz="6600" b="1" dirty="0">
                 <a:hlinkClick r:id="rId2"/>
               </a:rPr>
-              <a:t>SQLTact.com</a:t>
+              <a:t>SQLSatBR.com</a:t>
             </a:r>
             <a:endParaRPr lang="en-US" sz="6600" b="1" dirty="0"/>
           </a:p>
@@ -31873,189 +33100,94 @@
           </a:p>
         </p:txBody>
       </p:sp>
-      <p:sp>
-        <p:nvSpPr>
-          <p:cNvPr id="4" name="Subtitle 2"/>
-          <p:cNvSpPr txBox="1">
-            <a:spLocks/>
-          </p:cNvSpPr>
+      <p:pic>
+        <p:nvPicPr>
+          <p:cNvPr id="6" name="Picture 5">
+            <a:extLst>
+              <a:ext uri="{FF2B5EF4-FFF2-40B4-BE49-F238E27FC236}">
+                <a16:creationId xmlns:a16="http://schemas.microsoft.com/office/drawing/2014/main" id="{352A625D-D974-4A41-BBDA-F8A6601B8ED1}"/>
+              </a:ext>
+            </a:extLst>
+          </p:cNvPr>
+          <p:cNvPicPr>
+            <a:picLocks noChangeAspect="1"/>
+          </p:cNvPicPr>
           <p:nvPr/>
-        </p:nvSpPr>
+        </p:nvPicPr>
+        <p:blipFill>
+          <a:blip r:embed="rId3" cstate="print">
+            <a:extLst>
+              <a:ext uri="{28A0092B-C50C-407E-A947-70E740481C1C}">
+                <a14:useLocalDpi xmlns:a14="http://schemas.microsoft.com/office/drawing/2010/main" val="0"/>
+              </a:ext>
+            </a:extLst>
+          </a:blip>
+          <a:stretch>
+            <a:fillRect/>
+          </a:stretch>
+        </p:blipFill>
         <p:spPr>
           <a:xfrm>
-            <a:off x="692459" y="877224"/>
-            <a:ext cx="9061142" cy="2995390"/>
+            <a:off x="879412" y="5796"/>
+            <a:ext cx="6955336" cy="1738834"/>
           </a:xfrm>
           <a:prstGeom prst="rect">
             <a:avLst/>
           </a:prstGeom>
         </p:spPr>
+      </p:pic>
+      <p:sp>
+        <p:nvSpPr>
+          <p:cNvPr id="7" name="TextBox 6">
+            <a:extLst>
+              <a:ext uri="{FF2B5EF4-FFF2-40B4-BE49-F238E27FC236}">
+                <a16:creationId xmlns:a16="http://schemas.microsoft.com/office/drawing/2014/main" id="{05891812-8180-484D-ADAF-F96E98CC00E3}"/>
+              </a:ext>
+            </a:extLst>
+          </p:cNvPr>
+          <p:cNvSpPr txBox="1"/>
+          <p:nvPr/>
+        </p:nvSpPr>
+        <p:spPr>
+          <a:xfrm>
+            <a:off x="76200" y="2813027"/>
+            <a:ext cx="8714159" cy="584775"/>
+          </a:xfrm>
+          <a:prstGeom prst="rect">
+            <a:avLst/>
+          </a:prstGeom>
+          <a:noFill/>
+        </p:spPr>
         <p:txBody>
-          <a:bodyPr vert="horz" lIns="91438" tIns="45719" rIns="91438" bIns="45719" rtlCol="0">
-            <a:normAutofit fontScale="85000" lnSpcReduction="10000"/>
+          <a:bodyPr wrap="square" rtlCol="0">
+            <a:spAutoFit/>
           </a:bodyPr>
-          <a:lstStyle>
-            <a:lvl1pPr marL="342900" indent="-342900" algn="l" defTabSz="914400" rtl="0" eaLnBrk="1" latinLnBrk="0" hangingPunct="1">
-              <a:spcBef>
-                <a:spcPct val="20000"/>
-              </a:spcBef>
-              <a:buFont typeface="Arial" pitchFamily="34" charset="0"/>
-              <a:buChar char="•"/>
-              <a:defRPr sz="3200" kern="1200">
-                <a:solidFill>
-                  <a:schemeClr val="tx1"/>
-                </a:solidFill>
-                <a:latin typeface="+mn-lt"/>
-                <a:ea typeface="+mn-ea"/>
-                <a:cs typeface="+mn-cs"/>
-              </a:defRPr>
-            </a:lvl1pPr>
-            <a:lvl2pPr marL="742950" indent="-285750" algn="l" defTabSz="914400" rtl="0" eaLnBrk="1" latinLnBrk="0" hangingPunct="1">
-              <a:spcBef>
-                <a:spcPct val="20000"/>
-              </a:spcBef>
-              <a:buFont typeface="Arial" pitchFamily="34" charset="0"/>
-              <a:buChar char="–"/>
-              <a:defRPr sz="2800" kern="1200">
-                <a:solidFill>
-                  <a:schemeClr val="tx1"/>
-                </a:solidFill>
-                <a:latin typeface="+mn-lt"/>
-                <a:ea typeface="+mn-ea"/>
-                <a:cs typeface="+mn-cs"/>
-              </a:defRPr>
-            </a:lvl2pPr>
-            <a:lvl3pPr marL="1143000" indent="-228600" algn="l" defTabSz="914400" rtl="0" eaLnBrk="1" latinLnBrk="0" hangingPunct="1">
-              <a:spcBef>
-                <a:spcPct val="20000"/>
-              </a:spcBef>
-              <a:buFont typeface="Arial" pitchFamily="34" charset="0"/>
-              <a:buChar char="•"/>
-              <a:defRPr sz="2400" kern="1200">
-                <a:solidFill>
-                  <a:schemeClr val="tx1"/>
-                </a:solidFill>
-                <a:latin typeface="+mn-lt"/>
-                <a:ea typeface="+mn-ea"/>
-                <a:cs typeface="+mn-cs"/>
-              </a:defRPr>
-            </a:lvl3pPr>
-            <a:lvl4pPr marL="1600200" indent="-228600" algn="l" defTabSz="914400" rtl="0" eaLnBrk="1" latinLnBrk="0" hangingPunct="1">
-              <a:spcBef>
-                <a:spcPct val="20000"/>
-              </a:spcBef>
-              <a:buFont typeface="Arial" pitchFamily="34" charset="0"/>
-              <a:buChar char="–"/>
-              <a:defRPr sz="2000" kern="1200">
-                <a:solidFill>
-                  <a:schemeClr val="tx1"/>
-                </a:solidFill>
-                <a:latin typeface="+mn-lt"/>
-                <a:ea typeface="+mn-ea"/>
-                <a:cs typeface="+mn-cs"/>
-              </a:defRPr>
-            </a:lvl4pPr>
-            <a:lvl5pPr marL="2057400" indent="-228600" algn="l" defTabSz="914400" rtl="0" eaLnBrk="1" latinLnBrk="0" hangingPunct="1">
-              <a:spcBef>
-                <a:spcPct val="20000"/>
-              </a:spcBef>
-              <a:buFont typeface="Arial" pitchFamily="34" charset="0"/>
-              <a:buChar char="»"/>
-              <a:defRPr sz="2000" kern="1200">
-                <a:solidFill>
-                  <a:schemeClr val="tx1"/>
-                </a:solidFill>
-                <a:latin typeface="+mn-lt"/>
-                <a:ea typeface="+mn-ea"/>
-                <a:cs typeface="+mn-cs"/>
-              </a:defRPr>
-            </a:lvl5pPr>
-            <a:lvl6pPr marL="2514600" indent="-228600" algn="l" defTabSz="914400" rtl="0" eaLnBrk="1" latinLnBrk="0" hangingPunct="1">
-              <a:spcBef>
-                <a:spcPct val="20000"/>
-              </a:spcBef>
-              <a:buFont typeface="Arial" pitchFamily="34" charset="0"/>
-              <a:buChar char="•"/>
-              <a:defRPr sz="2000" kern="1200">
-                <a:solidFill>
-                  <a:schemeClr val="tx1"/>
-                </a:solidFill>
-                <a:latin typeface="+mn-lt"/>
-                <a:ea typeface="+mn-ea"/>
-                <a:cs typeface="+mn-cs"/>
-              </a:defRPr>
-            </a:lvl6pPr>
-            <a:lvl7pPr marL="2971800" indent="-228600" algn="l" defTabSz="914400" rtl="0" eaLnBrk="1" latinLnBrk="0" hangingPunct="1">
-              <a:spcBef>
-                <a:spcPct val="20000"/>
-              </a:spcBef>
-              <a:buFont typeface="Arial" pitchFamily="34" charset="0"/>
-              <a:buChar char="•"/>
-              <a:defRPr sz="2000" kern="1200">
-                <a:solidFill>
-                  <a:schemeClr val="tx1"/>
-                </a:solidFill>
-                <a:latin typeface="+mn-lt"/>
-                <a:ea typeface="+mn-ea"/>
-                <a:cs typeface="+mn-cs"/>
-              </a:defRPr>
-            </a:lvl7pPr>
-            <a:lvl8pPr marL="3429000" indent="-228600" algn="l" defTabSz="914400" rtl="0" eaLnBrk="1" latinLnBrk="0" hangingPunct="1">
-              <a:spcBef>
-                <a:spcPct val="20000"/>
-              </a:spcBef>
-              <a:buFont typeface="Arial" pitchFamily="34" charset="0"/>
-              <a:buChar char="•"/>
-              <a:defRPr sz="2000" kern="1200">
-                <a:solidFill>
-                  <a:schemeClr val="tx1"/>
-                </a:solidFill>
-                <a:latin typeface="+mn-lt"/>
-                <a:ea typeface="+mn-ea"/>
-                <a:cs typeface="+mn-cs"/>
-              </a:defRPr>
-            </a:lvl8pPr>
-            <a:lvl9pPr marL="3886200" indent="-228600" algn="l" defTabSz="914400" rtl="0" eaLnBrk="1" latinLnBrk="0" hangingPunct="1">
-              <a:spcBef>
-                <a:spcPct val="20000"/>
-              </a:spcBef>
-              <a:buFont typeface="Arial" pitchFamily="34" charset="0"/>
-              <a:buChar char="•"/>
-              <a:defRPr sz="2000" kern="1200">
-                <a:solidFill>
-                  <a:schemeClr val="tx1"/>
-                </a:solidFill>
-                <a:latin typeface="+mn-lt"/>
-                <a:ea typeface="+mn-ea"/>
-                <a:cs typeface="+mn-cs"/>
-              </a:defRPr>
-            </a:lvl9pPr>
-          </a:lstStyle>
-          <a:p>
-            <a:pPr marL="362891" marR="0" lvl="0" indent="-362891" algn="l" defTabSz="967710" rtl="0" eaLnBrk="1" fontAlgn="auto" latinLnBrk="0" hangingPunct="1">
+          <a:lstStyle/>
+          <a:p>
+            <a:pPr marL="0" marR="0" lvl="0" indent="0" algn="ctr" defTabSz="914400" rtl="0" eaLnBrk="1" fontAlgn="auto" latinLnBrk="0" hangingPunct="1">
               <a:lnSpc>
                 <a:spcPct val="100000"/>
               </a:lnSpc>
               <a:spcBef>
-                <a:spcPct val="20000"/>
+                <a:spcPts val="0"/>
               </a:spcBef>
               <a:spcAft>
                 <a:spcPts val="0"/>
               </a:spcAft>
               <a:buClrTx/>
               <a:buSzTx/>
-              <a:buFont typeface="Arial" pitchFamily="34" charset="0"/>
-              <a:buChar char="•"/>
+              <a:buFontTx/>
+              <a:buNone/>
               <a:tabLst/>
               <a:defRPr/>
             </a:pPr>
             <a:r>
-              <a:rPr kumimoji="0" lang="en-US" sz="3300" b="0" i="0" u="none" strike="noStrike" kern="1200" cap="none" spc="0" normalizeH="0" baseline="0" noProof="0" dirty="0">
+              <a:rPr kumimoji="0" lang="en-US" sz="3200" b="0" i="0" u="none" strike="noStrike" kern="1200" cap="none" spc="0" normalizeH="0" baseline="0" noProof="0" dirty="0">
                 <a:ln>
                   <a:noFill/>
                 </a:ln>
                 <a:solidFill>
-                  <a:srgbClr val="101820"/>
+                  <a:srgbClr val="FF0000"/>
                 </a:solidFill>
                 <a:effectLst/>
                 <a:uLnTx/>
@@ -32064,193 +33196,14 @@
                 <a:ea typeface="+mn-ea"/>
                 <a:cs typeface="+mn-cs"/>
               </a:rPr>
-              <a:t>William D Assaf, MCSE</a:t>
-            </a:r>
-          </a:p>
-          <a:p>
-            <a:pPr marL="362891" marR="0" lvl="0" indent="-362891" algn="l" defTabSz="967710" rtl="0" eaLnBrk="1" fontAlgn="auto" latinLnBrk="0" hangingPunct="1">
-              <a:lnSpc>
-                <a:spcPct val="100000"/>
-              </a:lnSpc>
-              <a:spcBef>
-                <a:spcPct val="20000"/>
-              </a:spcBef>
-              <a:spcAft>
-                <a:spcPts val="0"/>
-              </a:spcAft>
-              <a:buClrTx/>
-              <a:buSzTx/>
-              <a:buFont typeface="Arial" pitchFamily="34" charset="0"/>
-              <a:buChar char="•"/>
-              <a:tabLst/>
-              <a:defRPr/>
-            </a:pPr>
-            <a:r>
-              <a:rPr kumimoji="0" lang="en-US" sz="3300" b="0" i="0" u="none" strike="noStrike" kern="1200" cap="none" spc="0" normalizeH="0" baseline="0" noProof="0" dirty="0">
-                <a:ln>
-                  <a:noFill/>
-                </a:ln>
-                <a:solidFill>
-                  <a:srgbClr val="101820"/>
-                </a:solidFill>
-                <a:effectLst/>
-                <a:uLnTx/>
-                <a:uFillTx/>
-                <a:latin typeface="Segoe UI"/>
-                <a:ea typeface="+mn-ea"/>
-                <a:cs typeface="+mn-cs"/>
-              </a:rPr>
-              <a:t>Baton Rouge SQL Server UG board and </a:t>
-            </a:r>
-            <a:r>
-              <a:rPr kumimoji="0" lang="en-US" sz="3300" b="0" i="0" u="none" strike="noStrike" kern="1200" cap="none" spc="0" normalizeH="0" baseline="0" noProof="0" dirty="0" err="1">
-                <a:ln>
-                  <a:noFill/>
-                </a:ln>
-                <a:solidFill>
-                  <a:srgbClr val="101820"/>
-                </a:solidFill>
-                <a:effectLst/>
-                <a:uLnTx/>
-                <a:uFillTx/>
-                <a:latin typeface="Segoe UI"/>
-                <a:ea typeface="+mn-ea"/>
-                <a:cs typeface="+mn-cs"/>
-              </a:rPr>
-              <a:t>SQLSat</a:t>
-            </a:r>
-            <a:r>
-              <a:rPr kumimoji="0" lang="en-US" sz="3300" b="0" i="0" u="none" strike="noStrike" kern="1200" cap="none" spc="0" normalizeH="0" baseline="0" noProof="0" dirty="0">
-                <a:ln>
-                  <a:noFill/>
-                </a:ln>
-                <a:solidFill>
-                  <a:srgbClr val="101820"/>
-                </a:solidFill>
-                <a:effectLst/>
-                <a:uLnTx/>
-                <a:uFillTx/>
-                <a:latin typeface="Segoe UI"/>
-                <a:ea typeface="+mn-ea"/>
-                <a:cs typeface="+mn-cs"/>
-              </a:rPr>
-              <a:t> chair</a:t>
-            </a:r>
-          </a:p>
-          <a:p>
-            <a:pPr marL="362891" marR="0" lvl="0" indent="-362891" algn="l" defTabSz="967710" rtl="0" eaLnBrk="1" fontAlgn="auto" latinLnBrk="0" hangingPunct="1">
-              <a:lnSpc>
-                <a:spcPct val="100000"/>
-              </a:lnSpc>
-              <a:spcBef>
-                <a:spcPct val="20000"/>
-              </a:spcBef>
-              <a:spcAft>
-                <a:spcPts val="0"/>
-              </a:spcAft>
-              <a:buClrTx/>
-              <a:buSzTx/>
-              <a:buFont typeface="Arial" pitchFamily="34" charset="0"/>
-              <a:buChar char="•"/>
-              <a:tabLst/>
-              <a:defRPr/>
-            </a:pPr>
-            <a:r>
-              <a:rPr kumimoji="0" lang="en-US" sz="3300" b="0" i="0" u="none" strike="noStrike" kern="1200" cap="none" spc="0" normalizeH="0" baseline="0" noProof="0" dirty="0">
-                <a:ln>
-                  <a:noFill/>
-                </a:ln>
-                <a:solidFill>
-                  <a:srgbClr val="101820"/>
-                </a:solidFill>
-                <a:effectLst/>
-                <a:uLnTx/>
-                <a:uFillTx/>
-                <a:latin typeface="Segoe UI"/>
-                <a:ea typeface="+mn-ea"/>
-                <a:cs typeface="+mn-cs"/>
-              </a:rPr>
-              <a:t>Principal Consultant, Manager – DBA Team at</a:t>
-            </a:r>
-          </a:p>
-          <a:p>
-            <a:pPr marL="0" marR="0" lvl="0" indent="0" algn="l" defTabSz="967710" rtl="0" eaLnBrk="1" fontAlgn="auto" latinLnBrk="0" hangingPunct="1">
-              <a:lnSpc>
-                <a:spcPct val="100000"/>
-              </a:lnSpc>
-              <a:spcBef>
-                <a:spcPct val="20000"/>
-              </a:spcBef>
-              <a:spcAft>
-                <a:spcPts val="0"/>
-              </a:spcAft>
-              <a:buClrTx/>
-              <a:buSzTx/>
-              <a:buFont typeface="Arial" pitchFamily="34" charset="0"/>
-              <a:buNone/>
-              <a:tabLst/>
-              <a:defRPr/>
-            </a:pPr>
-            <a:r>
-              <a:rPr kumimoji="0" lang="en-US" sz="3300" b="0" i="0" u="none" strike="noStrike" kern="1200" cap="none" spc="0" normalizeH="0" baseline="0" noProof="0" dirty="0">
-                <a:ln>
-                  <a:noFill/>
-                </a:ln>
-                <a:solidFill>
-                  <a:srgbClr val="101820"/>
-                </a:solidFill>
-                <a:effectLst/>
-                <a:uLnTx/>
-                <a:uFillTx/>
-                <a:latin typeface="Segoe UI"/>
-                <a:ea typeface="+mn-ea"/>
-                <a:cs typeface="+mn-cs"/>
-              </a:rPr>
-              <a:t>	Sparkhound Inc.  </a:t>
-            </a:r>
-          </a:p>
-          <a:p>
-            <a:pPr marL="362891" marR="0" lvl="0" indent="-362891" algn="l" defTabSz="967710" rtl="0" eaLnBrk="1" fontAlgn="auto" latinLnBrk="0" hangingPunct="1">
-              <a:lnSpc>
-                <a:spcPct val="100000"/>
-              </a:lnSpc>
-              <a:spcBef>
-                <a:spcPct val="20000"/>
-              </a:spcBef>
-              <a:spcAft>
-                <a:spcPts val="0"/>
-              </a:spcAft>
-              <a:buClrTx/>
-              <a:buSzTx/>
-              <a:buFont typeface="Arial" pitchFamily="34" charset="0"/>
-              <a:buChar char="•"/>
-              <a:tabLst/>
-              <a:defRPr/>
-            </a:pPr>
-            <a:r>
-              <a:rPr kumimoji="0" lang="en-US" sz="3300" b="0" i="0" u="none" strike="noStrike" kern="1200" cap="none" spc="0" normalizeH="0" baseline="0" noProof="0" dirty="0">
-                <a:ln>
-                  <a:noFill/>
-                </a:ln>
-                <a:solidFill>
-                  <a:srgbClr val="101820"/>
-                </a:solidFill>
-                <a:effectLst/>
-                <a:uLnTx/>
-                <a:uFillTx/>
-                <a:latin typeface="Segoe UI"/>
-                <a:ea typeface="+mn-ea"/>
-                <a:cs typeface="+mn-cs"/>
-                <a:hlinkClick r:id="rId3"/>
-              </a:rPr>
-              <a:t>William.Assaf@sparkhound.com</a:t>
-            </a:r>
-            <a:endParaRPr kumimoji="0" lang="en-US" sz="3300" b="0" i="0" u="none" strike="noStrike" kern="1200" cap="none" spc="0" normalizeH="0" baseline="0" noProof="0" dirty="0">
+              <a:t>Our Call for Speakers closes TONIGHT!</a:t>
+            </a:r>
+            <a:endParaRPr kumimoji="0" lang="en-US" sz="2800" b="0" i="0" u="none" strike="noStrike" kern="1200" cap="none" spc="0" normalizeH="0" baseline="0" noProof="0" dirty="0">
               <a:ln>
                 <a:noFill/>
               </a:ln>
               <a:solidFill>
-                <a:srgbClr val="101820"/>
+                <a:srgbClr val="FF0000"/>
               </a:solidFill>
               <a:effectLst/>
               <a:uLnTx/>
@@ -32260,380 +33213,169 @@
               <a:cs typeface="+mn-cs"/>
             </a:endParaRPr>
           </a:p>
-          <a:p>
-            <a:pPr marL="362891" marR="0" lvl="0" indent="-362891" algn="l" defTabSz="967710" rtl="0" eaLnBrk="1" fontAlgn="auto" latinLnBrk="0" hangingPunct="1">
-              <a:lnSpc>
-                <a:spcPct val="100000"/>
-              </a:lnSpc>
-              <a:spcBef>
-                <a:spcPct val="20000"/>
-              </a:spcBef>
-              <a:spcAft>
-                <a:spcPts val="0"/>
-              </a:spcAft>
-              <a:buClrTx/>
-              <a:buSzTx/>
-              <a:buFont typeface="Arial" pitchFamily="34" charset="0"/>
-              <a:buChar char="•"/>
-              <a:tabLst/>
-              <a:defRPr/>
-            </a:pPr>
-            <a:r>
-              <a:rPr kumimoji="0" lang="en-US" sz="3300" b="0" i="0" u="none" strike="noStrike" kern="1200" cap="none" spc="0" normalizeH="0" baseline="0" noProof="0" dirty="0">
-                <a:ln>
-                  <a:noFill/>
-                </a:ln>
-                <a:solidFill>
-                  <a:srgbClr val="101820"/>
-                </a:solidFill>
-                <a:effectLst/>
-                <a:uLnTx/>
-                <a:uFillTx/>
-                <a:latin typeface="Segoe UI"/>
-                <a:ea typeface="+mn-ea"/>
-                <a:cs typeface="+mn-cs"/>
-              </a:rPr>
-              <a:t>Twitter: @</a:t>
-            </a:r>
-            <a:r>
-              <a:rPr kumimoji="0" lang="en-US" sz="3300" b="0" i="0" u="none" strike="noStrike" kern="1200" cap="none" spc="0" normalizeH="0" baseline="0" noProof="0" dirty="0" err="1">
-                <a:ln>
-                  <a:noFill/>
-                </a:ln>
-                <a:solidFill>
-                  <a:srgbClr val="101820"/>
-                </a:solidFill>
-                <a:effectLst/>
-                <a:uLnTx/>
-                <a:uFillTx/>
-                <a:latin typeface="Segoe UI"/>
-                <a:ea typeface="+mn-ea"/>
-                <a:cs typeface="+mn-cs"/>
-              </a:rPr>
-              <a:t>william_a_dba</a:t>
-            </a:r>
-            <a:endParaRPr kumimoji="0" lang="en-US" sz="3300" b="0" i="0" u="none" strike="noStrike" kern="1200" cap="none" spc="0" normalizeH="0" baseline="0" noProof="0" dirty="0">
-              <a:ln>
-                <a:noFill/>
-              </a:ln>
-              <a:solidFill>
-                <a:srgbClr val="101820"/>
-              </a:solidFill>
-              <a:effectLst/>
-              <a:uLnTx/>
-              <a:uFillTx/>
-              <a:latin typeface="Segoe UI"/>
-              <a:ea typeface="+mn-ea"/>
-              <a:cs typeface="+mn-cs"/>
-            </a:endParaRPr>
-          </a:p>
-          <a:p>
-            <a:pPr marL="362891" marR="0" lvl="0" indent="-362891" algn="l" defTabSz="967710" rtl="0" eaLnBrk="1" fontAlgn="auto" latinLnBrk="0" hangingPunct="1">
-              <a:lnSpc>
-                <a:spcPct val="100000"/>
-              </a:lnSpc>
-              <a:spcBef>
-                <a:spcPct val="20000"/>
-              </a:spcBef>
-              <a:spcAft>
-                <a:spcPts val="0"/>
-              </a:spcAft>
-              <a:buClrTx/>
-              <a:buSzTx/>
-              <a:buFont typeface="Arial" pitchFamily="34" charset="0"/>
-              <a:buChar char="•"/>
-              <a:tabLst/>
-              <a:defRPr/>
-            </a:pPr>
-            <a:endParaRPr kumimoji="0" lang="en-US" sz="2800" b="0" i="0" u="none" strike="noStrike" kern="1200" cap="none" spc="0" normalizeH="0" baseline="0" noProof="0" dirty="0">
-              <a:ln>
-                <a:noFill/>
-              </a:ln>
-              <a:solidFill>
-                <a:srgbClr val="101820"/>
-              </a:solidFill>
-              <a:effectLst/>
-              <a:uLnTx/>
-              <a:uFillTx/>
-              <a:latin typeface="Segoe UI"/>
-              <a:ea typeface="+mn-ea"/>
-              <a:cs typeface="+mn-cs"/>
-            </a:endParaRPr>
-          </a:p>
-          <a:p>
-            <a:pPr marL="0" marR="0" lvl="0" indent="0" algn="l" defTabSz="967710" rtl="0" eaLnBrk="1" fontAlgn="auto" latinLnBrk="0" hangingPunct="1">
-              <a:lnSpc>
-                <a:spcPct val="100000"/>
-              </a:lnSpc>
-              <a:spcBef>
-                <a:spcPct val="20000"/>
-              </a:spcBef>
-              <a:spcAft>
-                <a:spcPts val="0"/>
-              </a:spcAft>
-              <a:buClrTx/>
-              <a:buSzTx/>
-              <a:buFont typeface="Arial" pitchFamily="34" charset="0"/>
-              <a:buNone/>
-              <a:tabLst/>
-              <a:defRPr/>
-            </a:pPr>
-            <a:endParaRPr kumimoji="0" lang="en-US" sz="2800" b="0" i="0" u="none" strike="noStrike" kern="1200" cap="none" spc="0" normalizeH="0" baseline="0" noProof="0" dirty="0">
-              <a:ln>
-                <a:noFill/>
-              </a:ln>
-              <a:solidFill>
-                <a:srgbClr val="101820"/>
-              </a:solidFill>
-              <a:effectLst/>
-              <a:uLnTx/>
-              <a:uFillTx/>
-              <a:latin typeface="Segoe UI"/>
-              <a:ea typeface="+mn-ea"/>
-              <a:cs typeface="+mn-cs"/>
-            </a:endParaRPr>
-          </a:p>
-        </p:txBody>
-      </p:sp>
-      <p:sp>
-        <p:nvSpPr>
-          <p:cNvPr id="5" name="Text Placeholder 2"/>
-          <p:cNvSpPr txBox="1">
-            <a:spLocks/>
-          </p:cNvSpPr>
-          <p:nvPr/>
-        </p:nvSpPr>
-        <p:spPr>
-          <a:xfrm>
-            <a:off x="0" y="53"/>
-            <a:ext cx="12191999" cy="761988"/>
-          </a:xfrm>
-          <a:prstGeom prst="rect">
-            <a:avLst/>
-          </a:prstGeom>
-        </p:spPr>
-        <p:txBody>
-          <a:bodyPr vert="horz" lIns="91438" tIns="45719" rIns="91438" bIns="45719" rtlCol="0">
-            <a:normAutofit/>
-          </a:bodyPr>
-          <a:lstStyle>
-            <a:lvl1pPr marL="342900" indent="-342900" algn="l" defTabSz="457200" rtl="0" eaLnBrk="1" latinLnBrk="0" hangingPunct="1">
-              <a:spcBef>
-                <a:spcPct val="20000"/>
-              </a:spcBef>
-              <a:buFont typeface="Wingdings" charset="2"/>
-              <a:buChar char="§"/>
-              <a:defRPr sz="3000" kern="1200">
-                <a:solidFill>
-                  <a:schemeClr val="tx2"/>
-                </a:solidFill>
-                <a:latin typeface="+mn-lt"/>
-                <a:ea typeface="+mn-ea"/>
-                <a:cs typeface="+mn-cs"/>
-              </a:defRPr>
-            </a:lvl1pPr>
-            <a:lvl2pPr marL="742950" indent="-285750" algn="l" defTabSz="457200" rtl="0" eaLnBrk="1" latinLnBrk="0" hangingPunct="1">
-              <a:spcBef>
-                <a:spcPct val="20000"/>
-              </a:spcBef>
-              <a:buFont typeface="Wingdings" charset="2"/>
-              <a:buChar char="§"/>
-              <a:defRPr sz="2600" kern="1200">
-                <a:solidFill>
-                  <a:schemeClr val="tx2"/>
-                </a:solidFill>
-                <a:latin typeface="+mn-lt"/>
-                <a:ea typeface="+mn-ea"/>
-                <a:cs typeface="+mn-cs"/>
-              </a:defRPr>
-            </a:lvl2pPr>
-            <a:lvl3pPr marL="1143000" indent="-228600" algn="l" defTabSz="457200" rtl="0" eaLnBrk="1" latinLnBrk="0" hangingPunct="1">
-              <a:spcBef>
-                <a:spcPct val="20000"/>
-              </a:spcBef>
-              <a:buFont typeface="Wingdings" charset="2"/>
-              <a:buChar char="§"/>
-              <a:defRPr sz="2200" kern="1200">
-                <a:solidFill>
-                  <a:schemeClr val="tx2"/>
-                </a:solidFill>
-                <a:latin typeface="+mn-lt"/>
-                <a:ea typeface="+mn-ea"/>
-                <a:cs typeface="+mn-cs"/>
-              </a:defRPr>
-            </a:lvl3pPr>
-            <a:lvl4pPr marL="1600200" indent="-228600" algn="l" defTabSz="457200" rtl="0" eaLnBrk="1" latinLnBrk="0" hangingPunct="1">
-              <a:spcBef>
-                <a:spcPct val="20000"/>
-              </a:spcBef>
-              <a:buFont typeface="Wingdings" charset="2"/>
-              <a:buChar char="§"/>
-              <a:defRPr sz="2000" kern="1200">
-                <a:solidFill>
-                  <a:schemeClr val="tx2"/>
-                </a:solidFill>
-                <a:latin typeface="+mn-lt"/>
-                <a:ea typeface="+mn-ea"/>
-                <a:cs typeface="+mn-cs"/>
-              </a:defRPr>
-            </a:lvl4pPr>
-            <a:lvl5pPr marL="2057400" indent="-228600" algn="l" defTabSz="457200" rtl="0" eaLnBrk="1" latinLnBrk="0" hangingPunct="1">
-              <a:spcBef>
-                <a:spcPct val="20000"/>
-              </a:spcBef>
-              <a:buFont typeface="Wingdings" charset="2"/>
-              <a:buChar char="§"/>
-              <a:defRPr sz="1800" kern="1200">
-                <a:solidFill>
-                  <a:schemeClr val="tx2"/>
-                </a:solidFill>
-                <a:latin typeface="+mn-lt"/>
-                <a:ea typeface="+mn-ea"/>
-                <a:cs typeface="+mn-cs"/>
-              </a:defRPr>
-            </a:lvl5pPr>
-            <a:lvl6pPr marL="2514600" indent="-228600" algn="l" defTabSz="457200" rtl="0" eaLnBrk="1" latinLnBrk="0" hangingPunct="1">
-              <a:spcBef>
-                <a:spcPct val="20000"/>
-              </a:spcBef>
-              <a:buFont typeface="Arial"/>
-              <a:buChar char="•"/>
-              <a:defRPr sz="2000" kern="1200">
-                <a:solidFill>
-                  <a:schemeClr val="tx1"/>
-                </a:solidFill>
-                <a:latin typeface="+mn-lt"/>
-                <a:ea typeface="+mn-ea"/>
-                <a:cs typeface="+mn-cs"/>
-              </a:defRPr>
-            </a:lvl6pPr>
-            <a:lvl7pPr marL="2971800" indent="-228600" algn="l" defTabSz="457200" rtl="0" eaLnBrk="1" latinLnBrk="0" hangingPunct="1">
-              <a:spcBef>
-                <a:spcPct val="20000"/>
-              </a:spcBef>
-              <a:buFont typeface="Arial"/>
-              <a:buChar char="•"/>
-              <a:defRPr sz="2000" kern="1200">
-                <a:solidFill>
-                  <a:schemeClr val="tx1"/>
-                </a:solidFill>
-                <a:latin typeface="+mn-lt"/>
-                <a:ea typeface="+mn-ea"/>
-                <a:cs typeface="+mn-cs"/>
-              </a:defRPr>
-            </a:lvl7pPr>
-            <a:lvl8pPr marL="3429000" indent="-228600" algn="l" defTabSz="457200" rtl="0" eaLnBrk="1" latinLnBrk="0" hangingPunct="1">
-              <a:spcBef>
-                <a:spcPct val="20000"/>
-              </a:spcBef>
-              <a:buFont typeface="Arial"/>
-              <a:buChar char="•"/>
-              <a:defRPr sz="2000" kern="1200">
-                <a:solidFill>
-                  <a:schemeClr val="tx1"/>
-                </a:solidFill>
-                <a:latin typeface="+mn-lt"/>
-                <a:ea typeface="+mn-ea"/>
-                <a:cs typeface="+mn-cs"/>
-              </a:defRPr>
-            </a:lvl8pPr>
-            <a:lvl9pPr marL="3886200" indent="-228600" algn="l" defTabSz="457200" rtl="0" eaLnBrk="1" latinLnBrk="0" hangingPunct="1">
-              <a:spcBef>
-                <a:spcPct val="20000"/>
-              </a:spcBef>
-              <a:buFont typeface="Arial"/>
-              <a:buChar char="•"/>
-              <a:defRPr sz="2000" kern="1200">
-                <a:solidFill>
-                  <a:schemeClr val="tx1"/>
-                </a:solidFill>
-                <a:latin typeface="+mn-lt"/>
-                <a:ea typeface="+mn-ea"/>
-                <a:cs typeface="+mn-cs"/>
-              </a:defRPr>
-            </a:lvl9pPr>
-          </a:lstStyle>
-          <a:p>
-            <a:pPr marL="0" marR="0" lvl="0" indent="0" algn="ctr" defTabSz="483855" rtl="0" eaLnBrk="1" fontAlgn="auto" latinLnBrk="0" hangingPunct="1">
-              <a:lnSpc>
-                <a:spcPct val="100000"/>
-              </a:lnSpc>
-              <a:spcBef>
-                <a:spcPct val="20000"/>
-              </a:spcBef>
-              <a:spcAft>
-                <a:spcPts val="0"/>
-              </a:spcAft>
-              <a:buClrTx/>
-              <a:buSzTx/>
-              <a:buFont typeface="Wingdings" charset="2"/>
-              <a:buNone/>
-              <a:tabLst/>
-              <a:defRPr/>
-            </a:pPr>
-            <a:r>
-              <a:rPr kumimoji="0" lang="en-US" sz="4000" b="1" i="0" u="none" strike="noStrike" kern="1200" cap="all" spc="0" normalizeH="0" baseline="0" noProof="0" dirty="0">
-                <a:ln>
-                  <a:noFill/>
-                </a:ln>
-                <a:solidFill>
-                  <a:srgbClr val="3D156F"/>
-                </a:solidFill>
-                <a:effectLst/>
-                <a:uLnTx/>
-                <a:uFillTx/>
-                <a:latin typeface="Segoe UI"/>
-                <a:ea typeface="+mn-ea"/>
-                <a:cs typeface="+mn-cs"/>
-              </a:rPr>
-              <a:t>Bio and contact</a:t>
-            </a:r>
-          </a:p>
         </p:txBody>
       </p:sp>
       <p:pic>
         <p:nvPicPr>
-          <p:cNvPr id="6" name="Picture 2" descr="William Assaf">
+          <p:cNvPr id="8" name="Picture 7">
             <a:extLst>
               <a:ext uri="{FF2B5EF4-FFF2-40B4-BE49-F238E27FC236}">
-                <a16:creationId xmlns:a16="http://schemas.microsoft.com/office/drawing/2014/main" id="{2BAE5041-34BB-4C0C-A938-11DDAAA023DE}"/>
+                <a16:creationId xmlns:a16="http://schemas.microsoft.com/office/drawing/2014/main" id="{B8801B29-8D40-45B3-9656-7C186A45D569}"/>
               </a:ext>
             </a:extLst>
           </p:cNvPr>
-          <p:cNvPicPr>
-            <a:picLocks noChangeAspect="1" noChangeArrowheads="1"/>
-          </p:cNvPicPr>
+          <p:cNvPicPr/>
           <p:nvPr/>
         </p:nvPicPr>
-        <p:blipFill>
-          <a:blip r:embed="rId4">
+        <p:blipFill rotWithShape="1">
+          <a:blip r:embed="rId4" cstate="print">
             <a:extLst>
               <a:ext uri="{28A0092B-C50C-407E-A947-70E740481C1C}">
                 <a14:useLocalDpi xmlns:a14="http://schemas.microsoft.com/office/drawing/2010/main" val="0"/>
               </a:ext>
             </a:extLst>
           </a:blip>
-          <a:srcRect/>
-          <a:stretch>
-            <a:fillRect/>
-          </a:stretch>
+          <a:srcRect t="2849"/>
+          <a:stretch/>
         </p:blipFill>
         <p:spPr bwMode="auto">
           <a:xfrm>
-            <a:off x="9982200" y="762041"/>
-            <a:ext cx="1981200" cy="1981200"/>
+            <a:off x="8717280" y="0"/>
+            <a:ext cx="3474719" cy="1449689"/>
+          </a:xfrm>
+          <a:prstGeom prst="rect">
+            <a:avLst/>
+          </a:prstGeom>
+          <a:ln>
+            <a:noFill/>
+          </a:ln>
+          <a:extLst>
+            <a:ext uri="{53640926-AAD7-44D8-BBD7-CCE9431645EC}">
+              <a14:shadowObscured xmlns:a14="http://schemas.microsoft.com/office/drawing/2010/main"/>
+            </a:ext>
+          </a:extLst>
+        </p:spPr>
+      </p:pic>
+      <p:pic>
+        <p:nvPicPr>
+          <p:cNvPr id="10" name="Picture 9">
+            <a:extLst>
+              <a:ext uri="{FF2B5EF4-FFF2-40B4-BE49-F238E27FC236}">
+                <a16:creationId xmlns:a16="http://schemas.microsoft.com/office/drawing/2014/main" id="{A46ABE1B-7E44-42F0-AE12-CE8CD50BC023}"/>
+              </a:ext>
+            </a:extLst>
+          </p:cNvPr>
+          <p:cNvPicPr/>
+          <p:nvPr/>
+        </p:nvPicPr>
+        <p:blipFill rotWithShape="1">
+          <a:blip r:embed="rId5" cstate="print">
+            <a:extLst>
+              <a:ext uri="{28A0092B-C50C-407E-A947-70E740481C1C}">
+                <a14:useLocalDpi xmlns:a14="http://schemas.microsoft.com/office/drawing/2010/main" val="0"/>
+              </a:ext>
+            </a:extLst>
+          </a:blip>
+          <a:srcRect t="15351" b="18856"/>
+          <a:stretch/>
+        </p:blipFill>
+        <p:spPr bwMode="auto">
+          <a:xfrm>
+            <a:off x="8717915" y="3201210"/>
+            <a:ext cx="3474085" cy="1714500"/>
+          </a:xfrm>
+          <a:prstGeom prst="rect">
+            <a:avLst/>
+          </a:prstGeom>
+          <a:ln>
+            <a:noFill/>
+          </a:ln>
+          <a:extLst>
+            <a:ext uri="{53640926-AAD7-44D8-BBD7-CCE9431645EC}">
+              <a14:shadowObscured xmlns:a14="http://schemas.microsoft.com/office/drawing/2010/main"/>
+            </a:ext>
+          </a:extLst>
+        </p:spPr>
+      </p:pic>
+      <p:pic>
+        <p:nvPicPr>
+          <p:cNvPr id="11" name="Picture 10">
+            <a:extLst>
+              <a:ext uri="{FF2B5EF4-FFF2-40B4-BE49-F238E27FC236}">
+                <a16:creationId xmlns:a16="http://schemas.microsoft.com/office/drawing/2014/main" id="{77EE5D88-FD88-4651-8D73-5214218F6D29}"/>
+              </a:ext>
+            </a:extLst>
+          </p:cNvPr>
+          <p:cNvPicPr/>
+          <p:nvPr/>
+        </p:nvPicPr>
+        <p:blipFill rotWithShape="1">
+          <a:blip r:embed="rId6" cstate="print">
+            <a:extLst>
+              <a:ext uri="{28A0092B-C50C-407E-A947-70E740481C1C}">
+                <a14:useLocalDpi xmlns:a14="http://schemas.microsoft.com/office/drawing/2010/main" val="0"/>
+              </a:ext>
+            </a:extLst>
+          </a:blip>
+          <a:srcRect t="37049" b="16711"/>
+          <a:stretch/>
+        </p:blipFill>
+        <p:spPr bwMode="auto">
+          <a:xfrm>
+            <a:off x="8716355" y="4712627"/>
+            <a:ext cx="3473450" cy="2141855"/>
+          </a:xfrm>
+          <a:prstGeom prst="rect">
+            <a:avLst/>
+          </a:prstGeom>
+          <a:ln>
+            <a:noFill/>
+          </a:ln>
+          <a:extLst>
+            <a:ext uri="{53640926-AAD7-44D8-BBD7-CCE9431645EC}">
+              <a14:shadowObscured xmlns:a14="http://schemas.microsoft.com/office/drawing/2010/main"/>
+            </a:ext>
+          </a:extLst>
+        </p:spPr>
+      </p:pic>
+      <p:pic>
+        <p:nvPicPr>
+          <p:cNvPr id="9" name="Picture 8">
+            <a:extLst>
+              <a:ext uri="{FF2B5EF4-FFF2-40B4-BE49-F238E27FC236}">
+                <a16:creationId xmlns:a16="http://schemas.microsoft.com/office/drawing/2014/main" id="{F940FAFE-1C5D-41AC-ABFE-23B62BFF3481}"/>
+              </a:ext>
+            </a:extLst>
+          </p:cNvPr>
+          <p:cNvPicPr/>
+          <p:nvPr/>
+        </p:nvPicPr>
+        <p:blipFill rotWithShape="1">
+          <a:blip r:embed="rId7" cstate="print">
+            <a:extLst>
+              <a:ext uri="{28A0092B-C50C-407E-A947-70E740481C1C}">
+                <a14:useLocalDpi xmlns:a14="http://schemas.microsoft.com/office/drawing/2010/main" val="0"/>
+              </a:ext>
+            </a:extLst>
+          </a:blip>
+          <a:srcRect t="22142"/>
+          <a:stretch/>
+        </p:blipFill>
+        <p:spPr bwMode="auto">
+          <a:xfrm>
+            <a:off x="8717280" y="1443030"/>
+            <a:ext cx="3474720" cy="1802130"/>
           </a:xfrm>
           <a:prstGeom prst="rect">
             <a:avLst/>
           </a:prstGeom>
           <a:noFill/>
+          <a:ln>
+            <a:noFill/>
+          </a:ln>
           <a:extLst>
-            <a:ext uri="{909E8E84-426E-40DD-AFC4-6F175D3DCCD1}">
-              <a14:hiddenFill xmlns:a14="http://schemas.microsoft.com/office/drawing/2010/main">
-                <a:solidFill>
-                  <a:srgbClr val="FFFFFF"/>
-                </a:solidFill>
-              </a14:hiddenFill>
+            <a:ext uri="{53640926-AAD7-44D8-BBD7-CCE9431645EC}">
+              <a14:shadowObscured xmlns:a14="http://schemas.microsoft.com/office/drawing/2010/main"/>
             </a:ext>
           </a:extLst>
         </p:spPr>
@@ -32641,7 +33383,7 @@
     </p:spTree>
     <p:extLst>
       <p:ext uri="{BB962C8B-B14F-4D97-AF65-F5344CB8AC3E}">
-        <p14:creationId xmlns:p14="http://schemas.microsoft.com/office/powerpoint/2010/main" val="1965489894"/>
+        <p14:creationId xmlns:p14="http://schemas.microsoft.com/office/powerpoint/2010/main" val="3892368463"/>
       </p:ext>
     </p:extLst>
   </p:cSld>
@@ -32925,6 +33667,851 @@
     <p:extLst>
       <p:ext uri="{BB962C8B-B14F-4D97-AF65-F5344CB8AC3E}">
         <p14:creationId xmlns:p14="http://schemas.microsoft.com/office/powerpoint/2010/main" val="3116402925"/>
+      </p:ext>
+    </p:extLst>
+  </p:cSld>
+  <p:clrMapOvr>
+    <a:masterClrMapping/>
+  </p:clrMapOvr>
+</p:sld>
+</file>
+
+<file path=ppt/slides/slide70.xml><?xml version="1.0" encoding="utf-8"?>
+<p:sld xmlns:a="http://schemas.openxmlformats.org/drawingml/2006/main" xmlns:r="http://schemas.openxmlformats.org/officeDocument/2006/relationships" xmlns:p="http://schemas.openxmlformats.org/presentationml/2006/main">
+  <p:cSld>
+    <p:spTree>
+      <p:nvGrpSpPr>
+        <p:cNvPr id="1" name=""/>
+        <p:cNvGrpSpPr/>
+        <p:nvPr/>
+      </p:nvGrpSpPr>
+      <p:grpSpPr>
+        <a:xfrm>
+          <a:off x="0" y="0"/>
+          <a:ext cx="0" cy="0"/>
+          <a:chOff x="0" y="0"/>
+          <a:chExt cx="0" cy="0"/>
+        </a:xfrm>
+      </p:grpSpPr>
+      <p:sp>
+        <p:nvSpPr>
+          <p:cNvPr id="3" name="Content Placeholder 2"/>
+          <p:cNvSpPr>
+            <a:spLocks noGrp="1"/>
+          </p:cNvSpPr>
+          <p:nvPr>
+            <p:ph idx="4294967295"/>
+          </p:nvPr>
+        </p:nvSpPr>
+        <p:spPr>
+          <a:xfrm>
+            <a:off x="0" y="3987797"/>
+            <a:ext cx="12192000" cy="2679659"/>
+          </a:xfrm>
+        </p:spPr>
+        <p:txBody>
+          <a:bodyPr>
+            <a:normAutofit/>
+          </a:bodyPr>
+          <a:lstStyle/>
+          <a:p>
+            <a:pPr marL="0" indent="0" algn="ctr">
+              <a:buNone/>
+            </a:pPr>
+            <a:r>
+              <a:rPr lang="en-US" sz="4000" dirty="0"/>
+              <a:t>This presentation, including all source code, available at my blog:</a:t>
+            </a:r>
+          </a:p>
+          <a:p>
+            <a:pPr marL="0" indent="0" algn="ctr">
+              <a:buNone/>
+            </a:pPr>
+            <a:r>
+              <a:rPr lang="en-US" sz="6600" b="1" dirty="0">
+                <a:hlinkClick r:id="rId2"/>
+              </a:rPr>
+              <a:t>SQLTact.com</a:t>
+            </a:r>
+            <a:endParaRPr lang="en-US" sz="6600" b="1" dirty="0"/>
+          </a:p>
+          <a:p>
+            <a:endParaRPr lang="en-US" sz="4800" dirty="0"/>
+          </a:p>
+          <a:p>
+            <a:endParaRPr lang="en-US" sz="4800" dirty="0"/>
+          </a:p>
+        </p:txBody>
+      </p:sp>
+      <p:sp>
+        <p:nvSpPr>
+          <p:cNvPr id="4" name="Subtitle 2"/>
+          <p:cNvSpPr txBox="1">
+            <a:spLocks/>
+          </p:cNvSpPr>
+          <p:nvPr/>
+        </p:nvSpPr>
+        <p:spPr>
+          <a:xfrm>
+            <a:off x="692459" y="877224"/>
+            <a:ext cx="9061142" cy="2995390"/>
+          </a:xfrm>
+          <a:prstGeom prst="rect">
+            <a:avLst/>
+          </a:prstGeom>
+        </p:spPr>
+        <p:txBody>
+          <a:bodyPr vert="horz" lIns="91438" tIns="45719" rIns="91438" bIns="45719" rtlCol="0">
+            <a:normAutofit fontScale="85000" lnSpcReduction="10000"/>
+          </a:bodyPr>
+          <a:lstStyle>
+            <a:lvl1pPr marL="342900" indent="-342900" algn="l" defTabSz="914400" rtl="0" eaLnBrk="1" latinLnBrk="0" hangingPunct="1">
+              <a:spcBef>
+                <a:spcPct val="20000"/>
+              </a:spcBef>
+              <a:buFont typeface="Arial" pitchFamily="34" charset="0"/>
+              <a:buChar char="•"/>
+              <a:defRPr sz="3200" kern="1200">
+                <a:solidFill>
+                  <a:schemeClr val="tx1"/>
+                </a:solidFill>
+                <a:latin typeface="+mn-lt"/>
+                <a:ea typeface="+mn-ea"/>
+                <a:cs typeface="+mn-cs"/>
+              </a:defRPr>
+            </a:lvl1pPr>
+            <a:lvl2pPr marL="742950" indent="-285750" algn="l" defTabSz="914400" rtl="0" eaLnBrk="1" latinLnBrk="0" hangingPunct="1">
+              <a:spcBef>
+                <a:spcPct val="20000"/>
+              </a:spcBef>
+              <a:buFont typeface="Arial" pitchFamily="34" charset="0"/>
+              <a:buChar char="–"/>
+              <a:defRPr sz="2800" kern="1200">
+                <a:solidFill>
+                  <a:schemeClr val="tx1"/>
+                </a:solidFill>
+                <a:latin typeface="+mn-lt"/>
+                <a:ea typeface="+mn-ea"/>
+                <a:cs typeface="+mn-cs"/>
+              </a:defRPr>
+            </a:lvl2pPr>
+            <a:lvl3pPr marL="1143000" indent="-228600" algn="l" defTabSz="914400" rtl="0" eaLnBrk="1" latinLnBrk="0" hangingPunct="1">
+              <a:spcBef>
+                <a:spcPct val="20000"/>
+              </a:spcBef>
+              <a:buFont typeface="Arial" pitchFamily="34" charset="0"/>
+              <a:buChar char="•"/>
+              <a:defRPr sz="2400" kern="1200">
+                <a:solidFill>
+                  <a:schemeClr val="tx1"/>
+                </a:solidFill>
+                <a:latin typeface="+mn-lt"/>
+                <a:ea typeface="+mn-ea"/>
+                <a:cs typeface="+mn-cs"/>
+              </a:defRPr>
+            </a:lvl3pPr>
+            <a:lvl4pPr marL="1600200" indent="-228600" algn="l" defTabSz="914400" rtl="0" eaLnBrk="1" latinLnBrk="0" hangingPunct="1">
+              <a:spcBef>
+                <a:spcPct val="20000"/>
+              </a:spcBef>
+              <a:buFont typeface="Arial" pitchFamily="34" charset="0"/>
+              <a:buChar char="–"/>
+              <a:defRPr sz="2000" kern="1200">
+                <a:solidFill>
+                  <a:schemeClr val="tx1"/>
+                </a:solidFill>
+                <a:latin typeface="+mn-lt"/>
+                <a:ea typeface="+mn-ea"/>
+                <a:cs typeface="+mn-cs"/>
+              </a:defRPr>
+            </a:lvl4pPr>
+            <a:lvl5pPr marL="2057400" indent="-228600" algn="l" defTabSz="914400" rtl="0" eaLnBrk="1" latinLnBrk="0" hangingPunct="1">
+              <a:spcBef>
+                <a:spcPct val="20000"/>
+              </a:spcBef>
+              <a:buFont typeface="Arial" pitchFamily="34" charset="0"/>
+              <a:buChar char="»"/>
+              <a:defRPr sz="2000" kern="1200">
+                <a:solidFill>
+                  <a:schemeClr val="tx1"/>
+                </a:solidFill>
+                <a:latin typeface="+mn-lt"/>
+                <a:ea typeface="+mn-ea"/>
+                <a:cs typeface="+mn-cs"/>
+              </a:defRPr>
+            </a:lvl5pPr>
+            <a:lvl6pPr marL="2514600" indent="-228600" algn="l" defTabSz="914400" rtl="0" eaLnBrk="1" latinLnBrk="0" hangingPunct="1">
+              <a:spcBef>
+                <a:spcPct val="20000"/>
+              </a:spcBef>
+              <a:buFont typeface="Arial" pitchFamily="34" charset="0"/>
+              <a:buChar char="•"/>
+              <a:defRPr sz="2000" kern="1200">
+                <a:solidFill>
+                  <a:schemeClr val="tx1"/>
+                </a:solidFill>
+                <a:latin typeface="+mn-lt"/>
+                <a:ea typeface="+mn-ea"/>
+                <a:cs typeface="+mn-cs"/>
+              </a:defRPr>
+            </a:lvl6pPr>
+            <a:lvl7pPr marL="2971800" indent="-228600" algn="l" defTabSz="914400" rtl="0" eaLnBrk="1" latinLnBrk="0" hangingPunct="1">
+              <a:spcBef>
+                <a:spcPct val="20000"/>
+              </a:spcBef>
+              <a:buFont typeface="Arial" pitchFamily="34" charset="0"/>
+              <a:buChar char="•"/>
+              <a:defRPr sz="2000" kern="1200">
+                <a:solidFill>
+                  <a:schemeClr val="tx1"/>
+                </a:solidFill>
+                <a:latin typeface="+mn-lt"/>
+                <a:ea typeface="+mn-ea"/>
+                <a:cs typeface="+mn-cs"/>
+              </a:defRPr>
+            </a:lvl7pPr>
+            <a:lvl8pPr marL="3429000" indent="-228600" algn="l" defTabSz="914400" rtl="0" eaLnBrk="1" latinLnBrk="0" hangingPunct="1">
+              <a:spcBef>
+                <a:spcPct val="20000"/>
+              </a:spcBef>
+              <a:buFont typeface="Arial" pitchFamily="34" charset="0"/>
+              <a:buChar char="•"/>
+              <a:defRPr sz="2000" kern="1200">
+                <a:solidFill>
+                  <a:schemeClr val="tx1"/>
+                </a:solidFill>
+                <a:latin typeface="+mn-lt"/>
+                <a:ea typeface="+mn-ea"/>
+                <a:cs typeface="+mn-cs"/>
+              </a:defRPr>
+            </a:lvl8pPr>
+            <a:lvl9pPr marL="3886200" indent="-228600" algn="l" defTabSz="914400" rtl="0" eaLnBrk="1" latinLnBrk="0" hangingPunct="1">
+              <a:spcBef>
+                <a:spcPct val="20000"/>
+              </a:spcBef>
+              <a:buFont typeface="Arial" pitchFamily="34" charset="0"/>
+              <a:buChar char="•"/>
+              <a:defRPr sz="2000" kern="1200">
+                <a:solidFill>
+                  <a:schemeClr val="tx1"/>
+                </a:solidFill>
+                <a:latin typeface="+mn-lt"/>
+                <a:ea typeface="+mn-ea"/>
+                <a:cs typeface="+mn-cs"/>
+              </a:defRPr>
+            </a:lvl9pPr>
+          </a:lstStyle>
+          <a:p>
+            <a:pPr marL="362891" marR="0" lvl="0" indent="-362891" algn="l" defTabSz="967710" rtl="0" eaLnBrk="1" fontAlgn="auto" latinLnBrk="0" hangingPunct="1">
+              <a:lnSpc>
+                <a:spcPct val="100000"/>
+              </a:lnSpc>
+              <a:spcBef>
+                <a:spcPct val="20000"/>
+              </a:spcBef>
+              <a:spcAft>
+                <a:spcPts val="0"/>
+              </a:spcAft>
+              <a:buClrTx/>
+              <a:buSzTx/>
+              <a:buFont typeface="Arial" pitchFamily="34" charset="0"/>
+              <a:buChar char="•"/>
+              <a:tabLst/>
+              <a:defRPr/>
+            </a:pPr>
+            <a:r>
+              <a:rPr kumimoji="0" lang="en-US" sz="3300" b="0" i="0" u="none" strike="noStrike" kern="1200" cap="none" spc="0" normalizeH="0" baseline="0" noProof="0" dirty="0">
+                <a:ln>
+                  <a:noFill/>
+                </a:ln>
+                <a:solidFill>
+                  <a:srgbClr val="101820"/>
+                </a:solidFill>
+                <a:effectLst/>
+                <a:uLnTx/>
+                <a:uFillTx/>
+                <a:latin typeface="Segoe UI"/>
+                <a:ea typeface="+mn-ea"/>
+                <a:cs typeface="+mn-cs"/>
+              </a:rPr>
+              <a:t>William D Assaf, MCSE</a:t>
+            </a:r>
+          </a:p>
+          <a:p>
+            <a:pPr marL="362891" marR="0" lvl="0" indent="-362891" algn="l" defTabSz="967710" rtl="0" eaLnBrk="1" fontAlgn="auto" latinLnBrk="0" hangingPunct="1">
+              <a:lnSpc>
+                <a:spcPct val="100000"/>
+              </a:lnSpc>
+              <a:spcBef>
+                <a:spcPct val="20000"/>
+              </a:spcBef>
+              <a:spcAft>
+                <a:spcPts val="0"/>
+              </a:spcAft>
+              <a:buClrTx/>
+              <a:buSzTx/>
+              <a:buFont typeface="Arial" pitchFamily="34" charset="0"/>
+              <a:buChar char="•"/>
+              <a:tabLst/>
+              <a:defRPr/>
+            </a:pPr>
+            <a:r>
+              <a:rPr kumimoji="0" lang="en-US" sz="3300" b="0" i="0" u="none" strike="noStrike" kern="1200" cap="none" spc="0" normalizeH="0" baseline="0" noProof="0" dirty="0">
+                <a:ln>
+                  <a:noFill/>
+                </a:ln>
+                <a:solidFill>
+                  <a:srgbClr val="101820"/>
+                </a:solidFill>
+                <a:effectLst/>
+                <a:uLnTx/>
+                <a:uFillTx/>
+                <a:latin typeface="Segoe UI"/>
+                <a:ea typeface="+mn-ea"/>
+                <a:cs typeface="+mn-cs"/>
+              </a:rPr>
+              <a:t>Baton Rouge SQL Server UG board and </a:t>
+            </a:r>
+            <a:r>
+              <a:rPr kumimoji="0" lang="en-US" sz="3300" b="0" i="0" u="none" strike="noStrike" kern="1200" cap="none" spc="0" normalizeH="0" baseline="0" noProof="0" dirty="0" err="1">
+                <a:ln>
+                  <a:noFill/>
+                </a:ln>
+                <a:solidFill>
+                  <a:srgbClr val="101820"/>
+                </a:solidFill>
+                <a:effectLst/>
+                <a:uLnTx/>
+                <a:uFillTx/>
+                <a:latin typeface="Segoe UI"/>
+                <a:ea typeface="+mn-ea"/>
+                <a:cs typeface="+mn-cs"/>
+              </a:rPr>
+              <a:t>SQLSat</a:t>
+            </a:r>
+            <a:r>
+              <a:rPr kumimoji="0" lang="en-US" sz="3300" b="0" i="0" u="none" strike="noStrike" kern="1200" cap="none" spc="0" normalizeH="0" baseline="0" noProof="0" dirty="0">
+                <a:ln>
+                  <a:noFill/>
+                </a:ln>
+                <a:solidFill>
+                  <a:srgbClr val="101820"/>
+                </a:solidFill>
+                <a:effectLst/>
+                <a:uLnTx/>
+                <a:uFillTx/>
+                <a:latin typeface="Segoe UI"/>
+                <a:ea typeface="+mn-ea"/>
+                <a:cs typeface="+mn-cs"/>
+              </a:rPr>
+              <a:t> chair</a:t>
+            </a:r>
+          </a:p>
+          <a:p>
+            <a:pPr marL="362891" marR="0" lvl="0" indent="-362891" algn="l" defTabSz="967710" rtl="0" eaLnBrk="1" fontAlgn="auto" latinLnBrk="0" hangingPunct="1">
+              <a:lnSpc>
+                <a:spcPct val="100000"/>
+              </a:lnSpc>
+              <a:spcBef>
+                <a:spcPct val="20000"/>
+              </a:spcBef>
+              <a:spcAft>
+                <a:spcPts val="0"/>
+              </a:spcAft>
+              <a:buClrTx/>
+              <a:buSzTx/>
+              <a:buFont typeface="Arial" pitchFamily="34" charset="0"/>
+              <a:buChar char="•"/>
+              <a:tabLst/>
+              <a:defRPr/>
+            </a:pPr>
+            <a:r>
+              <a:rPr kumimoji="0" lang="en-US" sz="3300" b="0" i="0" u="none" strike="noStrike" kern="1200" cap="none" spc="0" normalizeH="0" baseline="0" noProof="0" dirty="0">
+                <a:ln>
+                  <a:noFill/>
+                </a:ln>
+                <a:solidFill>
+                  <a:srgbClr val="101820"/>
+                </a:solidFill>
+                <a:effectLst/>
+                <a:uLnTx/>
+                <a:uFillTx/>
+                <a:latin typeface="Segoe UI"/>
+                <a:ea typeface="+mn-ea"/>
+                <a:cs typeface="+mn-cs"/>
+              </a:rPr>
+              <a:t>Principal Consultant, Manager – DBA Team at</a:t>
+            </a:r>
+          </a:p>
+          <a:p>
+            <a:pPr marL="0" marR="0" lvl="0" indent="0" algn="l" defTabSz="967710" rtl="0" eaLnBrk="1" fontAlgn="auto" latinLnBrk="0" hangingPunct="1">
+              <a:lnSpc>
+                <a:spcPct val="100000"/>
+              </a:lnSpc>
+              <a:spcBef>
+                <a:spcPct val="20000"/>
+              </a:spcBef>
+              <a:spcAft>
+                <a:spcPts val="0"/>
+              </a:spcAft>
+              <a:buClrTx/>
+              <a:buSzTx/>
+              <a:buFont typeface="Arial" pitchFamily="34" charset="0"/>
+              <a:buNone/>
+              <a:tabLst/>
+              <a:defRPr/>
+            </a:pPr>
+            <a:r>
+              <a:rPr kumimoji="0" lang="en-US" sz="3300" b="0" i="0" u="none" strike="noStrike" kern="1200" cap="none" spc="0" normalizeH="0" baseline="0" noProof="0" dirty="0">
+                <a:ln>
+                  <a:noFill/>
+                </a:ln>
+                <a:solidFill>
+                  <a:srgbClr val="101820"/>
+                </a:solidFill>
+                <a:effectLst/>
+                <a:uLnTx/>
+                <a:uFillTx/>
+                <a:latin typeface="Segoe UI"/>
+                <a:ea typeface="+mn-ea"/>
+                <a:cs typeface="+mn-cs"/>
+              </a:rPr>
+              <a:t>	Sparkhound Inc.  </a:t>
+            </a:r>
+          </a:p>
+          <a:p>
+            <a:pPr marL="362891" marR="0" lvl="0" indent="-362891" algn="l" defTabSz="967710" rtl="0" eaLnBrk="1" fontAlgn="auto" latinLnBrk="0" hangingPunct="1">
+              <a:lnSpc>
+                <a:spcPct val="100000"/>
+              </a:lnSpc>
+              <a:spcBef>
+                <a:spcPct val="20000"/>
+              </a:spcBef>
+              <a:spcAft>
+                <a:spcPts val="0"/>
+              </a:spcAft>
+              <a:buClrTx/>
+              <a:buSzTx/>
+              <a:buFont typeface="Arial" pitchFamily="34" charset="0"/>
+              <a:buChar char="•"/>
+              <a:tabLst/>
+              <a:defRPr/>
+            </a:pPr>
+            <a:r>
+              <a:rPr kumimoji="0" lang="en-US" sz="3300" b="0" i="0" u="none" strike="noStrike" kern="1200" cap="none" spc="0" normalizeH="0" baseline="0" noProof="0" dirty="0">
+                <a:ln>
+                  <a:noFill/>
+                </a:ln>
+                <a:solidFill>
+                  <a:srgbClr val="101820"/>
+                </a:solidFill>
+                <a:effectLst/>
+                <a:uLnTx/>
+                <a:uFillTx/>
+                <a:latin typeface="Segoe UI"/>
+                <a:ea typeface="+mn-ea"/>
+                <a:cs typeface="+mn-cs"/>
+                <a:hlinkClick r:id="rId3"/>
+              </a:rPr>
+              <a:t>William.Assaf@sparkhound.com</a:t>
+            </a:r>
+            <a:endParaRPr kumimoji="0" lang="en-US" sz="3300" b="0" i="0" u="none" strike="noStrike" kern="1200" cap="none" spc="0" normalizeH="0" baseline="0" noProof="0" dirty="0">
+              <a:ln>
+                <a:noFill/>
+              </a:ln>
+              <a:solidFill>
+                <a:srgbClr val="101820"/>
+              </a:solidFill>
+              <a:effectLst/>
+              <a:uLnTx/>
+              <a:uFillTx/>
+              <a:latin typeface="Segoe UI"/>
+              <a:ea typeface="+mn-ea"/>
+              <a:cs typeface="+mn-cs"/>
+            </a:endParaRPr>
+          </a:p>
+          <a:p>
+            <a:pPr marL="362891" marR="0" lvl="0" indent="-362891" algn="l" defTabSz="967710" rtl="0" eaLnBrk="1" fontAlgn="auto" latinLnBrk="0" hangingPunct="1">
+              <a:lnSpc>
+                <a:spcPct val="100000"/>
+              </a:lnSpc>
+              <a:spcBef>
+                <a:spcPct val="20000"/>
+              </a:spcBef>
+              <a:spcAft>
+                <a:spcPts val="0"/>
+              </a:spcAft>
+              <a:buClrTx/>
+              <a:buSzTx/>
+              <a:buFont typeface="Arial" pitchFamily="34" charset="0"/>
+              <a:buChar char="•"/>
+              <a:tabLst/>
+              <a:defRPr/>
+            </a:pPr>
+            <a:r>
+              <a:rPr kumimoji="0" lang="en-US" sz="3300" b="0" i="0" u="none" strike="noStrike" kern="1200" cap="none" spc="0" normalizeH="0" baseline="0" noProof="0" dirty="0">
+                <a:ln>
+                  <a:noFill/>
+                </a:ln>
+                <a:solidFill>
+                  <a:srgbClr val="101820"/>
+                </a:solidFill>
+                <a:effectLst/>
+                <a:uLnTx/>
+                <a:uFillTx/>
+                <a:latin typeface="Segoe UI"/>
+                <a:ea typeface="+mn-ea"/>
+                <a:cs typeface="+mn-cs"/>
+              </a:rPr>
+              <a:t>Twitter: @</a:t>
+            </a:r>
+            <a:r>
+              <a:rPr kumimoji="0" lang="en-US" sz="3300" b="0" i="0" u="none" strike="noStrike" kern="1200" cap="none" spc="0" normalizeH="0" baseline="0" noProof="0" dirty="0" err="1">
+                <a:ln>
+                  <a:noFill/>
+                </a:ln>
+                <a:solidFill>
+                  <a:srgbClr val="101820"/>
+                </a:solidFill>
+                <a:effectLst/>
+                <a:uLnTx/>
+                <a:uFillTx/>
+                <a:latin typeface="Segoe UI"/>
+                <a:ea typeface="+mn-ea"/>
+                <a:cs typeface="+mn-cs"/>
+              </a:rPr>
+              <a:t>william_a_dba</a:t>
+            </a:r>
+            <a:endParaRPr kumimoji="0" lang="en-US" sz="3300" b="0" i="0" u="none" strike="noStrike" kern="1200" cap="none" spc="0" normalizeH="0" baseline="0" noProof="0" dirty="0">
+              <a:ln>
+                <a:noFill/>
+              </a:ln>
+              <a:solidFill>
+                <a:srgbClr val="101820"/>
+              </a:solidFill>
+              <a:effectLst/>
+              <a:uLnTx/>
+              <a:uFillTx/>
+              <a:latin typeface="Segoe UI"/>
+              <a:ea typeface="+mn-ea"/>
+              <a:cs typeface="+mn-cs"/>
+            </a:endParaRPr>
+          </a:p>
+          <a:p>
+            <a:pPr marL="362891" marR="0" lvl="0" indent="-362891" algn="l" defTabSz="967710" rtl="0" eaLnBrk="1" fontAlgn="auto" latinLnBrk="0" hangingPunct="1">
+              <a:lnSpc>
+                <a:spcPct val="100000"/>
+              </a:lnSpc>
+              <a:spcBef>
+                <a:spcPct val="20000"/>
+              </a:spcBef>
+              <a:spcAft>
+                <a:spcPts val="0"/>
+              </a:spcAft>
+              <a:buClrTx/>
+              <a:buSzTx/>
+              <a:buFont typeface="Arial" pitchFamily="34" charset="0"/>
+              <a:buChar char="•"/>
+              <a:tabLst/>
+              <a:defRPr/>
+            </a:pPr>
+            <a:endParaRPr kumimoji="0" lang="en-US" sz="2800" b="0" i="0" u="none" strike="noStrike" kern="1200" cap="none" spc="0" normalizeH="0" baseline="0" noProof="0" dirty="0">
+              <a:ln>
+                <a:noFill/>
+              </a:ln>
+              <a:solidFill>
+                <a:srgbClr val="101820"/>
+              </a:solidFill>
+              <a:effectLst/>
+              <a:uLnTx/>
+              <a:uFillTx/>
+              <a:latin typeface="Segoe UI"/>
+              <a:ea typeface="+mn-ea"/>
+              <a:cs typeface="+mn-cs"/>
+            </a:endParaRPr>
+          </a:p>
+          <a:p>
+            <a:pPr marL="0" marR="0" lvl="0" indent="0" algn="l" defTabSz="967710" rtl="0" eaLnBrk="1" fontAlgn="auto" latinLnBrk="0" hangingPunct="1">
+              <a:lnSpc>
+                <a:spcPct val="100000"/>
+              </a:lnSpc>
+              <a:spcBef>
+                <a:spcPct val="20000"/>
+              </a:spcBef>
+              <a:spcAft>
+                <a:spcPts val="0"/>
+              </a:spcAft>
+              <a:buClrTx/>
+              <a:buSzTx/>
+              <a:buFont typeface="Arial" pitchFamily="34" charset="0"/>
+              <a:buNone/>
+              <a:tabLst/>
+              <a:defRPr/>
+            </a:pPr>
+            <a:endParaRPr kumimoji="0" lang="en-US" sz="2800" b="0" i="0" u="none" strike="noStrike" kern="1200" cap="none" spc="0" normalizeH="0" baseline="0" noProof="0" dirty="0">
+              <a:ln>
+                <a:noFill/>
+              </a:ln>
+              <a:solidFill>
+                <a:srgbClr val="101820"/>
+              </a:solidFill>
+              <a:effectLst/>
+              <a:uLnTx/>
+              <a:uFillTx/>
+              <a:latin typeface="Segoe UI"/>
+              <a:ea typeface="+mn-ea"/>
+              <a:cs typeface="+mn-cs"/>
+            </a:endParaRPr>
+          </a:p>
+        </p:txBody>
+      </p:sp>
+      <p:sp>
+        <p:nvSpPr>
+          <p:cNvPr id="5" name="Text Placeholder 2"/>
+          <p:cNvSpPr txBox="1">
+            <a:spLocks/>
+          </p:cNvSpPr>
+          <p:nvPr/>
+        </p:nvSpPr>
+        <p:spPr>
+          <a:xfrm>
+            <a:off x="0" y="53"/>
+            <a:ext cx="12191999" cy="761988"/>
+          </a:xfrm>
+          <a:prstGeom prst="rect">
+            <a:avLst/>
+          </a:prstGeom>
+        </p:spPr>
+        <p:txBody>
+          <a:bodyPr vert="horz" lIns="91438" tIns="45719" rIns="91438" bIns="45719" rtlCol="0">
+            <a:normAutofit/>
+          </a:bodyPr>
+          <a:lstStyle>
+            <a:lvl1pPr marL="342900" indent="-342900" algn="l" defTabSz="457200" rtl="0" eaLnBrk="1" latinLnBrk="0" hangingPunct="1">
+              <a:spcBef>
+                <a:spcPct val="20000"/>
+              </a:spcBef>
+              <a:buFont typeface="Wingdings" charset="2"/>
+              <a:buChar char="§"/>
+              <a:defRPr sz="3000" kern="1200">
+                <a:solidFill>
+                  <a:schemeClr val="tx2"/>
+                </a:solidFill>
+                <a:latin typeface="+mn-lt"/>
+                <a:ea typeface="+mn-ea"/>
+                <a:cs typeface="+mn-cs"/>
+              </a:defRPr>
+            </a:lvl1pPr>
+            <a:lvl2pPr marL="742950" indent="-285750" algn="l" defTabSz="457200" rtl="0" eaLnBrk="1" latinLnBrk="0" hangingPunct="1">
+              <a:spcBef>
+                <a:spcPct val="20000"/>
+              </a:spcBef>
+              <a:buFont typeface="Wingdings" charset="2"/>
+              <a:buChar char="§"/>
+              <a:defRPr sz="2600" kern="1200">
+                <a:solidFill>
+                  <a:schemeClr val="tx2"/>
+                </a:solidFill>
+                <a:latin typeface="+mn-lt"/>
+                <a:ea typeface="+mn-ea"/>
+                <a:cs typeface="+mn-cs"/>
+              </a:defRPr>
+            </a:lvl2pPr>
+            <a:lvl3pPr marL="1143000" indent="-228600" algn="l" defTabSz="457200" rtl="0" eaLnBrk="1" latinLnBrk="0" hangingPunct="1">
+              <a:spcBef>
+                <a:spcPct val="20000"/>
+              </a:spcBef>
+              <a:buFont typeface="Wingdings" charset="2"/>
+              <a:buChar char="§"/>
+              <a:defRPr sz="2200" kern="1200">
+                <a:solidFill>
+                  <a:schemeClr val="tx2"/>
+                </a:solidFill>
+                <a:latin typeface="+mn-lt"/>
+                <a:ea typeface="+mn-ea"/>
+                <a:cs typeface="+mn-cs"/>
+              </a:defRPr>
+            </a:lvl3pPr>
+            <a:lvl4pPr marL="1600200" indent="-228600" algn="l" defTabSz="457200" rtl="0" eaLnBrk="1" latinLnBrk="0" hangingPunct="1">
+              <a:spcBef>
+                <a:spcPct val="20000"/>
+              </a:spcBef>
+              <a:buFont typeface="Wingdings" charset="2"/>
+              <a:buChar char="§"/>
+              <a:defRPr sz="2000" kern="1200">
+                <a:solidFill>
+                  <a:schemeClr val="tx2"/>
+                </a:solidFill>
+                <a:latin typeface="+mn-lt"/>
+                <a:ea typeface="+mn-ea"/>
+                <a:cs typeface="+mn-cs"/>
+              </a:defRPr>
+            </a:lvl4pPr>
+            <a:lvl5pPr marL="2057400" indent="-228600" algn="l" defTabSz="457200" rtl="0" eaLnBrk="1" latinLnBrk="0" hangingPunct="1">
+              <a:spcBef>
+                <a:spcPct val="20000"/>
+              </a:spcBef>
+              <a:buFont typeface="Wingdings" charset="2"/>
+              <a:buChar char="§"/>
+              <a:defRPr sz="1800" kern="1200">
+                <a:solidFill>
+                  <a:schemeClr val="tx2"/>
+                </a:solidFill>
+                <a:latin typeface="+mn-lt"/>
+                <a:ea typeface="+mn-ea"/>
+                <a:cs typeface="+mn-cs"/>
+              </a:defRPr>
+            </a:lvl5pPr>
+            <a:lvl6pPr marL="2514600" indent="-228600" algn="l" defTabSz="457200" rtl="0" eaLnBrk="1" latinLnBrk="0" hangingPunct="1">
+              <a:spcBef>
+                <a:spcPct val="20000"/>
+              </a:spcBef>
+              <a:buFont typeface="Arial"/>
+              <a:buChar char="•"/>
+              <a:defRPr sz="2000" kern="1200">
+                <a:solidFill>
+                  <a:schemeClr val="tx1"/>
+                </a:solidFill>
+                <a:latin typeface="+mn-lt"/>
+                <a:ea typeface="+mn-ea"/>
+                <a:cs typeface="+mn-cs"/>
+              </a:defRPr>
+            </a:lvl6pPr>
+            <a:lvl7pPr marL="2971800" indent="-228600" algn="l" defTabSz="457200" rtl="0" eaLnBrk="1" latinLnBrk="0" hangingPunct="1">
+              <a:spcBef>
+                <a:spcPct val="20000"/>
+              </a:spcBef>
+              <a:buFont typeface="Arial"/>
+              <a:buChar char="•"/>
+              <a:defRPr sz="2000" kern="1200">
+                <a:solidFill>
+                  <a:schemeClr val="tx1"/>
+                </a:solidFill>
+                <a:latin typeface="+mn-lt"/>
+                <a:ea typeface="+mn-ea"/>
+                <a:cs typeface="+mn-cs"/>
+              </a:defRPr>
+            </a:lvl7pPr>
+            <a:lvl8pPr marL="3429000" indent="-228600" algn="l" defTabSz="457200" rtl="0" eaLnBrk="1" latinLnBrk="0" hangingPunct="1">
+              <a:spcBef>
+                <a:spcPct val="20000"/>
+              </a:spcBef>
+              <a:buFont typeface="Arial"/>
+              <a:buChar char="•"/>
+              <a:defRPr sz="2000" kern="1200">
+                <a:solidFill>
+                  <a:schemeClr val="tx1"/>
+                </a:solidFill>
+                <a:latin typeface="+mn-lt"/>
+                <a:ea typeface="+mn-ea"/>
+                <a:cs typeface="+mn-cs"/>
+              </a:defRPr>
+            </a:lvl8pPr>
+            <a:lvl9pPr marL="3886200" indent="-228600" algn="l" defTabSz="457200" rtl="0" eaLnBrk="1" latinLnBrk="0" hangingPunct="1">
+              <a:spcBef>
+                <a:spcPct val="20000"/>
+              </a:spcBef>
+              <a:buFont typeface="Arial"/>
+              <a:buChar char="•"/>
+              <a:defRPr sz="2000" kern="1200">
+                <a:solidFill>
+                  <a:schemeClr val="tx1"/>
+                </a:solidFill>
+                <a:latin typeface="+mn-lt"/>
+                <a:ea typeface="+mn-ea"/>
+                <a:cs typeface="+mn-cs"/>
+              </a:defRPr>
+            </a:lvl9pPr>
+          </a:lstStyle>
+          <a:p>
+            <a:pPr marL="0" marR="0" lvl="0" indent="0" algn="ctr" defTabSz="483855" rtl="0" eaLnBrk="1" fontAlgn="auto" latinLnBrk="0" hangingPunct="1">
+              <a:lnSpc>
+                <a:spcPct val="100000"/>
+              </a:lnSpc>
+              <a:spcBef>
+                <a:spcPct val="20000"/>
+              </a:spcBef>
+              <a:spcAft>
+                <a:spcPts val="0"/>
+              </a:spcAft>
+              <a:buClrTx/>
+              <a:buSzTx/>
+              <a:buFont typeface="Wingdings" charset="2"/>
+              <a:buNone/>
+              <a:tabLst/>
+              <a:defRPr/>
+            </a:pPr>
+            <a:r>
+              <a:rPr kumimoji="0" lang="en-US" sz="4000" b="1" i="0" u="none" strike="noStrike" kern="1200" cap="all" spc="0" normalizeH="0" baseline="0" noProof="0" dirty="0">
+                <a:ln>
+                  <a:noFill/>
+                </a:ln>
+                <a:solidFill>
+                  <a:srgbClr val="3D156F"/>
+                </a:solidFill>
+                <a:effectLst/>
+                <a:uLnTx/>
+                <a:uFillTx/>
+                <a:latin typeface="Segoe UI"/>
+                <a:ea typeface="+mn-ea"/>
+                <a:cs typeface="+mn-cs"/>
+              </a:rPr>
+              <a:t>Bio and contact</a:t>
+            </a:r>
+          </a:p>
+        </p:txBody>
+      </p:sp>
+      <p:pic>
+        <p:nvPicPr>
+          <p:cNvPr id="6" name="Picture 2" descr="William Assaf">
+            <a:extLst>
+              <a:ext uri="{FF2B5EF4-FFF2-40B4-BE49-F238E27FC236}">
+                <a16:creationId xmlns:a16="http://schemas.microsoft.com/office/drawing/2014/main" id="{2BAE5041-34BB-4C0C-A938-11DDAAA023DE}"/>
+              </a:ext>
+            </a:extLst>
+          </p:cNvPr>
+          <p:cNvPicPr>
+            <a:picLocks noChangeAspect="1" noChangeArrowheads="1"/>
+          </p:cNvPicPr>
+          <p:nvPr/>
+        </p:nvPicPr>
+        <p:blipFill>
+          <a:blip r:embed="rId4">
+            <a:extLst>
+              <a:ext uri="{28A0092B-C50C-407E-A947-70E740481C1C}">
+                <a14:useLocalDpi xmlns:a14="http://schemas.microsoft.com/office/drawing/2010/main" val="0"/>
+              </a:ext>
+            </a:extLst>
+          </a:blip>
+          <a:srcRect/>
+          <a:stretch>
+            <a:fillRect/>
+          </a:stretch>
+        </p:blipFill>
+        <p:spPr bwMode="auto">
+          <a:xfrm>
+            <a:off x="9982200" y="762041"/>
+            <a:ext cx="1981200" cy="1981200"/>
+          </a:xfrm>
+          <a:prstGeom prst="rect">
+            <a:avLst/>
+          </a:prstGeom>
+          <a:noFill/>
+          <a:extLst>
+            <a:ext uri="{909E8E84-426E-40DD-AFC4-6F175D3DCCD1}">
+              <a14:hiddenFill xmlns:a14="http://schemas.microsoft.com/office/drawing/2010/main">
+                <a:solidFill>
+                  <a:srgbClr val="FFFFFF"/>
+                </a:solidFill>
+              </a14:hiddenFill>
+            </a:ext>
+          </a:extLst>
+        </p:spPr>
+      </p:pic>
+    </p:spTree>
+    <p:extLst>
+      <p:ext uri="{BB962C8B-B14F-4D97-AF65-F5344CB8AC3E}">
+        <p14:creationId xmlns:p14="http://schemas.microsoft.com/office/powerpoint/2010/main" val="1965489894"/>
       </p:ext>
     </p:extLst>
   </p:cSld>
@@ -35395,15 +36982,6 @@
 </file>
 
 <file path=customXml/item1.xml><?xml version="1.0" encoding="utf-8"?>
-<?mso-contentType ?>
-<FormTemplates xmlns="http://schemas.microsoft.com/sharepoint/v3/contenttype/forms">
-  <Display>DocumentLibraryForm</Display>
-  <Edit>DocumentLibraryForm</Edit>
-  <New>DocumentLibraryForm</New>
-</FormTemplates>
-</file>
-
-<file path=customXml/item2.xml><?xml version="1.0" encoding="utf-8"?>
 <ct:contentTypeSchema xmlns:ct="http://schemas.microsoft.com/office/2006/metadata/contentType" xmlns:ma="http://schemas.microsoft.com/office/2006/metadata/properties/metaAttributes" ct:_="" ma:_="" ma:contentTypeName="Document" ma:contentTypeID="0x010100649A375054727A4C945E2299B4DCA915" ma:contentTypeVersion="0" ma:contentTypeDescription="Create a new document." ma:contentTypeScope="" ma:versionID="de1b28439f8255a9718e7d9135f24bbd">
   <xsd:schema xmlns:xsd="http://www.w3.org/2001/XMLSchema" xmlns:p="http://schemas.microsoft.com/office/2006/metadata/properties" targetNamespace="http://schemas.microsoft.com/office/2006/metadata/properties" ma:root="true" ma:fieldsID="4aeb20c0e3442673af7ee10786458764">
     <xsd:element name="properties">
@@ -35452,21 +37030,22 @@
 </ct:contentTypeSchema>
 </file>
 
-<file path=customXml/item3.xml><?xml version="1.0" encoding="utf-8"?>
+<file path=customXml/item2.xml><?xml version="1.0" encoding="utf-8"?>
 <p:properties xmlns:p="http://schemas.microsoft.com/office/2006/metadata/properties" xmlns:xsi="http://www.w3.org/2001/XMLSchema-instance">
   <documentManagement/>
 </p:properties>
 </file>
 
-<file path=customXml/itemProps1.xml><?xml version="1.0" encoding="utf-8"?>
-<ds:datastoreItem xmlns:ds="http://schemas.openxmlformats.org/officeDocument/2006/customXml" ds:itemID="{B7AB5544-0152-4691-A7DA-1F72E45AA17D}">
-  <ds:schemaRefs>
-    <ds:schemaRef ds:uri="http://schemas.microsoft.com/sharepoint/v3/contenttype/forms"/>
-  </ds:schemaRefs>
-</ds:datastoreItem>
+<file path=customXml/item3.xml><?xml version="1.0" encoding="utf-8"?>
+<?mso-contentType ?>
+<FormTemplates xmlns="http://schemas.microsoft.com/sharepoint/v3/contenttype/forms">
+  <Display>DocumentLibraryForm</Display>
+  <Edit>DocumentLibraryForm</Edit>
+  <New>DocumentLibraryForm</New>
+</FormTemplates>
 </file>
 
-<file path=customXml/itemProps2.xml><?xml version="1.0" encoding="utf-8"?>
+<file path=customXml/itemProps1.xml><?xml version="1.0" encoding="utf-8"?>
 <ds:datastoreItem xmlns:ds="http://schemas.openxmlformats.org/officeDocument/2006/customXml" ds:itemID="{94BA6386-D4B0-4B5D-8FF1-8B01CDAF8640}">
   <ds:schemaRefs>
     <ds:schemaRef ds:uri="http://schemas.microsoft.com/office/2006/metadata/contentType"/>
@@ -35481,7 +37060,7 @@
 </ds:datastoreItem>
 </file>
 
-<file path=customXml/itemProps3.xml><?xml version="1.0" encoding="utf-8"?>
+<file path=customXml/itemProps2.xml><?xml version="1.0" encoding="utf-8"?>
 <ds:datastoreItem xmlns:ds="http://schemas.openxmlformats.org/officeDocument/2006/customXml" ds:itemID="{319B95F1-6128-476B-B834-5ABE8BE5D072}">
   <ds:schemaRefs>
     <ds:schemaRef ds:uri="http://purl.org/dc/terms/"/>
@@ -35493,4 +37072,12 @@
     <ds:schemaRef ds:uri="http://purl.org/dc/dcmitype/"/>
   </ds:schemaRefs>
 </ds:datastoreItem>
+</file>
+
+<file path=customXml/itemProps3.xml><?xml version="1.0" encoding="utf-8"?>
+<ds:datastoreItem xmlns:ds="http://schemas.openxmlformats.org/officeDocument/2006/customXml" ds:itemID="{B7AB5544-0152-4691-A7DA-1F72E45AA17D}">
+  <ds:schemaRefs>
+    <ds:schemaRef ds:uri="http://schemas.microsoft.com/sharepoint/v3/contenttype/forms"/>
+  </ds:schemaRefs>
+</ds:datastoreItem>
 </file>